--- a/automated_soldering_machine.pptx
+++ b/automated_soldering_machine.pptx
@@ -194,7 +194,7 @@
           <a:p>
             <a:fld id="{6B1ABE9E-7FB6-47FC-BE31-5609706269A3}" type="datetimeFigureOut">
               <a:rPr lang="en-US" smtClean="0"/>
-              <a:t>1/1/2021</a:t>
+              <a:t>01-Jan-21</a:t>
             </a:fld>
             <a:endParaRPr lang="en-US"/>
           </a:p>
@@ -510,8 +510,8 @@
           </a:prstGeom>
           <a:noFill/>
           <a:extLst>
-            <a:ext uri="{909E8E84-426E-40dd-AFC4-6F175D3DCCD1}">
-              <a14:hiddenFill xmlns:a14="http://schemas.microsoft.com/office/drawing/2010/main" xmlns="">
+            <a:ext uri="{909E8E84-426E-40DD-AFC4-6F175D3DCCD1}">
+              <a14:hiddenFill xmlns:a14="http://schemas.microsoft.com/office/drawing/2010/main">
                 <a:solidFill>
                   <a:srgbClr val="FFFFFF"/>
                 </a:solidFill>
@@ -570,8 +570,8 @@
               <a:noFill/>
             </a:ln>
             <a:extLst>
-              <a:ext uri="{91240B29-F687-4f45-9708-019B960494DF}">
-                <a14:hiddenLine xmlns:a14="http://schemas.microsoft.com/office/drawing/2010/main" xmlns="" w="9525">
+              <a:ext uri="{91240B29-F687-4F45-9708-019B960494DF}">
+                <a14:hiddenLine xmlns:a14="http://schemas.microsoft.com/office/drawing/2010/main" w="9525">
                   <a:solidFill>
                     <a:srgbClr val="000000"/>
                   </a:solidFill>
@@ -660,8 +660,8 @@
               <a:noFill/>
             </a:ln>
             <a:extLst>
-              <a:ext uri="{91240B29-F687-4f45-9708-019B960494DF}">
-                <a14:hiddenLine xmlns:a14="http://schemas.microsoft.com/office/drawing/2010/main" xmlns="" w="9525">
+              <a:ext uri="{91240B29-F687-4F45-9708-019B960494DF}">
+                <a14:hiddenLine xmlns:a14="http://schemas.microsoft.com/office/drawing/2010/main" w="9525">
                   <a:solidFill>
                     <a:srgbClr val="000000"/>
                   </a:solidFill>
@@ -750,8 +750,8 @@
               <a:noFill/>
             </a:ln>
             <a:extLst>
-              <a:ext uri="{91240B29-F687-4f45-9708-019B960494DF}">
-                <a14:hiddenLine xmlns:a14="http://schemas.microsoft.com/office/drawing/2010/main" xmlns="" w="9525">
+              <a:ext uri="{91240B29-F687-4F45-9708-019B960494DF}">
+                <a14:hiddenLine xmlns:a14="http://schemas.microsoft.com/office/drawing/2010/main" w="9525">
                   <a:solidFill>
                     <a:srgbClr val="000000"/>
                   </a:solidFill>
@@ -784,8 +784,8 @@
               <a:noFill/>
             </a:ln>
             <a:extLst>
-              <a:ext uri="{91240B29-F687-4f45-9708-019B960494DF}">
-                <a14:hiddenLine xmlns:a14="http://schemas.microsoft.com/office/drawing/2010/main" xmlns="" w="9525">
+              <a:ext uri="{91240B29-F687-4F45-9708-019B960494DF}">
+                <a14:hiddenLine xmlns:a14="http://schemas.microsoft.com/office/drawing/2010/main" w="9525">
                   <a:solidFill>
                     <a:srgbClr val="000000"/>
                   </a:solidFill>
@@ -874,8 +874,8 @@
               <a:noFill/>
             </a:ln>
             <a:extLst>
-              <a:ext uri="{91240B29-F687-4f45-9708-019B960494DF}">
-                <a14:hiddenLine xmlns:a14="http://schemas.microsoft.com/office/drawing/2010/main" xmlns="" w="9525">
+              <a:ext uri="{91240B29-F687-4F45-9708-019B960494DF}">
+                <a14:hiddenLine xmlns:a14="http://schemas.microsoft.com/office/drawing/2010/main" w="9525">
                   <a:solidFill>
                     <a:srgbClr val="000000"/>
                   </a:solidFill>
@@ -936,8 +936,8 @@
               <a:noFill/>
             </a:ln>
             <a:extLst>
-              <a:ext uri="{91240B29-F687-4f45-9708-019B960494DF}">
-                <a14:hiddenLine xmlns:a14="http://schemas.microsoft.com/office/drawing/2010/main" xmlns="" w="9525">
+              <a:ext uri="{91240B29-F687-4F45-9708-019B960494DF}">
+                <a14:hiddenLine xmlns:a14="http://schemas.microsoft.com/office/drawing/2010/main" w="9525">
                   <a:solidFill>
                     <a:srgbClr val="000000"/>
                   </a:solidFill>
@@ -998,8 +998,8 @@
               <a:noFill/>
             </a:ln>
             <a:extLst>
-              <a:ext uri="{91240B29-F687-4f45-9708-019B960494DF}">
-                <a14:hiddenLine xmlns:a14="http://schemas.microsoft.com/office/drawing/2010/main" xmlns="" w="9525">
+              <a:ext uri="{91240B29-F687-4F45-9708-019B960494DF}">
+                <a14:hiddenLine xmlns:a14="http://schemas.microsoft.com/office/drawing/2010/main" w="9525">
                   <a:solidFill>
                     <a:srgbClr val="000000"/>
                   </a:solidFill>
@@ -1088,8 +1088,8 @@
               <a:noFill/>
             </a:ln>
             <a:extLst>
-              <a:ext uri="{91240B29-F687-4f45-9708-019B960494DF}">
-                <a14:hiddenLine xmlns:a14="http://schemas.microsoft.com/office/drawing/2010/main" xmlns="" w="9525">
+              <a:ext uri="{91240B29-F687-4F45-9708-019B960494DF}">
+                <a14:hiddenLine xmlns:a14="http://schemas.microsoft.com/office/drawing/2010/main" w="9525">
                   <a:solidFill>
                     <a:srgbClr val="000000"/>
                   </a:solidFill>
@@ -1150,8 +1150,8 @@
               <a:noFill/>
             </a:ln>
             <a:extLst>
-              <a:ext uri="{91240B29-F687-4f45-9708-019B960494DF}">
-                <a14:hiddenLine xmlns:a14="http://schemas.microsoft.com/office/drawing/2010/main" xmlns="" w="9525">
+              <a:ext uri="{91240B29-F687-4F45-9708-019B960494DF}">
+                <a14:hiddenLine xmlns:a14="http://schemas.microsoft.com/office/drawing/2010/main" w="9525">
                   <a:solidFill>
                     <a:srgbClr val="000000"/>
                   </a:solidFill>
@@ -1212,8 +1212,8 @@
               <a:noFill/>
             </a:ln>
             <a:extLst>
-              <a:ext uri="{91240B29-F687-4f45-9708-019B960494DF}">
-                <a14:hiddenLine xmlns:a14="http://schemas.microsoft.com/office/drawing/2010/main" xmlns="" w="9525">
+              <a:ext uri="{91240B29-F687-4F45-9708-019B960494DF}">
+                <a14:hiddenLine xmlns:a14="http://schemas.microsoft.com/office/drawing/2010/main" w="9525">
                   <a:solidFill>
                     <a:srgbClr val="000000"/>
                   </a:solidFill>
@@ -1302,8 +1302,8 @@
               <a:noFill/>
             </a:ln>
             <a:extLst>
-              <a:ext uri="{91240B29-F687-4f45-9708-019B960494DF}">
-                <a14:hiddenLine xmlns:a14="http://schemas.microsoft.com/office/drawing/2010/main" xmlns="" w="9525">
+              <a:ext uri="{91240B29-F687-4F45-9708-019B960494DF}">
+                <a14:hiddenLine xmlns:a14="http://schemas.microsoft.com/office/drawing/2010/main" w="9525">
                   <a:solidFill>
                     <a:srgbClr val="000000"/>
                   </a:solidFill>
@@ -1392,8 +1392,8 @@
               <a:noFill/>
             </a:ln>
             <a:extLst>
-              <a:ext uri="{91240B29-F687-4f45-9708-019B960494DF}">
-                <a14:hiddenLine xmlns:a14="http://schemas.microsoft.com/office/drawing/2010/main" xmlns="" w="9525">
+              <a:ext uri="{91240B29-F687-4F45-9708-019B960494DF}">
+                <a14:hiddenLine xmlns:a14="http://schemas.microsoft.com/office/drawing/2010/main" w="9525">
                   <a:solidFill>
                     <a:srgbClr val="000000"/>
                   </a:solidFill>
@@ -1454,8 +1454,8 @@
               <a:noFill/>
             </a:ln>
             <a:extLst>
-              <a:ext uri="{91240B29-F687-4f45-9708-019B960494DF}">
-                <a14:hiddenLine xmlns:a14="http://schemas.microsoft.com/office/drawing/2010/main" xmlns="" w="9525">
+              <a:ext uri="{91240B29-F687-4F45-9708-019B960494DF}">
+                <a14:hiddenLine xmlns:a14="http://schemas.microsoft.com/office/drawing/2010/main" w="9525">
                   <a:solidFill>
                     <a:srgbClr val="000000"/>
                   </a:solidFill>
@@ -1564,8 +1564,8 @@
               <a:noFill/>
             </a:ln>
             <a:extLst>
-              <a:ext uri="{91240B29-F687-4f45-9708-019B960494DF}">
-                <a14:hiddenLine xmlns:a14="http://schemas.microsoft.com/office/drawing/2010/main" xmlns="" w="9525">
+              <a:ext uri="{91240B29-F687-4F45-9708-019B960494DF}">
+                <a14:hiddenLine xmlns:a14="http://schemas.microsoft.com/office/drawing/2010/main" w="9525">
                   <a:solidFill>
                     <a:srgbClr val="000000"/>
                   </a:solidFill>
@@ -1626,8 +1626,8 @@
               <a:noFill/>
             </a:ln>
             <a:extLst>
-              <a:ext uri="{91240B29-F687-4f45-9708-019B960494DF}">
-                <a14:hiddenLine xmlns:a14="http://schemas.microsoft.com/office/drawing/2010/main" xmlns="" w="9525">
+              <a:ext uri="{91240B29-F687-4F45-9708-019B960494DF}">
+                <a14:hiddenLine xmlns:a14="http://schemas.microsoft.com/office/drawing/2010/main" w="9525">
                   <a:solidFill>
                     <a:srgbClr val="000000"/>
                   </a:solidFill>
@@ -1716,8 +1716,8 @@
               <a:noFill/>
             </a:ln>
             <a:extLst>
-              <a:ext uri="{91240B29-F687-4f45-9708-019B960494DF}">
-                <a14:hiddenLine xmlns:a14="http://schemas.microsoft.com/office/drawing/2010/main" xmlns="" w="9525">
+              <a:ext uri="{91240B29-F687-4F45-9708-019B960494DF}">
+                <a14:hiddenLine xmlns:a14="http://schemas.microsoft.com/office/drawing/2010/main" w="9525">
                   <a:solidFill>
                     <a:srgbClr val="000000"/>
                   </a:solidFill>
@@ -1806,8 +1806,8 @@
               <a:noFill/>
             </a:ln>
             <a:extLst>
-              <a:ext uri="{91240B29-F687-4f45-9708-019B960494DF}">
-                <a14:hiddenLine xmlns:a14="http://schemas.microsoft.com/office/drawing/2010/main" xmlns="" w="9525">
+              <a:ext uri="{91240B29-F687-4F45-9708-019B960494DF}">
+                <a14:hiddenLine xmlns:a14="http://schemas.microsoft.com/office/drawing/2010/main" w="9525">
                   <a:solidFill>
                     <a:srgbClr val="000000"/>
                   </a:solidFill>
@@ -1868,8 +1868,8 @@
               <a:noFill/>
             </a:ln>
             <a:extLst>
-              <a:ext uri="{91240B29-F687-4f45-9708-019B960494DF}">
-                <a14:hiddenLine xmlns:a14="http://schemas.microsoft.com/office/drawing/2010/main" xmlns="" w="9525">
+              <a:ext uri="{91240B29-F687-4F45-9708-019B960494DF}">
+                <a14:hiddenLine xmlns:a14="http://schemas.microsoft.com/office/drawing/2010/main" w="9525">
                   <a:solidFill>
                     <a:srgbClr val="000000"/>
                   </a:solidFill>
@@ -1958,8 +1958,8 @@
               <a:noFill/>
             </a:ln>
             <a:extLst>
-              <a:ext uri="{91240B29-F687-4f45-9708-019B960494DF}">
-                <a14:hiddenLine xmlns:a14="http://schemas.microsoft.com/office/drawing/2010/main" xmlns="" w="9525">
+              <a:ext uri="{91240B29-F687-4F45-9708-019B960494DF}">
+                <a14:hiddenLine xmlns:a14="http://schemas.microsoft.com/office/drawing/2010/main" w="9525">
                   <a:solidFill>
                     <a:srgbClr val="000000"/>
                   </a:solidFill>
@@ -2048,8 +2048,8 @@
               <a:noFill/>
             </a:ln>
             <a:extLst>
-              <a:ext uri="{91240B29-F687-4f45-9708-019B960494DF}">
-                <a14:hiddenLine xmlns:a14="http://schemas.microsoft.com/office/drawing/2010/main" xmlns="" w="9525">
+              <a:ext uri="{91240B29-F687-4F45-9708-019B960494DF}">
+                <a14:hiddenLine xmlns:a14="http://schemas.microsoft.com/office/drawing/2010/main" w="9525">
                   <a:solidFill>
                     <a:srgbClr val="000000"/>
                   </a:solidFill>
@@ -2104,8 +2104,8 @@
               <a:noFill/>
             </a:ln>
             <a:extLst>
-              <a:ext uri="{91240B29-F687-4f45-9708-019B960494DF}">
-                <a14:hiddenLine xmlns:a14="http://schemas.microsoft.com/office/drawing/2010/main" xmlns="" w="9525">
+              <a:ext uri="{91240B29-F687-4F45-9708-019B960494DF}">
+                <a14:hiddenLine xmlns:a14="http://schemas.microsoft.com/office/drawing/2010/main" w="9525">
                   <a:solidFill>
                     <a:srgbClr val="000000"/>
                   </a:solidFill>
@@ -2194,8 +2194,8 @@
               <a:noFill/>
             </a:ln>
             <a:extLst>
-              <a:ext uri="{91240B29-F687-4f45-9708-019B960494DF}">
-                <a14:hiddenLine xmlns:a14="http://schemas.microsoft.com/office/drawing/2010/main" xmlns="" w="9525">
+              <a:ext uri="{91240B29-F687-4F45-9708-019B960494DF}">
+                <a14:hiddenLine xmlns:a14="http://schemas.microsoft.com/office/drawing/2010/main" w="9525">
                   <a:solidFill>
                     <a:srgbClr val="000000"/>
                   </a:solidFill>
@@ -2250,8 +2250,8 @@
               <a:noFill/>
             </a:ln>
             <a:extLst>
-              <a:ext uri="{91240B29-F687-4f45-9708-019B960494DF}">
-                <a14:hiddenLine xmlns:a14="http://schemas.microsoft.com/office/drawing/2010/main" xmlns="" w="9525">
+              <a:ext uri="{91240B29-F687-4F45-9708-019B960494DF}">
+                <a14:hiddenLine xmlns:a14="http://schemas.microsoft.com/office/drawing/2010/main" w="9525">
                   <a:solidFill>
                     <a:srgbClr val="000000"/>
                   </a:solidFill>
@@ -2340,8 +2340,8 @@
               <a:noFill/>
             </a:ln>
             <a:extLst>
-              <a:ext uri="{91240B29-F687-4f45-9708-019B960494DF}">
-                <a14:hiddenLine xmlns:a14="http://schemas.microsoft.com/office/drawing/2010/main" xmlns="" w="9525">
+              <a:ext uri="{91240B29-F687-4F45-9708-019B960494DF}">
+                <a14:hiddenLine xmlns:a14="http://schemas.microsoft.com/office/drawing/2010/main" w="9525">
                   <a:solidFill>
                     <a:srgbClr val="000000"/>
                   </a:solidFill>
@@ -2408,8 +2408,8 @@
               <a:noFill/>
             </a:ln>
             <a:extLst>
-              <a:ext uri="{91240B29-F687-4f45-9708-019B960494DF}">
-                <a14:hiddenLine xmlns:a14="http://schemas.microsoft.com/office/drawing/2010/main" xmlns="" w="9525">
+              <a:ext uri="{91240B29-F687-4F45-9708-019B960494DF}">
+                <a14:hiddenLine xmlns:a14="http://schemas.microsoft.com/office/drawing/2010/main" w="9525">
                   <a:solidFill>
                     <a:srgbClr val="000000"/>
                   </a:solidFill>
@@ -2498,8 +2498,8 @@
               <a:noFill/>
             </a:ln>
             <a:extLst>
-              <a:ext uri="{91240B29-F687-4f45-9708-019B960494DF}">
-                <a14:hiddenLine xmlns:a14="http://schemas.microsoft.com/office/drawing/2010/main" xmlns="" w="9525">
+              <a:ext uri="{91240B29-F687-4F45-9708-019B960494DF}">
+                <a14:hiddenLine xmlns:a14="http://schemas.microsoft.com/office/drawing/2010/main" w="9525">
                   <a:solidFill>
                     <a:srgbClr val="000000"/>
                   </a:solidFill>
@@ -2566,8 +2566,8 @@
               <a:noFill/>
             </a:ln>
             <a:extLst>
-              <a:ext uri="{91240B29-F687-4f45-9708-019B960494DF}">
-                <a14:hiddenLine xmlns:a14="http://schemas.microsoft.com/office/drawing/2010/main" xmlns="" w="9525">
+              <a:ext uri="{91240B29-F687-4F45-9708-019B960494DF}">
+                <a14:hiddenLine xmlns:a14="http://schemas.microsoft.com/office/drawing/2010/main" w="9525">
                   <a:solidFill>
                     <a:srgbClr val="000000"/>
                   </a:solidFill>
@@ -2656,8 +2656,8 @@
               <a:noFill/>
             </a:ln>
             <a:extLst>
-              <a:ext uri="{91240B29-F687-4f45-9708-019B960494DF}">
-                <a14:hiddenLine xmlns:a14="http://schemas.microsoft.com/office/drawing/2010/main" xmlns="" w="9525">
+              <a:ext uri="{91240B29-F687-4F45-9708-019B960494DF}">
+                <a14:hiddenLine xmlns:a14="http://schemas.microsoft.com/office/drawing/2010/main" w="9525">
                   <a:solidFill>
                     <a:srgbClr val="000000"/>
                   </a:solidFill>
@@ -2690,8 +2690,8 @@
               <a:noFill/>
             </a:ln>
             <a:extLst>
-              <a:ext uri="{91240B29-F687-4f45-9708-019B960494DF}">
-                <a14:hiddenLine xmlns:a14="http://schemas.microsoft.com/office/drawing/2010/main" xmlns="" w="9525">
+              <a:ext uri="{91240B29-F687-4F45-9708-019B960494DF}">
+                <a14:hiddenLine xmlns:a14="http://schemas.microsoft.com/office/drawing/2010/main" w="9525">
                   <a:solidFill>
                     <a:srgbClr val="000000"/>
                   </a:solidFill>
@@ -2780,8 +2780,8 @@
               <a:noFill/>
             </a:ln>
             <a:extLst>
-              <a:ext uri="{91240B29-F687-4f45-9708-019B960494DF}">
-                <a14:hiddenLine xmlns:a14="http://schemas.microsoft.com/office/drawing/2010/main" xmlns="" w="9525">
+              <a:ext uri="{91240B29-F687-4F45-9708-019B960494DF}">
+                <a14:hiddenLine xmlns:a14="http://schemas.microsoft.com/office/drawing/2010/main" w="9525">
                   <a:solidFill>
                     <a:srgbClr val="000000"/>
                   </a:solidFill>
@@ -2842,8 +2842,8 @@
               <a:noFill/>
             </a:ln>
             <a:extLst>
-              <a:ext uri="{91240B29-F687-4f45-9708-019B960494DF}">
-                <a14:hiddenLine xmlns:a14="http://schemas.microsoft.com/office/drawing/2010/main" xmlns="" w="9525">
+              <a:ext uri="{91240B29-F687-4F45-9708-019B960494DF}">
+                <a14:hiddenLine xmlns:a14="http://schemas.microsoft.com/office/drawing/2010/main" w="9525">
                   <a:solidFill>
                     <a:srgbClr val="000000"/>
                   </a:solidFill>
@@ -2904,8 +2904,8 @@
               <a:noFill/>
             </a:ln>
             <a:extLst>
-              <a:ext uri="{91240B29-F687-4f45-9708-019B960494DF}">
-                <a14:hiddenLine xmlns:a14="http://schemas.microsoft.com/office/drawing/2010/main" xmlns="" w="9525">
+              <a:ext uri="{91240B29-F687-4F45-9708-019B960494DF}">
+                <a14:hiddenLine xmlns:a14="http://schemas.microsoft.com/office/drawing/2010/main" w="9525">
                   <a:solidFill>
                     <a:srgbClr val="000000"/>
                   </a:solidFill>
@@ -2994,8 +2994,8 @@
               <a:noFill/>
             </a:ln>
             <a:extLst>
-              <a:ext uri="{91240B29-F687-4f45-9708-019B960494DF}">
-                <a14:hiddenLine xmlns:a14="http://schemas.microsoft.com/office/drawing/2010/main" xmlns="" w="9525">
+              <a:ext uri="{91240B29-F687-4F45-9708-019B960494DF}">
+                <a14:hiddenLine xmlns:a14="http://schemas.microsoft.com/office/drawing/2010/main" w="9525">
                   <a:solidFill>
                     <a:srgbClr val="000000"/>
                   </a:solidFill>
@@ -3062,8 +3062,8 @@
               <a:noFill/>
             </a:ln>
             <a:extLst>
-              <a:ext uri="{91240B29-F687-4f45-9708-019B960494DF}">
-                <a14:hiddenLine xmlns:a14="http://schemas.microsoft.com/office/drawing/2010/main" xmlns="" w="9525">
+              <a:ext uri="{91240B29-F687-4F45-9708-019B960494DF}">
+                <a14:hiddenLine xmlns:a14="http://schemas.microsoft.com/office/drawing/2010/main" w="9525">
                   <a:solidFill>
                     <a:srgbClr val="000000"/>
                   </a:solidFill>
@@ -3124,8 +3124,8 @@
               <a:noFill/>
             </a:ln>
             <a:extLst>
-              <a:ext uri="{91240B29-F687-4f45-9708-019B960494DF}">
-                <a14:hiddenLine xmlns:a14="http://schemas.microsoft.com/office/drawing/2010/main" xmlns="" w="9525">
+              <a:ext uri="{91240B29-F687-4F45-9708-019B960494DF}">
+                <a14:hiddenLine xmlns:a14="http://schemas.microsoft.com/office/drawing/2010/main" w="9525">
                   <a:solidFill>
                     <a:srgbClr val="000000"/>
                   </a:solidFill>
@@ -3214,8 +3214,8 @@
               <a:noFill/>
             </a:ln>
             <a:extLst>
-              <a:ext uri="{91240B29-F687-4f45-9708-019B960494DF}">
-                <a14:hiddenLine xmlns:a14="http://schemas.microsoft.com/office/drawing/2010/main" xmlns="" w="9525">
+              <a:ext uri="{91240B29-F687-4F45-9708-019B960494DF}">
+                <a14:hiddenLine xmlns:a14="http://schemas.microsoft.com/office/drawing/2010/main" w="9525">
                   <a:solidFill>
                     <a:srgbClr val="000000"/>
                   </a:solidFill>
@@ -3276,8 +3276,8 @@
               <a:noFill/>
             </a:ln>
             <a:extLst>
-              <a:ext uri="{91240B29-F687-4f45-9708-019B960494DF}">
-                <a14:hiddenLine xmlns:a14="http://schemas.microsoft.com/office/drawing/2010/main" xmlns="" w="9525">
+              <a:ext uri="{91240B29-F687-4F45-9708-019B960494DF}">
+                <a14:hiddenLine xmlns:a14="http://schemas.microsoft.com/office/drawing/2010/main" w="9525">
                   <a:solidFill>
                     <a:srgbClr val="000000"/>
                   </a:solidFill>
@@ -3366,8 +3366,8 @@
               <a:noFill/>
             </a:ln>
             <a:extLst>
-              <a:ext uri="{91240B29-F687-4f45-9708-019B960494DF}">
-                <a14:hiddenLine xmlns:a14="http://schemas.microsoft.com/office/drawing/2010/main" xmlns="" w="9525">
+              <a:ext uri="{91240B29-F687-4F45-9708-019B960494DF}">
+                <a14:hiddenLine xmlns:a14="http://schemas.microsoft.com/office/drawing/2010/main" w="9525">
                   <a:solidFill>
                     <a:srgbClr val="000000"/>
                   </a:solidFill>
@@ -3428,8 +3428,8 @@
               <a:noFill/>
             </a:ln>
             <a:extLst>
-              <a:ext uri="{91240B29-F687-4f45-9708-019B960494DF}">
-                <a14:hiddenLine xmlns:a14="http://schemas.microsoft.com/office/drawing/2010/main" xmlns="" w="9525">
+              <a:ext uri="{91240B29-F687-4F45-9708-019B960494DF}">
+                <a14:hiddenLine xmlns:a14="http://schemas.microsoft.com/office/drawing/2010/main" w="9525">
                   <a:solidFill>
                     <a:srgbClr val="000000"/>
                   </a:solidFill>
@@ -3518,8 +3518,8 @@
               <a:noFill/>
             </a:ln>
             <a:extLst>
-              <a:ext uri="{91240B29-F687-4f45-9708-019B960494DF}">
-                <a14:hiddenLine xmlns:a14="http://schemas.microsoft.com/office/drawing/2010/main" xmlns="" w="9525">
+              <a:ext uri="{91240B29-F687-4F45-9708-019B960494DF}">
+                <a14:hiddenLine xmlns:a14="http://schemas.microsoft.com/office/drawing/2010/main" w="9525">
                   <a:solidFill>
                     <a:srgbClr val="000000"/>
                   </a:solidFill>
@@ -3552,8 +3552,8 @@
               <a:noFill/>
             </a:ln>
             <a:extLst>
-              <a:ext uri="{91240B29-F687-4f45-9708-019B960494DF}">
-                <a14:hiddenLine xmlns:a14="http://schemas.microsoft.com/office/drawing/2010/main" xmlns="" w="9525">
+              <a:ext uri="{91240B29-F687-4F45-9708-019B960494DF}">
+                <a14:hiddenLine xmlns:a14="http://schemas.microsoft.com/office/drawing/2010/main" w="9525">
                   <a:solidFill>
                     <a:srgbClr val="000000"/>
                   </a:solidFill>
@@ -3617,8 +3617,8 @@
               <a:noFill/>
             </a:ln>
             <a:extLst>
-              <a:ext uri="{91240B29-F687-4f45-9708-019B960494DF}">
-                <a14:hiddenLine xmlns:a14="http://schemas.microsoft.com/office/drawing/2010/main" xmlns="" w="9525">
+              <a:ext uri="{91240B29-F687-4F45-9708-019B960494DF}">
+                <a14:hiddenLine xmlns:a14="http://schemas.microsoft.com/office/drawing/2010/main" w="9525">
                   <a:solidFill>
                     <a:srgbClr val="000000"/>
                   </a:solidFill>
@@ -3707,8 +3707,8 @@
               <a:noFill/>
             </a:ln>
             <a:extLst>
-              <a:ext uri="{91240B29-F687-4f45-9708-019B960494DF}">
-                <a14:hiddenLine xmlns:a14="http://schemas.microsoft.com/office/drawing/2010/main" xmlns="" w="9525">
+              <a:ext uri="{91240B29-F687-4F45-9708-019B960494DF}">
+                <a14:hiddenLine xmlns:a14="http://schemas.microsoft.com/office/drawing/2010/main" w="9525">
                   <a:solidFill>
                     <a:srgbClr val="000000"/>
                   </a:solidFill>
@@ -3769,8 +3769,8 @@
               <a:noFill/>
             </a:ln>
             <a:extLst>
-              <a:ext uri="{91240B29-F687-4f45-9708-019B960494DF}">
-                <a14:hiddenLine xmlns:a14="http://schemas.microsoft.com/office/drawing/2010/main" xmlns="" w="9525">
+              <a:ext uri="{91240B29-F687-4F45-9708-019B960494DF}">
+                <a14:hiddenLine xmlns:a14="http://schemas.microsoft.com/office/drawing/2010/main" w="9525">
                   <a:solidFill>
                     <a:srgbClr val="000000"/>
                   </a:solidFill>
@@ -3859,8 +3859,8 @@
               <a:noFill/>
             </a:ln>
             <a:extLst>
-              <a:ext uri="{91240B29-F687-4f45-9708-019B960494DF}">
-                <a14:hiddenLine xmlns:a14="http://schemas.microsoft.com/office/drawing/2010/main" xmlns="" w="9525">
+              <a:ext uri="{91240B29-F687-4F45-9708-019B960494DF}">
+                <a14:hiddenLine xmlns:a14="http://schemas.microsoft.com/office/drawing/2010/main" w="9525">
                   <a:solidFill>
                     <a:srgbClr val="000000"/>
                   </a:solidFill>
@@ -3949,8 +3949,8 @@
               <a:noFill/>
             </a:ln>
             <a:extLst>
-              <a:ext uri="{91240B29-F687-4f45-9708-019B960494DF}">
-                <a14:hiddenLine xmlns:a14="http://schemas.microsoft.com/office/drawing/2010/main" xmlns="" w="9525">
+              <a:ext uri="{91240B29-F687-4F45-9708-019B960494DF}">
+                <a14:hiddenLine xmlns:a14="http://schemas.microsoft.com/office/drawing/2010/main" w="9525">
                   <a:solidFill>
                     <a:srgbClr val="000000"/>
                   </a:solidFill>
@@ -4014,8 +4014,8 @@
               <a:noFill/>
             </a:ln>
             <a:extLst>
-              <a:ext uri="{91240B29-F687-4f45-9708-019B960494DF}">
-                <a14:hiddenLine xmlns:a14="http://schemas.microsoft.com/office/drawing/2010/main" xmlns="" w="9525">
+              <a:ext uri="{91240B29-F687-4F45-9708-019B960494DF}">
+                <a14:hiddenLine xmlns:a14="http://schemas.microsoft.com/office/drawing/2010/main" w="9525">
                   <a:solidFill>
                     <a:srgbClr val="000000"/>
                   </a:solidFill>
@@ -4076,8 +4076,8 @@
               <a:noFill/>
             </a:ln>
             <a:extLst>
-              <a:ext uri="{91240B29-F687-4f45-9708-019B960494DF}">
-                <a14:hiddenLine xmlns:a14="http://schemas.microsoft.com/office/drawing/2010/main" xmlns="" w="9525">
+              <a:ext uri="{91240B29-F687-4F45-9708-019B960494DF}">
+                <a14:hiddenLine xmlns:a14="http://schemas.microsoft.com/office/drawing/2010/main" w="9525">
                   <a:solidFill>
                     <a:srgbClr val="000000"/>
                   </a:solidFill>
@@ -4166,8 +4166,8 @@
               <a:noFill/>
             </a:ln>
             <a:extLst>
-              <a:ext uri="{91240B29-F687-4f45-9708-019B960494DF}">
-                <a14:hiddenLine xmlns:a14="http://schemas.microsoft.com/office/drawing/2010/main" xmlns="" w="9525">
+              <a:ext uri="{91240B29-F687-4F45-9708-019B960494DF}">
+                <a14:hiddenLine xmlns:a14="http://schemas.microsoft.com/office/drawing/2010/main" w="9525">
                   <a:solidFill>
                     <a:srgbClr val="000000"/>
                   </a:solidFill>
@@ -4256,8 +4256,8 @@
               <a:noFill/>
             </a:ln>
             <a:extLst>
-              <a:ext uri="{91240B29-F687-4f45-9708-019B960494DF}">
-                <a14:hiddenLine xmlns:a14="http://schemas.microsoft.com/office/drawing/2010/main" xmlns="" w="9525">
+              <a:ext uri="{91240B29-F687-4F45-9708-019B960494DF}">
+                <a14:hiddenLine xmlns:a14="http://schemas.microsoft.com/office/drawing/2010/main" w="9525">
                   <a:solidFill>
                     <a:srgbClr val="000000"/>
                   </a:solidFill>
@@ -4318,8 +4318,8 @@
               <a:noFill/>
             </a:ln>
             <a:extLst>
-              <a:ext uri="{91240B29-F687-4f45-9708-019B960494DF}">
-                <a14:hiddenLine xmlns:a14="http://schemas.microsoft.com/office/drawing/2010/main" xmlns="" w="9525">
+              <a:ext uri="{91240B29-F687-4F45-9708-019B960494DF}">
+                <a14:hiddenLine xmlns:a14="http://schemas.microsoft.com/office/drawing/2010/main" w="9525">
                   <a:solidFill>
                     <a:srgbClr val="000000"/>
                   </a:solidFill>
@@ -4438,8 +4438,8 @@
               <a:noFill/>
             </a:ln>
             <a:extLst>
-              <a:ext uri="{91240B29-F687-4f45-9708-019B960494DF}">
-                <a14:hiddenLine xmlns:a14="http://schemas.microsoft.com/office/drawing/2010/main" xmlns="" w="9525">
+              <a:ext uri="{91240B29-F687-4F45-9708-019B960494DF}">
+                <a14:hiddenLine xmlns:a14="http://schemas.microsoft.com/office/drawing/2010/main" w="9525">
                   <a:solidFill>
                     <a:srgbClr val="000000"/>
                   </a:solidFill>
@@ -4506,8 +4506,8 @@
               <a:noFill/>
             </a:ln>
             <a:extLst>
-              <a:ext uri="{91240B29-F687-4f45-9708-019B960494DF}">
-                <a14:hiddenLine xmlns:a14="http://schemas.microsoft.com/office/drawing/2010/main" xmlns="" w="9525">
+              <a:ext uri="{91240B29-F687-4F45-9708-019B960494DF}">
+                <a14:hiddenLine xmlns:a14="http://schemas.microsoft.com/office/drawing/2010/main" w="9525">
                   <a:solidFill>
                     <a:srgbClr val="000000"/>
                   </a:solidFill>
@@ -4596,8 +4596,8 @@
               <a:noFill/>
             </a:ln>
             <a:extLst>
-              <a:ext uri="{91240B29-F687-4f45-9708-019B960494DF}">
-                <a14:hiddenLine xmlns:a14="http://schemas.microsoft.com/office/drawing/2010/main" xmlns="" w="9525">
+              <a:ext uri="{91240B29-F687-4F45-9708-019B960494DF}">
+                <a14:hiddenLine xmlns:a14="http://schemas.microsoft.com/office/drawing/2010/main" w="9525">
                   <a:solidFill>
                     <a:srgbClr val="000000"/>
                   </a:solidFill>
@@ -4737,7 +4737,7 @@
           <a:p>
             <a:fld id="{9453E4B6-66BA-4B33-AFCD-F6084AE9AFDC}" type="datetime1">
               <a:rPr lang="en-US" smtClean="0"/>
-              <a:t>1/1/2021</a:t>
+              <a:t>01-Jan-21</a:t>
             </a:fld>
             <a:endParaRPr lang="en-US"/>
           </a:p>
@@ -5004,7 +5004,7 @@
           <a:p>
             <a:fld id="{3B030C01-3367-43BF-937D-3893ADD9B9F8}" type="datetime1">
               <a:rPr lang="en-US" smtClean="0"/>
-              <a:t>1/1/2021</a:t>
+              <a:t>01-Jan-21</a:t>
             </a:fld>
             <a:endParaRPr lang="en-US"/>
           </a:p>
@@ -5200,7 +5200,7 @@
           <a:p>
             <a:fld id="{7B0B9D8B-653D-4DAC-8F28-9C1357B30687}" type="datetime1">
               <a:rPr lang="en-US" smtClean="0"/>
-              <a:t>1/1/2021</a:t>
+              <a:t>01-Jan-21</a:t>
             </a:fld>
             <a:endParaRPr lang="en-US"/>
           </a:p>
@@ -5463,7 +5463,7 @@
           <a:p>
             <a:fld id="{3E0B0587-B13D-4CE2-ABF3-D82ACC0FE76B}" type="datetime1">
               <a:rPr lang="en-US" smtClean="0"/>
-              <a:t>1/1/2021</a:t>
+              <a:t>01-Jan-21</a:t>
             </a:fld>
             <a:endParaRPr lang="en-US"/>
           </a:p>
@@ -5897,7 +5897,7 @@
           <a:p>
             <a:fld id="{71639C8D-F100-4198-BC96-24268D604A86}" type="datetime1">
               <a:rPr lang="en-US" smtClean="0"/>
-              <a:t>1/1/2021</a:t>
+              <a:t>01-Jan-21</a:t>
             </a:fld>
             <a:endParaRPr lang="en-US"/>
           </a:p>
@@ -6443,7 +6443,7 @@
           <a:p>
             <a:fld id="{FFAF4433-B36B-42B9-9129-BFBD1397BF4E}" type="datetime1">
               <a:rPr lang="en-US" smtClean="0"/>
-              <a:t>1/1/2021</a:t>
+              <a:t>01-Jan-21</a:t>
             </a:fld>
             <a:endParaRPr lang="en-US"/>
           </a:p>
@@ -7163,7 +7163,7 @@
           <a:p>
             <a:fld id="{0456F42E-3AD5-45F5-AA4E-60673CE0A094}" type="datetime1">
               <a:rPr lang="en-US" smtClean="0"/>
-              <a:t>1/1/2021</a:t>
+              <a:t>01-Jan-21</a:t>
             </a:fld>
             <a:endParaRPr lang="en-US"/>
           </a:p>
@@ -7333,7 +7333,7 @@
           <a:p>
             <a:fld id="{96682EAD-E4E4-4F29-8F62-A2DBB9B02D15}" type="datetime1">
               <a:rPr lang="en-US" smtClean="0"/>
-              <a:t>1/1/2021</a:t>
+              <a:t>01-Jan-21</a:t>
             </a:fld>
             <a:endParaRPr lang="en-US"/>
           </a:p>
@@ -7513,7 +7513,7 @@
           <a:p>
             <a:fld id="{1D971B33-70FD-4CFB-BAAD-1813DAEC74FB}" type="datetime1">
               <a:rPr lang="en-US" smtClean="0"/>
-              <a:t>1/1/2021</a:t>
+              <a:t>01-Jan-21</a:t>
             </a:fld>
             <a:endParaRPr lang="en-US"/>
           </a:p>
@@ -7683,7 +7683,7 @@
           <a:p>
             <a:fld id="{7DC7A930-E568-44E6-84ED-3BB4016E0373}" type="datetime1">
               <a:rPr lang="en-US" smtClean="0"/>
-              <a:t>1/1/2021</a:t>
+              <a:t>01-Jan-21</a:t>
             </a:fld>
             <a:endParaRPr lang="en-US"/>
           </a:p>
@@ -7933,7 +7933,7 @@
           <a:p>
             <a:fld id="{14DF841F-E273-470C-888B-487BE062E0B0}" type="datetime1">
               <a:rPr lang="en-US" smtClean="0"/>
-              <a:t>1/1/2021</a:t>
+              <a:t>01-Jan-21</a:t>
             </a:fld>
             <a:endParaRPr lang="en-US"/>
           </a:p>
@@ -8165,7 +8165,7 @@
           <a:p>
             <a:fld id="{7976C994-3276-415C-8876-D8A57D02FBEA}" type="datetime1">
               <a:rPr lang="en-US" smtClean="0"/>
-              <a:t>1/1/2021</a:t>
+              <a:t>01-Jan-21</a:t>
             </a:fld>
             <a:endParaRPr lang="en-US"/>
           </a:p>
@@ -8546,7 +8546,7 @@
           <a:p>
             <a:fld id="{957CF569-10E6-499B-B10A-368AE7881220}" type="datetime1">
               <a:rPr lang="en-US" smtClean="0"/>
-              <a:t>1/1/2021</a:t>
+              <a:t>01-Jan-21</a:t>
             </a:fld>
             <a:endParaRPr lang="en-US"/>
           </a:p>
@@ -8664,7 +8664,7 @@
           <a:p>
             <a:fld id="{2B558DD0-02EC-4237-86A7-F584E5F12E9D}" type="datetime1">
               <a:rPr lang="en-US" smtClean="0"/>
-              <a:t>1/1/2021</a:t>
+              <a:t>01-Jan-21</a:t>
             </a:fld>
             <a:endParaRPr lang="en-US"/>
           </a:p>
@@ -8759,7 +8759,7 @@
           <a:p>
             <a:fld id="{6CDF8AA9-4674-4D39-A1B3-0222990FE499}" type="datetime1">
               <a:rPr lang="en-US" smtClean="0"/>
-              <a:t>1/1/2021</a:t>
+              <a:t>01-Jan-21</a:t>
             </a:fld>
             <a:endParaRPr lang="en-US"/>
           </a:p>
@@ -9008,7 +9008,7 @@
           <a:p>
             <a:fld id="{385EDE88-5D12-4E0B-86B8-96CC48680CD5}" type="datetime1">
               <a:rPr lang="en-US" smtClean="0"/>
-              <a:t>1/1/2021</a:t>
+              <a:t>01-Jan-21</a:t>
             </a:fld>
             <a:endParaRPr lang="en-US"/>
           </a:p>
@@ -9288,7 +9288,7 @@
           <a:p>
             <a:fld id="{1A5064E6-1AA0-4DA4-AF2E-267D28A9CDE4}" type="datetime1">
               <a:rPr lang="en-US" smtClean="0"/>
-              <a:t>1/1/2021</a:t>
+              <a:t>01-Jan-21</a:t>
             </a:fld>
             <a:endParaRPr lang="en-US"/>
           </a:p>
@@ -9403,8 +9403,8 @@
           </a:prstGeom>
           <a:noFill/>
           <a:extLst>
-            <a:ext uri="{909E8E84-426E-40dd-AFC4-6F175D3DCCD1}">
-              <a14:hiddenFill xmlns:a14="http://schemas.microsoft.com/office/drawing/2010/main" xmlns="">
+            <a:ext uri="{909E8E84-426E-40DD-AFC4-6F175D3DCCD1}">
+              <a14:hiddenFill xmlns:a14="http://schemas.microsoft.com/office/drawing/2010/main">
                 <a:solidFill>
                   <a:srgbClr val="FFFFFF"/>
                 </a:solidFill>
@@ -9477,8 +9477,8 @@
                 <a:noFill/>
               </a:ln>
               <a:extLst>
-                <a:ext uri="{91240B29-F687-4f45-9708-019B960494DF}">
-                  <a14:hiddenLine xmlns:a14="http://schemas.microsoft.com/office/drawing/2010/main" xmlns="" w="9525">
+                <a:ext uri="{91240B29-F687-4F45-9708-019B960494DF}">
+                  <a14:hiddenLine xmlns:a14="http://schemas.microsoft.com/office/drawing/2010/main" w="9525">
                     <a:solidFill>
                       <a:srgbClr val="000000"/>
                     </a:solidFill>
@@ -9567,8 +9567,8 @@
                 <a:noFill/>
               </a:ln>
               <a:extLst>
-                <a:ext uri="{91240B29-F687-4f45-9708-019B960494DF}">
-                  <a14:hiddenLine xmlns:a14="http://schemas.microsoft.com/office/drawing/2010/main" xmlns="" w="9525">
+                <a:ext uri="{91240B29-F687-4F45-9708-019B960494DF}">
+                  <a14:hiddenLine xmlns:a14="http://schemas.microsoft.com/office/drawing/2010/main" w="9525">
                     <a:solidFill>
                       <a:srgbClr val="000000"/>
                     </a:solidFill>
@@ -9657,8 +9657,8 @@
                 <a:noFill/>
               </a:ln>
               <a:extLst>
-                <a:ext uri="{91240B29-F687-4f45-9708-019B960494DF}">
-                  <a14:hiddenLine xmlns:a14="http://schemas.microsoft.com/office/drawing/2010/main" xmlns="" w="9525">
+                <a:ext uri="{91240B29-F687-4F45-9708-019B960494DF}">
+                  <a14:hiddenLine xmlns:a14="http://schemas.microsoft.com/office/drawing/2010/main" w="9525">
                     <a:solidFill>
                       <a:srgbClr val="000000"/>
                     </a:solidFill>
@@ -9719,8 +9719,8 @@
                 <a:noFill/>
               </a:ln>
               <a:extLst>
-                <a:ext uri="{91240B29-F687-4f45-9708-019B960494DF}">
-                  <a14:hiddenLine xmlns:a14="http://schemas.microsoft.com/office/drawing/2010/main" xmlns="" w="9525">
+                <a:ext uri="{91240B29-F687-4F45-9708-019B960494DF}">
+                  <a14:hiddenLine xmlns:a14="http://schemas.microsoft.com/office/drawing/2010/main" w="9525">
                     <a:solidFill>
                       <a:srgbClr val="000000"/>
                     </a:solidFill>
@@ -9809,8 +9809,8 @@
                 <a:noFill/>
               </a:ln>
               <a:extLst>
-                <a:ext uri="{91240B29-F687-4f45-9708-019B960494DF}">
-                  <a14:hiddenLine xmlns:a14="http://schemas.microsoft.com/office/drawing/2010/main" xmlns="" w="9525">
+                <a:ext uri="{91240B29-F687-4F45-9708-019B960494DF}">
+                  <a14:hiddenLine xmlns:a14="http://schemas.microsoft.com/office/drawing/2010/main" w="9525">
                     <a:solidFill>
                       <a:srgbClr val="000000"/>
                     </a:solidFill>
@@ -9871,8 +9871,8 @@
                 <a:noFill/>
               </a:ln>
               <a:extLst>
-                <a:ext uri="{91240B29-F687-4f45-9708-019B960494DF}">
-                  <a14:hiddenLine xmlns:a14="http://schemas.microsoft.com/office/drawing/2010/main" xmlns="" w="9525">
+                <a:ext uri="{91240B29-F687-4F45-9708-019B960494DF}">
+                  <a14:hiddenLine xmlns:a14="http://schemas.microsoft.com/office/drawing/2010/main" w="9525">
                     <a:solidFill>
                       <a:srgbClr val="000000"/>
                     </a:solidFill>
@@ -9933,8 +9933,8 @@
                 <a:noFill/>
               </a:ln>
               <a:extLst>
-                <a:ext uri="{91240B29-F687-4f45-9708-019B960494DF}">
-                  <a14:hiddenLine xmlns:a14="http://schemas.microsoft.com/office/drawing/2010/main" xmlns="" w="9525">
+                <a:ext uri="{91240B29-F687-4F45-9708-019B960494DF}">
+                  <a14:hiddenLine xmlns:a14="http://schemas.microsoft.com/office/drawing/2010/main" w="9525">
                     <a:solidFill>
                       <a:srgbClr val="000000"/>
                     </a:solidFill>
@@ -10023,8 +10023,8 @@
                 <a:noFill/>
               </a:ln>
               <a:extLst>
-                <a:ext uri="{91240B29-F687-4f45-9708-019B960494DF}">
-                  <a14:hiddenLine xmlns:a14="http://schemas.microsoft.com/office/drawing/2010/main" xmlns="" w="9525">
+                <a:ext uri="{91240B29-F687-4F45-9708-019B960494DF}">
+                  <a14:hiddenLine xmlns:a14="http://schemas.microsoft.com/office/drawing/2010/main" w="9525">
                     <a:solidFill>
                       <a:srgbClr val="000000"/>
                     </a:solidFill>
@@ -10113,8 +10113,8 @@
                 <a:noFill/>
               </a:ln>
               <a:extLst>
-                <a:ext uri="{91240B29-F687-4f45-9708-019B960494DF}">
-                  <a14:hiddenLine xmlns:a14="http://schemas.microsoft.com/office/drawing/2010/main" xmlns="" w="9525">
+                <a:ext uri="{91240B29-F687-4F45-9708-019B960494DF}">
+                  <a14:hiddenLine xmlns:a14="http://schemas.microsoft.com/office/drawing/2010/main" w="9525">
                     <a:solidFill>
                       <a:srgbClr val="000000"/>
                     </a:solidFill>
@@ -10175,8 +10175,8 @@
                 <a:noFill/>
               </a:ln>
               <a:extLst>
-                <a:ext uri="{91240B29-F687-4f45-9708-019B960494DF}">
-                  <a14:hiddenLine xmlns:a14="http://schemas.microsoft.com/office/drawing/2010/main" xmlns="" w="9525">
+                <a:ext uri="{91240B29-F687-4F45-9708-019B960494DF}">
+                  <a14:hiddenLine xmlns:a14="http://schemas.microsoft.com/office/drawing/2010/main" w="9525">
                     <a:solidFill>
                       <a:srgbClr val="000000"/>
                     </a:solidFill>
@@ -10285,8 +10285,8 @@
                 <a:noFill/>
               </a:ln>
               <a:extLst>
-                <a:ext uri="{91240B29-F687-4f45-9708-019B960494DF}">
-                  <a14:hiddenLine xmlns:a14="http://schemas.microsoft.com/office/drawing/2010/main" xmlns="" w="9525">
+                <a:ext uri="{91240B29-F687-4F45-9708-019B960494DF}">
+                  <a14:hiddenLine xmlns:a14="http://schemas.microsoft.com/office/drawing/2010/main" w="9525">
                     <a:solidFill>
                       <a:srgbClr val="000000"/>
                     </a:solidFill>
@@ -10369,8 +10369,8 @@
                 <a:noFill/>
               </a:ln>
               <a:extLst>
-                <a:ext uri="{91240B29-F687-4f45-9708-019B960494DF}">
-                  <a14:hiddenLine xmlns:a14="http://schemas.microsoft.com/office/drawing/2010/main" xmlns="" w="9525">
+                <a:ext uri="{91240B29-F687-4F45-9708-019B960494DF}">
+                  <a14:hiddenLine xmlns:a14="http://schemas.microsoft.com/office/drawing/2010/main" w="9525">
                     <a:solidFill>
                       <a:srgbClr val="000000"/>
                     </a:solidFill>
@@ -10431,8 +10431,8 @@
                 <a:noFill/>
               </a:ln>
               <a:extLst>
-                <a:ext uri="{91240B29-F687-4f45-9708-019B960494DF}">
-                  <a14:hiddenLine xmlns:a14="http://schemas.microsoft.com/office/drawing/2010/main" xmlns="" w="9525">
+                <a:ext uri="{91240B29-F687-4F45-9708-019B960494DF}">
+                  <a14:hiddenLine xmlns:a14="http://schemas.microsoft.com/office/drawing/2010/main" w="9525">
                     <a:solidFill>
                       <a:srgbClr val="000000"/>
                     </a:solidFill>
@@ -10493,8 +10493,8 @@
                 <a:noFill/>
               </a:ln>
               <a:extLst>
-                <a:ext uri="{91240B29-F687-4f45-9708-019B960494DF}">
-                  <a14:hiddenLine xmlns:a14="http://schemas.microsoft.com/office/drawing/2010/main" xmlns="" w="9525">
+                <a:ext uri="{91240B29-F687-4F45-9708-019B960494DF}">
+                  <a14:hiddenLine xmlns:a14="http://schemas.microsoft.com/office/drawing/2010/main" w="9525">
                     <a:solidFill>
                       <a:srgbClr val="000000"/>
                     </a:solidFill>
@@ -10583,8 +10583,8 @@
                 <a:noFill/>
               </a:ln>
               <a:extLst>
-                <a:ext uri="{91240B29-F687-4f45-9708-019B960494DF}">
-                  <a14:hiddenLine xmlns:a14="http://schemas.microsoft.com/office/drawing/2010/main" xmlns="" w="9525">
+                <a:ext uri="{91240B29-F687-4F45-9708-019B960494DF}">
+                  <a14:hiddenLine xmlns:a14="http://schemas.microsoft.com/office/drawing/2010/main" w="9525">
                     <a:solidFill>
                       <a:srgbClr val="000000"/>
                     </a:solidFill>
@@ -10617,8 +10617,8 @@
                 <a:noFill/>
               </a:ln>
               <a:extLst>
-                <a:ext uri="{91240B29-F687-4f45-9708-019B960494DF}">
-                  <a14:hiddenLine xmlns:a14="http://schemas.microsoft.com/office/drawing/2010/main" xmlns="" w="9525">
+                <a:ext uri="{91240B29-F687-4F45-9708-019B960494DF}">
+                  <a14:hiddenLine xmlns:a14="http://schemas.microsoft.com/office/drawing/2010/main" w="9525">
                     <a:solidFill>
                       <a:srgbClr val="000000"/>
                     </a:solidFill>
@@ -10682,8 +10682,8 @@
                 <a:noFill/>
               </a:ln>
               <a:extLst>
-                <a:ext uri="{91240B29-F687-4f45-9708-019B960494DF}">
-                  <a14:hiddenLine xmlns:a14="http://schemas.microsoft.com/office/drawing/2010/main" xmlns="" w="9525">
+                <a:ext uri="{91240B29-F687-4F45-9708-019B960494DF}">
+                  <a14:hiddenLine xmlns:a14="http://schemas.microsoft.com/office/drawing/2010/main" w="9525">
                     <a:solidFill>
                       <a:srgbClr val="000000"/>
                     </a:solidFill>
@@ -10772,8 +10772,8 @@
                 <a:noFill/>
               </a:ln>
               <a:extLst>
-                <a:ext uri="{91240B29-F687-4f45-9708-019B960494DF}">
-                  <a14:hiddenLine xmlns:a14="http://schemas.microsoft.com/office/drawing/2010/main" xmlns="" w="9525">
+                <a:ext uri="{91240B29-F687-4F45-9708-019B960494DF}">
+                  <a14:hiddenLine xmlns:a14="http://schemas.microsoft.com/office/drawing/2010/main" w="9525">
                     <a:solidFill>
                       <a:srgbClr val="000000"/>
                     </a:solidFill>
@@ -10834,8 +10834,8 @@
                 <a:noFill/>
               </a:ln>
               <a:extLst>
-                <a:ext uri="{91240B29-F687-4f45-9708-019B960494DF}">
-                  <a14:hiddenLine xmlns:a14="http://schemas.microsoft.com/office/drawing/2010/main" xmlns="" w="9525">
+                <a:ext uri="{91240B29-F687-4F45-9708-019B960494DF}">
+                  <a14:hiddenLine xmlns:a14="http://schemas.microsoft.com/office/drawing/2010/main" w="9525">
                     <a:solidFill>
                       <a:srgbClr val="000000"/>
                     </a:solidFill>
@@ -10924,8 +10924,8 @@
                 <a:noFill/>
               </a:ln>
               <a:extLst>
-                <a:ext uri="{91240B29-F687-4f45-9708-019B960494DF}">
-                  <a14:hiddenLine xmlns:a14="http://schemas.microsoft.com/office/drawing/2010/main" xmlns="" w="9525">
+                <a:ext uri="{91240B29-F687-4F45-9708-019B960494DF}">
+                  <a14:hiddenLine xmlns:a14="http://schemas.microsoft.com/office/drawing/2010/main" w="9525">
                     <a:solidFill>
                       <a:srgbClr val="000000"/>
                     </a:solidFill>
@@ -10989,8 +10989,8 @@
                 <a:noFill/>
               </a:ln>
               <a:extLst>
-                <a:ext uri="{91240B29-F687-4f45-9708-019B960494DF}">
-                  <a14:hiddenLine xmlns:a14="http://schemas.microsoft.com/office/drawing/2010/main" xmlns="" w="9525">
+                <a:ext uri="{91240B29-F687-4F45-9708-019B960494DF}">
+                  <a14:hiddenLine xmlns:a14="http://schemas.microsoft.com/office/drawing/2010/main" w="9525">
                     <a:solidFill>
                       <a:srgbClr val="000000"/>
                     </a:solidFill>
@@ -11051,8 +11051,8 @@
                 <a:noFill/>
               </a:ln>
               <a:extLst>
-                <a:ext uri="{91240B29-F687-4f45-9708-019B960494DF}">
-                  <a14:hiddenLine xmlns:a14="http://schemas.microsoft.com/office/drawing/2010/main" xmlns="" w="9525">
+                <a:ext uri="{91240B29-F687-4F45-9708-019B960494DF}">
+                  <a14:hiddenLine xmlns:a14="http://schemas.microsoft.com/office/drawing/2010/main" w="9525">
                     <a:solidFill>
                       <a:srgbClr val="000000"/>
                     </a:solidFill>
@@ -11141,8 +11141,8 @@
                 <a:noFill/>
               </a:ln>
               <a:extLst>
-                <a:ext uri="{91240B29-F687-4f45-9708-019B960494DF}">
-                  <a14:hiddenLine xmlns:a14="http://schemas.microsoft.com/office/drawing/2010/main" xmlns="" w="9525">
+                <a:ext uri="{91240B29-F687-4F45-9708-019B960494DF}">
+                  <a14:hiddenLine xmlns:a14="http://schemas.microsoft.com/office/drawing/2010/main" w="9525">
                     <a:solidFill>
                       <a:srgbClr val="000000"/>
                     </a:solidFill>
@@ -11231,8 +11231,8 @@
                 <a:noFill/>
               </a:ln>
               <a:extLst>
-                <a:ext uri="{91240B29-F687-4f45-9708-019B960494DF}">
-                  <a14:hiddenLine xmlns:a14="http://schemas.microsoft.com/office/drawing/2010/main" xmlns="" w="9525">
+                <a:ext uri="{91240B29-F687-4F45-9708-019B960494DF}">
+                  <a14:hiddenLine xmlns:a14="http://schemas.microsoft.com/office/drawing/2010/main" w="9525">
                     <a:solidFill>
                       <a:srgbClr val="000000"/>
                     </a:solidFill>
@@ -11296,8 +11296,8 @@
                 <a:noFill/>
               </a:ln>
               <a:extLst>
-                <a:ext uri="{91240B29-F687-4f45-9708-019B960494DF}">
-                  <a14:hiddenLine xmlns:a14="http://schemas.microsoft.com/office/drawing/2010/main" xmlns="" w="9525">
+                <a:ext uri="{91240B29-F687-4F45-9708-019B960494DF}">
+                  <a14:hiddenLine xmlns:a14="http://schemas.microsoft.com/office/drawing/2010/main" w="9525">
                     <a:solidFill>
                       <a:srgbClr val="000000"/>
                     </a:solidFill>
@@ -11416,8 +11416,8 @@
                 <a:noFill/>
               </a:ln>
               <a:extLst>
-                <a:ext uri="{91240B29-F687-4f45-9708-019B960494DF}">
-                  <a14:hiddenLine xmlns:a14="http://schemas.microsoft.com/office/drawing/2010/main" xmlns="" w="9525">
+                <a:ext uri="{91240B29-F687-4F45-9708-019B960494DF}">
+                  <a14:hiddenLine xmlns:a14="http://schemas.microsoft.com/office/drawing/2010/main" w="9525">
                     <a:solidFill>
                       <a:srgbClr val="000000"/>
                     </a:solidFill>
@@ -11514,8 +11514,8 @@
                 <a:noFill/>
               </a:ln>
               <a:extLst>
-                <a:ext uri="{91240B29-F687-4f45-9708-019B960494DF}">
-                  <a14:hiddenLine xmlns:a14="http://schemas.microsoft.com/office/drawing/2010/main" xmlns="" w="9525">
+                <a:ext uri="{91240B29-F687-4F45-9708-019B960494DF}">
+                  <a14:hiddenLine xmlns:a14="http://schemas.microsoft.com/office/drawing/2010/main" w="9525">
                     <a:solidFill>
                       <a:srgbClr val="000000"/>
                     </a:solidFill>
@@ -11629,8 +11629,8 @@
                 <a:noFill/>
               </a:ln>
               <a:extLst>
-                <a:ext uri="{91240B29-F687-4f45-9708-019B960494DF}">
-                  <a14:hiddenLine xmlns:a14="http://schemas.microsoft.com/office/drawing/2010/main" xmlns="" w="9525">
+                <a:ext uri="{91240B29-F687-4F45-9708-019B960494DF}">
+                  <a14:hiddenLine xmlns:a14="http://schemas.microsoft.com/office/drawing/2010/main" w="9525">
                     <a:solidFill>
                       <a:srgbClr val="000000"/>
                     </a:solidFill>
@@ -11719,8 +11719,8 @@
                 <a:noFill/>
               </a:ln>
               <a:extLst>
-                <a:ext uri="{91240B29-F687-4f45-9708-019B960494DF}">
-                  <a14:hiddenLine xmlns:a14="http://schemas.microsoft.com/office/drawing/2010/main" xmlns="" w="9525">
+                <a:ext uri="{91240B29-F687-4F45-9708-019B960494DF}">
+                  <a14:hiddenLine xmlns:a14="http://schemas.microsoft.com/office/drawing/2010/main" w="9525">
                     <a:solidFill>
                       <a:srgbClr val="000000"/>
                     </a:solidFill>
@@ -11784,8 +11784,8 @@
                 <a:noFill/>
               </a:ln>
               <a:extLst>
-                <a:ext uri="{91240B29-F687-4f45-9708-019B960494DF}">
-                  <a14:hiddenLine xmlns:a14="http://schemas.microsoft.com/office/drawing/2010/main" xmlns="" w="9525">
+                <a:ext uri="{91240B29-F687-4F45-9708-019B960494DF}">
+                  <a14:hiddenLine xmlns:a14="http://schemas.microsoft.com/office/drawing/2010/main" w="9525">
                     <a:solidFill>
                       <a:srgbClr val="000000"/>
                     </a:solidFill>
@@ -11874,8 +11874,8 @@
                 <a:noFill/>
               </a:ln>
               <a:extLst>
-                <a:ext uri="{91240B29-F687-4f45-9708-019B960494DF}">
-                  <a14:hiddenLine xmlns:a14="http://schemas.microsoft.com/office/drawing/2010/main" xmlns="" w="9525">
+                <a:ext uri="{91240B29-F687-4F45-9708-019B960494DF}">
+                  <a14:hiddenLine xmlns:a14="http://schemas.microsoft.com/office/drawing/2010/main" w="9525">
                     <a:solidFill>
                       <a:srgbClr val="000000"/>
                     </a:solidFill>
@@ -11942,8 +11942,8 @@
                 <a:noFill/>
               </a:ln>
               <a:extLst>
-                <a:ext uri="{91240B29-F687-4f45-9708-019B960494DF}">
-                  <a14:hiddenLine xmlns:a14="http://schemas.microsoft.com/office/drawing/2010/main" xmlns="" w="9525">
+                <a:ext uri="{91240B29-F687-4F45-9708-019B960494DF}">
+                  <a14:hiddenLine xmlns:a14="http://schemas.microsoft.com/office/drawing/2010/main" w="9525">
                     <a:solidFill>
                       <a:srgbClr val="000000"/>
                     </a:solidFill>
@@ -12032,8 +12032,8 @@
                 <a:noFill/>
               </a:ln>
               <a:extLst>
-                <a:ext uri="{91240B29-F687-4f45-9708-019B960494DF}">
-                  <a14:hiddenLine xmlns:a14="http://schemas.microsoft.com/office/drawing/2010/main" xmlns="" w="9525">
+                <a:ext uri="{91240B29-F687-4F45-9708-019B960494DF}">
+                  <a14:hiddenLine xmlns:a14="http://schemas.microsoft.com/office/drawing/2010/main" w="9525">
                     <a:solidFill>
                       <a:srgbClr val="000000"/>
                     </a:solidFill>
@@ -12100,8 +12100,8 @@
                 <a:noFill/>
               </a:ln>
               <a:extLst>
-                <a:ext uri="{91240B29-F687-4f45-9708-019B960494DF}">
-                  <a14:hiddenLine xmlns:a14="http://schemas.microsoft.com/office/drawing/2010/main" xmlns="" w="9525">
+                <a:ext uri="{91240B29-F687-4F45-9708-019B960494DF}">
+                  <a14:hiddenLine xmlns:a14="http://schemas.microsoft.com/office/drawing/2010/main" w="9525">
                     <a:solidFill>
                       <a:srgbClr val="000000"/>
                     </a:solidFill>
@@ -12190,8 +12190,8 @@
                 <a:noFill/>
               </a:ln>
               <a:extLst>
-                <a:ext uri="{91240B29-F687-4f45-9708-019B960494DF}">
-                  <a14:hiddenLine xmlns:a14="http://schemas.microsoft.com/office/drawing/2010/main" xmlns="" w="9525">
+                <a:ext uri="{91240B29-F687-4F45-9708-019B960494DF}">
+                  <a14:hiddenLine xmlns:a14="http://schemas.microsoft.com/office/drawing/2010/main" w="9525">
                     <a:solidFill>
                       <a:srgbClr val="000000"/>
                     </a:solidFill>
@@ -12224,8 +12224,8 @@
                 <a:noFill/>
               </a:ln>
               <a:extLst>
-                <a:ext uri="{91240B29-F687-4f45-9708-019B960494DF}">
-                  <a14:hiddenLine xmlns:a14="http://schemas.microsoft.com/office/drawing/2010/main" xmlns="" w="9525">
+                <a:ext uri="{91240B29-F687-4F45-9708-019B960494DF}">
+                  <a14:hiddenLine xmlns:a14="http://schemas.microsoft.com/office/drawing/2010/main" w="9525">
                     <a:solidFill>
                       <a:srgbClr val="000000"/>
                     </a:solidFill>
@@ -12365,7 +12365,7 @@
           <a:p>
             <a:fld id="{97D301C7-A48F-46B4-9988-324187293CA9}" type="datetime1">
               <a:rPr lang="en-US" smtClean="0"/>
-              <a:t>1/1/2021</a:t>
+              <a:t>01-Jan-21</a:t>
             </a:fld>
             <a:endParaRPr lang="en-US"/>
           </a:p>
@@ -12791,7 +12791,7 @@
           <p:cNvPr id="2" name="Title 1">
             <a:extLst>
               <a:ext uri="{FF2B5EF4-FFF2-40B4-BE49-F238E27FC236}">
-                <a16:creationId xmlns:a16="http://schemas.microsoft.com/office/drawing/2014/main" id="{0795CB26-B2F5-4D65-A7EE-FB0F04244EC7}"/>
+                <a16:creationId xmlns="" xmlns:a16="http://schemas.microsoft.com/office/drawing/2014/main" id="{0795CB26-B2F5-4D65-A7EE-FB0F04244EC7}"/>
               </a:ext>
             </a:extLst>
           </p:cNvPr>
@@ -12826,7 +12826,7 @@
           <p:cNvPr id="3" name="Subtitle 2">
             <a:extLst>
               <a:ext uri="{FF2B5EF4-FFF2-40B4-BE49-F238E27FC236}">
-                <a16:creationId xmlns:a16="http://schemas.microsoft.com/office/drawing/2014/main" id="{16912DC8-86E6-4C17-A420-3265498BD024}"/>
+                <a16:creationId xmlns="" xmlns:a16="http://schemas.microsoft.com/office/drawing/2014/main" id="{16912DC8-86E6-4C17-A420-3265498BD024}"/>
               </a:ext>
             </a:extLst>
           </p:cNvPr>
@@ -12878,7 +12878,7 @@
           <p:cNvPr id="4" name="Slide Number Placeholder 3">
             <a:extLst>
               <a:ext uri="{FF2B5EF4-FFF2-40B4-BE49-F238E27FC236}">
-                <a16:creationId xmlns:a16="http://schemas.microsoft.com/office/drawing/2014/main" id="{2DA14FCE-7851-4F69-AE4C-0E8C76CEC834}"/>
+                <a16:creationId xmlns="" xmlns:a16="http://schemas.microsoft.com/office/drawing/2014/main" id="{2DA14FCE-7851-4F69-AE4C-0E8C76CEC834}"/>
               </a:ext>
             </a:extLst>
           </p:cNvPr>
@@ -12889,7 +12889,12 @@
             <p:ph type="sldNum" sz="quarter" idx="12"/>
           </p:nvPr>
         </p:nvSpPr>
-        <p:spPr/>
+        <p:spPr>
+          <a:xfrm>
+            <a:off x="11129363" y="6258338"/>
+            <a:ext cx="771089" cy="365125"/>
+          </a:xfrm>
+        </p:spPr>
         <p:txBody>
           <a:bodyPr/>
           <a:lstStyle/>
@@ -12898,7 +12903,7 @@
               <a:rPr lang="en-US" smtClean="0"/>
               <a:t>1</a:t>
             </a:fld>
-            <a:endParaRPr lang="en-US"/>
+            <a:endParaRPr lang="en-US" dirty="0"/>
           </a:p>
         </p:txBody>
       </p:sp>
@@ -12907,7 +12912,7 @@
           <p:cNvPr id="6" name="TextBox 5">
             <a:extLst>
               <a:ext uri="{FF2B5EF4-FFF2-40B4-BE49-F238E27FC236}">
-                <a16:creationId xmlns:a16="http://schemas.microsoft.com/office/drawing/2014/main" id="{E4CBC5BB-A944-4FCD-B665-C8182775C66D}"/>
+                <a16:creationId xmlns="" xmlns:a16="http://schemas.microsoft.com/office/drawing/2014/main" id="{E4CBC5BB-A944-4FCD-B665-C8182775C66D}"/>
               </a:ext>
             </a:extLst>
           </p:cNvPr>
@@ -13105,7 +13110,7 @@
           <p:cNvPr id="2" name="Title 1">
             <a:extLst>
               <a:ext uri="{FF2B5EF4-FFF2-40B4-BE49-F238E27FC236}">
-                <a16:creationId xmlns:a16="http://schemas.microsoft.com/office/drawing/2014/main" id="{3E1FF0FC-4C7D-4762-8E24-D02496D414AA}"/>
+                <a16:creationId xmlns="" xmlns:a16="http://schemas.microsoft.com/office/drawing/2014/main" id="{3E1FF0FC-4C7D-4762-8E24-D02496D414AA}"/>
               </a:ext>
             </a:extLst>
           </p:cNvPr>
@@ -13134,7 +13139,7 @@
           <p:cNvPr id="3" name="Content Placeholder 2">
             <a:extLst>
               <a:ext uri="{FF2B5EF4-FFF2-40B4-BE49-F238E27FC236}">
-                <a16:creationId xmlns:a16="http://schemas.microsoft.com/office/drawing/2014/main" id="{0C421272-31B0-440B-B615-6974F71BA339}"/>
+                <a16:creationId xmlns="" xmlns:a16="http://schemas.microsoft.com/office/drawing/2014/main" id="{0C421272-31B0-440B-B615-6974F71BA339}"/>
               </a:ext>
             </a:extLst>
           </p:cNvPr>
@@ -13168,8 +13173,41 @@
             </a:r>
             <a:r>
               <a:rPr lang="en-IN" dirty="0"/>
-              <a:t>that can solder Through Hole components placed on a PCB. It takes the co-ordinates of soldering points from a file generated by EDA software (Eagle/Altium) which are processed and fed to a micro-controller based device. This in turn controls the actuators and get our work done. This prototype would save a lot of circuit-building time.</a:t>
+              <a:t>that can solder </a:t>
             </a:r>
+            <a:r>
+              <a:rPr lang="en-IN" dirty="0" smtClean="0"/>
+              <a:t>through </a:t>
+            </a:r>
+            <a:r>
+              <a:rPr lang="en-IN" dirty="0"/>
+              <a:t>Hole components placed on a PCB. It takes the co-ordinates of soldering points from a file generated by EDA software (Eagle/Altium) which are processed and fed to a micro-controller based device. This in turn controls the actuators and get our work done. </a:t>
+            </a:r>
+            <a:r>
+              <a:rPr lang="en-IN" dirty="0">
+                <a:solidFill>
+                  <a:srgbClr val="00FFFF"/>
+                </a:solidFill>
+              </a:rPr>
+              <a:t>This</a:t>
+            </a:r>
+            <a:r>
+              <a:rPr lang="en-IN" dirty="0"/>
+              <a:t> </a:t>
+            </a:r>
+            <a:r>
+              <a:rPr lang="en-IN" dirty="0" smtClean="0">
+                <a:solidFill>
+                  <a:srgbClr val="00FFFF"/>
+                </a:solidFill>
+              </a:rPr>
+              <a:t>prototype would save a lot of circuit-building time</a:t>
+            </a:r>
+            <a:r>
+              <a:rPr lang="en-IN" dirty="0" smtClean="0"/>
+              <a:t>.</a:t>
+            </a:r>
+            <a:endParaRPr lang="en-IN" dirty="0"/>
           </a:p>
         </p:txBody>
       </p:sp>
@@ -13178,7 +13216,7 @@
           <p:cNvPr id="4" name="Slide Number Placeholder 3">
             <a:extLst>
               <a:ext uri="{FF2B5EF4-FFF2-40B4-BE49-F238E27FC236}">
-                <a16:creationId xmlns:a16="http://schemas.microsoft.com/office/drawing/2014/main" id="{688010C3-FE03-4A9C-B048-60C5B3CA2120}"/>
+                <a16:creationId xmlns="" xmlns:a16="http://schemas.microsoft.com/office/drawing/2014/main" id="{688010C3-FE03-4A9C-B048-60C5B3CA2120}"/>
               </a:ext>
             </a:extLst>
           </p:cNvPr>
@@ -13189,7 +13227,12 @@
             <p:ph type="sldNum" sz="quarter" idx="12"/>
           </p:nvPr>
         </p:nvSpPr>
-        <p:spPr/>
+        <p:spPr>
+          <a:xfrm>
+            <a:off x="11203974" y="6294091"/>
+            <a:ext cx="771089" cy="365125"/>
+          </a:xfrm>
+        </p:spPr>
         <p:txBody>
           <a:bodyPr/>
           <a:lstStyle/>
@@ -13198,7 +13241,7 @@
               <a:rPr lang="en-US" smtClean="0"/>
               <a:t>2</a:t>
             </a:fld>
-            <a:endParaRPr lang="en-US"/>
+            <a:endParaRPr lang="en-US" dirty="0"/>
           </a:p>
         </p:txBody>
       </p:sp>
@@ -13237,7 +13280,7 @@
           <p:cNvPr id="2" name="Slide Number Placeholder 1">
             <a:extLst>
               <a:ext uri="{FF2B5EF4-FFF2-40B4-BE49-F238E27FC236}">
-                <a16:creationId xmlns:a16="http://schemas.microsoft.com/office/drawing/2014/main" id="{B2D6660E-7E3C-49A1-BAD5-4853A64593F5}"/>
+                <a16:creationId xmlns="" xmlns:a16="http://schemas.microsoft.com/office/drawing/2014/main" id="{B2D6660E-7E3C-49A1-BAD5-4853A64593F5}"/>
               </a:ext>
             </a:extLst>
           </p:cNvPr>
@@ -13248,7 +13291,12 @@
             <p:ph type="sldNum" sz="quarter" idx="12"/>
           </p:nvPr>
         </p:nvSpPr>
-        <p:spPr/>
+        <p:spPr>
+          <a:xfrm>
+            <a:off x="11230478" y="6294091"/>
+            <a:ext cx="771089" cy="365125"/>
+          </a:xfrm>
+        </p:spPr>
         <p:txBody>
           <a:bodyPr/>
           <a:lstStyle/>
@@ -13257,7 +13305,7 @@
               <a:rPr lang="en-US" smtClean="0"/>
               <a:t>3</a:t>
             </a:fld>
-            <a:endParaRPr lang="en-US"/>
+            <a:endParaRPr lang="en-US" dirty="0"/>
           </a:p>
         </p:txBody>
       </p:sp>
@@ -13317,7 +13365,7 @@
     </a:clrScheme>
     <a:fontScheme name="Tw Cen MT-Rockwell">
       <a:majorFont>
-        <a:latin typeface="Tw Cen MT" panose="020B0602020104020603"/>
+        <a:latin typeface="Tw Cen MT"/>
         <a:ea typeface=""/>
         <a:cs typeface=""/>
         <a:font script="Grek" typeface="Calibri"/>
@@ -13354,7 +13402,7 @@
         <a:font script="Geor" typeface="Sylfaen"/>
       </a:majorFont>
       <a:minorFont>
-        <a:latin typeface="Rockwell" panose="02060603020205020403"/>
+        <a:latin typeface="Rockwell"/>
         <a:ea typeface=""/>
         <a:cs typeface=""/>
         <a:font script="Grek" typeface="Cambria"/>
@@ -13557,7 +13605,7 @@
   <a:extraClrSchemeLst/>
   <a:extLst>
     <a:ext uri="{05A4C25C-085E-4340-85A3-A5531E510DB2}">
-      <thm15:themeFamily xmlns:thm15="http://schemas.microsoft.com/office/thememl/2012/main" name="Circuit" id="{0AC2F7E7-15F5-431C-B2A2-456FE929F56C}" vid="{0911B802-464C-4241-8DD9-B60FF88E379F}"/>
+      <thm15:themeFamily xmlns="" xmlns:thm15="http://schemas.microsoft.com/office/thememl/2012/main" name="Circuit" id="{0AC2F7E7-15F5-431C-B2A2-456FE929F56C}" vid="{0911B802-464C-4241-8DD9-B60FF88E379F}"/>
     </a:ext>
   </a:extLst>
 </a:theme>
@@ -13606,7 +13654,7 @@
     </a:clrScheme>
     <a:fontScheme name="Office">
       <a:majorFont>
-        <a:latin typeface="Calibri Light" panose="020F0302020204030204"/>
+        <a:latin typeface="Calibri Light"/>
         <a:ea typeface=""/>
         <a:cs typeface=""/>
         <a:font script="Jpan" typeface="游ゴシック Light"/>
@@ -13658,7 +13706,7 @@
         <a:font script="Tfng" typeface="Ebrima"/>
       </a:majorFont>
       <a:minorFont>
-        <a:latin typeface="Calibri" panose="020F0502020204030204"/>
+        <a:latin typeface="Calibri"/>
         <a:ea typeface=""/>
         <a:cs typeface=""/>
         <a:font script="Jpan" typeface="游ゴシック"/>
@@ -13852,7 +13900,7 @@
   <a:extraClrSchemeLst/>
   <a:extLst>
     <a:ext uri="{05A4C25C-085E-4340-85A3-A5531E510DB2}">
-      <thm15:themeFamily xmlns:thm15="http://schemas.microsoft.com/office/thememl/2012/main" name="Office Theme" id="{62F939B6-93AF-4DB8-9C6B-D6C7DFDC589F}" vid="{4A3C46E8-61CC-4603-A589-7422A47A8E4A}"/>
+      <thm15:themeFamily xmlns="" xmlns:thm15="http://schemas.microsoft.com/office/thememl/2012/main" name="Office Theme" id="{62F939B6-93AF-4DB8-9C6B-D6C7DFDC589F}" vid="{4A3C46E8-61CC-4603-A589-7422A47A8E4A}"/>
     </a:ext>
   </a:extLst>
 </a:theme>

--- a/automated_soldering_machine.pptx
+++ b/automated_soldering_machine.pptx
@@ -5,12 +5,15 @@
     <p:sldMasterId id="2147483678" r:id="rId1"/>
   </p:sldMasterIdLst>
   <p:notesMasterIdLst>
-    <p:notesMasterId r:id="rId5"/>
+    <p:notesMasterId r:id="rId8"/>
   </p:notesMasterIdLst>
   <p:sldIdLst>
     <p:sldId id="256" r:id="rId2"/>
     <p:sldId id="257" r:id="rId3"/>
     <p:sldId id="258" r:id="rId4"/>
+    <p:sldId id="259" r:id="rId5"/>
+    <p:sldId id="260" r:id="rId6"/>
+    <p:sldId id="261" r:id="rId7"/>
   </p:sldIdLst>
   <p:sldSz cx="12192000" cy="6858000"/>
   <p:notesSz cx="6858000" cy="9144000"/>
@@ -109,6 +112,11 @@
       </a:defRPr>
     </a:lvl9pPr>
   </p:defaultTextStyle>
+  <p:extLst>
+    <p:ext uri="{EFAFB233-063F-42B5-8137-9DF3F51BA10A}">
+      <p15:sldGuideLst xmlns:p15="http://schemas.microsoft.com/office/powerpoint/2012/main"/>
+    </p:ext>
+  </p:extLst>
 </p:presentation>
 </file>
 
@@ -194,7 +202,7 @@
           <a:p>
             <a:fld id="{6B1ABE9E-7FB6-47FC-BE31-5609706269A3}" type="datetimeFigureOut">
               <a:rPr lang="en-US" smtClean="0"/>
-              <a:t>01-Jan-21</a:t>
+              <a:t>1/2/2021</a:t>
             </a:fld>
             <a:endParaRPr lang="en-US"/>
           </a:p>
@@ -510,8 +518,8 @@
           </a:prstGeom>
           <a:noFill/>
           <a:extLst>
-            <a:ext uri="{909E8E84-426E-40DD-AFC4-6F175D3DCCD1}">
-              <a14:hiddenFill xmlns:a14="http://schemas.microsoft.com/office/drawing/2010/main">
+            <a:ext uri="{909E8E84-426E-40dd-AFC4-6F175D3DCCD1}">
+              <a14:hiddenFill xmlns="" xmlns:a14="http://schemas.microsoft.com/office/drawing/2010/main">
                 <a:solidFill>
                   <a:srgbClr val="FFFFFF"/>
                 </a:solidFill>
@@ -570,8 +578,8 @@
               <a:noFill/>
             </a:ln>
             <a:extLst>
-              <a:ext uri="{91240B29-F687-4F45-9708-019B960494DF}">
-                <a14:hiddenLine xmlns:a14="http://schemas.microsoft.com/office/drawing/2010/main" w="9525">
+              <a:ext uri="{91240B29-F687-4f45-9708-019B960494DF}">
+                <a14:hiddenLine xmlns="" xmlns:a14="http://schemas.microsoft.com/office/drawing/2010/main" w="9525">
                   <a:solidFill>
                     <a:srgbClr val="000000"/>
                   </a:solidFill>
@@ -660,8 +668,8 @@
               <a:noFill/>
             </a:ln>
             <a:extLst>
-              <a:ext uri="{91240B29-F687-4F45-9708-019B960494DF}">
-                <a14:hiddenLine xmlns:a14="http://schemas.microsoft.com/office/drawing/2010/main" w="9525">
+              <a:ext uri="{91240B29-F687-4f45-9708-019B960494DF}">
+                <a14:hiddenLine xmlns="" xmlns:a14="http://schemas.microsoft.com/office/drawing/2010/main" w="9525">
                   <a:solidFill>
                     <a:srgbClr val="000000"/>
                   </a:solidFill>
@@ -750,8 +758,8 @@
               <a:noFill/>
             </a:ln>
             <a:extLst>
-              <a:ext uri="{91240B29-F687-4F45-9708-019B960494DF}">
-                <a14:hiddenLine xmlns:a14="http://schemas.microsoft.com/office/drawing/2010/main" w="9525">
+              <a:ext uri="{91240B29-F687-4f45-9708-019B960494DF}">
+                <a14:hiddenLine xmlns="" xmlns:a14="http://schemas.microsoft.com/office/drawing/2010/main" w="9525">
                   <a:solidFill>
                     <a:srgbClr val="000000"/>
                   </a:solidFill>
@@ -784,8 +792,8 @@
               <a:noFill/>
             </a:ln>
             <a:extLst>
-              <a:ext uri="{91240B29-F687-4F45-9708-019B960494DF}">
-                <a14:hiddenLine xmlns:a14="http://schemas.microsoft.com/office/drawing/2010/main" w="9525">
+              <a:ext uri="{91240B29-F687-4f45-9708-019B960494DF}">
+                <a14:hiddenLine xmlns="" xmlns:a14="http://schemas.microsoft.com/office/drawing/2010/main" w="9525">
                   <a:solidFill>
                     <a:srgbClr val="000000"/>
                   </a:solidFill>
@@ -874,8 +882,8 @@
               <a:noFill/>
             </a:ln>
             <a:extLst>
-              <a:ext uri="{91240B29-F687-4F45-9708-019B960494DF}">
-                <a14:hiddenLine xmlns:a14="http://schemas.microsoft.com/office/drawing/2010/main" w="9525">
+              <a:ext uri="{91240B29-F687-4f45-9708-019B960494DF}">
+                <a14:hiddenLine xmlns="" xmlns:a14="http://schemas.microsoft.com/office/drawing/2010/main" w="9525">
                   <a:solidFill>
                     <a:srgbClr val="000000"/>
                   </a:solidFill>
@@ -936,8 +944,8 @@
               <a:noFill/>
             </a:ln>
             <a:extLst>
-              <a:ext uri="{91240B29-F687-4F45-9708-019B960494DF}">
-                <a14:hiddenLine xmlns:a14="http://schemas.microsoft.com/office/drawing/2010/main" w="9525">
+              <a:ext uri="{91240B29-F687-4f45-9708-019B960494DF}">
+                <a14:hiddenLine xmlns="" xmlns:a14="http://schemas.microsoft.com/office/drawing/2010/main" w="9525">
                   <a:solidFill>
                     <a:srgbClr val="000000"/>
                   </a:solidFill>
@@ -998,8 +1006,8 @@
               <a:noFill/>
             </a:ln>
             <a:extLst>
-              <a:ext uri="{91240B29-F687-4F45-9708-019B960494DF}">
-                <a14:hiddenLine xmlns:a14="http://schemas.microsoft.com/office/drawing/2010/main" w="9525">
+              <a:ext uri="{91240B29-F687-4f45-9708-019B960494DF}">
+                <a14:hiddenLine xmlns="" xmlns:a14="http://schemas.microsoft.com/office/drawing/2010/main" w="9525">
                   <a:solidFill>
                     <a:srgbClr val="000000"/>
                   </a:solidFill>
@@ -1088,8 +1096,8 @@
               <a:noFill/>
             </a:ln>
             <a:extLst>
-              <a:ext uri="{91240B29-F687-4F45-9708-019B960494DF}">
-                <a14:hiddenLine xmlns:a14="http://schemas.microsoft.com/office/drawing/2010/main" w="9525">
+              <a:ext uri="{91240B29-F687-4f45-9708-019B960494DF}">
+                <a14:hiddenLine xmlns="" xmlns:a14="http://schemas.microsoft.com/office/drawing/2010/main" w="9525">
                   <a:solidFill>
                     <a:srgbClr val="000000"/>
                   </a:solidFill>
@@ -1150,8 +1158,8 @@
               <a:noFill/>
             </a:ln>
             <a:extLst>
-              <a:ext uri="{91240B29-F687-4F45-9708-019B960494DF}">
-                <a14:hiddenLine xmlns:a14="http://schemas.microsoft.com/office/drawing/2010/main" w="9525">
+              <a:ext uri="{91240B29-F687-4f45-9708-019B960494DF}">
+                <a14:hiddenLine xmlns="" xmlns:a14="http://schemas.microsoft.com/office/drawing/2010/main" w="9525">
                   <a:solidFill>
                     <a:srgbClr val="000000"/>
                   </a:solidFill>
@@ -1212,8 +1220,8 @@
               <a:noFill/>
             </a:ln>
             <a:extLst>
-              <a:ext uri="{91240B29-F687-4F45-9708-019B960494DF}">
-                <a14:hiddenLine xmlns:a14="http://schemas.microsoft.com/office/drawing/2010/main" w="9525">
+              <a:ext uri="{91240B29-F687-4f45-9708-019B960494DF}">
+                <a14:hiddenLine xmlns="" xmlns:a14="http://schemas.microsoft.com/office/drawing/2010/main" w="9525">
                   <a:solidFill>
                     <a:srgbClr val="000000"/>
                   </a:solidFill>
@@ -1302,8 +1310,8 @@
               <a:noFill/>
             </a:ln>
             <a:extLst>
-              <a:ext uri="{91240B29-F687-4F45-9708-019B960494DF}">
-                <a14:hiddenLine xmlns:a14="http://schemas.microsoft.com/office/drawing/2010/main" w="9525">
+              <a:ext uri="{91240B29-F687-4f45-9708-019B960494DF}">
+                <a14:hiddenLine xmlns="" xmlns:a14="http://schemas.microsoft.com/office/drawing/2010/main" w="9525">
                   <a:solidFill>
                     <a:srgbClr val="000000"/>
                   </a:solidFill>
@@ -1392,8 +1400,8 @@
               <a:noFill/>
             </a:ln>
             <a:extLst>
-              <a:ext uri="{91240B29-F687-4F45-9708-019B960494DF}">
-                <a14:hiddenLine xmlns:a14="http://schemas.microsoft.com/office/drawing/2010/main" w="9525">
+              <a:ext uri="{91240B29-F687-4f45-9708-019B960494DF}">
+                <a14:hiddenLine xmlns="" xmlns:a14="http://schemas.microsoft.com/office/drawing/2010/main" w="9525">
                   <a:solidFill>
                     <a:srgbClr val="000000"/>
                   </a:solidFill>
@@ -1454,8 +1462,8 @@
               <a:noFill/>
             </a:ln>
             <a:extLst>
-              <a:ext uri="{91240B29-F687-4F45-9708-019B960494DF}">
-                <a14:hiddenLine xmlns:a14="http://schemas.microsoft.com/office/drawing/2010/main" w="9525">
+              <a:ext uri="{91240B29-F687-4f45-9708-019B960494DF}">
+                <a14:hiddenLine xmlns="" xmlns:a14="http://schemas.microsoft.com/office/drawing/2010/main" w="9525">
                   <a:solidFill>
                     <a:srgbClr val="000000"/>
                   </a:solidFill>
@@ -1564,8 +1572,8 @@
               <a:noFill/>
             </a:ln>
             <a:extLst>
-              <a:ext uri="{91240B29-F687-4F45-9708-019B960494DF}">
-                <a14:hiddenLine xmlns:a14="http://schemas.microsoft.com/office/drawing/2010/main" w="9525">
+              <a:ext uri="{91240B29-F687-4f45-9708-019B960494DF}">
+                <a14:hiddenLine xmlns="" xmlns:a14="http://schemas.microsoft.com/office/drawing/2010/main" w="9525">
                   <a:solidFill>
                     <a:srgbClr val="000000"/>
                   </a:solidFill>
@@ -1626,8 +1634,8 @@
               <a:noFill/>
             </a:ln>
             <a:extLst>
-              <a:ext uri="{91240B29-F687-4F45-9708-019B960494DF}">
-                <a14:hiddenLine xmlns:a14="http://schemas.microsoft.com/office/drawing/2010/main" w="9525">
+              <a:ext uri="{91240B29-F687-4f45-9708-019B960494DF}">
+                <a14:hiddenLine xmlns="" xmlns:a14="http://schemas.microsoft.com/office/drawing/2010/main" w="9525">
                   <a:solidFill>
                     <a:srgbClr val="000000"/>
                   </a:solidFill>
@@ -1716,8 +1724,8 @@
               <a:noFill/>
             </a:ln>
             <a:extLst>
-              <a:ext uri="{91240B29-F687-4F45-9708-019B960494DF}">
-                <a14:hiddenLine xmlns:a14="http://schemas.microsoft.com/office/drawing/2010/main" w="9525">
+              <a:ext uri="{91240B29-F687-4f45-9708-019B960494DF}">
+                <a14:hiddenLine xmlns="" xmlns:a14="http://schemas.microsoft.com/office/drawing/2010/main" w="9525">
                   <a:solidFill>
                     <a:srgbClr val="000000"/>
                   </a:solidFill>
@@ -1806,8 +1814,8 @@
               <a:noFill/>
             </a:ln>
             <a:extLst>
-              <a:ext uri="{91240B29-F687-4F45-9708-019B960494DF}">
-                <a14:hiddenLine xmlns:a14="http://schemas.microsoft.com/office/drawing/2010/main" w="9525">
+              <a:ext uri="{91240B29-F687-4f45-9708-019B960494DF}">
+                <a14:hiddenLine xmlns="" xmlns:a14="http://schemas.microsoft.com/office/drawing/2010/main" w="9525">
                   <a:solidFill>
                     <a:srgbClr val="000000"/>
                   </a:solidFill>
@@ -1868,8 +1876,8 @@
               <a:noFill/>
             </a:ln>
             <a:extLst>
-              <a:ext uri="{91240B29-F687-4F45-9708-019B960494DF}">
-                <a14:hiddenLine xmlns:a14="http://schemas.microsoft.com/office/drawing/2010/main" w="9525">
+              <a:ext uri="{91240B29-F687-4f45-9708-019B960494DF}">
+                <a14:hiddenLine xmlns="" xmlns:a14="http://schemas.microsoft.com/office/drawing/2010/main" w="9525">
                   <a:solidFill>
                     <a:srgbClr val="000000"/>
                   </a:solidFill>
@@ -1958,8 +1966,8 @@
               <a:noFill/>
             </a:ln>
             <a:extLst>
-              <a:ext uri="{91240B29-F687-4F45-9708-019B960494DF}">
-                <a14:hiddenLine xmlns:a14="http://schemas.microsoft.com/office/drawing/2010/main" w="9525">
+              <a:ext uri="{91240B29-F687-4f45-9708-019B960494DF}">
+                <a14:hiddenLine xmlns="" xmlns:a14="http://schemas.microsoft.com/office/drawing/2010/main" w="9525">
                   <a:solidFill>
                     <a:srgbClr val="000000"/>
                   </a:solidFill>
@@ -2048,8 +2056,8 @@
               <a:noFill/>
             </a:ln>
             <a:extLst>
-              <a:ext uri="{91240B29-F687-4F45-9708-019B960494DF}">
-                <a14:hiddenLine xmlns:a14="http://schemas.microsoft.com/office/drawing/2010/main" w="9525">
+              <a:ext uri="{91240B29-F687-4f45-9708-019B960494DF}">
+                <a14:hiddenLine xmlns="" xmlns:a14="http://schemas.microsoft.com/office/drawing/2010/main" w="9525">
                   <a:solidFill>
                     <a:srgbClr val="000000"/>
                   </a:solidFill>
@@ -2104,8 +2112,8 @@
               <a:noFill/>
             </a:ln>
             <a:extLst>
-              <a:ext uri="{91240B29-F687-4F45-9708-019B960494DF}">
-                <a14:hiddenLine xmlns:a14="http://schemas.microsoft.com/office/drawing/2010/main" w="9525">
+              <a:ext uri="{91240B29-F687-4f45-9708-019B960494DF}">
+                <a14:hiddenLine xmlns="" xmlns:a14="http://schemas.microsoft.com/office/drawing/2010/main" w="9525">
                   <a:solidFill>
                     <a:srgbClr val="000000"/>
                   </a:solidFill>
@@ -2194,8 +2202,8 @@
               <a:noFill/>
             </a:ln>
             <a:extLst>
-              <a:ext uri="{91240B29-F687-4F45-9708-019B960494DF}">
-                <a14:hiddenLine xmlns:a14="http://schemas.microsoft.com/office/drawing/2010/main" w="9525">
+              <a:ext uri="{91240B29-F687-4f45-9708-019B960494DF}">
+                <a14:hiddenLine xmlns="" xmlns:a14="http://schemas.microsoft.com/office/drawing/2010/main" w="9525">
                   <a:solidFill>
                     <a:srgbClr val="000000"/>
                   </a:solidFill>
@@ -2250,8 +2258,8 @@
               <a:noFill/>
             </a:ln>
             <a:extLst>
-              <a:ext uri="{91240B29-F687-4F45-9708-019B960494DF}">
-                <a14:hiddenLine xmlns:a14="http://schemas.microsoft.com/office/drawing/2010/main" w="9525">
+              <a:ext uri="{91240B29-F687-4f45-9708-019B960494DF}">
+                <a14:hiddenLine xmlns="" xmlns:a14="http://schemas.microsoft.com/office/drawing/2010/main" w="9525">
                   <a:solidFill>
                     <a:srgbClr val="000000"/>
                   </a:solidFill>
@@ -2340,8 +2348,8 @@
               <a:noFill/>
             </a:ln>
             <a:extLst>
-              <a:ext uri="{91240B29-F687-4F45-9708-019B960494DF}">
-                <a14:hiddenLine xmlns:a14="http://schemas.microsoft.com/office/drawing/2010/main" w="9525">
+              <a:ext uri="{91240B29-F687-4f45-9708-019B960494DF}">
+                <a14:hiddenLine xmlns="" xmlns:a14="http://schemas.microsoft.com/office/drawing/2010/main" w="9525">
                   <a:solidFill>
                     <a:srgbClr val="000000"/>
                   </a:solidFill>
@@ -2408,8 +2416,8 @@
               <a:noFill/>
             </a:ln>
             <a:extLst>
-              <a:ext uri="{91240B29-F687-4F45-9708-019B960494DF}">
-                <a14:hiddenLine xmlns:a14="http://schemas.microsoft.com/office/drawing/2010/main" w="9525">
+              <a:ext uri="{91240B29-F687-4f45-9708-019B960494DF}">
+                <a14:hiddenLine xmlns="" xmlns:a14="http://schemas.microsoft.com/office/drawing/2010/main" w="9525">
                   <a:solidFill>
                     <a:srgbClr val="000000"/>
                   </a:solidFill>
@@ -2498,8 +2506,8 @@
               <a:noFill/>
             </a:ln>
             <a:extLst>
-              <a:ext uri="{91240B29-F687-4F45-9708-019B960494DF}">
-                <a14:hiddenLine xmlns:a14="http://schemas.microsoft.com/office/drawing/2010/main" w="9525">
+              <a:ext uri="{91240B29-F687-4f45-9708-019B960494DF}">
+                <a14:hiddenLine xmlns="" xmlns:a14="http://schemas.microsoft.com/office/drawing/2010/main" w="9525">
                   <a:solidFill>
                     <a:srgbClr val="000000"/>
                   </a:solidFill>
@@ -2566,8 +2574,8 @@
               <a:noFill/>
             </a:ln>
             <a:extLst>
-              <a:ext uri="{91240B29-F687-4F45-9708-019B960494DF}">
-                <a14:hiddenLine xmlns:a14="http://schemas.microsoft.com/office/drawing/2010/main" w="9525">
+              <a:ext uri="{91240B29-F687-4f45-9708-019B960494DF}">
+                <a14:hiddenLine xmlns="" xmlns:a14="http://schemas.microsoft.com/office/drawing/2010/main" w="9525">
                   <a:solidFill>
                     <a:srgbClr val="000000"/>
                   </a:solidFill>
@@ -2656,8 +2664,8 @@
               <a:noFill/>
             </a:ln>
             <a:extLst>
-              <a:ext uri="{91240B29-F687-4F45-9708-019B960494DF}">
-                <a14:hiddenLine xmlns:a14="http://schemas.microsoft.com/office/drawing/2010/main" w="9525">
+              <a:ext uri="{91240B29-F687-4f45-9708-019B960494DF}">
+                <a14:hiddenLine xmlns="" xmlns:a14="http://schemas.microsoft.com/office/drawing/2010/main" w="9525">
                   <a:solidFill>
                     <a:srgbClr val="000000"/>
                   </a:solidFill>
@@ -2690,8 +2698,8 @@
               <a:noFill/>
             </a:ln>
             <a:extLst>
-              <a:ext uri="{91240B29-F687-4F45-9708-019B960494DF}">
-                <a14:hiddenLine xmlns:a14="http://schemas.microsoft.com/office/drawing/2010/main" w="9525">
+              <a:ext uri="{91240B29-F687-4f45-9708-019B960494DF}">
+                <a14:hiddenLine xmlns="" xmlns:a14="http://schemas.microsoft.com/office/drawing/2010/main" w="9525">
                   <a:solidFill>
                     <a:srgbClr val="000000"/>
                   </a:solidFill>
@@ -2780,8 +2788,8 @@
               <a:noFill/>
             </a:ln>
             <a:extLst>
-              <a:ext uri="{91240B29-F687-4F45-9708-019B960494DF}">
-                <a14:hiddenLine xmlns:a14="http://schemas.microsoft.com/office/drawing/2010/main" w="9525">
+              <a:ext uri="{91240B29-F687-4f45-9708-019B960494DF}">
+                <a14:hiddenLine xmlns="" xmlns:a14="http://schemas.microsoft.com/office/drawing/2010/main" w="9525">
                   <a:solidFill>
                     <a:srgbClr val="000000"/>
                   </a:solidFill>
@@ -2842,8 +2850,8 @@
               <a:noFill/>
             </a:ln>
             <a:extLst>
-              <a:ext uri="{91240B29-F687-4F45-9708-019B960494DF}">
-                <a14:hiddenLine xmlns:a14="http://schemas.microsoft.com/office/drawing/2010/main" w="9525">
+              <a:ext uri="{91240B29-F687-4f45-9708-019B960494DF}">
+                <a14:hiddenLine xmlns="" xmlns:a14="http://schemas.microsoft.com/office/drawing/2010/main" w="9525">
                   <a:solidFill>
                     <a:srgbClr val="000000"/>
                   </a:solidFill>
@@ -2904,8 +2912,8 @@
               <a:noFill/>
             </a:ln>
             <a:extLst>
-              <a:ext uri="{91240B29-F687-4F45-9708-019B960494DF}">
-                <a14:hiddenLine xmlns:a14="http://schemas.microsoft.com/office/drawing/2010/main" w="9525">
+              <a:ext uri="{91240B29-F687-4f45-9708-019B960494DF}">
+                <a14:hiddenLine xmlns="" xmlns:a14="http://schemas.microsoft.com/office/drawing/2010/main" w="9525">
                   <a:solidFill>
                     <a:srgbClr val="000000"/>
                   </a:solidFill>
@@ -2994,8 +3002,8 @@
               <a:noFill/>
             </a:ln>
             <a:extLst>
-              <a:ext uri="{91240B29-F687-4F45-9708-019B960494DF}">
-                <a14:hiddenLine xmlns:a14="http://schemas.microsoft.com/office/drawing/2010/main" w="9525">
+              <a:ext uri="{91240B29-F687-4f45-9708-019B960494DF}">
+                <a14:hiddenLine xmlns="" xmlns:a14="http://schemas.microsoft.com/office/drawing/2010/main" w="9525">
                   <a:solidFill>
                     <a:srgbClr val="000000"/>
                   </a:solidFill>
@@ -3062,8 +3070,8 @@
               <a:noFill/>
             </a:ln>
             <a:extLst>
-              <a:ext uri="{91240B29-F687-4F45-9708-019B960494DF}">
-                <a14:hiddenLine xmlns:a14="http://schemas.microsoft.com/office/drawing/2010/main" w="9525">
+              <a:ext uri="{91240B29-F687-4f45-9708-019B960494DF}">
+                <a14:hiddenLine xmlns="" xmlns:a14="http://schemas.microsoft.com/office/drawing/2010/main" w="9525">
                   <a:solidFill>
                     <a:srgbClr val="000000"/>
                   </a:solidFill>
@@ -3124,8 +3132,8 @@
               <a:noFill/>
             </a:ln>
             <a:extLst>
-              <a:ext uri="{91240B29-F687-4F45-9708-019B960494DF}">
-                <a14:hiddenLine xmlns:a14="http://schemas.microsoft.com/office/drawing/2010/main" w="9525">
+              <a:ext uri="{91240B29-F687-4f45-9708-019B960494DF}">
+                <a14:hiddenLine xmlns="" xmlns:a14="http://schemas.microsoft.com/office/drawing/2010/main" w="9525">
                   <a:solidFill>
                     <a:srgbClr val="000000"/>
                   </a:solidFill>
@@ -3214,8 +3222,8 @@
               <a:noFill/>
             </a:ln>
             <a:extLst>
-              <a:ext uri="{91240B29-F687-4F45-9708-019B960494DF}">
-                <a14:hiddenLine xmlns:a14="http://schemas.microsoft.com/office/drawing/2010/main" w="9525">
+              <a:ext uri="{91240B29-F687-4f45-9708-019B960494DF}">
+                <a14:hiddenLine xmlns="" xmlns:a14="http://schemas.microsoft.com/office/drawing/2010/main" w="9525">
                   <a:solidFill>
                     <a:srgbClr val="000000"/>
                   </a:solidFill>
@@ -3276,8 +3284,8 @@
               <a:noFill/>
             </a:ln>
             <a:extLst>
-              <a:ext uri="{91240B29-F687-4F45-9708-019B960494DF}">
-                <a14:hiddenLine xmlns:a14="http://schemas.microsoft.com/office/drawing/2010/main" w="9525">
+              <a:ext uri="{91240B29-F687-4f45-9708-019B960494DF}">
+                <a14:hiddenLine xmlns="" xmlns:a14="http://schemas.microsoft.com/office/drawing/2010/main" w="9525">
                   <a:solidFill>
                     <a:srgbClr val="000000"/>
                   </a:solidFill>
@@ -3366,8 +3374,8 @@
               <a:noFill/>
             </a:ln>
             <a:extLst>
-              <a:ext uri="{91240B29-F687-4F45-9708-019B960494DF}">
-                <a14:hiddenLine xmlns:a14="http://schemas.microsoft.com/office/drawing/2010/main" w="9525">
+              <a:ext uri="{91240B29-F687-4f45-9708-019B960494DF}">
+                <a14:hiddenLine xmlns="" xmlns:a14="http://schemas.microsoft.com/office/drawing/2010/main" w="9525">
                   <a:solidFill>
                     <a:srgbClr val="000000"/>
                   </a:solidFill>
@@ -3428,8 +3436,8 @@
               <a:noFill/>
             </a:ln>
             <a:extLst>
-              <a:ext uri="{91240B29-F687-4F45-9708-019B960494DF}">
-                <a14:hiddenLine xmlns:a14="http://schemas.microsoft.com/office/drawing/2010/main" w="9525">
+              <a:ext uri="{91240B29-F687-4f45-9708-019B960494DF}">
+                <a14:hiddenLine xmlns="" xmlns:a14="http://schemas.microsoft.com/office/drawing/2010/main" w="9525">
                   <a:solidFill>
                     <a:srgbClr val="000000"/>
                   </a:solidFill>
@@ -3518,8 +3526,8 @@
               <a:noFill/>
             </a:ln>
             <a:extLst>
-              <a:ext uri="{91240B29-F687-4F45-9708-019B960494DF}">
-                <a14:hiddenLine xmlns:a14="http://schemas.microsoft.com/office/drawing/2010/main" w="9525">
+              <a:ext uri="{91240B29-F687-4f45-9708-019B960494DF}">
+                <a14:hiddenLine xmlns="" xmlns:a14="http://schemas.microsoft.com/office/drawing/2010/main" w="9525">
                   <a:solidFill>
                     <a:srgbClr val="000000"/>
                   </a:solidFill>
@@ -3552,8 +3560,8 @@
               <a:noFill/>
             </a:ln>
             <a:extLst>
-              <a:ext uri="{91240B29-F687-4F45-9708-019B960494DF}">
-                <a14:hiddenLine xmlns:a14="http://schemas.microsoft.com/office/drawing/2010/main" w="9525">
+              <a:ext uri="{91240B29-F687-4f45-9708-019B960494DF}">
+                <a14:hiddenLine xmlns="" xmlns:a14="http://schemas.microsoft.com/office/drawing/2010/main" w="9525">
                   <a:solidFill>
                     <a:srgbClr val="000000"/>
                   </a:solidFill>
@@ -3617,8 +3625,8 @@
               <a:noFill/>
             </a:ln>
             <a:extLst>
-              <a:ext uri="{91240B29-F687-4F45-9708-019B960494DF}">
-                <a14:hiddenLine xmlns:a14="http://schemas.microsoft.com/office/drawing/2010/main" w="9525">
+              <a:ext uri="{91240B29-F687-4f45-9708-019B960494DF}">
+                <a14:hiddenLine xmlns="" xmlns:a14="http://schemas.microsoft.com/office/drawing/2010/main" w="9525">
                   <a:solidFill>
                     <a:srgbClr val="000000"/>
                   </a:solidFill>
@@ -3707,8 +3715,8 @@
               <a:noFill/>
             </a:ln>
             <a:extLst>
-              <a:ext uri="{91240B29-F687-4F45-9708-019B960494DF}">
-                <a14:hiddenLine xmlns:a14="http://schemas.microsoft.com/office/drawing/2010/main" w="9525">
+              <a:ext uri="{91240B29-F687-4f45-9708-019B960494DF}">
+                <a14:hiddenLine xmlns="" xmlns:a14="http://schemas.microsoft.com/office/drawing/2010/main" w="9525">
                   <a:solidFill>
                     <a:srgbClr val="000000"/>
                   </a:solidFill>
@@ -3769,8 +3777,8 @@
               <a:noFill/>
             </a:ln>
             <a:extLst>
-              <a:ext uri="{91240B29-F687-4F45-9708-019B960494DF}">
-                <a14:hiddenLine xmlns:a14="http://schemas.microsoft.com/office/drawing/2010/main" w="9525">
+              <a:ext uri="{91240B29-F687-4f45-9708-019B960494DF}">
+                <a14:hiddenLine xmlns="" xmlns:a14="http://schemas.microsoft.com/office/drawing/2010/main" w="9525">
                   <a:solidFill>
                     <a:srgbClr val="000000"/>
                   </a:solidFill>
@@ -3859,8 +3867,8 @@
               <a:noFill/>
             </a:ln>
             <a:extLst>
-              <a:ext uri="{91240B29-F687-4F45-9708-019B960494DF}">
-                <a14:hiddenLine xmlns:a14="http://schemas.microsoft.com/office/drawing/2010/main" w="9525">
+              <a:ext uri="{91240B29-F687-4f45-9708-019B960494DF}">
+                <a14:hiddenLine xmlns="" xmlns:a14="http://schemas.microsoft.com/office/drawing/2010/main" w="9525">
                   <a:solidFill>
                     <a:srgbClr val="000000"/>
                   </a:solidFill>
@@ -3949,8 +3957,8 @@
               <a:noFill/>
             </a:ln>
             <a:extLst>
-              <a:ext uri="{91240B29-F687-4F45-9708-019B960494DF}">
-                <a14:hiddenLine xmlns:a14="http://schemas.microsoft.com/office/drawing/2010/main" w="9525">
+              <a:ext uri="{91240B29-F687-4f45-9708-019B960494DF}">
+                <a14:hiddenLine xmlns="" xmlns:a14="http://schemas.microsoft.com/office/drawing/2010/main" w="9525">
                   <a:solidFill>
                     <a:srgbClr val="000000"/>
                   </a:solidFill>
@@ -4014,8 +4022,8 @@
               <a:noFill/>
             </a:ln>
             <a:extLst>
-              <a:ext uri="{91240B29-F687-4F45-9708-019B960494DF}">
-                <a14:hiddenLine xmlns:a14="http://schemas.microsoft.com/office/drawing/2010/main" w="9525">
+              <a:ext uri="{91240B29-F687-4f45-9708-019B960494DF}">
+                <a14:hiddenLine xmlns="" xmlns:a14="http://schemas.microsoft.com/office/drawing/2010/main" w="9525">
                   <a:solidFill>
                     <a:srgbClr val="000000"/>
                   </a:solidFill>
@@ -4076,8 +4084,8 @@
               <a:noFill/>
             </a:ln>
             <a:extLst>
-              <a:ext uri="{91240B29-F687-4F45-9708-019B960494DF}">
-                <a14:hiddenLine xmlns:a14="http://schemas.microsoft.com/office/drawing/2010/main" w="9525">
+              <a:ext uri="{91240B29-F687-4f45-9708-019B960494DF}">
+                <a14:hiddenLine xmlns="" xmlns:a14="http://schemas.microsoft.com/office/drawing/2010/main" w="9525">
                   <a:solidFill>
                     <a:srgbClr val="000000"/>
                   </a:solidFill>
@@ -4166,8 +4174,8 @@
               <a:noFill/>
             </a:ln>
             <a:extLst>
-              <a:ext uri="{91240B29-F687-4F45-9708-019B960494DF}">
-                <a14:hiddenLine xmlns:a14="http://schemas.microsoft.com/office/drawing/2010/main" w="9525">
+              <a:ext uri="{91240B29-F687-4f45-9708-019B960494DF}">
+                <a14:hiddenLine xmlns="" xmlns:a14="http://schemas.microsoft.com/office/drawing/2010/main" w="9525">
                   <a:solidFill>
                     <a:srgbClr val="000000"/>
                   </a:solidFill>
@@ -4256,8 +4264,8 @@
               <a:noFill/>
             </a:ln>
             <a:extLst>
-              <a:ext uri="{91240B29-F687-4F45-9708-019B960494DF}">
-                <a14:hiddenLine xmlns:a14="http://schemas.microsoft.com/office/drawing/2010/main" w="9525">
+              <a:ext uri="{91240B29-F687-4f45-9708-019B960494DF}">
+                <a14:hiddenLine xmlns="" xmlns:a14="http://schemas.microsoft.com/office/drawing/2010/main" w="9525">
                   <a:solidFill>
                     <a:srgbClr val="000000"/>
                   </a:solidFill>
@@ -4318,8 +4326,8 @@
               <a:noFill/>
             </a:ln>
             <a:extLst>
-              <a:ext uri="{91240B29-F687-4F45-9708-019B960494DF}">
-                <a14:hiddenLine xmlns:a14="http://schemas.microsoft.com/office/drawing/2010/main" w="9525">
+              <a:ext uri="{91240B29-F687-4f45-9708-019B960494DF}">
+                <a14:hiddenLine xmlns="" xmlns:a14="http://schemas.microsoft.com/office/drawing/2010/main" w="9525">
                   <a:solidFill>
                     <a:srgbClr val="000000"/>
                   </a:solidFill>
@@ -4438,8 +4446,8 @@
               <a:noFill/>
             </a:ln>
             <a:extLst>
-              <a:ext uri="{91240B29-F687-4F45-9708-019B960494DF}">
-                <a14:hiddenLine xmlns:a14="http://schemas.microsoft.com/office/drawing/2010/main" w="9525">
+              <a:ext uri="{91240B29-F687-4f45-9708-019B960494DF}">
+                <a14:hiddenLine xmlns="" xmlns:a14="http://schemas.microsoft.com/office/drawing/2010/main" w="9525">
                   <a:solidFill>
                     <a:srgbClr val="000000"/>
                   </a:solidFill>
@@ -4506,8 +4514,8 @@
               <a:noFill/>
             </a:ln>
             <a:extLst>
-              <a:ext uri="{91240B29-F687-4F45-9708-019B960494DF}">
-                <a14:hiddenLine xmlns:a14="http://schemas.microsoft.com/office/drawing/2010/main" w="9525">
+              <a:ext uri="{91240B29-F687-4f45-9708-019B960494DF}">
+                <a14:hiddenLine xmlns="" xmlns:a14="http://schemas.microsoft.com/office/drawing/2010/main" w="9525">
                   <a:solidFill>
                     <a:srgbClr val="000000"/>
                   </a:solidFill>
@@ -4596,8 +4604,8 @@
               <a:noFill/>
             </a:ln>
             <a:extLst>
-              <a:ext uri="{91240B29-F687-4F45-9708-019B960494DF}">
-                <a14:hiddenLine xmlns:a14="http://schemas.microsoft.com/office/drawing/2010/main" w="9525">
+              <a:ext uri="{91240B29-F687-4f45-9708-019B960494DF}">
+                <a14:hiddenLine xmlns="" xmlns:a14="http://schemas.microsoft.com/office/drawing/2010/main" w="9525">
                   <a:solidFill>
                     <a:srgbClr val="000000"/>
                   </a:solidFill>
@@ -4737,7 +4745,7 @@
           <a:p>
             <a:fld id="{9453E4B6-66BA-4B33-AFCD-F6084AE9AFDC}" type="datetime1">
               <a:rPr lang="en-US" smtClean="0"/>
-              <a:t>01-Jan-21</a:t>
+              <a:t>1/2/2021</a:t>
             </a:fld>
             <a:endParaRPr lang="en-US"/>
           </a:p>
@@ -5004,7 +5012,7 @@
           <a:p>
             <a:fld id="{3B030C01-3367-43BF-937D-3893ADD9B9F8}" type="datetime1">
               <a:rPr lang="en-US" smtClean="0"/>
-              <a:t>01-Jan-21</a:t>
+              <a:t>1/2/2021</a:t>
             </a:fld>
             <a:endParaRPr lang="en-US"/>
           </a:p>
@@ -5200,7 +5208,7 @@
           <a:p>
             <a:fld id="{7B0B9D8B-653D-4DAC-8F28-9C1357B30687}" type="datetime1">
               <a:rPr lang="en-US" smtClean="0"/>
-              <a:t>01-Jan-21</a:t>
+              <a:t>1/2/2021</a:t>
             </a:fld>
             <a:endParaRPr lang="en-US"/>
           </a:p>
@@ -5463,7 +5471,7 @@
           <a:p>
             <a:fld id="{3E0B0587-B13D-4CE2-ABF3-D82ACC0FE76B}" type="datetime1">
               <a:rPr lang="en-US" smtClean="0"/>
-              <a:t>01-Jan-21</a:t>
+              <a:t>1/2/2021</a:t>
             </a:fld>
             <a:endParaRPr lang="en-US"/>
           </a:p>
@@ -5897,7 +5905,7 @@
           <a:p>
             <a:fld id="{71639C8D-F100-4198-BC96-24268D604A86}" type="datetime1">
               <a:rPr lang="en-US" smtClean="0"/>
-              <a:t>01-Jan-21</a:t>
+              <a:t>1/2/2021</a:t>
             </a:fld>
             <a:endParaRPr lang="en-US"/>
           </a:p>
@@ -6443,7 +6451,7 @@
           <a:p>
             <a:fld id="{FFAF4433-B36B-42B9-9129-BFBD1397BF4E}" type="datetime1">
               <a:rPr lang="en-US" smtClean="0"/>
-              <a:t>01-Jan-21</a:t>
+              <a:t>1/2/2021</a:t>
             </a:fld>
             <a:endParaRPr lang="en-US"/>
           </a:p>
@@ -7163,7 +7171,7 @@
           <a:p>
             <a:fld id="{0456F42E-3AD5-45F5-AA4E-60673CE0A094}" type="datetime1">
               <a:rPr lang="en-US" smtClean="0"/>
-              <a:t>01-Jan-21</a:t>
+              <a:t>1/2/2021</a:t>
             </a:fld>
             <a:endParaRPr lang="en-US"/>
           </a:p>
@@ -7333,7 +7341,7 @@
           <a:p>
             <a:fld id="{96682EAD-E4E4-4F29-8F62-A2DBB9B02D15}" type="datetime1">
               <a:rPr lang="en-US" smtClean="0"/>
-              <a:t>01-Jan-21</a:t>
+              <a:t>1/2/2021</a:t>
             </a:fld>
             <a:endParaRPr lang="en-US"/>
           </a:p>
@@ -7513,7 +7521,7 @@
           <a:p>
             <a:fld id="{1D971B33-70FD-4CFB-BAAD-1813DAEC74FB}" type="datetime1">
               <a:rPr lang="en-US" smtClean="0"/>
-              <a:t>01-Jan-21</a:t>
+              <a:t>1/2/2021</a:t>
             </a:fld>
             <a:endParaRPr lang="en-US"/>
           </a:p>
@@ -7683,7 +7691,7 @@
           <a:p>
             <a:fld id="{7DC7A930-E568-44E6-84ED-3BB4016E0373}" type="datetime1">
               <a:rPr lang="en-US" smtClean="0"/>
-              <a:t>01-Jan-21</a:t>
+              <a:t>1/2/2021</a:t>
             </a:fld>
             <a:endParaRPr lang="en-US"/>
           </a:p>
@@ -7933,7 +7941,7 @@
           <a:p>
             <a:fld id="{14DF841F-E273-470C-888B-487BE062E0B0}" type="datetime1">
               <a:rPr lang="en-US" smtClean="0"/>
-              <a:t>01-Jan-21</a:t>
+              <a:t>1/2/2021</a:t>
             </a:fld>
             <a:endParaRPr lang="en-US"/>
           </a:p>
@@ -8165,7 +8173,7 @@
           <a:p>
             <a:fld id="{7976C994-3276-415C-8876-D8A57D02FBEA}" type="datetime1">
               <a:rPr lang="en-US" smtClean="0"/>
-              <a:t>01-Jan-21</a:t>
+              <a:t>1/2/2021</a:t>
             </a:fld>
             <a:endParaRPr lang="en-US"/>
           </a:p>
@@ -8546,7 +8554,7 @@
           <a:p>
             <a:fld id="{957CF569-10E6-499B-B10A-368AE7881220}" type="datetime1">
               <a:rPr lang="en-US" smtClean="0"/>
-              <a:t>01-Jan-21</a:t>
+              <a:t>1/2/2021</a:t>
             </a:fld>
             <a:endParaRPr lang="en-US"/>
           </a:p>
@@ -8664,7 +8672,7 @@
           <a:p>
             <a:fld id="{2B558DD0-02EC-4237-86A7-F584E5F12E9D}" type="datetime1">
               <a:rPr lang="en-US" smtClean="0"/>
-              <a:t>01-Jan-21</a:t>
+              <a:t>1/2/2021</a:t>
             </a:fld>
             <a:endParaRPr lang="en-US"/>
           </a:p>
@@ -8759,7 +8767,7 @@
           <a:p>
             <a:fld id="{6CDF8AA9-4674-4D39-A1B3-0222990FE499}" type="datetime1">
               <a:rPr lang="en-US" smtClean="0"/>
-              <a:t>01-Jan-21</a:t>
+              <a:t>1/2/2021</a:t>
             </a:fld>
             <a:endParaRPr lang="en-US"/>
           </a:p>
@@ -9008,7 +9016,7 @@
           <a:p>
             <a:fld id="{385EDE88-5D12-4E0B-86B8-96CC48680CD5}" type="datetime1">
               <a:rPr lang="en-US" smtClean="0"/>
-              <a:t>01-Jan-21</a:t>
+              <a:t>1/2/2021</a:t>
             </a:fld>
             <a:endParaRPr lang="en-US"/>
           </a:p>
@@ -9288,7 +9296,7 @@
           <a:p>
             <a:fld id="{1A5064E6-1AA0-4DA4-AF2E-267D28A9CDE4}" type="datetime1">
               <a:rPr lang="en-US" smtClean="0"/>
-              <a:t>01-Jan-21</a:t>
+              <a:t>1/2/2021</a:t>
             </a:fld>
             <a:endParaRPr lang="en-US"/>
           </a:p>
@@ -9403,8 +9411,8 @@
           </a:prstGeom>
           <a:noFill/>
           <a:extLst>
-            <a:ext uri="{909E8E84-426E-40DD-AFC4-6F175D3DCCD1}">
-              <a14:hiddenFill xmlns:a14="http://schemas.microsoft.com/office/drawing/2010/main">
+            <a:ext uri="{909E8E84-426E-40dd-AFC4-6F175D3DCCD1}">
+              <a14:hiddenFill xmlns="" xmlns:a14="http://schemas.microsoft.com/office/drawing/2010/main">
                 <a:solidFill>
                   <a:srgbClr val="FFFFFF"/>
                 </a:solidFill>
@@ -9477,8 +9485,8 @@
                 <a:noFill/>
               </a:ln>
               <a:extLst>
-                <a:ext uri="{91240B29-F687-4F45-9708-019B960494DF}">
-                  <a14:hiddenLine xmlns:a14="http://schemas.microsoft.com/office/drawing/2010/main" w="9525">
+                <a:ext uri="{91240B29-F687-4f45-9708-019B960494DF}">
+                  <a14:hiddenLine xmlns="" xmlns:a14="http://schemas.microsoft.com/office/drawing/2010/main" w="9525">
                     <a:solidFill>
                       <a:srgbClr val="000000"/>
                     </a:solidFill>
@@ -9567,8 +9575,8 @@
                 <a:noFill/>
               </a:ln>
               <a:extLst>
-                <a:ext uri="{91240B29-F687-4F45-9708-019B960494DF}">
-                  <a14:hiddenLine xmlns:a14="http://schemas.microsoft.com/office/drawing/2010/main" w="9525">
+                <a:ext uri="{91240B29-F687-4f45-9708-019B960494DF}">
+                  <a14:hiddenLine xmlns="" xmlns:a14="http://schemas.microsoft.com/office/drawing/2010/main" w="9525">
                     <a:solidFill>
                       <a:srgbClr val="000000"/>
                     </a:solidFill>
@@ -9657,8 +9665,8 @@
                 <a:noFill/>
               </a:ln>
               <a:extLst>
-                <a:ext uri="{91240B29-F687-4F45-9708-019B960494DF}">
-                  <a14:hiddenLine xmlns:a14="http://schemas.microsoft.com/office/drawing/2010/main" w="9525">
+                <a:ext uri="{91240B29-F687-4f45-9708-019B960494DF}">
+                  <a14:hiddenLine xmlns="" xmlns:a14="http://schemas.microsoft.com/office/drawing/2010/main" w="9525">
                     <a:solidFill>
                       <a:srgbClr val="000000"/>
                     </a:solidFill>
@@ -9719,8 +9727,8 @@
                 <a:noFill/>
               </a:ln>
               <a:extLst>
-                <a:ext uri="{91240B29-F687-4F45-9708-019B960494DF}">
-                  <a14:hiddenLine xmlns:a14="http://schemas.microsoft.com/office/drawing/2010/main" w="9525">
+                <a:ext uri="{91240B29-F687-4f45-9708-019B960494DF}">
+                  <a14:hiddenLine xmlns="" xmlns:a14="http://schemas.microsoft.com/office/drawing/2010/main" w="9525">
                     <a:solidFill>
                       <a:srgbClr val="000000"/>
                     </a:solidFill>
@@ -9809,8 +9817,8 @@
                 <a:noFill/>
               </a:ln>
               <a:extLst>
-                <a:ext uri="{91240B29-F687-4F45-9708-019B960494DF}">
-                  <a14:hiddenLine xmlns:a14="http://schemas.microsoft.com/office/drawing/2010/main" w="9525">
+                <a:ext uri="{91240B29-F687-4f45-9708-019B960494DF}">
+                  <a14:hiddenLine xmlns="" xmlns:a14="http://schemas.microsoft.com/office/drawing/2010/main" w="9525">
                     <a:solidFill>
                       <a:srgbClr val="000000"/>
                     </a:solidFill>
@@ -9871,8 +9879,8 @@
                 <a:noFill/>
               </a:ln>
               <a:extLst>
-                <a:ext uri="{91240B29-F687-4F45-9708-019B960494DF}">
-                  <a14:hiddenLine xmlns:a14="http://schemas.microsoft.com/office/drawing/2010/main" w="9525">
+                <a:ext uri="{91240B29-F687-4f45-9708-019B960494DF}">
+                  <a14:hiddenLine xmlns="" xmlns:a14="http://schemas.microsoft.com/office/drawing/2010/main" w="9525">
                     <a:solidFill>
                       <a:srgbClr val="000000"/>
                     </a:solidFill>
@@ -9933,8 +9941,8 @@
                 <a:noFill/>
               </a:ln>
               <a:extLst>
-                <a:ext uri="{91240B29-F687-4F45-9708-019B960494DF}">
-                  <a14:hiddenLine xmlns:a14="http://schemas.microsoft.com/office/drawing/2010/main" w="9525">
+                <a:ext uri="{91240B29-F687-4f45-9708-019B960494DF}">
+                  <a14:hiddenLine xmlns="" xmlns:a14="http://schemas.microsoft.com/office/drawing/2010/main" w="9525">
                     <a:solidFill>
                       <a:srgbClr val="000000"/>
                     </a:solidFill>
@@ -10023,8 +10031,8 @@
                 <a:noFill/>
               </a:ln>
               <a:extLst>
-                <a:ext uri="{91240B29-F687-4F45-9708-019B960494DF}">
-                  <a14:hiddenLine xmlns:a14="http://schemas.microsoft.com/office/drawing/2010/main" w="9525">
+                <a:ext uri="{91240B29-F687-4f45-9708-019B960494DF}">
+                  <a14:hiddenLine xmlns="" xmlns:a14="http://schemas.microsoft.com/office/drawing/2010/main" w="9525">
                     <a:solidFill>
                       <a:srgbClr val="000000"/>
                     </a:solidFill>
@@ -10113,8 +10121,8 @@
                 <a:noFill/>
               </a:ln>
               <a:extLst>
-                <a:ext uri="{91240B29-F687-4F45-9708-019B960494DF}">
-                  <a14:hiddenLine xmlns:a14="http://schemas.microsoft.com/office/drawing/2010/main" w="9525">
+                <a:ext uri="{91240B29-F687-4f45-9708-019B960494DF}">
+                  <a14:hiddenLine xmlns="" xmlns:a14="http://schemas.microsoft.com/office/drawing/2010/main" w="9525">
                     <a:solidFill>
                       <a:srgbClr val="000000"/>
                     </a:solidFill>
@@ -10175,8 +10183,8 @@
                 <a:noFill/>
               </a:ln>
               <a:extLst>
-                <a:ext uri="{91240B29-F687-4F45-9708-019B960494DF}">
-                  <a14:hiddenLine xmlns:a14="http://schemas.microsoft.com/office/drawing/2010/main" w="9525">
+                <a:ext uri="{91240B29-F687-4f45-9708-019B960494DF}">
+                  <a14:hiddenLine xmlns="" xmlns:a14="http://schemas.microsoft.com/office/drawing/2010/main" w="9525">
                     <a:solidFill>
                       <a:srgbClr val="000000"/>
                     </a:solidFill>
@@ -10285,8 +10293,8 @@
                 <a:noFill/>
               </a:ln>
               <a:extLst>
-                <a:ext uri="{91240B29-F687-4F45-9708-019B960494DF}">
-                  <a14:hiddenLine xmlns:a14="http://schemas.microsoft.com/office/drawing/2010/main" w="9525">
+                <a:ext uri="{91240B29-F687-4f45-9708-019B960494DF}">
+                  <a14:hiddenLine xmlns="" xmlns:a14="http://schemas.microsoft.com/office/drawing/2010/main" w="9525">
                     <a:solidFill>
                       <a:srgbClr val="000000"/>
                     </a:solidFill>
@@ -10369,8 +10377,8 @@
                 <a:noFill/>
               </a:ln>
               <a:extLst>
-                <a:ext uri="{91240B29-F687-4F45-9708-019B960494DF}">
-                  <a14:hiddenLine xmlns:a14="http://schemas.microsoft.com/office/drawing/2010/main" w="9525">
+                <a:ext uri="{91240B29-F687-4f45-9708-019B960494DF}">
+                  <a14:hiddenLine xmlns="" xmlns:a14="http://schemas.microsoft.com/office/drawing/2010/main" w="9525">
                     <a:solidFill>
                       <a:srgbClr val="000000"/>
                     </a:solidFill>
@@ -10431,8 +10439,8 @@
                 <a:noFill/>
               </a:ln>
               <a:extLst>
-                <a:ext uri="{91240B29-F687-4F45-9708-019B960494DF}">
-                  <a14:hiddenLine xmlns:a14="http://schemas.microsoft.com/office/drawing/2010/main" w="9525">
+                <a:ext uri="{91240B29-F687-4f45-9708-019B960494DF}">
+                  <a14:hiddenLine xmlns="" xmlns:a14="http://schemas.microsoft.com/office/drawing/2010/main" w="9525">
                     <a:solidFill>
                       <a:srgbClr val="000000"/>
                     </a:solidFill>
@@ -10493,8 +10501,8 @@
                 <a:noFill/>
               </a:ln>
               <a:extLst>
-                <a:ext uri="{91240B29-F687-4F45-9708-019B960494DF}">
-                  <a14:hiddenLine xmlns:a14="http://schemas.microsoft.com/office/drawing/2010/main" w="9525">
+                <a:ext uri="{91240B29-F687-4f45-9708-019B960494DF}">
+                  <a14:hiddenLine xmlns="" xmlns:a14="http://schemas.microsoft.com/office/drawing/2010/main" w="9525">
                     <a:solidFill>
                       <a:srgbClr val="000000"/>
                     </a:solidFill>
@@ -10583,8 +10591,8 @@
                 <a:noFill/>
               </a:ln>
               <a:extLst>
-                <a:ext uri="{91240B29-F687-4F45-9708-019B960494DF}">
-                  <a14:hiddenLine xmlns:a14="http://schemas.microsoft.com/office/drawing/2010/main" w="9525">
+                <a:ext uri="{91240B29-F687-4f45-9708-019B960494DF}">
+                  <a14:hiddenLine xmlns="" xmlns:a14="http://schemas.microsoft.com/office/drawing/2010/main" w="9525">
                     <a:solidFill>
                       <a:srgbClr val="000000"/>
                     </a:solidFill>
@@ -10617,8 +10625,8 @@
                 <a:noFill/>
               </a:ln>
               <a:extLst>
-                <a:ext uri="{91240B29-F687-4F45-9708-019B960494DF}">
-                  <a14:hiddenLine xmlns:a14="http://schemas.microsoft.com/office/drawing/2010/main" w="9525">
+                <a:ext uri="{91240B29-F687-4f45-9708-019B960494DF}">
+                  <a14:hiddenLine xmlns="" xmlns:a14="http://schemas.microsoft.com/office/drawing/2010/main" w="9525">
                     <a:solidFill>
                       <a:srgbClr val="000000"/>
                     </a:solidFill>
@@ -10682,8 +10690,8 @@
                 <a:noFill/>
               </a:ln>
               <a:extLst>
-                <a:ext uri="{91240B29-F687-4F45-9708-019B960494DF}">
-                  <a14:hiddenLine xmlns:a14="http://schemas.microsoft.com/office/drawing/2010/main" w="9525">
+                <a:ext uri="{91240B29-F687-4f45-9708-019B960494DF}">
+                  <a14:hiddenLine xmlns="" xmlns:a14="http://schemas.microsoft.com/office/drawing/2010/main" w="9525">
                     <a:solidFill>
                       <a:srgbClr val="000000"/>
                     </a:solidFill>
@@ -10772,8 +10780,8 @@
                 <a:noFill/>
               </a:ln>
               <a:extLst>
-                <a:ext uri="{91240B29-F687-4F45-9708-019B960494DF}">
-                  <a14:hiddenLine xmlns:a14="http://schemas.microsoft.com/office/drawing/2010/main" w="9525">
+                <a:ext uri="{91240B29-F687-4f45-9708-019B960494DF}">
+                  <a14:hiddenLine xmlns="" xmlns:a14="http://schemas.microsoft.com/office/drawing/2010/main" w="9525">
                     <a:solidFill>
                       <a:srgbClr val="000000"/>
                     </a:solidFill>
@@ -10834,8 +10842,8 @@
                 <a:noFill/>
               </a:ln>
               <a:extLst>
-                <a:ext uri="{91240B29-F687-4F45-9708-019B960494DF}">
-                  <a14:hiddenLine xmlns:a14="http://schemas.microsoft.com/office/drawing/2010/main" w="9525">
+                <a:ext uri="{91240B29-F687-4f45-9708-019B960494DF}">
+                  <a14:hiddenLine xmlns="" xmlns:a14="http://schemas.microsoft.com/office/drawing/2010/main" w="9525">
                     <a:solidFill>
                       <a:srgbClr val="000000"/>
                     </a:solidFill>
@@ -10924,8 +10932,8 @@
                 <a:noFill/>
               </a:ln>
               <a:extLst>
-                <a:ext uri="{91240B29-F687-4F45-9708-019B960494DF}">
-                  <a14:hiddenLine xmlns:a14="http://schemas.microsoft.com/office/drawing/2010/main" w="9525">
+                <a:ext uri="{91240B29-F687-4f45-9708-019B960494DF}">
+                  <a14:hiddenLine xmlns="" xmlns:a14="http://schemas.microsoft.com/office/drawing/2010/main" w="9525">
                     <a:solidFill>
                       <a:srgbClr val="000000"/>
                     </a:solidFill>
@@ -10989,8 +10997,8 @@
                 <a:noFill/>
               </a:ln>
               <a:extLst>
-                <a:ext uri="{91240B29-F687-4F45-9708-019B960494DF}">
-                  <a14:hiddenLine xmlns:a14="http://schemas.microsoft.com/office/drawing/2010/main" w="9525">
+                <a:ext uri="{91240B29-F687-4f45-9708-019B960494DF}">
+                  <a14:hiddenLine xmlns="" xmlns:a14="http://schemas.microsoft.com/office/drawing/2010/main" w="9525">
                     <a:solidFill>
                       <a:srgbClr val="000000"/>
                     </a:solidFill>
@@ -11051,8 +11059,8 @@
                 <a:noFill/>
               </a:ln>
               <a:extLst>
-                <a:ext uri="{91240B29-F687-4F45-9708-019B960494DF}">
-                  <a14:hiddenLine xmlns:a14="http://schemas.microsoft.com/office/drawing/2010/main" w="9525">
+                <a:ext uri="{91240B29-F687-4f45-9708-019B960494DF}">
+                  <a14:hiddenLine xmlns="" xmlns:a14="http://schemas.microsoft.com/office/drawing/2010/main" w="9525">
                     <a:solidFill>
                       <a:srgbClr val="000000"/>
                     </a:solidFill>
@@ -11141,8 +11149,8 @@
                 <a:noFill/>
               </a:ln>
               <a:extLst>
-                <a:ext uri="{91240B29-F687-4F45-9708-019B960494DF}">
-                  <a14:hiddenLine xmlns:a14="http://schemas.microsoft.com/office/drawing/2010/main" w="9525">
+                <a:ext uri="{91240B29-F687-4f45-9708-019B960494DF}">
+                  <a14:hiddenLine xmlns="" xmlns:a14="http://schemas.microsoft.com/office/drawing/2010/main" w="9525">
                     <a:solidFill>
                       <a:srgbClr val="000000"/>
                     </a:solidFill>
@@ -11231,8 +11239,8 @@
                 <a:noFill/>
               </a:ln>
               <a:extLst>
-                <a:ext uri="{91240B29-F687-4F45-9708-019B960494DF}">
-                  <a14:hiddenLine xmlns:a14="http://schemas.microsoft.com/office/drawing/2010/main" w="9525">
+                <a:ext uri="{91240B29-F687-4f45-9708-019B960494DF}">
+                  <a14:hiddenLine xmlns="" xmlns:a14="http://schemas.microsoft.com/office/drawing/2010/main" w="9525">
                     <a:solidFill>
                       <a:srgbClr val="000000"/>
                     </a:solidFill>
@@ -11296,8 +11304,8 @@
                 <a:noFill/>
               </a:ln>
               <a:extLst>
-                <a:ext uri="{91240B29-F687-4F45-9708-019B960494DF}">
-                  <a14:hiddenLine xmlns:a14="http://schemas.microsoft.com/office/drawing/2010/main" w="9525">
+                <a:ext uri="{91240B29-F687-4f45-9708-019B960494DF}">
+                  <a14:hiddenLine xmlns="" xmlns:a14="http://schemas.microsoft.com/office/drawing/2010/main" w="9525">
                     <a:solidFill>
                       <a:srgbClr val="000000"/>
                     </a:solidFill>
@@ -11416,8 +11424,8 @@
                 <a:noFill/>
               </a:ln>
               <a:extLst>
-                <a:ext uri="{91240B29-F687-4F45-9708-019B960494DF}">
-                  <a14:hiddenLine xmlns:a14="http://schemas.microsoft.com/office/drawing/2010/main" w="9525">
+                <a:ext uri="{91240B29-F687-4f45-9708-019B960494DF}">
+                  <a14:hiddenLine xmlns="" xmlns:a14="http://schemas.microsoft.com/office/drawing/2010/main" w="9525">
                     <a:solidFill>
                       <a:srgbClr val="000000"/>
                     </a:solidFill>
@@ -11514,8 +11522,8 @@
                 <a:noFill/>
               </a:ln>
               <a:extLst>
-                <a:ext uri="{91240B29-F687-4F45-9708-019B960494DF}">
-                  <a14:hiddenLine xmlns:a14="http://schemas.microsoft.com/office/drawing/2010/main" w="9525">
+                <a:ext uri="{91240B29-F687-4f45-9708-019B960494DF}">
+                  <a14:hiddenLine xmlns="" xmlns:a14="http://schemas.microsoft.com/office/drawing/2010/main" w="9525">
                     <a:solidFill>
                       <a:srgbClr val="000000"/>
                     </a:solidFill>
@@ -11629,8 +11637,8 @@
                 <a:noFill/>
               </a:ln>
               <a:extLst>
-                <a:ext uri="{91240B29-F687-4F45-9708-019B960494DF}">
-                  <a14:hiddenLine xmlns:a14="http://schemas.microsoft.com/office/drawing/2010/main" w="9525">
+                <a:ext uri="{91240B29-F687-4f45-9708-019B960494DF}">
+                  <a14:hiddenLine xmlns="" xmlns:a14="http://schemas.microsoft.com/office/drawing/2010/main" w="9525">
                     <a:solidFill>
                       <a:srgbClr val="000000"/>
                     </a:solidFill>
@@ -11719,8 +11727,8 @@
                 <a:noFill/>
               </a:ln>
               <a:extLst>
-                <a:ext uri="{91240B29-F687-4F45-9708-019B960494DF}">
-                  <a14:hiddenLine xmlns:a14="http://schemas.microsoft.com/office/drawing/2010/main" w="9525">
+                <a:ext uri="{91240B29-F687-4f45-9708-019B960494DF}">
+                  <a14:hiddenLine xmlns="" xmlns:a14="http://schemas.microsoft.com/office/drawing/2010/main" w="9525">
                     <a:solidFill>
                       <a:srgbClr val="000000"/>
                     </a:solidFill>
@@ -11784,8 +11792,8 @@
                 <a:noFill/>
               </a:ln>
               <a:extLst>
-                <a:ext uri="{91240B29-F687-4F45-9708-019B960494DF}">
-                  <a14:hiddenLine xmlns:a14="http://schemas.microsoft.com/office/drawing/2010/main" w="9525">
+                <a:ext uri="{91240B29-F687-4f45-9708-019B960494DF}">
+                  <a14:hiddenLine xmlns="" xmlns:a14="http://schemas.microsoft.com/office/drawing/2010/main" w="9525">
                     <a:solidFill>
                       <a:srgbClr val="000000"/>
                     </a:solidFill>
@@ -11874,8 +11882,8 @@
                 <a:noFill/>
               </a:ln>
               <a:extLst>
-                <a:ext uri="{91240B29-F687-4F45-9708-019B960494DF}">
-                  <a14:hiddenLine xmlns:a14="http://schemas.microsoft.com/office/drawing/2010/main" w="9525">
+                <a:ext uri="{91240B29-F687-4f45-9708-019B960494DF}">
+                  <a14:hiddenLine xmlns="" xmlns:a14="http://schemas.microsoft.com/office/drawing/2010/main" w="9525">
                     <a:solidFill>
                       <a:srgbClr val="000000"/>
                     </a:solidFill>
@@ -11942,8 +11950,8 @@
                 <a:noFill/>
               </a:ln>
               <a:extLst>
-                <a:ext uri="{91240B29-F687-4F45-9708-019B960494DF}">
-                  <a14:hiddenLine xmlns:a14="http://schemas.microsoft.com/office/drawing/2010/main" w="9525">
+                <a:ext uri="{91240B29-F687-4f45-9708-019B960494DF}">
+                  <a14:hiddenLine xmlns="" xmlns:a14="http://schemas.microsoft.com/office/drawing/2010/main" w="9525">
                     <a:solidFill>
                       <a:srgbClr val="000000"/>
                     </a:solidFill>
@@ -12032,8 +12040,8 @@
                 <a:noFill/>
               </a:ln>
               <a:extLst>
-                <a:ext uri="{91240B29-F687-4F45-9708-019B960494DF}">
-                  <a14:hiddenLine xmlns:a14="http://schemas.microsoft.com/office/drawing/2010/main" w="9525">
+                <a:ext uri="{91240B29-F687-4f45-9708-019B960494DF}">
+                  <a14:hiddenLine xmlns="" xmlns:a14="http://schemas.microsoft.com/office/drawing/2010/main" w="9525">
                     <a:solidFill>
                       <a:srgbClr val="000000"/>
                     </a:solidFill>
@@ -12100,8 +12108,8 @@
                 <a:noFill/>
               </a:ln>
               <a:extLst>
-                <a:ext uri="{91240B29-F687-4F45-9708-019B960494DF}">
-                  <a14:hiddenLine xmlns:a14="http://schemas.microsoft.com/office/drawing/2010/main" w="9525">
+                <a:ext uri="{91240B29-F687-4f45-9708-019B960494DF}">
+                  <a14:hiddenLine xmlns="" xmlns:a14="http://schemas.microsoft.com/office/drawing/2010/main" w="9525">
                     <a:solidFill>
                       <a:srgbClr val="000000"/>
                     </a:solidFill>
@@ -12190,8 +12198,8 @@
                 <a:noFill/>
               </a:ln>
               <a:extLst>
-                <a:ext uri="{91240B29-F687-4F45-9708-019B960494DF}">
-                  <a14:hiddenLine xmlns:a14="http://schemas.microsoft.com/office/drawing/2010/main" w="9525">
+                <a:ext uri="{91240B29-F687-4f45-9708-019B960494DF}">
+                  <a14:hiddenLine xmlns="" xmlns:a14="http://schemas.microsoft.com/office/drawing/2010/main" w="9525">
                     <a:solidFill>
                       <a:srgbClr val="000000"/>
                     </a:solidFill>
@@ -12224,8 +12232,8 @@
                 <a:noFill/>
               </a:ln>
               <a:extLst>
-                <a:ext uri="{91240B29-F687-4F45-9708-019B960494DF}">
-                  <a14:hiddenLine xmlns:a14="http://schemas.microsoft.com/office/drawing/2010/main" w="9525">
+                <a:ext uri="{91240B29-F687-4f45-9708-019B960494DF}">
+                  <a14:hiddenLine xmlns="" xmlns:a14="http://schemas.microsoft.com/office/drawing/2010/main" w="9525">
                     <a:solidFill>
                       <a:srgbClr val="000000"/>
                     </a:solidFill>
@@ -12365,7 +12373,7 @@
           <a:p>
             <a:fld id="{97D301C7-A48F-46B4-9988-324187293CA9}" type="datetime1">
               <a:rPr lang="en-US" smtClean="0"/>
-              <a:t>01-Jan-21</a:t>
+              <a:t>1/2/2021</a:t>
             </a:fld>
             <a:endParaRPr lang="en-US"/>
           </a:p>
@@ -12791,7 +12799,7 @@
           <p:cNvPr id="2" name="Title 1">
             <a:extLst>
               <a:ext uri="{FF2B5EF4-FFF2-40B4-BE49-F238E27FC236}">
-                <a16:creationId xmlns="" xmlns:a16="http://schemas.microsoft.com/office/drawing/2014/main" id="{0795CB26-B2F5-4D65-A7EE-FB0F04244EC7}"/>
+                <a16:creationId xmlns:a16="http://schemas.microsoft.com/office/drawing/2014/main" id="{0795CB26-B2F5-4D65-A7EE-FB0F04244EC7}"/>
               </a:ext>
             </a:extLst>
           </p:cNvPr>
@@ -12826,7 +12834,7 @@
           <p:cNvPr id="3" name="Subtitle 2">
             <a:extLst>
               <a:ext uri="{FF2B5EF4-FFF2-40B4-BE49-F238E27FC236}">
-                <a16:creationId xmlns="" xmlns:a16="http://schemas.microsoft.com/office/drawing/2014/main" id="{16912DC8-86E6-4C17-A420-3265498BD024}"/>
+                <a16:creationId xmlns:a16="http://schemas.microsoft.com/office/drawing/2014/main" id="{16912DC8-86E6-4C17-A420-3265498BD024}"/>
               </a:ext>
             </a:extLst>
           </p:cNvPr>
@@ -12878,7 +12886,7 @@
           <p:cNvPr id="4" name="Slide Number Placeholder 3">
             <a:extLst>
               <a:ext uri="{FF2B5EF4-FFF2-40B4-BE49-F238E27FC236}">
-                <a16:creationId xmlns="" xmlns:a16="http://schemas.microsoft.com/office/drawing/2014/main" id="{2DA14FCE-7851-4F69-AE4C-0E8C76CEC834}"/>
+                <a16:creationId xmlns:a16="http://schemas.microsoft.com/office/drawing/2014/main" id="{2DA14FCE-7851-4F69-AE4C-0E8C76CEC834}"/>
               </a:ext>
             </a:extLst>
           </p:cNvPr>
@@ -12889,12 +12897,7 @@
             <p:ph type="sldNum" sz="quarter" idx="12"/>
           </p:nvPr>
         </p:nvSpPr>
-        <p:spPr>
-          <a:xfrm>
-            <a:off x="11129363" y="6258338"/>
-            <a:ext cx="771089" cy="365125"/>
-          </a:xfrm>
-        </p:spPr>
+        <p:spPr/>
         <p:txBody>
           <a:bodyPr/>
           <a:lstStyle/>
@@ -12903,7 +12906,7 @@
               <a:rPr lang="en-US" smtClean="0"/>
               <a:t>1</a:t>
             </a:fld>
-            <a:endParaRPr lang="en-US" dirty="0"/>
+            <a:endParaRPr lang="en-US"/>
           </a:p>
         </p:txBody>
       </p:sp>
@@ -12912,7 +12915,7 @@
           <p:cNvPr id="6" name="TextBox 5">
             <a:extLst>
               <a:ext uri="{FF2B5EF4-FFF2-40B4-BE49-F238E27FC236}">
-                <a16:creationId xmlns="" xmlns:a16="http://schemas.microsoft.com/office/drawing/2014/main" id="{E4CBC5BB-A944-4FCD-B665-C8182775C66D}"/>
+                <a16:creationId xmlns:a16="http://schemas.microsoft.com/office/drawing/2014/main" id="{E4CBC5BB-A944-4FCD-B665-C8182775C66D}"/>
               </a:ext>
             </a:extLst>
           </p:cNvPr>
@@ -13110,7 +13113,7 @@
           <p:cNvPr id="2" name="Title 1">
             <a:extLst>
               <a:ext uri="{FF2B5EF4-FFF2-40B4-BE49-F238E27FC236}">
-                <a16:creationId xmlns="" xmlns:a16="http://schemas.microsoft.com/office/drawing/2014/main" id="{3E1FF0FC-4C7D-4762-8E24-D02496D414AA}"/>
+                <a16:creationId xmlns:a16="http://schemas.microsoft.com/office/drawing/2014/main" id="{3E1FF0FC-4C7D-4762-8E24-D02496D414AA}"/>
               </a:ext>
             </a:extLst>
           </p:cNvPr>
@@ -13139,7 +13142,7 @@
           <p:cNvPr id="3" name="Content Placeholder 2">
             <a:extLst>
               <a:ext uri="{FF2B5EF4-FFF2-40B4-BE49-F238E27FC236}">
-                <a16:creationId xmlns="" xmlns:a16="http://schemas.microsoft.com/office/drawing/2014/main" id="{0C421272-31B0-440B-B615-6974F71BA339}"/>
+                <a16:creationId xmlns:a16="http://schemas.microsoft.com/office/drawing/2014/main" id="{0C421272-31B0-440B-B615-6974F71BA339}"/>
               </a:ext>
             </a:extLst>
           </p:cNvPr>
@@ -13173,41 +13176,8 @@
             </a:r>
             <a:r>
               <a:rPr lang="en-IN" dirty="0"/>
-              <a:t>that can solder </a:t>
+              <a:t>that can solder Through Hole components placed on a PCB. It takes the co-ordinates of soldering points from a file generated by EDA software (Eagle/Altium) which are processed and fed to a micro-controller based device. This in turn controls the actuators and get our work done. This prototype would save a lot of circuit-building time.</a:t>
             </a:r>
-            <a:r>
-              <a:rPr lang="en-IN" dirty="0" smtClean="0"/>
-              <a:t>through </a:t>
-            </a:r>
-            <a:r>
-              <a:rPr lang="en-IN" dirty="0"/>
-              <a:t>Hole components placed on a PCB. It takes the co-ordinates of soldering points from a file generated by EDA software (Eagle/Altium) which are processed and fed to a micro-controller based device. This in turn controls the actuators and get our work done. </a:t>
-            </a:r>
-            <a:r>
-              <a:rPr lang="en-IN" dirty="0">
-                <a:solidFill>
-                  <a:srgbClr val="00FFFF"/>
-                </a:solidFill>
-              </a:rPr>
-              <a:t>This</a:t>
-            </a:r>
-            <a:r>
-              <a:rPr lang="en-IN" dirty="0"/>
-              <a:t> </a:t>
-            </a:r>
-            <a:r>
-              <a:rPr lang="en-IN" dirty="0" smtClean="0">
-                <a:solidFill>
-                  <a:srgbClr val="00FFFF"/>
-                </a:solidFill>
-              </a:rPr>
-              <a:t>prototype would save a lot of circuit-building time</a:t>
-            </a:r>
-            <a:r>
-              <a:rPr lang="en-IN" dirty="0" smtClean="0"/>
-              <a:t>.</a:t>
-            </a:r>
-            <a:endParaRPr lang="en-IN" dirty="0"/>
           </a:p>
         </p:txBody>
       </p:sp>
@@ -13216,7 +13186,7 @@
           <p:cNvPr id="4" name="Slide Number Placeholder 3">
             <a:extLst>
               <a:ext uri="{FF2B5EF4-FFF2-40B4-BE49-F238E27FC236}">
-                <a16:creationId xmlns="" xmlns:a16="http://schemas.microsoft.com/office/drawing/2014/main" id="{688010C3-FE03-4A9C-B048-60C5B3CA2120}"/>
+                <a16:creationId xmlns:a16="http://schemas.microsoft.com/office/drawing/2014/main" id="{688010C3-FE03-4A9C-B048-60C5B3CA2120}"/>
               </a:ext>
             </a:extLst>
           </p:cNvPr>
@@ -13227,12 +13197,7 @@
             <p:ph type="sldNum" sz="quarter" idx="12"/>
           </p:nvPr>
         </p:nvSpPr>
-        <p:spPr>
-          <a:xfrm>
-            <a:off x="11203974" y="6294091"/>
-            <a:ext cx="771089" cy="365125"/>
-          </a:xfrm>
-        </p:spPr>
+        <p:spPr/>
         <p:txBody>
           <a:bodyPr/>
           <a:lstStyle/>
@@ -13241,7 +13206,7 @@
               <a:rPr lang="en-US" smtClean="0"/>
               <a:t>2</a:t>
             </a:fld>
-            <a:endParaRPr lang="en-US" dirty="0"/>
+            <a:endParaRPr lang="en-US"/>
           </a:p>
         </p:txBody>
       </p:sp>
@@ -13280,7 +13245,7 @@
           <p:cNvPr id="2" name="Slide Number Placeholder 1">
             <a:extLst>
               <a:ext uri="{FF2B5EF4-FFF2-40B4-BE49-F238E27FC236}">
-                <a16:creationId xmlns="" xmlns:a16="http://schemas.microsoft.com/office/drawing/2014/main" id="{B2D6660E-7E3C-49A1-BAD5-4853A64593F5}"/>
+                <a16:creationId xmlns:a16="http://schemas.microsoft.com/office/drawing/2014/main" id="{B2D6660E-7E3C-49A1-BAD5-4853A64593F5}"/>
               </a:ext>
             </a:extLst>
           </p:cNvPr>
@@ -13291,21 +13256,464 @@
             <p:ph type="sldNum" sz="quarter" idx="12"/>
           </p:nvPr>
         </p:nvSpPr>
-        <p:spPr>
-          <a:xfrm>
-            <a:off x="11230478" y="6294091"/>
-            <a:ext cx="771089" cy="365125"/>
-          </a:xfrm>
-        </p:spPr>
+        <p:spPr/>
         <p:txBody>
           <a:bodyPr/>
           <a:lstStyle/>
           <a:p>
+            <a:pPr algn="ctr"/>
             <a:fld id="{B59B104B-9B6C-40D2-938C-E7EC2A71093E}" type="slidenum">
               <a:rPr lang="en-US" smtClean="0"/>
+              <a:pPr algn="ctr"/>
               <a:t>3</a:t>
             </a:fld>
-            <a:endParaRPr lang="en-US" dirty="0"/>
+            <a:endParaRPr lang="en-US"/>
+          </a:p>
+        </p:txBody>
+      </p:sp>
+      <p:graphicFrame>
+        <p:nvGraphicFramePr>
+          <p:cNvPr id="3" name="Table 3">
+            <a:extLst>
+              <a:ext uri="{FF2B5EF4-FFF2-40B4-BE49-F238E27FC236}">
+                <a16:creationId xmlns:a16="http://schemas.microsoft.com/office/drawing/2014/main" id="{487FFA1F-66A5-4F62-B3F6-02C473A4D3F6}"/>
+              </a:ext>
+            </a:extLst>
+          </p:cNvPr>
+          <p:cNvGraphicFramePr>
+            <a:graphicFrameLocks noGrp="1"/>
+          </p:cNvGraphicFramePr>
+          <p:nvPr>
+            <p:extLst>
+              <p:ext uri="{D42A27DB-BD31-4B8C-83A1-F6EECF244321}">
+                <p14:modId xmlns:p14="http://schemas.microsoft.com/office/powerpoint/2010/main" val="4046382893"/>
+              </p:ext>
+            </p:extLst>
+          </p:nvPr>
+        </p:nvGraphicFramePr>
+        <p:xfrm>
+          <a:off x="573207" y="1255594"/>
+          <a:ext cx="10686196" cy="4654389"/>
+        </p:xfrm>
+        <a:graphic>
+          <a:graphicData uri="http://schemas.openxmlformats.org/drawingml/2006/table">
+            <a:tbl>
+              <a:tblPr firstRow="1" bandRow="1">
+                <a:tableStyleId>{0660B408-B3CF-4A94-85FC-2B1E0A45F4A2}</a:tableStyleId>
+              </a:tblPr>
+              <a:tblGrid>
+                <a:gridCol w="627796">
+                  <a:extLst>
+                    <a:ext uri="{9D8B030D-6E8A-4147-A177-3AD203B41FA5}">
+                      <a16:colId xmlns:a16="http://schemas.microsoft.com/office/drawing/2014/main" val="1754224045"/>
+                    </a:ext>
+                  </a:extLst>
+                </a:gridCol>
+                <a:gridCol w="2279176">
+                  <a:extLst>
+                    <a:ext uri="{9D8B030D-6E8A-4147-A177-3AD203B41FA5}">
+                      <a16:colId xmlns:a16="http://schemas.microsoft.com/office/drawing/2014/main" val="2385718090"/>
+                    </a:ext>
+                  </a:extLst>
+                </a:gridCol>
+                <a:gridCol w="1978925">
+                  <a:extLst>
+                    <a:ext uri="{9D8B030D-6E8A-4147-A177-3AD203B41FA5}">
+                      <a16:colId xmlns:a16="http://schemas.microsoft.com/office/drawing/2014/main" val="866317953"/>
+                    </a:ext>
+                  </a:extLst>
+                </a:gridCol>
+                <a:gridCol w="2101756">
+                  <a:extLst>
+                    <a:ext uri="{9D8B030D-6E8A-4147-A177-3AD203B41FA5}">
+                      <a16:colId xmlns:a16="http://schemas.microsoft.com/office/drawing/2014/main" val="488851140"/>
+                    </a:ext>
+                  </a:extLst>
+                </a:gridCol>
+                <a:gridCol w="1932335">
+                  <a:extLst>
+                    <a:ext uri="{9D8B030D-6E8A-4147-A177-3AD203B41FA5}">
+                      <a16:colId xmlns:a16="http://schemas.microsoft.com/office/drawing/2014/main" val="4193998565"/>
+                    </a:ext>
+                  </a:extLst>
+                </a:gridCol>
+                <a:gridCol w="1766208">
+                  <a:extLst>
+                    <a:ext uri="{9D8B030D-6E8A-4147-A177-3AD203B41FA5}">
+                      <a16:colId xmlns:a16="http://schemas.microsoft.com/office/drawing/2014/main" val="769414471"/>
+                    </a:ext>
+                  </a:extLst>
+                </a:gridCol>
+              </a:tblGrid>
+              <a:tr h="649727">
+                <a:tc>
+                  <a:txBody>
+                    <a:bodyPr/>
+                    <a:lstStyle/>
+                    <a:p>
+                      <a:pPr algn="ctr"/>
+                      <a:r>
+                        <a:rPr lang="en-IN" dirty="0"/>
+                        <a:t>S. No.</a:t>
+                      </a:r>
+                      <a:endParaRPr lang="en-US" dirty="0"/>
+                    </a:p>
+                  </a:txBody>
+                  <a:tcPr>
+                    <a:solidFill>
+                      <a:schemeClr val="bg2">
+                        <a:lumMod val="40000"/>
+                        <a:lumOff val="60000"/>
+                      </a:schemeClr>
+                    </a:solidFill>
+                  </a:tcPr>
+                </a:tc>
+                <a:tc>
+                  <a:txBody>
+                    <a:bodyPr/>
+                    <a:lstStyle/>
+                    <a:p>
+                      <a:pPr algn="ctr"/>
+                      <a:r>
+                        <a:rPr lang="en-IN" dirty="0"/>
+                        <a:t>TITLE OF THE JOURNAL</a:t>
+                      </a:r>
+                      <a:endParaRPr lang="en-US" dirty="0"/>
+                    </a:p>
+                  </a:txBody>
+                  <a:tcPr>
+                    <a:solidFill>
+                      <a:schemeClr val="bg2">
+                        <a:lumMod val="40000"/>
+                        <a:lumOff val="60000"/>
+                      </a:schemeClr>
+                    </a:solidFill>
+                  </a:tcPr>
+                </a:tc>
+                <a:tc>
+                  <a:txBody>
+                    <a:bodyPr/>
+                    <a:lstStyle/>
+                    <a:p>
+                      <a:pPr algn="ctr"/>
+                      <a:r>
+                        <a:rPr lang="en-IN" dirty="0"/>
+                        <a:t>NAME OF THE AUTHOR</a:t>
+                      </a:r>
+                      <a:endParaRPr lang="en-US" dirty="0"/>
+                    </a:p>
+                  </a:txBody>
+                  <a:tcPr>
+                    <a:solidFill>
+                      <a:schemeClr val="bg2">
+                        <a:lumMod val="40000"/>
+                        <a:lumOff val="60000"/>
+                      </a:schemeClr>
+                    </a:solidFill>
+                  </a:tcPr>
+                </a:tc>
+                <a:tc>
+                  <a:txBody>
+                    <a:bodyPr/>
+                    <a:lstStyle/>
+                    <a:p>
+                      <a:pPr algn="ctr"/>
+                      <a:r>
+                        <a:rPr lang="en-IN" dirty="0"/>
+                        <a:t>YEAR OF PUBLICATION</a:t>
+                      </a:r>
+                      <a:endParaRPr lang="en-US" dirty="0"/>
+                    </a:p>
+                  </a:txBody>
+                  <a:tcPr>
+                    <a:solidFill>
+                      <a:schemeClr val="bg2">
+                        <a:lumMod val="40000"/>
+                        <a:lumOff val="60000"/>
+                      </a:schemeClr>
+                    </a:solidFill>
+                  </a:tcPr>
+                </a:tc>
+                <a:tc>
+                  <a:txBody>
+                    <a:bodyPr/>
+                    <a:lstStyle/>
+                    <a:p>
+                      <a:pPr algn="ctr"/>
+                      <a:r>
+                        <a:rPr lang="en-IN" dirty="0"/>
+                        <a:t>INFEREFENCE</a:t>
+                      </a:r>
+                      <a:endParaRPr lang="en-US" dirty="0"/>
+                    </a:p>
+                  </a:txBody>
+                  <a:tcPr>
+                    <a:solidFill>
+                      <a:schemeClr val="bg2">
+                        <a:lumMod val="40000"/>
+                        <a:lumOff val="60000"/>
+                      </a:schemeClr>
+                    </a:solidFill>
+                  </a:tcPr>
+                </a:tc>
+                <a:tc>
+                  <a:txBody>
+                    <a:bodyPr/>
+                    <a:lstStyle/>
+                    <a:p>
+                      <a:pPr algn="ctr"/>
+                      <a:r>
+                        <a:rPr lang="en-IN" dirty="0"/>
+                        <a:t>URL</a:t>
+                      </a:r>
+                      <a:endParaRPr lang="en-US" dirty="0"/>
+                    </a:p>
+                  </a:txBody>
+                  <a:tcPr>
+                    <a:solidFill>
+                      <a:schemeClr val="bg2">
+                        <a:lumMod val="40000"/>
+                        <a:lumOff val="60000"/>
+                      </a:schemeClr>
+                    </a:solidFill>
+                  </a:tcPr>
+                </a:tc>
+                <a:extLst>
+                  <a:ext uri="{0D108BD9-81ED-4DB2-BD59-A6C34878D82A}">
+                    <a16:rowId xmlns:a16="http://schemas.microsoft.com/office/drawing/2014/main" val="3277988775"/>
+                  </a:ext>
+                </a:extLst>
+              </a:tr>
+              <a:tr h="1992982">
+                <a:tc>
+                  <a:txBody>
+                    <a:bodyPr/>
+                    <a:lstStyle/>
+                    <a:p>
+                      <a:pPr algn="r"/>
+                      <a:r>
+                        <a:rPr lang="en-IN" dirty="0"/>
+                        <a:t>1.</a:t>
+                      </a:r>
+                      <a:endParaRPr lang="en-US" dirty="0"/>
+                    </a:p>
+                  </a:txBody>
+                  <a:tcPr/>
+                </a:tc>
+                <a:tc>
+                  <a:txBody>
+                    <a:bodyPr/>
+                    <a:lstStyle/>
+                    <a:p>
+                      <a:r>
+                        <a:rPr lang="en-US" b="0" dirty="0"/>
+                        <a:t>How to make Arduino mini CNC plotter machine</a:t>
+                      </a:r>
+                    </a:p>
+                  </a:txBody>
+                  <a:tcPr/>
+                </a:tc>
+                <a:tc>
+                  <a:txBody>
+                    <a:bodyPr/>
+                    <a:lstStyle/>
+                    <a:p>
+                      <a:r>
+                        <a:rPr lang="en-IN" dirty="0"/>
+                        <a:t>Sandeep</a:t>
+                      </a:r>
+                      <a:endParaRPr lang="en-US" dirty="0"/>
+                    </a:p>
+                  </a:txBody>
+                  <a:tcPr/>
+                </a:tc>
+                <a:tc>
+                  <a:txBody>
+                    <a:bodyPr/>
+                    <a:lstStyle/>
+                    <a:p>
+                      <a:r>
+                        <a:rPr lang="en-IN" dirty="0"/>
+                        <a:t>27/09/2019</a:t>
+                      </a:r>
+                      <a:endParaRPr lang="en-US" dirty="0"/>
+                    </a:p>
+                  </a:txBody>
+                  <a:tcPr/>
+                </a:tc>
+                <a:tc>
+                  <a:txBody>
+                    <a:bodyPr/>
+                    <a:lstStyle/>
+                    <a:p>
+                      <a:endParaRPr lang="en-US" dirty="0"/>
+                    </a:p>
+                  </a:txBody>
+                  <a:tcPr/>
+                </a:tc>
+                <a:tc>
+                  <a:txBody>
+                    <a:bodyPr/>
+                    <a:lstStyle/>
+                    <a:p>
+                      <a:r>
+                        <a:rPr lang="en-US" dirty="0"/>
+                        <a:t>https://electricdiylab.com/how-to-make-arduino-mini-cnc-plotter-machine/</a:t>
+                      </a:r>
+                    </a:p>
+                  </a:txBody>
+                  <a:tcPr/>
+                </a:tc>
+                <a:extLst>
+                  <a:ext uri="{0D108BD9-81ED-4DB2-BD59-A6C34878D82A}">
+                    <a16:rowId xmlns:a16="http://schemas.microsoft.com/office/drawing/2014/main" val="2558650776"/>
+                  </a:ext>
+                </a:extLst>
+              </a:tr>
+              <a:tr h="1984971">
+                <a:tc>
+                  <a:txBody>
+                    <a:bodyPr/>
+                    <a:lstStyle/>
+                    <a:p>
+                      <a:pPr algn="r"/>
+                      <a:r>
+                        <a:rPr lang="en-IN" dirty="0"/>
+                        <a:t>2.</a:t>
+                      </a:r>
+                      <a:endParaRPr lang="en-US" dirty="0"/>
+                    </a:p>
+                  </a:txBody>
+                  <a:tcPr/>
+                </a:tc>
+                <a:tc>
+                  <a:txBody>
+                    <a:bodyPr/>
+                    <a:lstStyle/>
+                    <a:p>
+                      <a:pPr marL="0" marR="0" lvl="0" indent="0" algn="l" defTabSz="914400" rtl="0" eaLnBrk="1" fontAlgn="auto" latinLnBrk="0" hangingPunct="1">
+                        <a:lnSpc>
+                          <a:spcPct val="100000"/>
+                        </a:lnSpc>
+                        <a:spcBef>
+                          <a:spcPts val="0"/>
+                        </a:spcBef>
+                        <a:spcAft>
+                          <a:spcPts val="0"/>
+                        </a:spcAft>
+                        <a:buClrTx/>
+                        <a:buSzTx/>
+                        <a:buFontTx/>
+                        <a:buNone/>
+                        <a:tabLst/>
+                        <a:defRPr/>
+                      </a:pPr>
+                      <a:r>
+                        <a:rPr lang="en-US" b="0" dirty="0"/>
+                        <a:t>Control Stepper Motor with A4988 Driver Module &amp; Arduino</a:t>
+                      </a:r>
+                    </a:p>
+                    <a:p>
+                      <a:endParaRPr lang="en-US" dirty="0"/>
+                    </a:p>
+                  </a:txBody>
+                  <a:tcPr/>
+                </a:tc>
+                <a:tc>
+                  <a:txBody>
+                    <a:bodyPr/>
+                    <a:lstStyle/>
+                    <a:p>
+                      <a:r>
+                        <a:rPr lang="en-IN" dirty="0"/>
+                        <a:t>NA</a:t>
+                      </a:r>
+                      <a:endParaRPr lang="en-US" dirty="0"/>
+                    </a:p>
+                  </a:txBody>
+                  <a:tcPr/>
+                </a:tc>
+                <a:tc>
+                  <a:txBody>
+                    <a:bodyPr/>
+                    <a:lstStyle/>
+                    <a:p>
+                      <a:r>
+                        <a:rPr lang="en-IN" dirty="0"/>
+                        <a:t>NA</a:t>
+                      </a:r>
+                      <a:endParaRPr lang="en-US" dirty="0"/>
+                    </a:p>
+                  </a:txBody>
+                  <a:tcPr/>
+                </a:tc>
+                <a:tc>
+                  <a:txBody>
+                    <a:bodyPr/>
+                    <a:lstStyle/>
+                    <a:p>
+                      <a:endParaRPr lang="en-US" dirty="0"/>
+                    </a:p>
+                  </a:txBody>
+                  <a:tcPr/>
+                </a:tc>
+                <a:tc>
+                  <a:txBody>
+                    <a:bodyPr/>
+                    <a:lstStyle/>
+                    <a:p>
+                      <a:r>
+                        <a:rPr lang="en-US" dirty="0"/>
+                        <a:t>https://lastminuteengineers.com/a4988-stepper-motor-driver-arduino-tutorial/</a:t>
+                      </a:r>
+                    </a:p>
+                  </a:txBody>
+                  <a:tcPr/>
+                </a:tc>
+                <a:extLst>
+                  <a:ext uri="{0D108BD9-81ED-4DB2-BD59-A6C34878D82A}">
+                    <a16:rowId xmlns:a16="http://schemas.microsoft.com/office/drawing/2014/main" val="4079164066"/>
+                  </a:ext>
+                </a:extLst>
+              </a:tr>
+            </a:tbl>
+          </a:graphicData>
+        </a:graphic>
+      </p:graphicFrame>
+      <p:sp>
+        <p:nvSpPr>
+          <p:cNvPr id="4" name="TextBox 3">
+            <a:extLst>
+              <a:ext uri="{FF2B5EF4-FFF2-40B4-BE49-F238E27FC236}">
+                <a16:creationId xmlns:a16="http://schemas.microsoft.com/office/drawing/2014/main" id="{9CD3E185-FAF0-453C-AA12-3A3DCF05787E}"/>
+              </a:ext>
+            </a:extLst>
+          </p:cNvPr>
+          <p:cNvSpPr txBox="1"/>
+          <p:nvPr/>
+        </p:nvSpPr>
+        <p:spPr>
+          <a:xfrm>
+            <a:off x="4161429" y="669999"/>
+            <a:ext cx="3869142" cy="461665"/>
+          </a:xfrm>
+          <a:prstGeom prst="rect">
+            <a:avLst/>
+          </a:prstGeom>
+          <a:noFill/>
+        </p:spPr>
+        <p:txBody>
+          <a:bodyPr wrap="square" rtlCol="0">
+            <a:spAutoFit/>
+          </a:bodyPr>
+          <a:lstStyle/>
+          <a:p>
+            <a:pPr algn="ctr"/>
+            <a:r>
+              <a:rPr lang="en-IN" sz="2400" dirty="0"/>
+              <a:t>LITERATURE SURVEY</a:t>
+            </a:r>
+            <a:endParaRPr lang="en-US" sz="2400" dirty="0"/>
           </a:p>
         </p:txBody>
       </p:sp>
@@ -13313,6 +13721,1404 @@
     <p:extLst>
       <p:ext uri="{BB962C8B-B14F-4D97-AF65-F5344CB8AC3E}">
         <p14:creationId xmlns:p14="http://schemas.microsoft.com/office/powerpoint/2010/main" val="1368895994"/>
+      </p:ext>
+    </p:extLst>
+  </p:cSld>
+  <p:clrMapOvr>
+    <a:masterClrMapping/>
+  </p:clrMapOvr>
+</p:sld>
+</file>
+
+<file path=ppt/slides/slide4.xml><?xml version="1.0" encoding="utf-8"?>
+<p:sld xmlns:a="http://schemas.openxmlformats.org/drawingml/2006/main" xmlns:r="http://schemas.openxmlformats.org/officeDocument/2006/relationships" xmlns:p="http://schemas.openxmlformats.org/presentationml/2006/main">
+  <p:cSld>
+    <p:spTree>
+      <p:nvGrpSpPr>
+        <p:cNvPr id="1" name=""/>
+        <p:cNvGrpSpPr/>
+        <p:nvPr/>
+      </p:nvGrpSpPr>
+      <p:grpSpPr>
+        <a:xfrm>
+          <a:off x="0" y="0"/>
+          <a:ext cx="0" cy="0"/>
+          <a:chOff x="0" y="0"/>
+          <a:chExt cx="0" cy="0"/>
+        </a:xfrm>
+      </p:grpSpPr>
+      <p:graphicFrame>
+        <p:nvGraphicFramePr>
+          <p:cNvPr id="4" name="Table 3">
+            <a:extLst>
+              <a:ext uri="{FF2B5EF4-FFF2-40B4-BE49-F238E27FC236}">
+                <a16:creationId xmlns:a16="http://schemas.microsoft.com/office/drawing/2014/main" id="{3420C6C5-9797-4868-85D0-508FF5B676BF}"/>
+              </a:ext>
+            </a:extLst>
+          </p:cNvPr>
+          <p:cNvGraphicFramePr>
+            <a:graphicFrameLocks noGrp="1"/>
+          </p:cNvGraphicFramePr>
+          <p:nvPr>
+            <p:extLst>
+              <p:ext uri="{D42A27DB-BD31-4B8C-83A1-F6EECF244321}">
+                <p14:modId xmlns:p14="http://schemas.microsoft.com/office/powerpoint/2010/main" val="2414766503"/>
+              </p:ext>
+            </p:extLst>
+          </p:nvPr>
+        </p:nvGraphicFramePr>
+        <p:xfrm>
+          <a:off x="752902" y="137994"/>
+          <a:ext cx="10686196" cy="6684767"/>
+        </p:xfrm>
+        <a:graphic>
+          <a:graphicData uri="http://schemas.openxmlformats.org/drawingml/2006/table">
+            <a:tbl>
+              <a:tblPr firstRow="1" bandRow="1">
+                <a:tableStyleId>{0660B408-B3CF-4A94-85FC-2B1E0A45F4A2}</a:tableStyleId>
+              </a:tblPr>
+              <a:tblGrid>
+                <a:gridCol w="627796">
+                  <a:extLst>
+                    <a:ext uri="{9D8B030D-6E8A-4147-A177-3AD203B41FA5}">
+                      <a16:colId xmlns:a16="http://schemas.microsoft.com/office/drawing/2014/main" val="1754224045"/>
+                    </a:ext>
+                  </a:extLst>
+                </a:gridCol>
+                <a:gridCol w="2413054">
+                  <a:extLst>
+                    <a:ext uri="{9D8B030D-6E8A-4147-A177-3AD203B41FA5}">
+                      <a16:colId xmlns:a16="http://schemas.microsoft.com/office/drawing/2014/main" val="2385718090"/>
+                    </a:ext>
+                  </a:extLst>
+                </a:gridCol>
+                <a:gridCol w="1845047">
+                  <a:extLst>
+                    <a:ext uri="{9D8B030D-6E8A-4147-A177-3AD203B41FA5}">
+                      <a16:colId xmlns:a16="http://schemas.microsoft.com/office/drawing/2014/main" val="866317953"/>
+                    </a:ext>
+                  </a:extLst>
+                </a:gridCol>
+                <a:gridCol w="2101756">
+                  <a:extLst>
+                    <a:ext uri="{9D8B030D-6E8A-4147-A177-3AD203B41FA5}">
+                      <a16:colId xmlns:a16="http://schemas.microsoft.com/office/drawing/2014/main" val="488851140"/>
+                    </a:ext>
+                  </a:extLst>
+                </a:gridCol>
+                <a:gridCol w="1932335">
+                  <a:extLst>
+                    <a:ext uri="{9D8B030D-6E8A-4147-A177-3AD203B41FA5}">
+                      <a16:colId xmlns:a16="http://schemas.microsoft.com/office/drawing/2014/main" val="4193998565"/>
+                    </a:ext>
+                  </a:extLst>
+                </a:gridCol>
+                <a:gridCol w="1766208">
+                  <a:extLst>
+                    <a:ext uri="{9D8B030D-6E8A-4147-A177-3AD203B41FA5}">
+                      <a16:colId xmlns:a16="http://schemas.microsoft.com/office/drawing/2014/main" val="769414471"/>
+                    </a:ext>
+                  </a:extLst>
+                </a:gridCol>
+              </a:tblGrid>
+              <a:tr h="649727">
+                <a:tc>
+                  <a:txBody>
+                    <a:bodyPr/>
+                    <a:lstStyle/>
+                    <a:p>
+                      <a:pPr algn="ctr"/>
+                      <a:r>
+                        <a:rPr lang="en-IN" dirty="0"/>
+                        <a:t>S. No.</a:t>
+                      </a:r>
+                      <a:endParaRPr lang="en-US" dirty="0"/>
+                    </a:p>
+                  </a:txBody>
+                  <a:tcPr>
+                    <a:solidFill>
+                      <a:schemeClr val="bg2">
+                        <a:lumMod val="40000"/>
+                        <a:lumOff val="60000"/>
+                      </a:schemeClr>
+                    </a:solidFill>
+                  </a:tcPr>
+                </a:tc>
+                <a:tc>
+                  <a:txBody>
+                    <a:bodyPr/>
+                    <a:lstStyle/>
+                    <a:p>
+                      <a:pPr algn="ctr"/>
+                      <a:r>
+                        <a:rPr lang="en-IN" dirty="0"/>
+                        <a:t>TITLE OF THE JOURNAL</a:t>
+                      </a:r>
+                      <a:endParaRPr lang="en-US" dirty="0"/>
+                    </a:p>
+                  </a:txBody>
+                  <a:tcPr>
+                    <a:solidFill>
+                      <a:schemeClr val="bg2">
+                        <a:lumMod val="40000"/>
+                        <a:lumOff val="60000"/>
+                      </a:schemeClr>
+                    </a:solidFill>
+                  </a:tcPr>
+                </a:tc>
+                <a:tc>
+                  <a:txBody>
+                    <a:bodyPr/>
+                    <a:lstStyle/>
+                    <a:p>
+                      <a:pPr algn="ctr"/>
+                      <a:r>
+                        <a:rPr lang="en-IN" dirty="0"/>
+                        <a:t>NAME OF THE AUTHOR</a:t>
+                      </a:r>
+                      <a:endParaRPr lang="en-US" dirty="0"/>
+                    </a:p>
+                  </a:txBody>
+                  <a:tcPr>
+                    <a:solidFill>
+                      <a:schemeClr val="bg2">
+                        <a:lumMod val="40000"/>
+                        <a:lumOff val="60000"/>
+                      </a:schemeClr>
+                    </a:solidFill>
+                  </a:tcPr>
+                </a:tc>
+                <a:tc>
+                  <a:txBody>
+                    <a:bodyPr/>
+                    <a:lstStyle/>
+                    <a:p>
+                      <a:pPr algn="ctr"/>
+                      <a:r>
+                        <a:rPr lang="en-IN" dirty="0"/>
+                        <a:t>YEAR OF PUBLICATION</a:t>
+                      </a:r>
+                      <a:endParaRPr lang="en-US" dirty="0"/>
+                    </a:p>
+                  </a:txBody>
+                  <a:tcPr>
+                    <a:solidFill>
+                      <a:schemeClr val="bg2">
+                        <a:lumMod val="40000"/>
+                        <a:lumOff val="60000"/>
+                      </a:schemeClr>
+                    </a:solidFill>
+                  </a:tcPr>
+                </a:tc>
+                <a:tc>
+                  <a:txBody>
+                    <a:bodyPr/>
+                    <a:lstStyle/>
+                    <a:p>
+                      <a:pPr algn="ctr"/>
+                      <a:r>
+                        <a:rPr lang="en-IN" dirty="0"/>
+                        <a:t>INFEREFENCE</a:t>
+                      </a:r>
+                      <a:endParaRPr lang="en-US" dirty="0"/>
+                    </a:p>
+                  </a:txBody>
+                  <a:tcPr>
+                    <a:solidFill>
+                      <a:schemeClr val="bg2">
+                        <a:lumMod val="40000"/>
+                        <a:lumOff val="60000"/>
+                      </a:schemeClr>
+                    </a:solidFill>
+                  </a:tcPr>
+                </a:tc>
+                <a:tc>
+                  <a:txBody>
+                    <a:bodyPr/>
+                    <a:lstStyle/>
+                    <a:p>
+                      <a:pPr algn="ctr"/>
+                      <a:r>
+                        <a:rPr lang="en-IN" dirty="0"/>
+                        <a:t>URL</a:t>
+                      </a:r>
+                      <a:endParaRPr lang="en-US" dirty="0"/>
+                    </a:p>
+                  </a:txBody>
+                  <a:tcPr>
+                    <a:solidFill>
+                      <a:schemeClr val="bg2">
+                        <a:lumMod val="40000"/>
+                        <a:lumOff val="60000"/>
+                      </a:schemeClr>
+                    </a:solidFill>
+                  </a:tcPr>
+                </a:tc>
+                <a:extLst>
+                  <a:ext uri="{0D108BD9-81ED-4DB2-BD59-A6C34878D82A}">
+                    <a16:rowId xmlns:a16="http://schemas.microsoft.com/office/drawing/2014/main" val="3277988775"/>
+                  </a:ext>
+                </a:extLst>
+              </a:tr>
+              <a:tr h="1992982">
+                <a:tc>
+                  <a:txBody>
+                    <a:bodyPr/>
+                    <a:lstStyle/>
+                    <a:p>
+                      <a:pPr algn="r"/>
+                      <a:r>
+                        <a:rPr lang="en-IN" dirty="0"/>
+                        <a:t>3.</a:t>
+                      </a:r>
+                      <a:endParaRPr lang="en-US" dirty="0"/>
+                    </a:p>
+                  </a:txBody>
+                  <a:tcPr/>
+                </a:tc>
+                <a:tc>
+                  <a:txBody>
+                    <a:bodyPr/>
+                    <a:lstStyle/>
+                    <a:p>
+                      <a:pPr marL="0" marR="0" lvl="0" indent="0" algn="l" defTabSz="914400" rtl="0" eaLnBrk="1" fontAlgn="auto" latinLnBrk="0" hangingPunct="1">
+                        <a:lnSpc>
+                          <a:spcPct val="100000"/>
+                        </a:lnSpc>
+                        <a:spcBef>
+                          <a:spcPts val="0"/>
+                        </a:spcBef>
+                        <a:spcAft>
+                          <a:spcPts val="0"/>
+                        </a:spcAft>
+                        <a:buClrTx/>
+                        <a:buSzTx/>
+                        <a:buFontTx/>
+                        <a:buNone/>
+                        <a:tabLst/>
+                        <a:defRPr/>
+                      </a:pPr>
+                      <a:r>
+                        <a:rPr lang="en-US" sz="1800" b="0" kern="1200" dirty="0">
+                          <a:solidFill>
+                            <a:schemeClr val="dk1"/>
+                          </a:solidFill>
+                          <a:latin typeface="+mn-lt"/>
+                          <a:ea typeface="+mn-ea"/>
+                          <a:cs typeface="+mn-cs"/>
+                        </a:rPr>
+                        <a:t>Convert ATX PSU to Bench Supply</a:t>
+                      </a:r>
+                    </a:p>
+                    <a:p>
+                      <a:endParaRPr lang="en-US" sz="1800" b="0" kern="1200" dirty="0">
+                        <a:solidFill>
+                          <a:schemeClr val="dk1"/>
+                        </a:solidFill>
+                        <a:latin typeface="+mn-lt"/>
+                        <a:ea typeface="+mn-ea"/>
+                        <a:cs typeface="+mn-cs"/>
+                      </a:endParaRPr>
+                    </a:p>
+                  </a:txBody>
+                  <a:tcPr/>
+                </a:tc>
+                <a:tc>
+                  <a:txBody>
+                    <a:bodyPr/>
+                    <a:lstStyle/>
+                    <a:p>
+                      <a:r>
+                        <a:rPr lang="en-IN" dirty="0"/>
+                        <a:t>NA</a:t>
+                      </a:r>
+                      <a:endParaRPr lang="en-US" dirty="0"/>
+                    </a:p>
+                  </a:txBody>
+                  <a:tcPr/>
+                </a:tc>
+                <a:tc>
+                  <a:txBody>
+                    <a:bodyPr/>
+                    <a:lstStyle/>
+                    <a:p>
+                      <a:r>
+                        <a:rPr lang="en-IN" dirty="0"/>
+                        <a:t>NA</a:t>
+                      </a:r>
+                      <a:endParaRPr lang="en-US" dirty="0"/>
+                    </a:p>
+                  </a:txBody>
+                  <a:tcPr/>
+                </a:tc>
+                <a:tc>
+                  <a:txBody>
+                    <a:bodyPr/>
+                    <a:lstStyle/>
+                    <a:p>
+                      <a:endParaRPr lang="en-US" dirty="0"/>
+                    </a:p>
+                  </a:txBody>
+                  <a:tcPr/>
+                </a:tc>
+                <a:tc>
+                  <a:txBody>
+                    <a:bodyPr/>
+                    <a:lstStyle/>
+                    <a:p>
+                      <a:r>
+                        <a:rPr lang="en-US" dirty="0"/>
+                        <a:t>https://www.electronics-tutorials.ws/blog/convert-atx-psu-to-bench-supply.html</a:t>
+                      </a:r>
+                    </a:p>
+                  </a:txBody>
+                  <a:tcPr/>
+                </a:tc>
+                <a:extLst>
+                  <a:ext uri="{0D108BD9-81ED-4DB2-BD59-A6C34878D82A}">
+                    <a16:rowId xmlns:a16="http://schemas.microsoft.com/office/drawing/2014/main" val="2558650776"/>
+                  </a:ext>
+                </a:extLst>
+              </a:tr>
+              <a:tr h="1984971">
+                <a:tc>
+                  <a:txBody>
+                    <a:bodyPr/>
+                    <a:lstStyle/>
+                    <a:p>
+                      <a:pPr algn="r"/>
+                      <a:r>
+                        <a:rPr lang="en-IN" dirty="0"/>
+                        <a:t>4.</a:t>
+                      </a:r>
+                      <a:endParaRPr lang="en-US" dirty="0"/>
+                    </a:p>
+                  </a:txBody>
+                  <a:tcPr/>
+                </a:tc>
+                <a:tc>
+                  <a:txBody>
+                    <a:bodyPr/>
+                    <a:lstStyle/>
+                    <a:p>
+                      <a:r>
+                        <a:rPr lang="en-US" b="0" dirty="0"/>
+                        <a:t>Interface L298N DC Motor Driver Module with Arduino</a:t>
+                      </a:r>
+                    </a:p>
+                    <a:p>
+                      <a:endParaRPr lang="en-US" b="0" dirty="0"/>
+                    </a:p>
+                  </a:txBody>
+                  <a:tcPr/>
+                </a:tc>
+                <a:tc>
+                  <a:txBody>
+                    <a:bodyPr/>
+                    <a:lstStyle/>
+                    <a:p>
+                      <a:r>
+                        <a:rPr lang="en-IN" dirty="0"/>
+                        <a:t>NA</a:t>
+                      </a:r>
+                      <a:endParaRPr lang="en-US" dirty="0"/>
+                    </a:p>
+                  </a:txBody>
+                  <a:tcPr/>
+                </a:tc>
+                <a:tc>
+                  <a:txBody>
+                    <a:bodyPr/>
+                    <a:lstStyle/>
+                    <a:p>
+                      <a:r>
+                        <a:rPr lang="en-IN" dirty="0"/>
+                        <a:t>NA</a:t>
+                      </a:r>
+                      <a:endParaRPr lang="en-US" dirty="0"/>
+                    </a:p>
+                  </a:txBody>
+                  <a:tcPr/>
+                </a:tc>
+                <a:tc>
+                  <a:txBody>
+                    <a:bodyPr/>
+                    <a:lstStyle/>
+                    <a:p>
+                      <a:endParaRPr lang="en-US" dirty="0"/>
+                    </a:p>
+                  </a:txBody>
+                  <a:tcPr/>
+                </a:tc>
+                <a:tc>
+                  <a:txBody>
+                    <a:bodyPr/>
+                    <a:lstStyle/>
+                    <a:p>
+                      <a:r>
+                        <a:rPr lang="en-US" dirty="0"/>
+                        <a:t>https://lastminuteengineers.com/l298n-dc-stepper-driver-arduino-tutorial/</a:t>
+                      </a:r>
+                    </a:p>
+                  </a:txBody>
+                  <a:tcPr/>
+                </a:tc>
+                <a:extLst>
+                  <a:ext uri="{0D108BD9-81ED-4DB2-BD59-A6C34878D82A}">
+                    <a16:rowId xmlns:a16="http://schemas.microsoft.com/office/drawing/2014/main" val="4079164066"/>
+                  </a:ext>
+                </a:extLst>
+              </a:tr>
+              <a:tr h="1984971">
+                <a:tc>
+                  <a:txBody>
+                    <a:bodyPr/>
+                    <a:lstStyle/>
+                    <a:p>
+                      <a:pPr algn="r"/>
+                      <a:r>
+                        <a:rPr lang="en-IN" dirty="0"/>
+                        <a:t>5.</a:t>
+                      </a:r>
+                      <a:endParaRPr lang="en-US" dirty="0"/>
+                    </a:p>
+                  </a:txBody>
+                  <a:tcPr/>
+                </a:tc>
+                <a:tc>
+                  <a:txBody>
+                    <a:bodyPr/>
+                    <a:lstStyle/>
+                    <a:p>
+                      <a:pPr marL="0" marR="0" lvl="0" indent="0" algn="l" defTabSz="914400" rtl="0" eaLnBrk="1" fontAlgn="auto" latinLnBrk="0" hangingPunct="1">
+                        <a:lnSpc>
+                          <a:spcPct val="100000"/>
+                        </a:lnSpc>
+                        <a:spcBef>
+                          <a:spcPts val="0"/>
+                        </a:spcBef>
+                        <a:spcAft>
+                          <a:spcPts val="0"/>
+                        </a:spcAft>
+                        <a:buClrTx/>
+                        <a:buSzTx/>
+                        <a:buFontTx/>
+                        <a:buNone/>
+                        <a:tabLst/>
+                        <a:defRPr/>
+                      </a:pPr>
+                      <a:r>
+                        <a:rPr lang="en-US" b="0" dirty="0"/>
+                        <a:t>ESP32 / ESP8266 Arduino: Serial communication with Python</a:t>
+                      </a:r>
+                    </a:p>
+                    <a:p>
+                      <a:endParaRPr lang="en-US" b="0" dirty="0"/>
+                    </a:p>
+                  </a:txBody>
+                  <a:tcPr/>
+                </a:tc>
+                <a:tc>
+                  <a:txBody>
+                    <a:bodyPr/>
+                    <a:lstStyle/>
+                    <a:p>
+                      <a:r>
+                        <a:rPr lang="en-US" dirty="0"/>
+                        <a:t>Nuno Santos</a:t>
+                      </a:r>
+                    </a:p>
+                  </a:txBody>
+                  <a:tcPr/>
+                </a:tc>
+                <a:tc>
+                  <a:txBody>
+                    <a:bodyPr/>
+                    <a:lstStyle/>
+                    <a:p>
+                      <a:r>
+                        <a:rPr lang="en-IN" dirty="0"/>
+                        <a:t>02/12/2017</a:t>
+                      </a:r>
+                      <a:endParaRPr lang="en-US" dirty="0"/>
+                    </a:p>
+                  </a:txBody>
+                  <a:tcPr/>
+                </a:tc>
+                <a:tc>
+                  <a:txBody>
+                    <a:bodyPr/>
+                    <a:lstStyle/>
+                    <a:p>
+                      <a:endParaRPr lang="en-US" dirty="0"/>
+                    </a:p>
+                  </a:txBody>
+                  <a:tcPr/>
+                </a:tc>
+                <a:tc>
+                  <a:txBody>
+                    <a:bodyPr/>
+                    <a:lstStyle/>
+                    <a:p>
+                      <a:r>
+                        <a:rPr lang="en-US" dirty="0"/>
+                        <a:t>https://techtutorialsx.com/2017/12/02/esp32-esp8266-arduino-serial-communication-with-python/</a:t>
+                      </a:r>
+                    </a:p>
+                  </a:txBody>
+                  <a:tcPr/>
+                </a:tc>
+                <a:extLst>
+                  <a:ext uri="{0D108BD9-81ED-4DB2-BD59-A6C34878D82A}">
+                    <a16:rowId xmlns:a16="http://schemas.microsoft.com/office/drawing/2014/main" val="977445616"/>
+                  </a:ext>
+                </a:extLst>
+              </a:tr>
+            </a:tbl>
+          </a:graphicData>
+        </a:graphic>
+      </p:graphicFrame>
+    </p:spTree>
+    <p:extLst>
+      <p:ext uri="{BB962C8B-B14F-4D97-AF65-F5344CB8AC3E}">
+        <p14:creationId xmlns:p14="http://schemas.microsoft.com/office/powerpoint/2010/main" val="1051847312"/>
+      </p:ext>
+    </p:extLst>
+  </p:cSld>
+  <p:clrMapOvr>
+    <a:masterClrMapping/>
+  </p:clrMapOvr>
+</p:sld>
+</file>
+
+<file path=ppt/slides/slide5.xml><?xml version="1.0" encoding="utf-8"?>
+<p:sld xmlns:a="http://schemas.openxmlformats.org/drawingml/2006/main" xmlns:r="http://schemas.openxmlformats.org/officeDocument/2006/relationships" xmlns:p="http://schemas.openxmlformats.org/presentationml/2006/main">
+  <p:cSld>
+    <p:spTree>
+      <p:nvGrpSpPr>
+        <p:cNvPr id="1" name=""/>
+        <p:cNvGrpSpPr/>
+        <p:nvPr/>
+      </p:nvGrpSpPr>
+      <p:grpSpPr>
+        <a:xfrm>
+          <a:off x="0" y="0"/>
+          <a:ext cx="0" cy="0"/>
+          <a:chOff x="0" y="0"/>
+          <a:chExt cx="0" cy="0"/>
+        </a:xfrm>
+      </p:grpSpPr>
+      <p:sp>
+        <p:nvSpPr>
+          <p:cNvPr id="2" name="Slide Number Placeholder 1">
+            <a:extLst>
+              <a:ext uri="{FF2B5EF4-FFF2-40B4-BE49-F238E27FC236}">
+                <a16:creationId xmlns:a16="http://schemas.microsoft.com/office/drawing/2014/main" id="{FF832A81-494B-4395-952C-9372D0ACB3E2}"/>
+              </a:ext>
+            </a:extLst>
+          </p:cNvPr>
+          <p:cNvSpPr>
+            <a:spLocks noGrp="1"/>
+          </p:cNvSpPr>
+          <p:nvPr>
+            <p:ph type="sldNum" sz="quarter" idx="12"/>
+          </p:nvPr>
+        </p:nvSpPr>
+        <p:spPr/>
+        <p:txBody>
+          <a:bodyPr/>
+          <a:lstStyle/>
+          <a:p>
+            <a:fld id="{B59B104B-9B6C-40D2-938C-E7EC2A71093E}" type="slidenum">
+              <a:rPr lang="en-US" smtClean="0"/>
+              <a:t>5</a:t>
+            </a:fld>
+            <a:endParaRPr lang="en-US"/>
+          </a:p>
+        </p:txBody>
+      </p:sp>
+      <p:sp>
+        <p:nvSpPr>
+          <p:cNvPr id="3" name="TextBox 2">
+            <a:extLst>
+              <a:ext uri="{FF2B5EF4-FFF2-40B4-BE49-F238E27FC236}">
+                <a16:creationId xmlns:a16="http://schemas.microsoft.com/office/drawing/2014/main" id="{5B80F6FD-A96F-4946-958C-E01C6A4688BC}"/>
+              </a:ext>
+            </a:extLst>
+          </p:cNvPr>
+          <p:cNvSpPr txBox="1"/>
+          <p:nvPr/>
+        </p:nvSpPr>
+        <p:spPr>
+          <a:xfrm>
+            <a:off x="942109" y="2971800"/>
+            <a:ext cx="11249891" cy="1754326"/>
+          </a:xfrm>
+          <a:prstGeom prst="rect">
+            <a:avLst/>
+          </a:prstGeom>
+          <a:noFill/>
+        </p:spPr>
+        <p:txBody>
+          <a:bodyPr wrap="square" rtlCol="0">
+            <a:spAutoFit/>
+          </a:bodyPr>
+          <a:lstStyle/>
+          <a:p>
+            <a:pPr marL="342900" indent="-342900">
+              <a:buAutoNum type="arabicPeriod"/>
+            </a:pPr>
+            <a:r>
+              <a:rPr lang="en-IN" dirty="0"/>
+              <a:t>Designing PCB file</a:t>
+            </a:r>
+          </a:p>
+          <a:p>
+            <a:pPr marL="342900" indent="-342900">
+              <a:buAutoNum type="arabicPeriod"/>
+            </a:pPr>
+            <a:r>
+              <a:rPr lang="en-IN" dirty="0"/>
+              <a:t>Generating CSV file</a:t>
+            </a:r>
+          </a:p>
+          <a:p>
+            <a:pPr marL="342900" indent="-342900">
+              <a:buAutoNum type="arabicPeriod"/>
+            </a:pPr>
+            <a:r>
+              <a:rPr lang="en-IN" dirty="0"/>
+              <a:t>Extracting soldering points  from CSV file using Python</a:t>
+            </a:r>
+          </a:p>
+          <a:p>
+            <a:pPr marL="342900" indent="-342900">
+              <a:buAutoNum type="arabicPeriod"/>
+            </a:pPr>
+            <a:r>
+              <a:rPr lang="en-IN" dirty="0"/>
+              <a:t>Calculating steps needed to traverse from one point to another using Python</a:t>
+            </a:r>
+          </a:p>
+          <a:p>
+            <a:pPr marL="342900" indent="-342900">
+              <a:buAutoNum type="arabicPeriod"/>
+            </a:pPr>
+            <a:r>
+              <a:rPr lang="en-IN" dirty="0"/>
+              <a:t> The calculated results  are sent to ESP32(via Bluetooth from PC)</a:t>
+            </a:r>
+          </a:p>
+          <a:p>
+            <a:pPr marL="342900" indent="-342900">
+              <a:buAutoNum type="arabicPeriod"/>
+            </a:pPr>
+            <a:r>
+              <a:rPr lang="en-IN" dirty="0"/>
+              <a:t> ESP32 receives the command wirelessly and controls the actuators</a:t>
+            </a:r>
+            <a:endParaRPr lang="en-US" dirty="0"/>
+          </a:p>
+        </p:txBody>
+      </p:sp>
+    </p:spTree>
+    <p:extLst>
+      <p:ext uri="{BB962C8B-B14F-4D97-AF65-F5344CB8AC3E}">
+        <p14:creationId xmlns:p14="http://schemas.microsoft.com/office/powerpoint/2010/main" val="1755296599"/>
+      </p:ext>
+    </p:extLst>
+  </p:cSld>
+  <p:clrMapOvr>
+    <a:masterClrMapping/>
+  </p:clrMapOvr>
+</p:sld>
+</file>
+
+<file path=ppt/slides/slide6.xml><?xml version="1.0" encoding="utf-8"?>
+<p:sld xmlns:a="http://schemas.openxmlformats.org/drawingml/2006/main" xmlns:r="http://schemas.openxmlformats.org/officeDocument/2006/relationships" xmlns:p="http://schemas.openxmlformats.org/presentationml/2006/main">
+  <p:cSld>
+    <p:spTree>
+      <p:nvGrpSpPr>
+        <p:cNvPr id="1" name=""/>
+        <p:cNvGrpSpPr/>
+        <p:nvPr/>
+      </p:nvGrpSpPr>
+      <p:grpSpPr>
+        <a:xfrm>
+          <a:off x="0" y="0"/>
+          <a:ext cx="0" cy="0"/>
+          <a:chOff x="0" y="0"/>
+          <a:chExt cx="0" cy="0"/>
+        </a:xfrm>
+      </p:grpSpPr>
+      <p:sp>
+        <p:nvSpPr>
+          <p:cNvPr id="2" name="Slide Number Placeholder 1">
+            <a:extLst>
+              <a:ext uri="{FF2B5EF4-FFF2-40B4-BE49-F238E27FC236}">
+                <a16:creationId xmlns:a16="http://schemas.microsoft.com/office/drawing/2014/main" id="{A6250A26-3F67-4259-824B-20385BD1048A}"/>
+              </a:ext>
+            </a:extLst>
+          </p:cNvPr>
+          <p:cNvSpPr>
+            <a:spLocks noGrp="1"/>
+          </p:cNvSpPr>
+          <p:nvPr>
+            <p:ph type="sldNum" sz="quarter" idx="12"/>
+          </p:nvPr>
+        </p:nvSpPr>
+        <p:spPr/>
+        <p:txBody>
+          <a:bodyPr/>
+          <a:lstStyle/>
+          <a:p>
+            <a:fld id="{B59B104B-9B6C-40D2-938C-E7EC2A71093E}" type="slidenum">
+              <a:rPr lang="en-US" smtClean="0"/>
+              <a:t>6</a:t>
+            </a:fld>
+            <a:endParaRPr lang="en-US"/>
+          </a:p>
+        </p:txBody>
+      </p:sp>
+      <p:sp>
+        <p:nvSpPr>
+          <p:cNvPr id="5" name="Oval 4">
+            <a:extLst>
+              <a:ext uri="{FF2B5EF4-FFF2-40B4-BE49-F238E27FC236}">
+                <a16:creationId xmlns:a16="http://schemas.microsoft.com/office/drawing/2014/main" id="{CF1442ED-87E1-4EB3-8CF9-8A5245A01DA0}"/>
+              </a:ext>
+            </a:extLst>
+          </p:cNvPr>
+          <p:cNvSpPr/>
+          <p:nvPr/>
+        </p:nvSpPr>
+        <p:spPr>
+          <a:xfrm>
+            <a:off x="823955" y="678875"/>
+            <a:ext cx="3019302" cy="2092034"/>
+          </a:xfrm>
+          <a:prstGeom prst="ellipse">
+            <a:avLst/>
+          </a:prstGeom>
+          <a:effectLst>
+            <a:glow rad="228600">
+              <a:schemeClr val="accent2">
+                <a:satMod val="175000"/>
+                <a:alpha val="40000"/>
+              </a:schemeClr>
+            </a:glow>
+            <a:outerShdw blurRad="50800" dist="38100" dir="13500000" algn="br" rotWithShape="0">
+              <a:prstClr val="black">
+                <a:alpha val="40000"/>
+              </a:prstClr>
+            </a:outerShdw>
+            <a:softEdge rad="12700"/>
+          </a:effectLst>
+        </p:spPr>
+        <p:style>
+          <a:lnRef idx="1">
+            <a:schemeClr val="accent1"/>
+          </a:lnRef>
+          <a:fillRef idx="2">
+            <a:schemeClr val="accent1"/>
+          </a:fillRef>
+          <a:effectRef idx="1">
+            <a:schemeClr val="accent1"/>
+          </a:effectRef>
+          <a:fontRef idx="minor">
+            <a:schemeClr val="dk1"/>
+          </a:fontRef>
+        </p:style>
+        <p:txBody>
+          <a:bodyPr rtlCol="0" anchor="ctr"/>
+          <a:lstStyle/>
+          <a:p>
+            <a:pPr algn="ctr"/>
+            <a:r>
+              <a:rPr lang="en-IN" dirty="0"/>
+              <a:t>Designing PCB file</a:t>
+            </a:r>
+          </a:p>
+          <a:p>
+            <a:pPr algn="ctr"/>
+            <a:endParaRPr lang="en-US" dirty="0"/>
+          </a:p>
+        </p:txBody>
+      </p:sp>
+      <p:sp>
+        <p:nvSpPr>
+          <p:cNvPr id="13" name="Oval 12">
+            <a:extLst>
+              <a:ext uri="{FF2B5EF4-FFF2-40B4-BE49-F238E27FC236}">
+                <a16:creationId xmlns:a16="http://schemas.microsoft.com/office/drawing/2014/main" id="{92EDAE53-09A7-4338-AFE7-25A2A83E0565}"/>
+              </a:ext>
+            </a:extLst>
+          </p:cNvPr>
+          <p:cNvSpPr/>
+          <p:nvPr/>
+        </p:nvSpPr>
+        <p:spPr>
+          <a:xfrm>
+            <a:off x="4423163" y="651163"/>
+            <a:ext cx="3123803" cy="2189017"/>
+          </a:xfrm>
+          <a:prstGeom prst="ellipse">
+            <a:avLst/>
+          </a:prstGeom>
+          <a:effectLst>
+            <a:glow rad="228600">
+              <a:schemeClr val="accent2">
+                <a:satMod val="175000"/>
+                <a:alpha val="40000"/>
+              </a:schemeClr>
+            </a:glow>
+            <a:outerShdw blurRad="50800" dist="38100" dir="13500000" algn="br" rotWithShape="0">
+              <a:prstClr val="black">
+                <a:alpha val="40000"/>
+              </a:prstClr>
+            </a:outerShdw>
+            <a:softEdge rad="12700"/>
+          </a:effectLst>
+        </p:spPr>
+        <p:style>
+          <a:lnRef idx="1">
+            <a:schemeClr val="accent1"/>
+          </a:lnRef>
+          <a:fillRef idx="2">
+            <a:schemeClr val="accent1"/>
+          </a:fillRef>
+          <a:effectRef idx="1">
+            <a:schemeClr val="accent1"/>
+          </a:effectRef>
+          <a:fontRef idx="minor">
+            <a:schemeClr val="dk1"/>
+          </a:fontRef>
+        </p:style>
+        <p:txBody>
+          <a:bodyPr rtlCol="0" anchor="ctr"/>
+          <a:lstStyle/>
+          <a:p>
+            <a:pPr algn="ctr"/>
+            <a:r>
+              <a:rPr lang="en-IN" dirty="0"/>
+              <a:t>Generating CSV file</a:t>
+            </a:r>
+          </a:p>
+          <a:p>
+            <a:pPr algn="ctr"/>
+            <a:endParaRPr lang="en-IN" dirty="0"/>
+          </a:p>
+        </p:txBody>
+      </p:sp>
+      <p:sp>
+        <p:nvSpPr>
+          <p:cNvPr id="14" name="Oval 13">
+            <a:extLst>
+              <a:ext uri="{FF2B5EF4-FFF2-40B4-BE49-F238E27FC236}">
+                <a16:creationId xmlns:a16="http://schemas.microsoft.com/office/drawing/2014/main" id="{3AB6F5BB-DB76-4E97-9BE1-4A4B622BD0CD}"/>
+              </a:ext>
+            </a:extLst>
+          </p:cNvPr>
+          <p:cNvSpPr/>
+          <p:nvPr/>
+        </p:nvSpPr>
+        <p:spPr>
+          <a:xfrm>
+            <a:off x="917368" y="3876819"/>
+            <a:ext cx="3019302" cy="2189017"/>
+          </a:xfrm>
+          <a:prstGeom prst="ellipse">
+            <a:avLst/>
+          </a:prstGeom>
+          <a:effectLst>
+            <a:glow rad="228600">
+              <a:schemeClr val="accent2">
+                <a:satMod val="175000"/>
+                <a:alpha val="40000"/>
+              </a:schemeClr>
+            </a:glow>
+            <a:outerShdw blurRad="50800" dist="38100" dir="13500000" algn="br" rotWithShape="0">
+              <a:prstClr val="black">
+                <a:alpha val="40000"/>
+              </a:prstClr>
+            </a:outerShdw>
+            <a:softEdge rad="12700"/>
+          </a:effectLst>
+        </p:spPr>
+        <p:style>
+          <a:lnRef idx="1">
+            <a:schemeClr val="accent1"/>
+          </a:lnRef>
+          <a:fillRef idx="2">
+            <a:schemeClr val="accent1"/>
+          </a:fillRef>
+          <a:effectRef idx="1">
+            <a:schemeClr val="accent1"/>
+          </a:effectRef>
+          <a:fontRef idx="minor">
+            <a:schemeClr val="dk1"/>
+          </a:fontRef>
+        </p:style>
+        <p:txBody>
+          <a:bodyPr rtlCol="0" anchor="ctr"/>
+          <a:lstStyle/>
+          <a:p>
+            <a:pPr algn="ctr"/>
+            <a:r>
+              <a:rPr lang="en-IN" dirty="0"/>
+              <a:t>ESP32 receives the command wirelessly and controls the actuators</a:t>
+            </a:r>
+            <a:endParaRPr lang="en-US" dirty="0"/>
+          </a:p>
+        </p:txBody>
+      </p:sp>
+      <p:sp>
+        <p:nvSpPr>
+          <p:cNvPr id="15" name="Oval 14">
+            <a:extLst>
+              <a:ext uri="{FF2B5EF4-FFF2-40B4-BE49-F238E27FC236}">
+                <a16:creationId xmlns:a16="http://schemas.microsoft.com/office/drawing/2014/main" id="{25D7286A-DE7C-46DE-86A1-86E100CB0A72}"/>
+              </a:ext>
+            </a:extLst>
+          </p:cNvPr>
+          <p:cNvSpPr/>
+          <p:nvPr/>
+        </p:nvSpPr>
+        <p:spPr>
+          <a:xfrm>
+            <a:off x="8608712" y="3876819"/>
+            <a:ext cx="3241173" cy="2272143"/>
+          </a:xfrm>
+          <a:prstGeom prst="ellipse">
+            <a:avLst/>
+          </a:prstGeom>
+          <a:effectLst>
+            <a:glow rad="228600">
+              <a:schemeClr val="accent2">
+                <a:satMod val="175000"/>
+                <a:alpha val="40000"/>
+              </a:schemeClr>
+            </a:glow>
+            <a:outerShdw blurRad="50800" dist="38100" dir="13500000" algn="br" rotWithShape="0">
+              <a:prstClr val="black">
+                <a:alpha val="40000"/>
+              </a:prstClr>
+            </a:outerShdw>
+            <a:softEdge rad="12700"/>
+          </a:effectLst>
+        </p:spPr>
+        <p:style>
+          <a:lnRef idx="1">
+            <a:schemeClr val="accent1"/>
+          </a:lnRef>
+          <a:fillRef idx="2">
+            <a:schemeClr val="accent1"/>
+          </a:fillRef>
+          <a:effectRef idx="1">
+            <a:schemeClr val="accent1"/>
+          </a:effectRef>
+          <a:fontRef idx="minor">
+            <a:schemeClr val="dk1"/>
+          </a:fontRef>
+        </p:style>
+        <p:txBody>
+          <a:bodyPr rtlCol="0" anchor="ctr"/>
+          <a:lstStyle/>
+          <a:p>
+            <a:pPr algn="ctr"/>
+            <a:endParaRPr lang="en-IN" dirty="0"/>
+          </a:p>
+          <a:p>
+            <a:pPr algn="ctr"/>
+            <a:r>
+              <a:rPr lang="en-IN" dirty="0"/>
+              <a:t>Calculating steps needed to traverse from one point to another using Python</a:t>
+            </a:r>
+          </a:p>
+          <a:p>
+            <a:pPr algn="ctr"/>
+            <a:endParaRPr lang="en-US" dirty="0"/>
+          </a:p>
+        </p:txBody>
+      </p:sp>
+      <p:sp>
+        <p:nvSpPr>
+          <p:cNvPr id="16" name="Oval 15">
+            <a:extLst>
+              <a:ext uri="{FF2B5EF4-FFF2-40B4-BE49-F238E27FC236}">
+                <a16:creationId xmlns:a16="http://schemas.microsoft.com/office/drawing/2014/main" id="{7FDB0DD4-F7B1-4892-8AAD-3EFAD8C0E6C8}"/>
+              </a:ext>
+            </a:extLst>
+          </p:cNvPr>
+          <p:cNvSpPr/>
+          <p:nvPr/>
+        </p:nvSpPr>
+        <p:spPr>
+          <a:xfrm>
+            <a:off x="8126872" y="609601"/>
+            <a:ext cx="3241172" cy="2272143"/>
+          </a:xfrm>
+          <a:prstGeom prst="ellipse">
+            <a:avLst/>
+          </a:prstGeom>
+          <a:effectLst>
+            <a:glow rad="228600">
+              <a:schemeClr val="accent2">
+                <a:satMod val="175000"/>
+                <a:alpha val="40000"/>
+              </a:schemeClr>
+            </a:glow>
+            <a:outerShdw blurRad="50800" dist="38100" dir="13500000" algn="br" rotWithShape="0">
+              <a:prstClr val="black">
+                <a:alpha val="40000"/>
+              </a:prstClr>
+            </a:outerShdw>
+            <a:softEdge rad="12700"/>
+          </a:effectLst>
+        </p:spPr>
+        <p:style>
+          <a:lnRef idx="1">
+            <a:schemeClr val="accent1"/>
+          </a:lnRef>
+          <a:fillRef idx="2">
+            <a:schemeClr val="accent1"/>
+          </a:fillRef>
+          <a:effectRef idx="1">
+            <a:schemeClr val="accent1"/>
+          </a:effectRef>
+          <a:fontRef idx="minor">
+            <a:schemeClr val="dk1"/>
+          </a:fontRef>
+        </p:style>
+        <p:txBody>
+          <a:bodyPr rtlCol="0" anchor="ctr"/>
+          <a:lstStyle/>
+          <a:p>
+            <a:pPr algn="ctr"/>
+            <a:r>
+              <a:rPr lang="en-IN" dirty="0"/>
+              <a:t>Extracting soldering points  from CSV file using Python</a:t>
+            </a:r>
+          </a:p>
+          <a:p>
+            <a:pPr algn="ctr"/>
+            <a:endParaRPr lang="en-US" dirty="0"/>
+          </a:p>
+        </p:txBody>
+      </p:sp>
+      <p:sp>
+        <p:nvSpPr>
+          <p:cNvPr id="17" name="Oval 16">
+            <a:extLst>
+              <a:ext uri="{FF2B5EF4-FFF2-40B4-BE49-F238E27FC236}">
+                <a16:creationId xmlns:a16="http://schemas.microsoft.com/office/drawing/2014/main" id="{E39CB3FB-E31F-4331-BCD9-67E4EA35EC17}"/>
+              </a:ext>
+            </a:extLst>
+          </p:cNvPr>
+          <p:cNvSpPr/>
+          <p:nvPr/>
+        </p:nvSpPr>
+        <p:spPr>
+          <a:xfrm>
+            <a:off x="4672787" y="3835255"/>
+            <a:ext cx="3123803" cy="2272143"/>
+          </a:xfrm>
+          <a:prstGeom prst="ellipse">
+            <a:avLst/>
+          </a:prstGeom>
+          <a:effectLst>
+            <a:glow rad="228600">
+              <a:schemeClr val="accent2">
+                <a:satMod val="175000"/>
+                <a:alpha val="40000"/>
+              </a:schemeClr>
+            </a:glow>
+            <a:outerShdw blurRad="50800" dist="38100" dir="13500000" algn="br" rotWithShape="0">
+              <a:prstClr val="black">
+                <a:alpha val="40000"/>
+              </a:prstClr>
+            </a:outerShdw>
+            <a:softEdge rad="12700"/>
+          </a:effectLst>
+        </p:spPr>
+        <p:style>
+          <a:lnRef idx="1">
+            <a:schemeClr val="accent1"/>
+          </a:lnRef>
+          <a:fillRef idx="2">
+            <a:schemeClr val="accent1"/>
+          </a:fillRef>
+          <a:effectRef idx="1">
+            <a:schemeClr val="accent1"/>
+          </a:effectRef>
+          <a:fontRef idx="minor">
+            <a:schemeClr val="dk1"/>
+          </a:fontRef>
+        </p:style>
+        <p:txBody>
+          <a:bodyPr rtlCol="0" anchor="ctr"/>
+          <a:lstStyle/>
+          <a:p>
+            <a:pPr algn="ctr"/>
+            <a:endParaRPr lang="en-IN" dirty="0"/>
+          </a:p>
+          <a:p>
+            <a:pPr algn="ctr"/>
+            <a:r>
+              <a:rPr lang="en-IN" dirty="0"/>
+              <a:t>The calculated results  are sent to ESP32(via Bluetooth from PC)</a:t>
+            </a:r>
+          </a:p>
+          <a:p>
+            <a:pPr algn="ctr"/>
+            <a:endParaRPr lang="en-US" dirty="0"/>
+          </a:p>
+        </p:txBody>
+      </p:sp>
+      <p:sp>
+        <p:nvSpPr>
+          <p:cNvPr id="21" name="Arrow: Curved Down 20">
+            <a:extLst>
+              <a:ext uri="{FF2B5EF4-FFF2-40B4-BE49-F238E27FC236}">
+                <a16:creationId xmlns:a16="http://schemas.microsoft.com/office/drawing/2014/main" id="{89C8FEDD-39F4-420A-9CD7-49B05FAB0722}"/>
+              </a:ext>
+            </a:extLst>
+          </p:cNvPr>
+          <p:cNvSpPr/>
+          <p:nvPr/>
+        </p:nvSpPr>
+        <p:spPr>
+          <a:xfrm>
+            <a:off x="7024255" y="124689"/>
+            <a:ext cx="1717765" cy="443350"/>
+          </a:xfrm>
+          <a:prstGeom prst="curvedDownArrow">
+            <a:avLst/>
+          </a:prstGeom>
+        </p:spPr>
+        <p:style>
+          <a:lnRef idx="1">
+            <a:schemeClr val="accent1"/>
+          </a:lnRef>
+          <a:fillRef idx="2">
+            <a:schemeClr val="accent1"/>
+          </a:fillRef>
+          <a:effectRef idx="1">
+            <a:schemeClr val="accent1"/>
+          </a:effectRef>
+          <a:fontRef idx="minor">
+            <a:schemeClr val="dk1"/>
+          </a:fontRef>
+        </p:style>
+        <p:txBody>
+          <a:bodyPr rtlCol="0" anchor="ctr"/>
+          <a:lstStyle/>
+          <a:p>
+            <a:pPr algn="ctr"/>
+            <a:endParaRPr lang="en-US" dirty="0">
+              <a:solidFill>
+                <a:schemeClr val="tx1"/>
+              </a:solidFill>
+            </a:endParaRPr>
+          </a:p>
+        </p:txBody>
+      </p:sp>
+      <p:sp>
+        <p:nvSpPr>
+          <p:cNvPr id="22" name="Arrow: Curved Left 21">
+            <a:extLst>
+              <a:ext uri="{FF2B5EF4-FFF2-40B4-BE49-F238E27FC236}">
+                <a16:creationId xmlns:a16="http://schemas.microsoft.com/office/drawing/2014/main" id="{DA924B5A-802A-4FAF-A23B-1CB8FC7D69D9}"/>
+              </a:ext>
+            </a:extLst>
+          </p:cNvPr>
+          <p:cNvSpPr/>
+          <p:nvPr/>
+        </p:nvSpPr>
+        <p:spPr>
+          <a:xfrm>
+            <a:off x="11368044" y="2341418"/>
+            <a:ext cx="579906" cy="1590819"/>
+          </a:xfrm>
+          <a:prstGeom prst="curvedLeftArrow">
+            <a:avLst/>
+          </a:prstGeom>
+        </p:spPr>
+        <p:style>
+          <a:lnRef idx="1">
+            <a:schemeClr val="accent1"/>
+          </a:lnRef>
+          <a:fillRef idx="2">
+            <a:schemeClr val="accent1"/>
+          </a:fillRef>
+          <a:effectRef idx="1">
+            <a:schemeClr val="accent1"/>
+          </a:effectRef>
+          <a:fontRef idx="minor">
+            <a:schemeClr val="dk1"/>
+          </a:fontRef>
+        </p:style>
+        <p:txBody>
+          <a:bodyPr rtlCol="0" anchor="ctr"/>
+          <a:lstStyle/>
+          <a:p>
+            <a:pPr algn="ctr"/>
+            <a:endParaRPr lang="en-US">
+              <a:solidFill>
+                <a:schemeClr val="tx1"/>
+              </a:solidFill>
+            </a:endParaRPr>
+          </a:p>
+        </p:txBody>
+      </p:sp>
+      <p:sp>
+        <p:nvSpPr>
+          <p:cNvPr id="23" name="Arrow: Curved Down 22">
+            <a:extLst>
+              <a:ext uri="{FF2B5EF4-FFF2-40B4-BE49-F238E27FC236}">
+                <a16:creationId xmlns:a16="http://schemas.microsoft.com/office/drawing/2014/main" id="{67635A5B-D328-4E8D-9247-66A7467B98AF}"/>
+              </a:ext>
+            </a:extLst>
+          </p:cNvPr>
+          <p:cNvSpPr/>
+          <p:nvPr/>
+        </p:nvSpPr>
+        <p:spPr>
+          <a:xfrm rot="10800000">
+            <a:off x="3407844" y="5957449"/>
+            <a:ext cx="1870737" cy="484908"/>
+          </a:xfrm>
+          <a:prstGeom prst="curvedDownArrow">
+            <a:avLst/>
+          </a:prstGeom>
+        </p:spPr>
+        <p:style>
+          <a:lnRef idx="1">
+            <a:schemeClr val="accent1"/>
+          </a:lnRef>
+          <a:fillRef idx="2">
+            <a:schemeClr val="accent1"/>
+          </a:fillRef>
+          <a:effectRef idx="1">
+            <a:schemeClr val="accent1"/>
+          </a:effectRef>
+          <a:fontRef idx="minor">
+            <a:schemeClr val="dk1"/>
+          </a:fontRef>
+        </p:style>
+        <p:txBody>
+          <a:bodyPr rtlCol="0" anchor="ctr"/>
+          <a:lstStyle/>
+          <a:p>
+            <a:pPr algn="ctr"/>
+            <a:endParaRPr lang="en-US">
+              <a:solidFill>
+                <a:schemeClr val="tx1"/>
+              </a:solidFill>
+            </a:endParaRPr>
+          </a:p>
+        </p:txBody>
+      </p:sp>
+      <p:sp>
+        <p:nvSpPr>
+          <p:cNvPr id="24" name="Arrow: Curved Up 23">
+            <a:extLst>
+              <a:ext uri="{FF2B5EF4-FFF2-40B4-BE49-F238E27FC236}">
+                <a16:creationId xmlns:a16="http://schemas.microsoft.com/office/drawing/2014/main" id="{C11E34B4-2A13-4D25-B1F5-ABBF73380031}"/>
+              </a:ext>
+            </a:extLst>
+          </p:cNvPr>
+          <p:cNvSpPr/>
+          <p:nvPr/>
+        </p:nvSpPr>
+        <p:spPr>
+          <a:xfrm rot="10800000">
+            <a:off x="7417981" y="3592801"/>
+            <a:ext cx="1579418" cy="484908"/>
+          </a:xfrm>
+          <a:prstGeom prst="curvedUpArrow">
+            <a:avLst/>
+          </a:prstGeom>
+        </p:spPr>
+        <p:style>
+          <a:lnRef idx="1">
+            <a:schemeClr val="accent1"/>
+          </a:lnRef>
+          <a:fillRef idx="2">
+            <a:schemeClr val="accent1"/>
+          </a:fillRef>
+          <a:effectRef idx="1">
+            <a:schemeClr val="accent1"/>
+          </a:effectRef>
+          <a:fontRef idx="minor">
+            <a:schemeClr val="dk1"/>
+          </a:fontRef>
+        </p:style>
+        <p:txBody>
+          <a:bodyPr rtlCol="0" anchor="ctr"/>
+          <a:lstStyle/>
+          <a:p>
+            <a:pPr algn="ctr"/>
+            <a:endParaRPr lang="en-US">
+              <a:solidFill>
+                <a:schemeClr val="tx1"/>
+              </a:solidFill>
+            </a:endParaRPr>
+          </a:p>
+        </p:txBody>
+      </p:sp>
+      <p:sp>
+        <p:nvSpPr>
+          <p:cNvPr id="25" name="Arrow: Curved Up 24">
+            <a:extLst>
+              <a:ext uri="{FF2B5EF4-FFF2-40B4-BE49-F238E27FC236}">
+                <a16:creationId xmlns:a16="http://schemas.microsoft.com/office/drawing/2014/main" id="{BD7A229F-DFFE-4983-B350-2AC5CFDB9F4C}"/>
+              </a:ext>
+            </a:extLst>
+          </p:cNvPr>
+          <p:cNvSpPr/>
+          <p:nvPr/>
+        </p:nvSpPr>
+        <p:spPr>
+          <a:xfrm>
+            <a:off x="3407843" y="2695935"/>
+            <a:ext cx="1579418" cy="484908"/>
+          </a:xfrm>
+          <a:prstGeom prst="curvedUpArrow">
+            <a:avLst/>
+          </a:prstGeom>
+        </p:spPr>
+        <p:style>
+          <a:lnRef idx="1">
+            <a:schemeClr val="accent1"/>
+          </a:lnRef>
+          <a:fillRef idx="2">
+            <a:schemeClr val="accent1"/>
+          </a:fillRef>
+          <a:effectRef idx="1">
+            <a:schemeClr val="accent1"/>
+          </a:effectRef>
+          <a:fontRef idx="minor">
+            <a:schemeClr val="dk1"/>
+          </a:fontRef>
+        </p:style>
+        <p:txBody>
+          <a:bodyPr rtlCol="0" anchor="ctr"/>
+          <a:lstStyle/>
+          <a:p>
+            <a:pPr algn="ctr"/>
+            <a:endParaRPr lang="en-US">
+              <a:solidFill>
+                <a:schemeClr val="tx1"/>
+              </a:solidFill>
+            </a:endParaRPr>
+          </a:p>
+        </p:txBody>
+      </p:sp>
+    </p:spTree>
+    <p:extLst>
+      <p:ext uri="{BB962C8B-B14F-4D97-AF65-F5344CB8AC3E}">
+        <p14:creationId xmlns:p14="http://schemas.microsoft.com/office/powerpoint/2010/main" val="68613820"/>
       </p:ext>
     </p:extLst>
   </p:cSld>
@@ -13365,7 +15171,7 @@
     </a:clrScheme>
     <a:fontScheme name="Tw Cen MT-Rockwell">
       <a:majorFont>
-        <a:latin typeface="Tw Cen MT"/>
+        <a:latin typeface="Tw Cen MT" panose="020B0602020104020603"/>
         <a:ea typeface=""/>
         <a:cs typeface=""/>
         <a:font script="Grek" typeface="Calibri"/>
@@ -13402,7 +15208,7 @@
         <a:font script="Geor" typeface="Sylfaen"/>
       </a:majorFont>
       <a:minorFont>
-        <a:latin typeface="Rockwell"/>
+        <a:latin typeface="Rockwell" panose="02060603020205020403"/>
         <a:ea typeface=""/>
         <a:cs typeface=""/>
         <a:font script="Grek" typeface="Cambria"/>
@@ -13605,7 +15411,7 @@
   <a:extraClrSchemeLst/>
   <a:extLst>
     <a:ext uri="{05A4C25C-085E-4340-85A3-A5531E510DB2}">
-      <thm15:themeFamily xmlns="" xmlns:thm15="http://schemas.microsoft.com/office/thememl/2012/main" name="Circuit" id="{0AC2F7E7-15F5-431C-B2A2-456FE929F56C}" vid="{0911B802-464C-4241-8DD9-B60FF88E379F}"/>
+      <thm15:themeFamily xmlns:thm15="http://schemas.microsoft.com/office/thememl/2012/main" name="Circuit" id="{0AC2F7E7-15F5-431C-B2A2-456FE929F56C}" vid="{0911B802-464C-4241-8DD9-B60FF88E379F}"/>
     </a:ext>
   </a:extLst>
 </a:theme>
@@ -13654,7 +15460,7 @@
     </a:clrScheme>
     <a:fontScheme name="Office">
       <a:majorFont>
-        <a:latin typeface="Calibri Light"/>
+        <a:latin typeface="Calibri Light" panose="020F0302020204030204"/>
         <a:ea typeface=""/>
         <a:cs typeface=""/>
         <a:font script="Jpan" typeface="游ゴシック Light"/>
@@ -13706,7 +15512,7 @@
         <a:font script="Tfng" typeface="Ebrima"/>
       </a:majorFont>
       <a:minorFont>
-        <a:latin typeface="Calibri"/>
+        <a:latin typeface="Calibri" panose="020F0502020204030204"/>
         <a:ea typeface=""/>
         <a:cs typeface=""/>
         <a:font script="Jpan" typeface="游ゴシック"/>
@@ -13900,7 +15706,7 @@
   <a:extraClrSchemeLst/>
   <a:extLst>
     <a:ext uri="{05A4C25C-085E-4340-85A3-A5531E510DB2}">
-      <thm15:themeFamily xmlns="" xmlns:thm15="http://schemas.microsoft.com/office/thememl/2012/main" name="Office Theme" id="{62F939B6-93AF-4DB8-9C6B-D6C7DFDC589F}" vid="{4A3C46E8-61CC-4603-A589-7422A47A8E4A}"/>
+      <thm15:themeFamily xmlns:thm15="http://schemas.microsoft.com/office/thememl/2012/main" name="Office Theme" id="{62F939B6-93AF-4DB8-9C6B-D6C7DFDC589F}" vid="{4A3C46E8-61CC-4603-A589-7422A47A8E4A}"/>
     </a:ext>
   </a:extLst>
 </a:theme>

--- a/automated_soldering_machine.pptx
+++ b/automated_soldering_machine.pptx
@@ -202,7 +202,7 @@
           <a:p>
             <a:fld id="{6B1ABE9E-7FB6-47FC-BE31-5609706269A3}" type="datetimeFigureOut">
               <a:rPr lang="en-US" smtClean="0"/>
-              <a:t>1/2/2021</a:t>
+              <a:t>1/3/2021</a:t>
             </a:fld>
             <a:endParaRPr lang="en-US"/>
           </a:p>
@@ -519,7 +519,7 @@
           <a:noFill/>
           <a:extLst>
             <a:ext uri="{909E8E84-426E-40dd-AFC4-6F175D3DCCD1}">
-              <a14:hiddenFill xmlns="" xmlns:a14="http://schemas.microsoft.com/office/drawing/2010/main">
+              <a14:hiddenFill xmlns:a14="http://schemas.microsoft.com/office/drawing/2010/main" xmlns="">
                 <a:solidFill>
                   <a:srgbClr val="FFFFFF"/>
                 </a:solidFill>
@@ -579,7 +579,7 @@
             </a:ln>
             <a:extLst>
               <a:ext uri="{91240B29-F687-4f45-9708-019B960494DF}">
-                <a14:hiddenLine xmlns="" xmlns:a14="http://schemas.microsoft.com/office/drawing/2010/main" w="9525">
+                <a14:hiddenLine xmlns:a14="http://schemas.microsoft.com/office/drawing/2010/main" xmlns="" w="9525">
                   <a:solidFill>
                     <a:srgbClr val="000000"/>
                   </a:solidFill>
@@ -669,7 +669,7 @@
             </a:ln>
             <a:extLst>
               <a:ext uri="{91240B29-F687-4f45-9708-019B960494DF}">
-                <a14:hiddenLine xmlns="" xmlns:a14="http://schemas.microsoft.com/office/drawing/2010/main" w="9525">
+                <a14:hiddenLine xmlns:a14="http://schemas.microsoft.com/office/drawing/2010/main" xmlns="" w="9525">
                   <a:solidFill>
                     <a:srgbClr val="000000"/>
                   </a:solidFill>
@@ -759,7 +759,7 @@
             </a:ln>
             <a:extLst>
               <a:ext uri="{91240B29-F687-4f45-9708-019B960494DF}">
-                <a14:hiddenLine xmlns="" xmlns:a14="http://schemas.microsoft.com/office/drawing/2010/main" w="9525">
+                <a14:hiddenLine xmlns:a14="http://schemas.microsoft.com/office/drawing/2010/main" xmlns="" w="9525">
                   <a:solidFill>
                     <a:srgbClr val="000000"/>
                   </a:solidFill>
@@ -793,7 +793,7 @@
             </a:ln>
             <a:extLst>
               <a:ext uri="{91240B29-F687-4f45-9708-019B960494DF}">
-                <a14:hiddenLine xmlns="" xmlns:a14="http://schemas.microsoft.com/office/drawing/2010/main" w="9525">
+                <a14:hiddenLine xmlns:a14="http://schemas.microsoft.com/office/drawing/2010/main" xmlns="" w="9525">
                   <a:solidFill>
                     <a:srgbClr val="000000"/>
                   </a:solidFill>
@@ -883,7 +883,7 @@
             </a:ln>
             <a:extLst>
               <a:ext uri="{91240B29-F687-4f45-9708-019B960494DF}">
-                <a14:hiddenLine xmlns="" xmlns:a14="http://schemas.microsoft.com/office/drawing/2010/main" w="9525">
+                <a14:hiddenLine xmlns:a14="http://schemas.microsoft.com/office/drawing/2010/main" xmlns="" w="9525">
                   <a:solidFill>
                     <a:srgbClr val="000000"/>
                   </a:solidFill>
@@ -945,7 +945,7 @@
             </a:ln>
             <a:extLst>
               <a:ext uri="{91240B29-F687-4f45-9708-019B960494DF}">
-                <a14:hiddenLine xmlns="" xmlns:a14="http://schemas.microsoft.com/office/drawing/2010/main" w="9525">
+                <a14:hiddenLine xmlns:a14="http://schemas.microsoft.com/office/drawing/2010/main" xmlns="" w="9525">
                   <a:solidFill>
                     <a:srgbClr val="000000"/>
                   </a:solidFill>
@@ -1007,7 +1007,7 @@
             </a:ln>
             <a:extLst>
               <a:ext uri="{91240B29-F687-4f45-9708-019B960494DF}">
-                <a14:hiddenLine xmlns="" xmlns:a14="http://schemas.microsoft.com/office/drawing/2010/main" w="9525">
+                <a14:hiddenLine xmlns:a14="http://schemas.microsoft.com/office/drawing/2010/main" xmlns="" w="9525">
                   <a:solidFill>
                     <a:srgbClr val="000000"/>
                   </a:solidFill>
@@ -1097,7 +1097,7 @@
             </a:ln>
             <a:extLst>
               <a:ext uri="{91240B29-F687-4f45-9708-019B960494DF}">
-                <a14:hiddenLine xmlns="" xmlns:a14="http://schemas.microsoft.com/office/drawing/2010/main" w="9525">
+                <a14:hiddenLine xmlns:a14="http://schemas.microsoft.com/office/drawing/2010/main" xmlns="" w="9525">
                   <a:solidFill>
                     <a:srgbClr val="000000"/>
                   </a:solidFill>
@@ -1159,7 +1159,7 @@
             </a:ln>
             <a:extLst>
               <a:ext uri="{91240B29-F687-4f45-9708-019B960494DF}">
-                <a14:hiddenLine xmlns="" xmlns:a14="http://schemas.microsoft.com/office/drawing/2010/main" w="9525">
+                <a14:hiddenLine xmlns:a14="http://schemas.microsoft.com/office/drawing/2010/main" xmlns="" w="9525">
                   <a:solidFill>
                     <a:srgbClr val="000000"/>
                   </a:solidFill>
@@ -1221,7 +1221,7 @@
             </a:ln>
             <a:extLst>
               <a:ext uri="{91240B29-F687-4f45-9708-019B960494DF}">
-                <a14:hiddenLine xmlns="" xmlns:a14="http://schemas.microsoft.com/office/drawing/2010/main" w="9525">
+                <a14:hiddenLine xmlns:a14="http://schemas.microsoft.com/office/drawing/2010/main" xmlns="" w="9525">
                   <a:solidFill>
                     <a:srgbClr val="000000"/>
                   </a:solidFill>
@@ -1311,7 +1311,7 @@
             </a:ln>
             <a:extLst>
               <a:ext uri="{91240B29-F687-4f45-9708-019B960494DF}">
-                <a14:hiddenLine xmlns="" xmlns:a14="http://schemas.microsoft.com/office/drawing/2010/main" w="9525">
+                <a14:hiddenLine xmlns:a14="http://schemas.microsoft.com/office/drawing/2010/main" xmlns="" w="9525">
                   <a:solidFill>
                     <a:srgbClr val="000000"/>
                   </a:solidFill>
@@ -1401,7 +1401,7 @@
             </a:ln>
             <a:extLst>
               <a:ext uri="{91240B29-F687-4f45-9708-019B960494DF}">
-                <a14:hiddenLine xmlns="" xmlns:a14="http://schemas.microsoft.com/office/drawing/2010/main" w="9525">
+                <a14:hiddenLine xmlns:a14="http://schemas.microsoft.com/office/drawing/2010/main" xmlns="" w="9525">
                   <a:solidFill>
                     <a:srgbClr val="000000"/>
                   </a:solidFill>
@@ -1463,7 +1463,7 @@
             </a:ln>
             <a:extLst>
               <a:ext uri="{91240B29-F687-4f45-9708-019B960494DF}">
-                <a14:hiddenLine xmlns="" xmlns:a14="http://schemas.microsoft.com/office/drawing/2010/main" w="9525">
+                <a14:hiddenLine xmlns:a14="http://schemas.microsoft.com/office/drawing/2010/main" xmlns="" w="9525">
                   <a:solidFill>
                     <a:srgbClr val="000000"/>
                   </a:solidFill>
@@ -1573,7 +1573,7 @@
             </a:ln>
             <a:extLst>
               <a:ext uri="{91240B29-F687-4f45-9708-019B960494DF}">
-                <a14:hiddenLine xmlns="" xmlns:a14="http://schemas.microsoft.com/office/drawing/2010/main" w="9525">
+                <a14:hiddenLine xmlns:a14="http://schemas.microsoft.com/office/drawing/2010/main" xmlns="" w="9525">
                   <a:solidFill>
                     <a:srgbClr val="000000"/>
                   </a:solidFill>
@@ -1635,7 +1635,7 @@
             </a:ln>
             <a:extLst>
               <a:ext uri="{91240B29-F687-4f45-9708-019B960494DF}">
-                <a14:hiddenLine xmlns="" xmlns:a14="http://schemas.microsoft.com/office/drawing/2010/main" w="9525">
+                <a14:hiddenLine xmlns:a14="http://schemas.microsoft.com/office/drawing/2010/main" xmlns="" w="9525">
                   <a:solidFill>
                     <a:srgbClr val="000000"/>
                   </a:solidFill>
@@ -1725,7 +1725,7 @@
             </a:ln>
             <a:extLst>
               <a:ext uri="{91240B29-F687-4f45-9708-019B960494DF}">
-                <a14:hiddenLine xmlns="" xmlns:a14="http://schemas.microsoft.com/office/drawing/2010/main" w="9525">
+                <a14:hiddenLine xmlns:a14="http://schemas.microsoft.com/office/drawing/2010/main" xmlns="" w="9525">
                   <a:solidFill>
                     <a:srgbClr val="000000"/>
                   </a:solidFill>
@@ -1815,7 +1815,7 @@
             </a:ln>
             <a:extLst>
               <a:ext uri="{91240B29-F687-4f45-9708-019B960494DF}">
-                <a14:hiddenLine xmlns="" xmlns:a14="http://schemas.microsoft.com/office/drawing/2010/main" w="9525">
+                <a14:hiddenLine xmlns:a14="http://schemas.microsoft.com/office/drawing/2010/main" xmlns="" w="9525">
                   <a:solidFill>
                     <a:srgbClr val="000000"/>
                   </a:solidFill>
@@ -1877,7 +1877,7 @@
             </a:ln>
             <a:extLst>
               <a:ext uri="{91240B29-F687-4f45-9708-019B960494DF}">
-                <a14:hiddenLine xmlns="" xmlns:a14="http://schemas.microsoft.com/office/drawing/2010/main" w="9525">
+                <a14:hiddenLine xmlns:a14="http://schemas.microsoft.com/office/drawing/2010/main" xmlns="" w="9525">
                   <a:solidFill>
                     <a:srgbClr val="000000"/>
                   </a:solidFill>
@@ -1967,7 +1967,7 @@
             </a:ln>
             <a:extLst>
               <a:ext uri="{91240B29-F687-4f45-9708-019B960494DF}">
-                <a14:hiddenLine xmlns="" xmlns:a14="http://schemas.microsoft.com/office/drawing/2010/main" w="9525">
+                <a14:hiddenLine xmlns:a14="http://schemas.microsoft.com/office/drawing/2010/main" xmlns="" w="9525">
                   <a:solidFill>
                     <a:srgbClr val="000000"/>
                   </a:solidFill>
@@ -2057,7 +2057,7 @@
             </a:ln>
             <a:extLst>
               <a:ext uri="{91240B29-F687-4f45-9708-019B960494DF}">
-                <a14:hiddenLine xmlns="" xmlns:a14="http://schemas.microsoft.com/office/drawing/2010/main" w="9525">
+                <a14:hiddenLine xmlns:a14="http://schemas.microsoft.com/office/drawing/2010/main" xmlns="" w="9525">
                   <a:solidFill>
                     <a:srgbClr val="000000"/>
                   </a:solidFill>
@@ -2113,7 +2113,7 @@
             </a:ln>
             <a:extLst>
               <a:ext uri="{91240B29-F687-4f45-9708-019B960494DF}">
-                <a14:hiddenLine xmlns="" xmlns:a14="http://schemas.microsoft.com/office/drawing/2010/main" w="9525">
+                <a14:hiddenLine xmlns:a14="http://schemas.microsoft.com/office/drawing/2010/main" xmlns="" w="9525">
                   <a:solidFill>
                     <a:srgbClr val="000000"/>
                   </a:solidFill>
@@ -2203,7 +2203,7 @@
             </a:ln>
             <a:extLst>
               <a:ext uri="{91240B29-F687-4f45-9708-019B960494DF}">
-                <a14:hiddenLine xmlns="" xmlns:a14="http://schemas.microsoft.com/office/drawing/2010/main" w="9525">
+                <a14:hiddenLine xmlns:a14="http://schemas.microsoft.com/office/drawing/2010/main" xmlns="" w="9525">
                   <a:solidFill>
                     <a:srgbClr val="000000"/>
                   </a:solidFill>
@@ -2259,7 +2259,7 @@
             </a:ln>
             <a:extLst>
               <a:ext uri="{91240B29-F687-4f45-9708-019B960494DF}">
-                <a14:hiddenLine xmlns="" xmlns:a14="http://schemas.microsoft.com/office/drawing/2010/main" w="9525">
+                <a14:hiddenLine xmlns:a14="http://schemas.microsoft.com/office/drawing/2010/main" xmlns="" w="9525">
                   <a:solidFill>
                     <a:srgbClr val="000000"/>
                   </a:solidFill>
@@ -2349,7 +2349,7 @@
             </a:ln>
             <a:extLst>
               <a:ext uri="{91240B29-F687-4f45-9708-019B960494DF}">
-                <a14:hiddenLine xmlns="" xmlns:a14="http://schemas.microsoft.com/office/drawing/2010/main" w="9525">
+                <a14:hiddenLine xmlns:a14="http://schemas.microsoft.com/office/drawing/2010/main" xmlns="" w="9525">
                   <a:solidFill>
                     <a:srgbClr val="000000"/>
                   </a:solidFill>
@@ -2417,7 +2417,7 @@
             </a:ln>
             <a:extLst>
               <a:ext uri="{91240B29-F687-4f45-9708-019B960494DF}">
-                <a14:hiddenLine xmlns="" xmlns:a14="http://schemas.microsoft.com/office/drawing/2010/main" w="9525">
+                <a14:hiddenLine xmlns:a14="http://schemas.microsoft.com/office/drawing/2010/main" xmlns="" w="9525">
                   <a:solidFill>
                     <a:srgbClr val="000000"/>
                   </a:solidFill>
@@ -2507,7 +2507,7 @@
             </a:ln>
             <a:extLst>
               <a:ext uri="{91240B29-F687-4f45-9708-019B960494DF}">
-                <a14:hiddenLine xmlns="" xmlns:a14="http://schemas.microsoft.com/office/drawing/2010/main" w="9525">
+                <a14:hiddenLine xmlns:a14="http://schemas.microsoft.com/office/drawing/2010/main" xmlns="" w="9525">
                   <a:solidFill>
                     <a:srgbClr val="000000"/>
                   </a:solidFill>
@@ -2575,7 +2575,7 @@
             </a:ln>
             <a:extLst>
               <a:ext uri="{91240B29-F687-4f45-9708-019B960494DF}">
-                <a14:hiddenLine xmlns="" xmlns:a14="http://schemas.microsoft.com/office/drawing/2010/main" w="9525">
+                <a14:hiddenLine xmlns:a14="http://schemas.microsoft.com/office/drawing/2010/main" xmlns="" w="9525">
                   <a:solidFill>
                     <a:srgbClr val="000000"/>
                   </a:solidFill>
@@ -2665,7 +2665,7 @@
             </a:ln>
             <a:extLst>
               <a:ext uri="{91240B29-F687-4f45-9708-019B960494DF}">
-                <a14:hiddenLine xmlns="" xmlns:a14="http://schemas.microsoft.com/office/drawing/2010/main" w="9525">
+                <a14:hiddenLine xmlns:a14="http://schemas.microsoft.com/office/drawing/2010/main" xmlns="" w="9525">
                   <a:solidFill>
                     <a:srgbClr val="000000"/>
                   </a:solidFill>
@@ -2699,7 +2699,7 @@
             </a:ln>
             <a:extLst>
               <a:ext uri="{91240B29-F687-4f45-9708-019B960494DF}">
-                <a14:hiddenLine xmlns="" xmlns:a14="http://schemas.microsoft.com/office/drawing/2010/main" w="9525">
+                <a14:hiddenLine xmlns:a14="http://schemas.microsoft.com/office/drawing/2010/main" xmlns="" w="9525">
                   <a:solidFill>
                     <a:srgbClr val="000000"/>
                   </a:solidFill>
@@ -2789,7 +2789,7 @@
             </a:ln>
             <a:extLst>
               <a:ext uri="{91240B29-F687-4f45-9708-019B960494DF}">
-                <a14:hiddenLine xmlns="" xmlns:a14="http://schemas.microsoft.com/office/drawing/2010/main" w="9525">
+                <a14:hiddenLine xmlns:a14="http://schemas.microsoft.com/office/drawing/2010/main" xmlns="" w="9525">
                   <a:solidFill>
                     <a:srgbClr val="000000"/>
                   </a:solidFill>
@@ -2851,7 +2851,7 @@
             </a:ln>
             <a:extLst>
               <a:ext uri="{91240B29-F687-4f45-9708-019B960494DF}">
-                <a14:hiddenLine xmlns="" xmlns:a14="http://schemas.microsoft.com/office/drawing/2010/main" w="9525">
+                <a14:hiddenLine xmlns:a14="http://schemas.microsoft.com/office/drawing/2010/main" xmlns="" w="9525">
                   <a:solidFill>
                     <a:srgbClr val="000000"/>
                   </a:solidFill>
@@ -2913,7 +2913,7 @@
             </a:ln>
             <a:extLst>
               <a:ext uri="{91240B29-F687-4f45-9708-019B960494DF}">
-                <a14:hiddenLine xmlns="" xmlns:a14="http://schemas.microsoft.com/office/drawing/2010/main" w="9525">
+                <a14:hiddenLine xmlns:a14="http://schemas.microsoft.com/office/drawing/2010/main" xmlns="" w="9525">
                   <a:solidFill>
                     <a:srgbClr val="000000"/>
                   </a:solidFill>
@@ -3003,7 +3003,7 @@
             </a:ln>
             <a:extLst>
               <a:ext uri="{91240B29-F687-4f45-9708-019B960494DF}">
-                <a14:hiddenLine xmlns="" xmlns:a14="http://schemas.microsoft.com/office/drawing/2010/main" w="9525">
+                <a14:hiddenLine xmlns:a14="http://schemas.microsoft.com/office/drawing/2010/main" xmlns="" w="9525">
                   <a:solidFill>
                     <a:srgbClr val="000000"/>
                   </a:solidFill>
@@ -3071,7 +3071,7 @@
             </a:ln>
             <a:extLst>
               <a:ext uri="{91240B29-F687-4f45-9708-019B960494DF}">
-                <a14:hiddenLine xmlns="" xmlns:a14="http://schemas.microsoft.com/office/drawing/2010/main" w="9525">
+                <a14:hiddenLine xmlns:a14="http://schemas.microsoft.com/office/drawing/2010/main" xmlns="" w="9525">
                   <a:solidFill>
                     <a:srgbClr val="000000"/>
                   </a:solidFill>
@@ -3133,7 +3133,7 @@
             </a:ln>
             <a:extLst>
               <a:ext uri="{91240B29-F687-4f45-9708-019B960494DF}">
-                <a14:hiddenLine xmlns="" xmlns:a14="http://schemas.microsoft.com/office/drawing/2010/main" w="9525">
+                <a14:hiddenLine xmlns:a14="http://schemas.microsoft.com/office/drawing/2010/main" xmlns="" w="9525">
                   <a:solidFill>
                     <a:srgbClr val="000000"/>
                   </a:solidFill>
@@ -3223,7 +3223,7 @@
             </a:ln>
             <a:extLst>
               <a:ext uri="{91240B29-F687-4f45-9708-019B960494DF}">
-                <a14:hiddenLine xmlns="" xmlns:a14="http://schemas.microsoft.com/office/drawing/2010/main" w="9525">
+                <a14:hiddenLine xmlns:a14="http://schemas.microsoft.com/office/drawing/2010/main" xmlns="" w="9525">
                   <a:solidFill>
                     <a:srgbClr val="000000"/>
                   </a:solidFill>
@@ -3285,7 +3285,7 @@
             </a:ln>
             <a:extLst>
               <a:ext uri="{91240B29-F687-4f45-9708-019B960494DF}">
-                <a14:hiddenLine xmlns="" xmlns:a14="http://schemas.microsoft.com/office/drawing/2010/main" w="9525">
+                <a14:hiddenLine xmlns:a14="http://schemas.microsoft.com/office/drawing/2010/main" xmlns="" w="9525">
                   <a:solidFill>
                     <a:srgbClr val="000000"/>
                   </a:solidFill>
@@ -3375,7 +3375,7 @@
             </a:ln>
             <a:extLst>
               <a:ext uri="{91240B29-F687-4f45-9708-019B960494DF}">
-                <a14:hiddenLine xmlns="" xmlns:a14="http://schemas.microsoft.com/office/drawing/2010/main" w="9525">
+                <a14:hiddenLine xmlns:a14="http://schemas.microsoft.com/office/drawing/2010/main" xmlns="" w="9525">
                   <a:solidFill>
                     <a:srgbClr val="000000"/>
                   </a:solidFill>
@@ -3437,7 +3437,7 @@
             </a:ln>
             <a:extLst>
               <a:ext uri="{91240B29-F687-4f45-9708-019B960494DF}">
-                <a14:hiddenLine xmlns="" xmlns:a14="http://schemas.microsoft.com/office/drawing/2010/main" w="9525">
+                <a14:hiddenLine xmlns:a14="http://schemas.microsoft.com/office/drawing/2010/main" xmlns="" w="9525">
                   <a:solidFill>
                     <a:srgbClr val="000000"/>
                   </a:solidFill>
@@ -3527,7 +3527,7 @@
             </a:ln>
             <a:extLst>
               <a:ext uri="{91240B29-F687-4f45-9708-019B960494DF}">
-                <a14:hiddenLine xmlns="" xmlns:a14="http://schemas.microsoft.com/office/drawing/2010/main" w="9525">
+                <a14:hiddenLine xmlns:a14="http://schemas.microsoft.com/office/drawing/2010/main" xmlns="" w="9525">
                   <a:solidFill>
                     <a:srgbClr val="000000"/>
                   </a:solidFill>
@@ -3561,7 +3561,7 @@
             </a:ln>
             <a:extLst>
               <a:ext uri="{91240B29-F687-4f45-9708-019B960494DF}">
-                <a14:hiddenLine xmlns="" xmlns:a14="http://schemas.microsoft.com/office/drawing/2010/main" w="9525">
+                <a14:hiddenLine xmlns:a14="http://schemas.microsoft.com/office/drawing/2010/main" xmlns="" w="9525">
                   <a:solidFill>
                     <a:srgbClr val="000000"/>
                   </a:solidFill>
@@ -3626,7 +3626,7 @@
             </a:ln>
             <a:extLst>
               <a:ext uri="{91240B29-F687-4f45-9708-019B960494DF}">
-                <a14:hiddenLine xmlns="" xmlns:a14="http://schemas.microsoft.com/office/drawing/2010/main" w="9525">
+                <a14:hiddenLine xmlns:a14="http://schemas.microsoft.com/office/drawing/2010/main" xmlns="" w="9525">
                   <a:solidFill>
                     <a:srgbClr val="000000"/>
                   </a:solidFill>
@@ -3716,7 +3716,7 @@
             </a:ln>
             <a:extLst>
               <a:ext uri="{91240B29-F687-4f45-9708-019B960494DF}">
-                <a14:hiddenLine xmlns="" xmlns:a14="http://schemas.microsoft.com/office/drawing/2010/main" w="9525">
+                <a14:hiddenLine xmlns:a14="http://schemas.microsoft.com/office/drawing/2010/main" xmlns="" w="9525">
                   <a:solidFill>
                     <a:srgbClr val="000000"/>
                   </a:solidFill>
@@ -3778,7 +3778,7 @@
             </a:ln>
             <a:extLst>
               <a:ext uri="{91240B29-F687-4f45-9708-019B960494DF}">
-                <a14:hiddenLine xmlns="" xmlns:a14="http://schemas.microsoft.com/office/drawing/2010/main" w="9525">
+                <a14:hiddenLine xmlns:a14="http://schemas.microsoft.com/office/drawing/2010/main" xmlns="" w="9525">
                   <a:solidFill>
                     <a:srgbClr val="000000"/>
                   </a:solidFill>
@@ -3868,7 +3868,7 @@
             </a:ln>
             <a:extLst>
               <a:ext uri="{91240B29-F687-4f45-9708-019B960494DF}">
-                <a14:hiddenLine xmlns="" xmlns:a14="http://schemas.microsoft.com/office/drawing/2010/main" w="9525">
+                <a14:hiddenLine xmlns:a14="http://schemas.microsoft.com/office/drawing/2010/main" xmlns="" w="9525">
                   <a:solidFill>
                     <a:srgbClr val="000000"/>
                   </a:solidFill>
@@ -3958,7 +3958,7 @@
             </a:ln>
             <a:extLst>
               <a:ext uri="{91240B29-F687-4f45-9708-019B960494DF}">
-                <a14:hiddenLine xmlns="" xmlns:a14="http://schemas.microsoft.com/office/drawing/2010/main" w="9525">
+                <a14:hiddenLine xmlns:a14="http://schemas.microsoft.com/office/drawing/2010/main" xmlns="" w="9525">
                   <a:solidFill>
                     <a:srgbClr val="000000"/>
                   </a:solidFill>
@@ -4023,7 +4023,7 @@
             </a:ln>
             <a:extLst>
               <a:ext uri="{91240B29-F687-4f45-9708-019B960494DF}">
-                <a14:hiddenLine xmlns="" xmlns:a14="http://schemas.microsoft.com/office/drawing/2010/main" w="9525">
+                <a14:hiddenLine xmlns:a14="http://schemas.microsoft.com/office/drawing/2010/main" xmlns="" w="9525">
                   <a:solidFill>
                     <a:srgbClr val="000000"/>
                   </a:solidFill>
@@ -4085,7 +4085,7 @@
             </a:ln>
             <a:extLst>
               <a:ext uri="{91240B29-F687-4f45-9708-019B960494DF}">
-                <a14:hiddenLine xmlns="" xmlns:a14="http://schemas.microsoft.com/office/drawing/2010/main" w="9525">
+                <a14:hiddenLine xmlns:a14="http://schemas.microsoft.com/office/drawing/2010/main" xmlns="" w="9525">
                   <a:solidFill>
                     <a:srgbClr val="000000"/>
                   </a:solidFill>
@@ -4175,7 +4175,7 @@
             </a:ln>
             <a:extLst>
               <a:ext uri="{91240B29-F687-4f45-9708-019B960494DF}">
-                <a14:hiddenLine xmlns="" xmlns:a14="http://schemas.microsoft.com/office/drawing/2010/main" w="9525">
+                <a14:hiddenLine xmlns:a14="http://schemas.microsoft.com/office/drawing/2010/main" xmlns="" w="9525">
                   <a:solidFill>
                     <a:srgbClr val="000000"/>
                   </a:solidFill>
@@ -4265,7 +4265,7 @@
             </a:ln>
             <a:extLst>
               <a:ext uri="{91240B29-F687-4f45-9708-019B960494DF}">
-                <a14:hiddenLine xmlns="" xmlns:a14="http://schemas.microsoft.com/office/drawing/2010/main" w="9525">
+                <a14:hiddenLine xmlns:a14="http://schemas.microsoft.com/office/drawing/2010/main" xmlns="" w="9525">
                   <a:solidFill>
                     <a:srgbClr val="000000"/>
                   </a:solidFill>
@@ -4327,7 +4327,7 @@
             </a:ln>
             <a:extLst>
               <a:ext uri="{91240B29-F687-4f45-9708-019B960494DF}">
-                <a14:hiddenLine xmlns="" xmlns:a14="http://schemas.microsoft.com/office/drawing/2010/main" w="9525">
+                <a14:hiddenLine xmlns:a14="http://schemas.microsoft.com/office/drawing/2010/main" xmlns="" w="9525">
                   <a:solidFill>
                     <a:srgbClr val="000000"/>
                   </a:solidFill>
@@ -4447,7 +4447,7 @@
             </a:ln>
             <a:extLst>
               <a:ext uri="{91240B29-F687-4f45-9708-019B960494DF}">
-                <a14:hiddenLine xmlns="" xmlns:a14="http://schemas.microsoft.com/office/drawing/2010/main" w="9525">
+                <a14:hiddenLine xmlns:a14="http://schemas.microsoft.com/office/drawing/2010/main" xmlns="" w="9525">
                   <a:solidFill>
                     <a:srgbClr val="000000"/>
                   </a:solidFill>
@@ -4515,7 +4515,7 @@
             </a:ln>
             <a:extLst>
               <a:ext uri="{91240B29-F687-4f45-9708-019B960494DF}">
-                <a14:hiddenLine xmlns="" xmlns:a14="http://schemas.microsoft.com/office/drawing/2010/main" w="9525">
+                <a14:hiddenLine xmlns:a14="http://schemas.microsoft.com/office/drawing/2010/main" xmlns="" w="9525">
                   <a:solidFill>
                     <a:srgbClr val="000000"/>
                   </a:solidFill>
@@ -4605,7 +4605,7 @@
             </a:ln>
             <a:extLst>
               <a:ext uri="{91240B29-F687-4f45-9708-019B960494DF}">
-                <a14:hiddenLine xmlns="" xmlns:a14="http://schemas.microsoft.com/office/drawing/2010/main" w="9525">
+                <a14:hiddenLine xmlns:a14="http://schemas.microsoft.com/office/drawing/2010/main" xmlns="" w="9525">
                   <a:solidFill>
                     <a:srgbClr val="000000"/>
                   </a:solidFill>
@@ -4745,7 +4745,7 @@
           <a:p>
             <a:fld id="{9453E4B6-66BA-4B33-AFCD-F6084AE9AFDC}" type="datetime1">
               <a:rPr lang="en-US" smtClean="0"/>
-              <a:t>1/2/2021</a:t>
+              <a:t>1/3/2021</a:t>
             </a:fld>
             <a:endParaRPr lang="en-US"/>
           </a:p>
@@ -4813,6 +4813,18 @@
   <p:clrMapOvr>
     <a:masterClrMapping/>
   </p:clrMapOvr>
+  <mc:AlternateContent xmlns:mc="http://schemas.openxmlformats.org/markup-compatibility/2006">
+    <mc:Choice xmlns:p15="http://schemas.microsoft.com/office/powerpoint/2012/main" Requires="p15">
+      <p:transition xmlns:p14="http://schemas.microsoft.com/office/powerpoint/2010/main" spd="slow" p14:dur="1250">
+        <p15:prstTrans prst="peelOff"/>
+      </p:transition>
+    </mc:Choice>
+    <mc:Fallback>
+      <p:transition spd="slow">
+        <p:fade/>
+      </p:transition>
+    </mc:Fallback>
+  </mc:AlternateContent>
 </p:sldLayout>
 </file>
 
@@ -5012,7 +5024,7 @@
           <a:p>
             <a:fld id="{3B030C01-3367-43BF-937D-3893ADD9B9F8}" type="datetime1">
               <a:rPr lang="en-US" smtClean="0"/>
-              <a:t>1/2/2021</a:t>
+              <a:t>1/3/2021</a:t>
             </a:fld>
             <a:endParaRPr lang="en-US"/>
           </a:p>
@@ -5070,6 +5082,18 @@
   <p:clrMapOvr>
     <a:masterClrMapping/>
   </p:clrMapOvr>
+  <mc:AlternateContent xmlns:mc="http://schemas.openxmlformats.org/markup-compatibility/2006">
+    <mc:Choice xmlns:p15="http://schemas.microsoft.com/office/powerpoint/2012/main" Requires="p15">
+      <p:transition xmlns:p14="http://schemas.microsoft.com/office/powerpoint/2010/main" spd="slow" p14:dur="1250">
+        <p15:prstTrans prst="peelOff"/>
+      </p:transition>
+    </mc:Choice>
+    <mc:Fallback>
+      <p:transition spd="slow">
+        <p:fade/>
+      </p:transition>
+    </mc:Fallback>
+  </mc:AlternateContent>
 </p:sldLayout>
 </file>
 
@@ -5208,7 +5232,7 @@
           <a:p>
             <a:fld id="{7B0B9D8B-653D-4DAC-8F28-9C1357B30687}" type="datetime1">
               <a:rPr lang="en-US" smtClean="0"/>
-              <a:t>1/2/2021</a:t>
+              <a:t>1/3/2021</a:t>
             </a:fld>
             <a:endParaRPr lang="en-US"/>
           </a:p>
@@ -5266,6 +5290,18 @@
   <p:clrMapOvr>
     <a:masterClrMapping/>
   </p:clrMapOvr>
+  <mc:AlternateContent xmlns:mc="http://schemas.openxmlformats.org/markup-compatibility/2006">
+    <mc:Choice xmlns:p15="http://schemas.microsoft.com/office/powerpoint/2012/main" Requires="p15">
+      <p:transition xmlns:p14="http://schemas.microsoft.com/office/powerpoint/2010/main" spd="slow" p14:dur="1250">
+        <p15:prstTrans prst="peelOff"/>
+      </p:transition>
+    </mc:Choice>
+    <mc:Fallback>
+      <p:transition spd="slow">
+        <p:fade/>
+      </p:transition>
+    </mc:Fallback>
+  </mc:AlternateContent>
 </p:sldLayout>
 </file>
 
@@ -5471,7 +5507,7 @@
           <a:p>
             <a:fld id="{3E0B0587-B13D-4CE2-ABF3-D82ACC0FE76B}" type="datetime1">
               <a:rPr lang="en-US" smtClean="0"/>
-              <a:t>1/2/2021</a:t>
+              <a:t>1/3/2021</a:t>
             </a:fld>
             <a:endParaRPr lang="en-US"/>
           </a:p>
@@ -5767,6 +5803,18 @@
   <p:clrMapOvr>
     <a:masterClrMapping/>
   </p:clrMapOvr>
+  <mc:AlternateContent xmlns:mc="http://schemas.openxmlformats.org/markup-compatibility/2006">
+    <mc:Choice xmlns:p15="http://schemas.microsoft.com/office/powerpoint/2012/main" Requires="p15">
+      <p:transition xmlns:p14="http://schemas.microsoft.com/office/powerpoint/2010/main" spd="slow" p14:dur="1250">
+        <p15:prstTrans prst="peelOff"/>
+      </p:transition>
+    </mc:Choice>
+    <mc:Fallback>
+      <p:transition spd="slow">
+        <p:fade/>
+      </p:transition>
+    </mc:Fallback>
+  </mc:AlternateContent>
 </p:sldLayout>
 </file>
 
@@ -5905,7 +5953,7 @@
           <a:p>
             <a:fld id="{71639C8D-F100-4198-BC96-24268D604A86}" type="datetime1">
               <a:rPr lang="en-US" smtClean="0"/>
-              <a:t>1/2/2021</a:t>
+              <a:t>1/3/2021</a:t>
             </a:fld>
             <a:endParaRPr lang="en-US"/>
           </a:p>
@@ -5963,6 +6011,18 @@
   <p:clrMapOvr>
     <a:masterClrMapping/>
   </p:clrMapOvr>
+  <mc:AlternateContent xmlns:mc="http://schemas.openxmlformats.org/markup-compatibility/2006">
+    <mc:Choice xmlns:p15="http://schemas.microsoft.com/office/powerpoint/2012/main" Requires="p15">
+      <p:transition xmlns:p14="http://schemas.microsoft.com/office/powerpoint/2010/main" spd="slow" p14:dur="1250">
+        <p15:prstTrans prst="peelOff"/>
+      </p:transition>
+    </mc:Choice>
+    <mc:Fallback>
+      <p:transition spd="slow">
+        <p:fade/>
+      </p:transition>
+    </mc:Fallback>
+  </mc:AlternateContent>
 </p:sldLayout>
 </file>
 
@@ -6451,7 +6511,7 @@
           <a:p>
             <a:fld id="{FFAF4433-B36B-42B9-9129-BFBD1397BF4E}" type="datetime1">
               <a:rPr lang="en-US" smtClean="0"/>
-              <a:t>1/2/2021</a:t>
+              <a:t>1/3/2021</a:t>
             </a:fld>
             <a:endParaRPr lang="en-US"/>
           </a:p>
@@ -6509,6 +6569,18 @@
   <p:clrMapOvr>
     <a:masterClrMapping/>
   </p:clrMapOvr>
+  <mc:AlternateContent xmlns:mc="http://schemas.openxmlformats.org/markup-compatibility/2006">
+    <mc:Choice xmlns:p15="http://schemas.microsoft.com/office/powerpoint/2012/main" Requires="p15">
+      <p:transition xmlns:p14="http://schemas.microsoft.com/office/powerpoint/2010/main" spd="slow" p14:dur="1250">
+        <p15:prstTrans prst="peelOff"/>
+      </p:transition>
+    </mc:Choice>
+    <mc:Fallback>
+      <p:transition spd="slow">
+        <p:fade/>
+      </p:transition>
+    </mc:Fallback>
+  </mc:AlternateContent>
 </p:sldLayout>
 </file>
 
@@ -7171,7 +7243,7 @@
           <a:p>
             <a:fld id="{0456F42E-3AD5-45F5-AA4E-60673CE0A094}" type="datetime1">
               <a:rPr lang="en-US" smtClean="0"/>
-              <a:t>1/2/2021</a:t>
+              <a:t>1/3/2021</a:t>
             </a:fld>
             <a:endParaRPr lang="en-US"/>
           </a:p>
@@ -7229,6 +7301,18 @@
   <p:clrMapOvr>
     <a:masterClrMapping/>
   </p:clrMapOvr>
+  <mc:AlternateContent xmlns:mc="http://schemas.openxmlformats.org/markup-compatibility/2006">
+    <mc:Choice xmlns:p15="http://schemas.microsoft.com/office/powerpoint/2012/main" Requires="p15">
+      <p:transition xmlns:p14="http://schemas.microsoft.com/office/powerpoint/2010/main" spd="slow" p14:dur="1250">
+        <p15:prstTrans prst="peelOff"/>
+      </p:transition>
+    </mc:Choice>
+    <mc:Fallback>
+      <p:transition spd="slow">
+        <p:fade/>
+      </p:transition>
+    </mc:Fallback>
+  </mc:AlternateContent>
 </p:sldLayout>
 </file>
 
@@ -7341,7 +7425,7 @@
           <a:p>
             <a:fld id="{96682EAD-E4E4-4F29-8F62-A2DBB9B02D15}" type="datetime1">
               <a:rPr lang="en-US" smtClean="0"/>
-              <a:t>1/2/2021</a:t>
+              <a:t>1/3/2021</a:t>
             </a:fld>
             <a:endParaRPr lang="en-US"/>
           </a:p>
@@ -7399,6 +7483,18 @@
   <p:clrMapOvr>
     <a:masterClrMapping/>
   </p:clrMapOvr>
+  <mc:AlternateContent xmlns:mc="http://schemas.openxmlformats.org/markup-compatibility/2006">
+    <mc:Choice xmlns:p15="http://schemas.microsoft.com/office/powerpoint/2012/main" Requires="p15">
+      <p:transition xmlns:p14="http://schemas.microsoft.com/office/powerpoint/2010/main" spd="slow" p14:dur="1250">
+        <p15:prstTrans prst="peelOff"/>
+      </p:transition>
+    </mc:Choice>
+    <mc:Fallback>
+      <p:transition spd="slow">
+        <p:fade/>
+      </p:transition>
+    </mc:Fallback>
+  </mc:AlternateContent>
 </p:sldLayout>
 </file>
 
@@ -7521,7 +7617,7 @@
           <a:p>
             <a:fld id="{1D971B33-70FD-4CFB-BAAD-1813DAEC74FB}" type="datetime1">
               <a:rPr lang="en-US" smtClean="0"/>
-              <a:t>1/2/2021</a:t>
+              <a:t>1/3/2021</a:t>
             </a:fld>
             <a:endParaRPr lang="en-US"/>
           </a:p>
@@ -7579,6 +7675,18 @@
   <p:clrMapOvr>
     <a:masterClrMapping/>
   </p:clrMapOvr>
+  <mc:AlternateContent xmlns:mc="http://schemas.openxmlformats.org/markup-compatibility/2006">
+    <mc:Choice xmlns:p15="http://schemas.microsoft.com/office/powerpoint/2012/main" Requires="p15">
+      <p:transition xmlns:p14="http://schemas.microsoft.com/office/powerpoint/2010/main" spd="slow" p14:dur="1250">
+        <p15:prstTrans prst="peelOff"/>
+      </p:transition>
+    </mc:Choice>
+    <mc:Fallback>
+      <p:transition spd="slow">
+        <p:fade/>
+      </p:transition>
+    </mc:Fallback>
+  </mc:AlternateContent>
 </p:sldLayout>
 </file>
 
@@ -7691,7 +7799,7 @@
           <a:p>
             <a:fld id="{7DC7A930-E568-44E6-84ED-3BB4016E0373}" type="datetime1">
               <a:rPr lang="en-US" smtClean="0"/>
-              <a:t>1/2/2021</a:t>
+              <a:t>1/3/2021</a:t>
             </a:fld>
             <a:endParaRPr lang="en-US"/>
           </a:p>
@@ -7749,6 +7857,18 @@
   <p:clrMapOvr>
     <a:masterClrMapping/>
   </p:clrMapOvr>
+  <mc:AlternateContent xmlns:mc="http://schemas.openxmlformats.org/markup-compatibility/2006">
+    <mc:Choice xmlns:p15="http://schemas.microsoft.com/office/powerpoint/2012/main" Requires="p15">
+      <p:transition xmlns:p14="http://schemas.microsoft.com/office/powerpoint/2010/main" spd="slow" p14:dur="1250">
+        <p15:prstTrans prst="peelOff"/>
+      </p:transition>
+    </mc:Choice>
+    <mc:Fallback>
+      <p:transition spd="slow">
+        <p:fade/>
+      </p:transition>
+    </mc:Fallback>
+  </mc:AlternateContent>
 </p:sldLayout>
 </file>
 
@@ -7941,7 +8061,7 @@
           <a:p>
             <a:fld id="{14DF841F-E273-470C-888B-487BE062E0B0}" type="datetime1">
               <a:rPr lang="en-US" smtClean="0"/>
-              <a:t>1/2/2021</a:t>
+              <a:t>1/3/2021</a:t>
             </a:fld>
             <a:endParaRPr lang="en-US"/>
           </a:p>
@@ -7999,6 +8119,18 @@
   <p:clrMapOvr>
     <a:masterClrMapping/>
   </p:clrMapOvr>
+  <mc:AlternateContent xmlns:mc="http://schemas.openxmlformats.org/markup-compatibility/2006">
+    <mc:Choice xmlns:p15="http://schemas.microsoft.com/office/powerpoint/2012/main" Requires="p15">
+      <p:transition xmlns:p14="http://schemas.microsoft.com/office/powerpoint/2010/main" spd="slow" p14:dur="1250">
+        <p15:prstTrans prst="peelOff"/>
+      </p:transition>
+    </mc:Choice>
+    <mc:Fallback>
+      <p:transition spd="slow">
+        <p:fade/>
+      </p:transition>
+    </mc:Fallback>
+  </mc:AlternateContent>
 </p:sldLayout>
 </file>
 
@@ -8173,7 +8305,7 @@
           <a:p>
             <a:fld id="{7976C994-3276-415C-8876-D8A57D02FBEA}" type="datetime1">
               <a:rPr lang="en-US" smtClean="0"/>
-              <a:t>1/2/2021</a:t>
+              <a:t>1/3/2021</a:t>
             </a:fld>
             <a:endParaRPr lang="en-US"/>
           </a:p>
@@ -8231,6 +8363,18 @@
   <p:clrMapOvr>
     <a:masterClrMapping/>
   </p:clrMapOvr>
+  <mc:AlternateContent xmlns:mc="http://schemas.openxmlformats.org/markup-compatibility/2006">
+    <mc:Choice xmlns:p15="http://schemas.microsoft.com/office/powerpoint/2012/main" Requires="p15">
+      <p:transition xmlns:p14="http://schemas.microsoft.com/office/powerpoint/2010/main" spd="slow" p14:dur="1250">
+        <p15:prstTrans prst="peelOff"/>
+      </p:transition>
+    </mc:Choice>
+    <mc:Fallback>
+      <p:transition spd="slow">
+        <p:fade/>
+      </p:transition>
+    </mc:Fallback>
+  </mc:AlternateContent>
 </p:sldLayout>
 </file>
 
@@ -8554,7 +8698,7 @@
           <a:p>
             <a:fld id="{957CF569-10E6-499B-B10A-368AE7881220}" type="datetime1">
               <a:rPr lang="en-US" smtClean="0"/>
-              <a:t>1/2/2021</a:t>
+              <a:t>1/3/2021</a:t>
             </a:fld>
             <a:endParaRPr lang="en-US"/>
           </a:p>
@@ -8612,6 +8756,18 @@
   <p:clrMapOvr>
     <a:masterClrMapping/>
   </p:clrMapOvr>
+  <mc:AlternateContent xmlns:mc="http://schemas.openxmlformats.org/markup-compatibility/2006">
+    <mc:Choice xmlns:p15="http://schemas.microsoft.com/office/powerpoint/2012/main" Requires="p15">
+      <p:transition xmlns:p14="http://schemas.microsoft.com/office/powerpoint/2010/main" spd="slow" p14:dur="1250">
+        <p15:prstTrans prst="peelOff"/>
+      </p:transition>
+    </mc:Choice>
+    <mc:Fallback>
+      <p:transition spd="slow">
+        <p:fade/>
+      </p:transition>
+    </mc:Fallback>
+  </mc:AlternateContent>
 </p:sldLayout>
 </file>
 
@@ -8672,7 +8828,7 @@
           <a:p>
             <a:fld id="{2B558DD0-02EC-4237-86A7-F584E5F12E9D}" type="datetime1">
               <a:rPr lang="en-US" smtClean="0"/>
-              <a:t>1/2/2021</a:t>
+              <a:t>1/3/2021</a:t>
             </a:fld>
             <a:endParaRPr lang="en-US"/>
           </a:p>
@@ -8730,6 +8886,18 @@
   <p:clrMapOvr>
     <a:masterClrMapping/>
   </p:clrMapOvr>
+  <mc:AlternateContent xmlns:mc="http://schemas.openxmlformats.org/markup-compatibility/2006">
+    <mc:Choice xmlns:p15="http://schemas.microsoft.com/office/powerpoint/2012/main" Requires="p15">
+      <p:transition xmlns:p14="http://schemas.microsoft.com/office/powerpoint/2010/main" spd="slow" p14:dur="1250">
+        <p15:prstTrans prst="peelOff"/>
+      </p:transition>
+    </mc:Choice>
+    <mc:Fallback>
+      <p:transition spd="slow">
+        <p:fade/>
+      </p:transition>
+    </mc:Fallback>
+  </mc:AlternateContent>
 </p:sldLayout>
 </file>
 
@@ -8767,7 +8935,7 @@
           <a:p>
             <a:fld id="{6CDF8AA9-4674-4D39-A1B3-0222990FE499}" type="datetime1">
               <a:rPr lang="en-US" smtClean="0"/>
-              <a:t>1/2/2021</a:t>
+              <a:t>1/3/2021</a:t>
             </a:fld>
             <a:endParaRPr lang="en-US"/>
           </a:p>
@@ -8825,6 +8993,18 @@
   <p:clrMapOvr>
     <a:masterClrMapping/>
   </p:clrMapOvr>
+  <mc:AlternateContent xmlns:mc="http://schemas.openxmlformats.org/markup-compatibility/2006">
+    <mc:Choice xmlns:p15="http://schemas.microsoft.com/office/powerpoint/2012/main" Requires="p15">
+      <p:transition xmlns:p14="http://schemas.microsoft.com/office/powerpoint/2010/main" spd="slow" p14:dur="1250">
+        <p15:prstTrans prst="peelOff"/>
+      </p:transition>
+    </mc:Choice>
+    <mc:Fallback>
+      <p:transition spd="slow">
+        <p:fade/>
+      </p:transition>
+    </mc:Fallback>
+  </mc:AlternateContent>
 </p:sldLayout>
 </file>
 
@@ -9016,7 +9196,7 @@
           <a:p>
             <a:fld id="{385EDE88-5D12-4E0B-86B8-96CC48680CD5}" type="datetime1">
               <a:rPr lang="en-US" smtClean="0"/>
-              <a:t>1/2/2021</a:t>
+              <a:t>1/3/2021</a:t>
             </a:fld>
             <a:endParaRPr lang="en-US"/>
           </a:p>
@@ -9074,6 +9254,18 @@
   <p:clrMapOvr>
     <a:masterClrMapping/>
   </p:clrMapOvr>
+  <mc:AlternateContent xmlns:mc="http://schemas.openxmlformats.org/markup-compatibility/2006">
+    <mc:Choice xmlns:p15="http://schemas.microsoft.com/office/powerpoint/2012/main" Requires="p15">
+      <p:transition xmlns:p14="http://schemas.microsoft.com/office/powerpoint/2010/main" spd="slow" p14:dur="1250">
+        <p15:prstTrans prst="peelOff"/>
+      </p:transition>
+    </mc:Choice>
+    <mc:Fallback>
+      <p:transition spd="slow">
+        <p:fade/>
+      </p:transition>
+    </mc:Fallback>
+  </mc:AlternateContent>
 </p:sldLayout>
 </file>
 
@@ -9296,7 +9488,7 @@
           <a:p>
             <a:fld id="{1A5064E6-1AA0-4DA4-AF2E-267D28A9CDE4}" type="datetime1">
               <a:rPr lang="en-US" smtClean="0"/>
-              <a:t>1/2/2021</a:t>
+              <a:t>1/3/2021</a:t>
             </a:fld>
             <a:endParaRPr lang="en-US"/>
           </a:p>
@@ -9354,6 +9546,18 @@
   <p:clrMapOvr>
     <a:masterClrMapping/>
   </p:clrMapOvr>
+  <mc:AlternateContent xmlns:mc="http://schemas.openxmlformats.org/markup-compatibility/2006">
+    <mc:Choice xmlns:p15="http://schemas.microsoft.com/office/powerpoint/2012/main" Requires="p15">
+      <p:transition xmlns:p14="http://schemas.microsoft.com/office/powerpoint/2010/main" spd="slow" p14:dur="1250">
+        <p15:prstTrans prst="peelOff"/>
+      </p:transition>
+    </mc:Choice>
+    <mc:Fallback>
+      <p:transition spd="slow">
+        <p:fade/>
+      </p:transition>
+    </mc:Fallback>
+  </mc:AlternateContent>
 </p:sldLayout>
 </file>
 
@@ -9412,7 +9616,7 @@
           <a:noFill/>
           <a:extLst>
             <a:ext uri="{909E8E84-426E-40dd-AFC4-6F175D3DCCD1}">
-              <a14:hiddenFill xmlns="" xmlns:a14="http://schemas.microsoft.com/office/drawing/2010/main">
+              <a14:hiddenFill xmlns:a14="http://schemas.microsoft.com/office/drawing/2010/main" xmlns="">
                 <a:solidFill>
                   <a:srgbClr val="FFFFFF"/>
                 </a:solidFill>
@@ -9486,7 +9690,7 @@
               </a:ln>
               <a:extLst>
                 <a:ext uri="{91240B29-F687-4f45-9708-019B960494DF}">
-                  <a14:hiddenLine xmlns="" xmlns:a14="http://schemas.microsoft.com/office/drawing/2010/main" w="9525">
+                  <a14:hiddenLine xmlns:a14="http://schemas.microsoft.com/office/drawing/2010/main" xmlns="" w="9525">
                     <a:solidFill>
                       <a:srgbClr val="000000"/>
                     </a:solidFill>
@@ -9576,7 +9780,7 @@
               </a:ln>
               <a:extLst>
                 <a:ext uri="{91240B29-F687-4f45-9708-019B960494DF}">
-                  <a14:hiddenLine xmlns="" xmlns:a14="http://schemas.microsoft.com/office/drawing/2010/main" w="9525">
+                  <a14:hiddenLine xmlns:a14="http://schemas.microsoft.com/office/drawing/2010/main" xmlns="" w="9525">
                     <a:solidFill>
                       <a:srgbClr val="000000"/>
                     </a:solidFill>
@@ -9666,7 +9870,7 @@
               </a:ln>
               <a:extLst>
                 <a:ext uri="{91240B29-F687-4f45-9708-019B960494DF}">
-                  <a14:hiddenLine xmlns="" xmlns:a14="http://schemas.microsoft.com/office/drawing/2010/main" w="9525">
+                  <a14:hiddenLine xmlns:a14="http://schemas.microsoft.com/office/drawing/2010/main" xmlns="" w="9525">
                     <a:solidFill>
                       <a:srgbClr val="000000"/>
                     </a:solidFill>
@@ -9728,7 +9932,7 @@
               </a:ln>
               <a:extLst>
                 <a:ext uri="{91240B29-F687-4f45-9708-019B960494DF}">
-                  <a14:hiddenLine xmlns="" xmlns:a14="http://schemas.microsoft.com/office/drawing/2010/main" w="9525">
+                  <a14:hiddenLine xmlns:a14="http://schemas.microsoft.com/office/drawing/2010/main" xmlns="" w="9525">
                     <a:solidFill>
                       <a:srgbClr val="000000"/>
                     </a:solidFill>
@@ -9818,7 +10022,7 @@
               </a:ln>
               <a:extLst>
                 <a:ext uri="{91240B29-F687-4f45-9708-019B960494DF}">
-                  <a14:hiddenLine xmlns="" xmlns:a14="http://schemas.microsoft.com/office/drawing/2010/main" w="9525">
+                  <a14:hiddenLine xmlns:a14="http://schemas.microsoft.com/office/drawing/2010/main" xmlns="" w="9525">
                     <a:solidFill>
                       <a:srgbClr val="000000"/>
                     </a:solidFill>
@@ -9880,7 +10084,7 @@
               </a:ln>
               <a:extLst>
                 <a:ext uri="{91240B29-F687-4f45-9708-019B960494DF}">
-                  <a14:hiddenLine xmlns="" xmlns:a14="http://schemas.microsoft.com/office/drawing/2010/main" w="9525">
+                  <a14:hiddenLine xmlns:a14="http://schemas.microsoft.com/office/drawing/2010/main" xmlns="" w="9525">
                     <a:solidFill>
                       <a:srgbClr val="000000"/>
                     </a:solidFill>
@@ -9942,7 +10146,7 @@
               </a:ln>
               <a:extLst>
                 <a:ext uri="{91240B29-F687-4f45-9708-019B960494DF}">
-                  <a14:hiddenLine xmlns="" xmlns:a14="http://schemas.microsoft.com/office/drawing/2010/main" w="9525">
+                  <a14:hiddenLine xmlns:a14="http://schemas.microsoft.com/office/drawing/2010/main" xmlns="" w="9525">
                     <a:solidFill>
                       <a:srgbClr val="000000"/>
                     </a:solidFill>
@@ -10032,7 +10236,7 @@
               </a:ln>
               <a:extLst>
                 <a:ext uri="{91240B29-F687-4f45-9708-019B960494DF}">
-                  <a14:hiddenLine xmlns="" xmlns:a14="http://schemas.microsoft.com/office/drawing/2010/main" w="9525">
+                  <a14:hiddenLine xmlns:a14="http://schemas.microsoft.com/office/drawing/2010/main" xmlns="" w="9525">
                     <a:solidFill>
                       <a:srgbClr val="000000"/>
                     </a:solidFill>
@@ -10122,7 +10326,7 @@
               </a:ln>
               <a:extLst>
                 <a:ext uri="{91240B29-F687-4f45-9708-019B960494DF}">
-                  <a14:hiddenLine xmlns="" xmlns:a14="http://schemas.microsoft.com/office/drawing/2010/main" w="9525">
+                  <a14:hiddenLine xmlns:a14="http://schemas.microsoft.com/office/drawing/2010/main" xmlns="" w="9525">
                     <a:solidFill>
                       <a:srgbClr val="000000"/>
                     </a:solidFill>
@@ -10184,7 +10388,7 @@
               </a:ln>
               <a:extLst>
                 <a:ext uri="{91240B29-F687-4f45-9708-019B960494DF}">
-                  <a14:hiddenLine xmlns="" xmlns:a14="http://schemas.microsoft.com/office/drawing/2010/main" w="9525">
+                  <a14:hiddenLine xmlns:a14="http://schemas.microsoft.com/office/drawing/2010/main" xmlns="" w="9525">
                     <a:solidFill>
                       <a:srgbClr val="000000"/>
                     </a:solidFill>
@@ -10294,7 +10498,7 @@
               </a:ln>
               <a:extLst>
                 <a:ext uri="{91240B29-F687-4f45-9708-019B960494DF}">
-                  <a14:hiddenLine xmlns="" xmlns:a14="http://schemas.microsoft.com/office/drawing/2010/main" w="9525">
+                  <a14:hiddenLine xmlns:a14="http://schemas.microsoft.com/office/drawing/2010/main" xmlns="" w="9525">
                     <a:solidFill>
                       <a:srgbClr val="000000"/>
                     </a:solidFill>
@@ -10378,7 +10582,7 @@
               </a:ln>
               <a:extLst>
                 <a:ext uri="{91240B29-F687-4f45-9708-019B960494DF}">
-                  <a14:hiddenLine xmlns="" xmlns:a14="http://schemas.microsoft.com/office/drawing/2010/main" w="9525">
+                  <a14:hiddenLine xmlns:a14="http://schemas.microsoft.com/office/drawing/2010/main" xmlns="" w="9525">
                     <a:solidFill>
                       <a:srgbClr val="000000"/>
                     </a:solidFill>
@@ -10440,7 +10644,7 @@
               </a:ln>
               <a:extLst>
                 <a:ext uri="{91240B29-F687-4f45-9708-019B960494DF}">
-                  <a14:hiddenLine xmlns="" xmlns:a14="http://schemas.microsoft.com/office/drawing/2010/main" w="9525">
+                  <a14:hiddenLine xmlns:a14="http://schemas.microsoft.com/office/drawing/2010/main" xmlns="" w="9525">
                     <a:solidFill>
                       <a:srgbClr val="000000"/>
                     </a:solidFill>
@@ -10502,7 +10706,7 @@
               </a:ln>
               <a:extLst>
                 <a:ext uri="{91240B29-F687-4f45-9708-019B960494DF}">
-                  <a14:hiddenLine xmlns="" xmlns:a14="http://schemas.microsoft.com/office/drawing/2010/main" w="9525">
+                  <a14:hiddenLine xmlns:a14="http://schemas.microsoft.com/office/drawing/2010/main" xmlns="" w="9525">
                     <a:solidFill>
                       <a:srgbClr val="000000"/>
                     </a:solidFill>
@@ -10592,7 +10796,7 @@
               </a:ln>
               <a:extLst>
                 <a:ext uri="{91240B29-F687-4f45-9708-019B960494DF}">
-                  <a14:hiddenLine xmlns="" xmlns:a14="http://schemas.microsoft.com/office/drawing/2010/main" w="9525">
+                  <a14:hiddenLine xmlns:a14="http://schemas.microsoft.com/office/drawing/2010/main" xmlns="" w="9525">
                     <a:solidFill>
                       <a:srgbClr val="000000"/>
                     </a:solidFill>
@@ -10626,7 +10830,7 @@
               </a:ln>
               <a:extLst>
                 <a:ext uri="{91240B29-F687-4f45-9708-019B960494DF}">
-                  <a14:hiddenLine xmlns="" xmlns:a14="http://schemas.microsoft.com/office/drawing/2010/main" w="9525">
+                  <a14:hiddenLine xmlns:a14="http://schemas.microsoft.com/office/drawing/2010/main" xmlns="" w="9525">
                     <a:solidFill>
                       <a:srgbClr val="000000"/>
                     </a:solidFill>
@@ -10691,7 +10895,7 @@
               </a:ln>
               <a:extLst>
                 <a:ext uri="{91240B29-F687-4f45-9708-019B960494DF}">
-                  <a14:hiddenLine xmlns="" xmlns:a14="http://schemas.microsoft.com/office/drawing/2010/main" w="9525">
+                  <a14:hiddenLine xmlns:a14="http://schemas.microsoft.com/office/drawing/2010/main" xmlns="" w="9525">
                     <a:solidFill>
                       <a:srgbClr val="000000"/>
                     </a:solidFill>
@@ -10781,7 +10985,7 @@
               </a:ln>
               <a:extLst>
                 <a:ext uri="{91240B29-F687-4f45-9708-019B960494DF}">
-                  <a14:hiddenLine xmlns="" xmlns:a14="http://schemas.microsoft.com/office/drawing/2010/main" w="9525">
+                  <a14:hiddenLine xmlns:a14="http://schemas.microsoft.com/office/drawing/2010/main" xmlns="" w="9525">
                     <a:solidFill>
                       <a:srgbClr val="000000"/>
                     </a:solidFill>
@@ -10843,7 +11047,7 @@
               </a:ln>
               <a:extLst>
                 <a:ext uri="{91240B29-F687-4f45-9708-019B960494DF}">
-                  <a14:hiddenLine xmlns="" xmlns:a14="http://schemas.microsoft.com/office/drawing/2010/main" w="9525">
+                  <a14:hiddenLine xmlns:a14="http://schemas.microsoft.com/office/drawing/2010/main" xmlns="" w="9525">
                     <a:solidFill>
                       <a:srgbClr val="000000"/>
                     </a:solidFill>
@@ -10933,7 +11137,7 @@
               </a:ln>
               <a:extLst>
                 <a:ext uri="{91240B29-F687-4f45-9708-019B960494DF}">
-                  <a14:hiddenLine xmlns="" xmlns:a14="http://schemas.microsoft.com/office/drawing/2010/main" w="9525">
+                  <a14:hiddenLine xmlns:a14="http://schemas.microsoft.com/office/drawing/2010/main" xmlns="" w="9525">
                     <a:solidFill>
                       <a:srgbClr val="000000"/>
                     </a:solidFill>
@@ -10998,7 +11202,7 @@
               </a:ln>
               <a:extLst>
                 <a:ext uri="{91240B29-F687-4f45-9708-019B960494DF}">
-                  <a14:hiddenLine xmlns="" xmlns:a14="http://schemas.microsoft.com/office/drawing/2010/main" w="9525">
+                  <a14:hiddenLine xmlns:a14="http://schemas.microsoft.com/office/drawing/2010/main" xmlns="" w="9525">
                     <a:solidFill>
                       <a:srgbClr val="000000"/>
                     </a:solidFill>
@@ -11060,7 +11264,7 @@
               </a:ln>
               <a:extLst>
                 <a:ext uri="{91240B29-F687-4f45-9708-019B960494DF}">
-                  <a14:hiddenLine xmlns="" xmlns:a14="http://schemas.microsoft.com/office/drawing/2010/main" w="9525">
+                  <a14:hiddenLine xmlns:a14="http://schemas.microsoft.com/office/drawing/2010/main" xmlns="" w="9525">
                     <a:solidFill>
                       <a:srgbClr val="000000"/>
                     </a:solidFill>
@@ -11150,7 +11354,7 @@
               </a:ln>
               <a:extLst>
                 <a:ext uri="{91240B29-F687-4f45-9708-019B960494DF}">
-                  <a14:hiddenLine xmlns="" xmlns:a14="http://schemas.microsoft.com/office/drawing/2010/main" w="9525">
+                  <a14:hiddenLine xmlns:a14="http://schemas.microsoft.com/office/drawing/2010/main" xmlns="" w="9525">
                     <a:solidFill>
                       <a:srgbClr val="000000"/>
                     </a:solidFill>
@@ -11240,7 +11444,7 @@
               </a:ln>
               <a:extLst>
                 <a:ext uri="{91240B29-F687-4f45-9708-019B960494DF}">
-                  <a14:hiddenLine xmlns="" xmlns:a14="http://schemas.microsoft.com/office/drawing/2010/main" w="9525">
+                  <a14:hiddenLine xmlns:a14="http://schemas.microsoft.com/office/drawing/2010/main" xmlns="" w="9525">
                     <a:solidFill>
                       <a:srgbClr val="000000"/>
                     </a:solidFill>
@@ -11305,7 +11509,7 @@
               </a:ln>
               <a:extLst>
                 <a:ext uri="{91240B29-F687-4f45-9708-019B960494DF}">
-                  <a14:hiddenLine xmlns="" xmlns:a14="http://schemas.microsoft.com/office/drawing/2010/main" w="9525">
+                  <a14:hiddenLine xmlns:a14="http://schemas.microsoft.com/office/drawing/2010/main" xmlns="" w="9525">
                     <a:solidFill>
                       <a:srgbClr val="000000"/>
                     </a:solidFill>
@@ -11425,7 +11629,7 @@
               </a:ln>
               <a:extLst>
                 <a:ext uri="{91240B29-F687-4f45-9708-019B960494DF}">
-                  <a14:hiddenLine xmlns="" xmlns:a14="http://schemas.microsoft.com/office/drawing/2010/main" w="9525">
+                  <a14:hiddenLine xmlns:a14="http://schemas.microsoft.com/office/drawing/2010/main" xmlns="" w="9525">
                     <a:solidFill>
                       <a:srgbClr val="000000"/>
                     </a:solidFill>
@@ -11523,7 +11727,7 @@
               </a:ln>
               <a:extLst>
                 <a:ext uri="{91240B29-F687-4f45-9708-019B960494DF}">
-                  <a14:hiddenLine xmlns="" xmlns:a14="http://schemas.microsoft.com/office/drawing/2010/main" w="9525">
+                  <a14:hiddenLine xmlns:a14="http://schemas.microsoft.com/office/drawing/2010/main" xmlns="" w="9525">
                     <a:solidFill>
                       <a:srgbClr val="000000"/>
                     </a:solidFill>
@@ -11638,7 +11842,7 @@
               </a:ln>
               <a:extLst>
                 <a:ext uri="{91240B29-F687-4f45-9708-019B960494DF}">
-                  <a14:hiddenLine xmlns="" xmlns:a14="http://schemas.microsoft.com/office/drawing/2010/main" w="9525">
+                  <a14:hiddenLine xmlns:a14="http://schemas.microsoft.com/office/drawing/2010/main" xmlns="" w="9525">
                     <a:solidFill>
                       <a:srgbClr val="000000"/>
                     </a:solidFill>
@@ -11728,7 +11932,7 @@
               </a:ln>
               <a:extLst>
                 <a:ext uri="{91240B29-F687-4f45-9708-019B960494DF}">
-                  <a14:hiddenLine xmlns="" xmlns:a14="http://schemas.microsoft.com/office/drawing/2010/main" w="9525">
+                  <a14:hiddenLine xmlns:a14="http://schemas.microsoft.com/office/drawing/2010/main" xmlns="" w="9525">
                     <a:solidFill>
                       <a:srgbClr val="000000"/>
                     </a:solidFill>
@@ -11793,7 +11997,7 @@
               </a:ln>
               <a:extLst>
                 <a:ext uri="{91240B29-F687-4f45-9708-019B960494DF}">
-                  <a14:hiddenLine xmlns="" xmlns:a14="http://schemas.microsoft.com/office/drawing/2010/main" w="9525">
+                  <a14:hiddenLine xmlns:a14="http://schemas.microsoft.com/office/drawing/2010/main" xmlns="" w="9525">
                     <a:solidFill>
                       <a:srgbClr val="000000"/>
                     </a:solidFill>
@@ -11883,7 +12087,7 @@
               </a:ln>
               <a:extLst>
                 <a:ext uri="{91240B29-F687-4f45-9708-019B960494DF}">
-                  <a14:hiddenLine xmlns="" xmlns:a14="http://schemas.microsoft.com/office/drawing/2010/main" w="9525">
+                  <a14:hiddenLine xmlns:a14="http://schemas.microsoft.com/office/drawing/2010/main" xmlns="" w="9525">
                     <a:solidFill>
                       <a:srgbClr val="000000"/>
                     </a:solidFill>
@@ -11951,7 +12155,7 @@
               </a:ln>
               <a:extLst>
                 <a:ext uri="{91240B29-F687-4f45-9708-019B960494DF}">
-                  <a14:hiddenLine xmlns="" xmlns:a14="http://schemas.microsoft.com/office/drawing/2010/main" w="9525">
+                  <a14:hiddenLine xmlns:a14="http://schemas.microsoft.com/office/drawing/2010/main" xmlns="" w="9525">
                     <a:solidFill>
                       <a:srgbClr val="000000"/>
                     </a:solidFill>
@@ -12041,7 +12245,7 @@
               </a:ln>
               <a:extLst>
                 <a:ext uri="{91240B29-F687-4f45-9708-019B960494DF}">
-                  <a14:hiddenLine xmlns="" xmlns:a14="http://schemas.microsoft.com/office/drawing/2010/main" w="9525">
+                  <a14:hiddenLine xmlns:a14="http://schemas.microsoft.com/office/drawing/2010/main" xmlns="" w="9525">
                     <a:solidFill>
                       <a:srgbClr val="000000"/>
                     </a:solidFill>
@@ -12109,7 +12313,7 @@
               </a:ln>
               <a:extLst>
                 <a:ext uri="{91240B29-F687-4f45-9708-019B960494DF}">
-                  <a14:hiddenLine xmlns="" xmlns:a14="http://schemas.microsoft.com/office/drawing/2010/main" w="9525">
+                  <a14:hiddenLine xmlns:a14="http://schemas.microsoft.com/office/drawing/2010/main" xmlns="" w="9525">
                     <a:solidFill>
                       <a:srgbClr val="000000"/>
                     </a:solidFill>
@@ -12199,7 +12403,7 @@
               </a:ln>
               <a:extLst>
                 <a:ext uri="{91240B29-F687-4f45-9708-019B960494DF}">
-                  <a14:hiddenLine xmlns="" xmlns:a14="http://schemas.microsoft.com/office/drawing/2010/main" w="9525">
+                  <a14:hiddenLine xmlns:a14="http://schemas.microsoft.com/office/drawing/2010/main" xmlns="" w="9525">
                     <a:solidFill>
                       <a:srgbClr val="000000"/>
                     </a:solidFill>
@@ -12233,7 +12437,7 @@
               </a:ln>
               <a:extLst>
                 <a:ext uri="{91240B29-F687-4f45-9708-019B960494DF}">
-                  <a14:hiddenLine xmlns="" xmlns:a14="http://schemas.microsoft.com/office/drawing/2010/main" w="9525">
+                  <a14:hiddenLine xmlns:a14="http://schemas.microsoft.com/office/drawing/2010/main" xmlns="" w="9525">
                     <a:solidFill>
                       <a:srgbClr val="000000"/>
                     </a:solidFill>
@@ -12373,7 +12577,7 @@
           <a:p>
             <a:fld id="{97D301C7-A48F-46B4-9988-324187293CA9}" type="datetime1">
               <a:rPr lang="en-US" smtClean="0"/>
-              <a:t>1/2/2021</a:t>
+              <a:t>1/3/2021</a:t>
             </a:fld>
             <a:endParaRPr lang="en-US"/>
           </a:p>
@@ -12484,6 +12688,18 @@
     <p:sldLayoutId id="2147483694" r:id="rId16"/>
     <p:sldLayoutId id="2147483695" r:id="rId17"/>
   </p:sldLayoutIdLst>
+  <mc:AlternateContent xmlns:mc="http://schemas.openxmlformats.org/markup-compatibility/2006">
+    <mc:Choice xmlns:p15="http://schemas.microsoft.com/office/powerpoint/2012/main" Requires="p15">
+      <p:transition xmlns:p14="http://schemas.microsoft.com/office/powerpoint/2010/main" spd="slow" p14:dur="1250">
+        <p15:prstTrans prst="peelOff"/>
+      </p:transition>
+    </mc:Choice>
+    <mc:Fallback>
+      <p:transition spd="slow">
+        <p:fade/>
+      </p:transition>
+    </mc:Fallback>
+  </mc:AlternateContent>
   <p:hf hdr="0" ftr="0" dt="0"/>
   <p:txStyles>
     <p:titleStyle>
@@ -13088,6 +13304,25 @@
   <p:clrMapOvr>
     <a:masterClrMapping/>
   </p:clrMapOvr>
+  <mc:AlternateContent xmlns:mc="http://schemas.openxmlformats.org/markup-compatibility/2006">
+    <mc:Choice xmlns:p15="http://schemas.microsoft.com/office/powerpoint/2012/main" Requires="p15">
+      <p:transition xmlns:p14="http://schemas.microsoft.com/office/powerpoint/2010/main" spd="slow" p14:dur="1250">
+        <p15:prstTrans prst="peelOff"/>
+      </p:transition>
+    </mc:Choice>
+    <mc:Fallback>
+      <p:transition spd="slow">
+        <p:fade/>
+      </p:transition>
+    </mc:Fallback>
+  </mc:AlternateContent>
+  <p:timing>
+    <p:tnLst>
+      <p:par>
+        <p:cTn id="1" dur="indefinite" restart="never" nodeType="tmRoot"/>
+      </p:par>
+    </p:tnLst>
+  </p:timing>
 </p:sld>
 </file>
 
@@ -13124,7 +13359,12 @@
             <p:ph type="title"/>
           </p:nvPr>
         </p:nvSpPr>
-        <p:spPr/>
+        <p:spPr>
+          <a:xfrm>
+            <a:off x="1141412" y="335183"/>
+            <a:ext cx="9905998" cy="1478570"/>
+          </a:xfrm>
+        </p:spPr>
         <p:txBody>
           <a:bodyPr/>
           <a:lstStyle/>
@@ -13220,6 +13460,25 @@
   <p:clrMapOvr>
     <a:masterClrMapping/>
   </p:clrMapOvr>
+  <mc:AlternateContent xmlns:mc="http://schemas.openxmlformats.org/markup-compatibility/2006">
+    <mc:Choice xmlns:p15="http://schemas.microsoft.com/office/powerpoint/2012/main" Requires="p15">
+      <p:transition xmlns:p14="http://schemas.microsoft.com/office/powerpoint/2010/main" spd="slow" p14:dur="1250">
+        <p15:prstTrans prst="peelOff"/>
+      </p:transition>
+    </mc:Choice>
+    <mc:Fallback>
+      <p:transition spd="slow">
+        <p:fade/>
+      </p:transition>
+    </mc:Fallback>
+  </mc:AlternateContent>
+  <p:timing>
+    <p:tnLst>
+      <p:par>
+        <p:cTn id="1" dur="indefinite" restart="never" nodeType="tmRoot"/>
+      </p:par>
+    </p:tnLst>
+  </p:timing>
 </p:sld>
 </file>
 
@@ -13286,14 +13545,14 @@
           <p:nvPr>
             <p:extLst>
               <p:ext uri="{D42A27DB-BD31-4B8C-83A1-F6EECF244321}">
-                <p14:modId xmlns:p14="http://schemas.microsoft.com/office/powerpoint/2010/main" val="4046382893"/>
+                <p14:modId xmlns:p14="http://schemas.microsoft.com/office/powerpoint/2010/main" val="2013818318"/>
               </p:ext>
             </p:extLst>
           </p:nvPr>
         </p:nvGraphicFramePr>
         <p:xfrm>
-          <a:off x="573207" y="1255594"/>
-          <a:ext cx="10686196" cy="4654389"/>
+          <a:off x="752902" y="1438156"/>
+          <a:ext cx="10686196" cy="4627680"/>
         </p:xfrm>
         <a:graphic>
           <a:graphicData uri="http://schemas.openxmlformats.org/drawingml/2006/table">
@@ -13360,6 +13619,42 @@
                     </a:p>
                   </a:txBody>
                   <a:tcPr>
+                    <a:lnL w="12700" cap="flat" cmpd="sng" algn="ctr">
+                      <a:solidFill>
+                        <a:schemeClr val="tx1"/>
+                      </a:solidFill>
+                      <a:prstDash val="solid"/>
+                      <a:round/>
+                      <a:headEnd type="none" w="med" len="med"/>
+                      <a:tailEnd type="none" w="med" len="med"/>
+                    </a:lnL>
+                    <a:lnR w="12700" cap="flat" cmpd="sng" algn="ctr">
+                      <a:solidFill>
+                        <a:schemeClr val="tx1"/>
+                      </a:solidFill>
+                      <a:prstDash val="solid"/>
+                      <a:round/>
+                      <a:headEnd type="none" w="med" len="med"/>
+                      <a:tailEnd type="none" w="med" len="med"/>
+                    </a:lnR>
+                    <a:lnT w="12700" cap="flat" cmpd="sng" algn="ctr">
+                      <a:solidFill>
+                        <a:schemeClr val="tx1"/>
+                      </a:solidFill>
+                      <a:prstDash val="solid"/>
+                      <a:round/>
+                      <a:headEnd type="none" w="med" len="med"/>
+                      <a:tailEnd type="none" w="med" len="med"/>
+                    </a:lnT>
+                    <a:lnB w="12700" cap="flat" cmpd="sng" algn="ctr">
+                      <a:solidFill>
+                        <a:schemeClr val="tx1"/>
+                      </a:solidFill>
+                      <a:prstDash val="solid"/>
+                      <a:round/>
+                      <a:headEnd type="none" w="med" len="med"/>
+                      <a:tailEnd type="none" w="med" len="med"/>
+                    </a:lnB>
                     <a:solidFill>
                       <a:schemeClr val="bg2">
                         <a:lumMod val="40000"/>
@@ -13382,6 +13677,42 @@
                     </a:p>
                   </a:txBody>
                   <a:tcPr>
+                    <a:lnL w="12700" cap="flat" cmpd="sng" algn="ctr">
+                      <a:solidFill>
+                        <a:schemeClr val="tx1"/>
+                      </a:solidFill>
+                      <a:prstDash val="solid"/>
+                      <a:round/>
+                      <a:headEnd type="none" w="med" len="med"/>
+                      <a:tailEnd type="none" w="med" len="med"/>
+                    </a:lnL>
+                    <a:lnR w="12700" cap="flat" cmpd="sng" algn="ctr">
+                      <a:solidFill>
+                        <a:schemeClr val="tx1"/>
+                      </a:solidFill>
+                      <a:prstDash val="solid"/>
+                      <a:round/>
+                      <a:headEnd type="none" w="med" len="med"/>
+                      <a:tailEnd type="none" w="med" len="med"/>
+                    </a:lnR>
+                    <a:lnT w="12700" cap="flat" cmpd="sng" algn="ctr">
+                      <a:solidFill>
+                        <a:schemeClr val="tx1"/>
+                      </a:solidFill>
+                      <a:prstDash val="solid"/>
+                      <a:round/>
+                      <a:headEnd type="none" w="med" len="med"/>
+                      <a:tailEnd type="none" w="med" len="med"/>
+                    </a:lnT>
+                    <a:lnB w="12700" cap="flat" cmpd="sng" algn="ctr">
+                      <a:solidFill>
+                        <a:schemeClr val="tx1"/>
+                      </a:solidFill>
+                      <a:prstDash val="solid"/>
+                      <a:round/>
+                      <a:headEnd type="none" w="med" len="med"/>
+                      <a:tailEnd type="none" w="med" len="med"/>
+                    </a:lnB>
                     <a:solidFill>
                       <a:schemeClr val="bg2">
                         <a:lumMod val="40000"/>
@@ -13404,6 +13735,42 @@
                     </a:p>
                   </a:txBody>
                   <a:tcPr>
+                    <a:lnL w="12700" cap="flat" cmpd="sng" algn="ctr">
+                      <a:solidFill>
+                        <a:schemeClr val="tx1"/>
+                      </a:solidFill>
+                      <a:prstDash val="solid"/>
+                      <a:round/>
+                      <a:headEnd type="none" w="med" len="med"/>
+                      <a:tailEnd type="none" w="med" len="med"/>
+                    </a:lnL>
+                    <a:lnR w="12700" cap="flat" cmpd="sng" algn="ctr">
+                      <a:solidFill>
+                        <a:schemeClr val="tx1"/>
+                      </a:solidFill>
+                      <a:prstDash val="solid"/>
+                      <a:round/>
+                      <a:headEnd type="none" w="med" len="med"/>
+                      <a:tailEnd type="none" w="med" len="med"/>
+                    </a:lnR>
+                    <a:lnT w="12700" cap="flat" cmpd="sng" algn="ctr">
+                      <a:solidFill>
+                        <a:schemeClr val="tx1"/>
+                      </a:solidFill>
+                      <a:prstDash val="solid"/>
+                      <a:round/>
+                      <a:headEnd type="none" w="med" len="med"/>
+                      <a:tailEnd type="none" w="med" len="med"/>
+                    </a:lnT>
+                    <a:lnB w="12700" cap="flat" cmpd="sng" algn="ctr">
+                      <a:solidFill>
+                        <a:schemeClr val="tx1"/>
+                      </a:solidFill>
+                      <a:prstDash val="solid"/>
+                      <a:round/>
+                      <a:headEnd type="none" w="med" len="med"/>
+                      <a:tailEnd type="none" w="med" len="med"/>
+                    </a:lnB>
                     <a:solidFill>
                       <a:schemeClr val="bg2">
                         <a:lumMod val="40000"/>
@@ -13426,6 +13793,42 @@
                     </a:p>
                   </a:txBody>
                   <a:tcPr>
+                    <a:lnL w="12700" cap="flat" cmpd="sng" algn="ctr">
+                      <a:solidFill>
+                        <a:schemeClr val="tx1"/>
+                      </a:solidFill>
+                      <a:prstDash val="solid"/>
+                      <a:round/>
+                      <a:headEnd type="none" w="med" len="med"/>
+                      <a:tailEnd type="none" w="med" len="med"/>
+                    </a:lnL>
+                    <a:lnR w="12700" cap="flat" cmpd="sng" algn="ctr">
+                      <a:solidFill>
+                        <a:schemeClr val="tx1"/>
+                      </a:solidFill>
+                      <a:prstDash val="solid"/>
+                      <a:round/>
+                      <a:headEnd type="none" w="med" len="med"/>
+                      <a:tailEnd type="none" w="med" len="med"/>
+                    </a:lnR>
+                    <a:lnT w="12700" cap="flat" cmpd="sng" algn="ctr">
+                      <a:solidFill>
+                        <a:schemeClr val="tx1"/>
+                      </a:solidFill>
+                      <a:prstDash val="solid"/>
+                      <a:round/>
+                      <a:headEnd type="none" w="med" len="med"/>
+                      <a:tailEnd type="none" w="med" len="med"/>
+                    </a:lnT>
+                    <a:lnB w="12700" cap="flat" cmpd="sng" algn="ctr">
+                      <a:solidFill>
+                        <a:schemeClr val="tx1"/>
+                      </a:solidFill>
+                      <a:prstDash val="solid"/>
+                      <a:round/>
+                      <a:headEnd type="none" w="med" len="med"/>
+                      <a:tailEnd type="none" w="med" len="med"/>
+                    </a:lnB>
                     <a:solidFill>
                       <a:schemeClr val="bg2">
                         <a:lumMod val="40000"/>
@@ -13448,6 +13851,42 @@
                     </a:p>
                   </a:txBody>
                   <a:tcPr>
+                    <a:lnL w="12700" cap="flat" cmpd="sng" algn="ctr">
+                      <a:solidFill>
+                        <a:schemeClr val="tx1"/>
+                      </a:solidFill>
+                      <a:prstDash val="solid"/>
+                      <a:round/>
+                      <a:headEnd type="none" w="med" len="med"/>
+                      <a:tailEnd type="none" w="med" len="med"/>
+                    </a:lnL>
+                    <a:lnR w="12700" cap="flat" cmpd="sng" algn="ctr">
+                      <a:solidFill>
+                        <a:schemeClr val="tx1"/>
+                      </a:solidFill>
+                      <a:prstDash val="solid"/>
+                      <a:round/>
+                      <a:headEnd type="none" w="med" len="med"/>
+                      <a:tailEnd type="none" w="med" len="med"/>
+                    </a:lnR>
+                    <a:lnT w="12700" cap="flat" cmpd="sng" algn="ctr">
+                      <a:solidFill>
+                        <a:schemeClr val="tx1"/>
+                      </a:solidFill>
+                      <a:prstDash val="solid"/>
+                      <a:round/>
+                      <a:headEnd type="none" w="med" len="med"/>
+                      <a:tailEnd type="none" w="med" len="med"/>
+                    </a:lnT>
+                    <a:lnB w="12700" cap="flat" cmpd="sng" algn="ctr">
+                      <a:solidFill>
+                        <a:schemeClr val="tx1"/>
+                      </a:solidFill>
+                      <a:prstDash val="solid"/>
+                      <a:round/>
+                      <a:headEnd type="none" w="med" len="med"/>
+                      <a:tailEnd type="none" w="med" len="med"/>
+                    </a:lnB>
                     <a:solidFill>
                       <a:schemeClr val="bg2">
                         <a:lumMod val="40000"/>
@@ -13470,6 +13909,42 @@
                     </a:p>
                   </a:txBody>
                   <a:tcPr>
+                    <a:lnL w="12700" cap="flat" cmpd="sng" algn="ctr">
+                      <a:solidFill>
+                        <a:schemeClr val="tx1"/>
+                      </a:solidFill>
+                      <a:prstDash val="solid"/>
+                      <a:round/>
+                      <a:headEnd type="none" w="med" len="med"/>
+                      <a:tailEnd type="none" w="med" len="med"/>
+                    </a:lnL>
+                    <a:lnR w="12700" cap="flat" cmpd="sng" algn="ctr">
+                      <a:solidFill>
+                        <a:schemeClr val="tx1"/>
+                      </a:solidFill>
+                      <a:prstDash val="solid"/>
+                      <a:round/>
+                      <a:headEnd type="none" w="med" len="med"/>
+                      <a:tailEnd type="none" w="med" len="med"/>
+                    </a:lnR>
+                    <a:lnT w="12700" cap="flat" cmpd="sng" algn="ctr">
+                      <a:solidFill>
+                        <a:schemeClr val="tx1"/>
+                      </a:solidFill>
+                      <a:prstDash val="solid"/>
+                      <a:round/>
+                      <a:headEnd type="none" w="med" len="med"/>
+                      <a:tailEnd type="none" w="med" len="med"/>
+                    </a:lnT>
+                    <a:lnB w="12700" cap="flat" cmpd="sng" algn="ctr">
+                      <a:solidFill>
+                        <a:schemeClr val="tx1"/>
+                      </a:solidFill>
+                      <a:prstDash val="solid"/>
+                      <a:round/>
+                      <a:headEnd type="none" w="med" len="med"/>
+                      <a:tailEnd type="none" w="med" len="med"/>
+                    </a:lnB>
                     <a:solidFill>
                       <a:schemeClr val="bg2">
                         <a:lumMod val="40000"/>
@@ -13498,7 +13973,44 @@
                       <a:endParaRPr lang="en-US" dirty="0"/>
                     </a:p>
                   </a:txBody>
-                  <a:tcPr/>
+                  <a:tcPr>
+                    <a:lnL w="12700" cap="flat" cmpd="sng" algn="ctr">
+                      <a:solidFill>
+                        <a:schemeClr val="tx1"/>
+                      </a:solidFill>
+                      <a:prstDash val="solid"/>
+                      <a:round/>
+                      <a:headEnd type="none" w="med" len="med"/>
+                      <a:tailEnd type="none" w="med" len="med"/>
+                    </a:lnL>
+                    <a:lnR w="12700" cap="flat" cmpd="sng" algn="ctr">
+                      <a:solidFill>
+                        <a:schemeClr val="tx1"/>
+                      </a:solidFill>
+                      <a:prstDash val="solid"/>
+                      <a:round/>
+                      <a:headEnd type="none" w="med" len="med"/>
+                      <a:tailEnd type="none" w="med" len="med"/>
+                    </a:lnR>
+                    <a:lnT w="12700" cap="flat" cmpd="sng" algn="ctr">
+                      <a:solidFill>
+                        <a:schemeClr val="tx1"/>
+                      </a:solidFill>
+                      <a:prstDash val="solid"/>
+                      <a:round/>
+                      <a:headEnd type="none" w="med" len="med"/>
+                      <a:tailEnd type="none" w="med" len="med"/>
+                    </a:lnT>
+                    <a:lnB w="12700" cap="flat" cmpd="sng" algn="ctr">
+                      <a:solidFill>
+                        <a:schemeClr val="tx1"/>
+                      </a:solidFill>
+                      <a:prstDash val="solid"/>
+                      <a:round/>
+                      <a:headEnd type="none" w="med" len="med"/>
+                      <a:tailEnd type="none" w="med" len="med"/>
+                    </a:lnB>
+                  </a:tcPr>
                 </a:tc>
                 <a:tc>
                   <a:txBody>
@@ -13511,7 +14023,44 @@
                       </a:r>
                     </a:p>
                   </a:txBody>
-                  <a:tcPr/>
+                  <a:tcPr>
+                    <a:lnL w="12700" cap="flat" cmpd="sng" algn="ctr">
+                      <a:solidFill>
+                        <a:schemeClr val="tx1"/>
+                      </a:solidFill>
+                      <a:prstDash val="solid"/>
+                      <a:round/>
+                      <a:headEnd type="none" w="med" len="med"/>
+                      <a:tailEnd type="none" w="med" len="med"/>
+                    </a:lnL>
+                    <a:lnR w="12700" cap="flat" cmpd="sng" algn="ctr">
+                      <a:solidFill>
+                        <a:schemeClr val="tx1"/>
+                      </a:solidFill>
+                      <a:prstDash val="solid"/>
+                      <a:round/>
+                      <a:headEnd type="none" w="med" len="med"/>
+                      <a:tailEnd type="none" w="med" len="med"/>
+                    </a:lnR>
+                    <a:lnT w="12700" cap="flat" cmpd="sng" algn="ctr">
+                      <a:solidFill>
+                        <a:schemeClr val="tx1"/>
+                      </a:solidFill>
+                      <a:prstDash val="solid"/>
+                      <a:round/>
+                      <a:headEnd type="none" w="med" len="med"/>
+                      <a:tailEnd type="none" w="med" len="med"/>
+                    </a:lnT>
+                    <a:lnB w="12700" cap="flat" cmpd="sng" algn="ctr">
+                      <a:solidFill>
+                        <a:schemeClr val="tx1"/>
+                      </a:solidFill>
+                      <a:prstDash val="solid"/>
+                      <a:round/>
+                      <a:headEnd type="none" w="med" len="med"/>
+                      <a:tailEnd type="none" w="med" len="med"/>
+                    </a:lnB>
+                  </a:tcPr>
                 </a:tc>
                 <a:tc>
                   <a:txBody>
@@ -13525,7 +14074,44 @@
                       <a:endParaRPr lang="en-US" dirty="0"/>
                     </a:p>
                   </a:txBody>
-                  <a:tcPr/>
+                  <a:tcPr>
+                    <a:lnL w="12700" cap="flat" cmpd="sng" algn="ctr">
+                      <a:solidFill>
+                        <a:schemeClr val="tx1"/>
+                      </a:solidFill>
+                      <a:prstDash val="solid"/>
+                      <a:round/>
+                      <a:headEnd type="none" w="med" len="med"/>
+                      <a:tailEnd type="none" w="med" len="med"/>
+                    </a:lnL>
+                    <a:lnR w="12700" cap="flat" cmpd="sng" algn="ctr">
+                      <a:solidFill>
+                        <a:schemeClr val="tx1"/>
+                      </a:solidFill>
+                      <a:prstDash val="solid"/>
+                      <a:round/>
+                      <a:headEnd type="none" w="med" len="med"/>
+                      <a:tailEnd type="none" w="med" len="med"/>
+                    </a:lnR>
+                    <a:lnT w="12700" cap="flat" cmpd="sng" algn="ctr">
+                      <a:solidFill>
+                        <a:schemeClr val="tx1"/>
+                      </a:solidFill>
+                      <a:prstDash val="solid"/>
+                      <a:round/>
+                      <a:headEnd type="none" w="med" len="med"/>
+                      <a:tailEnd type="none" w="med" len="med"/>
+                    </a:lnT>
+                    <a:lnB w="12700" cap="flat" cmpd="sng" algn="ctr">
+                      <a:solidFill>
+                        <a:schemeClr val="tx1"/>
+                      </a:solidFill>
+                      <a:prstDash val="solid"/>
+                      <a:round/>
+                      <a:headEnd type="none" w="med" len="med"/>
+                      <a:tailEnd type="none" w="med" len="med"/>
+                    </a:lnB>
+                  </a:tcPr>
                 </a:tc>
                 <a:tc>
                   <a:txBody>
@@ -13539,7 +14125,44 @@
                       <a:endParaRPr lang="en-US" dirty="0"/>
                     </a:p>
                   </a:txBody>
-                  <a:tcPr/>
+                  <a:tcPr>
+                    <a:lnL w="12700" cap="flat" cmpd="sng" algn="ctr">
+                      <a:solidFill>
+                        <a:schemeClr val="tx1"/>
+                      </a:solidFill>
+                      <a:prstDash val="solid"/>
+                      <a:round/>
+                      <a:headEnd type="none" w="med" len="med"/>
+                      <a:tailEnd type="none" w="med" len="med"/>
+                    </a:lnL>
+                    <a:lnR w="12700" cap="flat" cmpd="sng" algn="ctr">
+                      <a:solidFill>
+                        <a:schemeClr val="tx1"/>
+                      </a:solidFill>
+                      <a:prstDash val="solid"/>
+                      <a:round/>
+                      <a:headEnd type="none" w="med" len="med"/>
+                      <a:tailEnd type="none" w="med" len="med"/>
+                    </a:lnR>
+                    <a:lnT w="12700" cap="flat" cmpd="sng" algn="ctr">
+                      <a:solidFill>
+                        <a:schemeClr val="tx1"/>
+                      </a:solidFill>
+                      <a:prstDash val="solid"/>
+                      <a:round/>
+                      <a:headEnd type="none" w="med" len="med"/>
+                      <a:tailEnd type="none" w="med" len="med"/>
+                    </a:lnT>
+                    <a:lnB w="12700" cap="flat" cmpd="sng" algn="ctr">
+                      <a:solidFill>
+                        <a:schemeClr val="tx1"/>
+                      </a:solidFill>
+                      <a:prstDash val="solid"/>
+                      <a:round/>
+                      <a:headEnd type="none" w="med" len="med"/>
+                      <a:tailEnd type="none" w="med" len="med"/>
+                    </a:lnB>
+                  </a:tcPr>
                 </a:tc>
                 <a:tc>
                   <a:txBody>
@@ -13549,7 +14172,44 @@
                       <a:endParaRPr lang="en-US" dirty="0"/>
                     </a:p>
                   </a:txBody>
-                  <a:tcPr/>
+                  <a:tcPr>
+                    <a:lnL w="12700" cap="flat" cmpd="sng" algn="ctr">
+                      <a:solidFill>
+                        <a:schemeClr val="tx1"/>
+                      </a:solidFill>
+                      <a:prstDash val="solid"/>
+                      <a:round/>
+                      <a:headEnd type="none" w="med" len="med"/>
+                      <a:tailEnd type="none" w="med" len="med"/>
+                    </a:lnL>
+                    <a:lnR w="12700" cap="flat" cmpd="sng" algn="ctr">
+                      <a:solidFill>
+                        <a:schemeClr val="tx1"/>
+                      </a:solidFill>
+                      <a:prstDash val="solid"/>
+                      <a:round/>
+                      <a:headEnd type="none" w="med" len="med"/>
+                      <a:tailEnd type="none" w="med" len="med"/>
+                    </a:lnR>
+                    <a:lnT w="12700" cap="flat" cmpd="sng" algn="ctr">
+                      <a:solidFill>
+                        <a:schemeClr val="tx1"/>
+                      </a:solidFill>
+                      <a:prstDash val="solid"/>
+                      <a:round/>
+                      <a:headEnd type="none" w="med" len="med"/>
+                      <a:tailEnd type="none" w="med" len="med"/>
+                    </a:lnT>
+                    <a:lnB w="12700" cap="flat" cmpd="sng" algn="ctr">
+                      <a:solidFill>
+                        <a:schemeClr val="tx1"/>
+                      </a:solidFill>
+                      <a:prstDash val="solid"/>
+                      <a:round/>
+                      <a:headEnd type="none" w="med" len="med"/>
+                      <a:tailEnd type="none" w="med" len="med"/>
+                    </a:lnB>
+                  </a:tcPr>
                 </a:tc>
                 <a:tc>
                   <a:txBody>
@@ -13557,12 +14217,52 @@
                     <a:lstStyle/>
                     <a:p>
                       <a:r>
-                        <a:rPr lang="en-US" dirty="0"/>
-                        <a:t>https://electricdiylab.com/how-to-make-arduino-mini-cnc-plotter-machine/</a:t>
+                        <a:rPr lang="en-US" dirty="0" smtClean="0">
+                          <a:hlinkClick r:id="rId2"/>
+                        </a:rPr>
+                        <a:t>Click here</a:t>
                       </a:r>
+                      <a:endParaRPr lang="en-US" dirty="0"/>
                     </a:p>
                   </a:txBody>
-                  <a:tcPr/>
+                  <a:tcPr>
+                    <a:lnL w="12700" cap="flat" cmpd="sng" algn="ctr">
+                      <a:solidFill>
+                        <a:schemeClr val="tx1"/>
+                      </a:solidFill>
+                      <a:prstDash val="solid"/>
+                      <a:round/>
+                      <a:headEnd type="none" w="med" len="med"/>
+                      <a:tailEnd type="none" w="med" len="med"/>
+                    </a:lnL>
+                    <a:lnR w="12700" cap="flat" cmpd="sng" algn="ctr">
+                      <a:solidFill>
+                        <a:schemeClr val="tx1"/>
+                      </a:solidFill>
+                      <a:prstDash val="solid"/>
+                      <a:round/>
+                      <a:headEnd type="none" w="med" len="med"/>
+                      <a:tailEnd type="none" w="med" len="med"/>
+                    </a:lnR>
+                    <a:lnT w="12700" cap="flat" cmpd="sng" algn="ctr">
+                      <a:solidFill>
+                        <a:schemeClr val="tx1"/>
+                      </a:solidFill>
+                      <a:prstDash val="solid"/>
+                      <a:round/>
+                      <a:headEnd type="none" w="med" len="med"/>
+                      <a:tailEnd type="none" w="med" len="med"/>
+                    </a:lnT>
+                    <a:lnB w="12700" cap="flat" cmpd="sng" algn="ctr">
+                      <a:solidFill>
+                        <a:schemeClr val="tx1"/>
+                      </a:solidFill>
+                      <a:prstDash val="solid"/>
+                      <a:round/>
+                      <a:headEnd type="none" w="med" len="med"/>
+                      <a:tailEnd type="none" w="med" len="med"/>
+                    </a:lnB>
+                  </a:tcPr>
                 </a:tc>
                 <a:extLst>
                   <a:ext uri="{0D108BD9-81ED-4DB2-BD59-A6C34878D82A}">
@@ -13584,7 +14284,44 @@
                       <a:endParaRPr lang="en-US" dirty="0"/>
                     </a:p>
                   </a:txBody>
-                  <a:tcPr/>
+                  <a:tcPr>
+                    <a:lnL w="12700" cap="flat" cmpd="sng" algn="ctr">
+                      <a:solidFill>
+                        <a:schemeClr val="tx1"/>
+                      </a:solidFill>
+                      <a:prstDash val="solid"/>
+                      <a:round/>
+                      <a:headEnd type="none" w="med" len="med"/>
+                      <a:tailEnd type="none" w="med" len="med"/>
+                    </a:lnL>
+                    <a:lnR w="12700" cap="flat" cmpd="sng" algn="ctr">
+                      <a:solidFill>
+                        <a:schemeClr val="tx1"/>
+                      </a:solidFill>
+                      <a:prstDash val="solid"/>
+                      <a:round/>
+                      <a:headEnd type="none" w="med" len="med"/>
+                      <a:tailEnd type="none" w="med" len="med"/>
+                    </a:lnR>
+                    <a:lnT w="12700" cap="flat" cmpd="sng" algn="ctr">
+                      <a:solidFill>
+                        <a:schemeClr val="tx1"/>
+                      </a:solidFill>
+                      <a:prstDash val="solid"/>
+                      <a:round/>
+                      <a:headEnd type="none" w="med" len="med"/>
+                      <a:tailEnd type="none" w="med" len="med"/>
+                    </a:lnT>
+                    <a:lnB w="12700" cap="flat" cmpd="sng" algn="ctr">
+                      <a:solidFill>
+                        <a:schemeClr val="tx1"/>
+                      </a:solidFill>
+                      <a:prstDash val="solid"/>
+                      <a:round/>
+                      <a:headEnd type="none" w="med" len="med"/>
+                      <a:tailEnd type="none" w="med" len="med"/>
+                    </a:lnB>
+                  </a:tcPr>
                 </a:tc>
                 <a:tc>
                   <a:txBody>
@@ -13617,7 +14354,44 @@
                       <a:endParaRPr lang="en-US" dirty="0"/>
                     </a:p>
                   </a:txBody>
-                  <a:tcPr/>
+                  <a:tcPr>
+                    <a:lnL w="12700" cap="flat" cmpd="sng" algn="ctr">
+                      <a:solidFill>
+                        <a:schemeClr val="tx1"/>
+                      </a:solidFill>
+                      <a:prstDash val="solid"/>
+                      <a:round/>
+                      <a:headEnd type="none" w="med" len="med"/>
+                      <a:tailEnd type="none" w="med" len="med"/>
+                    </a:lnL>
+                    <a:lnR w="12700" cap="flat" cmpd="sng" algn="ctr">
+                      <a:solidFill>
+                        <a:schemeClr val="tx1"/>
+                      </a:solidFill>
+                      <a:prstDash val="solid"/>
+                      <a:round/>
+                      <a:headEnd type="none" w="med" len="med"/>
+                      <a:tailEnd type="none" w="med" len="med"/>
+                    </a:lnR>
+                    <a:lnT w="12700" cap="flat" cmpd="sng" algn="ctr">
+                      <a:solidFill>
+                        <a:schemeClr val="tx1"/>
+                      </a:solidFill>
+                      <a:prstDash val="solid"/>
+                      <a:round/>
+                      <a:headEnd type="none" w="med" len="med"/>
+                      <a:tailEnd type="none" w="med" len="med"/>
+                    </a:lnT>
+                    <a:lnB w="12700" cap="flat" cmpd="sng" algn="ctr">
+                      <a:solidFill>
+                        <a:schemeClr val="tx1"/>
+                      </a:solidFill>
+                      <a:prstDash val="solid"/>
+                      <a:round/>
+                      <a:headEnd type="none" w="med" len="med"/>
+                      <a:tailEnd type="none" w="med" len="med"/>
+                    </a:lnB>
+                  </a:tcPr>
                 </a:tc>
                 <a:tc>
                   <a:txBody>
@@ -13631,7 +14405,44 @@
                       <a:endParaRPr lang="en-US" dirty="0"/>
                     </a:p>
                   </a:txBody>
-                  <a:tcPr/>
+                  <a:tcPr>
+                    <a:lnL w="12700" cap="flat" cmpd="sng" algn="ctr">
+                      <a:solidFill>
+                        <a:schemeClr val="tx1"/>
+                      </a:solidFill>
+                      <a:prstDash val="solid"/>
+                      <a:round/>
+                      <a:headEnd type="none" w="med" len="med"/>
+                      <a:tailEnd type="none" w="med" len="med"/>
+                    </a:lnL>
+                    <a:lnR w="12700" cap="flat" cmpd="sng" algn="ctr">
+                      <a:solidFill>
+                        <a:schemeClr val="tx1"/>
+                      </a:solidFill>
+                      <a:prstDash val="solid"/>
+                      <a:round/>
+                      <a:headEnd type="none" w="med" len="med"/>
+                      <a:tailEnd type="none" w="med" len="med"/>
+                    </a:lnR>
+                    <a:lnT w="12700" cap="flat" cmpd="sng" algn="ctr">
+                      <a:solidFill>
+                        <a:schemeClr val="tx1"/>
+                      </a:solidFill>
+                      <a:prstDash val="solid"/>
+                      <a:round/>
+                      <a:headEnd type="none" w="med" len="med"/>
+                      <a:tailEnd type="none" w="med" len="med"/>
+                    </a:lnT>
+                    <a:lnB w="12700" cap="flat" cmpd="sng" algn="ctr">
+                      <a:solidFill>
+                        <a:schemeClr val="tx1"/>
+                      </a:solidFill>
+                      <a:prstDash val="solid"/>
+                      <a:round/>
+                      <a:headEnd type="none" w="med" len="med"/>
+                      <a:tailEnd type="none" w="med" len="med"/>
+                    </a:lnB>
+                  </a:tcPr>
                 </a:tc>
                 <a:tc>
                   <a:txBody>
@@ -13645,7 +14456,44 @@
                       <a:endParaRPr lang="en-US" dirty="0"/>
                     </a:p>
                   </a:txBody>
-                  <a:tcPr/>
+                  <a:tcPr>
+                    <a:lnL w="12700" cap="flat" cmpd="sng" algn="ctr">
+                      <a:solidFill>
+                        <a:schemeClr val="tx1"/>
+                      </a:solidFill>
+                      <a:prstDash val="solid"/>
+                      <a:round/>
+                      <a:headEnd type="none" w="med" len="med"/>
+                      <a:tailEnd type="none" w="med" len="med"/>
+                    </a:lnL>
+                    <a:lnR w="12700" cap="flat" cmpd="sng" algn="ctr">
+                      <a:solidFill>
+                        <a:schemeClr val="tx1"/>
+                      </a:solidFill>
+                      <a:prstDash val="solid"/>
+                      <a:round/>
+                      <a:headEnd type="none" w="med" len="med"/>
+                      <a:tailEnd type="none" w="med" len="med"/>
+                    </a:lnR>
+                    <a:lnT w="12700" cap="flat" cmpd="sng" algn="ctr">
+                      <a:solidFill>
+                        <a:schemeClr val="tx1"/>
+                      </a:solidFill>
+                      <a:prstDash val="solid"/>
+                      <a:round/>
+                      <a:headEnd type="none" w="med" len="med"/>
+                      <a:tailEnd type="none" w="med" len="med"/>
+                    </a:lnT>
+                    <a:lnB w="12700" cap="flat" cmpd="sng" algn="ctr">
+                      <a:solidFill>
+                        <a:schemeClr val="tx1"/>
+                      </a:solidFill>
+                      <a:prstDash val="solid"/>
+                      <a:round/>
+                      <a:headEnd type="none" w="med" len="med"/>
+                      <a:tailEnd type="none" w="med" len="med"/>
+                    </a:lnB>
+                  </a:tcPr>
                 </a:tc>
                 <a:tc>
                   <a:txBody>
@@ -13655,7 +14503,44 @@
                       <a:endParaRPr lang="en-US" dirty="0"/>
                     </a:p>
                   </a:txBody>
-                  <a:tcPr/>
+                  <a:tcPr>
+                    <a:lnL w="12700" cap="flat" cmpd="sng" algn="ctr">
+                      <a:solidFill>
+                        <a:schemeClr val="tx1"/>
+                      </a:solidFill>
+                      <a:prstDash val="solid"/>
+                      <a:round/>
+                      <a:headEnd type="none" w="med" len="med"/>
+                      <a:tailEnd type="none" w="med" len="med"/>
+                    </a:lnL>
+                    <a:lnR w="12700" cap="flat" cmpd="sng" algn="ctr">
+                      <a:solidFill>
+                        <a:schemeClr val="tx1"/>
+                      </a:solidFill>
+                      <a:prstDash val="solid"/>
+                      <a:round/>
+                      <a:headEnd type="none" w="med" len="med"/>
+                      <a:tailEnd type="none" w="med" len="med"/>
+                    </a:lnR>
+                    <a:lnT w="12700" cap="flat" cmpd="sng" algn="ctr">
+                      <a:solidFill>
+                        <a:schemeClr val="tx1"/>
+                      </a:solidFill>
+                      <a:prstDash val="solid"/>
+                      <a:round/>
+                      <a:headEnd type="none" w="med" len="med"/>
+                      <a:tailEnd type="none" w="med" len="med"/>
+                    </a:lnT>
+                    <a:lnB w="12700" cap="flat" cmpd="sng" algn="ctr">
+                      <a:solidFill>
+                        <a:schemeClr val="tx1"/>
+                      </a:solidFill>
+                      <a:prstDash val="solid"/>
+                      <a:round/>
+                      <a:headEnd type="none" w="med" len="med"/>
+                      <a:tailEnd type="none" w="med" len="med"/>
+                    </a:lnB>
+                  </a:tcPr>
                 </a:tc>
                 <a:tc>
                   <a:txBody>
@@ -13663,12 +14548,52 @@
                     <a:lstStyle/>
                     <a:p>
                       <a:r>
-                        <a:rPr lang="en-US" dirty="0"/>
-                        <a:t>https://lastminuteengineers.com/a4988-stepper-motor-driver-arduino-tutorial/</a:t>
+                        <a:rPr lang="en-US" dirty="0" smtClean="0">
+                          <a:hlinkClick r:id="rId3"/>
+                        </a:rPr>
+                        <a:t>Click here</a:t>
                       </a:r>
+                      <a:endParaRPr lang="en-US" dirty="0"/>
                     </a:p>
                   </a:txBody>
-                  <a:tcPr/>
+                  <a:tcPr>
+                    <a:lnL w="12700" cap="flat" cmpd="sng" algn="ctr">
+                      <a:solidFill>
+                        <a:schemeClr val="tx1"/>
+                      </a:solidFill>
+                      <a:prstDash val="solid"/>
+                      <a:round/>
+                      <a:headEnd type="none" w="med" len="med"/>
+                      <a:tailEnd type="none" w="med" len="med"/>
+                    </a:lnL>
+                    <a:lnR w="12700" cap="flat" cmpd="sng" algn="ctr">
+                      <a:solidFill>
+                        <a:schemeClr val="tx1"/>
+                      </a:solidFill>
+                      <a:prstDash val="solid"/>
+                      <a:round/>
+                      <a:headEnd type="none" w="med" len="med"/>
+                      <a:tailEnd type="none" w="med" len="med"/>
+                    </a:lnR>
+                    <a:lnT w="12700" cap="flat" cmpd="sng" algn="ctr">
+                      <a:solidFill>
+                        <a:schemeClr val="tx1"/>
+                      </a:solidFill>
+                      <a:prstDash val="solid"/>
+                      <a:round/>
+                      <a:headEnd type="none" w="med" len="med"/>
+                      <a:tailEnd type="none" w="med" len="med"/>
+                    </a:lnT>
+                    <a:lnB w="12700" cap="flat" cmpd="sng" algn="ctr">
+                      <a:solidFill>
+                        <a:schemeClr val="tx1"/>
+                      </a:solidFill>
+                      <a:prstDash val="solid"/>
+                      <a:round/>
+                      <a:headEnd type="none" w="med" len="med"/>
+                      <a:tailEnd type="none" w="med" len="med"/>
+                    </a:lnB>
+                  </a:tcPr>
                 </a:tc>
                 <a:extLst>
                   <a:ext uri="{0D108BD9-81ED-4DB2-BD59-A6C34878D82A}">
@@ -13694,7 +14619,7 @@
         </p:nvSpPr>
         <p:spPr>
           <a:xfrm>
-            <a:off x="4161429" y="669999"/>
+            <a:off x="4058398" y="579846"/>
             <a:ext cx="3869142" cy="461665"/>
           </a:xfrm>
           <a:prstGeom prst="rect">
@@ -13727,6 +14652,25 @@
   <p:clrMapOvr>
     <a:masterClrMapping/>
   </p:clrMapOvr>
+  <mc:AlternateContent xmlns:mc="http://schemas.openxmlformats.org/markup-compatibility/2006">
+    <mc:Choice xmlns:p15="http://schemas.microsoft.com/office/powerpoint/2012/main" Requires="p15">
+      <p:transition xmlns:p14="http://schemas.microsoft.com/office/powerpoint/2010/main" spd="slow" p14:dur="1250">
+        <p15:prstTrans prst="peelOff"/>
+      </p:transition>
+    </mc:Choice>
+    <mc:Fallback>
+      <p:transition spd="slow">
+        <p:fade/>
+      </p:transition>
+    </mc:Fallback>
+  </mc:AlternateContent>
+  <p:timing>
+    <p:tnLst>
+      <p:par>
+        <p:cTn id="1" dur="indefinite" restart="never" nodeType="tmRoot"/>
+      </p:par>
+    </p:tnLst>
+  </p:timing>
 </p:sld>
 </file>
 
@@ -13762,14 +14706,14 @@
           <p:nvPr>
             <p:extLst>
               <p:ext uri="{D42A27DB-BD31-4B8C-83A1-F6EECF244321}">
-                <p14:modId xmlns:p14="http://schemas.microsoft.com/office/powerpoint/2010/main" val="2414766503"/>
+                <p14:modId xmlns:p14="http://schemas.microsoft.com/office/powerpoint/2010/main" val="3742573042"/>
               </p:ext>
             </p:extLst>
           </p:nvPr>
         </p:nvGraphicFramePr>
         <p:xfrm>
-          <a:off x="752902" y="137994"/>
-          <a:ext cx="10686196" cy="6684767"/>
+          <a:off x="921301" y="933620"/>
+          <a:ext cx="10610850" cy="5072940"/>
         </p:xfrm>
         <a:graphic>
           <a:graphicData uri="http://schemas.openxmlformats.org/drawingml/2006/table">
@@ -13778,42 +14722,42 @@
                 <a:tableStyleId>{0660B408-B3CF-4A94-85FC-2B1E0A45F4A2}</a:tableStyleId>
               </a:tblPr>
               <a:tblGrid>
-                <a:gridCol w="627796">
+                <a:gridCol w="623369">
                   <a:extLst>
                     <a:ext uri="{9D8B030D-6E8A-4147-A177-3AD203B41FA5}">
                       <a16:colId xmlns:a16="http://schemas.microsoft.com/office/drawing/2014/main" val="1754224045"/>
                     </a:ext>
                   </a:extLst>
                 </a:gridCol>
-                <a:gridCol w="2413054">
+                <a:gridCol w="2396040">
                   <a:extLst>
                     <a:ext uri="{9D8B030D-6E8A-4147-A177-3AD203B41FA5}">
                       <a16:colId xmlns:a16="http://schemas.microsoft.com/office/drawing/2014/main" val="2385718090"/>
                     </a:ext>
                   </a:extLst>
                 </a:gridCol>
-                <a:gridCol w="1845047">
+                <a:gridCol w="1832038">
                   <a:extLst>
                     <a:ext uri="{9D8B030D-6E8A-4147-A177-3AD203B41FA5}">
                       <a16:colId xmlns:a16="http://schemas.microsoft.com/office/drawing/2014/main" val="866317953"/>
                     </a:ext>
                   </a:extLst>
                 </a:gridCol>
-                <a:gridCol w="2101756">
+                <a:gridCol w="2086937">
                   <a:extLst>
                     <a:ext uri="{9D8B030D-6E8A-4147-A177-3AD203B41FA5}">
                       <a16:colId xmlns:a16="http://schemas.microsoft.com/office/drawing/2014/main" val="488851140"/>
                     </a:ext>
                   </a:extLst>
                 </a:gridCol>
-                <a:gridCol w="1932335">
+                <a:gridCol w="1918711">
                   <a:extLst>
                     <a:ext uri="{9D8B030D-6E8A-4147-A177-3AD203B41FA5}">
                       <a16:colId xmlns:a16="http://schemas.microsoft.com/office/drawing/2014/main" val="4193998565"/>
                     </a:ext>
                   </a:extLst>
                 </a:gridCol>
-                <a:gridCol w="1766208">
+                <a:gridCol w="1753755">
                   <a:extLst>
                     <a:ext uri="{9D8B030D-6E8A-4147-A177-3AD203B41FA5}">
                       <a16:colId xmlns:a16="http://schemas.microsoft.com/office/drawing/2014/main" val="769414471"/>
@@ -13821,146 +14765,7 @@
                   </a:extLst>
                 </a:gridCol>
               </a:tblGrid>
-              <a:tr h="649727">
-                <a:tc>
-                  <a:txBody>
-                    <a:bodyPr/>
-                    <a:lstStyle/>
-                    <a:p>
-                      <a:pPr algn="ctr"/>
-                      <a:r>
-                        <a:rPr lang="en-IN" dirty="0"/>
-                        <a:t>S. No.</a:t>
-                      </a:r>
-                      <a:endParaRPr lang="en-US" dirty="0"/>
-                    </a:p>
-                  </a:txBody>
-                  <a:tcPr>
-                    <a:solidFill>
-                      <a:schemeClr val="bg2">
-                        <a:lumMod val="40000"/>
-                        <a:lumOff val="60000"/>
-                      </a:schemeClr>
-                    </a:solidFill>
-                  </a:tcPr>
-                </a:tc>
-                <a:tc>
-                  <a:txBody>
-                    <a:bodyPr/>
-                    <a:lstStyle/>
-                    <a:p>
-                      <a:pPr algn="ctr"/>
-                      <a:r>
-                        <a:rPr lang="en-IN" dirty="0"/>
-                        <a:t>TITLE OF THE JOURNAL</a:t>
-                      </a:r>
-                      <a:endParaRPr lang="en-US" dirty="0"/>
-                    </a:p>
-                  </a:txBody>
-                  <a:tcPr>
-                    <a:solidFill>
-                      <a:schemeClr val="bg2">
-                        <a:lumMod val="40000"/>
-                        <a:lumOff val="60000"/>
-                      </a:schemeClr>
-                    </a:solidFill>
-                  </a:tcPr>
-                </a:tc>
-                <a:tc>
-                  <a:txBody>
-                    <a:bodyPr/>
-                    <a:lstStyle/>
-                    <a:p>
-                      <a:pPr algn="ctr"/>
-                      <a:r>
-                        <a:rPr lang="en-IN" dirty="0"/>
-                        <a:t>NAME OF THE AUTHOR</a:t>
-                      </a:r>
-                      <a:endParaRPr lang="en-US" dirty="0"/>
-                    </a:p>
-                  </a:txBody>
-                  <a:tcPr>
-                    <a:solidFill>
-                      <a:schemeClr val="bg2">
-                        <a:lumMod val="40000"/>
-                        <a:lumOff val="60000"/>
-                      </a:schemeClr>
-                    </a:solidFill>
-                  </a:tcPr>
-                </a:tc>
-                <a:tc>
-                  <a:txBody>
-                    <a:bodyPr/>
-                    <a:lstStyle/>
-                    <a:p>
-                      <a:pPr algn="ctr"/>
-                      <a:r>
-                        <a:rPr lang="en-IN" dirty="0"/>
-                        <a:t>YEAR OF PUBLICATION</a:t>
-                      </a:r>
-                      <a:endParaRPr lang="en-US" dirty="0"/>
-                    </a:p>
-                  </a:txBody>
-                  <a:tcPr>
-                    <a:solidFill>
-                      <a:schemeClr val="bg2">
-                        <a:lumMod val="40000"/>
-                        <a:lumOff val="60000"/>
-                      </a:schemeClr>
-                    </a:solidFill>
-                  </a:tcPr>
-                </a:tc>
-                <a:tc>
-                  <a:txBody>
-                    <a:bodyPr/>
-                    <a:lstStyle/>
-                    <a:p>
-                      <a:pPr algn="ctr"/>
-                      <a:r>
-                        <a:rPr lang="en-IN" dirty="0"/>
-                        <a:t>INFEREFENCE</a:t>
-                      </a:r>
-                      <a:endParaRPr lang="en-US" dirty="0"/>
-                    </a:p>
-                  </a:txBody>
-                  <a:tcPr>
-                    <a:solidFill>
-                      <a:schemeClr val="bg2">
-                        <a:lumMod val="40000"/>
-                        <a:lumOff val="60000"/>
-                      </a:schemeClr>
-                    </a:solidFill>
-                  </a:tcPr>
-                </a:tc>
-                <a:tc>
-                  <a:txBody>
-                    <a:bodyPr/>
-                    <a:lstStyle/>
-                    <a:p>
-                      <a:pPr algn="ctr"/>
-                      <a:r>
-                        <a:rPr lang="en-IN" dirty="0"/>
-                        <a:t>URL</a:t>
-                      </a:r>
-                      <a:endParaRPr lang="en-US" dirty="0"/>
-                    </a:p>
-                  </a:txBody>
-                  <a:tcPr>
-                    <a:solidFill>
-                      <a:schemeClr val="bg2">
-                        <a:lumMod val="40000"/>
-                        <a:lumOff val="60000"/>
-                      </a:schemeClr>
-                    </a:solidFill>
-                  </a:tcPr>
-                </a:tc>
-                <a:extLst>
-                  <a:ext uri="{0D108BD9-81ED-4DB2-BD59-A6C34878D82A}">
-                    <a16:rowId xmlns:a16="http://schemas.microsoft.com/office/drawing/2014/main" val="3277988775"/>
-                  </a:ext>
-                </a:extLst>
-              </a:tr>
-              <a:tr h="1992982">
+              <a:tr h="1577760">
                 <a:tc>
                   <a:txBody>
                     <a:bodyPr/>
@@ -13968,13 +14773,69 @@
                     <a:p>
                       <a:pPr algn="r"/>
                       <a:r>
-                        <a:rPr lang="en-IN" dirty="0"/>
+                        <a:rPr lang="en-IN" b="0" dirty="0">
+                          <a:solidFill>
+                            <a:schemeClr val="bg1"/>
+                          </a:solidFill>
+                        </a:rPr>
                         <a:t>3.</a:t>
                       </a:r>
-                      <a:endParaRPr lang="en-US" dirty="0"/>
+                      <a:endParaRPr lang="en-US" b="0" dirty="0">
+                        <a:solidFill>
+                          <a:schemeClr val="bg1"/>
+                        </a:solidFill>
+                      </a:endParaRPr>
                     </a:p>
                   </a:txBody>
-                  <a:tcPr/>
+                  <a:tcPr>
+                    <a:lnL w="12700" cap="flat" cmpd="sng" algn="ctr">
+                      <a:solidFill>
+                        <a:schemeClr val="tx1"/>
+                      </a:solidFill>
+                      <a:prstDash val="solid"/>
+                      <a:round/>
+                      <a:headEnd type="none" w="med" len="med"/>
+                      <a:tailEnd type="none" w="med" len="med"/>
+                    </a:lnL>
+                    <a:lnR w="12700" cap="flat" cmpd="sng" algn="ctr">
+                      <a:solidFill>
+                        <a:schemeClr val="tx1"/>
+                      </a:solidFill>
+                      <a:prstDash val="solid"/>
+                      <a:round/>
+                      <a:headEnd type="none" w="med" len="med"/>
+                      <a:tailEnd type="none" w="med" len="med"/>
+                    </a:lnR>
+                    <a:lnT w="12700" cap="flat" cmpd="sng" algn="ctr">
+                      <a:solidFill>
+                        <a:schemeClr val="tx1"/>
+                      </a:solidFill>
+                      <a:prstDash val="solid"/>
+                      <a:round/>
+                      <a:headEnd type="none" w="med" len="med"/>
+                      <a:tailEnd type="none" w="med" len="med"/>
+                    </a:lnT>
+                    <a:lnB w="12700" cap="flat" cmpd="sng" algn="ctr">
+                      <a:solidFill>
+                        <a:schemeClr val="tx1"/>
+                      </a:solidFill>
+                      <a:prstDash val="solid"/>
+                      <a:round/>
+                      <a:headEnd type="none" w="med" len="med"/>
+                      <a:tailEnd type="none" w="med" len="med"/>
+                    </a:lnB>
+                    <a:lnTlToBr w="12700" cmpd="sng">
+                      <a:noFill/>
+                      <a:prstDash val="solid"/>
+                    </a:lnTlToBr>
+                    <a:lnBlToTr w="12700" cmpd="sng">
+                      <a:noFill/>
+                      <a:prstDash val="solid"/>
+                    </a:lnBlToTr>
+                    <a:solidFill>
+                      <a:srgbClr val="EEF0F2"/>
+                    </a:solidFill>
+                  </a:tcPr>
                 </a:tc>
                 <a:tc>
                   <a:txBody>
@@ -14021,7 +14882,47 @@
                       </a:endParaRPr>
                     </a:p>
                   </a:txBody>
-                  <a:tcPr/>
+                  <a:tcPr>
+                    <a:lnL w="12700" cap="flat" cmpd="sng" algn="ctr">
+                      <a:solidFill>
+                        <a:schemeClr val="tx1"/>
+                      </a:solidFill>
+                      <a:prstDash val="solid"/>
+                      <a:round/>
+                      <a:headEnd type="none" w="med" len="med"/>
+                      <a:tailEnd type="none" w="med" len="med"/>
+                    </a:lnL>
+                    <a:lnR w="12700" cap="flat" cmpd="sng" algn="ctr">
+                      <a:solidFill>
+                        <a:schemeClr val="tx1"/>
+                      </a:solidFill>
+                      <a:prstDash val="solid"/>
+                      <a:round/>
+                      <a:headEnd type="none" w="med" len="med"/>
+                      <a:tailEnd type="none" w="med" len="med"/>
+                    </a:lnR>
+                    <a:lnT w="12700" cap="flat" cmpd="sng" algn="ctr">
+                      <a:solidFill>
+                        <a:schemeClr val="tx1"/>
+                      </a:solidFill>
+                      <a:prstDash val="solid"/>
+                      <a:round/>
+                      <a:headEnd type="none" w="med" len="med"/>
+                      <a:tailEnd type="none" w="med" len="med"/>
+                    </a:lnT>
+                    <a:lnB w="12700" cap="flat" cmpd="sng" algn="ctr">
+                      <a:solidFill>
+                        <a:schemeClr val="tx1"/>
+                      </a:solidFill>
+                      <a:prstDash val="solid"/>
+                      <a:round/>
+                      <a:headEnd type="none" w="med" len="med"/>
+                      <a:tailEnd type="none" w="med" len="med"/>
+                    </a:lnB>
+                    <a:solidFill>
+                      <a:srgbClr val="EEF0F2"/>
+                    </a:solidFill>
+                  </a:tcPr>
                 </a:tc>
                 <a:tc>
                   <a:txBody>
@@ -14029,13 +14930,61 @@
                     <a:lstStyle/>
                     <a:p>
                       <a:r>
-                        <a:rPr lang="en-IN" dirty="0"/>
+                        <a:rPr lang="en-IN" b="0" dirty="0">
+                          <a:solidFill>
+                            <a:schemeClr val="bg1"/>
+                          </a:solidFill>
+                        </a:rPr>
                         <a:t>NA</a:t>
                       </a:r>
-                      <a:endParaRPr lang="en-US" dirty="0"/>
+                      <a:endParaRPr lang="en-US" b="0" dirty="0">
+                        <a:solidFill>
+                          <a:schemeClr val="bg1"/>
+                        </a:solidFill>
+                      </a:endParaRPr>
                     </a:p>
                   </a:txBody>
-                  <a:tcPr/>
+                  <a:tcPr>
+                    <a:lnL w="12700" cap="flat" cmpd="sng" algn="ctr">
+                      <a:solidFill>
+                        <a:schemeClr val="tx1"/>
+                      </a:solidFill>
+                      <a:prstDash val="solid"/>
+                      <a:round/>
+                      <a:headEnd type="none" w="med" len="med"/>
+                      <a:tailEnd type="none" w="med" len="med"/>
+                    </a:lnL>
+                    <a:lnR w="12700" cap="flat" cmpd="sng" algn="ctr">
+                      <a:solidFill>
+                        <a:schemeClr val="tx1"/>
+                      </a:solidFill>
+                      <a:prstDash val="solid"/>
+                      <a:round/>
+                      <a:headEnd type="none" w="med" len="med"/>
+                      <a:tailEnd type="none" w="med" len="med"/>
+                    </a:lnR>
+                    <a:lnT w="12700" cap="flat" cmpd="sng" algn="ctr">
+                      <a:solidFill>
+                        <a:schemeClr val="tx1"/>
+                      </a:solidFill>
+                      <a:prstDash val="solid"/>
+                      <a:round/>
+                      <a:headEnd type="none" w="med" len="med"/>
+                      <a:tailEnd type="none" w="med" len="med"/>
+                    </a:lnT>
+                    <a:lnB w="12700" cap="flat" cmpd="sng" algn="ctr">
+                      <a:solidFill>
+                        <a:schemeClr val="tx1"/>
+                      </a:solidFill>
+                      <a:prstDash val="solid"/>
+                      <a:round/>
+                      <a:headEnd type="none" w="med" len="med"/>
+                      <a:tailEnd type="none" w="med" len="med"/>
+                    </a:lnB>
+                    <a:solidFill>
+                      <a:srgbClr val="EEF0F2"/>
+                    </a:solidFill>
+                  </a:tcPr>
                 </a:tc>
                 <a:tc>
                   <a:txBody>
@@ -14043,13 +14992,57 @@
                     <a:lstStyle/>
                     <a:p>
                       <a:r>
-                        <a:rPr lang="en-IN" dirty="0"/>
+                        <a:rPr lang="en-IN" b="0" dirty="0">
+                          <a:solidFill>
+                            <a:schemeClr val="bg1"/>
+                          </a:solidFill>
+                        </a:rPr>
                         <a:t>NA</a:t>
                       </a:r>
-                      <a:endParaRPr lang="en-US" dirty="0"/>
+                      <a:endParaRPr lang="en-US" b="0" dirty="0">
+                        <a:solidFill>
+                          <a:schemeClr val="bg1"/>
+                        </a:solidFill>
+                      </a:endParaRPr>
                     </a:p>
                   </a:txBody>
-                  <a:tcPr/>
+                  <a:tcPr>
+                    <a:lnL w="12700" cap="flat" cmpd="sng" algn="ctr">
+                      <a:solidFill>
+                        <a:schemeClr val="tx1"/>
+                      </a:solidFill>
+                      <a:prstDash val="solid"/>
+                      <a:round/>
+                      <a:headEnd type="none" w="med" len="med"/>
+                      <a:tailEnd type="none" w="med" len="med"/>
+                    </a:lnL>
+                    <a:lnR w="12700" cap="flat" cmpd="sng" algn="ctr">
+                      <a:solidFill>
+                        <a:schemeClr val="tx1"/>
+                      </a:solidFill>
+                      <a:prstDash val="solid"/>
+                      <a:round/>
+                      <a:headEnd type="none" w="med" len="med"/>
+                      <a:tailEnd type="none" w="med" len="med"/>
+                    </a:lnR>
+                    <a:lnT w="12700" cap="flat" cmpd="sng" algn="ctr">
+                      <a:noFill/>
+                      <a:prstDash val="solid"/>
+                      <a:round/>
+                      <a:headEnd type="none" w="med" len="med"/>
+                      <a:tailEnd type="none" w="med" len="med"/>
+                    </a:lnT>
+                    <a:lnB w="12700" cap="flat" cmpd="sng" algn="ctr">
+                      <a:noFill/>
+                      <a:prstDash val="solid"/>
+                      <a:round/>
+                      <a:headEnd type="none" w="med" len="med"/>
+                      <a:tailEnd type="none" w="med" len="med"/>
+                    </a:lnB>
+                    <a:solidFill>
+                      <a:srgbClr val="EEF0F2"/>
+                    </a:solidFill>
+                  </a:tcPr>
                 </a:tc>
                 <a:tc>
                   <a:txBody>
@@ -14059,7 +15052,47 @@
                       <a:endParaRPr lang="en-US" dirty="0"/>
                     </a:p>
                   </a:txBody>
-                  <a:tcPr/>
+                  <a:tcPr>
+                    <a:lnL w="12700" cap="flat" cmpd="sng" algn="ctr">
+                      <a:solidFill>
+                        <a:schemeClr val="tx1"/>
+                      </a:solidFill>
+                      <a:prstDash val="solid"/>
+                      <a:round/>
+                      <a:headEnd type="none" w="med" len="med"/>
+                      <a:tailEnd type="none" w="med" len="med"/>
+                    </a:lnL>
+                    <a:lnR w="12700" cap="flat" cmpd="sng" algn="ctr">
+                      <a:solidFill>
+                        <a:schemeClr val="tx1"/>
+                      </a:solidFill>
+                      <a:prstDash val="solid"/>
+                      <a:round/>
+                      <a:headEnd type="none" w="med" len="med"/>
+                      <a:tailEnd type="none" w="med" len="med"/>
+                    </a:lnR>
+                    <a:lnT w="12700" cap="flat" cmpd="sng" algn="ctr">
+                      <a:solidFill>
+                        <a:schemeClr val="tx1"/>
+                      </a:solidFill>
+                      <a:prstDash val="solid"/>
+                      <a:round/>
+                      <a:headEnd type="none" w="med" len="med"/>
+                      <a:tailEnd type="none" w="med" len="med"/>
+                    </a:lnT>
+                    <a:lnB w="12700" cap="flat" cmpd="sng" algn="ctr">
+                      <a:solidFill>
+                        <a:schemeClr val="tx1"/>
+                      </a:solidFill>
+                      <a:prstDash val="solid"/>
+                      <a:round/>
+                      <a:headEnd type="none" w="med" len="med"/>
+                      <a:tailEnd type="none" w="med" len="med"/>
+                    </a:lnB>
+                    <a:solidFill>
+                      <a:srgbClr val="EEF0F2"/>
+                    </a:solidFill>
+                  </a:tcPr>
                 </a:tc>
                 <a:tc>
                   <a:txBody>
@@ -14067,12 +15100,62 @@
                     <a:lstStyle/>
                     <a:p>
                       <a:r>
-                        <a:rPr lang="en-US" dirty="0"/>
-                        <a:t>https://www.electronics-tutorials.ws/blog/convert-atx-psu-to-bench-supply.html</a:t>
+                        <a:rPr lang="en-US" b="0" dirty="0" smtClean="0">
+                          <a:solidFill>
+                            <a:schemeClr val="bg1"/>
+                          </a:solidFill>
+                          <a:hlinkClick r:id="rId2"/>
+                        </a:rPr>
+                        <a:t>Click here</a:t>
                       </a:r>
+                      <a:endParaRPr lang="en-US" b="0" dirty="0">
+                        <a:solidFill>
+                          <a:schemeClr val="bg1"/>
+                        </a:solidFill>
+                      </a:endParaRPr>
                     </a:p>
                   </a:txBody>
-                  <a:tcPr/>
+                  <a:tcPr>
+                    <a:lnL w="12700" cap="flat" cmpd="sng" algn="ctr">
+                      <a:solidFill>
+                        <a:schemeClr val="tx1"/>
+                      </a:solidFill>
+                      <a:prstDash val="solid"/>
+                      <a:round/>
+                      <a:headEnd type="none" w="med" len="med"/>
+                      <a:tailEnd type="none" w="med" len="med"/>
+                    </a:lnL>
+                    <a:lnR w="12700" cap="flat" cmpd="sng" algn="ctr">
+                      <a:solidFill>
+                        <a:schemeClr val="tx1"/>
+                      </a:solidFill>
+                      <a:prstDash val="solid"/>
+                      <a:round/>
+                      <a:headEnd type="none" w="med" len="med"/>
+                      <a:tailEnd type="none" w="med" len="med"/>
+                    </a:lnR>
+                    <a:lnT w="12700" cap="flat" cmpd="sng" algn="ctr">
+                      <a:solidFill>
+                        <a:schemeClr val="tx1"/>
+                      </a:solidFill>
+                      <a:prstDash val="solid"/>
+                      <a:round/>
+                      <a:headEnd type="none" w="med" len="med"/>
+                      <a:tailEnd type="none" w="med" len="med"/>
+                    </a:lnT>
+                    <a:lnB w="12700" cap="flat" cmpd="sng" algn="ctr">
+                      <a:solidFill>
+                        <a:schemeClr val="tx1"/>
+                      </a:solidFill>
+                      <a:prstDash val="solid"/>
+                      <a:round/>
+                      <a:headEnd type="none" w="med" len="med"/>
+                      <a:tailEnd type="none" w="med" len="med"/>
+                    </a:lnB>
+                    <a:solidFill>
+                      <a:srgbClr val="EEF0F2"/>
+                    </a:solidFill>
+                  </a:tcPr>
                 </a:tc>
                 <a:extLst>
                   <a:ext uri="{0D108BD9-81ED-4DB2-BD59-A6C34878D82A}">
@@ -14080,7 +15163,7 @@
                   </a:ext>
                 </a:extLst>
               </a:tr>
-              <a:tr h="1984971">
+              <a:tr h="1747590">
                 <a:tc>
                   <a:txBody>
                     <a:bodyPr/>
@@ -14094,7 +15177,44 @@
                       <a:endParaRPr lang="en-US" dirty="0"/>
                     </a:p>
                   </a:txBody>
-                  <a:tcPr/>
+                  <a:tcPr>
+                    <a:lnL w="12700" cap="flat" cmpd="sng" algn="ctr">
+                      <a:solidFill>
+                        <a:schemeClr val="tx1"/>
+                      </a:solidFill>
+                      <a:prstDash val="solid"/>
+                      <a:round/>
+                      <a:headEnd type="none" w="med" len="med"/>
+                      <a:tailEnd type="none" w="med" len="med"/>
+                    </a:lnL>
+                    <a:lnR w="12700" cap="flat" cmpd="sng" algn="ctr">
+                      <a:solidFill>
+                        <a:schemeClr val="tx1"/>
+                      </a:solidFill>
+                      <a:prstDash val="solid"/>
+                      <a:round/>
+                      <a:headEnd type="none" w="med" len="med"/>
+                      <a:tailEnd type="none" w="med" len="med"/>
+                    </a:lnR>
+                    <a:lnT w="12700" cap="flat" cmpd="sng" algn="ctr">
+                      <a:solidFill>
+                        <a:schemeClr val="tx1"/>
+                      </a:solidFill>
+                      <a:prstDash val="solid"/>
+                      <a:round/>
+                      <a:headEnd type="none" w="med" len="med"/>
+                      <a:tailEnd type="none" w="med" len="med"/>
+                    </a:lnT>
+                    <a:lnB w="12700" cap="flat" cmpd="sng" algn="ctr">
+                      <a:solidFill>
+                        <a:schemeClr val="tx1"/>
+                      </a:solidFill>
+                      <a:prstDash val="solid"/>
+                      <a:round/>
+                      <a:headEnd type="none" w="med" len="med"/>
+                      <a:tailEnd type="none" w="med" len="med"/>
+                    </a:lnB>
+                  </a:tcPr>
                 </a:tc>
                 <a:tc>
                   <a:txBody>
@@ -14110,7 +15230,35 @@
                       <a:endParaRPr lang="en-US" b="0" dirty="0"/>
                     </a:p>
                   </a:txBody>
-                  <a:tcPr/>
+                  <a:tcPr>
+                    <a:lnL w="12700" cap="flat" cmpd="sng" algn="ctr">
+                      <a:solidFill>
+                        <a:schemeClr val="tx1"/>
+                      </a:solidFill>
+                      <a:prstDash val="solid"/>
+                      <a:round/>
+                      <a:headEnd type="none" w="med" len="med"/>
+                      <a:tailEnd type="none" w="med" len="med"/>
+                    </a:lnL>
+                    <a:lnT w="12700" cap="flat" cmpd="sng" algn="ctr">
+                      <a:solidFill>
+                        <a:schemeClr val="tx1"/>
+                      </a:solidFill>
+                      <a:prstDash val="solid"/>
+                      <a:round/>
+                      <a:headEnd type="none" w="med" len="med"/>
+                      <a:tailEnd type="none" w="med" len="med"/>
+                    </a:lnT>
+                    <a:lnB w="12700" cap="flat" cmpd="sng" algn="ctr">
+                      <a:solidFill>
+                        <a:schemeClr val="tx1"/>
+                      </a:solidFill>
+                      <a:prstDash val="solid"/>
+                      <a:round/>
+                      <a:headEnd type="none" w="med" len="med"/>
+                      <a:tailEnd type="none" w="med" len="med"/>
+                    </a:lnB>
+                  </a:tcPr>
                 </a:tc>
                 <a:tc>
                   <a:txBody>
@@ -14124,7 +15272,35 @@
                       <a:endParaRPr lang="en-US" dirty="0"/>
                     </a:p>
                   </a:txBody>
-                  <a:tcPr/>
+                  <a:tcPr>
+                    <a:lnR w="12700" cap="flat" cmpd="sng" algn="ctr">
+                      <a:solidFill>
+                        <a:schemeClr val="tx1"/>
+                      </a:solidFill>
+                      <a:prstDash val="solid"/>
+                      <a:round/>
+                      <a:headEnd type="none" w="med" len="med"/>
+                      <a:tailEnd type="none" w="med" len="med"/>
+                    </a:lnR>
+                    <a:lnT w="12700" cap="flat" cmpd="sng" algn="ctr">
+                      <a:solidFill>
+                        <a:schemeClr val="tx1"/>
+                      </a:solidFill>
+                      <a:prstDash val="solid"/>
+                      <a:round/>
+                      <a:headEnd type="none" w="med" len="med"/>
+                      <a:tailEnd type="none" w="med" len="med"/>
+                    </a:lnT>
+                    <a:lnB w="12700" cap="flat" cmpd="sng" algn="ctr">
+                      <a:solidFill>
+                        <a:schemeClr val="tx1"/>
+                      </a:solidFill>
+                      <a:prstDash val="solid"/>
+                      <a:round/>
+                      <a:headEnd type="none" w="med" len="med"/>
+                      <a:tailEnd type="none" w="med" len="med"/>
+                    </a:lnB>
+                  </a:tcPr>
                 </a:tc>
                 <a:tc>
                   <a:txBody>
@@ -14138,7 +15314,42 @@
                       <a:endParaRPr lang="en-US" dirty="0"/>
                     </a:p>
                   </a:txBody>
-                  <a:tcPr/>
+                  <a:tcPr>
+                    <a:lnL w="12700" cap="flat" cmpd="sng" algn="ctr">
+                      <a:solidFill>
+                        <a:schemeClr val="tx1"/>
+                      </a:solidFill>
+                      <a:prstDash val="solid"/>
+                      <a:round/>
+                      <a:headEnd type="none" w="med" len="med"/>
+                      <a:tailEnd type="none" w="med" len="med"/>
+                    </a:lnL>
+                    <a:lnR w="12700" cap="flat" cmpd="sng" algn="ctr">
+                      <a:solidFill>
+                        <a:schemeClr val="tx1"/>
+                      </a:solidFill>
+                      <a:prstDash val="solid"/>
+                      <a:round/>
+                      <a:headEnd type="none" w="med" len="med"/>
+                      <a:tailEnd type="none" w="med" len="med"/>
+                    </a:lnR>
+                    <a:lnT w="12700" cap="flat" cmpd="sng" algn="ctr">
+                      <a:noFill/>
+                      <a:prstDash val="solid"/>
+                      <a:round/>
+                      <a:headEnd type="none" w="med" len="med"/>
+                      <a:tailEnd type="none" w="med" len="med"/>
+                    </a:lnT>
+                    <a:lnB w="12700" cap="flat" cmpd="sng" algn="ctr">
+                      <a:solidFill>
+                        <a:schemeClr val="tx1"/>
+                      </a:solidFill>
+                      <a:prstDash val="solid"/>
+                      <a:round/>
+                      <a:headEnd type="none" w="med" len="med"/>
+                      <a:tailEnd type="none" w="med" len="med"/>
+                    </a:lnB>
+                  </a:tcPr>
                 </a:tc>
                 <a:tc>
                   <a:txBody>
@@ -14148,7 +15359,44 @@
                       <a:endParaRPr lang="en-US" dirty="0"/>
                     </a:p>
                   </a:txBody>
-                  <a:tcPr/>
+                  <a:tcPr>
+                    <a:lnL w="12700" cap="flat" cmpd="sng" algn="ctr">
+                      <a:solidFill>
+                        <a:schemeClr val="tx1"/>
+                      </a:solidFill>
+                      <a:prstDash val="solid"/>
+                      <a:round/>
+                      <a:headEnd type="none" w="med" len="med"/>
+                      <a:tailEnd type="none" w="med" len="med"/>
+                    </a:lnL>
+                    <a:lnR w="12700" cap="flat" cmpd="sng" algn="ctr">
+                      <a:solidFill>
+                        <a:schemeClr val="tx1"/>
+                      </a:solidFill>
+                      <a:prstDash val="solid"/>
+                      <a:round/>
+                      <a:headEnd type="none" w="med" len="med"/>
+                      <a:tailEnd type="none" w="med" len="med"/>
+                    </a:lnR>
+                    <a:lnT w="12700" cap="flat" cmpd="sng" algn="ctr">
+                      <a:solidFill>
+                        <a:schemeClr val="tx1"/>
+                      </a:solidFill>
+                      <a:prstDash val="solid"/>
+                      <a:round/>
+                      <a:headEnd type="none" w="med" len="med"/>
+                      <a:tailEnd type="none" w="med" len="med"/>
+                    </a:lnT>
+                    <a:lnB w="12700" cap="flat" cmpd="sng" algn="ctr">
+                      <a:solidFill>
+                        <a:schemeClr val="tx1"/>
+                      </a:solidFill>
+                      <a:prstDash val="solid"/>
+                      <a:round/>
+                      <a:headEnd type="none" w="med" len="med"/>
+                      <a:tailEnd type="none" w="med" len="med"/>
+                    </a:lnB>
+                  </a:tcPr>
                 </a:tc>
                 <a:tc>
                   <a:txBody>
@@ -14156,12 +15404,65 @@
                     <a:lstStyle/>
                     <a:p>
                       <a:r>
-                        <a:rPr lang="en-US" dirty="0"/>
-                        <a:t>https://lastminuteengineers.com/l298n-dc-stepper-driver-arduino-tutorial/</a:t>
+                        <a:rPr lang="en-US" dirty="0" smtClean="0">
+                          <a:solidFill>
+                            <a:schemeClr val="bg1">
+                              <a:alpha val="50000"/>
+                            </a:schemeClr>
+                          </a:solidFill>
+                          <a:effectLst/>
+                          <a:hlinkClick r:id="rId3"/>
+                        </a:rPr>
+                        <a:t>Click here</a:t>
                       </a:r>
+                      <a:endParaRPr lang="en-US" dirty="0">
+                        <a:solidFill>
+                          <a:schemeClr val="bg1">
+                            <a:alpha val="50000"/>
+                          </a:schemeClr>
+                        </a:solidFill>
+                        <a:effectLst/>
+                      </a:endParaRPr>
                     </a:p>
                   </a:txBody>
-                  <a:tcPr/>
+                  <a:tcPr>
+                    <a:lnL w="12700" cap="flat" cmpd="sng" algn="ctr">
+                      <a:solidFill>
+                        <a:schemeClr val="tx1"/>
+                      </a:solidFill>
+                      <a:prstDash val="solid"/>
+                      <a:round/>
+                      <a:headEnd type="none" w="med" len="med"/>
+                      <a:tailEnd type="none" w="med" len="med"/>
+                    </a:lnL>
+                    <a:lnR w="12700" cap="flat" cmpd="sng" algn="ctr">
+                      <a:solidFill>
+                        <a:schemeClr val="tx1"/>
+                      </a:solidFill>
+                      <a:prstDash val="solid"/>
+                      <a:round/>
+                      <a:headEnd type="none" w="med" len="med"/>
+                      <a:tailEnd type="none" w="med" len="med"/>
+                    </a:lnR>
+                    <a:lnT w="12700" cap="flat" cmpd="sng" algn="ctr">
+                      <a:solidFill>
+                        <a:schemeClr val="tx1"/>
+                      </a:solidFill>
+                      <a:prstDash val="solid"/>
+                      <a:round/>
+                      <a:headEnd type="none" w="med" len="med"/>
+                      <a:tailEnd type="none" w="med" len="med"/>
+                    </a:lnT>
+                    <a:lnB w="12700" cap="flat" cmpd="sng" algn="ctr">
+                      <a:solidFill>
+                        <a:schemeClr val="tx1"/>
+                      </a:solidFill>
+                      <a:prstDash val="solid"/>
+                      <a:round/>
+                      <a:headEnd type="none" w="med" len="med"/>
+                      <a:tailEnd type="none" w="med" len="med"/>
+                    </a:lnB>
+                  </a:tcPr>
                 </a:tc>
                 <a:extLst>
                   <a:ext uri="{0D108BD9-81ED-4DB2-BD59-A6C34878D82A}">
@@ -14169,7 +15470,7 @@
                   </a:ext>
                 </a:extLst>
               </a:tr>
-              <a:tr h="1984971">
+              <a:tr h="1747590">
                 <a:tc>
                   <a:txBody>
                     <a:bodyPr/>
@@ -14183,7 +15484,44 @@
                       <a:endParaRPr lang="en-US" dirty="0"/>
                     </a:p>
                   </a:txBody>
-                  <a:tcPr/>
+                  <a:tcPr>
+                    <a:lnL w="12700" cap="flat" cmpd="sng" algn="ctr">
+                      <a:solidFill>
+                        <a:schemeClr val="tx1"/>
+                      </a:solidFill>
+                      <a:prstDash val="solid"/>
+                      <a:round/>
+                      <a:headEnd type="none" w="med" len="med"/>
+                      <a:tailEnd type="none" w="med" len="med"/>
+                    </a:lnL>
+                    <a:lnR w="12700" cap="flat" cmpd="sng" algn="ctr">
+                      <a:solidFill>
+                        <a:schemeClr val="tx1"/>
+                      </a:solidFill>
+                      <a:prstDash val="solid"/>
+                      <a:round/>
+                      <a:headEnd type="none" w="med" len="med"/>
+                      <a:tailEnd type="none" w="med" len="med"/>
+                    </a:lnR>
+                    <a:lnT w="12700" cap="flat" cmpd="sng" algn="ctr">
+                      <a:solidFill>
+                        <a:schemeClr val="tx1"/>
+                      </a:solidFill>
+                      <a:prstDash val="solid"/>
+                      <a:round/>
+                      <a:headEnd type="none" w="med" len="med"/>
+                      <a:tailEnd type="none" w="med" len="med"/>
+                    </a:lnT>
+                    <a:lnB w="12700" cap="flat" cmpd="sng" algn="ctr">
+                      <a:solidFill>
+                        <a:schemeClr val="tx1"/>
+                      </a:solidFill>
+                      <a:prstDash val="solid"/>
+                      <a:round/>
+                      <a:headEnd type="none" w="med" len="med"/>
+                      <a:tailEnd type="none" w="med" len="med"/>
+                    </a:lnB>
+                  </a:tcPr>
                 </a:tc>
                 <a:tc>
                   <a:txBody>
@@ -14216,7 +15554,44 @@
                       <a:endParaRPr lang="en-US" b="0" dirty="0"/>
                     </a:p>
                   </a:txBody>
-                  <a:tcPr/>
+                  <a:tcPr>
+                    <a:lnL w="12700" cap="flat" cmpd="sng" algn="ctr">
+                      <a:solidFill>
+                        <a:schemeClr val="tx1"/>
+                      </a:solidFill>
+                      <a:prstDash val="solid"/>
+                      <a:round/>
+                      <a:headEnd type="none" w="med" len="med"/>
+                      <a:tailEnd type="none" w="med" len="med"/>
+                    </a:lnL>
+                    <a:lnR w="12700" cap="flat" cmpd="sng" algn="ctr">
+                      <a:solidFill>
+                        <a:schemeClr val="tx1"/>
+                      </a:solidFill>
+                      <a:prstDash val="solid"/>
+                      <a:round/>
+                      <a:headEnd type="none" w="med" len="med"/>
+                      <a:tailEnd type="none" w="med" len="med"/>
+                    </a:lnR>
+                    <a:lnT w="12700" cap="flat" cmpd="sng" algn="ctr">
+                      <a:solidFill>
+                        <a:schemeClr val="tx1"/>
+                      </a:solidFill>
+                      <a:prstDash val="solid"/>
+                      <a:round/>
+                      <a:headEnd type="none" w="med" len="med"/>
+                      <a:tailEnd type="none" w="med" len="med"/>
+                    </a:lnT>
+                    <a:lnB w="12700" cap="flat" cmpd="sng" algn="ctr">
+                      <a:solidFill>
+                        <a:schemeClr val="tx1"/>
+                      </a:solidFill>
+                      <a:prstDash val="solid"/>
+                      <a:round/>
+                      <a:headEnd type="none" w="med" len="med"/>
+                      <a:tailEnd type="none" w="med" len="med"/>
+                    </a:lnB>
+                  </a:tcPr>
                 </a:tc>
                 <a:tc>
                   <a:txBody>
@@ -14229,7 +15604,44 @@
                       </a:r>
                     </a:p>
                   </a:txBody>
-                  <a:tcPr/>
+                  <a:tcPr>
+                    <a:lnL w="12700" cap="flat" cmpd="sng" algn="ctr">
+                      <a:solidFill>
+                        <a:schemeClr val="tx1"/>
+                      </a:solidFill>
+                      <a:prstDash val="solid"/>
+                      <a:round/>
+                      <a:headEnd type="none" w="med" len="med"/>
+                      <a:tailEnd type="none" w="med" len="med"/>
+                    </a:lnL>
+                    <a:lnR w="12700" cap="flat" cmpd="sng" algn="ctr">
+                      <a:solidFill>
+                        <a:schemeClr val="tx1"/>
+                      </a:solidFill>
+                      <a:prstDash val="solid"/>
+                      <a:round/>
+                      <a:headEnd type="none" w="med" len="med"/>
+                      <a:tailEnd type="none" w="med" len="med"/>
+                    </a:lnR>
+                    <a:lnT w="12700" cap="flat" cmpd="sng" algn="ctr">
+                      <a:solidFill>
+                        <a:schemeClr val="tx1"/>
+                      </a:solidFill>
+                      <a:prstDash val="solid"/>
+                      <a:round/>
+                      <a:headEnd type="none" w="med" len="med"/>
+                      <a:tailEnd type="none" w="med" len="med"/>
+                    </a:lnT>
+                    <a:lnB w="12700" cap="flat" cmpd="sng" algn="ctr">
+                      <a:solidFill>
+                        <a:schemeClr val="tx1"/>
+                      </a:solidFill>
+                      <a:prstDash val="solid"/>
+                      <a:round/>
+                      <a:headEnd type="none" w="med" len="med"/>
+                      <a:tailEnd type="none" w="med" len="med"/>
+                    </a:lnB>
+                  </a:tcPr>
                 </a:tc>
                 <a:tc>
                   <a:txBody>
@@ -14243,7 +15655,44 @@
                       <a:endParaRPr lang="en-US" dirty="0"/>
                     </a:p>
                   </a:txBody>
-                  <a:tcPr/>
+                  <a:tcPr>
+                    <a:lnL w="12700" cap="flat" cmpd="sng" algn="ctr">
+                      <a:solidFill>
+                        <a:schemeClr val="tx1"/>
+                      </a:solidFill>
+                      <a:prstDash val="solid"/>
+                      <a:round/>
+                      <a:headEnd type="none" w="med" len="med"/>
+                      <a:tailEnd type="none" w="med" len="med"/>
+                    </a:lnL>
+                    <a:lnR w="12700" cap="flat" cmpd="sng" algn="ctr">
+                      <a:solidFill>
+                        <a:schemeClr val="tx1"/>
+                      </a:solidFill>
+                      <a:prstDash val="solid"/>
+                      <a:round/>
+                      <a:headEnd type="none" w="med" len="med"/>
+                      <a:tailEnd type="none" w="med" len="med"/>
+                    </a:lnR>
+                    <a:lnT w="12700" cap="flat" cmpd="sng" algn="ctr">
+                      <a:solidFill>
+                        <a:schemeClr val="tx1"/>
+                      </a:solidFill>
+                      <a:prstDash val="solid"/>
+                      <a:round/>
+                      <a:headEnd type="none" w="med" len="med"/>
+                      <a:tailEnd type="none" w="med" len="med"/>
+                    </a:lnT>
+                    <a:lnB w="12700" cap="flat" cmpd="sng" algn="ctr">
+                      <a:solidFill>
+                        <a:schemeClr val="tx1"/>
+                      </a:solidFill>
+                      <a:prstDash val="solid"/>
+                      <a:round/>
+                      <a:headEnd type="none" w="med" len="med"/>
+                      <a:tailEnd type="none" w="med" len="med"/>
+                    </a:lnB>
+                  </a:tcPr>
                 </a:tc>
                 <a:tc>
                   <a:txBody>
@@ -14253,7 +15702,44 @@
                       <a:endParaRPr lang="en-US" dirty="0"/>
                     </a:p>
                   </a:txBody>
-                  <a:tcPr/>
+                  <a:tcPr>
+                    <a:lnL w="12700" cap="flat" cmpd="sng" algn="ctr">
+                      <a:solidFill>
+                        <a:schemeClr val="tx1"/>
+                      </a:solidFill>
+                      <a:prstDash val="solid"/>
+                      <a:round/>
+                      <a:headEnd type="none" w="med" len="med"/>
+                      <a:tailEnd type="none" w="med" len="med"/>
+                    </a:lnL>
+                    <a:lnR w="12700" cap="flat" cmpd="sng" algn="ctr">
+                      <a:solidFill>
+                        <a:schemeClr val="tx1"/>
+                      </a:solidFill>
+                      <a:prstDash val="solid"/>
+                      <a:round/>
+                      <a:headEnd type="none" w="med" len="med"/>
+                      <a:tailEnd type="none" w="med" len="med"/>
+                    </a:lnR>
+                    <a:lnT w="12700" cap="flat" cmpd="sng" algn="ctr">
+                      <a:solidFill>
+                        <a:schemeClr val="tx1"/>
+                      </a:solidFill>
+                      <a:prstDash val="solid"/>
+                      <a:round/>
+                      <a:headEnd type="none" w="med" len="med"/>
+                      <a:tailEnd type="none" w="med" len="med"/>
+                    </a:lnT>
+                    <a:lnB w="12700" cap="flat" cmpd="sng" algn="ctr">
+                      <a:solidFill>
+                        <a:schemeClr val="tx1"/>
+                      </a:solidFill>
+                      <a:prstDash val="solid"/>
+                      <a:round/>
+                      <a:headEnd type="none" w="med" len="med"/>
+                      <a:tailEnd type="none" w="med" len="med"/>
+                    </a:lnB>
+                  </a:tcPr>
                 </a:tc>
                 <a:tc>
                   <a:txBody>
@@ -14261,12 +15747,52 @@
                     <a:lstStyle/>
                     <a:p>
                       <a:r>
-                        <a:rPr lang="en-US" dirty="0"/>
-                        <a:t>https://techtutorialsx.com/2017/12/02/esp32-esp8266-arduino-serial-communication-with-python/</a:t>
+                        <a:rPr lang="en-US" dirty="0" smtClean="0">
+                          <a:hlinkClick r:id="rId4"/>
+                        </a:rPr>
+                        <a:t>Click here</a:t>
                       </a:r>
+                      <a:endParaRPr lang="en-US" dirty="0"/>
                     </a:p>
                   </a:txBody>
-                  <a:tcPr/>
+                  <a:tcPr>
+                    <a:lnL w="12700" cap="flat" cmpd="sng" algn="ctr">
+                      <a:solidFill>
+                        <a:schemeClr val="tx1"/>
+                      </a:solidFill>
+                      <a:prstDash val="solid"/>
+                      <a:round/>
+                      <a:headEnd type="none" w="med" len="med"/>
+                      <a:tailEnd type="none" w="med" len="med"/>
+                    </a:lnL>
+                    <a:lnR w="12700" cap="flat" cmpd="sng" algn="ctr">
+                      <a:solidFill>
+                        <a:schemeClr val="tx1"/>
+                      </a:solidFill>
+                      <a:prstDash val="solid"/>
+                      <a:round/>
+                      <a:headEnd type="none" w="med" len="med"/>
+                      <a:tailEnd type="none" w="med" len="med"/>
+                    </a:lnR>
+                    <a:lnT w="12700" cap="flat" cmpd="sng" algn="ctr">
+                      <a:solidFill>
+                        <a:schemeClr val="tx1"/>
+                      </a:solidFill>
+                      <a:prstDash val="solid"/>
+                      <a:round/>
+                      <a:headEnd type="none" w="med" len="med"/>
+                      <a:tailEnd type="none" w="med" len="med"/>
+                    </a:lnT>
+                    <a:lnB w="12700" cap="flat" cmpd="sng" algn="ctr">
+                      <a:solidFill>
+                        <a:schemeClr val="tx1"/>
+                      </a:solidFill>
+                      <a:prstDash val="solid"/>
+                      <a:round/>
+                      <a:headEnd type="none" w="med" len="med"/>
+                      <a:tailEnd type="none" w="med" len="med"/>
+                    </a:lnB>
+                  </a:tcPr>
                 </a:tc>
                 <a:extLst>
                   <a:ext uri="{0D108BD9-81ED-4DB2-BD59-A6C34878D82A}">
@@ -14288,6 +15814,25 @@
   <p:clrMapOvr>
     <a:masterClrMapping/>
   </p:clrMapOvr>
+  <mc:AlternateContent xmlns:mc="http://schemas.openxmlformats.org/markup-compatibility/2006">
+    <mc:Choice xmlns:p15="http://schemas.microsoft.com/office/powerpoint/2012/main" Requires="p15">
+      <p:transition xmlns:p14="http://schemas.microsoft.com/office/powerpoint/2010/main" spd="slow" p14:dur="1250">
+        <p15:prstTrans prst="peelOff"/>
+      </p:transition>
+    </mc:Choice>
+    <mc:Fallback>
+      <p:transition spd="slow">
+        <p:fade/>
+      </p:transition>
+    </mc:Fallback>
+  </mc:AlternateContent>
+  <p:timing>
+    <p:tnLst>
+      <p:par>
+        <p:cTn id="1" dur="indefinite" restart="never" nodeType="tmRoot"/>
+      </p:par>
+    </p:tnLst>
+  </p:timing>
 </p:sld>
 </file>
 
@@ -14431,6 +15976,25 @@
   <p:clrMapOvr>
     <a:masterClrMapping/>
   </p:clrMapOvr>
+  <mc:AlternateContent xmlns:mc="http://schemas.openxmlformats.org/markup-compatibility/2006">
+    <mc:Choice xmlns:p15="http://schemas.microsoft.com/office/powerpoint/2012/main" Requires="p15">
+      <p:transition xmlns:p14="http://schemas.microsoft.com/office/powerpoint/2010/main" spd="slow" p14:dur="1250">
+        <p15:prstTrans prst="peelOff"/>
+      </p:transition>
+    </mc:Choice>
+    <mc:Fallback>
+      <p:transition spd="slow">
+        <p:fade/>
+      </p:transition>
+    </mc:Fallback>
+  </mc:AlternateContent>
+  <p:timing>
+    <p:tnLst>
+      <p:par>
+        <p:cTn id="1" dur="indefinite" restart="never" nodeType="tmRoot"/>
+      </p:par>
+    </p:tnLst>
+  </p:timing>
 </p:sld>
 </file>
 
@@ -15115,6 +16679,67 @@
           </a:p>
         </p:txBody>
       </p:sp>
+      <p:sp>
+        <p:nvSpPr>
+          <p:cNvPr id="3" name="Rectangle 2"/>
+          <p:cNvSpPr/>
+          <p:nvPr/>
+        </p:nvSpPr>
+        <p:spPr>
+          <a:xfrm>
+            <a:off x="2281842" y="3008414"/>
+            <a:ext cx="7406444" cy="769441"/>
+          </a:xfrm>
+          <a:prstGeom prst="rect">
+            <a:avLst/>
+          </a:prstGeom>
+          <a:noFill/>
+        </p:spPr>
+        <p:txBody>
+          <a:bodyPr wrap="square" lIns="91440" tIns="45720" rIns="91440" bIns="45720">
+            <a:spAutoFit/>
+          </a:bodyPr>
+          <a:lstStyle/>
+          <a:p>
+            <a:pPr algn="ctr"/>
+            <a:r>
+              <a:rPr lang="en-US" sz="4400" b="1" dirty="0" smtClean="0">
+                <a:ln w="6600">
+                  <a:solidFill>
+                    <a:schemeClr val="accent2"/>
+                  </a:solidFill>
+                  <a:prstDash val="solid"/>
+                </a:ln>
+                <a:solidFill>
+                  <a:srgbClr val="FFFFFF"/>
+                </a:solidFill>
+                <a:effectLst>
+                  <a:outerShdw dist="38100" dir="2700000" algn="tl" rotWithShape="0">
+                    <a:schemeClr val="accent2"/>
+                  </a:outerShdw>
+                </a:effectLst>
+              </a:rPr>
+              <a:t>BLOCK DIAGRAM</a:t>
+            </a:r>
+            <a:endParaRPr lang="en-US" sz="4400" b="1" dirty="0">
+              <a:ln w="6600">
+                <a:solidFill>
+                  <a:schemeClr val="accent2"/>
+                </a:solidFill>
+                <a:prstDash val="solid"/>
+              </a:ln>
+              <a:solidFill>
+                <a:srgbClr val="FFFFFF"/>
+              </a:solidFill>
+              <a:effectLst>
+                <a:outerShdw dist="38100" dir="2700000" algn="tl" rotWithShape="0">
+                  <a:schemeClr val="accent2"/>
+                </a:outerShdw>
+              </a:effectLst>
+            </a:endParaRPr>
+          </a:p>
+        </p:txBody>
+      </p:sp>
     </p:spTree>
     <p:extLst>
       <p:ext uri="{BB962C8B-B14F-4D97-AF65-F5344CB8AC3E}">
@@ -15125,13 +16750,697 @@
   <p:clrMapOvr>
     <a:masterClrMapping/>
   </p:clrMapOvr>
+  <mc:AlternateContent xmlns:mc="http://schemas.openxmlformats.org/markup-compatibility/2006">
+    <mc:Choice xmlns:p15="http://schemas.microsoft.com/office/powerpoint/2012/main" Requires="p15">
+      <p:transition xmlns:p14="http://schemas.microsoft.com/office/powerpoint/2010/main" spd="slow" p14:dur="1250">
+        <p15:prstTrans prst="peelOff"/>
+      </p:transition>
+    </mc:Choice>
+    <mc:Fallback>
+      <p:transition spd="slow">
+        <p:fade/>
+      </p:transition>
+    </mc:Fallback>
+  </mc:AlternateContent>
+  <p:timing>
+    <p:tnLst>
+      <p:par>
+        <p:cTn id="1" dur="indefinite" restart="never" nodeType="tmRoot">
+          <p:childTnLst>
+            <p:seq concurrent="1" nextAc="seek">
+              <p:cTn id="2" dur="indefinite" nodeType="mainSeq">
+                <p:childTnLst>
+                  <p:par>
+                    <p:cTn id="3" fill="hold">
+                      <p:stCondLst>
+                        <p:cond delay="indefinite"/>
+                      </p:stCondLst>
+                      <p:childTnLst>
+                        <p:par>
+                          <p:cTn id="4" fill="hold">
+                            <p:stCondLst>
+                              <p:cond delay="0"/>
+                            </p:stCondLst>
+                            <p:childTnLst>
+                              <p:par>
+                                <p:cTn id="5" presetID="1" presetClass="exit" presetSubtype="0" fill="hold" grpId="0" nodeType="clickEffect">
+                                  <p:stCondLst>
+                                    <p:cond delay="0"/>
+                                  </p:stCondLst>
+                                  <p:childTnLst>
+                                    <p:set>
+                                      <p:cBhvr>
+                                        <p:cTn id="6" dur="1" fill="hold">
+                                          <p:stCondLst>
+                                            <p:cond delay="0"/>
+                                          </p:stCondLst>
+                                        </p:cTn>
+                                        <p:tgtEl>
+                                          <p:spTgt spid="3"/>
+                                        </p:tgtEl>
+                                        <p:attrNameLst>
+                                          <p:attrName>style.visibility</p:attrName>
+                                        </p:attrNameLst>
+                                      </p:cBhvr>
+                                      <p:to>
+                                        <p:strVal val="hidden"/>
+                                      </p:to>
+                                    </p:set>
+                                  </p:childTnLst>
+                                </p:cTn>
+                              </p:par>
+                            </p:childTnLst>
+                          </p:cTn>
+                        </p:par>
+                      </p:childTnLst>
+                    </p:cTn>
+                  </p:par>
+                  <p:par>
+                    <p:cTn id="7" fill="hold">
+                      <p:stCondLst>
+                        <p:cond delay="indefinite"/>
+                      </p:stCondLst>
+                      <p:childTnLst>
+                        <p:par>
+                          <p:cTn id="8" fill="hold">
+                            <p:stCondLst>
+                              <p:cond delay="0"/>
+                            </p:stCondLst>
+                            <p:childTnLst>
+                              <p:par>
+                                <p:cTn id="9" presetID="10" presetClass="entr" presetSubtype="0" fill="hold" grpId="0" nodeType="clickEffect">
+                                  <p:stCondLst>
+                                    <p:cond delay="0"/>
+                                  </p:stCondLst>
+                                  <p:childTnLst>
+                                    <p:set>
+                                      <p:cBhvr>
+                                        <p:cTn id="10" dur="1" fill="hold">
+                                          <p:stCondLst>
+                                            <p:cond delay="0"/>
+                                          </p:stCondLst>
+                                        </p:cTn>
+                                        <p:tgtEl>
+                                          <p:spTgt spid="5"/>
+                                        </p:tgtEl>
+                                        <p:attrNameLst>
+                                          <p:attrName>style.visibility</p:attrName>
+                                        </p:attrNameLst>
+                                      </p:cBhvr>
+                                      <p:to>
+                                        <p:strVal val="visible"/>
+                                      </p:to>
+                                    </p:set>
+                                    <p:animEffect transition="in" filter="fade">
+                                      <p:cBhvr>
+                                        <p:cTn id="11" dur="500"/>
+                                        <p:tgtEl>
+                                          <p:spTgt spid="5"/>
+                                        </p:tgtEl>
+                                      </p:cBhvr>
+                                    </p:animEffect>
+                                  </p:childTnLst>
+                                </p:cTn>
+                              </p:par>
+                            </p:childTnLst>
+                          </p:cTn>
+                        </p:par>
+                      </p:childTnLst>
+                    </p:cTn>
+                  </p:par>
+                  <p:par>
+                    <p:cTn id="12" fill="hold">
+                      <p:stCondLst>
+                        <p:cond delay="indefinite"/>
+                      </p:stCondLst>
+                      <p:childTnLst>
+                        <p:par>
+                          <p:cTn id="13" fill="hold">
+                            <p:stCondLst>
+                              <p:cond delay="0"/>
+                            </p:stCondLst>
+                            <p:childTnLst>
+                              <p:par>
+                                <p:cTn id="14" presetID="10" presetClass="entr" presetSubtype="0" fill="hold" grpId="0" nodeType="clickEffect">
+                                  <p:stCondLst>
+                                    <p:cond delay="0"/>
+                                  </p:stCondLst>
+                                  <p:childTnLst>
+                                    <p:set>
+                                      <p:cBhvr>
+                                        <p:cTn id="15" dur="1" fill="hold">
+                                          <p:stCondLst>
+                                            <p:cond delay="0"/>
+                                          </p:stCondLst>
+                                        </p:cTn>
+                                        <p:tgtEl>
+                                          <p:spTgt spid="25"/>
+                                        </p:tgtEl>
+                                        <p:attrNameLst>
+                                          <p:attrName>style.visibility</p:attrName>
+                                        </p:attrNameLst>
+                                      </p:cBhvr>
+                                      <p:to>
+                                        <p:strVal val="visible"/>
+                                      </p:to>
+                                    </p:set>
+                                    <p:animEffect transition="in" filter="fade">
+                                      <p:cBhvr>
+                                        <p:cTn id="16" dur="500"/>
+                                        <p:tgtEl>
+                                          <p:spTgt spid="25"/>
+                                        </p:tgtEl>
+                                      </p:cBhvr>
+                                    </p:animEffect>
+                                  </p:childTnLst>
+                                </p:cTn>
+                              </p:par>
+                            </p:childTnLst>
+                          </p:cTn>
+                        </p:par>
+                      </p:childTnLst>
+                    </p:cTn>
+                  </p:par>
+                  <p:par>
+                    <p:cTn id="17" fill="hold">
+                      <p:stCondLst>
+                        <p:cond delay="indefinite"/>
+                      </p:stCondLst>
+                      <p:childTnLst>
+                        <p:par>
+                          <p:cTn id="18" fill="hold">
+                            <p:stCondLst>
+                              <p:cond delay="0"/>
+                            </p:stCondLst>
+                            <p:childTnLst>
+                              <p:par>
+                                <p:cTn id="19" presetID="10" presetClass="entr" presetSubtype="0" fill="hold" grpId="0" nodeType="clickEffect">
+                                  <p:stCondLst>
+                                    <p:cond delay="0"/>
+                                  </p:stCondLst>
+                                  <p:childTnLst>
+                                    <p:set>
+                                      <p:cBhvr>
+                                        <p:cTn id="20" dur="1" fill="hold">
+                                          <p:stCondLst>
+                                            <p:cond delay="0"/>
+                                          </p:stCondLst>
+                                        </p:cTn>
+                                        <p:tgtEl>
+                                          <p:spTgt spid="13"/>
+                                        </p:tgtEl>
+                                        <p:attrNameLst>
+                                          <p:attrName>style.visibility</p:attrName>
+                                        </p:attrNameLst>
+                                      </p:cBhvr>
+                                      <p:to>
+                                        <p:strVal val="visible"/>
+                                      </p:to>
+                                    </p:set>
+                                    <p:animEffect transition="in" filter="fade">
+                                      <p:cBhvr>
+                                        <p:cTn id="21" dur="500"/>
+                                        <p:tgtEl>
+                                          <p:spTgt spid="13"/>
+                                        </p:tgtEl>
+                                      </p:cBhvr>
+                                    </p:animEffect>
+                                  </p:childTnLst>
+                                </p:cTn>
+                              </p:par>
+                            </p:childTnLst>
+                          </p:cTn>
+                        </p:par>
+                      </p:childTnLst>
+                    </p:cTn>
+                  </p:par>
+                  <p:par>
+                    <p:cTn id="22" fill="hold">
+                      <p:stCondLst>
+                        <p:cond delay="indefinite"/>
+                      </p:stCondLst>
+                      <p:childTnLst>
+                        <p:par>
+                          <p:cTn id="23" fill="hold">
+                            <p:stCondLst>
+                              <p:cond delay="0"/>
+                            </p:stCondLst>
+                            <p:childTnLst>
+                              <p:par>
+                                <p:cTn id="24" presetID="10" presetClass="entr" presetSubtype="0" fill="hold" grpId="0" nodeType="clickEffect">
+                                  <p:stCondLst>
+                                    <p:cond delay="0"/>
+                                  </p:stCondLst>
+                                  <p:childTnLst>
+                                    <p:set>
+                                      <p:cBhvr>
+                                        <p:cTn id="25" dur="1" fill="hold">
+                                          <p:stCondLst>
+                                            <p:cond delay="0"/>
+                                          </p:stCondLst>
+                                        </p:cTn>
+                                        <p:tgtEl>
+                                          <p:spTgt spid="21"/>
+                                        </p:tgtEl>
+                                        <p:attrNameLst>
+                                          <p:attrName>style.visibility</p:attrName>
+                                        </p:attrNameLst>
+                                      </p:cBhvr>
+                                      <p:to>
+                                        <p:strVal val="visible"/>
+                                      </p:to>
+                                    </p:set>
+                                    <p:animEffect transition="in" filter="fade">
+                                      <p:cBhvr>
+                                        <p:cTn id="26" dur="500"/>
+                                        <p:tgtEl>
+                                          <p:spTgt spid="21"/>
+                                        </p:tgtEl>
+                                      </p:cBhvr>
+                                    </p:animEffect>
+                                  </p:childTnLst>
+                                </p:cTn>
+                              </p:par>
+                            </p:childTnLst>
+                          </p:cTn>
+                        </p:par>
+                      </p:childTnLst>
+                    </p:cTn>
+                  </p:par>
+                  <p:par>
+                    <p:cTn id="27" fill="hold">
+                      <p:stCondLst>
+                        <p:cond delay="indefinite"/>
+                      </p:stCondLst>
+                      <p:childTnLst>
+                        <p:par>
+                          <p:cTn id="28" fill="hold">
+                            <p:stCondLst>
+                              <p:cond delay="0"/>
+                            </p:stCondLst>
+                            <p:childTnLst>
+                              <p:par>
+                                <p:cTn id="29" presetID="10" presetClass="entr" presetSubtype="0" fill="hold" grpId="0" nodeType="clickEffect">
+                                  <p:stCondLst>
+                                    <p:cond delay="0"/>
+                                  </p:stCondLst>
+                                  <p:childTnLst>
+                                    <p:set>
+                                      <p:cBhvr>
+                                        <p:cTn id="30" dur="1" fill="hold">
+                                          <p:stCondLst>
+                                            <p:cond delay="0"/>
+                                          </p:stCondLst>
+                                        </p:cTn>
+                                        <p:tgtEl>
+                                          <p:spTgt spid="16"/>
+                                        </p:tgtEl>
+                                        <p:attrNameLst>
+                                          <p:attrName>style.visibility</p:attrName>
+                                        </p:attrNameLst>
+                                      </p:cBhvr>
+                                      <p:to>
+                                        <p:strVal val="visible"/>
+                                      </p:to>
+                                    </p:set>
+                                    <p:animEffect transition="in" filter="fade">
+                                      <p:cBhvr>
+                                        <p:cTn id="31" dur="500"/>
+                                        <p:tgtEl>
+                                          <p:spTgt spid="16"/>
+                                        </p:tgtEl>
+                                      </p:cBhvr>
+                                    </p:animEffect>
+                                  </p:childTnLst>
+                                </p:cTn>
+                              </p:par>
+                            </p:childTnLst>
+                          </p:cTn>
+                        </p:par>
+                      </p:childTnLst>
+                    </p:cTn>
+                  </p:par>
+                  <p:par>
+                    <p:cTn id="32" fill="hold">
+                      <p:stCondLst>
+                        <p:cond delay="indefinite"/>
+                      </p:stCondLst>
+                      <p:childTnLst>
+                        <p:par>
+                          <p:cTn id="33" fill="hold">
+                            <p:stCondLst>
+                              <p:cond delay="0"/>
+                            </p:stCondLst>
+                            <p:childTnLst>
+                              <p:par>
+                                <p:cTn id="34" presetID="10" presetClass="entr" presetSubtype="0" fill="hold" grpId="0" nodeType="clickEffect">
+                                  <p:stCondLst>
+                                    <p:cond delay="0"/>
+                                  </p:stCondLst>
+                                  <p:childTnLst>
+                                    <p:set>
+                                      <p:cBhvr>
+                                        <p:cTn id="35" dur="1" fill="hold">
+                                          <p:stCondLst>
+                                            <p:cond delay="0"/>
+                                          </p:stCondLst>
+                                        </p:cTn>
+                                        <p:tgtEl>
+                                          <p:spTgt spid="22"/>
+                                        </p:tgtEl>
+                                        <p:attrNameLst>
+                                          <p:attrName>style.visibility</p:attrName>
+                                        </p:attrNameLst>
+                                      </p:cBhvr>
+                                      <p:to>
+                                        <p:strVal val="visible"/>
+                                      </p:to>
+                                    </p:set>
+                                    <p:animEffect transition="in" filter="fade">
+                                      <p:cBhvr>
+                                        <p:cTn id="36" dur="500"/>
+                                        <p:tgtEl>
+                                          <p:spTgt spid="22"/>
+                                        </p:tgtEl>
+                                      </p:cBhvr>
+                                    </p:animEffect>
+                                  </p:childTnLst>
+                                </p:cTn>
+                              </p:par>
+                            </p:childTnLst>
+                          </p:cTn>
+                        </p:par>
+                      </p:childTnLst>
+                    </p:cTn>
+                  </p:par>
+                  <p:par>
+                    <p:cTn id="37" fill="hold">
+                      <p:stCondLst>
+                        <p:cond delay="indefinite"/>
+                      </p:stCondLst>
+                      <p:childTnLst>
+                        <p:par>
+                          <p:cTn id="38" fill="hold">
+                            <p:stCondLst>
+                              <p:cond delay="0"/>
+                            </p:stCondLst>
+                            <p:childTnLst>
+                              <p:par>
+                                <p:cTn id="39" presetID="10" presetClass="entr" presetSubtype="0" fill="hold" grpId="0" nodeType="clickEffect">
+                                  <p:stCondLst>
+                                    <p:cond delay="0"/>
+                                  </p:stCondLst>
+                                  <p:childTnLst>
+                                    <p:set>
+                                      <p:cBhvr>
+                                        <p:cTn id="40" dur="1" fill="hold">
+                                          <p:stCondLst>
+                                            <p:cond delay="0"/>
+                                          </p:stCondLst>
+                                        </p:cTn>
+                                        <p:tgtEl>
+                                          <p:spTgt spid="15"/>
+                                        </p:tgtEl>
+                                        <p:attrNameLst>
+                                          <p:attrName>style.visibility</p:attrName>
+                                        </p:attrNameLst>
+                                      </p:cBhvr>
+                                      <p:to>
+                                        <p:strVal val="visible"/>
+                                      </p:to>
+                                    </p:set>
+                                    <p:animEffect transition="in" filter="fade">
+                                      <p:cBhvr>
+                                        <p:cTn id="41" dur="500"/>
+                                        <p:tgtEl>
+                                          <p:spTgt spid="15"/>
+                                        </p:tgtEl>
+                                      </p:cBhvr>
+                                    </p:animEffect>
+                                  </p:childTnLst>
+                                </p:cTn>
+                              </p:par>
+                            </p:childTnLst>
+                          </p:cTn>
+                        </p:par>
+                      </p:childTnLst>
+                    </p:cTn>
+                  </p:par>
+                  <p:par>
+                    <p:cTn id="42" fill="hold">
+                      <p:stCondLst>
+                        <p:cond delay="indefinite"/>
+                      </p:stCondLst>
+                      <p:childTnLst>
+                        <p:par>
+                          <p:cTn id="43" fill="hold">
+                            <p:stCondLst>
+                              <p:cond delay="0"/>
+                            </p:stCondLst>
+                            <p:childTnLst>
+                              <p:par>
+                                <p:cTn id="44" presetID="10" presetClass="entr" presetSubtype="0" fill="hold" grpId="0" nodeType="clickEffect">
+                                  <p:stCondLst>
+                                    <p:cond delay="0"/>
+                                  </p:stCondLst>
+                                  <p:childTnLst>
+                                    <p:set>
+                                      <p:cBhvr>
+                                        <p:cTn id="45" dur="1" fill="hold">
+                                          <p:stCondLst>
+                                            <p:cond delay="0"/>
+                                          </p:stCondLst>
+                                        </p:cTn>
+                                        <p:tgtEl>
+                                          <p:spTgt spid="24"/>
+                                        </p:tgtEl>
+                                        <p:attrNameLst>
+                                          <p:attrName>style.visibility</p:attrName>
+                                        </p:attrNameLst>
+                                      </p:cBhvr>
+                                      <p:to>
+                                        <p:strVal val="visible"/>
+                                      </p:to>
+                                    </p:set>
+                                    <p:animEffect transition="in" filter="fade">
+                                      <p:cBhvr>
+                                        <p:cTn id="46" dur="500"/>
+                                        <p:tgtEl>
+                                          <p:spTgt spid="24"/>
+                                        </p:tgtEl>
+                                      </p:cBhvr>
+                                    </p:animEffect>
+                                  </p:childTnLst>
+                                </p:cTn>
+                              </p:par>
+                            </p:childTnLst>
+                          </p:cTn>
+                        </p:par>
+                      </p:childTnLst>
+                    </p:cTn>
+                  </p:par>
+                  <p:par>
+                    <p:cTn id="47" fill="hold">
+                      <p:stCondLst>
+                        <p:cond delay="indefinite"/>
+                      </p:stCondLst>
+                      <p:childTnLst>
+                        <p:par>
+                          <p:cTn id="48" fill="hold">
+                            <p:stCondLst>
+                              <p:cond delay="0"/>
+                            </p:stCondLst>
+                            <p:childTnLst>
+                              <p:par>
+                                <p:cTn id="49" presetID="10" presetClass="entr" presetSubtype="0" fill="hold" grpId="0" nodeType="clickEffect">
+                                  <p:stCondLst>
+                                    <p:cond delay="0"/>
+                                  </p:stCondLst>
+                                  <p:childTnLst>
+                                    <p:set>
+                                      <p:cBhvr>
+                                        <p:cTn id="50" dur="1" fill="hold">
+                                          <p:stCondLst>
+                                            <p:cond delay="0"/>
+                                          </p:stCondLst>
+                                        </p:cTn>
+                                        <p:tgtEl>
+                                          <p:spTgt spid="17"/>
+                                        </p:tgtEl>
+                                        <p:attrNameLst>
+                                          <p:attrName>style.visibility</p:attrName>
+                                        </p:attrNameLst>
+                                      </p:cBhvr>
+                                      <p:to>
+                                        <p:strVal val="visible"/>
+                                      </p:to>
+                                    </p:set>
+                                    <p:animEffect transition="in" filter="fade">
+                                      <p:cBhvr>
+                                        <p:cTn id="51" dur="500"/>
+                                        <p:tgtEl>
+                                          <p:spTgt spid="17"/>
+                                        </p:tgtEl>
+                                      </p:cBhvr>
+                                    </p:animEffect>
+                                  </p:childTnLst>
+                                </p:cTn>
+                              </p:par>
+                            </p:childTnLst>
+                          </p:cTn>
+                        </p:par>
+                      </p:childTnLst>
+                    </p:cTn>
+                  </p:par>
+                  <p:par>
+                    <p:cTn id="52" fill="hold">
+                      <p:stCondLst>
+                        <p:cond delay="indefinite"/>
+                      </p:stCondLst>
+                      <p:childTnLst>
+                        <p:par>
+                          <p:cTn id="53" fill="hold">
+                            <p:stCondLst>
+                              <p:cond delay="0"/>
+                            </p:stCondLst>
+                            <p:childTnLst>
+                              <p:par>
+                                <p:cTn id="54" presetID="10" presetClass="entr" presetSubtype="0" fill="hold" grpId="0" nodeType="clickEffect">
+                                  <p:stCondLst>
+                                    <p:cond delay="0"/>
+                                  </p:stCondLst>
+                                  <p:childTnLst>
+                                    <p:set>
+                                      <p:cBhvr>
+                                        <p:cTn id="55" dur="1" fill="hold">
+                                          <p:stCondLst>
+                                            <p:cond delay="0"/>
+                                          </p:stCondLst>
+                                        </p:cTn>
+                                        <p:tgtEl>
+                                          <p:spTgt spid="23"/>
+                                        </p:tgtEl>
+                                        <p:attrNameLst>
+                                          <p:attrName>style.visibility</p:attrName>
+                                        </p:attrNameLst>
+                                      </p:cBhvr>
+                                      <p:to>
+                                        <p:strVal val="visible"/>
+                                      </p:to>
+                                    </p:set>
+                                    <p:animEffect transition="in" filter="fade">
+                                      <p:cBhvr>
+                                        <p:cTn id="56" dur="500"/>
+                                        <p:tgtEl>
+                                          <p:spTgt spid="23"/>
+                                        </p:tgtEl>
+                                      </p:cBhvr>
+                                    </p:animEffect>
+                                  </p:childTnLst>
+                                </p:cTn>
+                              </p:par>
+                            </p:childTnLst>
+                          </p:cTn>
+                        </p:par>
+                      </p:childTnLst>
+                    </p:cTn>
+                  </p:par>
+                  <p:par>
+                    <p:cTn id="57" fill="hold">
+                      <p:stCondLst>
+                        <p:cond delay="indefinite"/>
+                      </p:stCondLst>
+                      <p:childTnLst>
+                        <p:par>
+                          <p:cTn id="58" fill="hold">
+                            <p:stCondLst>
+                              <p:cond delay="0"/>
+                            </p:stCondLst>
+                            <p:childTnLst>
+                              <p:par>
+                                <p:cTn id="59" presetID="10" presetClass="entr" presetSubtype="0" fill="hold" grpId="0" nodeType="clickEffect">
+                                  <p:stCondLst>
+                                    <p:cond delay="0"/>
+                                  </p:stCondLst>
+                                  <p:childTnLst>
+                                    <p:set>
+                                      <p:cBhvr>
+                                        <p:cTn id="60" dur="1" fill="hold">
+                                          <p:stCondLst>
+                                            <p:cond delay="0"/>
+                                          </p:stCondLst>
+                                        </p:cTn>
+                                        <p:tgtEl>
+                                          <p:spTgt spid="14"/>
+                                        </p:tgtEl>
+                                        <p:attrNameLst>
+                                          <p:attrName>style.visibility</p:attrName>
+                                        </p:attrNameLst>
+                                      </p:cBhvr>
+                                      <p:to>
+                                        <p:strVal val="visible"/>
+                                      </p:to>
+                                    </p:set>
+                                    <p:animEffect transition="in" filter="fade">
+                                      <p:cBhvr>
+                                        <p:cTn id="61" dur="500"/>
+                                        <p:tgtEl>
+                                          <p:spTgt spid="14"/>
+                                        </p:tgtEl>
+                                      </p:cBhvr>
+                                    </p:animEffect>
+                                  </p:childTnLst>
+                                </p:cTn>
+                              </p:par>
+                            </p:childTnLst>
+                          </p:cTn>
+                        </p:par>
+                      </p:childTnLst>
+                    </p:cTn>
+                  </p:par>
+                </p:childTnLst>
+              </p:cTn>
+              <p:prevCondLst>
+                <p:cond evt="onPrev" delay="0">
+                  <p:tgtEl>
+                    <p:sldTgt/>
+                  </p:tgtEl>
+                </p:cond>
+              </p:prevCondLst>
+              <p:nextCondLst>
+                <p:cond evt="onNext" delay="0">
+                  <p:tgtEl>
+                    <p:sldTgt/>
+                  </p:tgtEl>
+                </p:cond>
+              </p:nextCondLst>
+            </p:seq>
+          </p:childTnLst>
+        </p:cTn>
+      </p:par>
+    </p:tnLst>
+    <p:bldLst>
+      <p:bldP spid="5" grpId="0" animBg="1"/>
+      <p:bldP spid="13" grpId="0" animBg="1"/>
+      <p:bldP spid="14" grpId="0" animBg="1"/>
+      <p:bldP spid="15" grpId="0" animBg="1"/>
+      <p:bldP spid="16" grpId="0" animBg="1"/>
+      <p:bldP spid="17" grpId="0" animBg="1"/>
+      <p:bldP spid="21" grpId="0" animBg="1"/>
+      <p:bldP spid="22" grpId="0" animBg="1"/>
+      <p:bldP spid="23" grpId="0" animBg="1"/>
+      <p:bldP spid="24" grpId="0" animBg="1"/>
+      <p:bldP spid="25" grpId="0" animBg="1"/>
+      <p:bldP spid="3" grpId="0"/>
+    </p:bldLst>
+  </p:timing>
 </p:sld>
 </file>
 
 <file path=ppt/theme/theme1.xml><?xml version="1.0" encoding="utf-8"?>
 <a:theme xmlns:a="http://schemas.openxmlformats.org/drawingml/2006/main" name="Circuit">
   <a:themeElements>
-    <a:clrScheme name="Slipstream">
+    <a:clrScheme name="Custom 2">
       <a:dk1>
         <a:sysClr val="windowText" lastClr="000000"/>
       </a:dk1>
@@ -15163,10 +17472,10 @@
         <a:srgbClr val="F14124"/>
       </a:accent6>
       <a:hlink>
-        <a:srgbClr val="56C7AA"/>
+        <a:srgbClr val="FF0000"/>
       </a:hlink>
       <a:folHlink>
-        <a:srgbClr val="59A8D1"/>
+        <a:srgbClr val="000000"/>
       </a:folHlink>
     </a:clrScheme>
     <a:fontScheme name="Tw Cen MT-Rockwell">

--- a/automated_soldering_machine.pptx
+++ b/automated_soldering_machine.pptx
@@ -5,15 +5,14 @@
     <p:sldMasterId id="2147483678" r:id="rId1"/>
   </p:sldMasterIdLst>
   <p:notesMasterIdLst>
-    <p:notesMasterId r:id="rId8"/>
+    <p:notesMasterId r:id="rId7"/>
   </p:notesMasterIdLst>
   <p:sldIdLst>
     <p:sldId id="256" r:id="rId2"/>
     <p:sldId id="257" r:id="rId3"/>
     <p:sldId id="258" r:id="rId4"/>
     <p:sldId id="259" r:id="rId5"/>
-    <p:sldId id="260" r:id="rId6"/>
-    <p:sldId id="261" r:id="rId7"/>
+    <p:sldId id="261" r:id="rId6"/>
   </p:sldIdLst>
   <p:sldSz cx="12192000" cy="6858000"/>
   <p:notesSz cx="6858000" cy="9144000"/>
@@ -202,7 +201,7 @@
           <a:p>
             <a:fld id="{6B1ABE9E-7FB6-47FC-BE31-5609706269A3}" type="datetimeFigureOut">
               <a:rPr lang="en-US" smtClean="0"/>
-              <a:t>1/2/2021</a:t>
+              <a:t>1/4/2021</a:t>
             </a:fld>
             <a:endParaRPr lang="en-US"/>
           </a:p>
@@ -4745,7 +4744,7 @@
           <a:p>
             <a:fld id="{9453E4B6-66BA-4B33-AFCD-F6084AE9AFDC}" type="datetime1">
               <a:rPr lang="en-US" smtClean="0"/>
-              <a:t>1/2/2021</a:t>
+              <a:t>1/4/2021</a:t>
             </a:fld>
             <a:endParaRPr lang="en-US"/>
           </a:p>
@@ -4813,6 +4812,18 @@
   <p:clrMapOvr>
     <a:masterClrMapping/>
   </p:clrMapOvr>
+  <mc:AlternateContent xmlns:mc="http://schemas.openxmlformats.org/markup-compatibility/2006" xmlns:p15="http://schemas.microsoft.com/office/powerpoint/2012/main">
+    <mc:Choice Requires="p15">
+      <p:transition xmlns:p14="http://schemas.microsoft.com/office/powerpoint/2010/main" spd="slow" p14:dur="1250">
+        <p15:prstTrans prst="peelOff"/>
+      </p:transition>
+    </mc:Choice>
+    <mc:Fallback xmlns="">
+      <p:transition spd="slow">
+        <p:fade/>
+      </p:transition>
+    </mc:Fallback>
+  </mc:AlternateContent>
 </p:sldLayout>
 </file>
 
@@ -5012,7 +5023,7 @@
           <a:p>
             <a:fld id="{3B030C01-3367-43BF-937D-3893ADD9B9F8}" type="datetime1">
               <a:rPr lang="en-US" smtClean="0"/>
-              <a:t>1/2/2021</a:t>
+              <a:t>1/4/2021</a:t>
             </a:fld>
             <a:endParaRPr lang="en-US"/>
           </a:p>
@@ -5070,6 +5081,18 @@
   <p:clrMapOvr>
     <a:masterClrMapping/>
   </p:clrMapOvr>
+  <mc:AlternateContent xmlns:mc="http://schemas.openxmlformats.org/markup-compatibility/2006" xmlns:p15="http://schemas.microsoft.com/office/powerpoint/2012/main">
+    <mc:Choice Requires="p15">
+      <p:transition xmlns:p14="http://schemas.microsoft.com/office/powerpoint/2010/main" spd="slow" p14:dur="1250">
+        <p15:prstTrans prst="peelOff"/>
+      </p:transition>
+    </mc:Choice>
+    <mc:Fallback xmlns="">
+      <p:transition spd="slow">
+        <p:fade/>
+      </p:transition>
+    </mc:Fallback>
+  </mc:AlternateContent>
 </p:sldLayout>
 </file>
 
@@ -5208,7 +5231,7 @@
           <a:p>
             <a:fld id="{7B0B9D8B-653D-4DAC-8F28-9C1357B30687}" type="datetime1">
               <a:rPr lang="en-US" smtClean="0"/>
-              <a:t>1/2/2021</a:t>
+              <a:t>1/4/2021</a:t>
             </a:fld>
             <a:endParaRPr lang="en-US"/>
           </a:p>
@@ -5266,6 +5289,18 @@
   <p:clrMapOvr>
     <a:masterClrMapping/>
   </p:clrMapOvr>
+  <mc:AlternateContent xmlns:mc="http://schemas.openxmlformats.org/markup-compatibility/2006" xmlns:p15="http://schemas.microsoft.com/office/powerpoint/2012/main">
+    <mc:Choice Requires="p15">
+      <p:transition xmlns:p14="http://schemas.microsoft.com/office/powerpoint/2010/main" spd="slow" p14:dur="1250">
+        <p15:prstTrans prst="peelOff"/>
+      </p:transition>
+    </mc:Choice>
+    <mc:Fallback xmlns="">
+      <p:transition spd="slow">
+        <p:fade/>
+      </p:transition>
+    </mc:Fallback>
+  </mc:AlternateContent>
 </p:sldLayout>
 </file>
 
@@ -5471,7 +5506,7 @@
           <a:p>
             <a:fld id="{3E0B0587-B13D-4CE2-ABF3-D82ACC0FE76B}" type="datetime1">
               <a:rPr lang="en-US" smtClean="0"/>
-              <a:t>1/2/2021</a:t>
+              <a:t>1/4/2021</a:t>
             </a:fld>
             <a:endParaRPr lang="en-US"/>
           </a:p>
@@ -5767,6 +5802,18 @@
   <p:clrMapOvr>
     <a:masterClrMapping/>
   </p:clrMapOvr>
+  <mc:AlternateContent xmlns:mc="http://schemas.openxmlformats.org/markup-compatibility/2006" xmlns:p15="http://schemas.microsoft.com/office/powerpoint/2012/main">
+    <mc:Choice Requires="p15">
+      <p:transition xmlns:p14="http://schemas.microsoft.com/office/powerpoint/2010/main" spd="slow" p14:dur="1250">
+        <p15:prstTrans prst="peelOff"/>
+      </p:transition>
+    </mc:Choice>
+    <mc:Fallback xmlns="">
+      <p:transition spd="slow">
+        <p:fade/>
+      </p:transition>
+    </mc:Fallback>
+  </mc:AlternateContent>
 </p:sldLayout>
 </file>
 
@@ -5905,7 +5952,7 @@
           <a:p>
             <a:fld id="{71639C8D-F100-4198-BC96-24268D604A86}" type="datetime1">
               <a:rPr lang="en-US" smtClean="0"/>
-              <a:t>1/2/2021</a:t>
+              <a:t>1/4/2021</a:t>
             </a:fld>
             <a:endParaRPr lang="en-US"/>
           </a:p>
@@ -5963,6 +6010,18 @@
   <p:clrMapOvr>
     <a:masterClrMapping/>
   </p:clrMapOvr>
+  <mc:AlternateContent xmlns:mc="http://schemas.openxmlformats.org/markup-compatibility/2006" xmlns:p15="http://schemas.microsoft.com/office/powerpoint/2012/main">
+    <mc:Choice Requires="p15">
+      <p:transition xmlns:p14="http://schemas.microsoft.com/office/powerpoint/2010/main" spd="slow" p14:dur="1250">
+        <p15:prstTrans prst="peelOff"/>
+      </p:transition>
+    </mc:Choice>
+    <mc:Fallback xmlns="">
+      <p:transition spd="slow">
+        <p:fade/>
+      </p:transition>
+    </mc:Fallback>
+  </mc:AlternateContent>
 </p:sldLayout>
 </file>
 
@@ -6451,7 +6510,7 @@
           <a:p>
             <a:fld id="{FFAF4433-B36B-42B9-9129-BFBD1397BF4E}" type="datetime1">
               <a:rPr lang="en-US" smtClean="0"/>
-              <a:t>1/2/2021</a:t>
+              <a:t>1/4/2021</a:t>
             </a:fld>
             <a:endParaRPr lang="en-US"/>
           </a:p>
@@ -6509,6 +6568,18 @@
   <p:clrMapOvr>
     <a:masterClrMapping/>
   </p:clrMapOvr>
+  <mc:AlternateContent xmlns:mc="http://schemas.openxmlformats.org/markup-compatibility/2006" xmlns:p15="http://schemas.microsoft.com/office/powerpoint/2012/main">
+    <mc:Choice Requires="p15">
+      <p:transition xmlns:p14="http://schemas.microsoft.com/office/powerpoint/2010/main" spd="slow" p14:dur="1250">
+        <p15:prstTrans prst="peelOff"/>
+      </p:transition>
+    </mc:Choice>
+    <mc:Fallback xmlns="">
+      <p:transition spd="slow">
+        <p:fade/>
+      </p:transition>
+    </mc:Fallback>
+  </mc:AlternateContent>
 </p:sldLayout>
 </file>
 
@@ -7171,7 +7242,7 @@
           <a:p>
             <a:fld id="{0456F42E-3AD5-45F5-AA4E-60673CE0A094}" type="datetime1">
               <a:rPr lang="en-US" smtClean="0"/>
-              <a:t>1/2/2021</a:t>
+              <a:t>1/4/2021</a:t>
             </a:fld>
             <a:endParaRPr lang="en-US"/>
           </a:p>
@@ -7229,6 +7300,18 @@
   <p:clrMapOvr>
     <a:masterClrMapping/>
   </p:clrMapOvr>
+  <mc:AlternateContent xmlns:mc="http://schemas.openxmlformats.org/markup-compatibility/2006" xmlns:p15="http://schemas.microsoft.com/office/powerpoint/2012/main">
+    <mc:Choice Requires="p15">
+      <p:transition xmlns:p14="http://schemas.microsoft.com/office/powerpoint/2010/main" spd="slow" p14:dur="1250">
+        <p15:prstTrans prst="peelOff"/>
+      </p:transition>
+    </mc:Choice>
+    <mc:Fallback xmlns="">
+      <p:transition spd="slow">
+        <p:fade/>
+      </p:transition>
+    </mc:Fallback>
+  </mc:AlternateContent>
 </p:sldLayout>
 </file>
 
@@ -7341,7 +7424,7 @@
           <a:p>
             <a:fld id="{96682EAD-E4E4-4F29-8F62-A2DBB9B02D15}" type="datetime1">
               <a:rPr lang="en-US" smtClean="0"/>
-              <a:t>1/2/2021</a:t>
+              <a:t>1/4/2021</a:t>
             </a:fld>
             <a:endParaRPr lang="en-US"/>
           </a:p>
@@ -7399,6 +7482,18 @@
   <p:clrMapOvr>
     <a:masterClrMapping/>
   </p:clrMapOvr>
+  <mc:AlternateContent xmlns:mc="http://schemas.openxmlformats.org/markup-compatibility/2006" xmlns:p15="http://schemas.microsoft.com/office/powerpoint/2012/main">
+    <mc:Choice Requires="p15">
+      <p:transition xmlns:p14="http://schemas.microsoft.com/office/powerpoint/2010/main" spd="slow" p14:dur="1250">
+        <p15:prstTrans prst="peelOff"/>
+      </p:transition>
+    </mc:Choice>
+    <mc:Fallback xmlns="">
+      <p:transition spd="slow">
+        <p:fade/>
+      </p:transition>
+    </mc:Fallback>
+  </mc:AlternateContent>
 </p:sldLayout>
 </file>
 
@@ -7521,7 +7616,7 @@
           <a:p>
             <a:fld id="{1D971B33-70FD-4CFB-BAAD-1813DAEC74FB}" type="datetime1">
               <a:rPr lang="en-US" smtClean="0"/>
-              <a:t>1/2/2021</a:t>
+              <a:t>1/4/2021</a:t>
             </a:fld>
             <a:endParaRPr lang="en-US"/>
           </a:p>
@@ -7579,6 +7674,18 @@
   <p:clrMapOvr>
     <a:masterClrMapping/>
   </p:clrMapOvr>
+  <mc:AlternateContent xmlns:mc="http://schemas.openxmlformats.org/markup-compatibility/2006" xmlns:p15="http://schemas.microsoft.com/office/powerpoint/2012/main">
+    <mc:Choice Requires="p15">
+      <p:transition xmlns:p14="http://schemas.microsoft.com/office/powerpoint/2010/main" spd="slow" p14:dur="1250">
+        <p15:prstTrans prst="peelOff"/>
+      </p:transition>
+    </mc:Choice>
+    <mc:Fallback xmlns="">
+      <p:transition spd="slow">
+        <p:fade/>
+      </p:transition>
+    </mc:Fallback>
+  </mc:AlternateContent>
 </p:sldLayout>
 </file>
 
@@ -7691,7 +7798,7 @@
           <a:p>
             <a:fld id="{7DC7A930-E568-44E6-84ED-3BB4016E0373}" type="datetime1">
               <a:rPr lang="en-US" smtClean="0"/>
-              <a:t>1/2/2021</a:t>
+              <a:t>1/4/2021</a:t>
             </a:fld>
             <a:endParaRPr lang="en-US"/>
           </a:p>
@@ -7749,6 +7856,18 @@
   <p:clrMapOvr>
     <a:masterClrMapping/>
   </p:clrMapOvr>
+  <mc:AlternateContent xmlns:mc="http://schemas.openxmlformats.org/markup-compatibility/2006" xmlns:p15="http://schemas.microsoft.com/office/powerpoint/2012/main">
+    <mc:Choice Requires="p15">
+      <p:transition xmlns:p14="http://schemas.microsoft.com/office/powerpoint/2010/main" spd="slow" p14:dur="1250">
+        <p15:prstTrans prst="peelOff"/>
+      </p:transition>
+    </mc:Choice>
+    <mc:Fallback xmlns="">
+      <p:transition spd="slow">
+        <p:fade/>
+      </p:transition>
+    </mc:Fallback>
+  </mc:AlternateContent>
 </p:sldLayout>
 </file>
 
@@ -7941,7 +8060,7 @@
           <a:p>
             <a:fld id="{14DF841F-E273-470C-888B-487BE062E0B0}" type="datetime1">
               <a:rPr lang="en-US" smtClean="0"/>
-              <a:t>1/2/2021</a:t>
+              <a:t>1/4/2021</a:t>
             </a:fld>
             <a:endParaRPr lang="en-US"/>
           </a:p>
@@ -7999,6 +8118,18 @@
   <p:clrMapOvr>
     <a:masterClrMapping/>
   </p:clrMapOvr>
+  <mc:AlternateContent xmlns:mc="http://schemas.openxmlformats.org/markup-compatibility/2006" xmlns:p15="http://schemas.microsoft.com/office/powerpoint/2012/main">
+    <mc:Choice Requires="p15">
+      <p:transition xmlns:p14="http://schemas.microsoft.com/office/powerpoint/2010/main" spd="slow" p14:dur="1250">
+        <p15:prstTrans prst="peelOff"/>
+      </p:transition>
+    </mc:Choice>
+    <mc:Fallback xmlns="">
+      <p:transition spd="slow">
+        <p:fade/>
+      </p:transition>
+    </mc:Fallback>
+  </mc:AlternateContent>
 </p:sldLayout>
 </file>
 
@@ -8173,7 +8304,7 @@
           <a:p>
             <a:fld id="{7976C994-3276-415C-8876-D8A57D02FBEA}" type="datetime1">
               <a:rPr lang="en-US" smtClean="0"/>
-              <a:t>1/2/2021</a:t>
+              <a:t>1/4/2021</a:t>
             </a:fld>
             <a:endParaRPr lang="en-US"/>
           </a:p>
@@ -8231,6 +8362,18 @@
   <p:clrMapOvr>
     <a:masterClrMapping/>
   </p:clrMapOvr>
+  <mc:AlternateContent xmlns:mc="http://schemas.openxmlformats.org/markup-compatibility/2006" xmlns:p15="http://schemas.microsoft.com/office/powerpoint/2012/main">
+    <mc:Choice Requires="p15">
+      <p:transition xmlns:p14="http://schemas.microsoft.com/office/powerpoint/2010/main" spd="slow" p14:dur="1250">
+        <p15:prstTrans prst="peelOff"/>
+      </p:transition>
+    </mc:Choice>
+    <mc:Fallback xmlns="">
+      <p:transition spd="slow">
+        <p:fade/>
+      </p:transition>
+    </mc:Fallback>
+  </mc:AlternateContent>
 </p:sldLayout>
 </file>
 
@@ -8554,7 +8697,7 @@
           <a:p>
             <a:fld id="{957CF569-10E6-499B-B10A-368AE7881220}" type="datetime1">
               <a:rPr lang="en-US" smtClean="0"/>
-              <a:t>1/2/2021</a:t>
+              <a:t>1/4/2021</a:t>
             </a:fld>
             <a:endParaRPr lang="en-US"/>
           </a:p>
@@ -8612,6 +8755,18 @@
   <p:clrMapOvr>
     <a:masterClrMapping/>
   </p:clrMapOvr>
+  <mc:AlternateContent xmlns:mc="http://schemas.openxmlformats.org/markup-compatibility/2006" xmlns:p15="http://schemas.microsoft.com/office/powerpoint/2012/main">
+    <mc:Choice Requires="p15">
+      <p:transition xmlns:p14="http://schemas.microsoft.com/office/powerpoint/2010/main" spd="slow" p14:dur="1250">
+        <p15:prstTrans prst="peelOff"/>
+      </p:transition>
+    </mc:Choice>
+    <mc:Fallback xmlns="">
+      <p:transition spd="slow">
+        <p:fade/>
+      </p:transition>
+    </mc:Fallback>
+  </mc:AlternateContent>
 </p:sldLayout>
 </file>
 
@@ -8672,7 +8827,7 @@
           <a:p>
             <a:fld id="{2B558DD0-02EC-4237-86A7-F584E5F12E9D}" type="datetime1">
               <a:rPr lang="en-US" smtClean="0"/>
-              <a:t>1/2/2021</a:t>
+              <a:t>1/4/2021</a:t>
             </a:fld>
             <a:endParaRPr lang="en-US"/>
           </a:p>
@@ -8730,6 +8885,18 @@
   <p:clrMapOvr>
     <a:masterClrMapping/>
   </p:clrMapOvr>
+  <mc:AlternateContent xmlns:mc="http://schemas.openxmlformats.org/markup-compatibility/2006" xmlns:p15="http://schemas.microsoft.com/office/powerpoint/2012/main">
+    <mc:Choice Requires="p15">
+      <p:transition xmlns:p14="http://schemas.microsoft.com/office/powerpoint/2010/main" spd="slow" p14:dur="1250">
+        <p15:prstTrans prst="peelOff"/>
+      </p:transition>
+    </mc:Choice>
+    <mc:Fallback xmlns="">
+      <p:transition spd="slow">
+        <p:fade/>
+      </p:transition>
+    </mc:Fallback>
+  </mc:AlternateContent>
 </p:sldLayout>
 </file>
 
@@ -8767,7 +8934,7 @@
           <a:p>
             <a:fld id="{6CDF8AA9-4674-4D39-A1B3-0222990FE499}" type="datetime1">
               <a:rPr lang="en-US" smtClean="0"/>
-              <a:t>1/2/2021</a:t>
+              <a:t>1/4/2021</a:t>
             </a:fld>
             <a:endParaRPr lang="en-US"/>
           </a:p>
@@ -8825,6 +8992,18 @@
   <p:clrMapOvr>
     <a:masterClrMapping/>
   </p:clrMapOvr>
+  <mc:AlternateContent xmlns:mc="http://schemas.openxmlformats.org/markup-compatibility/2006" xmlns:p15="http://schemas.microsoft.com/office/powerpoint/2012/main">
+    <mc:Choice Requires="p15">
+      <p:transition xmlns:p14="http://schemas.microsoft.com/office/powerpoint/2010/main" spd="slow" p14:dur="1250">
+        <p15:prstTrans prst="peelOff"/>
+      </p:transition>
+    </mc:Choice>
+    <mc:Fallback xmlns="">
+      <p:transition spd="slow">
+        <p:fade/>
+      </p:transition>
+    </mc:Fallback>
+  </mc:AlternateContent>
 </p:sldLayout>
 </file>
 
@@ -9016,7 +9195,7 @@
           <a:p>
             <a:fld id="{385EDE88-5D12-4E0B-86B8-96CC48680CD5}" type="datetime1">
               <a:rPr lang="en-US" smtClean="0"/>
-              <a:t>1/2/2021</a:t>
+              <a:t>1/4/2021</a:t>
             </a:fld>
             <a:endParaRPr lang="en-US"/>
           </a:p>
@@ -9074,6 +9253,18 @@
   <p:clrMapOvr>
     <a:masterClrMapping/>
   </p:clrMapOvr>
+  <mc:AlternateContent xmlns:mc="http://schemas.openxmlformats.org/markup-compatibility/2006" xmlns:p15="http://schemas.microsoft.com/office/powerpoint/2012/main">
+    <mc:Choice Requires="p15">
+      <p:transition xmlns:p14="http://schemas.microsoft.com/office/powerpoint/2010/main" spd="slow" p14:dur="1250">
+        <p15:prstTrans prst="peelOff"/>
+      </p:transition>
+    </mc:Choice>
+    <mc:Fallback xmlns="">
+      <p:transition spd="slow">
+        <p:fade/>
+      </p:transition>
+    </mc:Fallback>
+  </mc:AlternateContent>
 </p:sldLayout>
 </file>
 
@@ -9296,7 +9487,7 @@
           <a:p>
             <a:fld id="{1A5064E6-1AA0-4DA4-AF2E-267D28A9CDE4}" type="datetime1">
               <a:rPr lang="en-US" smtClean="0"/>
-              <a:t>1/2/2021</a:t>
+              <a:t>1/4/2021</a:t>
             </a:fld>
             <a:endParaRPr lang="en-US"/>
           </a:p>
@@ -9354,6 +9545,18 @@
   <p:clrMapOvr>
     <a:masterClrMapping/>
   </p:clrMapOvr>
+  <mc:AlternateContent xmlns:mc="http://schemas.openxmlformats.org/markup-compatibility/2006" xmlns:p15="http://schemas.microsoft.com/office/powerpoint/2012/main">
+    <mc:Choice Requires="p15">
+      <p:transition xmlns:p14="http://schemas.microsoft.com/office/powerpoint/2010/main" spd="slow" p14:dur="1250">
+        <p15:prstTrans prst="peelOff"/>
+      </p:transition>
+    </mc:Choice>
+    <mc:Fallback xmlns="">
+      <p:transition spd="slow">
+        <p:fade/>
+      </p:transition>
+    </mc:Fallback>
+  </mc:AlternateContent>
 </p:sldLayout>
 </file>
 
@@ -12373,7 +12576,7 @@
           <a:p>
             <a:fld id="{97D301C7-A48F-46B4-9988-324187293CA9}" type="datetime1">
               <a:rPr lang="en-US" smtClean="0"/>
-              <a:t>1/2/2021</a:t>
+              <a:t>1/4/2021</a:t>
             </a:fld>
             <a:endParaRPr lang="en-US"/>
           </a:p>
@@ -12484,6 +12687,18 @@
     <p:sldLayoutId id="2147483694" r:id="rId16"/>
     <p:sldLayoutId id="2147483695" r:id="rId17"/>
   </p:sldLayoutIdLst>
+  <mc:AlternateContent xmlns:mc="http://schemas.openxmlformats.org/markup-compatibility/2006" xmlns:p15="http://schemas.microsoft.com/office/powerpoint/2012/main">
+    <mc:Choice Requires="p15">
+      <p:transition xmlns:p14="http://schemas.microsoft.com/office/powerpoint/2010/main" spd="slow" p14:dur="1250">
+        <p15:prstTrans prst="peelOff"/>
+      </p:transition>
+    </mc:Choice>
+    <mc:Fallback xmlns="">
+      <p:transition spd="slow">
+        <p:fade/>
+      </p:transition>
+    </mc:Fallback>
+  </mc:AlternateContent>
   <p:hf hdr="0" ftr="0" dt="0"/>
   <p:txStyles>
     <p:titleStyle>
@@ -13088,6 +13303,18 @@
   <p:clrMapOvr>
     <a:masterClrMapping/>
   </p:clrMapOvr>
+  <mc:AlternateContent xmlns:mc="http://schemas.openxmlformats.org/markup-compatibility/2006" xmlns:p15="http://schemas.microsoft.com/office/powerpoint/2012/main">
+    <mc:Choice Requires="p15">
+      <p:transition xmlns:p14="http://schemas.microsoft.com/office/powerpoint/2010/main" spd="slow" p14:dur="1250">
+        <p15:prstTrans prst="peelOff"/>
+      </p:transition>
+    </mc:Choice>
+    <mc:Fallback xmlns="">
+      <p:transition spd="slow">
+        <p:fade/>
+      </p:transition>
+    </mc:Fallback>
+  </mc:AlternateContent>
 </p:sld>
 </file>
 
@@ -13124,7 +13351,12 @@
             <p:ph type="title"/>
           </p:nvPr>
         </p:nvSpPr>
-        <p:spPr/>
+        <p:spPr>
+          <a:xfrm>
+            <a:off x="1141412" y="335183"/>
+            <a:ext cx="9905998" cy="1478570"/>
+          </a:xfrm>
+        </p:spPr>
         <p:txBody>
           <a:bodyPr/>
           <a:lstStyle/>
@@ -13220,6 +13452,18 @@
   <p:clrMapOvr>
     <a:masterClrMapping/>
   </p:clrMapOvr>
+  <mc:AlternateContent xmlns:mc="http://schemas.openxmlformats.org/markup-compatibility/2006" xmlns:p15="http://schemas.microsoft.com/office/powerpoint/2012/main">
+    <mc:Choice Requires="p15">
+      <p:transition xmlns:p14="http://schemas.microsoft.com/office/powerpoint/2010/main" spd="slow" p14:dur="1250">
+        <p15:prstTrans prst="peelOff"/>
+      </p:transition>
+    </mc:Choice>
+    <mc:Fallback xmlns="">
+      <p:transition spd="slow">
+        <p:fade/>
+      </p:transition>
+    </mc:Fallback>
+  </mc:AlternateContent>
 </p:sld>
 </file>
 
@@ -13286,14 +13530,14 @@
           <p:nvPr>
             <p:extLst>
               <p:ext uri="{D42A27DB-BD31-4B8C-83A1-F6EECF244321}">
-                <p14:modId xmlns:p14="http://schemas.microsoft.com/office/powerpoint/2010/main" val="4046382893"/>
+                <p14:modId xmlns:p14="http://schemas.microsoft.com/office/powerpoint/2010/main" val="2013818318"/>
               </p:ext>
             </p:extLst>
           </p:nvPr>
         </p:nvGraphicFramePr>
         <p:xfrm>
-          <a:off x="573207" y="1255594"/>
-          <a:ext cx="10686196" cy="4654389"/>
+          <a:off x="752902" y="1438156"/>
+          <a:ext cx="10686196" cy="4627680"/>
         </p:xfrm>
         <a:graphic>
           <a:graphicData uri="http://schemas.openxmlformats.org/drawingml/2006/table">
@@ -13360,6 +13604,42 @@
                     </a:p>
                   </a:txBody>
                   <a:tcPr>
+                    <a:lnL w="12700" cap="flat" cmpd="sng" algn="ctr">
+                      <a:solidFill>
+                        <a:schemeClr val="tx1"/>
+                      </a:solidFill>
+                      <a:prstDash val="solid"/>
+                      <a:round/>
+                      <a:headEnd type="none" w="med" len="med"/>
+                      <a:tailEnd type="none" w="med" len="med"/>
+                    </a:lnL>
+                    <a:lnR w="12700" cap="flat" cmpd="sng" algn="ctr">
+                      <a:solidFill>
+                        <a:schemeClr val="tx1"/>
+                      </a:solidFill>
+                      <a:prstDash val="solid"/>
+                      <a:round/>
+                      <a:headEnd type="none" w="med" len="med"/>
+                      <a:tailEnd type="none" w="med" len="med"/>
+                    </a:lnR>
+                    <a:lnT w="12700" cap="flat" cmpd="sng" algn="ctr">
+                      <a:solidFill>
+                        <a:schemeClr val="tx1"/>
+                      </a:solidFill>
+                      <a:prstDash val="solid"/>
+                      <a:round/>
+                      <a:headEnd type="none" w="med" len="med"/>
+                      <a:tailEnd type="none" w="med" len="med"/>
+                    </a:lnT>
+                    <a:lnB w="12700" cap="flat" cmpd="sng" algn="ctr">
+                      <a:solidFill>
+                        <a:schemeClr val="tx1"/>
+                      </a:solidFill>
+                      <a:prstDash val="solid"/>
+                      <a:round/>
+                      <a:headEnd type="none" w="med" len="med"/>
+                      <a:tailEnd type="none" w="med" len="med"/>
+                    </a:lnB>
                     <a:solidFill>
                       <a:schemeClr val="bg2">
                         <a:lumMod val="40000"/>
@@ -13382,6 +13662,42 @@
                     </a:p>
                   </a:txBody>
                   <a:tcPr>
+                    <a:lnL w="12700" cap="flat" cmpd="sng" algn="ctr">
+                      <a:solidFill>
+                        <a:schemeClr val="tx1"/>
+                      </a:solidFill>
+                      <a:prstDash val="solid"/>
+                      <a:round/>
+                      <a:headEnd type="none" w="med" len="med"/>
+                      <a:tailEnd type="none" w="med" len="med"/>
+                    </a:lnL>
+                    <a:lnR w="12700" cap="flat" cmpd="sng" algn="ctr">
+                      <a:solidFill>
+                        <a:schemeClr val="tx1"/>
+                      </a:solidFill>
+                      <a:prstDash val="solid"/>
+                      <a:round/>
+                      <a:headEnd type="none" w="med" len="med"/>
+                      <a:tailEnd type="none" w="med" len="med"/>
+                    </a:lnR>
+                    <a:lnT w="12700" cap="flat" cmpd="sng" algn="ctr">
+                      <a:solidFill>
+                        <a:schemeClr val="tx1"/>
+                      </a:solidFill>
+                      <a:prstDash val="solid"/>
+                      <a:round/>
+                      <a:headEnd type="none" w="med" len="med"/>
+                      <a:tailEnd type="none" w="med" len="med"/>
+                    </a:lnT>
+                    <a:lnB w="12700" cap="flat" cmpd="sng" algn="ctr">
+                      <a:solidFill>
+                        <a:schemeClr val="tx1"/>
+                      </a:solidFill>
+                      <a:prstDash val="solid"/>
+                      <a:round/>
+                      <a:headEnd type="none" w="med" len="med"/>
+                      <a:tailEnd type="none" w="med" len="med"/>
+                    </a:lnB>
                     <a:solidFill>
                       <a:schemeClr val="bg2">
                         <a:lumMod val="40000"/>
@@ -13404,6 +13720,42 @@
                     </a:p>
                   </a:txBody>
                   <a:tcPr>
+                    <a:lnL w="12700" cap="flat" cmpd="sng" algn="ctr">
+                      <a:solidFill>
+                        <a:schemeClr val="tx1"/>
+                      </a:solidFill>
+                      <a:prstDash val="solid"/>
+                      <a:round/>
+                      <a:headEnd type="none" w="med" len="med"/>
+                      <a:tailEnd type="none" w="med" len="med"/>
+                    </a:lnL>
+                    <a:lnR w="12700" cap="flat" cmpd="sng" algn="ctr">
+                      <a:solidFill>
+                        <a:schemeClr val="tx1"/>
+                      </a:solidFill>
+                      <a:prstDash val="solid"/>
+                      <a:round/>
+                      <a:headEnd type="none" w="med" len="med"/>
+                      <a:tailEnd type="none" w="med" len="med"/>
+                    </a:lnR>
+                    <a:lnT w="12700" cap="flat" cmpd="sng" algn="ctr">
+                      <a:solidFill>
+                        <a:schemeClr val="tx1"/>
+                      </a:solidFill>
+                      <a:prstDash val="solid"/>
+                      <a:round/>
+                      <a:headEnd type="none" w="med" len="med"/>
+                      <a:tailEnd type="none" w="med" len="med"/>
+                    </a:lnT>
+                    <a:lnB w="12700" cap="flat" cmpd="sng" algn="ctr">
+                      <a:solidFill>
+                        <a:schemeClr val="tx1"/>
+                      </a:solidFill>
+                      <a:prstDash val="solid"/>
+                      <a:round/>
+                      <a:headEnd type="none" w="med" len="med"/>
+                      <a:tailEnd type="none" w="med" len="med"/>
+                    </a:lnB>
                     <a:solidFill>
                       <a:schemeClr val="bg2">
                         <a:lumMod val="40000"/>
@@ -13426,6 +13778,42 @@
                     </a:p>
                   </a:txBody>
                   <a:tcPr>
+                    <a:lnL w="12700" cap="flat" cmpd="sng" algn="ctr">
+                      <a:solidFill>
+                        <a:schemeClr val="tx1"/>
+                      </a:solidFill>
+                      <a:prstDash val="solid"/>
+                      <a:round/>
+                      <a:headEnd type="none" w="med" len="med"/>
+                      <a:tailEnd type="none" w="med" len="med"/>
+                    </a:lnL>
+                    <a:lnR w="12700" cap="flat" cmpd="sng" algn="ctr">
+                      <a:solidFill>
+                        <a:schemeClr val="tx1"/>
+                      </a:solidFill>
+                      <a:prstDash val="solid"/>
+                      <a:round/>
+                      <a:headEnd type="none" w="med" len="med"/>
+                      <a:tailEnd type="none" w="med" len="med"/>
+                    </a:lnR>
+                    <a:lnT w="12700" cap="flat" cmpd="sng" algn="ctr">
+                      <a:solidFill>
+                        <a:schemeClr val="tx1"/>
+                      </a:solidFill>
+                      <a:prstDash val="solid"/>
+                      <a:round/>
+                      <a:headEnd type="none" w="med" len="med"/>
+                      <a:tailEnd type="none" w="med" len="med"/>
+                    </a:lnT>
+                    <a:lnB w="12700" cap="flat" cmpd="sng" algn="ctr">
+                      <a:solidFill>
+                        <a:schemeClr val="tx1"/>
+                      </a:solidFill>
+                      <a:prstDash val="solid"/>
+                      <a:round/>
+                      <a:headEnd type="none" w="med" len="med"/>
+                      <a:tailEnd type="none" w="med" len="med"/>
+                    </a:lnB>
                     <a:solidFill>
                       <a:schemeClr val="bg2">
                         <a:lumMod val="40000"/>
@@ -13448,6 +13836,42 @@
                     </a:p>
                   </a:txBody>
                   <a:tcPr>
+                    <a:lnL w="12700" cap="flat" cmpd="sng" algn="ctr">
+                      <a:solidFill>
+                        <a:schemeClr val="tx1"/>
+                      </a:solidFill>
+                      <a:prstDash val="solid"/>
+                      <a:round/>
+                      <a:headEnd type="none" w="med" len="med"/>
+                      <a:tailEnd type="none" w="med" len="med"/>
+                    </a:lnL>
+                    <a:lnR w="12700" cap="flat" cmpd="sng" algn="ctr">
+                      <a:solidFill>
+                        <a:schemeClr val="tx1"/>
+                      </a:solidFill>
+                      <a:prstDash val="solid"/>
+                      <a:round/>
+                      <a:headEnd type="none" w="med" len="med"/>
+                      <a:tailEnd type="none" w="med" len="med"/>
+                    </a:lnR>
+                    <a:lnT w="12700" cap="flat" cmpd="sng" algn="ctr">
+                      <a:solidFill>
+                        <a:schemeClr val="tx1"/>
+                      </a:solidFill>
+                      <a:prstDash val="solid"/>
+                      <a:round/>
+                      <a:headEnd type="none" w="med" len="med"/>
+                      <a:tailEnd type="none" w="med" len="med"/>
+                    </a:lnT>
+                    <a:lnB w="12700" cap="flat" cmpd="sng" algn="ctr">
+                      <a:solidFill>
+                        <a:schemeClr val="tx1"/>
+                      </a:solidFill>
+                      <a:prstDash val="solid"/>
+                      <a:round/>
+                      <a:headEnd type="none" w="med" len="med"/>
+                      <a:tailEnd type="none" w="med" len="med"/>
+                    </a:lnB>
                     <a:solidFill>
                       <a:schemeClr val="bg2">
                         <a:lumMod val="40000"/>
@@ -13470,6 +13894,42 @@
                     </a:p>
                   </a:txBody>
                   <a:tcPr>
+                    <a:lnL w="12700" cap="flat" cmpd="sng" algn="ctr">
+                      <a:solidFill>
+                        <a:schemeClr val="tx1"/>
+                      </a:solidFill>
+                      <a:prstDash val="solid"/>
+                      <a:round/>
+                      <a:headEnd type="none" w="med" len="med"/>
+                      <a:tailEnd type="none" w="med" len="med"/>
+                    </a:lnL>
+                    <a:lnR w="12700" cap="flat" cmpd="sng" algn="ctr">
+                      <a:solidFill>
+                        <a:schemeClr val="tx1"/>
+                      </a:solidFill>
+                      <a:prstDash val="solid"/>
+                      <a:round/>
+                      <a:headEnd type="none" w="med" len="med"/>
+                      <a:tailEnd type="none" w="med" len="med"/>
+                    </a:lnR>
+                    <a:lnT w="12700" cap="flat" cmpd="sng" algn="ctr">
+                      <a:solidFill>
+                        <a:schemeClr val="tx1"/>
+                      </a:solidFill>
+                      <a:prstDash val="solid"/>
+                      <a:round/>
+                      <a:headEnd type="none" w="med" len="med"/>
+                      <a:tailEnd type="none" w="med" len="med"/>
+                    </a:lnT>
+                    <a:lnB w="12700" cap="flat" cmpd="sng" algn="ctr">
+                      <a:solidFill>
+                        <a:schemeClr val="tx1"/>
+                      </a:solidFill>
+                      <a:prstDash val="solid"/>
+                      <a:round/>
+                      <a:headEnd type="none" w="med" len="med"/>
+                      <a:tailEnd type="none" w="med" len="med"/>
+                    </a:lnB>
                     <a:solidFill>
                       <a:schemeClr val="bg2">
                         <a:lumMod val="40000"/>
@@ -13498,7 +13958,44 @@
                       <a:endParaRPr lang="en-US" dirty="0"/>
                     </a:p>
                   </a:txBody>
-                  <a:tcPr/>
+                  <a:tcPr>
+                    <a:lnL w="12700" cap="flat" cmpd="sng" algn="ctr">
+                      <a:solidFill>
+                        <a:schemeClr val="tx1"/>
+                      </a:solidFill>
+                      <a:prstDash val="solid"/>
+                      <a:round/>
+                      <a:headEnd type="none" w="med" len="med"/>
+                      <a:tailEnd type="none" w="med" len="med"/>
+                    </a:lnL>
+                    <a:lnR w="12700" cap="flat" cmpd="sng" algn="ctr">
+                      <a:solidFill>
+                        <a:schemeClr val="tx1"/>
+                      </a:solidFill>
+                      <a:prstDash val="solid"/>
+                      <a:round/>
+                      <a:headEnd type="none" w="med" len="med"/>
+                      <a:tailEnd type="none" w="med" len="med"/>
+                    </a:lnR>
+                    <a:lnT w="12700" cap="flat" cmpd="sng" algn="ctr">
+                      <a:solidFill>
+                        <a:schemeClr val="tx1"/>
+                      </a:solidFill>
+                      <a:prstDash val="solid"/>
+                      <a:round/>
+                      <a:headEnd type="none" w="med" len="med"/>
+                      <a:tailEnd type="none" w="med" len="med"/>
+                    </a:lnT>
+                    <a:lnB w="12700" cap="flat" cmpd="sng" algn="ctr">
+                      <a:solidFill>
+                        <a:schemeClr val="tx1"/>
+                      </a:solidFill>
+                      <a:prstDash val="solid"/>
+                      <a:round/>
+                      <a:headEnd type="none" w="med" len="med"/>
+                      <a:tailEnd type="none" w="med" len="med"/>
+                    </a:lnB>
+                  </a:tcPr>
                 </a:tc>
                 <a:tc>
                   <a:txBody>
@@ -13511,7 +14008,44 @@
                       </a:r>
                     </a:p>
                   </a:txBody>
-                  <a:tcPr/>
+                  <a:tcPr>
+                    <a:lnL w="12700" cap="flat" cmpd="sng" algn="ctr">
+                      <a:solidFill>
+                        <a:schemeClr val="tx1"/>
+                      </a:solidFill>
+                      <a:prstDash val="solid"/>
+                      <a:round/>
+                      <a:headEnd type="none" w="med" len="med"/>
+                      <a:tailEnd type="none" w="med" len="med"/>
+                    </a:lnL>
+                    <a:lnR w="12700" cap="flat" cmpd="sng" algn="ctr">
+                      <a:solidFill>
+                        <a:schemeClr val="tx1"/>
+                      </a:solidFill>
+                      <a:prstDash val="solid"/>
+                      <a:round/>
+                      <a:headEnd type="none" w="med" len="med"/>
+                      <a:tailEnd type="none" w="med" len="med"/>
+                    </a:lnR>
+                    <a:lnT w="12700" cap="flat" cmpd="sng" algn="ctr">
+                      <a:solidFill>
+                        <a:schemeClr val="tx1"/>
+                      </a:solidFill>
+                      <a:prstDash val="solid"/>
+                      <a:round/>
+                      <a:headEnd type="none" w="med" len="med"/>
+                      <a:tailEnd type="none" w="med" len="med"/>
+                    </a:lnT>
+                    <a:lnB w="12700" cap="flat" cmpd="sng" algn="ctr">
+                      <a:solidFill>
+                        <a:schemeClr val="tx1"/>
+                      </a:solidFill>
+                      <a:prstDash val="solid"/>
+                      <a:round/>
+                      <a:headEnd type="none" w="med" len="med"/>
+                      <a:tailEnd type="none" w="med" len="med"/>
+                    </a:lnB>
+                  </a:tcPr>
                 </a:tc>
                 <a:tc>
                   <a:txBody>
@@ -13525,7 +14059,44 @@
                       <a:endParaRPr lang="en-US" dirty="0"/>
                     </a:p>
                   </a:txBody>
-                  <a:tcPr/>
+                  <a:tcPr>
+                    <a:lnL w="12700" cap="flat" cmpd="sng" algn="ctr">
+                      <a:solidFill>
+                        <a:schemeClr val="tx1"/>
+                      </a:solidFill>
+                      <a:prstDash val="solid"/>
+                      <a:round/>
+                      <a:headEnd type="none" w="med" len="med"/>
+                      <a:tailEnd type="none" w="med" len="med"/>
+                    </a:lnL>
+                    <a:lnR w="12700" cap="flat" cmpd="sng" algn="ctr">
+                      <a:solidFill>
+                        <a:schemeClr val="tx1"/>
+                      </a:solidFill>
+                      <a:prstDash val="solid"/>
+                      <a:round/>
+                      <a:headEnd type="none" w="med" len="med"/>
+                      <a:tailEnd type="none" w="med" len="med"/>
+                    </a:lnR>
+                    <a:lnT w="12700" cap="flat" cmpd="sng" algn="ctr">
+                      <a:solidFill>
+                        <a:schemeClr val="tx1"/>
+                      </a:solidFill>
+                      <a:prstDash val="solid"/>
+                      <a:round/>
+                      <a:headEnd type="none" w="med" len="med"/>
+                      <a:tailEnd type="none" w="med" len="med"/>
+                    </a:lnT>
+                    <a:lnB w="12700" cap="flat" cmpd="sng" algn="ctr">
+                      <a:solidFill>
+                        <a:schemeClr val="tx1"/>
+                      </a:solidFill>
+                      <a:prstDash val="solid"/>
+                      <a:round/>
+                      <a:headEnd type="none" w="med" len="med"/>
+                      <a:tailEnd type="none" w="med" len="med"/>
+                    </a:lnB>
+                  </a:tcPr>
                 </a:tc>
                 <a:tc>
                   <a:txBody>
@@ -13539,7 +14110,44 @@
                       <a:endParaRPr lang="en-US" dirty="0"/>
                     </a:p>
                   </a:txBody>
-                  <a:tcPr/>
+                  <a:tcPr>
+                    <a:lnL w="12700" cap="flat" cmpd="sng" algn="ctr">
+                      <a:solidFill>
+                        <a:schemeClr val="tx1"/>
+                      </a:solidFill>
+                      <a:prstDash val="solid"/>
+                      <a:round/>
+                      <a:headEnd type="none" w="med" len="med"/>
+                      <a:tailEnd type="none" w="med" len="med"/>
+                    </a:lnL>
+                    <a:lnR w="12700" cap="flat" cmpd="sng" algn="ctr">
+                      <a:solidFill>
+                        <a:schemeClr val="tx1"/>
+                      </a:solidFill>
+                      <a:prstDash val="solid"/>
+                      <a:round/>
+                      <a:headEnd type="none" w="med" len="med"/>
+                      <a:tailEnd type="none" w="med" len="med"/>
+                    </a:lnR>
+                    <a:lnT w="12700" cap="flat" cmpd="sng" algn="ctr">
+                      <a:solidFill>
+                        <a:schemeClr val="tx1"/>
+                      </a:solidFill>
+                      <a:prstDash val="solid"/>
+                      <a:round/>
+                      <a:headEnd type="none" w="med" len="med"/>
+                      <a:tailEnd type="none" w="med" len="med"/>
+                    </a:lnT>
+                    <a:lnB w="12700" cap="flat" cmpd="sng" algn="ctr">
+                      <a:solidFill>
+                        <a:schemeClr val="tx1"/>
+                      </a:solidFill>
+                      <a:prstDash val="solid"/>
+                      <a:round/>
+                      <a:headEnd type="none" w="med" len="med"/>
+                      <a:tailEnd type="none" w="med" len="med"/>
+                    </a:lnB>
+                  </a:tcPr>
                 </a:tc>
                 <a:tc>
                   <a:txBody>
@@ -13549,7 +14157,44 @@
                       <a:endParaRPr lang="en-US" dirty="0"/>
                     </a:p>
                   </a:txBody>
-                  <a:tcPr/>
+                  <a:tcPr>
+                    <a:lnL w="12700" cap="flat" cmpd="sng" algn="ctr">
+                      <a:solidFill>
+                        <a:schemeClr val="tx1"/>
+                      </a:solidFill>
+                      <a:prstDash val="solid"/>
+                      <a:round/>
+                      <a:headEnd type="none" w="med" len="med"/>
+                      <a:tailEnd type="none" w="med" len="med"/>
+                    </a:lnL>
+                    <a:lnR w="12700" cap="flat" cmpd="sng" algn="ctr">
+                      <a:solidFill>
+                        <a:schemeClr val="tx1"/>
+                      </a:solidFill>
+                      <a:prstDash val="solid"/>
+                      <a:round/>
+                      <a:headEnd type="none" w="med" len="med"/>
+                      <a:tailEnd type="none" w="med" len="med"/>
+                    </a:lnR>
+                    <a:lnT w="12700" cap="flat" cmpd="sng" algn="ctr">
+                      <a:solidFill>
+                        <a:schemeClr val="tx1"/>
+                      </a:solidFill>
+                      <a:prstDash val="solid"/>
+                      <a:round/>
+                      <a:headEnd type="none" w="med" len="med"/>
+                      <a:tailEnd type="none" w="med" len="med"/>
+                    </a:lnT>
+                    <a:lnB w="12700" cap="flat" cmpd="sng" algn="ctr">
+                      <a:solidFill>
+                        <a:schemeClr val="tx1"/>
+                      </a:solidFill>
+                      <a:prstDash val="solid"/>
+                      <a:round/>
+                      <a:headEnd type="none" w="med" len="med"/>
+                      <a:tailEnd type="none" w="med" len="med"/>
+                    </a:lnB>
+                  </a:tcPr>
                 </a:tc>
                 <a:tc>
                   <a:txBody>
@@ -13557,12 +14202,52 @@
                     <a:lstStyle/>
                     <a:p>
                       <a:r>
-                        <a:rPr lang="en-US" dirty="0"/>
-                        <a:t>https://electricdiylab.com/how-to-make-arduino-mini-cnc-plotter-machine/</a:t>
+                        <a:rPr lang="en-US" dirty="0">
+                          <a:hlinkClick r:id="rId2"/>
+                        </a:rPr>
+                        <a:t>Click here</a:t>
                       </a:r>
+                      <a:endParaRPr lang="en-US" dirty="0"/>
                     </a:p>
                   </a:txBody>
-                  <a:tcPr/>
+                  <a:tcPr>
+                    <a:lnL w="12700" cap="flat" cmpd="sng" algn="ctr">
+                      <a:solidFill>
+                        <a:schemeClr val="tx1"/>
+                      </a:solidFill>
+                      <a:prstDash val="solid"/>
+                      <a:round/>
+                      <a:headEnd type="none" w="med" len="med"/>
+                      <a:tailEnd type="none" w="med" len="med"/>
+                    </a:lnL>
+                    <a:lnR w="12700" cap="flat" cmpd="sng" algn="ctr">
+                      <a:solidFill>
+                        <a:schemeClr val="tx1"/>
+                      </a:solidFill>
+                      <a:prstDash val="solid"/>
+                      <a:round/>
+                      <a:headEnd type="none" w="med" len="med"/>
+                      <a:tailEnd type="none" w="med" len="med"/>
+                    </a:lnR>
+                    <a:lnT w="12700" cap="flat" cmpd="sng" algn="ctr">
+                      <a:solidFill>
+                        <a:schemeClr val="tx1"/>
+                      </a:solidFill>
+                      <a:prstDash val="solid"/>
+                      <a:round/>
+                      <a:headEnd type="none" w="med" len="med"/>
+                      <a:tailEnd type="none" w="med" len="med"/>
+                    </a:lnT>
+                    <a:lnB w="12700" cap="flat" cmpd="sng" algn="ctr">
+                      <a:solidFill>
+                        <a:schemeClr val="tx1"/>
+                      </a:solidFill>
+                      <a:prstDash val="solid"/>
+                      <a:round/>
+                      <a:headEnd type="none" w="med" len="med"/>
+                      <a:tailEnd type="none" w="med" len="med"/>
+                    </a:lnB>
+                  </a:tcPr>
                 </a:tc>
                 <a:extLst>
                   <a:ext uri="{0D108BD9-81ED-4DB2-BD59-A6C34878D82A}">
@@ -13584,7 +14269,44 @@
                       <a:endParaRPr lang="en-US" dirty="0"/>
                     </a:p>
                   </a:txBody>
-                  <a:tcPr/>
+                  <a:tcPr>
+                    <a:lnL w="12700" cap="flat" cmpd="sng" algn="ctr">
+                      <a:solidFill>
+                        <a:schemeClr val="tx1"/>
+                      </a:solidFill>
+                      <a:prstDash val="solid"/>
+                      <a:round/>
+                      <a:headEnd type="none" w="med" len="med"/>
+                      <a:tailEnd type="none" w="med" len="med"/>
+                    </a:lnL>
+                    <a:lnR w="12700" cap="flat" cmpd="sng" algn="ctr">
+                      <a:solidFill>
+                        <a:schemeClr val="tx1"/>
+                      </a:solidFill>
+                      <a:prstDash val="solid"/>
+                      <a:round/>
+                      <a:headEnd type="none" w="med" len="med"/>
+                      <a:tailEnd type="none" w="med" len="med"/>
+                    </a:lnR>
+                    <a:lnT w="12700" cap="flat" cmpd="sng" algn="ctr">
+                      <a:solidFill>
+                        <a:schemeClr val="tx1"/>
+                      </a:solidFill>
+                      <a:prstDash val="solid"/>
+                      <a:round/>
+                      <a:headEnd type="none" w="med" len="med"/>
+                      <a:tailEnd type="none" w="med" len="med"/>
+                    </a:lnT>
+                    <a:lnB w="12700" cap="flat" cmpd="sng" algn="ctr">
+                      <a:solidFill>
+                        <a:schemeClr val="tx1"/>
+                      </a:solidFill>
+                      <a:prstDash val="solid"/>
+                      <a:round/>
+                      <a:headEnd type="none" w="med" len="med"/>
+                      <a:tailEnd type="none" w="med" len="med"/>
+                    </a:lnB>
+                  </a:tcPr>
                 </a:tc>
                 <a:tc>
                   <a:txBody>
@@ -13617,7 +14339,44 @@
                       <a:endParaRPr lang="en-US" dirty="0"/>
                     </a:p>
                   </a:txBody>
-                  <a:tcPr/>
+                  <a:tcPr>
+                    <a:lnL w="12700" cap="flat" cmpd="sng" algn="ctr">
+                      <a:solidFill>
+                        <a:schemeClr val="tx1"/>
+                      </a:solidFill>
+                      <a:prstDash val="solid"/>
+                      <a:round/>
+                      <a:headEnd type="none" w="med" len="med"/>
+                      <a:tailEnd type="none" w="med" len="med"/>
+                    </a:lnL>
+                    <a:lnR w="12700" cap="flat" cmpd="sng" algn="ctr">
+                      <a:solidFill>
+                        <a:schemeClr val="tx1"/>
+                      </a:solidFill>
+                      <a:prstDash val="solid"/>
+                      <a:round/>
+                      <a:headEnd type="none" w="med" len="med"/>
+                      <a:tailEnd type="none" w="med" len="med"/>
+                    </a:lnR>
+                    <a:lnT w="12700" cap="flat" cmpd="sng" algn="ctr">
+                      <a:solidFill>
+                        <a:schemeClr val="tx1"/>
+                      </a:solidFill>
+                      <a:prstDash val="solid"/>
+                      <a:round/>
+                      <a:headEnd type="none" w="med" len="med"/>
+                      <a:tailEnd type="none" w="med" len="med"/>
+                    </a:lnT>
+                    <a:lnB w="12700" cap="flat" cmpd="sng" algn="ctr">
+                      <a:solidFill>
+                        <a:schemeClr val="tx1"/>
+                      </a:solidFill>
+                      <a:prstDash val="solid"/>
+                      <a:round/>
+                      <a:headEnd type="none" w="med" len="med"/>
+                      <a:tailEnd type="none" w="med" len="med"/>
+                    </a:lnB>
+                  </a:tcPr>
                 </a:tc>
                 <a:tc>
                   <a:txBody>
@@ -13631,7 +14390,44 @@
                       <a:endParaRPr lang="en-US" dirty="0"/>
                     </a:p>
                   </a:txBody>
-                  <a:tcPr/>
+                  <a:tcPr>
+                    <a:lnL w="12700" cap="flat" cmpd="sng" algn="ctr">
+                      <a:solidFill>
+                        <a:schemeClr val="tx1"/>
+                      </a:solidFill>
+                      <a:prstDash val="solid"/>
+                      <a:round/>
+                      <a:headEnd type="none" w="med" len="med"/>
+                      <a:tailEnd type="none" w="med" len="med"/>
+                    </a:lnL>
+                    <a:lnR w="12700" cap="flat" cmpd="sng" algn="ctr">
+                      <a:solidFill>
+                        <a:schemeClr val="tx1"/>
+                      </a:solidFill>
+                      <a:prstDash val="solid"/>
+                      <a:round/>
+                      <a:headEnd type="none" w="med" len="med"/>
+                      <a:tailEnd type="none" w="med" len="med"/>
+                    </a:lnR>
+                    <a:lnT w="12700" cap="flat" cmpd="sng" algn="ctr">
+                      <a:solidFill>
+                        <a:schemeClr val="tx1"/>
+                      </a:solidFill>
+                      <a:prstDash val="solid"/>
+                      <a:round/>
+                      <a:headEnd type="none" w="med" len="med"/>
+                      <a:tailEnd type="none" w="med" len="med"/>
+                    </a:lnT>
+                    <a:lnB w="12700" cap="flat" cmpd="sng" algn="ctr">
+                      <a:solidFill>
+                        <a:schemeClr val="tx1"/>
+                      </a:solidFill>
+                      <a:prstDash val="solid"/>
+                      <a:round/>
+                      <a:headEnd type="none" w="med" len="med"/>
+                      <a:tailEnd type="none" w="med" len="med"/>
+                    </a:lnB>
+                  </a:tcPr>
                 </a:tc>
                 <a:tc>
                   <a:txBody>
@@ -13645,7 +14441,44 @@
                       <a:endParaRPr lang="en-US" dirty="0"/>
                     </a:p>
                   </a:txBody>
-                  <a:tcPr/>
+                  <a:tcPr>
+                    <a:lnL w="12700" cap="flat" cmpd="sng" algn="ctr">
+                      <a:solidFill>
+                        <a:schemeClr val="tx1"/>
+                      </a:solidFill>
+                      <a:prstDash val="solid"/>
+                      <a:round/>
+                      <a:headEnd type="none" w="med" len="med"/>
+                      <a:tailEnd type="none" w="med" len="med"/>
+                    </a:lnL>
+                    <a:lnR w="12700" cap="flat" cmpd="sng" algn="ctr">
+                      <a:solidFill>
+                        <a:schemeClr val="tx1"/>
+                      </a:solidFill>
+                      <a:prstDash val="solid"/>
+                      <a:round/>
+                      <a:headEnd type="none" w="med" len="med"/>
+                      <a:tailEnd type="none" w="med" len="med"/>
+                    </a:lnR>
+                    <a:lnT w="12700" cap="flat" cmpd="sng" algn="ctr">
+                      <a:solidFill>
+                        <a:schemeClr val="tx1"/>
+                      </a:solidFill>
+                      <a:prstDash val="solid"/>
+                      <a:round/>
+                      <a:headEnd type="none" w="med" len="med"/>
+                      <a:tailEnd type="none" w="med" len="med"/>
+                    </a:lnT>
+                    <a:lnB w="12700" cap="flat" cmpd="sng" algn="ctr">
+                      <a:solidFill>
+                        <a:schemeClr val="tx1"/>
+                      </a:solidFill>
+                      <a:prstDash val="solid"/>
+                      <a:round/>
+                      <a:headEnd type="none" w="med" len="med"/>
+                      <a:tailEnd type="none" w="med" len="med"/>
+                    </a:lnB>
+                  </a:tcPr>
                 </a:tc>
                 <a:tc>
                   <a:txBody>
@@ -13655,7 +14488,44 @@
                       <a:endParaRPr lang="en-US" dirty="0"/>
                     </a:p>
                   </a:txBody>
-                  <a:tcPr/>
+                  <a:tcPr>
+                    <a:lnL w="12700" cap="flat" cmpd="sng" algn="ctr">
+                      <a:solidFill>
+                        <a:schemeClr val="tx1"/>
+                      </a:solidFill>
+                      <a:prstDash val="solid"/>
+                      <a:round/>
+                      <a:headEnd type="none" w="med" len="med"/>
+                      <a:tailEnd type="none" w="med" len="med"/>
+                    </a:lnL>
+                    <a:lnR w="12700" cap="flat" cmpd="sng" algn="ctr">
+                      <a:solidFill>
+                        <a:schemeClr val="tx1"/>
+                      </a:solidFill>
+                      <a:prstDash val="solid"/>
+                      <a:round/>
+                      <a:headEnd type="none" w="med" len="med"/>
+                      <a:tailEnd type="none" w="med" len="med"/>
+                    </a:lnR>
+                    <a:lnT w="12700" cap="flat" cmpd="sng" algn="ctr">
+                      <a:solidFill>
+                        <a:schemeClr val="tx1"/>
+                      </a:solidFill>
+                      <a:prstDash val="solid"/>
+                      <a:round/>
+                      <a:headEnd type="none" w="med" len="med"/>
+                      <a:tailEnd type="none" w="med" len="med"/>
+                    </a:lnT>
+                    <a:lnB w="12700" cap="flat" cmpd="sng" algn="ctr">
+                      <a:solidFill>
+                        <a:schemeClr val="tx1"/>
+                      </a:solidFill>
+                      <a:prstDash val="solid"/>
+                      <a:round/>
+                      <a:headEnd type="none" w="med" len="med"/>
+                      <a:tailEnd type="none" w="med" len="med"/>
+                    </a:lnB>
+                  </a:tcPr>
                 </a:tc>
                 <a:tc>
                   <a:txBody>
@@ -13663,12 +14533,52 @@
                     <a:lstStyle/>
                     <a:p>
                       <a:r>
-                        <a:rPr lang="en-US" dirty="0"/>
-                        <a:t>https://lastminuteengineers.com/a4988-stepper-motor-driver-arduino-tutorial/</a:t>
+                        <a:rPr lang="en-US" dirty="0">
+                          <a:hlinkClick r:id="rId3"/>
+                        </a:rPr>
+                        <a:t>Click here</a:t>
                       </a:r>
+                      <a:endParaRPr lang="en-US" dirty="0"/>
                     </a:p>
                   </a:txBody>
-                  <a:tcPr/>
+                  <a:tcPr>
+                    <a:lnL w="12700" cap="flat" cmpd="sng" algn="ctr">
+                      <a:solidFill>
+                        <a:schemeClr val="tx1"/>
+                      </a:solidFill>
+                      <a:prstDash val="solid"/>
+                      <a:round/>
+                      <a:headEnd type="none" w="med" len="med"/>
+                      <a:tailEnd type="none" w="med" len="med"/>
+                    </a:lnL>
+                    <a:lnR w="12700" cap="flat" cmpd="sng" algn="ctr">
+                      <a:solidFill>
+                        <a:schemeClr val="tx1"/>
+                      </a:solidFill>
+                      <a:prstDash val="solid"/>
+                      <a:round/>
+                      <a:headEnd type="none" w="med" len="med"/>
+                      <a:tailEnd type="none" w="med" len="med"/>
+                    </a:lnR>
+                    <a:lnT w="12700" cap="flat" cmpd="sng" algn="ctr">
+                      <a:solidFill>
+                        <a:schemeClr val="tx1"/>
+                      </a:solidFill>
+                      <a:prstDash val="solid"/>
+                      <a:round/>
+                      <a:headEnd type="none" w="med" len="med"/>
+                      <a:tailEnd type="none" w="med" len="med"/>
+                    </a:lnT>
+                    <a:lnB w="12700" cap="flat" cmpd="sng" algn="ctr">
+                      <a:solidFill>
+                        <a:schemeClr val="tx1"/>
+                      </a:solidFill>
+                      <a:prstDash val="solid"/>
+                      <a:round/>
+                      <a:headEnd type="none" w="med" len="med"/>
+                      <a:tailEnd type="none" w="med" len="med"/>
+                    </a:lnB>
+                  </a:tcPr>
                 </a:tc>
                 <a:extLst>
                   <a:ext uri="{0D108BD9-81ED-4DB2-BD59-A6C34878D82A}">
@@ -13694,7 +14604,7 @@
         </p:nvSpPr>
         <p:spPr>
           <a:xfrm>
-            <a:off x="4161429" y="669999"/>
+            <a:off x="4058398" y="579846"/>
             <a:ext cx="3869142" cy="461665"/>
           </a:xfrm>
           <a:prstGeom prst="rect">
@@ -13727,6 +14637,18 @@
   <p:clrMapOvr>
     <a:masterClrMapping/>
   </p:clrMapOvr>
+  <mc:AlternateContent xmlns:mc="http://schemas.openxmlformats.org/markup-compatibility/2006" xmlns:p15="http://schemas.microsoft.com/office/powerpoint/2012/main">
+    <mc:Choice Requires="p15">
+      <p:transition xmlns:p14="http://schemas.microsoft.com/office/powerpoint/2010/main" spd="slow" p14:dur="1250">
+        <p15:prstTrans prst="peelOff"/>
+      </p:transition>
+    </mc:Choice>
+    <mc:Fallback xmlns="">
+      <p:transition spd="slow">
+        <p:fade/>
+      </p:transition>
+    </mc:Fallback>
+  </mc:AlternateContent>
 </p:sld>
 </file>
 
@@ -13762,14 +14684,14 @@
           <p:nvPr>
             <p:extLst>
               <p:ext uri="{D42A27DB-BD31-4B8C-83A1-F6EECF244321}">
-                <p14:modId xmlns:p14="http://schemas.microsoft.com/office/powerpoint/2010/main" val="2414766503"/>
+                <p14:modId xmlns:p14="http://schemas.microsoft.com/office/powerpoint/2010/main" val="3742573042"/>
               </p:ext>
             </p:extLst>
           </p:nvPr>
         </p:nvGraphicFramePr>
         <p:xfrm>
-          <a:off x="752902" y="137994"/>
-          <a:ext cx="10686196" cy="6684767"/>
+          <a:off x="921301" y="933620"/>
+          <a:ext cx="10610850" cy="5072940"/>
         </p:xfrm>
         <a:graphic>
           <a:graphicData uri="http://schemas.openxmlformats.org/drawingml/2006/table">
@@ -13778,42 +14700,42 @@
                 <a:tableStyleId>{0660B408-B3CF-4A94-85FC-2B1E0A45F4A2}</a:tableStyleId>
               </a:tblPr>
               <a:tblGrid>
-                <a:gridCol w="627796">
+                <a:gridCol w="623369">
                   <a:extLst>
                     <a:ext uri="{9D8B030D-6E8A-4147-A177-3AD203B41FA5}">
                       <a16:colId xmlns:a16="http://schemas.microsoft.com/office/drawing/2014/main" val="1754224045"/>
                     </a:ext>
                   </a:extLst>
                 </a:gridCol>
-                <a:gridCol w="2413054">
+                <a:gridCol w="2396040">
                   <a:extLst>
                     <a:ext uri="{9D8B030D-6E8A-4147-A177-3AD203B41FA5}">
                       <a16:colId xmlns:a16="http://schemas.microsoft.com/office/drawing/2014/main" val="2385718090"/>
                     </a:ext>
                   </a:extLst>
                 </a:gridCol>
-                <a:gridCol w="1845047">
+                <a:gridCol w="1832038">
                   <a:extLst>
                     <a:ext uri="{9D8B030D-6E8A-4147-A177-3AD203B41FA5}">
                       <a16:colId xmlns:a16="http://schemas.microsoft.com/office/drawing/2014/main" val="866317953"/>
                     </a:ext>
                   </a:extLst>
                 </a:gridCol>
-                <a:gridCol w="2101756">
+                <a:gridCol w="2086937">
                   <a:extLst>
                     <a:ext uri="{9D8B030D-6E8A-4147-A177-3AD203B41FA5}">
                       <a16:colId xmlns:a16="http://schemas.microsoft.com/office/drawing/2014/main" val="488851140"/>
                     </a:ext>
                   </a:extLst>
                 </a:gridCol>
-                <a:gridCol w="1932335">
+                <a:gridCol w="1918711">
                   <a:extLst>
                     <a:ext uri="{9D8B030D-6E8A-4147-A177-3AD203B41FA5}">
                       <a16:colId xmlns:a16="http://schemas.microsoft.com/office/drawing/2014/main" val="4193998565"/>
                     </a:ext>
                   </a:extLst>
                 </a:gridCol>
-                <a:gridCol w="1766208">
+                <a:gridCol w="1753755">
                   <a:extLst>
                     <a:ext uri="{9D8B030D-6E8A-4147-A177-3AD203B41FA5}">
                       <a16:colId xmlns:a16="http://schemas.microsoft.com/office/drawing/2014/main" val="769414471"/>
@@ -13821,146 +14743,7 @@
                   </a:extLst>
                 </a:gridCol>
               </a:tblGrid>
-              <a:tr h="649727">
-                <a:tc>
-                  <a:txBody>
-                    <a:bodyPr/>
-                    <a:lstStyle/>
-                    <a:p>
-                      <a:pPr algn="ctr"/>
-                      <a:r>
-                        <a:rPr lang="en-IN" dirty="0"/>
-                        <a:t>S. No.</a:t>
-                      </a:r>
-                      <a:endParaRPr lang="en-US" dirty="0"/>
-                    </a:p>
-                  </a:txBody>
-                  <a:tcPr>
-                    <a:solidFill>
-                      <a:schemeClr val="bg2">
-                        <a:lumMod val="40000"/>
-                        <a:lumOff val="60000"/>
-                      </a:schemeClr>
-                    </a:solidFill>
-                  </a:tcPr>
-                </a:tc>
-                <a:tc>
-                  <a:txBody>
-                    <a:bodyPr/>
-                    <a:lstStyle/>
-                    <a:p>
-                      <a:pPr algn="ctr"/>
-                      <a:r>
-                        <a:rPr lang="en-IN" dirty="0"/>
-                        <a:t>TITLE OF THE JOURNAL</a:t>
-                      </a:r>
-                      <a:endParaRPr lang="en-US" dirty="0"/>
-                    </a:p>
-                  </a:txBody>
-                  <a:tcPr>
-                    <a:solidFill>
-                      <a:schemeClr val="bg2">
-                        <a:lumMod val="40000"/>
-                        <a:lumOff val="60000"/>
-                      </a:schemeClr>
-                    </a:solidFill>
-                  </a:tcPr>
-                </a:tc>
-                <a:tc>
-                  <a:txBody>
-                    <a:bodyPr/>
-                    <a:lstStyle/>
-                    <a:p>
-                      <a:pPr algn="ctr"/>
-                      <a:r>
-                        <a:rPr lang="en-IN" dirty="0"/>
-                        <a:t>NAME OF THE AUTHOR</a:t>
-                      </a:r>
-                      <a:endParaRPr lang="en-US" dirty="0"/>
-                    </a:p>
-                  </a:txBody>
-                  <a:tcPr>
-                    <a:solidFill>
-                      <a:schemeClr val="bg2">
-                        <a:lumMod val="40000"/>
-                        <a:lumOff val="60000"/>
-                      </a:schemeClr>
-                    </a:solidFill>
-                  </a:tcPr>
-                </a:tc>
-                <a:tc>
-                  <a:txBody>
-                    <a:bodyPr/>
-                    <a:lstStyle/>
-                    <a:p>
-                      <a:pPr algn="ctr"/>
-                      <a:r>
-                        <a:rPr lang="en-IN" dirty="0"/>
-                        <a:t>YEAR OF PUBLICATION</a:t>
-                      </a:r>
-                      <a:endParaRPr lang="en-US" dirty="0"/>
-                    </a:p>
-                  </a:txBody>
-                  <a:tcPr>
-                    <a:solidFill>
-                      <a:schemeClr val="bg2">
-                        <a:lumMod val="40000"/>
-                        <a:lumOff val="60000"/>
-                      </a:schemeClr>
-                    </a:solidFill>
-                  </a:tcPr>
-                </a:tc>
-                <a:tc>
-                  <a:txBody>
-                    <a:bodyPr/>
-                    <a:lstStyle/>
-                    <a:p>
-                      <a:pPr algn="ctr"/>
-                      <a:r>
-                        <a:rPr lang="en-IN" dirty="0"/>
-                        <a:t>INFEREFENCE</a:t>
-                      </a:r>
-                      <a:endParaRPr lang="en-US" dirty="0"/>
-                    </a:p>
-                  </a:txBody>
-                  <a:tcPr>
-                    <a:solidFill>
-                      <a:schemeClr val="bg2">
-                        <a:lumMod val="40000"/>
-                        <a:lumOff val="60000"/>
-                      </a:schemeClr>
-                    </a:solidFill>
-                  </a:tcPr>
-                </a:tc>
-                <a:tc>
-                  <a:txBody>
-                    <a:bodyPr/>
-                    <a:lstStyle/>
-                    <a:p>
-                      <a:pPr algn="ctr"/>
-                      <a:r>
-                        <a:rPr lang="en-IN" dirty="0"/>
-                        <a:t>URL</a:t>
-                      </a:r>
-                      <a:endParaRPr lang="en-US" dirty="0"/>
-                    </a:p>
-                  </a:txBody>
-                  <a:tcPr>
-                    <a:solidFill>
-                      <a:schemeClr val="bg2">
-                        <a:lumMod val="40000"/>
-                        <a:lumOff val="60000"/>
-                      </a:schemeClr>
-                    </a:solidFill>
-                  </a:tcPr>
-                </a:tc>
-                <a:extLst>
-                  <a:ext uri="{0D108BD9-81ED-4DB2-BD59-A6C34878D82A}">
-                    <a16:rowId xmlns:a16="http://schemas.microsoft.com/office/drawing/2014/main" val="3277988775"/>
-                  </a:ext>
-                </a:extLst>
-              </a:tr>
-              <a:tr h="1992982">
+              <a:tr h="1577760">
                 <a:tc>
                   <a:txBody>
                     <a:bodyPr/>
@@ -13968,13 +14751,69 @@
                     <a:p>
                       <a:pPr algn="r"/>
                       <a:r>
-                        <a:rPr lang="en-IN" dirty="0"/>
+                        <a:rPr lang="en-IN" b="0" dirty="0">
+                          <a:solidFill>
+                            <a:schemeClr val="bg1"/>
+                          </a:solidFill>
+                        </a:rPr>
                         <a:t>3.</a:t>
                       </a:r>
-                      <a:endParaRPr lang="en-US" dirty="0"/>
+                      <a:endParaRPr lang="en-US" b="0" dirty="0">
+                        <a:solidFill>
+                          <a:schemeClr val="bg1"/>
+                        </a:solidFill>
+                      </a:endParaRPr>
                     </a:p>
                   </a:txBody>
-                  <a:tcPr/>
+                  <a:tcPr>
+                    <a:lnL w="12700" cap="flat" cmpd="sng" algn="ctr">
+                      <a:solidFill>
+                        <a:schemeClr val="tx1"/>
+                      </a:solidFill>
+                      <a:prstDash val="solid"/>
+                      <a:round/>
+                      <a:headEnd type="none" w="med" len="med"/>
+                      <a:tailEnd type="none" w="med" len="med"/>
+                    </a:lnL>
+                    <a:lnR w="12700" cap="flat" cmpd="sng" algn="ctr">
+                      <a:solidFill>
+                        <a:schemeClr val="tx1"/>
+                      </a:solidFill>
+                      <a:prstDash val="solid"/>
+                      <a:round/>
+                      <a:headEnd type="none" w="med" len="med"/>
+                      <a:tailEnd type="none" w="med" len="med"/>
+                    </a:lnR>
+                    <a:lnT w="12700" cap="flat" cmpd="sng" algn="ctr">
+                      <a:solidFill>
+                        <a:schemeClr val="tx1"/>
+                      </a:solidFill>
+                      <a:prstDash val="solid"/>
+                      <a:round/>
+                      <a:headEnd type="none" w="med" len="med"/>
+                      <a:tailEnd type="none" w="med" len="med"/>
+                    </a:lnT>
+                    <a:lnB w="12700" cap="flat" cmpd="sng" algn="ctr">
+                      <a:solidFill>
+                        <a:schemeClr val="tx1"/>
+                      </a:solidFill>
+                      <a:prstDash val="solid"/>
+                      <a:round/>
+                      <a:headEnd type="none" w="med" len="med"/>
+                      <a:tailEnd type="none" w="med" len="med"/>
+                    </a:lnB>
+                    <a:lnTlToBr w="12700" cmpd="sng">
+                      <a:noFill/>
+                      <a:prstDash val="solid"/>
+                    </a:lnTlToBr>
+                    <a:lnBlToTr w="12700" cmpd="sng">
+                      <a:noFill/>
+                      <a:prstDash val="solid"/>
+                    </a:lnBlToTr>
+                    <a:solidFill>
+                      <a:srgbClr val="EEF0F2"/>
+                    </a:solidFill>
+                  </a:tcPr>
                 </a:tc>
                 <a:tc>
                   <a:txBody>
@@ -14021,7 +14860,47 @@
                       </a:endParaRPr>
                     </a:p>
                   </a:txBody>
-                  <a:tcPr/>
+                  <a:tcPr>
+                    <a:lnL w="12700" cap="flat" cmpd="sng" algn="ctr">
+                      <a:solidFill>
+                        <a:schemeClr val="tx1"/>
+                      </a:solidFill>
+                      <a:prstDash val="solid"/>
+                      <a:round/>
+                      <a:headEnd type="none" w="med" len="med"/>
+                      <a:tailEnd type="none" w="med" len="med"/>
+                    </a:lnL>
+                    <a:lnR w="12700" cap="flat" cmpd="sng" algn="ctr">
+                      <a:solidFill>
+                        <a:schemeClr val="tx1"/>
+                      </a:solidFill>
+                      <a:prstDash val="solid"/>
+                      <a:round/>
+                      <a:headEnd type="none" w="med" len="med"/>
+                      <a:tailEnd type="none" w="med" len="med"/>
+                    </a:lnR>
+                    <a:lnT w="12700" cap="flat" cmpd="sng" algn="ctr">
+                      <a:solidFill>
+                        <a:schemeClr val="tx1"/>
+                      </a:solidFill>
+                      <a:prstDash val="solid"/>
+                      <a:round/>
+                      <a:headEnd type="none" w="med" len="med"/>
+                      <a:tailEnd type="none" w="med" len="med"/>
+                    </a:lnT>
+                    <a:lnB w="12700" cap="flat" cmpd="sng" algn="ctr">
+                      <a:solidFill>
+                        <a:schemeClr val="tx1"/>
+                      </a:solidFill>
+                      <a:prstDash val="solid"/>
+                      <a:round/>
+                      <a:headEnd type="none" w="med" len="med"/>
+                      <a:tailEnd type="none" w="med" len="med"/>
+                    </a:lnB>
+                    <a:solidFill>
+                      <a:srgbClr val="EEF0F2"/>
+                    </a:solidFill>
+                  </a:tcPr>
                 </a:tc>
                 <a:tc>
                   <a:txBody>
@@ -14029,13 +14908,61 @@
                     <a:lstStyle/>
                     <a:p>
                       <a:r>
-                        <a:rPr lang="en-IN" dirty="0"/>
+                        <a:rPr lang="en-IN" b="0" dirty="0">
+                          <a:solidFill>
+                            <a:schemeClr val="bg1"/>
+                          </a:solidFill>
+                        </a:rPr>
                         <a:t>NA</a:t>
                       </a:r>
-                      <a:endParaRPr lang="en-US" dirty="0"/>
+                      <a:endParaRPr lang="en-US" b="0" dirty="0">
+                        <a:solidFill>
+                          <a:schemeClr val="bg1"/>
+                        </a:solidFill>
+                      </a:endParaRPr>
                     </a:p>
                   </a:txBody>
-                  <a:tcPr/>
+                  <a:tcPr>
+                    <a:lnL w="12700" cap="flat" cmpd="sng" algn="ctr">
+                      <a:solidFill>
+                        <a:schemeClr val="tx1"/>
+                      </a:solidFill>
+                      <a:prstDash val="solid"/>
+                      <a:round/>
+                      <a:headEnd type="none" w="med" len="med"/>
+                      <a:tailEnd type="none" w="med" len="med"/>
+                    </a:lnL>
+                    <a:lnR w="12700" cap="flat" cmpd="sng" algn="ctr">
+                      <a:solidFill>
+                        <a:schemeClr val="tx1"/>
+                      </a:solidFill>
+                      <a:prstDash val="solid"/>
+                      <a:round/>
+                      <a:headEnd type="none" w="med" len="med"/>
+                      <a:tailEnd type="none" w="med" len="med"/>
+                    </a:lnR>
+                    <a:lnT w="12700" cap="flat" cmpd="sng" algn="ctr">
+                      <a:solidFill>
+                        <a:schemeClr val="tx1"/>
+                      </a:solidFill>
+                      <a:prstDash val="solid"/>
+                      <a:round/>
+                      <a:headEnd type="none" w="med" len="med"/>
+                      <a:tailEnd type="none" w="med" len="med"/>
+                    </a:lnT>
+                    <a:lnB w="12700" cap="flat" cmpd="sng" algn="ctr">
+                      <a:solidFill>
+                        <a:schemeClr val="tx1"/>
+                      </a:solidFill>
+                      <a:prstDash val="solid"/>
+                      <a:round/>
+                      <a:headEnd type="none" w="med" len="med"/>
+                      <a:tailEnd type="none" w="med" len="med"/>
+                    </a:lnB>
+                    <a:solidFill>
+                      <a:srgbClr val="EEF0F2"/>
+                    </a:solidFill>
+                  </a:tcPr>
                 </a:tc>
                 <a:tc>
                   <a:txBody>
@@ -14043,13 +14970,57 @@
                     <a:lstStyle/>
                     <a:p>
                       <a:r>
-                        <a:rPr lang="en-IN" dirty="0"/>
+                        <a:rPr lang="en-IN" b="0" dirty="0">
+                          <a:solidFill>
+                            <a:schemeClr val="bg1"/>
+                          </a:solidFill>
+                        </a:rPr>
                         <a:t>NA</a:t>
                       </a:r>
-                      <a:endParaRPr lang="en-US" dirty="0"/>
+                      <a:endParaRPr lang="en-US" b="0" dirty="0">
+                        <a:solidFill>
+                          <a:schemeClr val="bg1"/>
+                        </a:solidFill>
+                      </a:endParaRPr>
                     </a:p>
                   </a:txBody>
-                  <a:tcPr/>
+                  <a:tcPr>
+                    <a:lnL w="12700" cap="flat" cmpd="sng" algn="ctr">
+                      <a:solidFill>
+                        <a:schemeClr val="tx1"/>
+                      </a:solidFill>
+                      <a:prstDash val="solid"/>
+                      <a:round/>
+                      <a:headEnd type="none" w="med" len="med"/>
+                      <a:tailEnd type="none" w="med" len="med"/>
+                    </a:lnL>
+                    <a:lnR w="12700" cap="flat" cmpd="sng" algn="ctr">
+                      <a:solidFill>
+                        <a:schemeClr val="tx1"/>
+                      </a:solidFill>
+                      <a:prstDash val="solid"/>
+                      <a:round/>
+                      <a:headEnd type="none" w="med" len="med"/>
+                      <a:tailEnd type="none" w="med" len="med"/>
+                    </a:lnR>
+                    <a:lnT w="12700" cap="flat" cmpd="sng" algn="ctr">
+                      <a:noFill/>
+                      <a:prstDash val="solid"/>
+                      <a:round/>
+                      <a:headEnd type="none" w="med" len="med"/>
+                      <a:tailEnd type="none" w="med" len="med"/>
+                    </a:lnT>
+                    <a:lnB w="12700" cap="flat" cmpd="sng" algn="ctr">
+                      <a:noFill/>
+                      <a:prstDash val="solid"/>
+                      <a:round/>
+                      <a:headEnd type="none" w="med" len="med"/>
+                      <a:tailEnd type="none" w="med" len="med"/>
+                    </a:lnB>
+                    <a:solidFill>
+                      <a:srgbClr val="EEF0F2"/>
+                    </a:solidFill>
+                  </a:tcPr>
                 </a:tc>
                 <a:tc>
                   <a:txBody>
@@ -14059,7 +15030,47 @@
                       <a:endParaRPr lang="en-US" dirty="0"/>
                     </a:p>
                   </a:txBody>
-                  <a:tcPr/>
+                  <a:tcPr>
+                    <a:lnL w="12700" cap="flat" cmpd="sng" algn="ctr">
+                      <a:solidFill>
+                        <a:schemeClr val="tx1"/>
+                      </a:solidFill>
+                      <a:prstDash val="solid"/>
+                      <a:round/>
+                      <a:headEnd type="none" w="med" len="med"/>
+                      <a:tailEnd type="none" w="med" len="med"/>
+                    </a:lnL>
+                    <a:lnR w="12700" cap="flat" cmpd="sng" algn="ctr">
+                      <a:solidFill>
+                        <a:schemeClr val="tx1"/>
+                      </a:solidFill>
+                      <a:prstDash val="solid"/>
+                      <a:round/>
+                      <a:headEnd type="none" w="med" len="med"/>
+                      <a:tailEnd type="none" w="med" len="med"/>
+                    </a:lnR>
+                    <a:lnT w="12700" cap="flat" cmpd="sng" algn="ctr">
+                      <a:solidFill>
+                        <a:schemeClr val="tx1"/>
+                      </a:solidFill>
+                      <a:prstDash val="solid"/>
+                      <a:round/>
+                      <a:headEnd type="none" w="med" len="med"/>
+                      <a:tailEnd type="none" w="med" len="med"/>
+                    </a:lnT>
+                    <a:lnB w="12700" cap="flat" cmpd="sng" algn="ctr">
+                      <a:solidFill>
+                        <a:schemeClr val="tx1"/>
+                      </a:solidFill>
+                      <a:prstDash val="solid"/>
+                      <a:round/>
+                      <a:headEnd type="none" w="med" len="med"/>
+                      <a:tailEnd type="none" w="med" len="med"/>
+                    </a:lnB>
+                    <a:solidFill>
+                      <a:srgbClr val="EEF0F2"/>
+                    </a:solidFill>
+                  </a:tcPr>
                 </a:tc>
                 <a:tc>
                   <a:txBody>
@@ -14067,12 +15078,62 @@
                     <a:lstStyle/>
                     <a:p>
                       <a:r>
-                        <a:rPr lang="en-US" dirty="0"/>
-                        <a:t>https://www.electronics-tutorials.ws/blog/convert-atx-psu-to-bench-supply.html</a:t>
+                        <a:rPr lang="en-US" b="0" dirty="0">
+                          <a:solidFill>
+                            <a:schemeClr val="bg1"/>
+                          </a:solidFill>
+                          <a:hlinkClick r:id="rId2"/>
+                        </a:rPr>
+                        <a:t>Click here</a:t>
                       </a:r>
+                      <a:endParaRPr lang="en-US" b="0" dirty="0">
+                        <a:solidFill>
+                          <a:schemeClr val="bg1"/>
+                        </a:solidFill>
+                      </a:endParaRPr>
                     </a:p>
                   </a:txBody>
-                  <a:tcPr/>
+                  <a:tcPr>
+                    <a:lnL w="12700" cap="flat" cmpd="sng" algn="ctr">
+                      <a:solidFill>
+                        <a:schemeClr val="tx1"/>
+                      </a:solidFill>
+                      <a:prstDash val="solid"/>
+                      <a:round/>
+                      <a:headEnd type="none" w="med" len="med"/>
+                      <a:tailEnd type="none" w="med" len="med"/>
+                    </a:lnL>
+                    <a:lnR w="12700" cap="flat" cmpd="sng" algn="ctr">
+                      <a:solidFill>
+                        <a:schemeClr val="tx1"/>
+                      </a:solidFill>
+                      <a:prstDash val="solid"/>
+                      <a:round/>
+                      <a:headEnd type="none" w="med" len="med"/>
+                      <a:tailEnd type="none" w="med" len="med"/>
+                    </a:lnR>
+                    <a:lnT w="12700" cap="flat" cmpd="sng" algn="ctr">
+                      <a:solidFill>
+                        <a:schemeClr val="tx1"/>
+                      </a:solidFill>
+                      <a:prstDash val="solid"/>
+                      <a:round/>
+                      <a:headEnd type="none" w="med" len="med"/>
+                      <a:tailEnd type="none" w="med" len="med"/>
+                    </a:lnT>
+                    <a:lnB w="12700" cap="flat" cmpd="sng" algn="ctr">
+                      <a:solidFill>
+                        <a:schemeClr val="tx1"/>
+                      </a:solidFill>
+                      <a:prstDash val="solid"/>
+                      <a:round/>
+                      <a:headEnd type="none" w="med" len="med"/>
+                      <a:tailEnd type="none" w="med" len="med"/>
+                    </a:lnB>
+                    <a:solidFill>
+                      <a:srgbClr val="EEF0F2"/>
+                    </a:solidFill>
+                  </a:tcPr>
                 </a:tc>
                 <a:extLst>
                   <a:ext uri="{0D108BD9-81ED-4DB2-BD59-A6C34878D82A}">
@@ -14080,7 +15141,7 @@
                   </a:ext>
                 </a:extLst>
               </a:tr>
-              <a:tr h="1984971">
+              <a:tr h="1747590">
                 <a:tc>
                   <a:txBody>
                     <a:bodyPr/>
@@ -14094,7 +15155,44 @@
                       <a:endParaRPr lang="en-US" dirty="0"/>
                     </a:p>
                   </a:txBody>
-                  <a:tcPr/>
+                  <a:tcPr>
+                    <a:lnL w="12700" cap="flat" cmpd="sng" algn="ctr">
+                      <a:solidFill>
+                        <a:schemeClr val="tx1"/>
+                      </a:solidFill>
+                      <a:prstDash val="solid"/>
+                      <a:round/>
+                      <a:headEnd type="none" w="med" len="med"/>
+                      <a:tailEnd type="none" w="med" len="med"/>
+                    </a:lnL>
+                    <a:lnR w="12700" cap="flat" cmpd="sng" algn="ctr">
+                      <a:solidFill>
+                        <a:schemeClr val="tx1"/>
+                      </a:solidFill>
+                      <a:prstDash val="solid"/>
+                      <a:round/>
+                      <a:headEnd type="none" w="med" len="med"/>
+                      <a:tailEnd type="none" w="med" len="med"/>
+                    </a:lnR>
+                    <a:lnT w="12700" cap="flat" cmpd="sng" algn="ctr">
+                      <a:solidFill>
+                        <a:schemeClr val="tx1"/>
+                      </a:solidFill>
+                      <a:prstDash val="solid"/>
+                      <a:round/>
+                      <a:headEnd type="none" w="med" len="med"/>
+                      <a:tailEnd type="none" w="med" len="med"/>
+                    </a:lnT>
+                    <a:lnB w="12700" cap="flat" cmpd="sng" algn="ctr">
+                      <a:solidFill>
+                        <a:schemeClr val="tx1"/>
+                      </a:solidFill>
+                      <a:prstDash val="solid"/>
+                      <a:round/>
+                      <a:headEnd type="none" w="med" len="med"/>
+                      <a:tailEnd type="none" w="med" len="med"/>
+                    </a:lnB>
+                  </a:tcPr>
                 </a:tc>
                 <a:tc>
                   <a:txBody>
@@ -14110,7 +15208,35 @@
                       <a:endParaRPr lang="en-US" b="0" dirty="0"/>
                     </a:p>
                   </a:txBody>
-                  <a:tcPr/>
+                  <a:tcPr>
+                    <a:lnL w="12700" cap="flat" cmpd="sng" algn="ctr">
+                      <a:solidFill>
+                        <a:schemeClr val="tx1"/>
+                      </a:solidFill>
+                      <a:prstDash val="solid"/>
+                      <a:round/>
+                      <a:headEnd type="none" w="med" len="med"/>
+                      <a:tailEnd type="none" w="med" len="med"/>
+                    </a:lnL>
+                    <a:lnT w="12700" cap="flat" cmpd="sng" algn="ctr">
+                      <a:solidFill>
+                        <a:schemeClr val="tx1"/>
+                      </a:solidFill>
+                      <a:prstDash val="solid"/>
+                      <a:round/>
+                      <a:headEnd type="none" w="med" len="med"/>
+                      <a:tailEnd type="none" w="med" len="med"/>
+                    </a:lnT>
+                    <a:lnB w="12700" cap="flat" cmpd="sng" algn="ctr">
+                      <a:solidFill>
+                        <a:schemeClr val="tx1"/>
+                      </a:solidFill>
+                      <a:prstDash val="solid"/>
+                      <a:round/>
+                      <a:headEnd type="none" w="med" len="med"/>
+                      <a:tailEnd type="none" w="med" len="med"/>
+                    </a:lnB>
+                  </a:tcPr>
                 </a:tc>
                 <a:tc>
                   <a:txBody>
@@ -14124,7 +15250,35 @@
                       <a:endParaRPr lang="en-US" dirty="0"/>
                     </a:p>
                   </a:txBody>
-                  <a:tcPr/>
+                  <a:tcPr>
+                    <a:lnR w="12700" cap="flat" cmpd="sng" algn="ctr">
+                      <a:solidFill>
+                        <a:schemeClr val="tx1"/>
+                      </a:solidFill>
+                      <a:prstDash val="solid"/>
+                      <a:round/>
+                      <a:headEnd type="none" w="med" len="med"/>
+                      <a:tailEnd type="none" w="med" len="med"/>
+                    </a:lnR>
+                    <a:lnT w="12700" cap="flat" cmpd="sng" algn="ctr">
+                      <a:solidFill>
+                        <a:schemeClr val="tx1"/>
+                      </a:solidFill>
+                      <a:prstDash val="solid"/>
+                      <a:round/>
+                      <a:headEnd type="none" w="med" len="med"/>
+                      <a:tailEnd type="none" w="med" len="med"/>
+                    </a:lnT>
+                    <a:lnB w="12700" cap="flat" cmpd="sng" algn="ctr">
+                      <a:solidFill>
+                        <a:schemeClr val="tx1"/>
+                      </a:solidFill>
+                      <a:prstDash val="solid"/>
+                      <a:round/>
+                      <a:headEnd type="none" w="med" len="med"/>
+                      <a:tailEnd type="none" w="med" len="med"/>
+                    </a:lnB>
+                  </a:tcPr>
                 </a:tc>
                 <a:tc>
                   <a:txBody>
@@ -14138,7 +15292,42 @@
                       <a:endParaRPr lang="en-US" dirty="0"/>
                     </a:p>
                   </a:txBody>
-                  <a:tcPr/>
+                  <a:tcPr>
+                    <a:lnL w="12700" cap="flat" cmpd="sng" algn="ctr">
+                      <a:solidFill>
+                        <a:schemeClr val="tx1"/>
+                      </a:solidFill>
+                      <a:prstDash val="solid"/>
+                      <a:round/>
+                      <a:headEnd type="none" w="med" len="med"/>
+                      <a:tailEnd type="none" w="med" len="med"/>
+                    </a:lnL>
+                    <a:lnR w="12700" cap="flat" cmpd="sng" algn="ctr">
+                      <a:solidFill>
+                        <a:schemeClr val="tx1"/>
+                      </a:solidFill>
+                      <a:prstDash val="solid"/>
+                      <a:round/>
+                      <a:headEnd type="none" w="med" len="med"/>
+                      <a:tailEnd type="none" w="med" len="med"/>
+                    </a:lnR>
+                    <a:lnT w="12700" cap="flat" cmpd="sng" algn="ctr">
+                      <a:noFill/>
+                      <a:prstDash val="solid"/>
+                      <a:round/>
+                      <a:headEnd type="none" w="med" len="med"/>
+                      <a:tailEnd type="none" w="med" len="med"/>
+                    </a:lnT>
+                    <a:lnB w="12700" cap="flat" cmpd="sng" algn="ctr">
+                      <a:solidFill>
+                        <a:schemeClr val="tx1"/>
+                      </a:solidFill>
+                      <a:prstDash val="solid"/>
+                      <a:round/>
+                      <a:headEnd type="none" w="med" len="med"/>
+                      <a:tailEnd type="none" w="med" len="med"/>
+                    </a:lnB>
+                  </a:tcPr>
                 </a:tc>
                 <a:tc>
                   <a:txBody>
@@ -14148,7 +15337,44 @@
                       <a:endParaRPr lang="en-US" dirty="0"/>
                     </a:p>
                   </a:txBody>
-                  <a:tcPr/>
+                  <a:tcPr>
+                    <a:lnL w="12700" cap="flat" cmpd="sng" algn="ctr">
+                      <a:solidFill>
+                        <a:schemeClr val="tx1"/>
+                      </a:solidFill>
+                      <a:prstDash val="solid"/>
+                      <a:round/>
+                      <a:headEnd type="none" w="med" len="med"/>
+                      <a:tailEnd type="none" w="med" len="med"/>
+                    </a:lnL>
+                    <a:lnR w="12700" cap="flat" cmpd="sng" algn="ctr">
+                      <a:solidFill>
+                        <a:schemeClr val="tx1"/>
+                      </a:solidFill>
+                      <a:prstDash val="solid"/>
+                      <a:round/>
+                      <a:headEnd type="none" w="med" len="med"/>
+                      <a:tailEnd type="none" w="med" len="med"/>
+                    </a:lnR>
+                    <a:lnT w="12700" cap="flat" cmpd="sng" algn="ctr">
+                      <a:solidFill>
+                        <a:schemeClr val="tx1"/>
+                      </a:solidFill>
+                      <a:prstDash val="solid"/>
+                      <a:round/>
+                      <a:headEnd type="none" w="med" len="med"/>
+                      <a:tailEnd type="none" w="med" len="med"/>
+                    </a:lnT>
+                    <a:lnB w="12700" cap="flat" cmpd="sng" algn="ctr">
+                      <a:solidFill>
+                        <a:schemeClr val="tx1"/>
+                      </a:solidFill>
+                      <a:prstDash val="solid"/>
+                      <a:round/>
+                      <a:headEnd type="none" w="med" len="med"/>
+                      <a:tailEnd type="none" w="med" len="med"/>
+                    </a:lnB>
+                  </a:tcPr>
                 </a:tc>
                 <a:tc>
                   <a:txBody>
@@ -14156,12 +15382,65 @@
                     <a:lstStyle/>
                     <a:p>
                       <a:r>
-                        <a:rPr lang="en-US" dirty="0"/>
-                        <a:t>https://lastminuteengineers.com/l298n-dc-stepper-driver-arduino-tutorial/</a:t>
+                        <a:rPr lang="en-US" dirty="0">
+                          <a:solidFill>
+                            <a:schemeClr val="bg1">
+                              <a:alpha val="50000"/>
+                            </a:schemeClr>
+                          </a:solidFill>
+                          <a:effectLst/>
+                          <a:hlinkClick r:id="rId3"/>
+                        </a:rPr>
+                        <a:t>Click here</a:t>
                       </a:r>
+                      <a:endParaRPr lang="en-US" dirty="0">
+                        <a:solidFill>
+                          <a:schemeClr val="bg1">
+                            <a:alpha val="50000"/>
+                          </a:schemeClr>
+                        </a:solidFill>
+                        <a:effectLst/>
+                      </a:endParaRPr>
                     </a:p>
                   </a:txBody>
-                  <a:tcPr/>
+                  <a:tcPr>
+                    <a:lnL w="12700" cap="flat" cmpd="sng" algn="ctr">
+                      <a:solidFill>
+                        <a:schemeClr val="tx1"/>
+                      </a:solidFill>
+                      <a:prstDash val="solid"/>
+                      <a:round/>
+                      <a:headEnd type="none" w="med" len="med"/>
+                      <a:tailEnd type="none" w="med" len="med"/>
+                    </a:lnL>
+                    <a:lnR w="12700" cap="flat" cmpd="sng" algn="ctr">
+                      <a:solidFill>
+                        <a:schemeClr val="tx1"/>
+                      </a:solidFill>
+                      <a:prstDash val="solid"/>
+                      <a:round/>
+                      <a:headEnd type="none" w="med" len="med"/>
+                      <a:tailEnd type="none" w="med" len="med"/>
+                    </a:lnR>
+                    <a:lnT w="12700" cap="flat" cmpd="sng" algn="ctr">
+                      <a:solidFill>
+                        <a:schemeClr val="tx1"/>
+                      </a:solidFill>
+                      <a:prstDash val="solid"/>
+                      <a:round/>
+                      <a:headEnd type="none" w="med" len="med"/>
+                      <a:tailEnd type="none" w="med" len="med"/>
+                    </a:lnT>
+                    <a:lnB w="12700" cap="flat" cmpd="sng" algn="ctr">
+                      <a:solidFill>
+                        <a:schemeClr val="tx1"/>
+                      </a:solidFill>
+                      <a:prstDash val="solid"/>
+                      <a:round/>
+                      <a:headEnd type="none" w="med" len="med"/>
+                      <a:tailEnd type="none" w="med" len="med"/>
+                    </a:lnB>
+                  </a:tcPr>
                 </a:tc>
                 <a:extLst>
                   <a:ext uri="{0D108BD9-81ED-4DB2-BD59-A6C34878D82A}">
@@ -14169,7 +15448,7 @@
                   </a:ext>
                 </a:extLst>
               </a:tr>
-              <a:tr h="1984971">
+              <a:tr h="1747590">
                 <a:tc>
                   <a:txBody>
                     <a:bodyPr/>
@@ -14183,7 +15462,44 @@
                       <a:endParaRPr lang="en-US" dirty="0"/>
                     </a:p>
                   </a:txBody>
-                  <a:tcPr/>
+                  <a:tcPr>
+                    <a:lnL w="12700" cap="flat" cmpd="sng" algn="ctr">
+                      <a:solidFill>
+                        <a:schemeClr val="tx1"/>
+                      </a:solidFill>
+                      <a:prstDash val="solid"/>
+                      <a:round/>
+                      <a:headEnd type="none" w="med" len="med"/>
+                      <a:tailEnd type="none" w="med" len="med"/>
+                    </a:lnL>
+                    <a:lnR w="12700" cap="flat" cmpd="sng" algn="ctr">
+                      <a:solidFill>
+                        <a:schemeClr val="tx1"/>
+                      </a:solidFill>
+                      <a:prstDash val="solid"/>
+                      <a:round/>
+                      <a:headEnd type="none" w="med" len="med"/>
+                      <a:tailEnd type="none" w="med" len="med"/>
+                    </a:lnR>
+                    <a:lnT w="12700" cap="flat" cmpd="sng" algn="ctr">
+                      <a:solidFill>
+                        <a:schemeClr val="tx1"/>
+                      </a:solidFill>
+                      <a:prstDash val="solid"/>
+                      <a:round/>
+                      <a:headEnd type="none" w="med" len="med"/>
+                      <a:tailEnd type="none" w="med" len="med"/>
+                    </a:lnT>
+                    <a:lnB w="12700" cap="flat" cmpd="sng" algn="ctr">
+                      <a:solidFill>
+                        <a:schemeClr val="tx1"/>
+                      </a:solidFill>
+                      <a:prstDash val="solid"/>
+                      <a:round/>
+                      <a:headEnd type="none" w="med" len="med"/>
+                      <a:tailEnd type="none" w="med" len="med"/>
+                    </a:lnB>
+                  </a:tcPr>
                 </a:tc>
                 <a:tc>
                   <a:txBody>
@@ -14216,7 +15532,44 @@
                       <a:endParaRPr lang="en-US" b="0" dirty="0"/>
                     </a:p>
                   </a:txBody>
-                  <a:tcPr/>
+                  <a:tcPr>
+                    <a:lnL w="12700" cap="flat" cmpd="sng" algn="ctr">
+                      <a:solidFill>
+                        <a:schemeClr val="tx1"/>
+                      </a:solidFill>
+                      <a:prstDash val="solid"/>
+                      <a:round/>
+                      <a:headEnd type="none" w="med" len="med"/>
+                      <a:tailEnd type="none" w="med" len="med"/>
+                    </a:lnL>
+                    <a:lnR w="12700" cap="flat" cmpd="sng" algn="ctr">
+                      <a:solidFill>
+                        <a:schemeClr val="tx1"/>
+                      </a:solidFill>
+                      <a:prstDash val="solid"/>
+                      <a:round/>
+                      <a:headEnd type="none" w="med" len="med"/>
+                      <a:tailEnd type="none" w="med" len="med"/>
+                    </a:lnR>
+                    <a:lnT w="12700" cap="flat" cmpd="sng" algn="ctr">
+                      <a:solidFill>
+                        <a:schemeClr val="tx1"/>
+                      </a:solidFill>
+                      <a:prstDash val="solid"/>
+                      <a:round/>
+                      <a:headEnd type="none" w="med" len="med"/>
+                      <a:tailEnd type="none" w="med" len="med"/>
+                    </a:lnT>
+                    <a:lnB w="12700" cap="flat" cmpd="sng" algn="ctr">
+                      <a:solidFill>
+                        <a:schemeClr val="tx1"/>
+                      </a:solidFill>
+                      <a:prstDash val="solid"/>
+                      <a:round/>
+                      <a:headEnd type="none" w="med" len="med"/>
+                      <a:tailEnd type="none" w="med" len="med"/>
+                    </a:lnB>
+                  </a:tcPr>
                 </a:tc>
                 <a:tc>
                   <a:txBody>
@@ -14229,7 +15582,44 @@
                       </a:r>
                     </a:p>
                   </a:txBody>
-                  <a:tcPr/>
+                  <a:tcPr>
+                    <a:lnL w="12700" cap="flat" cmpd="sng" algn="ctr">
+                      <a:solidFill>
+                        <a:schemeClr val="tx1"/>
+                      </a:solidFill>
+                      <a:prstDash val="solid"/>
+                      <a:round/>
+                      <a:headEnd type="none" w="med" len="med"/>
+                      <a:tailEnd type="none" w="med" len="med"/>
+                    </a:lnL>
+                    <a:lnR w="12700" cap="flat" cmpd="sng" algn="ctr">
+                      <a:solidFill>
+                        <a:schemeClr val="tx1"/>
+                      </a:solidFill>
+                      <a:prstDash val="solid"/>
+                      <a:round/>
+                      <a:headEnd type="none" w="med" len="med"/>
+                      <a:tailEnd type="none" w="med" len="med"/>
+                    </a:lnR>
+                    <a:lnT w="12700" cap="flat" cmpd="sng" algn="ctr">
+                      <a:solidFill>
+                        <a:schemeClr val="tx1"/>
+                      </a:solidFill>
+                      <a:prstDash val="solid"/>
+                      <a:round/>
+                      <a:headEnd type="none" w="med" len="med"/>
+                      <a:tailEnd type="none" w="med" len="med"/>
+                    </a:lnT>
+                    <a:lnB w="12700" cap="flat" cmpd="sng" algn="ctr">
+                      <a:solidFill>
+                        <a:schemeClr val="tx1"/>
+                      </a:solidFill>
+                      <a:prstDash val="solid"/>
+                      <a:round/>
+                      <a:headEnd type="none" w="med" len="med"/>
+                      <a:tailEnd type="none" w="med" len="med"/>
+                    </a:lnB>
+                  </a:tcPr>
                 </a:tc>
                 <a:tc>
                   <a:txBody>
@@ -14243,7 +15633,44 @@
                       <a:endParaRPr lang="en-US" dirty="0"/>
                     </a:p>
                   </a:txBody>
-                  <a:tcPr/>
+                  <a:tcPr>
+                    <a:lnL w="12700" cap="flat" cmpd="sng" algn="ctr">
+                      <a:solidFill>
+                        <a:schemeClr val="tx1"/>
+                      </a:solidFill>
+                      <a:prstDash val="solid"/>
+                      <a:round/>
+                      <a:headEnd type="none" w="med" len="med"/>
+                      <a:tailEnd type="none" w="med" len="med"/>
+                    </a:lnL>
+                    <a:lnR w="12700" cap="flat" cmpd="sng" algn="ctr">
+                      <a:solidFill>
+                        <a:schemeClr val="tx1"/>
+                      </a:solidFill>
+                      <a:prstDash val="solid"/>
+                      <a:round/>
+                      <a:headEnd type="none" w="med" len="med"/>
+                      <a:tailEnd type="none" w="med" len="med"/>
+                    </a:lnR>
+                    <a:lnT w="12700" cap="flat" cmpd="sng" algn="ctr">
+                      <a:solidFill>
+                        <a:schemeClr val="tx1"/>
+                      </a:solidFill>
+                      <a:prstDash val="solid"/>
+                      <a:round/>
+                      <a:headEnd type="none" w="med" len="med"/>
+                      <a:tailEnd type="none" w="med" len="med"/>
+                    </a:lnT>
+                    <a:lnB w="12700" cap="flat" cmpd="sng" algn="ctr">
+                      <a:solidFill>
+                        <a:schemeClr val="tx1"/>
+                      </a:solidFill>
+                      <a:prstDash val="solid"/>
+                      <a:round/>
+                      <a:headEnd type="none" w="med" len="med"/>
+                      <a:tailEnd type="none" w="med" len="med"/>
+                    </a:lnB>
+                  </a:tcPr>
                 </a:tc>
                 <a:tc>
                   <a:txBody>
@@ -14253,7 +15680,44 @@
                       <a:endParaRPr lang="en-US" dirty="0"/>
                     </a:p>
                   </a:txBody>
-                  <a:tcPr/>
+                  <a:tcPr>
+                    <a:lnL w="12700" cap="flat" cmpd="sng" algn="ctr">
+                      <a:solidFill>
+                        <a:schemeClr val="tx1"/>
+                      </a:solidFill>
+                      <a:prstDash val="solid"/>
+                      <a:round/>
+                      <a:headEnd type="none" w="med" len="med"/>
+                      <a:tailEnd type="none" w="med" len="med"/>
+                    </a:lnL>
+                    <a:lnR w="12700" cap="flat" cmpd="sng" algn="ctr">
+                      <a:solidFill>
+                        <a:schemeClr val="tx1"/>
+                      </a:solidFill>
+                      <a:prstDash val="solid"/>
+                      <a:round/>
+                      <a:headEnd type="none" w="med" len="med"/>
+                      <a:tailEnd type="none" w="med" len="med"/>
+                    </a:lnR>
+                    <a:lnT w="12700" cap="flat" cmpd="sng" algn="ctr">
+                      <a:solidFill>
+                        <a:schemeClr val="tx1"/>
+                      </a:solidFill>
+                      <a:prstDash val="solid"/>
+                      <a:round/>
+                      <a:headEnd type="none" w="med" len="med"/>
+                      <a:tailEnd type="none" w="med" len="med"/>
+                    </a:lnT>
+                    <a:lnB w="12700" cap="flat" cmpd="sng" algn="ctr">
+                      <a:solidFill>
+                        <a:schemeClr val="tx1"/>
+                      </a:solidFill>
+                      <a:prstDash val="solid"/>
+                      <a:round/>
+                      <a:headEnd type="none" w="med" len="med"/>
+                      <a:tailEnd type="none" w="med" len="med"/>
+                    </a:lnB>
+                  </a:tcPr>
                 </a:tc>
                 <a:tc>
                   <a:txBody>
@@ -14261,12 +15725,52 @@
                     <a:lstStyle/>
                     <a:p>
                       <a:r>
-                        <a:rPr lang="en-US" dirty="0"/>
-                        <a:t>https://techtutorialsx.com/2017/12/02/esp32-esp8266-arduino-serial-communication-with-python/</a:t>
+                        <a:rPr lang="en-US" dirty="0">
+                          <a:hlinkClick r:id="rId4"/>
+                        </a:rPr>
+                        <a:t>Click here</a:t>
                       </a:r>
+                      <a:endParaRPr lang="en-US" dirty="0"/>
                     </a:p>
                   </a:txBody>
-                  <a:tcPr/>
+                  <a:tcPr>
+                    <a:lnL w="12700" cap="flat" cmpd="sng" algn="ctr">
+                      <a:solidFill>
+                        <a:schemeClr val="tx1"/>
+                      </a:solidFill>
+                      <a:prstDash val="solid"/>
+                      <a:round/>
+                      <a:headEnd type="none" w="med" len="med"/>
+                      <a:tailEnd type="none" w="med" len="med"/>
+                    </a:lnL>
+                    <a:lnR w="12700" cap="flat" cmpd="sng" algn="ctr">
+                      <a:solidFill>
+                        <a:schemeClr val="tx1"/>
+                      </a:solidFill>
+                      <a:prstDash val="solid"/>
+                      <a:round/>
+                      <a:headEnd type="none" w="med" len="med"/>
+                      <a:tailEnd type="none" w="med" len="med"/>
+                    </a:lnR>
+                    <a:lnT w="12700" cap="flat" cmpd="sng" algn="ctr">
+                      <a:solidFill>
+                        <a:schemeClr val="tx1"/>
+                      </a:solidFill>
+                      <a:prstDash val="solid"/>
+                      <a:round/>
+                      <a:headEnd type="none" w="med" len="med"/>
+                      <a:tailEnd type="none" w="med" len="med"/>
+                    </a:lnT>
+                    <a:lnB w="12700" cap="flat" cmpd="sng" algn="ctr">
+                      <a:solidFill>
+                        <a:schemeClr val="tx1"/>
+                      </a:solidFill>
+                      <a:prstDash val="solid"/>
+                      <a:round/>
+                      <a:headEnd type="none" w="med" len="med"/>
+                      <a:tailEnd type="none" w="med" len="med"/>
+                    </a:lnB>
+                  </a:tcPr>
                 </a:tc>
                 <a:extLst>
                   <a:ext uri="{0D108BD9-81ED-4DB2-BD59-A6C34878D82A}">
@@ -14288,153 +15792,22 @@
   <p:clrMapOvr>
     <a:masterClrMapping/>
   </p:clrMapOvr>
+  <mc:AlternateContent xmlns:mc="http://schemas.openxmlformats.org/markup-compatibility/2006" xmlns:p15="http://schemas.microsoft.com/office/powerpoint/2012/main">
+    <mc:Choice Requires="p15">
+      <p:transition xmlns:p14="http://schemas.microsoft.com/office/powerpoint/2010/main" spd="slow" p14:dur="1250">
+        <p15:prstTrans prst="peelOff"/>
+      </p:transition>
+    </mc:Choice>
+    <mc:Fallback xmlns="">
+      <p:transition spd="slow">
+        <p:fade/>
+      </p:transition>
+    </mc:Fallback>
+  </mc:AlternateContent>
 </p:sld>
 </file>
 
 <file path=ppt/slides/slide5.xml><?xml version="1.0" encoding="utf-8"?>
-<p:sld xmlns:a="http://schemas.openxmlformats.org/drawingml/2006/main" xmlns:r="http://schemas.openxmlformats.org/officeDocument/2006/relationships" xmlns:p="http://schemas.openxmlformats.org/presentationml/2006/main">
-  <p:cSld>
-    <p:spTree>
-      <p:nvGrpSpPr>
-        <p:cNvPr id="1" name=""/>
-        <p:cNvGrpSpPr/>
-        <p:nvPr/>
-      </p:nvGrpSpPr>
-      <p:grpSpPr>
-        <a:xfrm>
-          <a:off x="0" y="0"/>
-          <a:ext cx="0" cy="0"/>
-          <a:chOff x="0" y="0"/>
-          <a:chExt cx="0" cy="0"/>
-        </a:xfrm>
-      </p:grpSpPr>
-      <p:sp>
-        <p:nvSpPr>
-          <p:cNvPr id="2" name="Slide Number Placeholder 1">
-            <a:extLst>
-              <a:ext uri="{FF2B5EF4-FFF2-40B4-BE49-F238E27FC236}">
-                <a16:creationId xmlns:a16="http://schemas.microsoft.com/office/drawing/2014/main" id="{FF832A81-494B-4395-952C-9372D0ACB3E2}"/>
-              </a:ext>
-            </a:extLst>
-          </p:cNvPr>
-          <p:cNvSpPr>
-            <a:spLocks noGrp="1"/>
-          </p:cNvSpPr>
-          <p:nvPr>
-            <p:ph type="sldNum" sz="quarter" idx="12"/>
-          </p:nvPr>
-        </p:nvSpPr>
-        <p:spPr/>
-        <p:txBody>
-          <a:bodyPr/>
-          <a:lstStyle/>
-          <a:p>
-            <a:fld id="{B59B104B-9B6C-40D2-938C-E7EC2A71093E}" type="slidenum">
-              <a:rPr lang="en-US" smtClean="0"/>
-              <a:t>5</a:t>
-            </a:fld>
-            <a:endParaRPr lang="en-US"/>
-          </a:p>
-        </p:txBody>
-      </p:sp>
-      <p:sp>
-        <p:nvSpPr>
-          <p:cNvPr id="3" name="TextBox 2">
-            <a:extLst>
-              <a:ext uri="{FF2B5EF4-FFF2-40B4-BE49-F238E27FC236}">
-                <a16:creationId xmlns:a16="http://schemas.microsoft.com/office/drawing/2014/main" id="{5B80F6FD-A96F-4946-958C-E01C6A4688BC}"/>
-              </a:ext>
-            </a:extLst>
-          </p:cNvPr>
-          <p:cNvSpPr txBox="1"/>
-          <p:nvPr/>
-        </p:nvSpPr>
-        <p:spPr>
-          <a:xfrm>
-            <a:off x="942109" y="2971800"/>
-            <a:ext cx="11249891" cy="1754326"/>
-          </a:xfrm>
-          <a:prstGeom prst="rect">
-            <a:avLst/>
-          </a:prstGeom>
-          <a:noFill/>
-        </p:spPr>
-        <p:txBody>
-          <a:bodyPr wrap="square" rtlCol="0">
-            <a:spAutoFit/>
-          </a:bodyPr>
-          <a:lstStyle/>
-          <a:p>
-            <a:pPr marL="342900" indent="-342900">
-              <a:buAutoNum type="arabicPeriod"/>
-            </a:pPr>
-            <a:r>
-              <a:rPr lang="en-IN" dirty="0"/>
-              <a:t>Designing PCB file</a:t>
-            </a:r>
-          </a:p>
-          <a:p>
-            <a:pPr marL="342900" indent="-342900">
-              <a:buAutoNum type="arabicPeriod"/>
-            </a:pPr>
-            <a:r>
-              <a:rPr lang="en-IN" dirty="0"/>
-              <a:t>Generating CSV file</a:t>
-            </a:r>
-          </a:p>
-          <a:p>
-            <a:pPr marL="342900" indent="-342900">
-              <a:buAutoNum type="arabicPeriod"/>
-            </a:pPr>
-            <a:r>
-              <a:rPr lang="en-IN" dirty="0"/>
-              <a:t>Extracting soldering points  from CSV file using Python</a:t>
-            </a:r>
-          </a:p>
-          <a:p>
-            <a:pPr marL="342900" indent="-342900">
-              <a:buAutoNum type="arabicPeriod"/>
-            </a:pPr>
-            <a:r>
-              <a:rPr lang="en-IN" dirty="0"/>
-              <a:t>Calculating steps needed to traverse from one point to another using Python</a:t>
-            </a:r>
-          </a:p>
-          <a:p>
-            <a:pPr marL="342900" indent="-342900">
-              <a:buAutoNum type="arabicPeriod"/>
-            </a:pPr>
-            <a:r>
-              <a:rPr lang="en-IN" dirty="0"/>
-              <a:t> The calculated results  are sent to ESP32(via Bluetooth from PC)</a:t>
-            </a:r>
-          </a:p>
-          <a:p>
-            <a:pPr marL="342900" indent="-342900">
-              <a:buAutoNum type="arabicPeriod"/>
-            </a:pPr>
-            <a:r>
-              <a:rPr lang="en-IN" dirty="0"/>
-              <a:t> ESP32 receives the command wirelessly and controls the actuators</a:t>
-            </a:r>
-            <a:endParaRPr lang="en-US" dirty="0"/>
-          </a:p>
-        </p:txBody>
-      </p:sp>
-    </p:spTree>
-    <p:extLst>
-      <p:ext uri="{BB962C8B-B14F-4D97-AF65-F5344CB8AC3E}">
-        <p14:creationId xmlns:p14="http://schemas.microsoft.com/office/powerpoint/2010/main" val="1755296599"/>
-      </p:ext>
-    </p:extLst>
-  </p:cSld>
-  <p:clrMapOvr>
-    <a:masterClrMapping/>
-  </p:clrMapOvr>
-</p:sld>
-</file>
-
-<file path=ppt/slides/slide6.xml><?xml version="1.0" encoding="utf-8"?>
 <p:sld xmlns:a="http://schemas.openxmlformats.org/drawingml/2006/main" xmlns:r="http://schemas.openxmlformats.org/officeDocument/2006/relationships" xmlns:p="http://schemas.openxmlformats.org/presentationml/2006/main">
   <p:cSld>
     <p:spTree>
@@ -14474,7 +15847,7 @@
           <a:p>
             <a:fld id="{B59B104B-9B6C-40D2-938C-E7EC2A71093E}" type="slidenum">
               <a:rPr lang="en-US" smtClean="0"/>
-              <a:t>6</a:t>
+              <a:t>5</a:t>
             </a:fld>
             <a:endParaRPr lang="en-US"/>
           </a:p>
@@ -15115,6 +16488,51 @@
           </a:p>
         </p:txBody>
       </p:sp>
+      <p:sp>
+        <p:nvSpPr>
+          <p:cNvPr id="3" name="Rectangle 2"/>
+          <p:cNvSpPr/>
+          <p:nvPr/>
+        </p:nvSpPr>
+        <p:spPr>
+          <a:xfrm>
+            <a:off x="2281842" y="3008414"/>
+            <a:ext cx="7406444" cy="769441"/>
+          </a:xfrm>
+          <a:prstGeom prst="rect">
+            <a:avLst/>
+          </a:prstGeom>
+          <a:noFill/>
+        </p:spPr>
+        <p:txBody>
+          <a:bodyPr wrap="square" lIns="91440" tIns="45720" rIns="91440" bIns="45720">
+            <a:spAutoFit/>
+          </a:bodyPr>
+          <a:lstStyle/>
+          <a:p>
+            <a:pPr algn="ctr"/>
+            <a:r>
+              <a:rPr lang="en-US" sz="4400" b="1" dirty="0">
+                <a:ln w="6600">
+                  <a:solidFill>
+                    <a:schemeClr val="accent2"/>
+                  </a:solidFill>
+                  <a:prstDash val="solid"/>
+                </a:ln>
+                <a:solidFill>
+                  <a:srgbClr val="FFFFFF"/>
+                </a:solidFill>
+                <a:effectLst>
+                  <a:outerShdw dist="38100" dir="2700000" algn="tl" rotWithShape="0">
+                    <a:schemeClr val="accent2"/>
+                  </a:outerShdw>
+                </a:effectLst>
+              </a:rPr>
+              <a:t>BLOCK DIAGRAM</a:t>
+            </a:r>
+          </a:p>
+        </p:txBody>
+      </p:sp>
     </p:spTree>
     <p:extLst>
       <p:ext uri="{BB962C8B-B14F-4D97-AF65-F5344CB8AC3E}">
@@ -15125,13 +16543,697 @@
   <p:clrMapOvr>
     <a:masterClrMapping/>
   </p:clrMapOvr>
+  <mc:AlternateContent xmlns:mc="http://schemas.openxmlformats.org/markup-compatibility/2006" xmlns:p15="http://schemas.microsoft.com/office/powerpoint/2012/main">
+    <mc:Choice Requires="p15">
+      <p:transition xmlns:p14="http://schemas.microsoft.com/office/powerpoint/2010/main" spd="slow" p14:dur="1250">
+        <p15:prstTrans prst="peelOff"/>
+      </p:transition>
+    </mc:Choice>
+    <mc:Fallback xmlns="">
+      <p:transition spd="slow">
+        <p:fade/>
+      </p:transition>
+    </mc:Fallback>
+  </mc:AlternateContent>
+  <p:timing>
+    <p:tnLst>
+      <p:par>
+        <p:cTn id="1" dur="indefinite" restart="never" nodeType="tmRoot">
+          <p:childTnLst>
+            <p:seq concurrent="1" nextAc="seek">
+              <p:cTn id="2" dur="indefinite" nodeType="mainSeq">
+                <p:childTnLst>
+                  <p:par>
+                    <p:cTn id="3" fill="hold">
+                      <p:stCondLst>
+                        <p:cond delay="indefinite"/>
+                      </p:stCondLst>
+                      <p:childTnLst>
+                        <p:par>
+                          <p:cTn id="4" fill="hold">
+                            <p:stCondLst>
+                              <p:cond delay="0"/>
+                            </p:stCondLst>
+                            <p:childTnLst>
+                              <p:par>
+                                <p:cTn id="5" presetID="1" presetClass="exit" presetSubtype="0" fill="hold" grpId="0" nodeType="clickEffect">
+                                  <p:stCondLst>
+                                    <p:cond delay="0"/>
+                                  </p:stCondLst>
+                                  <p:childTnLst>
+                                    <p:set>
+                                      <p:cBhvr>
+                                        <p:cTn id="6" dur="1" fill="hold">
+                                          <p:stCondLst>
+                                            <p:cond delay="0"/>
+                                          </p:stCondLst>
+                                        </p:cTn>
+                                        <p:tgtEl>
+                                          <p:spTgt spid="3"/>
+                                        </p:tgtEl>
+                                        <p:attrNameLst>
+                                          <p:attrName>style.visibility</p:attrName>
+                                        </p:attrNameLst>
+                                      </p:cBhvr>
+                                      <p:to>
+                                        <p:strVal val="hidden"/>
+                                      </p:to>
+                                    </p:set>
+                                  </p:childTnLst>
+                                </p:cTn>
+                              </p:par>
+                            </p:childTnLst>
+                          </p:cTn>
+                        </p:par>
+                      </p:childTnLst>
+                    </p:cTn>
+                  </p:par>
+                  <p:par>
+                    <p:cTn id="7" fill="hold">
+                      <p:stCondLst>
+                        <p:cond delay="indefinite"/>
+                      </p:stCondLst>
+                      <p:childTnLst>
+                        <p:par>
+                          <p:cTn id="8" fill="hold">
+                            <p:stCondLst>
+                              <p:cond delay="0"/>
+                            </p:stCondLst>
+                            <p:childTnLst>
+                              <p:par>
+                                <p:cTn id="9" presetID="10" presetClass="entr" presetSubtype="0" fill="hold" grpId="0" nodeType="clickEffect">
+                                  <p:stCondLst>
+                                    <p:cond delay="0"/>
+                                  </p:stCondLst>
+                                  <p:childTnLst>
+                                    <p:set>
+                                      <p:cBhvr>
+                                        <p:cTn id="10" dur="1" fill="hold">
+                                          <p:stCondLst>
+                                            <p:cond delay="0"/>
+                                          </p:stCondLst>
+                                        </p:cTn>
+                                        <p:tgtEl>
+                                          <p:spTgt spid="5"/>
+                                        </p:tgtEl>
+                                        <p:attrNameLst>
+                                          <p:attrName>style.visibility</p:attrName>
+                                        </p:attrNameLst>
+                                      </p:cBhvr>
+                                      <p:to>
+                                        <p:strVal val="visible"/>
+                                      </p:to>
+                                    </p:set>
+                                    <p:animEffect transition="in" filter="fade">
+                                      <p:cBhvr>
+                                        <p:cTn id="11" dur="500"/>
+                                        <p:tgtEl>
+                                          <p:spTgt spid="5"/>
+                                        </p:tgtEl>
+                                      </p:cBhvr>
+                                    </p:animEffect>
+                                  </p:childTnLst>
+                                </p:cTn>
+                              </p:par>
+                            </p:childTnLst>
+                          </p:cTn>
+                        </p:par>
+                      </p:childTnLst>
+                    </p:cTn>
+                  </p:par>
+                  <p:par>
+                    <p:cTn id="12" fill="hold">
+                      <p:stCondLst>
+                        <p:cond delay="indefinite"/>
+                      </p:stCondLst>
+                      <p:childTnLst>
+                        <p:par>
+                          <p:cTn id="13" fill="hold">
+                            <p:stCondLst>
+                              <p:cond delay="0"/>
+                            </p:stCondLst>
+                            <p:childTnLst>
+                              <p:par>
+                                <p:cTn id="14" presetID="10" presetClass="entr" presetSubtype="0" fill="hold" grpId="0" nodeType="clickEffect">
+                                  <p:stCondLst>
+                                    <p:cond delay="0"/>
+                                  </p:stCondLst>
+                                  <p:childTnLst>
+                                    <p:set>
+                                      <p:cBhvr>
+                                        <p:cTn id="15" dur="1" fill="hold">
+                                          <p:stCondLst>
+                                            <p:cond delay="0"/>
+                                          </p:stCondLst>
+                                        </p:cTn>
+                                        <p:tgtEl>
+                                          <p:spTgt spid="25"/>
+                                        </p:tgtEl>
+                                        <p:attrNameLst>
+                                          <p:attrName>style.visibility</p:attrName>
+                                        </p:attrNameLst>
+                                      </p:cBhvr>
+                                      <p:to>
+                                        <p:strVal val="visible"/>
+                                      </p:to>
+                                    </p:set>
+                                    <p:animEffect transition="in" filter="fade">
+                                      <p:cBhvr>
+                                        <p:cTn id="16" dur="500"/>
+                                        <p:tgtEl>
+                                          <p:spTgt spid="25"/>
+                                        </p:tgtEl>
+                                      </p:cBhvr>
+                                    </p:animEffect>
+                                  </p:childTnLst>
+                                </p:cTn>
+                              </p:par>
+                            </p:childTnLst>
+                          </p:cTn>
+                        </p:par>
+                      </p:childTnLst>
+                    </p:cTn>
+                  </p:par>
+                  <p:par>
+                    <p:cTn id="17" fill="hold">
+                      <p:stCondLst>
+                        <p:cond delay="indefinite"/>
+                      </p:stCondLst>
+                      <p:childTnLst>
+                        <p:par>
+                          <p:cTn id="18" fill="hold">
+                            <p:stCondLst>
+                              <p:cond delay="0"/>
+                            </p:stCondLst>
+                            <p:childTnLst>
+                              <p:par>
+                                <p:cTn id="19" presetID="10" presetClass="entr" presetSubtype="0" fill="hold" grpId="0" nodeType="clickEffect">
+                                  <p:stCondLst>
+                                    <p:cond delay="0"/>
+                                  </p:stCondLst>
+                                  <p:childTnLst>
+                                    <p:set>
+                                      <p:cBhvr>
+                                        <p:cTn id="20" dur="1" fill="hold">
+                                          <p:stCondLst>
+                                            <p:cond delay="0"/>
+                                          </p:stCondLst>
+                                        </p:cTn>
+                                        <p:tgtEl>
+                                          <p:spTgt spid="13"/>
+                                        </p:tgtEl>
+                                        <p:attrNameLst>
+                                          <p:attrName>style.visibility</p:attrName>
+                                        </p:attrNameLst>
+                                      </p:cBhvr>
+                                      <p:to>
+                                        <p:strVal val="visible"/>
+                                      </p:to>
+                                    </p:set>
+                                    <p:animEffect transition="in" filter="fade">
+                                      <p:cBhvr>
+                                        <p:cTn id="21" dur="500"/>
+                                        <p:tgtEl>
+                                          <p:spTgt spid="13"/>
+                                        </p:tgtEl>
+                                      </p:cBhvr>
+                                    </p:animEffect>
+                                  </p:childTnLst>
+                                </p:cTn>
+                              </p:par>
+                            </p:childTnLst>
+                          </p:cTn>
+                        </p:par>
+                      </p:childTnLst>
+                    </p:cTn>
+                  </p:par>
+                  <p:par>
+                    <p:cTn id="22" fill="hold">
+                      <p:stCondLst>
+                        <p:cond delay="indefinite"/>
+                      </p:stCondLst>
+                      <p:childTnLst>
+                        <p:par>
+                          <p:cTn id="23" fill="hold">
+                            <p:stCondLst>
+                              <p:cond delay="0"/>
+                            </p:stCondLst>
+                            <p:childTnLst>
+                              <p:par>
+                                <p:cTn id="24" presetID="10" presetClass="entr" presetSubtype="0" fill="hold" grpId="0" nodeType="clickEffect">
+                                  <p:stCondLst>
+                                    <p:cond delay="0"/>
+                                  </p:stCondLst>
+                                  <p:childTnLst>
+                                    <p:set>
+                                      <p:cBhvr>
+                                        <p:cTn id="25" dur="1" fill="hold">
+                                          <p:stCondLst>
+                                            <p:cond delay="0"/>
+                                          </p:stCondLst>
+                                        </p:cTn>
+                                        <p:tgtEl>
+                                          <p:spTgt spid="21"/>
+                                        </p:tgtEl>
+                                        <p:attrNameLst>
+                                          <p:attrName>style.visibility</p:attrName>
+                                        </p:attrNameLst>
+                                      </p:cBhvr>
+                                      <p:to>
+                                        <p:strVal val="visible"/>
+                                      </p:to>
+                                    </p:set>
+                                    <p:animEffect transition="in" filter="fade">
+                                      <p:cBhvr>
+                                        <p:cTn id="26" dur="500"/>
+                                        <p:tgtEl>
+                                          <p:spTgt spid="21"/>
+                                        </p:tgtEl>
+                                      </p:cBhvr>
+                                    </p:animEffect>
+                                  </p:childTnLst>
+                                </p:cTn>
+                              </p:par>
+                            </p:childTnLst>
+                          </p:cTn>
+                        </p:par>
+                      </p:childTnLst>
+                    </p:cTn>
+                  </p:par>
+                  <p:par>
+                    <p:cTn id="27" fill="hold">
+                      <p:stCondLst>
+                        <p:cond delay="indefinite"/>
+                      </p:stCondLst>
+                      <p:childTnLst>
+                        <p:par>
+                          <p:cTn id="28" fill="hold">
+                            <p:stCondLst>
+                              <p:cond delay="0"/>
+                            </p:stCondLst>
+                            <p:childTnLst>
+                              <p:par>
+                                <p:cTn id="29" presetID="10" presetClass="entr" presetSubtype="0" fill="hold" grpId="0" nodeType="clickEffect">
+                                  <p:stCondLst>
+                                    <p:cond delay="0"/>
+                                  </p:stCondLst>
+                                  <p:childTnLst>
+                                    <p:set>
+                                      <p:cBhvr>
+                                        <p:cTn id="30" dur="1" fill="hold">
+                                          <p:stCondLst>
+                                            <p:cond delay="0"/>
+                                          </p:stCondLst>
+                                        </p:cTn>
+                                        <p:tgtEl>
+                                          <p:spTgt spid="16"/>
+                                        </p:tgtEl>
+                                        <p:attrNameLst>
+                                          <p:attrName>style.visibility</p:attrName>
+                                        </p:attrNameLst>
+                                      </p:cBhvr>
+                                      <p:to>
+                                        <p:strVal val="visible"/>
+                                      </p:to>
+                                    </p:set>
+                                    <p:animEffect transition="in" filter="fade">
+                                      <p:cBhvr>
+                                        <p:cTn id="31" dur="500"/>
+                                        <p:tgtEl>
+                                          <p:spTgt spid="16"/>
+                                        </p:tgtEl>
+                                      </p:cBhvr>
+                                    </p:animEffect>
+                                  </p:childTnLst>
+                                </p:cTn>
+                              </p:par>
+                            </p:childTnLst>
+                          </p:cTn>
+                        </p:par>
+                      </p:childTnLst>
+                    </p:cTn>
+                  </p:par>
+                  <p:par>
+                    <p:cTn id="32" fill="hold">
+                      <p:stCondLst>
+                        <p:cond delay="indefinite"/>
+                      </p:stCondLst>
+                      <p:childTnLst>
+                        <p:par>
+                          <p:cTn id="33" fill="hold">
+                            <p:stCondLst>
+                              <p:cond delay="0"/>
+                            </p:stCondLst>
+                            <p:childTnLst>
+                              <p:par>
+                                <p:cTn id="34" presetID="10" presetClass="entr" presetSubtype="0" fill="hold" grpId="0" nodeType="clickEffect">
+                                  <p:stCondLst>
+                                    <p:cond delay="0"/>
+                                  </p:stCondLst>
+                                  <p:childTnLst>
+                                    <p:set>
+                                      <p:cBhvr>
+                                        <p:cTn id="35" dur="1" fill="hold">
+                                          <p:stCondLst>
+                                            <p:cond delay="0"/>
+                                          </p:stCondLst>
+                                        </p:cTn>
+                                        <p:tgtEl>
+                                          <p:spTgt spid="22"/>
+                                        </p:tgtEl>
+                                        <p:attrNameLst>
+                                          <p:attrName>style.visibility</p:attrName>
+                                        </p:attrNameLst>
+                                      </p:cBhvr>
+                                      <p:to>
+                                        <p:strVal val="visible"/>
+                                      </p:to>
+                                    </p:set>
+                                    <p:animEffect transition="in" filter="fade">
+                                      <p:cBhvr>
+                                        <p:cTn id="36" dur="500"/>
+                                        <p:tgtEl>
+                                          <p:spTgt spid="22"/>
+                                        </p:tgtEl>
+                                      </p:cBhvr>
+                                    </p:animEffect>
+                                  </p:childTnLst>
+                                </p:cTn>
+                              </p:par>
+                            </p:childTnLst>
+                          </p:cTn>
+                        </p:par>
+                      </p:childTnLst>
+                    </p:cTn>
+                  </p:par>
+                  <p:par>
+                    <p:cTn id="37" fill="hold">
+                      <p:stCondLst>
+                        <p:cond delay="indefinite"/>
+                      </p:stCondLst>
+                      <p:childTnLst>
+                        <p:par>
+                          <p:cTn id="38" fill="hold">
+                            <p:stCondLst>
+                              <p:cond delay="0"/>
+                            </p:stCondLst>
+                            <p:childTnLst>
+                              <p:par>
+                                <p:cTn id="39" presetID="10" presetClass="entr" presetSubtype="0" fill="hold" grpId="0" nodeType="clickEffect">
+                                  <p:stCondLst>
+                                    <p:cond delay="0"/>
+                                  </p:stCondLst>
+                                  <p:childTnLst>
+                                    <p:set>
+                                      <p:cBhvr>
+                                        <p:cTn id="40" dur="1" fill="hold">
+                                          <p:stCondLst>
+                                            <p:cond delay="0"/>
+                                          </p:stCondLst>
+                                        </p:cTn>
+                                        <p:tgtEl>
+                                          <p:spTgt spid="15"/>
+                                        </p:tgtEl>
+                                        <p:attrNameLst>
+                                          <p:attrName>style.visibility</p:attrName>
+                                        </p:attrNameLst>
+                                      </p:cBhvr>
+                                      <p:to>
+                                        <p:strVal val="visible"/>
+                                      </p:to>
+                                    </p:set>
+                                    <p:animEffect transition="in" filter="fade">
+                                      <p:cBhvr>
+                                        <p:cTn id="41" dur="500"/>
+                                        <p:tgtEl>
+                                          <p:spTgt spid="15"/>
+                                        </p:tgtEl>
+                                      </p:cBhvr>
+                                    </p:animEffect>
+                                  </p:childTnLst>
+                                </p:cTn>
+                              </p:par>
+                            </p:childTnLst>
+                          </p:cTn>
+                        </p:par>
+                      </p:childTnLst>
+                    </p:cTn>
+                  </p:par>
+                  <p:par>
+                    <p:cTn id="42" fill="hold">
+                      <p:stCondLst>
+                        <p:cond delay="indefinite"/>
+                      </p:stCondLst>
+                      <p:childTnLst>
+                        <p:par>
+                          <p:cTn id="43" fill="hold">
+                            <p:stCondLst>
+                              <p:cond delay="0"/>
+                            </p:stCondLst>
+                            <p:childTnLst>
+                              <p:par>
+                                <p:cTn id="44" presetID="10" presetClass="entr" presetSubtype="0" fill="hold" grpId="0" nodeType="clickEffect">
+                                  <p:stCondLst>
+                                    <p:cond delay="0"/>
+                                  </p:stCondLst>
+                                  <p:childTnLst>
+                                    <p:set>
+                                      <p:cBhvr>
+                                        <p:cTn id="45" dur="1" fill="hold">
+                                          <p:stCondLst>
+                                            <p:cond delay="0"/>
+                                          </p:stCondLst>
+                                        </p:cTn>
+                                        <p:tgtEl>
+                                          <p:spTgt spid="24"/>
+                                        </p:tgtEl>
+                                        <p:attrNameLst>
+                                          <p:attrName>style.visibility</p:attrName>
+                                        </p:attrNameLst>
+                                      </p:cBhvr>
+                                      <p:to>
+                                        <p:strVal val="visible"/>
+                                      </p:to>
+                                    </p:set>
+                                    <p:animEffect transition="in" filter="fade">
+                                      <p:cBhvr>
+                                        <p:cTn id="46" dur="500"/>
+                                        <p:tgtEl>
+                                          <p:spTgt spid="24"/>
+                                        </p:tgtEl>
+                                      </p:cBhvr>
+                                    </p:animEffect>
+                                  </p:childTnLst>
+                                </p:cTn>
+                              </p:par>
+                            </p:childTnLst>
+                          </p:cTn>
+                        </p:par>
+                      </p:childTnLst>
+                    </p:cTn>
+                  </p:par>
+                  <p:par>
+                    <p:cTn id="47" fill="hold">
+                      <p:stCondLst>
+                        <p:cond delay="indefinite"/>
+                      </p:stCondLst>
+                      <p:childTnLst>
+                        <p:par>
+                          <p:cTn id="48" fill="hold">
+                            <p:stCondLst>
+                              <p:cond delay="0"/>
+                            </p:stCondLst>
+                            <p:childTnLst>
+                              <p:par>
+                                <p:cTn id="49" presetID="10" presetClass="entr" presetSubtype="0" fill="hold" grpId="0" nodeType="clickEffect">
+                                  <p:stCondLst>
+                                    <p:cond delay="0"/>
+                                  </p:stCondLst>
+                                  <p:childTnLst>
+                                    <p:set>
+                                      <p:cBhvr>
+                                        <p:cTn id="50" dur="1" fill="hold">
+                                          <p:stCondLst>
+                                            <p:cond delay="0"/>
+                                          </p:stCondLst>
+                                        </p:cTn>
+                                        <p:tgtEl>
+                                          <p:spTgt spid="17"/>
+                                        </p:tgtEl>
+                                        <p:attrNameLst>
+                                          <p:attrName>style.visibility</p:attrName>
+                                        </p:attrNameLst>
+                                      </p:cBhvr>
+                                      <p:to>
+                                        <p:strVal val="visible"/>
+                                      </p:to>
+                                    </p:set>
+                                    <p:animEffect transition="in" filter="fade">
+                                      <p:cBhvr>
+                                        <p:cTn id="51" dur="500"/>
+                                        <p:tgtEl>
+                                          <p:spTgt spid="17"/>
+                                        </p:tgtEl>
+                                      </p:cBhvr>
+                                    </p:animEffect>
+                                  </p:childTnLst>
+                                </p:cTn>
+                              </p:par>
+                            </p:childTnLst>
+                          </p:cTn>
+                        </p:par>
+                      </p:childTnLst>
+                    </p:cTn>
+                  </p:par>
+                  <p:par>
+                    <p:cTn id="52" fill="hold">
+                      <p:stCondLst>
+                        <p:cond delay="indefinite"/>
+                      </p:stCondLst>
+                      <p:childTnLst>
+                        <p:par>
+                          <p:cTn id="53" fill="hold">
+                            <p:stCondLst>
+                              <p:cond delay="0"/>
+                            </p:stCondLst>
+                            <p:childTnLst>
+                              <p:par>
+                                <p:cTn id="54" presetID="10" presetClass="entr" presetSubtype="0" fill="hold" grpId="0" nodeType="clickEffect">
+                                  <p:stCondLst>
+                                    <p:cond delay="0"/>
+                                  </p:stCondLst>
+                                  <p:childTnLst>
+                                    <p:set>
+                                      <p:cBhvr>
+                                        <p:cTn id="55" dur="1" fill="hold">
+                                          <p:stCondLst>
+                                            <p:cond delay="0"/>
+                                          </p:stCondLst>
+                                        </p:cTn>
+                                        <p:tgtEl>
+                                          <p:spTgt spid="23"/>
+                                        </p:tgtEl>
+                                        <p:attrNameLst>
+                                          <p:attrName>style.visibility</p:attrName>
+                                        </p:attrNameLst>
+                                      </p:cBhvr>
+                                      <p:to>
+                                        <p:strVal val="visible"/>
+                                      </p:to>
+                                    </p:set>
+                                    <p:animEffect transition="in" filter="fade">
+                                      <p:cBhvr>
+                                        <p:cTn id="56" dur="500"/>
+                                        <p:tgtEl>
+                                          <p:spTgt spid="23"/>
+                                        </p:tgtEl>
+                                      </p:cBhvr>
+                                    </p:animEffect>
+                                  </p:childTnLst>
+                                </p:cTn>
+                              </p:par>
+                            </p:childTnLst>
+                          </p:cTn>
+                        </p:par>
+                      </p:childTnLst>
+                    </p:cTn>
+                  </p:par>
+                  <p:par>
+                    <p:cTn id="57" fill="hold">
+                      <p:stCondLst>
+                        <p:cond delay="indefinite"/>
+                      </p:stCondLst>
+                      <p:childTnLst>
+                        <p:par>
+                          <p:cTn id="58" fill="hold">
+                            <p:stCondLst>
+                              <p:cond delay="0"/>
+                            </p:stCondLst>
+                            <p:childTnLst>
+                              <p:par>
+                                <p:cTn id="59" presetID="10" presetClass="entr" presetSubtype="0" fill="hold" grpId="0" nodeType="clickEffect">
+                                  <p:stCondLst>
+                                    <p:cond delay="0"/>
+                                  </p:stCondLst>
+                                  <p:childTnLst>
+                                    <p:set>
+                                      <p:cBhvr>
+                                        <p:cTn id="60" dur="1" fill="hold">
+                                          <p:stCondLst>
+                                            <p:cond delay="0"/>
+                                          </p:stCondLst>
+                                        </p:cTn>
+                                        <p:tgtEl>
+                                          <p:spTgt spid="14"/>
+                                        </p:tgtEl>
+                                        <p:attrNameLst>
+                                          <p:attrName>style.visibility</p:attrName>
+                                        </p:attrNameLst>
+                                      </p:cBhvr>
+                                      <p:to>
+                                        <p:strVal val="visible"/>
+                                      </p:to>
+                                    </p:set>
+                                    <p:animEffect transition="in" filter="fade">
+                                      <p:cBhvr>
+                                        <p:cTn id="61" dur="500"/>
+                                        <p:tgtEl>
+                                          <p:spTgt spid="14"/>
+                                        </p:tgtEl>
+                                      </p:cBhvr>
+                                    </p:animEffect>
+                                  </p:childTnLst>
+                                </p:cTn>
+                              </p:par>
+                            </p:childTnLst>
+                          </p:cTn>
+                        </p:par>
+                      </p:childTnLst>
+                    </p:cTn>
+                  </p:par>
+                </p:childTnLst>
+              </p:cTn>
+              <p:prevCondLst>
+                <p:cond evt="onPrev" delay="0">
+                  <p:tgtEl>
+                    <p:sldTgt/>
+                  </p:tgtEl>
+                </p:cond>
+              </p:prevCondLst>
+              <p:nextCondLst>
+                <p:cond evt="onNext" delay="0">
+                  <p:tgtEl>
+                    <p:sldTgt/>
+                  </p:tgtEl>
+                </p:cond>
+              </p:nextCondLst>
+            </p:seq>
+          </p:childTnLst>
+        </p:cTn>
+      </p:par>
+    </p:tnLst>
+    <p:bldLst>
+      <p:bldP spid="5" grpId="0" animBg="1"/>
+      <p:bldP spid="13" grpId="0" animBg="1"/>
+      <p:bldP spid="14" grpId="0" animBg="1"/>
+      <p:bldP spid="15" grpId="0" animBg="1"/>
+      <p:bldP spid="16" grpId="0" animBg="1"/>
+      <p:bldP spid="17" grpId="0" animBg="1"/>
+      <p:bldP spid="21" grpId="0" animBg="1"/>
+      <p:bldP spid="22" grpId="0" animBg="1"/>
+      <p:bldP spid="23" grpId="0" animBg="1"/>
+      <p:bldP spid="24" grpId="0" animBg="1"/>
+      <p:bldP spid="25" grpId="0" animBg="1"/>
+      <p:bldP spid="3" grpId="0"/>
+    </p:bldLst>
+  </p:timing>
 </p:sld>
 </file>
 
 <file path=ppt/theme/theme1.xml><?xml version="1.0" encoding="utf-8"?>
 <a:theme xmlns:a="http://schemas.openxmlformats.org/drawingml/2006/main" name="Circuit">
   <a:themeElements>
-    <a:clrScheme name="Slipstream">
+    <a:clrScheme name="Custom 2">
       <a:dk1>
         <a:sysClr val="windowText" lastClr="000000"/>
       </a:dk1>
@@ -15163,10 +17265,10 @@
         <a:srgbClr val="F14124"/>
       </a:accent6>
       <a:hlink>
-        <a:srgbClr val="56C7AA"/>
+        <a:srgbClr val="FF0000"/>
       </a:hlink>
       <a:folHlink>
-        <a:srgbClr val="59A8D1"/>
+        <a:srgbClr val="000000"/>
       </a:folHlink>
     </a:clrScheme>
     <a:fontScheme name="Tw Cen MT-Rockwell">

--- a/automated_soldering_machine.pptx
+++ b/automated_soldering_machine.pptx
@@ -5,15 +5,14 @@
     <p:sldMasterId id="2147483678" r:id="rId1"/>
   </p:sldMasterIdLst>
   <p:notesMasterIdLst>
-    <p:notesMasterId r:id="rId8"/>
+    <p:notesMasterId r:id="rId7"/>
   </p:notesMasterIdLst>
   <p:sldIdLst>
     <p:sldId id="256" r:id="rId2"/>
     <p:sldId id="257" r:id="rId3"/>
     <p:sldId id="258" r:id="rId4"/>
     <p:sldId id="259" r:id="rId5"/>
-    <p:sldId id="260" r:id="rId6"/>
-    <p:sldId id="261" r:id="rId7"/>
+    <p:sldId id="261" r:id="rId6"/>
   </p:sldIdLst>
   <p:sldSz cx="12192000" cy="6858000"/>
   <p:notesSz cx="6858000" cy="9144000"/>
@@ -202,7 +201,7 @@
           <a:p>
             <a:fld id="{6B1ABE9E-7FB6-47FC-BE31-5609706269A3}" type="datetimeFigureOut">
               <a:rPr lang="en-US" smtClean="0"/>
-              <a:t>1/3/2021</a:t>
+              <a:t>1/4/2021</a:t>
             </a:fld>
             <a:endParaRPr lang="en-US"/>
           </a:p>
@@ -519,7 +518,7 @@
           <a:noFill/>
           <a:extLst>
             <a:ext uri="{909E8E84-426E-40dd-AFC4-6F175D3DCCD1}">
-              <a14:hiddenFill xmlns:a14="http://schemas.microsoft.com/office/drawing/2010/main" xmlns="">
+              <a14:hiddenFill xmlns="" xmlns:a14="http://schemas.microsoft.com/office/drawing/2010/main">
                 <a:solidFill>
                   <a:srgbClr val="FFFFFF"/>
                 </a:solidFill>
@@ -579,7 +578,7 @@
             </a:ln>
             <a:extLst>
               <a:ext uri="{91240B29-F687-4f45-9708-019B960494DF}">
-                <a14:hiddenLine xmlns:a14="http://schemas.microsoft.com/office/drawing/2010/main" xmlns="" w="9525">
+                <a14:hiddenLine xmlns="" xmlns:a14="http://schemas.microsoft.com/office/drawing/2010/main" w="9525">
                   <a:solidFill>
                     <a:srgbClr val="000000"/>
                   </a:solidFill>
@@ -669,7 +668,7 @@
             </a:ln>
             <a:extLst>
               <a:ext uri="{91240B29-F687-4f45-9708-019B960494DF}">
-                <a14:hiddenLine xmlns:a14="http://schemas.microsoft.com/office/drawing/2010/main" xmlns="" w="9525">
+                <a14:hiddenLine xmlns="" xmlns:a14="http://schemas.microsoft.com/office/drawing/2010/main" w="9525">
                   <a:solidFill>
                     <a:srgbClr val="000000"/>
                   </a:solidFill>
@@ -759,7 +758,7 @@
             </a:ln>
             <a:extLst>
               <a:ext uri="{91240B29-F687-4f45-9708-019B960494DF}">
-                <a14:hiddenLine xmlns:a14="http://schemas.microsoft.com/office/drawing/2010/main" xmlns="" w="9525">
+                <a14:hiddenLine xmlns="" xmlns:a14="http://schemas.microsoft.com/office/drawing/2010/main" w="9525">
                   <a:solidFill>
                     <a:srgbClr val="000000"/>
                   </a:solidFill>
@@ -793,7 +792,7 @@
             </a:ln>
             <a:extLst>
               <a:ext uri="{91240B29-F687-4f45-9708-019B960494DF}">
-                <a14:hiddenLine xmlns:a14="http://schemas.microsoft.com/office/drawing/2010/main" xmlns="" w="9525">
+                <a14:hiddenLine xmlns="" xmlns:a14="http://schemas.microsoft.com/office/drawing/2010/main" w="9525">
                   <a:solidFill>
                     <a:srgbClr val="000000"/>
                   </a:solidFill>
@@ -883,7 +882,7 @@
             </a:ln>
             <a:extLst>
               <a:ext uri="{91240B29-F687-4f45-9708-019B960494DF}">
-                <a14:hiddenLine xmlns:a14="http://schemas.microsoft.com/office/drawing/2010/main" xmlns="" w="9525">
+                <a14:hiddenLine xmlns="" xmlns:a14="http://schemas.microsoft.com/office/drawing/2010/main" w="9525">
                   <a:solidFill>
                     <a:srgbClr val="000000"/>
                   </a:solidFill>
@@ -945,7 +944,7 @@
             </a:ln>
             <a:extLst>
               <a:ext uri="{91240B29-F687-4f45-9708-019B960494DF}">
-                <a14:hiddenLine xmlns:a14="http://schemas.microsoft.com/office/drawing/2010/main" xmlns="" w="9525">
+                <a14:hiddenLine xmlns="" xmlns:a14="http://schemas.microsoft.com/office/drawing/2010/main" w="9525">
                   <a:solidFill>
                     <a:srgbClr val="000000"/>
                   </a:solidFill>
@@ -1007,7 +1006,7 @@
             </a:ln>
             <a:extLst>
               <a:ext uri="{91240B29-F687-4f45-9708-019B960494DF}">
-                <a14:hiddenLine xmlns:a14="http://schemas.microsoft.com/office/drawing/2010/main" xmlns="" w="9525">
+                <a14:hiddenLine xmlns="" xmlns:a14="http://schemas.microsoft.com/office/drawing/2010/main" w="9525">
                   <a:solidFill>
                     <a:srgbClr val="000000"/>
                   </a:solidFill>
@@ -1097,7 +1096,7 @@
             </a:ln>
             <a:extLst>
               <a:ext uri="{91240B29-F687-4f45-9708-019B960494DF}">
-                <a14:hiddenLine xmlns:a14="http://schemas.microsoft.com/office/drawing/2010/main" xmlns="" w="9525">
+                <a14:hiddenLine xmlns="" xmlns:a14="http://schemas.microsoft.com/office/drawing/2010/main" w="9525">
                   <a:solidFill>
                     <a:srgbClr val="000000"/>
                   </a:solidFill>
@@ -1159,7 +1158,7 @@
             </a:ln>
             <a:extLst>
               <a:ext uri="{91240B29-F687-4f45-9708-019B960494DF}">
-                <a14:hiddenLine xmlns:a14="http://schemas.microsoft.com/office/drawing/2010/main" xmlns="" w="9525">
+                <a14:hiddenLine xmlns="" xmlns:a14="http://schemas.microsoft.com/office/drawing/2010/main" w="9525">
                   <a:solidFill>
                     <a:srgbClr val="000000"/>
                   </a:solidFill>
@@ -1221,7 +1220,7 @@
             </a:ln>
             <a:extLst>
               <a:ext uri="{91240B29-F687-4f45-9708-019B960494DF}">
-                <a14:hiddenLine xmlns:a14="http://schemas.microsoft.com/office/drawing/2010/main" xmlns="" w="9525">
+                <a14:hiddenLine xmlns="" xmlns:a14="http://schemas.microsoft.com/office/drawing/2010/main" w="9525">
                   <a:solidFill>
                     <a:srgbClr val="000000"/>
                   </a:solidFill>
@@ -1311,7 +1310,7 @@
             </a:ln>
             <a:extLst>
               <a:ext uri="{91240B29-F687-4f45-9708-019B960494DF}">
-                <a14:hiddenLine xmlns:a14="http://schemas.microsoft.com/office/drawing/2010/main" xmlns="" w="9525">
+                <a14:hiddenLine xmlns="" xmlns:a14="http://schemas.microsoft.com/office/drawing/2010/main" w="9525">
                   <a:solidFill>
                     <a:srgbClr val="000000"/>
                   </a:solidFill>
@@ -1401,7 +1400,7 @@
             </a:ln>
             <a:extLst>
               <a:ext uri="{91240B29-F687-4f45-9708-019B960494DF}">
-                <a14:hiddenLine xmlns:a14="http://schemas.microsoft.com/office/drawing/2010/main" xmlns="" w="9525">
+                <a14:hiddenLine xmlns="" xmlns:a14="http://schemas.microsoft.com/office/drawing/2010/main" w="9525">
                   <a:solidFill>
                     <a:srgbClr val="000000"/>
                   </a:solidFill>
@@ -1463,7 +1462,7 @@
             </a:ln>
             <a:extLst>
               <a:ext uri="{91240B29-F687-4f45-9708-019B960494DF}">
-                <a14:hiddenLine xmlns:a14="http://schemas.microsoft.com/office/drawing/2010/main" xmlns="" w="9525">
+                <a14:hiddenLine xmlns="" xmlns:a14="http://schemas.microsoft.com/office/drawing/2010/main" w="9525">
                   <a:solidFill>
                     <a:srgbClr val="000000"/>
                   </a:solidFill>
@@ -1573,7 +1572,7 @@
             </a:ln>
             <a:extLst>
               <a:ext uri="{91240B29-F687-4f45-9708-019B960494DF}">
-                <a14:hiddenLine xmlns:a14="http://schemas.microsoft.com/office/drawing/2010/main" xmlns="" w="9525">
+                <a14:hiddenLine xmlns="" xmlns:a14="http://schemas.microsoft.com/office/drawing/2010/main" w="9525">
                   <a:solidFill>
                     <a:srgbClr val="000000"/>
                   </a:solidFill>
@@ -1635,7 +1634,7 @@
             </a:ln>
             <a:extLst>
               <a:ext uri="{91240B29-F687-4f45-9708-019B960494DF}">
-                <a14:hiddenLine xmlns:a14="http://schemas.microsoft.com/office/drawing/2010/main" xmlns="" w="9525">
+                <a14:hiddenLine xmlns="" xmlns:a14="http://schemas.microsoft.com/office/drawing/2010/main" w="9525">
                   <a:solidFill>
                     <a:srgbClr val="000000"/>
                   </a:solidFill>
@@ -1725,7 +1724,7 @@
             </a:ln>
             <a:extLst>
               <a:ext uri="{91240B29-F687-4f45-9708-019B960494DF}">
-                <a14:hiddenLine xmlns:a14="http://schemas.microsoft.com/office/drawing/2010/main" xmlns="" w="9525">
+                <a14:hiddenLine xmlns="" xmlns:a14="http://schemas.microsoft.com/office/drawing/2010/main" w="9525">
                   <a:solidFill>
                     <a:srgbClr val="000000"/>
                   </a:solidFill>
@@ -1815,7 +1814,7 @@
             </a:ln>
             <a:extLst>
               <a:ext uri="{91240B29-F687-4f45-9708-019B960494DF}">
-                <a14:hiddenLine xmlns:a14="http://schemas.microsoft.com/office/drawing/2010/main" xmlns="" w="9525">
+                <a14:hiddenLine xmlns="" xmlns:a14="http://schemas.microsoft.com/office/drawing/2010/main" w="9525">
                   <a:solidFill>
                     <a:srgbClr val="000000"/>
                   </a:solidFill>
@@ -1877,7 +1876,7 @@
             </a:ln>
             <a:extLst>
               <a:ext uri="{91240B29-F687-4f45-9708-019B960494DF}">
-                <a14:hiddenLine xmlns:a14="http://schemas.microsoft.com/office/drawing/2010/main" xmlns="" w="9525">
+                <a14:hiddenLine xmlns="" xmlns:a14="http://schemas.microsoft.com/office/drawing/2010/main" w="9525">
                   <a:solidFill>
                     <a:srgbClr val="000000"/>
                   </a:solidFill>
@@ -1967,7 +1966,7 @@
             </a:ln>
             <a:extLst>
               <a:ext uri="{91240B29-F687-4f45-9708-019B960494DF}">
-                <a14:hiddenLine xmlns:a14="http://schemas.microsoft.com/office/drawing/2010/main" xmlns="" w="9525">
+                <a14:hiddenLine xmlns="" xmlns:a14="http://schemas.microsoft.com/office/drawing/2010/main" w="9525">
                   <a:solidFill>
                     <a:srgbClr val="000000"/>
                   </a:solidFill>
@@ -2057,7 +2056,7 @@
             </a:ln>
             <a:extLst>
               <a:ext uri="{91240B29-F687-4f45-9708-019B960494DF}">
-                <a14:hiddenLine xmlns:a14="http://schemas.microsoft.com/office/drawing/2010/main" xmlns="" w="9525">
+                <a14:hiddenLine xmlns="" xmlns:a14="http://schemas.microsoft.com/office/drawing/2010/main" w="9525">
                   <a:solidFill>
                     <a:srgbClr val="000000"/>
                   </a:solidFill>
@@ -2113,7 +2112,7 @@
             </a:ln>
             <a:extLst>
               <a:ext uri="{91240B29-F687-4f45-9708-019B960494DF}">
-                <a14:hiddenLine xmlns:a14="http://schemas.microsoft.com/office/drawing/2010/main" xmlns="" w="9525">
+                <a14:hiddenLine xmlns="" xmlns:a14="http://schemas.microsoft.com/office/drawing/2010/main" w="9525">
                   <a:solidFill>
                     <a:srgbClr val="000000"/>
                   </a:solidFill>
@@ -2203,7 +2202,7 @@
             </a:ln>
             <a:extLst>
               <a:ext uri="{91240B29-F687-4f45-9708-019B960494DF}">
-                <a14:hiddenLine xmlns:a14="http://schemas.microsoft.com/office/drawing/2010/main" xmlns="" w="9525">
+                <a14:hiddenLine xmlns="" xmlns:a14="http://schemas.microsoft.com/office/drawing/2010/main" w="9525">
                   <a:solidFill>
                     <a:srgbClr val="000000"/>
                   </a:solidFill>
@@ -2259,7 +2258,7 @@
             </a:ln>
             <a:extLst>
               <a:ext uri="{91240B29-F687-4f45-9708-019B960494DF}">
-                <a14:hiddenLine xmlns:a14="http://schemas.microsoft.com/office/drawing/2010/main" xmlns="" w="9525">
+                <a14:hiddenLine xmlns="" xmlns:a14="http://schemas.microsoft.com/office/drawing/2010/main" w="9525">
                   <a:solidFill>
                     <a:srgbClr val="000000"/>
                   </a:solidFill>
@@ -2349,7 +2348,7 @@
             </a:ln>
             <a:extLst>
               <a:ext uri="{91240B29-F687-4f45-9708-019B960494DF}">
-                <a14:hiddenLine xmlns:a14="http://schemas.microsoft.com/office/drawing/2010/main" xmlns="" w="9525">
+                <a14:hiddenLine xmlns="" xmlns:a14="http://schemas.microsoft.com/office/drawing/2010/main" w="9525">
                   <a:solidFill>
                     <a:srgbClr val="000000"/>
                   </a:solidFill>
@@ -2417,7 +2416,7 @@
             </a:ln>
             <a:extLst>
               <a:ext uri="{91240B29-F687-4f45-9708-019B960494DF}">
-                <a14:hiddenLine xmlns:a14="http://schemas.microsoft.com/office/drawing/2010/main" xmlns="" w="9525">
+                <a14:hiddenLine xmlns="" xmlns:a14="http://schemas.microsoft.com/office/drawing/2010/main" w="9525">
                   <a:solidFill>
                     <a:srgbClr val="000000"/>
                   </a:solidFill>
@@ -2507,7 +2506,7 @@
             </a:ln>
             <a:extLst>
               <a:ext uri="{91240B29-F687-4f45-9708-019B960494DF}">
-                <a14:hiddenLine xmlns:a14="http://schemas.microsoft.com/office/drawing/2010/main" xmlns="" w="9525">
+                <a14:hiddenLine xmlns="" xmlns:a14="http://schemas.microsoft.com/office/drawing/2010/main" w="9525">
                   <a:solidFill>
                     <a:srgbClr val="000000"/>
                   </a:solidFill>
@@ -2575,7 +2574,7 @@
             </a:ln>
             <a:extLst>
               <a:ext uri="{91240B29-F687-4f45-9708-019B960494DF}">
-                <a14:hiddenLine xmlns:a14="http://schemas.microsoft.com/office/drawing/2010/main" xmlns="" w="9525">
+                <a14:hiddenLine xmlns="" xmlns:a14="http://schemas.microsoft.com/office/drawing/2010/main" w="9525">
                   <a:solidFill>
                     <a:srgbClr val="000000"/>
                   </a:solidFill>
@@ -2665,7 +2664,7 @@
             </a:ln>
             <a:extLst>
               <a:ext uri="{91240B29-F687-4f45-9708-019B960494DF}">
-                <a14:hiddenLine xmlns:a14="http://schemas.microsoft.com/office/drawing/2010/main" xmlns="" w="9525">
+                <a14:hiddenLine xmlns="" xmlns:a14="http://schemas.microsoft.com/office/drawing/2010/main" w="9525">
                   <a:solidFill>
                     <a:srgbClr val="000000"/>
                   </a:solidFill>
@@ -2699,7 +2698,7 @@
             </a:ln>
             <a:extLst>
               <a:ext uri="{91240B29-F687-4f45-9708-019B960494DF}">
-                <a14:hiddenLine xmlns:a14="http://schemas.microsoft.com/office/drawing/2010/main" xmlns="" w="9525">
+                <a14:hiddenLine xmlns="" xmlns:a14="http://schemas.microsoft.com/office/drawing/2010/main" w="9525">
                   <a:solidFill>
                     <a:srgbClr val="000000"/>
                   </a:solidFill>
@@ -2789,7 +2788,7 @@
             </a:ln>
             <a:extLst>
               <a:ext uri="{91240B29-F687-4f45-9708-019B960494DF}">
-                <a14:hiddenLine xmlns:a14="http://schemas.microsoft.com/office/drawing/2010/main" xmlns="" w="9525">
+                <a14:hiddenLine xmlns="" xmlns:a14="http://schemas.microsoft.com/office/drawing/2010/main" w="9525">
                   <a:solidFill>
                     <a:srgbClr val="000000"/>
                   </a:solidFill>
@@ -2851,7 +2850,7 @@
             </a:ln>
             <a:extLst>
               <a:ext uri="{91240B29-F687-4f45-9708-019B960494DF}">
-                <a14:hiddenLine xmlns:a14="http://schemas.microsoft.com/office/drawing/2010/main" xmlns="" w="9525">
+                <a14:hiddenLine xmlns="" xmlns:a14="http://schemas.microsoft.com/office/drawing/2010/main" w="9525">
                   <a:solidFill>
                     <a:srgbClr val="000000"/>
                   </a:solidFill>
@@ -2913,7 +2912,7 @@
             </a:ln>
             <a:extLst>
               <a:ext uri="{91240B29-F687-4f45-9708-019B960494DF}">
-                <a14:hiddenLine xmlns:a14="http://schemas.microsoft.com/office/drawing/2010/main" xmlns="" w="9525">
+                <a14:hiddenLine xmlns="" xmlns:a14="http://schemas.microsoft.com/office/drawing/2010/main" w="9525">
                   <a:solidFill>
                     <a:srgbClr val="000000"/>
                   </a:solidFill>
@@ -3003,7 +3002,7 @@
             </a:ln>
             <a:extLst>
               <a:ext uri="{91240B29-F687-4f45-9708-019B960494DF}">
-                <a14:hiddenLine xmlns:a14="http://schemas.microsoft.com/office/drawing/2010/main" xmlns="" w="9525">
+                <a14:hiddenLine xmlns="" xmlns:a14="http://schemas.microsoft.com/office/drawing/2010/main" w="9525">
                   <a:solidFill>
                     <a:srgbClr val="000000"/>
                   </a:solidFill>
@@ -3071,7 +3070,7 @@
             </a:ln>
             <a:extLst>
               <a:ext uri="{91240B29-F687-4f45-9708-019B960494DF}">
-                <a14:hiddenLine xmlns:a14="http://schemas.microsoft.com/office/drawing/2010/main" xmlns="" w="9525">
+                <a14:hiddenLine xmlns="" xmlns:a14="http://schemas.microsoft.com/office/drawing/2010/main" w="9525">
                   <a:solidFill>
                     <a:srgbClr val="000000"/>
                   </a:solidFill>
@@ -3133,7 +3132,7 @@
             </a:ln>
             <a:extLst>
               <a:ext uri="{91240B29-F687-4f45-9708-019B960494DF}">
-                <a14:hiddenLine xmlns:a14="http://schemas.microsoft.com/office/drawing/2010/main" xmlns="" w="9525">
+                <a14:hiddenLine xmlns="" xmlns:a14="http://schemas.microsoft.com/office/drawing/2010/main" w="9525">
                   <a:solidFill>
                     <a:srgbClr val="000000"/>
                   </a:solidFill>
@@ -3223,7 +3222,7 @@
             </a:ln>
             <a:extLst>
               <a:ext uri="{91240B29-F687-4f45-9708-019B960494DF}">
-                <a14:hiddenLine xmlns:a14="http://schemas.microsoft.com/office/drawing/2010/main" xmlns="" w="9525">
+                <a14:hiddenLine xmlns="" xmlns:a14="http://schemas.microsoft.com/office/drawing/2010/main" w="9525">
                   <a:solidFill>
                     <a:srgbClr val="000000"/>
                   </a:solidFill>
@@ -3285,7 +3284,7 @@
             </a:ln>
             <a:extLst>
               <a:ext uri="{91240B29-F687-4f45-9708-019B960494DF}">
-                <a14:hiddenLine xmlns:a14="http://schemas.microsoft.com/office/drawing/2010/main" xmlns="" w="9525">
+                <a14:hiddenLine xmlns="" xmlns:a14="http://schemas.microsoft.com/office/drawing/2010/main" w="9525">
                   <a:solidFill>
                     <a:srgbClr val="000000"/>
                   </a:solidFill>
@@ -3375,7 +3374,7 @@
             </a:ln>
             <a:extLst>
               <a:ext uri="{91240B29-F687-4f45-9708-019B960494DF}">
-                <a14:hiddenLine xmlns:a14="http://schemas.microsoft.com/office/drawing/2010/main" xmlns="" w="9525">
+                <a14:hiddenLine xmlns="" xmlns:a14="http://schemas.microsoft.com/office/drawing/2010/main" w="9525">
                   <a:solidFill>
                     <a:srgbClr val="000000"/>
                   </a:solidFill>
@@ -3437,7 +3436,7 @@
             </a:ln>
             <a:extLst>
               <a:ext uri="{91240B29-F687-4f45-9708-019B960494DF}">
-                <a14:hiddenLine xmlns:a14="http://schemas.microsoft.com/office/drawing/2010/main" xmlns="" w="9525">
+                <a14:hiddenLine xmlns="" xmlns:a14="http://schemas.microsoft.com/office/drawing/2010/main" w="9525">
                   <a:solidFill>
                     <a:srgbClr val="000000"/>
                   </a:solidFill>
@@ -3527,7 +3526,7 @@
             </a:ln>
             <a:extLst>
               <a:ext uri="{91240B29-F687-4f45-9708-019B960494DF}">
-                <a14:hiddenLine xmlns:a14="http://schemas.microsoft.com/office/drawing/2010/main" xmlns="" w="9525">
+                <a14:hiddenLine xmlns="" xmlns:a14="http://schemas.microsoft.com/office/drawing/2010/main" w="9525">
                   <a:solidFill>
                     <a:srgbClr val="000000"/>
                   </a:solidFill>
@@ -3561,7 +3560,7 @@
             </a:ln>
             <a:extLst>
               <a:ext uri="{91240B29-F687-4f45-9708-019B960494DF}">
-                <a14:hiddenLine xmlns:a14="http://schemas.microsoft.com/office/drawing/2010/main" xmlns="" w="9525">
+                <a14:hiddenLine xmlns="" xmlns:a14="http://schemas.microsoft.com/office/drawing/2010/main" w="9525">
                   <a:solidFill>
                     <a:srgbClr val="000000"/>
                   </a:solidFill>
@@ -3626,7 +3625,7 @@
             </a:ln>
             <a:extLst>
               <a:ext uri="{91240B29-F687-4f45-9708-019B960494DF}">
-                <a14:hiddenLine xmlns:a14="http://schemas.microsoft.com/office/drawing/2010/main" xmlns="" w="9525">
+                <a14:hiddenLine xmlns="" xmlns:a14="http://schemas.microsoft.com/office/drawing/2010/main" w="9525">
                   <a:solidFill>
                     <a:srgbClr val="000000"/>
                   </a:solidFill>
@@ -3716,7 +3715,7 @@
             </a:ln>
             <a:extLst>
               <a:ext uri="{91240B29-F687-4f45-9708-019B960494DF}">
-                <a14:hiddenLine xmlns:a14="http://schemas.microsoft.com/office/drawing/2010/main" xmlns="" w="9525">
+                <a14:hiddenLine xmlns="" xmlns:a14="http://schemas.microsoft.com/office/drawing/2010/main" w="9525">
                   <a:solidFill>
                     <a:srgbClr val="000000"/>
                   </a:solidFill>
@@ -3778,7 +3777,7 @@
             </a:ln>
             <a:extLst>
               <a:ext uri="{91240B29-F687-4f45-9708-019B960494DF}">
-                <a14:hiddenLine xmlns:a14="http://schemas.microsoft.com/office/drawing/2010/main" xmlns="" w="9525">
+                <a14:hiddenLine xmlns="" xmlns:a14="http://schemas.microsoft.com/office/drawing/2010/main" w="9525">
                   <a:solidFill>
                     <a:srgbClr val="000000"/>
                   </a:solidFill>
@@ -3868,7 +3867,7 @@
             </a:ln>
             <a:extLst>
               <a:ext uri="{91240B29-F687-4f45-9708-019B960494DF}">
-                <a14:hiddenLine xmlns:a14="http://schemas.microsoft.com/office/drawing/2010/main" xmlns="" w="9525">
+                <a14:hiddenLine xmlns="" xmlns:a14="http://schemas.microsoft.com/office/drawing/2010/main" w="9525">
                   <a:solidFill>
                     <a:srgbClr val="000000"/>
                   </a:solidFill>
@@ -3958,7 +3957,7 @@
             </a:ln>
             <a:extLst>
               <a:ext uri="{91240B29-F687-4f45-9708-019B960494DF}">
-                <a14:hiddenLine xmlns:a14="http://schemas.microsoft.com/office/drawing/2010/main" xmlns="" w="9525">
+                <a14:hiddenLine xmlns="" xmlns:a14="http://schemas.microsoft.com/office/drawing/2010/main" w="9525">
                   <a:solidFill>
                     <a:srgbClr val="000000"/>
                   </a:solidFill>
@@ -4023,7 +4022,7 @@
             </a:ln>
             <a:extLst>
               <a:ext uri="{91240B29-F687-4f45-9708-019B960494DF}">
-                <a14:hiddenLine xmlns:a14="http://schemas.microsoft.com/office/drawing/2010/main" xmlns="" w="9525">
+                <a14:hiddenLine xmlns="" xmlns:a14="http://schemas.microsoft.com/office/drawing/2010/main" w="9525">
                   <a:solidFill>
                     <a:srgbClr val="000000"/>
                   </a:solidFill>
@@ -4085,7 +4084,7 @@
             </a:ln>
             <a:extLst>
               <a:ext uri="{91240B29-F687-4f45-9708-019B960494DF}">
-                <a14:hiddenLine xmlns:a14="http://schemas.microsoft.com/office/drawing/2010/main" xmlns="" w="9525">
+                <a14:hiddenLine xmlns="" xmlns:a14="http://schemas.microsoft.com/office/drawing/2010/main" w="9525">
                   <a:solidFill>
                     <a:srgbClr val="000000"/>
                   </a:solidFill>
@@ -4175,7 +4174,7 @@
             </a:ln>
             <a:extLst>
               <a:ext uri="{91240B29-F687-4f45-9708-019B960494DF}">
-                <a14:hiddenLine xmlns:a14="http://schemas.microsoft.com/office/drawing/2010/main" xmlns="" w="9525">
+                <a14:hiddenLine xmlns="" xmlns:a14="http://schemas.microsoft.com/office/drawing/2010/main" w="9525">
                   <a:solidFill>
                     <a:srgbClr val="000000"/>
                   </a:solidFill>
@@ -4265,7 +4264,7 @@
             </a:ln>
             <a:extLst>
               <a:ext uri="{91240B29-F687-4f45-9708-019B960494DF}">
-                <a14:hiddenLine xmlns:a14="http://schemas.microsoft.com/office/drawing/2010/main" xmlns="" w="9525">
+                <a14:hiddenLine xmlns="" xmlns:a14="http://schemas.microsoft.com/office/drawing/2010/main" w="9525">
                   <a:solidFill>
                     <a:srgbClr val="000000"/>
                   </a:solidFill>
@@ -4327,7 +4326,7 @@
             </a:ln>
             <a:extLst>
               <a:ext uri="{91240B29-F687-4f45-9708-019B960494DF}">
-                <a14:hiddenLine xmlns:a14="http://schemas.microsoft.com/office/drawing/2010/main" xmlns="" w="9525">
+                <a14:hiddenLine xmlns="" xmlns:a14="http://schemas.microsoft.com/office/drawing/2010/main" w="9525">
                   <a:solidFill>
                     <a:srgbClr val="000000"/>
                   </a:solidFill>
@@ -4447,7 +4446,7 @@
             </a:ln>
             <a:extLst>
               <a:ext uri="{91240B29-F687-4f45-9708-019B960494DF}">
-                <a14:hiddenLine xmlns:a14="http://schemas.microsoft.com/office/drawing/2010/main" xmlns="" w="9525">
+                <a14:hiddenLine xmlns="" xmlns:a14="http://schemas.microsoft.com/office/drawing/2010/main" w="9525">
                   <a:solidFill>
                     <a:srgbClr val="000000"/>
                   </a:solidFill>
@@ -4515,7 +4514,7 @@
             </a:ln>
             <a:extLst>
               <a:ext uri="{91240B29-F687-4f45-9708-019B960494DF}">
-                <a14:hiddenLine xmlns:a14="http://schemas.microsoft.com/office/drawing/2010/main" xmlns="" w="9525">
+                <a14:hiddenLine xmlns="" xmlns:a14="http://schemas.microsoft.com/office/drawing/2010/main" w="9525">
                   <a:solidFill>
                     <a:srgbClr val="000000"/>
                   </a:solidFill>
@@ -4605,7 +4604,7 @@
             </a:ln>
             <a:extLst>
               <a:ext uri="{91240B29-F687-4f45-9708-019B960494DF}">
-                <a14:hiddenLine xmlns:a14="http://schemas.microsoft.com/office/drawing/2010/main" xmlns="" w="9525">
+                <a14:hiddenLine xmlns="" xmlns:a14="http://schemas.microsoft.com/office/drawing/2010/main" w="9525">
                   <a:solidFill>
                     <a:srgbClr val="000000"/>
                   </a:solidFill>
@@ -4745,7 +4744,7 @@
           <a:p>
             <a:fld id="{9453E4B6-66BA-4B33-AFCD-F6084AE9AFDC}" type="datetime1">
               <a:rPr lang="en-US" smtClean="0"/>
-              <a:t>1/3/2021</a:t>
+              <a:t>1/4/2021</a:t>
             </a:fld>
             <a:endParaRPr lang="en-US"/>
           </a:p>
@@ -4813,13 +4812,13 @@
   <p:clrMapOvr>
     <a:masterClrMapping/>
   </p:clrMapOvr>
-  <mc:AlternateContent xmlns:mc="http://schemas.openxmlformats.org/markup-compatibility/2006">
-    <mc:Choice xmlns:p15="http://schemas.microsoft.com/office/powerpoint/2012/main" Requires="p15">
+  <mc:AlternateContent xmlns:mc="http://schemas.openxmlformats.org/markup-compatibility/2006" xmlns:p15="http://schemas.microsoft.com/office/powerpoint/2012/main">
+    <mc:Choice Requires="p15">
       <p:transition xmlns:p14="http://schemas.microsoft.com/office/powerpoint/2010/main" spd="slow" p14:dur="1250">
         <p15:prstTrans prst="peelOff"/>
       </p:transition>
     </mc:Choice>
-    <mc:Fallback>
+    <mc:Fallback xmlns="">
       <p:transition spd="slow">
         <p:fade/>
       </p:transition>
@@ -5024,7 +5023,7 @@
           <a:p>
             <a:fld id="{3B030C01-3367-43BF-937D-3893ADD9B9F8}" type="datetime1">
               <a:rPr lang="en-US" smtClean="0"/>
-              <a:t>1/3/2021</a:t>
+              <a:t>1/4/2021</a:t>
             </a:fld>
             <a:endParaRPr lang="en-US"/>
           </a:p>
@@ -5082,13 +5081,13 @@
   <p:clrMapOvr>
     <a:masterClrMapping/>
   </p:clrMapOvr>
-  <mc:AlternateContent xmlns:mc="http://schemas.openxmlformats.org/markup-compatibility/2006">
-    <mc:Choice xmlns:p15="http://schemas.microsoft.com/office/powerpoint/2012/main" Requires="p15">
+  <mc:AlternateContent xmlns:mc="http://schemas.openxmlformats.org/markup-compatibility/2006" xmlns:p15="http://schemas.microsoft.com/office/powerpoint/2012/main">
+    <mc:Choice Requires="p15">
       <p:transition xmlns:p14="http://schemas.microsoft.com/office/powerpoint/2010/main" spd="slow" p14:dur="1250">
         <p15:prstTrans prst="peelOff"/>
       </p:transition>
     </mc:Choice>
-    <mc:Fallback>
+    <mc:Fallback xmlns="">
       <p:transition spd="slow">
         <p:fade/>
       </p:transition>
@@ -5232,7 +5231,7 @@
           <a:p>
             <a:fld id="{7B0B9D8B-653D-4DAC-8F28-9C1357B30687}" type="datetime1">
               <a:rPr lang="en-US" smtClean="0"/>
-              <a:t>1/3/2021</a:t>
+              <a:t>1/4/2021</a:t>
             </a:fld>
             <a:endParaRPr lang="en-US"/>
           </a:p>
@@ -5290,13 +5289,13 @@
   <p:clrMapOvr>
     <a:masterClrMapping/>
   </p:clrMapOvr>
-  <mc:AlternateContent xmlns:mc="http://schemas.openxmlformats.org/markup-compatibility/2006">
-    <mc:Choice xmlns:p15="http://schemas.microsoft.com/office/powerpoint/2012/main" Requires="p15">
+  <mc:AlternateContent xmlns:mc="http://schemas.openxmlformats.org/markup-compatibility/2006" xmlns:p15="http://schemas.microsoft.com/office/powerpoint/2012/main">
+    <mc:Choice Requires="p15">
       <p:transition xmlns:p14="http://schemas.microsoft.com/office/powerpoint/2010/main" spd="slow" p14:dur="1250">
         <p15:prstTrans prst="peelOff"/>
       </p:transition>
     </mc:Choice>
-    <mc:Fallback>
+    <mc:Fallback xmlns="">
       <p:transition spd="slow">
         <p:fade/>
       </p:transition>
@@ -5507,7 +5506,7 @@
           <a:p>
             <a:fld id="{3E0B0587-B13D-4CE2-ABF3-D82ACC0FE76B}" type="datetime1">
               <a:rPr lang="en-US" smtClean="0"/>
-              <a:t>1/3/2021</a:t>
+              <a:t>1/4/2021</a:t>
             </a:fld>
             <a:endParaRPr lang="en-US"/>
           </a:p>
@@ -5803,13 +5802,13 @@
   <p:clrMapOvr>
     <a:masterClrMapping/>
   </p:clrMapOvr>
-  <mc:AlternateContent xmlns:mc="http://schemas.openxmlformats.org/markup-compatibility/2006">
-    <mc:Choice xmlns:p15="http://schemas.microsoft.com/office/powerpoint/2012/main" Requires="p15">
+  <mc:AlternateContent xmlns:mc="http://schemas.openxmlformats.org/markup-compatibility/2006" xmlns:p15="http://schemas.microsoft.com/office/powerpoint/2012/main">
+    <mc:Choice Requires="p15">
       <p:transition xmlns:p14="http://schemas.microsoft.com/office/powerpoint/2010/main" spd="slow" p14:dur="1250">
         <p15:prstTrans prst="peelOff"/>
       </p:transition>
     </mc:Choice>
-    <mc:Fallback>
+    <mc:Fallback xmlns="">
       <p:transition spd="slow">
         <p:fade/>
       </p:transition>
@@ -5953,7 +5952,7 @@
           <a:p>
             <a:fld id="{71639C8D-F100-4198-BC96-24268D604A86}" type="datetime1">
               <a:rPr lang="en-US" smtClean="0"/>
-              <a:t>1/3/2021</a:t>
+              <a:t>1/4/2021</a:t>
             </a:fld>
             <a:endParaRPr lang="en-US"/>
           </a:p>
@@ -6011,13 +6010,13 @@
   <p:clrMapOvr>
     <a:masterClrMapping/>
   </p:clrMapOvr>
-  <mc:AlternateContent xmlns:mc="http://schemas.openxmlformats.org/markup-compatibility/2006">
-    <mc:Choice xmlns:p15="http://schemas.microsoft.com/office/powerpoint/2012/main" Requires="p15">
+  <mc:AlternateContent xmlns:mc="http://schemas.openxmlformats.org/markup-compatibility/2006" xmlns:p15="http://schemas.microsoft.com/office/powerpoint/2012/main">
+    <mc:Choice Requires="p15">
       <p:transition xmlns:p14="http://schemas.microsoft.com/office/powerpoint/2010/main" spd="slow" p14:dur="1250">
         <p15:prstTrans prst="peelOff"/>
       </p:transition>
     </mc:Choice>
-    <mc:Fallback>
+    <mc:Fallback xmlns="">
       <p:transition spd="slow">
         <p:fade/>
       </p:transition>
@@ -6511,7 +6510,7 @@
           <a:p>
             <a:fld id="{FFAF4433-B36B-42B9-9129-BFBD1397BF4E}" type="datetime1">
               <a:rPr lang="en-US" smtClean="0"/>
-              <a:t>1/3/2021</a:t>
+              <a:t>1/4/2021</a:t>
             </a:fld>
             <a:endParaRPr lang="en-US"/>
           </a:p>
@@ -6569,13 +6568,13 @@
   <p:clrMapOvr>
     <a:masterClrMapping/>
   </p:clrMapOvr>
-  <mc:AlternateContent xmlns:mc="http://schemas.openxmlformats.org/markup-compatibility/2006">
-    <mc:Choice xmlns:p15="http://schemas.microsoft.com/office/powerpoint/2012/main" Requires="p15">
+  <mc:AlternateContent xmlns:mc="http://schemas.openxmlformats.org/markup-compatibility/2006" xmlns:p15="http://schemas.microsoft.com/office/powerpoint/2012/main">
+    <mc:Choice Requires="p15">
       <p:transition xmlns:p14="http://schemas.microsoft.com/office/powerpoint/2010/main" spd="slow" p14:dur="1250">
         <p15:prstTrans prst="peelOff"/>
       </p:transition>
     </mc:Choice>
-    <mc:Fallback>
+    <mc:Fallback xmlns="">
       <p:transition spd="slow">
         <p:fade/>
       </p:transition>
@@ -7243,7 +7242,7 @@
           <a:p>
             <a:fld id="{0456F42E-3AD5-45F5-AA4E-60673CE0A094}" type="datetime1">
               <a:rPr lang="en-US" smtClean="0"/>
-              <a:t>1/3/2021</a:t>
+              <a:t>1/4/2021</a:t>
             </a:fld>
             <a:endParaRPr lang="en-US"/>
           </a:p>
@@ -7301,13 +7300,13 @@
   <p:clrMapOvr>
     <a:masterClrMapping/>
   </p:clrMapOvr>
-  <mc:AlternateContent xmlns:mc="http://schemas.openxmlformats.org/markup-compatibility/2006">
-    <mc:Choice xmlns:p15="http://schemas.microsoft.com/office/powerpoint/2012/main" Requires="p15">
+  <mc:AlternateContent xmlns:mc="http://schemas.openxmlformats.org/markup-compatibility/2006" xmlns:p15="http://schemas.microsoft.com/office/powerpoint/2012/main">
+    <mc:Choice Requires="p15">
       <p:transition xmlns:p14="http://schemas.microsoft.com/office/powerpoint/2010/main" spd="slow" p14:dur="1250">
         <p15:prstTrans prst="peelOff"/>
       </p:transition>
     </mc:Choice>
-    <mc:Fallback>
+    <mc:Fallback xmlns="">
       <p:transition spd="slow">
         <p:fade/>
       </p:transition>
@@ -7425,7 +7424,7 @@
           <a:p>
             <a:fld id="{96682EAD-E4E4-4F29-8F62-A2DBB9B02D15}" type="datetime1">
               <a:rPr lang="en-US" smtClean="0"/>
-              <a:t>1/3/2021</a:t>
+              <a:t>1/4/2021</a:t>
             </a:fld>
             <a:endParaRPr lang="en-US"/>
           </a:p>
@@ -7483,13 +7482,13 @@
   <p:clrMapOvr>
     <a:masterClrMapping/>
   </p:clrMapOvr>
-  <mc:AlternateContent xmlns:mc="http://schemas.openxmlformats.org/markup-compatibility/2006">
-    <mc:Choice xmlns:p15="http://schemas.microsoft.com/office/powerpoint/2012/main" Requires="p15">
+  <mc:AlternateContent xmlns:mc="http://schemas.openxmlformats.org/markup-compatibility/2006" xmlns:p15="http://schemas.microsoft.com/office/powerpoint/2012/main">
+    <mc:Choice Requires="p15">
       <p:transition xmlns:p14="http://schemas.microsoft.com/office/powerpoint/2010/main" spd="slow" p14:dur="1250">
         <p15:prstTrans prst="peelOff"/>
       </p:transition>
     </mc:Choice>
-    <mc:Fallback>
+    <mc:Fallback xmlns="">
       <p:transition spd="slow">
         <p:fade/>
       </p:transition>
@@ -7617,7 +7616,7 @@
           <a:p>
             <a:fld id="{1D971B33-70FD-4CFB-BAAD-1813DAEC74FB}" type="datetime1">
               <a:rPr lang="en-US" smtClean="0"/>
-              <a:t>1/3/2021</a:t>
+              <a:t>1/4/2021</a:t>
             </a:fld>
             <a:endParaRPr lang="en-US"/>
           </a:p>
@@ -7675,13 +7674,13 @@
   <p:clrMapOvr>
     <a:masterClrMapping/>
   </p:clrMapOvr>
-  <mc:AlternateContent xmlns:mc="http://schemas.openxmlformats.org/markup-compatibility/2006">
-    <mc:Choice xmlns:p15="http://schemas.microsoft.com/office/powerpoint/2012/main" Requires="p15">
+  <mc:AlternateContent xmlns:mc="http://schemas.openxmlformats.org/markup-compatibility/2006" xmlns:p15="http://schemas.microsoft.com/office/powerpoint/2012/main">
+    <mc:Choice Requires="p15">
       <p:transition xmlns:p14="http://schemas.microsoft.com/office/powerpoint/2010/main" spd="slow" p14:dur="1250">
         <p15:prstTrans prst="peelOff"/>
       </p:transition>
     </mc:Choice>
-    <mc:Fallback>
+    <mc:Fallback xmlns="">
       <p:transition spd="slow">
         <p:fade/>
       </p:transition>
@@ -7799,7 +7798,7 @@
           <a:p>
             <a:fld id="{7DC7A930-E568-44E6-84ED-3BB4016E0373}" type="datetime1">
               <a:rPr lang="en-US" smtClean="0"/>
-              <a:t>1/3/2021</a:t>
+              <a:t>1/4/2021</a:t>
             </a:fld>
             <a:endParaRPr lang="en-US"/>
           </a:p>
@@ -7857,13 +7856,13 @@
   <p:clrMapOvr>
     <a:masterClrMapping/>
   </p:clrMapOvr>
-  <mc:AlternateContent xmlns:mc="http://schemas.openxmlformats.org/markup-compatibility/2006">
-    <mc:Choice xmlns:p15="http://schemas.microsoft.com/office/powerpoint/2012/main" Requires="p15">
+  <mc:AlternateContent xmlns:mc="http://schemas.openxmlformats.org/markup-compatibility/2006" xmlns:p15="http://schemas.microsoft.com/office/powerpoint/2012/main">
+    <mc:Choice Requires="p15">
       <p:transition xmlns:p14="http://schemas.microsoft.com/office/powerpoint/2010/main" spd="slow" p14:dur="1250">
         <p15:prstTrans prst="peelOff"/>
       </p:transition>
     </mc:Choice>
-    <mc:Fallback>
+    <mc:Fallback xmlns="">
       <p:transition spd="slow">
         <p:fade/>
       </p:transition>
@@ -8061,7 +8060,7 @@
           <a:p>
             <a:fld id="{14DF841F-E273-470C-888B-487BE062E0B0}" type="datetime1">
               <a:rPr lang="en-US" smtClean="0"/>
-              <a:t>1/3/2021</a:t>
+              <a:t>1/4/2021</a:t>
             </a:fld>
             <a:endParaRPr lang="en-US"/>
           </a:p>
@@ -8119,13 +8118,13 @@
   <p:clrMapOvr>
     <a:masterClrMapping/>
   </p:clrMapOvr>
-  <mc:AlternateContent xmlns:mc="http://schemas.openxmlformats.org/markup-compatibility/2006">
-    <mc:Choice xmlns:p15="http://schemas.microsoft.com/office/powerpoint/2012/main" Requires="p15">
+  <mc:AlternateContent xmlns:mc="http://schemas.openxmlformats.org/markup-compatibility/2006" xmlns:p15="http://schemas.microsoft.com/office/powerpoint/2012/main">
+    <mc:Choice Requires="p15">
       <p:transition xmlns:p14="http://schemas.microsoft.com/office/powerpoint/2010/main" spd="slow" p14:dur="1250">
         <p15:prstTrans prst="peelOff"/>
       </p:transition>
     </mc:Choice>
-    <mc:Fallback>
+    <mc:Fallback xmlns="">
       <p:transition spd="slow">
         <p:fade/>
       </p:transition>
@@ -8305,7 +8304,7 @@
           <a:p>
             <a:fld id="{7976C994-3276-415C-8876-D8A57D02FBEA}" type="datetime1">
               <a:rPr lang="en-US" smtClean="0"/>
-              <a:t>1/3/2021</a:t>
+              <a:t>1/4/2021</a:t>
             </a:fld>
             <a:endParaRPr lang="en-US"/>
           </a:p>
@@ -8363,13 +8362,13 @@
   <p:clrMapOvr>
     <a:masterClrMapping/>
   </p:clrMapOvr>
-  <mc:AlternateContent xmlns:mc="http://schemas.openxmlformats.org/markup-compatibility/2006">
-    <mc:Choice xmlns:p15="http://schemas.microsoft.com/office/powerpoint/2012/main" Requires="p15">
+  <mc:AlternateContent xmlns:mc="http://schemas.openxmlformats.org/markup-compatibility/2006" xmlns:p15="http://schemas.microsoft.com/office/powerpoint/2012/main">
+    <mc:Choice Requires="p15">
       <p:transition xmlns:p14="http://schemas.microsoft.com/office/powerpoint/2010/main" spd="slow" p14:dur="1250">
         <p15:prstTrans prst="peelOff"/>
       </p:transition>
     </mc:Choice>
-    <mc:Fallback>
+    <mc:Fallback xmlns="">
       <p:transition spd="slow">
         <p:fade/>
       </p:transition>
@@ -8698,7 +8697,7 @@
           <a:p>
             <a:fld id="{957CF569-10E6-499B-B10A-368AE7881220}" type="datetime1">
               <a:rPr lang="en-US" smtClean="0"/>
-              <a:t>1/3/2021</a:t>
+              <a:t>1/4/2021</a:t>
             </a:fld>
             <a:endParaRPr lang="en-US"/>
           </a:p>
@@ -8756,13 +8755,13 @@
   <p:clrMapOvr>
     <a:masterClrMapping/>
   </p:clrMapOvr>
-  <mc:AlternateContent xmlns:mc="http://schemas.openxmlformats.org/markup-compatibility/2006">
-    <mc:Choice xmlns:p15="http://schemas.microsoft.com/office/powerpoint/2012/main" Requires="p15">
+  <mc:AlternateContent xmlns:mc="http://schemas.openxmlformats.org/markup-compatibility/2006" xmlns:p15="http://schemas.microsoft.com/office/powerpoint/2012/main">
+    <mc:Choice Requires="p15">
       <p:transition xmlns:p14="http://schemas.microsoft.com/office/powerpoint/2010/main" spd="slow" p14:dur="1250">
         <p15:prstTrans prst="peelOff"/>
       </p:transition>
     </mc:Choice>
-    <mc:Fallback>
+    <mc:Fallback xmlns="">
       <p:transition spd="slow">
         <p:fade/>
       </p:transition>
@@ -8828,7 +8827,7 @@
           <a:p>
             <a:fld id="{2B558DD0-02EC-4237-86A7-F584E5F12E9D}" type="datetime1">
               <a:rPr lang="en-US" smtClean="0"/>
-              <a:t>1/3/2021</a:t>
+              <a:t>1/4/2021</a:t>
             </a:fld>
             <a:endParaRPr lang="en-US"/>
           </a:p>
@@ -8886,13 +8885,13 @@
   <p:clrMapOvr>
     <a:masterClrMapping/>
   </p:clrMapOvr>
-  <mc:AlternateContent xmlns:mc="http://schemas.openxmlformats.org/markup-compatibility/2006">
-    <mc:Choice xmlns:p15="http://schemas.microsoft.com/office/powerpoint/2012/main" Requires="p15">
+  <mc:AlternateContent xmlns:mc="http://schemas.openxmlformats.org/markup-compatibility/2006" xmlns:p15="http://schemas.microsoft.com/office/powerpoint/2012/main">
+    <mc:Choice Requires="p15">
       <p:transition xmlns:p14="http://schemas.microsoft.com/office/powerpoint/2010/main" spd="slow" p14:dur="1250">
         <p15:prstTrans prst="peelOff"/>
       </p:transition>
     </mc:Choice>
-    <mc:Fallback>
+    <mc:Fallback xmlns="">
       <p:transition spd="slow">
         <p:fade/>
       </p:transition>
@@ -8935,7 +8934,7 @@
           <a:p>
             <a:fld id="{6CDF8AA9-4674-4D39-A1B3-0222990FE499}" type="datetime1">
               <a:rPr lang="en-US" smtClean="0"/>
-              <a:t>1/3/2021</a:t>
+              <a:t>1/4/2021</a:t>
             </a:fld>
             <a:endParaRPr lang="en-US"/>
           </a:p>
@@ -8993,13 +8992,13 @@
   <p:clrMapOvr>
     <a:masterClrMapping/>
   </p:clrMapOvr>
-  <mc:AlternateContent xmlns:mc="http://schemas.openxmlformats.org/markup-compatibility/2006">
-    <mc:Choice xmlns:p15="http://schemas.microsoft.com/office/powerpoint/2012/main" Requires="p15">
+  <mc:AlternateContent xmlns:mc="http://schemas.openxmlformats.org/markup-compatibility/2006" xmlns:p15="http://schemas.microsoft.com/office/powerpoint/2012/main">
+    <mc:Choice Requires="p15">
       <p:transition xmlns:p14="http://schemas.microsoft.com/office/powerpoint/2010/main" spd="slow" p14:dur="1250">
         <p15:prstTrans prst="peelOff"/>
       </p:transition>
     </mc:Choice>
-    <mc:Fallback>
+    <mc:Fallback xmlns="">
       <p:transition spd="slow">
         <p:fade/>
       </p:transition>
@@ -9196,7 +9195,7 @@
           <a:p>
             <a:fld id="{385EDE88-5D12-4E0B-86B8-96CC48680CD5}" type="datetime1">
               <a:rPr lang="en-US" smtClean="0"/>
-              <a:t>1/3/2021</a:t>
+              <a:t>1/4/2021</a:t>
             </a:fld>
             <a:endParaRPr lang="en-US"/>
           </a:p>
@@ -9254,13 +9253,13 @@
   <p:clrMapOvr>
     <a:masterClrMapping/>
   </p:clrMapOvr>
-  <mc:AlternateContent xmlns:mc="http://schemas.openxmlformats.org/markup-compatibility/2006">
-    <mc:Choice xmlns:p15="http://schemas.microsoft.com/office/powerpoint/2012/main" Requires="p15">
+  <mc:AlternateContent xmlns:mc="http://schemas.openxmlformats.org/markup-compatibility/2006" xmlns:p15="http://schemas.microsoft.com/office/powerpoint/2012/main">
+    <mc:Choice Requires="p15">
       <p:transition xmlns:p14="http://schemas.microsoft.com/office/powerpoint/2010/main" spd="slow" p14:dur="1250">
         <p15:prstTrans prst="peelOff"/>
       </p:transition>
     </mc:Choice>
-    <mc:Fallback>
+    <mc:Fallback xmlns="">
       <p:transition spd="slow">
         <p:fade/>
       </p:transition>
@@ -9488,7 +9487,7 @@
           <a:p>
             <a:fld id="{1A5064E6-1AA0-4DA4-AF2E-267D28A9CDE4}" type="datetime1">
               <a:rPr lang="en-US" smtClean="0"/>
-              <a:t>1/3/2021</a:t>
+              <a:t>1/4/2021</a:t>
             </a:fld>
             <a:endParaRPr lang="en-US"/>
           </a:p>
@@ -9546,13 +9545,13 @@
   <p:clrMapOvr>
     <a:masterClrMapping/>
   </p:clrMapOvr>
-  <mc:AlternateContent xmlns:mc="http://schemas.openxmlformats.org/markup-compatibility/2006">
-    <mc:Choice xmlns:p15="http://schemas.microsoft.com/office/powerpoint/2012/main" Requires="p15">
+  <mc:AlternateContent xmlns:mc="http://schemas.openxmlformats.org/markup-compatibility/2006" xmlns:p15="http://schemas.microsoft.com/office/powerpoint/2012/main">
+    <mc:Choice Requires="p15">
       <p:transition xmlns:p14="http://schemas.microsoft.com/office/powerpoint/2010/main" spd="slow" p14:dur="1250">
         <p15:prstTrans prst="peelOff"/>
       </p:transition>
     </mc:Choice>
-    <mc:Fallback>
+    <mc:Fallback xmlns="">
       <p:transition spd="slow">
         <p:fade/>
       </p:transition>
@@ -9616,7 +9615,7 @@
           <a:noFill/>
           <a:extLst>
             <a:ext uri="{909E8E84-426E-40dd-AFC4-6F175D3DCCD1}">
-              <a14:hiddenFill xmlns:a14="http://schemas.microsoft.com/office/drawing/2010/main" xmlns="">
+              <a14:hiddenFill xmlns="" xmlns:a14="http://schemas.microsoft.com/office/drawing/2010/main">
                 <a:solidFill>
                   <a:srgbClr val="FFFFFF"/>
                 </a:solidFill>
@@ -9690,7 +9689,7 @@
               </a:ln>
               <a:extLst>
                 <a:ext uri="{91240B29-F687-4f45-9708-019B960494DF}">
-                  <a14:hiddenLine xmlns:a14="http://schemas.microsoft.com/office/drawing/2010/main" xmlns="" w="9525">
+                  <a14:hiddenLine xmlns="" xmlns:a14="http://schemas.microsoft.com/office/drawing/2010/main" w="9525">
                     <a:solidFill>
                       <a:srgbClr val="000000"/>
                     </a:solidFill>
@@ -9780,7 +9779,7 @@
               </a:ln>
               <a:extLst>
                 <a:ext uri="{91240B29-F687-4f45-9708-019B960494DF}">
-                  <a14:hiddenLine xmlns:a14="http://schemas.microsoft.com/office/drawing/2010/main" xmlns="" w="9525">
+                  <a14:hiddenLine xmlns="" xmlns:a14="http://schemas.microsoft.com/office/drawing/2010/main" w="9525">
                     <a:solidFill>
                       <a:srgbClr val="000000"/>
                     </a:solidFill>
@@ -9870,7 +9869,7 @@
               </a:ln>
               <a:extLst>
                 <a:ext uri="{91240B29-F687-4f45-9708-019B960494DF}">
-                  <a14:hiddenLine xmlns:a14="http://schemas.microsoft.com/office/drawing/2010/main" xmlns="" w="9525">
+                  <a14:hiddenLine xmlns="" xmlns:a14="http://schemas.microsoft.com/office/drawing/2010/main" w="9525">
                     <a:solidFill>
                       <a:srgbClr val="000000"/>
                     </a:solidFill>
@@ -9932,7 +9931,7 @@
               </a:ln>
               <a:extLst>
                 <a:ext uri="{91240B29-F687-4f45-9708-019B960494DF}">
-                  <a14:hiddenLine xmlns:a14="http://schemas.microsoft.com/office/drawing/2010/main" xmlns="" w="9525">
+                  <a14:hiddenLine xmlns="" xmlns:a14="http://schemas.microsoft.com/office/drawing/2010/main" w="9525">
                     <a:solidFill>
                       <a:srgbClr val="000000"/>
                     </a:solidFill>
@@ -10022,7 +10021,7 @@
               </a:ln>
               <a:extLst>
                 <a:ext uri="{91240B29-F687-4f45-9708-019B960494DF}">
-                  <a14:hiddenLine xmlns:a14="http://schemas.microsoft.com/office/drawing/2010/main" xmlns="" w="9525">
+                  <a14:hiddenLine xmlns="" xmlns:a14="http://schemas.microsoft.com/office/drawing/2010/main" w="9525">
                     <a:solidFill>
                       <a:srgbClr val="000000"/>
                     </a:solidFill>
@@ -10084,7 +10083,7 @@
               </a:ln>
               <a:extLst>
                 <a:ext uri="{91240B29-F687-4f45-9708-019B960494DF}">
-                  <a14:hiddenLine xmlns:a14="http://schemas.microsoft.com/office/drawing/2010/main" xmlns="" w="9525">
+                  <a14:hiddenLine xmlns="" xmlns:a14="http://schemas.microsoft.com/office/drawing/2010/main" w="9525">
                     <a:solidFill>
                       <a:srgbClr val="000000"/>
                     </a:solidFill>
@@ -10146,7 +10145,7 @@
               </a:ln>
               <a:extLst>
                 <a:ext uri="{91240B29-F687-4f45-9708-019B960494DF}">
-                  <a14:hiddenLine xmlns:a14="http://schemas.microsoft.com/office/drawing/2010/main" xmlns="" w="9525">
+                  <a14:hiddenLine xmlns="" xmlns:a14="http://schemas.microsoft.com/office/drawing/2010/main" w="9525">
                     <a:solidFill>
                       <a:srgbClr val="000000"/>
                     </a:solidFill>
@@ -10236,7 +10235,7 @@
               </a:ln>
               <a:extLst>
                 <a:ext uri="{91240B29-F687-4f45-9708-019B960494DF}">
-                  <a14:hiddenLine xmlns:a14="http://schemas.microsoft.com/office/drawing/2010/main" xmlns="" w="9525">
+                  <a14:hiddenLine xmlns="" xmlns:a14="http://schemas.microsoft.com/office/drawing/2010/main" w="9525">
                     <a:solidFill>
                       <a:srgbClr val="000000"/>
                     </a:solidFill>
@@ -10326,7 +10325,7 @@
               </a:ln>
               <a:extLst>
                 <a:ext uri="{91240B29-F687-4f45-9708-019B960494DF}">
-                  <a14:hiddenLine xmlns:a14="http://schemas.microsoft.com/office/drawing/2010/main" xmlns="" w="9525">
+                  <a14:hiddenLine xmlns="" xmlns:a14="http://schemas.microsoft.com/office/drawing/2010/main" w="9525">
                     <a:solidFill>
                       <a:srgbClr val="000000"/>
                     </a:solidFill>
@@ -10388,7 +10387,7 @@
               </a:ln>
               <a:extLst>
                 <a:ext uri="{91240B29-F687-4f45-9708-019B960494DF}">
-                  <a14:hiddenLine xmlns:a14="http://schemas.microsoft.com/office/drawing/2010/main" xmlns="" w="9525">
+                  <a14:hiddenLine xmlns="" xmlns:a14="http://schemas.microsoft.com/office/drawing/2010/main" w="9525">
                     <a:solidFill>
                       <a:srgbClr val="000000"/>
                     </a:solidFill>
@@ -10498,7 +10497,7 @@
               </a:ln>
               <a:extLst>
                 <a:ext uri="{91240B29-F687-4f45-9708-019B960494DF}">
-                  <a14:hiddenLine xmlns:a14="http://schemas.microsoft.com/office/drawing/2010/main" xmlns="" w="9525">
+                  <a14:hiddenLine xmlns="" xmlns:a14="http://schemas.microsoft.com/office/drawing/2010/main" w="9525">
                     <a:solidFill>
                       <a:srgbClr val="000000"/>
                     </a:solidFill>
@@ -10582,7 +10581,7 @@
               </a:ln>
               <a:extLst>
                 <a:ext uri="{91240B29-F687-4f45-9708-019B960494DF}">
-                  <a14:hiddenLine xmlns:a14="http://schemas.microsoft.com/office/drawing/2010/main" xmlns="" w="9525">
+                  <a14:hiddenLine xmlns="" xmlns:a14="http://schemas.microsoft.com/office/drawing/2010/main" w="9525">
                     <a:solidFill>
                       <a:srgbClr val="000000"/>
                     </a:solidFill>
@@ -10644,7 +10643,7 @@
               </a:ln>
               <a:extLst>
                 <a:ext uri="{91240B29-F687-4f45-9708-019B960494DF}">
-                  <a14:hiddenLine xmlns:a14="http://schemas.microsoft.com/office/drawing/2010/main" xmlns="" w="9525">
+                  <a14:hiddenLine xmlns="" xmlns:a14="http://schemas.microsoft.com/office/drawing/2010/main" w="9525">
                     <a:solidFill>
                       <a:srgbClr val="000000"/>
                     </a:solidFill>
@@ -10706,7 +10705,7 @@
               </a:ln>
               <a:extLst>
                 <a:ext uri="{91240B29-F687-4f45-9708-019B960494DF}">
-                  <a14:hiddenLine xmlns:a14="http://schemas.microsoft.com/office/drawing/2010/main" xmlns="" w="9525">
+                  <a14:hiddenLine xmlns="" xmlns:a14="http://schemas.microsoft.com/office/drawing/2010/main" w="9525">
                     <a:solidFill>
                       <a:srgbClr val="000000"/>
                     </a:solidFill>
@@ -10796,7 +10795,7 @@
               </a:ln>
               <a:extLst>
                 <a:ext uri="{91240B29-F687-4f45-9708-019B960494DF}">
-                  <a14:hiddenLine xmlns:a14="http://schemas.microsoft.com/office/drawing/2010/main" xmlns="" w="9525">
+                  <a14:hiddenLine xmlns="" xmlns:a14="http://schemas.microsoft.com/office/drawing/2010/main" w="9525">
                     <a:solidFill>
                       <a:srgbClr val="000000"/>
                     </a:solidFill>
@@ -10830,7 +10829,7 @@
               </a:ln>
               <a:extLst>
                 <a:ext uri="{91240B29-F687-4f45-9708-019B960494DF}">
-                  <a14:hiddenLine xmlns:a14="http://schemas.microsoft.com/office/drawing/2010/main" xmlns="" w="9525">
+                  <a14:hiddenLine xmlns="" xmlns:a14="http://schemas.microsoft.com/office/drawing/2010/main" w="9525">
                     <a:solidFill>
                       <a:srgbClr val="000000"/>
                     </a:solidFill>
@@ -10895,7 +10894,7 @@
               </a:ln>
               <a:extLst>
                 <a:ext uri="{91240B29-F687-4f45-9708-019B960494DF}">
-                  <a14:hiddenLine xmlns:a14="http://schemas.microsoft.com/office/drawing/2010/main" xmlns="" w="9525">
+                  <a14:hiddenLine xmlns="" xmlns:a14="http://schemas.microsoft.com/office/drawing/2010/main" w="9525">
                     <a:solidFill>
                       <a:srgbClr val="000000"/>
                     </a:solidFill>
@@ -10985,7 +10984,7 @@
               </a:ln>
               <a:extLst>
                 <a:ext uri="{91240B29-F687-4f45-9708-019B960494DF}">
-                  <a14:hiddenLine xmlns:a14="http://schemas.microsoft.com/office/drawing/2010/main" xmlns="" w="9525">
+                  <a14:hiddenLine xmlns="" xmlns:a14="http://schemas.microsoft.com/office/drawing/2010/main" w="9525">
                     <a:solidFill>
                       <a:srgbClr val="000000"/>
                     </a:solidFill>
@@ -11047,7 +11046,7 @@
               </a:ln>
               <a:extLst>
                 <a:ext uri="{91240B29-F687-4f45-9708-019B960494DF}">
-                  <a14:hiddenLine xmlns:a14="http://schemas.microsoft.com/office/drawing/2010/main" xmlns="" w="9525">
+                  <a14:hiddenLine xmlns="" xmlns:a14="http://schemas.microsoft.com/office/drawing/2010/main" w="9525">
                     <a:solidFill>
                       <a:srgbClr val="000000"/>
                     </a:solidFill>
@@ -11137,7 +11136,7 @@
               </a:ln>
               <a:extLst>
                 <a:ext uri="{91240B29-F687-4f45-9708-019B960494DF}">
-                  <a14:hiddenLine xmlns:a14="http://schemas.microsoft.com/office/drawing/2010/main" xmlns="" w="9525">
+                  <a14:hiddenLine xmlns="" xmlns:a14="http://schemas.microsoft.com/office/drawing/2010/main" w="9525">
                     <a:solidFill>
                       <a:srgbClr val="000000"/>
                     </a:solidFill>
@@ -11202,7 +11201,7 @@
               </a:ln>
               <a:extLst>
                 <a:ext uri="{91240B29-F687-4f45-9708-019B960494DF}">
-                  <a14:hiddenLine xmlns:a14="http://schemas.microsoft.com/office/drawing/2010/main" xmlns="" w="9525">
+                  <a14:hiddenLine xmlns="" xmlns:a14="http://schemas.microsoft.com/office/drawing/2010/main" w="9525">
                     <a:solidFill>
                       <a:srgbClr val="000000"/>
                     </a:solidFill>
@@ -11264,7 +11263,7 @@
               </a:ln>
               <a:extLst>
                 <a:ext uri="{91240B29-F687-4f45-9708-019B960494DF}">
-                  <a14:hiddenLine xmlns:a14="http://schemas.microsoft.com/office/drawing/2010/main" xmlns="" w="9525">
+                  <a14:hiddenLine xmlns="" xmlns:a14="http://schemas.microsoft.com/office/drawing/2010/main" w="9525">
                     <a:solidFill>
                       <a:srgbClr val="000000"/>
                     </a:solidFill>
@@ -11354,7 +11353,7 @@
               </a:ln>
               <a:extLst>
                 <a:ext uri="{91240B29-F687-4f45-9708-019B960494DF}">
-                  <a14:hiddenLine xmlns:a14="http://schemas.microsoft.com/office/drawing/2010/main" xmlns="" w="9525">
+                  <a14:hiddenLine xmlns="" xmlns:a14="http://schemas.microsoft.com/office/drawing/2010/main" w="9525">
                     <a:solidFill>
                       <a:srgbClr val="000000"/>
                     </a:solidFill>
@@ -11444,7 +11443,7 @@
               </a:ln>
               <a:extLst>
                 <a:ext uri="{91240B29-F687-4f45-9708-019B960494DF}">
-                  <a14:hiddenLine xmlns:a14="http://schemas.microsoft.com/office/drawing/2010/main" xmlns="" w="9525">
+                  <a14:hiddenLine xmlns="" xmlns:a14="http://schemas.microsoft.com/office/drawing/2010/main" w="9525">
                     <a:solidFill>
                       <a:srgbClr val="000000"/>
                     </a:solidFill>
@@ -11509,7 +11508,7 @@
               </a:ln>
               <a:extLst>
                 <a:ext uri="{91240B29-F687-4f45-9708-019B960494DF}">
-                  <a14:hiddenLine xmlns:a14="http://schemas.microsoft.com/office/drawing/2010/main" xmlns="" w="9525">
+                  <a14:hiddenLine xmlns="" xmlns:a14="http://schemas.microsoft.com/office/drawing/2010/main" w="9525">
                     <a:solidFill>
                       <a:srgbClr val="000000"/>
                     </a:solidFill>
@@ -11629,7 +11628,7 @@
               </a:ln>
               <a:extLst>
                 <a:ext uri="{91240B29-F687-4f45-9708-019B960494DF}">
-                  <a14:hiddenLine xmlns:a14="http://schemas.microsoft.com/office/drawing/2010/main" xmlns="" w="9525">
+                  <a14:hiddenLine xmlns="" xmlns:a14="http://schemas.microsoft.com/office/drawing/2010/main" w="9525">
                     <a:solidFill>
                       <a:srgbClr val="000000"/>
                     </a:solidFill>
@@ -11727,7 +11726,7 @@
               </a:ln>
               <a:extLst>
                 <a:ext uri="{91240B29-F687-4f45-9708-019B960494DF}">
-                  <a14:hiddenLine xmlns:a14="http://schemas.microsoft.com/office/drawing/2010/main" xmlns="" w="9525">
+                  <a14:hiddenLine xmlns="" xmlns:a14="http://schemas.microsoft.com/office/drawing/2010/main" w="9525">
                     <a:solidFill>
                       <a:srgbClr val="000000"/>
                     </a:solidFill>
@@ -11842,7 +11841,7 @@
               </a:ln>
               <a:extLst>
                 <a:ext uri="{91240B29-F687-4f45-9708-019B960494DF}">
-                  <a14:hiddenLine xmlns:a14="http://schemas.microsoft.com/office/drawing/2010/main" xmlns="" w="9525">
+                  <a14:hiddenLine xmlns="" xmlns:a14="http://schemas.microsoft.com/office/drawing/2010/main" w="9525">
                     <a:solidFill>
                       <a:srgbClr val="000000"/>
                     </a:solidFill>
@@ -11932,7 +11931,7 @@
               </a:ln>
               <a:extLst>
                 <a:ext uri="{91240B29-F687-4f45-9708-019B960494DF}">
-                  <a14:hiddenLine xmlns:a14="http://schemas.microsoft.com/office/drawing/2010/main" xmlns="" w="9525">
+                  <a14:hiddenLine xmlns="" xmlns:a14="http://schemas.microsoft.com/office/drawing/2010/main" w="9525">
                     <a:solidFill>
                       <a:srgbClr val="000000"/>
                     </a:solidFill>
@@ -11997,7 +11996,7 @@
               </a:ln>
               <a:extLst>
                 <a:ext uri="{91240B29-F687-4f45-9708-019B960494DF}">
-                  <a14:hiddenLine xmlns:a14="http://schemas.microsoft.com/office/drawing/2010/main" xmlns="" w="9525">
+                  <a14:hiddenLine xmlns="" xmlns:a14="http://schemas.microsoft.com/office/drawing/2010/main" w="9525">
                     <a:solidFill>
                       <a:srgbClr val="000000"/>
                     </a:solidFill>
@@ -12087,7 +12086,7 @@
               </a:ln>
               <a:extLst>
                 <a:ext uri="{91240B29-F687-4f45-9708-019B960494DF}">
-                  <a14:hiddenLine xmlns:a14="http://schemas.microsoft.com/office/drawing/2010/main" xmlns="" w="9525">
+                  <a14:hiddenLine xmlns="" xmlns:a14="http://schemas.microsoft.com/office/drawing/2010/main" w="9525">
                     <a:solidFill>
                       <a:srgbClr val="000000"/>
                     </a:solidFill>
@@ -12155,7 +12154,7 @@
               </a:ln>
               <a:extLst>
                 <a:ext uri="{91240B29-F687-4f45-9708-019B960494DF}">
-                  <a14:hiddenLine xmlns:a14="http://schemas.microsoft.com/office/drawing/2010/main" xmlns="" w="9525">
+                  <a14:hiddenLine xmlns="" xmlns:a14="http://schemas.microsoft.com/office/drawing/2010/main" w="9525">
                     <a:solidFill>
                       <a:srgbClr val="000000"/>
                     </a:solidFill>
@@ -12245,7 +12244,7 @@
               </a:ln>
               <a:extLst>
                 <a:ext uri="{91240B29-F687-4f45-9708-019B960494DF}">
-                  <a14:hiddenLine xmlns:a14="http://schemas.microsoft.com/office/drawing/2010/main" xmlns="" w="9525">
+                  <a14:hiddenLine xmlns="" xmlns:a14="http://schemas.microsoft.com/office/drawing/2010/main" w="9525">
                     <a:solidFill>
                       <a:srgbClr val="000000"/>
                     </a:solidFill>
@@ -12313,7 +12312,7 @@
               </a:ln>
               <a:extLst>
                 <a:ext uri="{91240B29-F687-4f45-9708-019B960494DF}">
-                  <a14:hiddenLine xmlns:a14="http://schemas.microsoft.com/office/drawing/2010/main" xmlns="" w="9525">
+                  <a14:hiddenLine xmlns="" xmlns:a14="http://schemas.microsoft.com/office/drawing/2010/main" w="9525">
                     <a:solidFill>
                       <a:srgbClr val="000000"/>
                     </a:solidFill>
@@ -12403,7 +12402,7 @@
               </a:ln>
               <a:extLst>
                 <a:ext uri="{91240B29-F687-4f45-9708-019B960494DF}">
-                  <a14:hiddenLine xmlns:a14="http://schemas.microsoft.com/office/drawing/2010/main" xmlns="" w="9525">
+                  <a14:hiddenLine xmlns="" xmlns:a14="http://schemas.microsoft.com/office/drawing/2010/main" w="9525">
                     <a:solidFill>
                       <a:srgbClr val="000000"/>
                     </a:solidFill>
@@ -12437,7 +12436,7 @@
               </a:ln>
               <a:extLst>
                 <a:ext uri="{91240B29-F687-4f45-9708-019B960494DF}">
-                  <a14:hiddenLine xmlns:a14="http://schemas.microsoft.com/office/drawing/2010/main" xmlns="" w="9525">
+                  <a14:hiddenLine xmlns="" xmlns:a14="http://schemas.microsoft.com/office/drawing/2010/main" w="9525">
                     <a:solidFill>
                       <a:srgbClr val="000000"/>
                     </a:solidFill>
@@ -12577,7 +12576,7 @@
           <a:p>
             <a:fld id="{97D301C7-A48F-46B4-9988-324187293CA9}" type="datetime1">
               <a:rPr lang="en-US" smtClean="0"/>
-              <a:t>1/3/2021</a:t>
+              <a:t>1/4/2021</a:t>
             </a:fld>
             <a:endParaRPr lang="en-US"/>
           </a:p>
@@ -12688,13 +12687,13 @@
     <p:sldLayoutId id="2147483694" r:id="rId16"/>
     <p:sldLayoutId id="2147483695" r:id="rId17"/>
   </p:sldLayoutIdLst>
-  <mc:AlternateContent xmlns:mc="http://schemas.openxmlformats.org/markup-compatibility/2006">
-    <mc:Choice xmlns:p15="http://schemas.microsoft.com/office/powerpoint/2012/main" Requires="p15">
+  <mc:AlternateContent xmlns:mc="http://schemas.openxmlformats.org/markup-compatibility/2006" xmlns:p15="http://schemas.microsoft.com/office/powerpoint/2012/main">
+    <mc:Choice Requires="p15">
       <p:transition xmlns:p14="http://schemas.microsoft.com/office/powerpoint/2010/main" spd="slow" p14:dur="1250">
         <p15:prstTrans prst="peelOff"/>
       </p:transition>
     </mc:Choice>
-    <mc:Fallback>
+    <mc:Fallback xmlns="">
       <p:transition spd="slow">
         <p:fade/>
       </p:transition>
@@ -13304,25 +13303,18 @@
   <p:clrMapOvr>
     <a:masterClrMapping/>
   </p:clrMapOvr>
-  <mc:AlternateContent xmlns:mc="http://schemas.openxmlformats.org/markup-compatibility/2006">
-    <mc:Choice xmlns:p15="http://schemas.microsoft.com/office/powerpoint/2012/main" Requires="p15">
+  <mc:AlternateContent xmlns:mc="http://schemas.openxmlformats.org/markup-compatibility/2006" xmlns:p15="http://schemas.microsoft.com/office/powerpoint/2012/main">
+    <mc:Choice Requires="p15">
       <p:transition xmlns:p14="http://schemas.microsoft.com/office/powerpoint/2010/main" spd="slow" p14:dur="1250">
         <p15:prstTrans prst="peelOff"/>
       </p:transition>
     </mc:Choice>
-    <mc:Fallback>
+    <mc:Fallback xmlns="">
       <p:transition spd="slow">
         <p:fade/>
       </p:transition>
     </mc:Fallback>
   </mc:AlternateContent>
-  <p:timing>
-    <p:tnLst>
-      <p:par>
-        <p:cTn id="1" dur="indefinite" restart="never" nodeType="tmRoot"/>
-      </p:par>
-    </p:tnLst>
-  </p:timing>
 </p:sld>
 </file>
 
@@ -13460,25 +13452,18 @@
   <p:clrMapOvr>
     <a:masterClrMapping/>
   </p:clrMapOvr>
-  <mc:AlternateContent xmlns:mc="http://schemas.openxmlformats.org/markup-compatibility/2006">
-    <mc:Choice xmlns:p15="http://schemas.microsoft.com/office/powerpoint/2012/main" Requires="p15">
+  <mc:AlternateContent xmlns:mc="http://schemas.openxmlformats.org/markup-compatibility/2006" xmlns:p15="http://schemas.microsoft.com/office/powerpoint/2012/main">
+    <mc:Choice Requires="p15">
       <p:transition xmlns:p14="http://schemas.microsoft.com/office/powerpoint/2010/main" spd="slow" p14:dur="1250">
         <p15:prstTrans prst="peelOff"/>
       </p:transition>
     </mc:Choice>
-    <mc:Fallback>
+    <mc:Fallback xmlns="">
       <p:transition spd="slow">
         <p:fade/>
       </p:transition>
     </mc:Fallback>
   </mc:AlternateContent>
-  <p:timing>
-    <p:tnLst>
-      <p:par>
-        <p:cTn id="1" dur="indefinite" restart="never" nodeType="tmRoot"/>
-      </p:par>
-    </p:tnLst>
-  </p:timing>
 </p:sld>
 </file>
 
@@ -14217,7 +14202,7 @@
                     <a:lstStyle/>
                     <a:p>
                       <a:r>
-                        <a:rPr lang="en-US" dirty="0" smtClean="0">
+                        <a:rPr lang="en-US" dirty="0">
                           <a:hlinkClick r:id="rId2"/>
                         </a:rPr>
                         <a:t>Click here</a:t>
@@ -14548,7 +14533,7 @@
                     <a:lstStyle/>
                     <a:p>
                       <a:r>
-                        <a:rPr lang="en-US" dirty="0" smtClean="0">
+                        <a:rPr lang="en-US" dirty="0">
                           <a:hlinkClick r:id="rId3"/>
                         </a:rPr>
                         <a:t>Click here</a:t>
@@ -14652,25 +14637,18 @@
   <p:clrMapOvr>
     <a:masterClrMapping/>
   </p:clrMapOvr>
-  <mc:AlternateContent xmlns:mc="http://schemas.openxmlformats.org/markup-compatibility/2006">
-    <mc:Choice xmlns:p15="http://schemas.microsoft.com/office/powerpoint/2012/main" Requires="p15">
+  <mc:AlternateContent xmlns:mc="http://schemas.openxmlformats.org/markup-compatibility/2006" xmlns:p15="http://schemas.microsoft.com/office/powerpoint/2012/main">
+    <mc:Choice Requires="p15">
       <p:transition xmlns:p14="http://schemas.microsoft.com/office/powerpoint/2010/main" spd="slow" p14:dur="1250">
         <p15:prstTrans prst="peelOff"/>
       </p:transition>
     </mc:Choice>
-    <mc:Fallback>
+    <mc:Fallback xmlns="">
       <p:transition spd="slow">
         <p:fade/>
       </p:transition>
     </mc:Fallback>
   </mc:AlternateContent>
-  <p:timing>
-    <p:tnLst>
-      <p:par>
-        <p:cTn id="1" dur="indefinite" restart="never" nodeType="tmRoot"/>
-      </p:par>
-    </p:tnLst>
-  </p:timing>
 </p:sld>
 </file>
 
@@ -15100,7 +15078,7 @@
                     <a:lstStyle/>
                     <a:p>
                       <a:r>
-                        <a:rPr lang="en-US" b="0" dirty="0" smtClean="0">
+                        <a:rPr lang="en-US" b="0" dirty="0">
                           <a:solidFill>
                             <a:schemeClr val="bg1"/>
                           </a:solidFill>
@@ -15404,7 +15382,7 @@
                     <a:lstStyle/>
                     <a:p>
                       <a:r>
-                        <a:rPr lang="en-US" dirty="0" smtClean="0">
+                        <a:rPr lang="en-US" dirty="0">
                           <a:solidFill>
                             <a:schemeClr val="bg1">
                               <a:alpha val="50000"/>
@@ -15747,7 +15725,7 @@
                     <a:lstStyle/>
                     <a:p>
                       <a:r>
-                        <a:rPr lang="en-US" dirty="0" smtClean="0">
+                        <a:rPr lang="en-US" dirty="0">
                           <a:hlinkClick r:id="rId4"/>
                         </a:rPr>
                         <a:t>Click here</a:t>
@@ -15814,191 +15792,22 @@
   <p:clrMapOvr>
     <a:masterClrMapping/>
   </p:clrMapOvr>
-  <mc:AlternateContent xmlns:mc="http://schemas.openxmlformats.org/markup-compatibility/2006">
-    <mc:Choice xmlns:p15="http://schemas.microsoft.com/office/powerpoint/2012/main" Requires="p15">
+  <mc:AlternateContent xmlns:mc="http://schemas.openxmlformats.org/markup-compatibility/2006" xmlns:p15="http://schemas.microsoft.com/office/powerpoint/2012/main">
+    <mc:Choice Requires="p15">
       <p:transition xmlns:p14="http://schemas.microsoft.com/office/powerpoint/2010/main" spd="slow" p14:dur="1250">
         <p15:prstTrans prst="peelOff"/>
       </p:transition>
     </mc:Choice>
-    <mc:Fallback>
+    <mc:Fallback xmlns="">
       <p:transition spd="slow">
         <p:fade/>
       </p:transition>
     </mc:Fallback>
   </mc:AlternateContent>
-  <p:timing>
-    <p:tnLst>
-      <p:par>
-        <p:cTn id="1" dur="indefinite" restart="never" nodeType="tmRoot"/>
-      </p:par>
-    </p:tnLst>
-  </p:timing>
 </p:sld>
 </file>
 
 <file path=ppt/slides/slide5.xml><?xml version="1.0" encoding="utf-8"?>
-<p:sld xmlns:a="http://schemas.openxmlformats.org/drawingml/2006/main" xmlns:r="http://schemas.openxmlformats.org/officeDocument/2006/relationships" xmlns:p="http://schemas.openxmlformats.org/presentationml/2006/main">
-  <p:cSld>
-    <p:spTree>
-      <p:nvGrpSpPr>
-        <p:cNvPr id="1" name=""/>
-        <p:cNvGrpSpPr/>
-        <p:nvPr/>
-      </p:nvGrpSpPr>
-      <p:grpSpPr>
-        <a:xfrm>
-          <a:off x="0" y="0"/>
-          <a:ext cx="0" cy="0"/>
-          <a:chOff x="0" y="0"/>
-          <a:chExt cx="0" cy="0"/>
-        </a:xfrm>
-      </p:grpSpPr>
-      <p:sp>
-        <p:nvSpPr>
-          <p:cNvPr id="2" name="Slide Number Placeholder 1">
-            <a:extLst>
-              <a:ext uri="{FF2B5EF4-FFF2-40B4-BE49-F238E27FC236}">
-                <a16:creationId xmlns:a16="http://schemas.microsoft.com/office/drawing/2014/main" id="{FF832A81-494B-4395-952C-9372D0ACB3E2}"/>
-              </a:ext>
-            </a:extLst>
-          </p:cNvPr>
-          <p:cNvSpPr>
-            <a:spLocks noGrp="1"/>
-          </p:cNvSpPr>
-          <p:nvPr>
-            <p:ph type="sldNum" sz="quarter" idx="12"/>
-          </p:nvPr>
-        </p:nvSpPr>
-        <p:spPr/>
-        <p:txBody>
-          <a:bodyPr/>
-          <a:lstStyle/>
-          <a:p>
-            <a:fld id="{B59B104B-9B6C-40D2-938C-E7EC2A71093E}" type="slidenum">
-              <a:rPr lang="en-US" smtClean="0"/>
-              <a:t>5</a:t>
-            </a:fld>
-            <a:endParaRPr lang="en-US"/>
-          </a:p>
-        </p:txBody>
-      </p:sp>
-      <p:sp>
-        <p:nvSpPr>
-          <p:cNvPr id="3" name="TextBox 2">
-            <a:extLst>
-              <a:ext uri="{FF2B5EF4-FFF2-40B4-BE49-F238E27FC236}">
-                <a16:creationId xmlns:a16="http://schemas.microsoft.com/office/drawing/2014/main" id="{5B80F6FD-A96F-4946-958C-E01C6A4688BC}"/>
-              </a:ext>
-            </a:extLst>
-          </p:cNvPr>
-          <p:cNvSpPr txBox="1"/>
-          <p:nvPr/>
-        </p:nvSpPr>
-        <p:spPr>
-          <a:xfrm>
-            <a:off x="942109" y="2971800"/>
-            <a:ext cx="11249891" cy="1754326"/>
-          </a:xfrm>
-          <a:prstGeom prst="rect">
-            <a:avLst/>
-          </a:prstGeom>
-          <a:noFill/>
-        </p:spPr>
-        <p:txBody>
-          <a:bodyPr wrap="square" rtlCol="0">
-            <a:spAutoFit/>
-          </a:bodyPr>
-          <a:lstStyle/>
-          <a:p>
-            <a:pPr marL="342900" indent="-342900">
-              <a:buAutoNum type="arabicPeriod"/>
-            </a:pPr>
-            <a:r>
-              <a:rPr lang="en-IN" dirty="0"/>
-              <a:t>Designing PCB file</a:t>
-            </a:r>
-          </a:p>
-          <a:p>
-            <a:pPr marL="342900" indent="-342900">
-              <a:buAutoNum type="arabicPeriod"/>
-            </a:pPr>
-            <a:r>
-              <a:rPr lang="en-IN" dirty="0"/>
-              <a:t>Generating CSV file</a:t>
-            </a:r>
-          </a:p>
-          <a:p>
-            <a:pPr marL="342900" indent="-342900">
-              <a:buAutoNum type="arabicPeriod"/>
-            </a:pPr>
-            <a:r>
-              <a:rPr lang="en-IN" dirty="0"/>
-              <a:t>Extracting soldering points  from CSV file using Python</a:t>
-            </a:r>
-          </a:p>
-          <a:p>
-            <a:pPr marL="342900" indent="-342900">
-              <a:buAutoNum type="arabicPeriod"/>
-            </a:pPr>
-            <a:r>
-              <a:rPr lang="en-IN" dirty="0"/>
-              <a:t>Calculating steps needed to traverse from one point to another using Python</a:t>
-            </a:r>
-          </a:p>
-          <a:p>
-            <a:pPr marL="342900" indent="-342900">
-              <a:buAutoNum type="arabicPeriod"/>
-            </a:pPr>
-            <a:r>
-              <a:rPr lang="en-IN" dirty="0"/>
-              <a:t> The calculated results  are sent to ESP32(via Bluetooth from PC)</a:t>
-            </a:r>
-          </a:p>
-          <a:p>
-            <a:pPr marL="342900" indent="-342900">
-              <a:buAutoNum type="arabicPeriod"/>
-            </a:pPr>
-            <a:r>
-              <a:rPr lang="en-IN" dirty="0"/>
-              <a:t> ESP32 receives the command wirelessly and controls the actuators</a:t>
-            </a:r>
-            <a:endParaRPr lang="en-US" dirty="0"/>
-          </a:p>
-        </p:txBody>
-      </p:sp>
-    </p:spTree>
-    <p:extLst>
-      <p:ext uri="{BB962C8B-B14F-4D97-AF65-F5344CB8AC3E}">
-        <p14:creationId xmlns:p14="http://schemas.microsoft.com/office/powerpoint/2010/main" val="1755296599"/>
-      </p:ext>
-    </p:extLst>
-  </p:cSld>
-  <p:clrMapOvr>
-    <a:masterClrMapping/>
-  </p:clrMapOvr>
-  <mc:AlternateContent xmlns:mc="http://schemas.openxmlformats.org/markup-compatibility/2006">
-    <mc:Choice xmlns:p15="http://schemas.microsoft.com/office/powerpoint/2012/main" Requires="p15">
-      <p:transition xmlns:p14="http://schemas.microsoft.com/office/powerpoint/2010/main" spd="slow" p14:dur="1250">
-        <p15:prstTrans prst="peelOff"/>
-      </p:transition>
-    </mc:Choice>
-    <mc:Fallback>
-      <p:transition spd="slow">
-        <p:fade/>
-      </p:transition>
-    </mc:Fallback>
-  </mc:AlternateContent>
-  <p:timing>
-    <p:tnLst>
-      <p:par>
-        <p:cTn id="1" dur="indefinite" restart="never" nodeType="tmRoot"/>
-      </p:par>
-    </p:tnLst>
-  </p:timing>
-</p:sld>
-</file>
-
-<file path=ppt/slides/slide6.xml><?xml version="1.0" encoding="utf-8"?>
 <p:sld xmlns:a="http://schemas.openxmlformats.org/drawingml/2006/main" xmlns:r="http://schemas.openxmlformats.org/officeDocument/2006/relationships" xmlns:p="http://schemas.openxmlformats.org/presentationml/2006/main">
   <p:cSld>
     <p:spTree>
@@ -16038,7 +15847,7 @@
           <a:p>
             <a:fld id="{B59B104B-9B6C-40D2-938C-E7EC2A71093E}" type="slidenum">
               <a:rPr lang="en-US" smtClean="0"/>
-              <a:t>6</a:t>
+              <a:t>5</a:t>
             </a:fld>
             <a:endParaRPr lang="en-US"/>
           </a:p>
@@ -16703,7 +16512,7 @@
           <a:p>
             <a:pPr algn="ctr"/>
             <a:r>
-              <a:rPr lang="en-US" sz="4400" b="1" dirty="0" smtClean="0">
+              <a:rPr lang="en-US" sz="4400" b="1" dirty="0">
                 <a:ln w="6600">
                   <a:solidFill>
                     <a:schemeClr val="accent2"/>
@@ -16721,22 +16530,6 @@
               </a:rPr>
               <a:t>BLOCK DIAGRAM</a:t>
             </a:r>
-            <a:endParaRPr lang="en-US" sz="4400" b="1" dirty="0">
-              <a:ln w="6600">
-                <a:solidFill>
-                  <a:schemeClr val="accent2"/>
-                </a:solidFill>
-                <a:prstDash val="solid"/>
-              </a:ln>
-              <a:solidFill>
-                <a:srgbClr val="FFFFFF"/>
-              </a:solidFill>
-              <a:effectLst>
-                <a:outerShdw dist="38100" dir="2700000" algn="tl" rotWithShape="0">
-                  <a:schemeClr val="accent2"/>
-                </a:outerShdw>
-              </a:effectLst>
-            </a:endParaRPr>
           </a:p>
         </p:txBody>
       </p:sp>
@@ -16750,13 +16543,13 @@
   <p:clrMapOvr>
     <a:masterClrMapping/>
   </p:clrMapOvr>
-  <mc:AlternateContent xmlns:mc="http://schemas.openxmlformats.org/markup-compatibility/2006">
-    <mc:Choice xmlns:p15="http://schemas.microsoft.com/office/powerpoint/2012/main" Requires="p15">
+  <mc:AlternateContent xmlns:mc="http://schemas.openxmlformats.org/markup-compatibility/2006" xmlns:p15="http://schemas.microsoft.com/office/powerpoint/2012/main">
+    <mc:Choice Requires="p15">
       <p:transition xmlns:p14="http://schemas.microsoft.com/office/powerpoint/2010/main" spd="slow" p14:dur="1250">
         <p15:prstTrans prst="peelOff"/>
       </p:transition>
     </mc:Choice>
-    <mc:Fallback>
+    <mc:Fallback xmlns="">
       <p:transition spd="slow">
         <p:fade/>
       </p:transition>

--- a/automated_soldering_machine.pptx
+++ b/automated_soldering_machine.pptx
@@ -119,6 +119,43 @@
 </p:presentation>
 </file>
 
+<file path=ppt/changesInfos/changesInfo1.xml><?xml version="1.0" encoding="utf-8"?>
+<pc:chgInfo xmlns:a="http://schemas.openxmlformats.org/drawingml/2006/main" xmlns:r="http://schemas.openxmlformats.org/officeDocument/2006/relationships" xmlns:ac="http://schemas.microsoft.com/office/drawing/2013/main/command" xmlns:pc="http://schemas.microsoft.com/office/powerpoint/2013/main/command">
+  <pc:docChgLst>
+    <pc:chgData name="Kasi Viswanathan" userId="90e2ff4b16fff975" providerId="LiveId" clId="{C4ED4FB2-B820-42A7-B243-28948CA03EC2}"/>
+    <pc:docChg chg="modSld">
+      <pc:chgData name="Kasi Viswanathan" userId="90e2ff4b16fff975" providerId="LiveId" clId="{C4ED4FB2-B820-42A7-B243-28948CA03EC2}" dt="2021-01-05T04:19:24.907" v="3" actId="115"/>
+      <pc:docMkLst>
+        <pc:docMk/>
+      </pc:docMkLst>
+      <pc:sldChg chg="modSp">
+        <pc:chgData name="Kasi Viswanathan" userId="90e2ff4b16fff975" providerId="LiveId" clId="{C4ED4FB2-B820-42A7-B243-28948CA03EC2}" dt="2021-01-05T04:19:24.907" v="3" actId="115"/>
+        <pc:sldMkLst>
+          <pc:docMk/>
+          <pc:sldMk cId="1629566807" sldId="256"/>
+        </pc:sldMkLst>
+        <pc:spChg chg="mod">
+          <ac:chgData name="Kasi Viswanathan" userId="90e2ff4b16fff975" providerId="LiveId" clId="{C4ED4FB2-B820-42A7-B243-28948CA03EC2}" dt="2021-01-05T04:19:20.864" v="2" actId="115"/>
+          <ac:spMkLst>
+            <pc:docMk/>
+            <pc:sldMk cId="1629566807" sldId="256"/>
+            <ac:spMk id="3" creationId="{16912DC8-86E6-4C17-A420-3265498BD024}"/>
+          </ac:spMkLst>
+        </pc:spChg>
+        <pc:spChg chg="mod">
+          <ac:chgData name="Kasi Viswanathan" userId="90e2ff4b16fff975" providerId="LiveId" clId="{C4ED4FB2-B820-42A7-B243-28948CA03EC2}" dt="2021-01-05T04:19:24.907" v="3" actId="115"/>
+          <ac:spMkLst>
+            <pc:docMk/>
+            <pc:sldMk cId="1629566807" sldId="256"/>
+            <ac:spMk id="6" creationId="{E4CBC5BB-A944-4FCD-B665-C8182775C66D}"/>
+          </ac:spMkLst>
+        </pc:spChg>
+      </pc:sldChg>
+    </pc:docChg>
+  </pc:docChgLst>
+</pc:chgInfo>
+</file>
+
 <file path=ppt/notesMasters/notesMaster1.xml><?xml version="1.0" encoding="utf-8"?>
 <p:notesMaster xmlns:a="http://schemas.openxmlformats.org/drawingml/2006/main" xmlns:r="http://schemas.openxmlformats.org/officeDocument/2006/relationships" xmlns:p="http://schemas.openxmlformats.org/presentationml/2006/main">
   <p:cSld>
@@ -201,7 +238,7 @@
           <a:p>
             <a:fld id="{6B1ABE9E-7FB6-47FC-BE31-5609706269A3}" type="datetimeFigureOut">
               <a:rPr lang="en-US" smtClean="0"/>
-              <a:t>1/4/2021</a:t>
+              <a:t>1/5/2021</a:t>
             </a:fld>
             <a:endParaRPr lang="en-US"/>
           </a:p>
@@ -518,7 +555,7 @@
           <a:noFill/>
           <a:extLst>
             <a:ext uri="{909E8E84-426E-40dd-AFC4-6F175D3DCCD1}">
-              <a14:hiddenFill xmlns="" xmlns:a14="http://schemas.microsoft.com/office/drawing/2010/main">
+              <a14:hiddenFill xmlns:a14="http://schemas.microsoft.com/office/drawing/2010/main" xmlns="">
                 <a:solidFill>
                   <a:srgbClr val="FFFFFF"/>
                 </a:solidFill>
@@ -578,7 +615,7 @@
             </a:ln>
             <a:extLst>
               <a:ext uri="{91240B29-F687-4f45-9708-019B960494DF}">
-                <a14:hiddenLine xmlns="" xmlns:a14="http://schemas.microsoft.com/office/drawing/2010/main" w="9525">
+                <a14:hiddenLine xmlns:a14="http://schemas.microsoft.com/office/drawing/2010/main" xmlns="" w="9525">
                   <a:solidFill>
                     <a:srgbClr val="000000"/>
                   </a:solidFill>
@@ -668,7 +705,7 @@
             </a:ln>
             <a:extLst>
               <a:ext uri="{91240B29-F687-4f45-9708-019B960494DF}">
-                <a14:hiddenLine xmlns="" xmlns:a14="http://schemas.microsoft.com/office/drawing/2010/main" w="9525">
+                <a14:hiddenLine xmlns:a14="http://schemas.microsoft.com/office/drawing/2010/main" xmlns="" w="9525">
                   <a:solidFill>
                     <a:srgbClr val="000000"/>
                   </a:solidFill>
@@ -758,7 +795,7 @@
             </a:ln>
             <a:extLst>
               <a:ext uri="{91240B29-F687-4f45-9708-019B960494DF}">
-                <a14:hiddenLine xmlns="" xmlns:a14="http://schemas.microsoft.com/office/drawing/2010/main" w="9525">
+                <a14:hiddenLine xmlns:a14="http://schemas.microsoft.com/office/drawing/2010/main" xmlns="" w="9525">
                   <a:solidFill>
                     <a:srgbClr val="000000"/>
                   </a:solidFill>
@@ -792,7 +829,7 @@
             </a:ln>
             <a:extLst>
               <a:ext uri="{91240B29-F687-4f45-9708-019B960494DF}">
-                <a14:hiddenLine xmlns="" xmlns:a14="http://schemas.microsoft.com/office/drawing/2010/main" w="9525">
+                <a14:hiddenLine xmlns:a14="http://schemas.microsoft.com/office/drawing/2010/main" xmlns="" w="9525">
                   <a:solidFill>
                     <a:srgbClr val="000000"/>
                   </a:solidFill>
@@ -882,7 +919,7 @@
             </a:ln>
             <a:extLst>
               <a:ext uri="{91240B29-F687-4f45-9708-019B960494DF}">
-                <a14:hiddenLine xmlns="" xmlns:a14="http://schemas.microsoft.com/office/drawing/2010/main" w="9525">
+                <a14:hiddenLine xmlns:a14="http://schemas.microsoft.com/office/drawing/2010/main" xmlns="" w="9525">
                   <a:solidFill>
                     <a:srgbClr val="000000"/>
                   </a:solidFill>
@@ -944,7 +981,7 @@
             </a:ln>
             <a:extLst>
               <a:ext uri="{91240B29-F687-4f45-9708-019B960494DF}">
-                <a14:hiddenLine xmlns="" xmlns:a14="http://schemas.microsoft.com/office/drawing/2010/main" w="9525">
+                <a14:hiddenLine xmlns:a14="http://schemas.microsoft.com/office/drawing/2010/main" xmlns="" w="9525">
                   <a:solidFill>
                     <a:srgbClr val="000000"/>
                   </a:solidFill>
@@ -1006,7 +1043,7 @@
             </a:ln>
             <a:extLst>
               <a:ext uri="{91240B29-F687-4f45-9708-019B960494DF}">
-                <a14:hiddenLine xmlns="" xmlns:a14="http://schemas.microsoft.com/office/drawing/2010/main" w="9525">
+                <a14:hiddenLine xmlns:a14="http://schemas.microsoft.com/office/drawing/2010/main" xmlns="" w="9525">
                   <a:solidFill>
                     <a:srgbClr val="000000"/>
                   </a:solidFill>
@@ -1096,7 +1133,7 @@
             </a:ln>
             <a:extLst>
               <a:ext uri="{91240B29-F687-4f45-9708-019B960494DF}">
-                <a14:hiddenLine xmlns="" xmlns:a14="http://schemas.microsoft.com/office/drawing/2010/main" w="9525">
+                <a14:hiddenLine xmlns:a14="http://schemas.microsoft.com/office/drawing/2010/main" xmlns="" w="9525">
                   <a:solidFill>
                     <a:srgbClr val="000000"/>
                   </a:solidFill>
@@ -1158,7 +1195,7 @@
             </a:ln>
             <a:extLst>
               <a:ext uri="{91240B29-F687-4f45-9708-019B960494DF}">
-                <a14:hiddenLine xmlns="" xmlns:a14="http://schemas.microsoft.com/office/drawing/2010/main" w="9525">
+                <a14:hiddenLine xmlns:a14="http://schemas.microsoft.com/office/drawing/2010/main" xmlns="" w="9525">
                   <a:solidFill>
                     <a:srgbClr val="000000"/>
                   </a:solidFill>
@@ -1220,7 +1257,7 @@
             </a:ln>
             <a:extLst>
               <a:ext uri="{91240B29-F687-4f45-9708-019B960494DF}">
-                <a14:hiddenLine xmlns="" xmlns:a14="http://schemas.microsoft.com/office/drawing/2010/main" w="9525">
+                <a14:hiddenLine xmlns:a14="http://schemas.microsoft.com/office/drawing/2010/main" xmlns="" w="9525">
                   <a:solidFill>
                     <a:srgbClr val="000000"/>
                   </a:solidFill>
@@ -1310,7 +1347,7 @@
             </a:ln>
             <a:extLst>
               <a:ext uri="{91240B29-F687-4f45-9708-019B960494DF}">
-                <a14:hiddenLine xmlns="" xmlns:a14="http://schemas.microsoft.com/office/drawing/2010/main" w="9525">
+                <a14:hiddenLine xmlns:a14="http://schemas.microsoft.com/office/drawing/2010/main" xmlns="" w="9525">
                   <a:solidFill>
                     <a:srgbClr val="000000"/>
                   </a:solidFill>
@@ -1400,7 +1437,7 @@
             </a:ln>
             <a:extLst>
               <a:ext uri="{91240B29-F687-4f45-9708-019B960494DF}">
-                <a14:hiddenLine xmlns="" xmlns:a14="http://schemas.microsoft.com/office/drawing/2010/main" w="9525">
+                <a14:hiddenLine xmlns:a14="http://schemas.microsoft.com/office/drawing/2010/main" xmlns="" w="9525">
                   <a:solidFill>
                     <a:srgbClr val="000000"/>
                   </a:solidFill>
@@ -1462,7 +1499,7 @@
             </a:ln>
             <a:extLst>
               <a:ext uri="{91240B29-F687-4f45-9708-019B960494DF}">
-                <a14:hiddenLine xmlns="" xmlns:a14="http://schemas.microsoft.com/office/drawing/2010/main" w="9525">
+                <a14:hiddenLine xmlns:a14="http://schemas.microsoft.com/office/drawing/2010/main" xmlns="" w="9525">
                   <a:solidFill>
                     <a:srgbClr val="000000"/>
                   </a:solidFill>
@@ -1572,7 +1609,7 @@
             </a:ln>
             <a:extLst>
               <a:ext uri="{91240B29-F687-4f45-9708-019B960494DF}">
-                <a14:hiddenLine xmlns="" xmlns:a14="http://schemas.microsoft.com/office/drawing/2010/main" w="9525">
+                <a14:hiddenLine xmlns:a14="http://schemas.microsoft.com/office/drawing/2010/main" xmlns="" w="9525">
                   <a:solidFill>
                     <a:srgbClr val="000000"/>
                   </a:solidFill>
@@ -1634,7 +1671,7 @@
             </a:ln>
             <a:extLst>
               <a:ext uri="{91240B29-F687-4f45-9708-019B960494DF}">
-                <a14:hiddenLine xmlns="" xmlns:a14="http://schemas.microsoft.com/office/drawing/2010/main" w="9525">
+                <a14:hiddenLine xmlns:a14="http://schemas.microsoft.com/office/drawing/2010/main" xmlns="" w="9525">
                   <a:solidFill>
                     <a:srgbClr val="000000"/>
                   </a:solidFill>
@@ -1724,7 +1761,7 @@
             </a:ln>
             <a:extLst>
               <a:ext uri="{91240B29-F687-4f45-9708-019B960494DF}">
-                <a14:hiddenLine xmlns="" xmlns:a14="http://schemas.microsoft.com/office/drawing/2010/main" w="9525">
+                <a14:hiddenLine xmlns:a14="http://schemas.microsoft.com/office/drawing/2010/main" xmlns="" w="9525">
                   <a:solidFill>
                     <a:srgbClr val="000000"/>
                   </a:solidFill>
@@ -1814,7 +1851,7 @@
             </a:ln>
             <a:extLst>
               <a:ext uri="{91240B29-F687-4f45-9708-019B960494DF}">
-                <a14:hiddenLine xmlns="" xmlns:a14="http://schemas.microsoft.com/office/drawing/2010/main" w="9525">
+                <a14:hiddenLine xmlns:a14="http://schemas.microsoft.com/office/drawing/2010/main" xmlns="" w="9525">
                   <a:solidFill>
                     <a:srgbClr val="000000"/>
                   </a:solidFill>
@@ -1876,7 +1913,7 @@
             </a:ln>
             <a:extLst>
               <a:ext uri="{91240B29-F687-4f45-9708-019B960494DF}">
-                <a14:hiddenLine xmlns="" xmlns:a14="http://schemas.microsoft.com/office/drawing/2010/main" w="9525">
+                <a14:hiddenLine xmlns:a14="http://schemas.microsoft.com/office/drawing/2010/main" xmlns="" w="9525">
                   <a:solidFill>
                     <a:srgbClr val="000000"/>
                   </a:solidFill>
@@ -1966,7 +2003,7 @@
             </a:ln>
             <a:extLst>
               <a:ext uri="{91240B29-F687-4f45-9708-019B960494DF}">
-                <a14:hiddenLine xmlns="" xmlns:a14="http://schemas.microsoft.com/office/drawing/2010/main" w="9525">
+                <a14:hiddenLine xmlns:a14="http://schemas.microsoft.com/office/drawing/2010/main" xmlns="" w="9525">
                   <a:solidFill>
                     <a:srgbClr val="000000"/>
                   </a:solidFill>
@@ -2056,7 +2093,7 @@
             </a:ln>
             <a:extLst>
               <a:ext uri="{91240B29-F687-4f45-9708-019B960494DF}">
-                <a14:hiddenLine xmlns="" xmlns:a14="http://schemas.microsoft.com/office/drawing/2010/main" w="9525">
+                <a14:hiddenLine xmlns:a14="http://schemas.microsoft.com/office/drawing/2010/main" xmlns="" w="9525">
                   <a:solidFill>
                     <a:srgbClr val="000000"/>
                   </a:solidFill>
@@ -2112,7 +2149,7 @@
             </a:ln>
             <a:extLst>
               <a:ext uri="{91240B29-F687-4f45-9708-019B960494DF}">
-                <a14:hiddenLine xmlns="" xmlns:a14="http://schemas.microsoft.com/office/drawing/2010/main" w="9525">
+                <a14:hiddenLine xmlns:a14="http://schemas.microsoft.com/office/drawing/2010/main" xmlns="" w="9525">
                   <a:solidFill>
                     <a:srgbClr val="000000"/>
                   </a:solidFill>
@@ -2202,7 +2239,7 @@
             </a:ln>
             <a:extLst>
               <a:ext uri="{91240B29-F687-4f45-9708-019B960494DF}">
-                <a14:hiddenLine xmlns="" xmlns:a14="http://schemas.microsoft.com/office/drawing/2010/main" w="9525">
+                <a14:hiddenLine xmlns:a14="http://schemas.microsoft.com/office/drawing/2010/main" xmlns="" w="9525">
                   <a:solidFill>
                     <a:srgbClr val="000000"/>
                   </a:solidFill>
@@ -2258,7 +2295,7 @@
             </a:ln>
             <a:extLst>
               <a:ext uri="{91240B29-F687-4f45-9708-019B960494DF}">
-                <a14:hiddenLine xmlns="" xmlns:a14="http://schemas.microsoft.com/office/drawing/2010/main" w="9525">
+                <a14:hiddenLine xmlns:a14="http://schemas.microsoft.com/office/drawing/2010/main" xmlns="" w="9525">
                   <a:solidFill>
                     <a:srgbClr val="000000"/>
                   </a:solidFill>
@@ -2348,7 +2385,7 @@
             </a:ln>
             <a:extLst>
               <a:ext uri="{91240B29-F687-4f45-9708-019B960494DF}">
-                <a14:hiddenLine xmlns="" xmlns:a14="http://schemas.microsoft.com/office/drawing/2010/main" w="9525">
+                <a14:hiddenLine xmlns:a14="http://schemas.microsoft.com/office/drawing/2010/main" xmlns="" w="9525">
                   <a:solidFill>
                     <a:srgbClr val="000000"/>
                   </a:solidFill>
@@ -2416,7 +2453,7 @@
             </a:ln>
             <a:extLst>
               <a:ext uri="{91240B29-F687-4f45-9708-019B960494DF}">
-                <a14:hiddenLine xmlns="" xmlns:a14="http://schemas.microsoft.com/office/drawing/2010/main" w="9525">
+                <a14:hiddenLine xmlns:a14="http://schemas.microsoft.com/office/drawing/2010/main" xmlns="" w="9525">
                   <a:solidFill>
                     <a:srgbClr val="000000"/>
                   </a:solidFill>
@@ -2506,7 +2543,7 @@
             </a:ln>
             <a:extLst>
               <a:ext uri="{91240B29-F687-4f45-9708-019B960494DF}">
-                <a14:hiddenLine xmlns="" xmlns:a14="http://schemas.microsoft.com/office/drawing/2010/main" w="9525">
+                <a14:hiddenLine xmlns:a14="http://schemas.microsoft.com/office/drawing/2010/main" xmlns="" w="9525">
                   <a:solidFill>
                     <a:srgbClr val="000000"/>
                   </a:solidFill>
@@ -2574,7 +2611,7 @@
             </a:ln>
             <a:extLst>
               <a:ext uri="{91240B29-F687-4f45-9708-019B960494DF}">
-                <a14:hiddenLine xmlns="" xmlns:a14="http://schemas.microsoft.com/office/drawing/2010/main" w="9525">
+                <a14:hiddenLine xmlns:a14="http://schemas.microsoft.com/office/drawing/2010/main" xmlns="" w="9525">
                   <a:solidFill>
                     <a:srgbClr val="000000"/>
                   </a:solidFill>
@@ -2664,7 +2701,7 @@
             </a:ln>
             <a:extLst>
               <a:ext uri="{91240B29-F687-4f45-9708-019B960494DF}">
-                <a14:hiddenLine xmlns="" xmlns:a14="http://schemas.microsoft.com/office/drawing/2010/main" w="9525">
+                <a14:hiddenLine xmlns:a14="http://schemas.microsoft.com/office/drawing/2010/main" xmlns="" w="9525">
                   <a:solidFill>
                     <a:srgbClr val="000000"/>
                   </a:solidFill>
@@ -2698,7 +2735,7 @@
             </a:ln>
             <a:extLst>
               <a:ext uri="{91240B29-F687-4f45-9708-019B960494DF}">
-                <a14:hiddenLine xmlns="" xmlns:a14="http://schemas.microsoft.com/office/drawing/2010/main" w="9525">
+                <a14:hiddenLine xmlns:a14="http://schemas.microsoft.com/office/drawing/2010/main" xmlns="" w="9525">
                   <a:solidFill>
                     <a:srgbClr val="000000"/>
                   </a:solidFill>
@@ -2788,7 +2825,7 @@
             </a:ln>
             <a:extLst>
               <a:ext uri="{91240B29-F687-4f45-9708-019B960494DF}">
-                <a14:hiddenLine xmlns="" xmlns:a14="http://schemas.microsoft.com/office/drawing/2010/main" w="9525">
+                <a14:hiddenLine xmlns:a14="http://schemas.microsoft.com/office/drawing/2010/main" xmlns="" w="9525">
                   <a:solidFill>
                     <a:srgbClr val="000000"/>
                   </a:solidFill>
@@ -2850,7 +2887,7 @@
             </a:ln>
             <a:extLst>
               <a:ext uri="{91240B29-F687-4f45-9708-019B960494DF}">
-                <a14:hiddenLine xmlns="" xmlns:a14="http://schemas.microsoft.com/office/drawing/2010/main" w="9525">
+                <a14:hiddenLine xmlns:a14="http://schemas.microsoft.com/office/drawing/2010/main" xmlns="" w="9525">
                   <a:solidFill>
                     <a:srgbClr val="000000"/>
                   </a:solidFill>
@@ -2912,7 +2949,7 @@
             </a:ln>
             <a:extLst>
               <a:ext uri="{91240B29-F687-4f45-9708-019B960494DF}">
-                <a14:hiddenLine xmlns="" xmlns:a14="http://schemas.microsoft.com/office/drawing/2010/main" w="9525">
+                <a14:hiddenLine xmlns:a14="http://schemas.microsoft.com/office/drawing/2010/main" xmlns="" w="9525">
                   <a:solidFill>
                     <a:srgbClr val="000000"/>
                   </a:solidFill>
@@ -3002,7 +3039,7 @@
             </a:ln>
             <a:extLst>
               <a:ext uri="{91240B29-F687-4f45-9708-019B960494DF}">
-                <a14:hiddenLine xmlns="" xmlns:a14="http://schemas.microsoft.com/office/drawing/2010/main" w="9525">
+                <a14:hiddenLine xmlns:a14="http://schemas.microsoft.com/office/drawing/2010/main" xmlns="" w="9525">
                   <a:solidFill>
                     <a:srgbClr val="000000"/>
                   </a:solidFill>
@@ -3070,7 +3107,7 @@
             </a:ln>
             <a:extLst>
               <a:ext uri="{91240B29-F687-4f45-9708-019B960494DF}">
-                <a14:hiddenLine xmlns="" xmlns:a14="http://schemas.microsoft.com/office/drawing/2010/main" w="9525">
+                <a14:hiddenLine xmlns:a14="http://schemas.microsoft.com/office/drawing/2010/main" xmlns="" w="9525">
                   <a:solidFill>
                     <a:srgbClr val="000000"/>
                   </a:solidFill>
@@ -3132,7 +3169,7 @@
             </a:ln>
             <a:extLst>
               <a:ext uri="{91240B29-F687-4f45-9708-019B960494DF}">
-                <a14:hiddenLine xmlns="" xmlns:a14="http://schemas.microsoft.com/office/drawing/2010/main" w="9525">
+                <a14:hiddenLine xmlns:a14="http://schemas.microsoft.com/office/drawing/2010/main" xmlns="" w="9525">
                   <a:solidFill>
                     <a:srgbClr val="000000"/>
                   </a:solidFill>
@@ -3222,7 +3259,7 @@
             </a:ln>
             <a:extLst>
               <a:ext uri="{91240B29-F687-4f45-9708-019B960494DF}">
-                <a14:hiddenLine xmlns="" xmlns:a14="http://schemas.microsoft.com/office/drawing/2010/main" w="9525">
+                <a14:hiddenLine xmlns:a14="http://schemas.microsoft.com/office/drawing/2010/main" xmlns="" w="9525">
                   <a:solidFill>
                     <a:srgbClr val="000000"/>
                   </a:solidFill>
@@ -3284,7 +3321,7 @@
             </a:ln>
             <a:extLst>
               <a:ext uri="{91240B29-F687-4f45-9708-019B960494DF}">
-                <a14:hiddenLine xmlns="" xmlns:a14="http://schemas.microsoft.com/office/drawing/2010/main" w="9525">
+                <a14:hiddenLine xmlns:a14="http://schemas.microsoft.com/office/drawing/2010/main" xmlns="" w="9525">
                   <a:solidFill>
                     <a:srgbClr val="000000"/>
                   </a:solidFill>
@@ -3374,7 +3411,7 @@
             </a:ln>
             <a:extLst>
               <a:ext uri="{91240B29-F687-4f45-9708-019B960494DF}">
-                <a14:hiddenLine xmlns="" xmlns:a14="http://schemas.microsoft.com/office/drawing/2010/main" w="9525">
+                <a14:hiddenLine xmlns:a14="http://schemas.microsoft.com/office/drawing/2010/main" xmlns="" w="9525">
                   <a:solidFill>
                     <a:srgbClr val="000000"/>
                   </a:solidFill>
@@ -3436,7 +3473,7 @@
             </a:ln>
             <a:extLst>
               <a:ext uri="{91240B29-F687-4f45-9708-019B960494DF}">
-                <a14:hiddenLine xmlns="" xmlns:a14="http://schemas.microsoft.com/office/drawing/2010/main" w="9525">
+                <a14:hiddenLine xmlns:a14="http://schemas.microsoft.com/office/drawing/2010/main" xmlns="" w="9525">
                   <a:solidFill>
                     <a:srgbClr val="000000"/>
                   </a:solidFill>
@@ -3526,7 +3563,7 @@
             </a:ln>
             <a:extLst>
               <a:ext uri="{91240B29-F687-4f45-9708-019B960494DF}">
-                <a14:hiddenLine xmlns="" xmlns:a14="http://schemas.microsoft.com/office/drawing/2010/main" w="9525">
+                <a14:hiddenLine xmlns:a14="http://schemas.microsoft.com/office/drawing/2010/main" xmlns="" w="9525">
                   <a:solidFill>
                     <a:srgbClr val="000000"/>
                   </a:solidFill>
@@ -3560,7 +3597,7 @@
             </a:ln>
             <a:extLst>
               <a:ext uri="{91240B29-F687-4f45-9708-019B960494DF}">
-                <a14:hiddenLine xmlns="" xmlns:a14="http://schemas.microsoft.com/office/drawing/2010/main" w="9525">
+                <a14:hiddenLine xmlns:a14="http://schemas.microsoft.com/office/drawing/2010/main" xmlns="" w="9525">
                   <a:solidFill>
                     <a:srgbClr val="000000"/>
                   </a:solidFill>
@@ -3625,7 +3662,7 @@
             </a:ln>
             <a:extLst>
               <a:ext uri="{91240B29-F687-4f45-9708-019B960494DF}">
-                <a14:hiddenLine xmlns="" xmlns:a14="http://schemas.microsoft.com/office/drawing/2010/main" w="9525">
+                <a14:hiddenLine xmlns:a14="http://schemas.microsoft.com/office/drawing/2010/main" xmlns="" w="9525">
                   <a:solidFill>
                     <a:srgbClr val="000000"/>
                   </a:solidFill>
@@ -3715,7 +3752,7 @@
             </a:ln>
             <a:extLst>
               <a:ext uri="{91240B29-F687-4f45-9708-019B960494DF}">
-                <a14:hiddenLine xmlns="" xmlns:a14="http://schemas.microsoft.com/office/drawing/2010/main" w="9525">
+                <a14:hiddenLine xmlns:a14="http://schemas.microsoft.com/office/drawing/2010/main" xmlns="" w="9525">
                   <a:solidFill>
                     <a:srgbClr val="000000"/>
                   </a:solidFill>
@@ -3777,7 +3814,7 @@
             </a:ln>
             <a:extLst>
               <a:ext uri="{91240B29-F687-4f45-9708-019B960494DF}">
-                <a14:hiddenLine xmlns="" xmlns:a14="http://schemas.microsoft.com/office/drawing/2010/main" w="9525">
+                <a14:hiddenLine xmlns:a14="http://schemas.microsoft.com/office/drawing/2010/main" xmlns="" w="9525">
                   <a:solidFill>
                     <a:srgbClr val="000000"/>
                   </a:solidFill>
@@ -3867,7 +3904,7 @@
             </a:ln>
             <a:extLst>
               <a:ext uri="{91240B29-F687-4f45-9708-019B960494DF}">
-                <a14:hiddenLine xmlns="" xmlns:a14="http://schemas.microsoft.com/office/drawing/2010/main" w="9525">
+                <a14:hiddenLine xmlns:a14="http://schemas.microsoft.com/office/drawing/2010/main" xmlns="" w="9525">
                   <a:solidFill>
                     <a:srgbClr val="000000"/>
                   </a:solidFill>
@@ -3957,7 +3994,7 @@
             </a:ln>
             <a:extLst>
               <a:ext uri="{91240B29-F687-4f45-9708-019B960494DF}">
-                <a14:hiddenLine xmlns="" xmlns:a14="http://schemas.microsoft.com/office/drawing/2010/main" w="9525">
+                <a14:hiddenLine xmlns:a14="http://schemas.microsoft.com/office/drawing/2010/main" xmlns="" w="9525">
                   <a:solidFill>
                     <a:srgbClr val="000000"/>
                   </a:solidFill>
@@ -4022,7 +4059,7 @@
             </a:ln>
             <a:extLst>
               <a:ext uri="{91240B29-F687-4f45-9708-019B960494DF}">
-                <a14:hiddenLine xmlns="" xmlns:a14="http://schemas.microsoft.com/office/drawing/2010/main" w="9525">
+                <a14:hiddenLine xmlns:a14="http://schemas.microsoft.com/office/drawing/2010/main" xmlns="" w="9525">
                   <a:solidFill>
                     <a:srgbClr val="000000"/>
                   </a:solidFill>
@@ -4084,7 +4121,7 @@
             </a:ln>
             <a:extLst>
               <a:ext uri="{91240B29-F687-4f45-9708-019B960494DF}">
-                <a14:hiddenLine xmlns="" xmlns:a14="http://schemas.microsoft.com/office/drawing/2010/main" w="9525">
+                <a14:hiddenLine xmlns:a14="http://schemas.microsoft.com/office/drawing/2010/main" xmlns="" w="9525">
                   <a:solidFill>
                     <a:srgbClr val="000000"/>
                   </a:solidFill>
@@ -4174,7 +4211,7 @@
             </a:ln>
             <a:extLst>
               <a:ext uri="{91240B29-F687-4f45-9708-019B960494DF}">
-                <a14:hiddenLine xmlns="" xmlns:a14="http://schemas.microsoft.com/office/drawing/2010/main" w="9525">
+                <a14:hiddenLine xmlns:a14="http://schemas.microsoft.com/office/drawing/2010/main" xmlns="" w="9525">
                   <a:solidFill>
                     <a:srgbClr val="000000"/>
                   </a:solidFill>
@@ -4264,7 +4301,7 @@
             </a:ln>
             <a:extLst>
               <a:ext uri="{91240B29-F687-4f45-9708-019B960494DF}">
-                <a14:hiddenLine xmlns="" xmlns:a14="http://schemas.microsoft.com/office/drawing/2010/main" w="9525">
+                <a14:hiddenLine xmlns:a14="http://schemas.microsoft.com/office/drawing/2010/main" xmlns="" w="9525">
                   <a:solidFill>
                     <a:srgbClr val="000000"/>
                   </a:solidFill>
@@ -4326,7 +4363,7 @@
             </a:ln>
             <a:extLst>
               <a:ext uri="{91240B29-F687-4f45-9708-019B960494DF}">
-                <a14:hiddenLine xmlns="" xmlns:a14="http://schemas.microsoft.com/office/drawing/2010/main" w="9525">
+                <a14:hiddenLine xmlns:a14="http://schemas.microsoft.com/office/drawing/2010/main" xmlns="" w="9525">
                   <a:solidFill>
                     <a:srgbClr val="000000"/>
                   </a:solidFill>
@@ -4446,7 +4483,7 @@
             </a:ln>
             <a:extLst>
               <a:ext uri="{91240B29-F687-4f45-9708-019B960494DF}">
-                <a14:hiddenLine xmlns="" xmlns:a14="http://schemas.microsoft.com/office/drawing/2010/main" w="9525">
+                <a14:hiddenLine xmlns:a14="http://schemas.microsoft.com/office/drawing/2010/main" xmlns="" w="9525">
                   <a:solidFill>
                     <a:srgbClr val="000000"/>
                   </a:solidFill>
@@ -4514,7 +4551,7 @@
             </a:ln>
             <a:extLst>
               <a:ext uri="{91240B29-F687-4f45-9708-019B960494DF}">
-                <a14:hiddenLine xmlns="" xmlns:a14="http://schemas.microsoft.com/office/drawing/2010/main" w="9525">
+                <a14:hiddenLine xmlns:a14="http://schemas.microsoft.com/office/drawing/2010/main" xmlns="" w="9525">
                   <a:solidFill>
                     <a:srgbClr val="000000"/>
                   </a:solidFill>
@@ -4604,7 +4641,7 @@
             </a:ln>
             <a:extLst>
               <a:ext uri="{91240B29-F687-4f45-9708-019B960494DF}">
-                <a14:hiddenLine xmlns="" xmlns:a14="http://schemas.microsoft.com/office/drawing/2010/main" w="9525">
+                <a14:hiddenLine xmlns:a14="http://schemas.microsoft.com/office/drawing/2010/main" xmlns="" w="9525">
                   <a:solidFill>
                     <a:srgbClr val="000000"/>
                   </a:solidFill>
@@ -4744,7 +4781,7 @@
           <a:p>
             <a:fld id="{9453E4B6-66BA-4B33-AFCD-F6084AE9AFDC}" type="datetime1">
               <a:rPr lang="en-US" smtClean="0"/>
-              <a:t>1/4/2021</a:t>
+              <a:t>1/5/2021</a:t>
             </a:fld>
             <a:endParaRPr lang="en-US"/>
           </a:p>
@@ -5023,7 +5060,7 @@
           <a:p>
             <a:fld id="{3B030C01-3367-43BF-937D-3893ADD9B9F8}" type="datetime1">
               <a:rPr lang="en-US" smtClean="0"/>
-              <a:t>1/4/2021</a:t>
+              <a:t>1/5/2021</a:t>
             </a:fld>
             <a:endParaRPr lang="en-US"/>
           </a:p>
@@ -5231,7 +5268,7 @@
           <a:p>
             <a:fld id="{7B0B9D8B-653D-4DAC-8F28-9C1357B30687}" type="datetime1">
               <a:rPr lang="en-US" smtClean="0"/>
-              <a:t>1/4/2021</a:t>
+              <a:t>1/5/2021</a:t>
             </a:fld>
             <a:endParaRPr lang="en-US"/>
           </a:p>
@@ -5506,7 +5543,7 @@
           <a:p>
             <a:fld id="{3E0B0587-B13D-4CE2-ABF3-D82ACC0FE76B}" type="datetime1">
               <a:rPr lang="en-US" smtClean="0"/>
-              <a:t>1/4/2021</a:t>
+              <a:t>1/5/2021</a:t>
             </a:fld>
             <a:endParaRPr lang="en-US"/>
           </a:p>
@@ -5952,7 +5989,7 @@
           <a:p>
             <a:fld id="{71639C8D-F100-4198-BC96-24268D604A86}" type="datetime1">
               <a:rPr lang="en-US" smtClean="0"/>
-              <a:t>1/4/2021</a:t>
+              <a:t>1/5/2021</a:t>
             </a:fld>
             <a:endParaRPr lang="en-US"/>
           </a:p>
@@ -6510,7 +6547,7 @@
           <a:p>
             <a:fld id="{FFAF4433-B36B-42B9-9129-BFBD1397BF4E}" type="datetime1">
               <a:rPr lang="en-US" smtClean="0"/>
-              <a:t>1/4/2021</a:t>
+              <a:t>1/5/2021</a:t>
             </a:fld>
             <a:endParaRPr lang="en-US"/>
           </a:p>
@@ -7242,7 +7279,7 @@
           <a:p>
             <a:fld id="{0456F42E-3AD5-45F5-AA4E-60673CE0A094}" type="datetime1">
               <a:rPr lang="en-US" smtClean="0"/>
-              <a:t>1/4/2021</a:t>
+              <a:t>1/5/2021</a:t>
             </a:fld>
             <a:endParaRPr lang="en-US"/>
           </a:p>
@@ -7424,7 +7461,7 @@
           <a:p>
             <a:fld id="{96682EAD-E4E4-4F29-8F62-A2DBB9B02D15}" type="datetime1">
               <a:rPr lang="en-US" smtClean="0"/>
-              <a:t>1/4/2021</a:t>
+              <a:t>1/5/2021</a:t>
             </a:fld>
             <a:endParaRPr lang="en-US"/>
           </a:p>
@@ -7616,7 +7653,7 @@
           <a:p>
             <a:fld id="{1D971B33-70FD-4CFB-BAAD-1813DAEC74FB}" type="datetime1">
               <a:rPr lang="en-US" smtClean="0"/>
-              <a:t>1/4/2021</a:t>
+              <a:t>1/5/2021</a:t>
             </a:fld>
             <a:endParaRPr lang="en-US"/>
           </a:p>
@@ -7798,7 +7835,7 @@
           <a:p>
             <a:fld id="{7DC7A930-E568-44E6-84ED-3BB4016E0373}" type="datetime1">
               <a:rPr lang="en-US" smtClean="0"/>
-              <a:t>1/4/2021</a:t>
+              <a:t>1/5/2021</a:t>
             </a:fld>
             <a:endParaRPr lang="en-US"/>
           </a:p>
@@ -8060,7 +8097,7 @@
           <a:p>
             <a:fld id="{14DF841F-E273-470C-888B-487BE062E0B0}" type="datetime1">
               <a:rPr lang="en-US" smtClean="0"/>
-              <a:t>1/4/2021</a:t>
+              <a:t>1/5/2021</a:t>
             </a:fld>
             <a:endParaRPr lang="en-US"/>
           </a:p>
@@ -8304,7 +8341,7 @@
           <a:p>
             <a:fld id="{7976C994-3276-415C-8876-D8A57D02FBEA}" type="datetime1">
               <a:rPr lang="en-US" smtClean="0"/>
-              <a:t>1/4/2021</a:t>
+              <a:t>1/5/2021</a:t>
             </a:fld>
             <a:endParaRPr lang="en-US"/>
           </a:p>
@@ -8697,7 +8734,7 @@
           <a:p>
             <a:fld id="{957CF569-10E6-499B-B10A-368AE7881220}" type="datetime1">
               <a:rPr lang="en-US" smtClean="0"/>
-              <a:t>1/4/2021</a:t>
+              <a:t>1/5/2021</a:t>
             </a:fld>
             <a:endParaRPr lang="en-US"/>
           </a:p>
@@ -8827,7 +8864,7 @@
           <a:p>
             <a:fld id="{2B558DD0-02EC-4237-86A7-F584E5F12E9D}" type="datetime1">
               <a:rPr lang="en-US" smtClean="0"/>
-              <a:t>1/4/2021</a:t>
+              <a:t>1/5/2021</a:t>
             </a:fld>
             <a:endParaRPr lang="en-US"/>
           </a:p>
@@ -8934,7 +8971,7 @@
           <a:p>
             <a:fld id="{6CDF8AA9-4674-4D39-A1B3-0222990FE499}" type="datetime1">
               <a:rPr lang="en-US" smtClean="0"/>
-              <a:t>1/4/2021</a:t>
+              <a:t>1/5/2021</a:t>
             </a:fld>
             <a:endParaRPr lang="en-US"/>
           </a:p>
@@ -9195,7 +9232,7 @@
           <a:p>
             <a:fld id="{385EDE88-5D12-4E0B-86B8-96CC48680CD5}" type="datetime1">
               <a:rPr lang="en-US" smtClean="0"/>
-              <a:t>1/4/2021</a:t>
+              <a:t>1/5/2021</a:t>
             </a:fld>
             <a:endParaRPr lang="en-US"/>
           </a:p>
@@ -9487,7 +9524,7 @@
           <a:p>
             <a:fld id="{1A5064E6-1AA0-4DA4-AF2E-267D28A9CDE4}" type="datetime1">
               <a:rPr lang="en-US" smtClean="0"/>
-              <a:t>1/4/2021</a:t>
+              <a:t>1/5/2021</a:t>
             </a:fld>
             <a:endParaRPr lang="en-US"/>
           </a:p>
@@ -9615,7 +9652,7 @@
           <a:noFill/>
           <a:extLst>
             <a:ext uri="{909E8E84-426E-40dd-AFC4-6F175D3DCCD1}">
-              <a14:hiddenFill xmlns="" xmlns:a14="http://schemas.microsoft.com/office/drawing/2010/main">
+              <a14:hiddenFill xmlns:a14="http://schemas.microsoft.com/office/drawing/2010/main" xmlns="">
                 <a:solidFill>
                   <a:srgbClr val="FFFFFF"/>
                 </a:solidFill>
@@ -9689,7 +9726,7 @@
               </a:ln>
               <a:extLst>
                 <a:ext uri="{91240B29-F687-4f45-9708-019B960494DF}">
-                  <a14:hiddenLine xmlns="" xmlns:a14="http://schemas.microsoft.com/office/drawing/2010/main" w="9525">
+                  <a14:hiddenLine xmlns:a14="http://schemas.microsoft.com/office/drawing/2010/main" xmlns="" w="9525">
                     <a:solidFill>
                       <a:srgbClr val="000000"/>
                     </a:solidFill>
@@ -9779,7 +9816,7 @@
               </a:ln>
               <a:extLst>
                 <a:ext uri="{91240B29-F687-4f45-9708-019B960494DF}">
-                  <a14:hiddenLine xmlns="" xmlns:a14="http://schemas.microsoft.com/office/drawing/2010/main" w="9525">
+                  <a14:hiddenLine xmlns:a14="http://schemas.microsoft.com/office/drawing/2010/main" xmlns="" w="9525">
                     <a:solidFill>
                       <a:srgbClr val="000000"/>
                     </a:solidFill>
@@ -9869,7 +9906,7 @@
               </a:ln>
               <a:extLst>
                 <a:ext uri="{91240B29-F687-4f45-9708-019B960494DF}">
-                  <a14:hiddenLine xmlns="" xmlns:a14="http://schemas.microsoft.com/office/drawing/2010/main" w="9525">
+                  <a14:hiddenLine xmlns:a14="http://schemas.microsoft.com/office/drawing/2010/main" xmlns="" w="9525">
                     <a:solidFill>
                       <a:srgbClr val="000000"/>
                     </a:solidFill>
@@ -9931,7 +9968,7 @@
               </a:ln>
               <a:extLst>
                 <a:ext uri="{91240B29-F687-4f45-9708-019B960494DF}">
-                  <a14:hiddenLine xmlns="" xmlns:a14="http://schemas.microsoft.com/office/drawing/2010/main" w="9525">
+                  <a14:hiddenLine xmlns:a14="http://schemas.microsoft.com/office/drawing/2010/main" xmlns="" w="9525">
                     <a:solidFill>
                       <a:srgbClr val="000000"/>
                     </a:solidFill>
@@ -10021,7 +10058,7 @@
               </a:ln>
               <a:extLst>
                 <a:ext uri="{91240B29-F687-4f45-9708-019B960494DF}">
-                  <a14:hiddenLine xmlns="" xmlns:a14="http://schemas.microsoft.com/office/drawing/2010/main" w="9525">
+                  <a14:hiddenLine xmlns:a14="http://schemas.microsoft.com/office/drawing/2010/main" xmlns="" w="9525">
                     <a:solidFill>
                       <a:srgbClr val="000000"/>
                     </a:solidFill>
@@ -10083,7 +10120,7 @@
               </a:ln>
               <a:extLst>
                 <a:ext uri="{91240B29-F687-4f45-9708-019B960494DF}">
-                  <a14:hiddenLine xmlns="" xmlns:a14="http://schemas.microsoft.com/office/drawing/2010/main" w="9525">
+                  <a14:hiddenLine xmlns:a14="http://schemas.microsoft.com/office/drawing/2010/main" xmlns="" w="9525">
                     <a:solidFill>
                       <a:srgbClr val="000000"/>
                     </a:solidFill>
@@ -10145,7 +10182,7 @@
               </a:ln>
               <a:extLst>
                 <a:ext uri="{91240B29-F687-4f45-9708-019B960494DF}">
-                  <a14:hiddenLine xmlns="" xmlns:a14="http://schemas.microsoft.com/office/drawing/2010/main" w="9525">
+                  <a14:hiddenLine xmlns:a14="http://schemas.microsoft.com/office/drawing/2010/main" xmlns="" w="9525">
                     <a:solidFill>
                       <a:srgbClr val="000000"/>
                     </a:solidFill>
@@ -10235,7 +10272,7 @@
               </a:ln>
               <a:extLst>
                 <a:ext uri="{91240B29-F687-4f45-9708-019B960494DF}">
-                  <a14:hiddenLine xmlns="" xmlns:a14="http://schemas.microsoft.com/office/drawing/2010/main" w="9525">
+                  <a14:hiddenLine xmlns:a14="http://schemas.microsoft.com/office/drawing/2010/main" xmlns="" w="9525">
                     <a:solidFill>
                       <a:srgbClr val="000000"/>
                     </a:solidFill>
@@ -10325,7 +10362,7 @@
               </a:ln>
               <a:extLst>
                 <a:ext uri="{91240B29-F687-4f45-9708-019B960494DF}">
-                  <a14:hiddenLine xmlns="" xmlns:a14="http://schemas.microsoft.com/office/drawing/2010/main" w="9525">
+                  <a14:hiddenLine xmlns:a14="http://schemas.microsoft.com/office/drawing/2010/main" xmlns="" w="9525">
                     <a:solidFill>
                       <a:srgbClr val="000000"/>
                     </a:solidFill>
@@ -10387,7 +10424,7 @@
               </a:ln>
               <a:extLst>
                 <a:ext uri="{91240B29-F687-4f45-9708-019B960494DF}">
-                  <a14:hiddenLine xmlns="" xmlns:a14="http://schemas.microsoft.com/office/drawing/2010/main" w="9525">
+                  <a14:hiddenLine xmlns:a14="http://schemas.microsoft.com/office/drawing/2010/main" xmlns="" w="9525">
                     <a:solidFill>
                       <a:srgbClr val="000000"/>
                     </a:solidFill>
@@ -10497,7 +10534,7 @@
               </a:ln>
               <a:extLst>
                 <a:ext uri="{91240B29-F687-4f45-9708-019B960494DF}">
-                  <a14:hiddenLine xmlns="" xmlns:a14="http://schemas.microsoft.com/office/drawing/2010/main" w="9525">
+                  <a14:hiddenLine xmlns:a14="http://schemas.microsoft.com/office/drawing/2010/main" xmlns="" w="9525">
                     <a:solidFill>
                       <a:srgbClr val="000000"/>
                     </a:solidFill>
@@ -10581,7 +10618,7 @@
               </a:ln>
               <a:extLst>
                 <a:ext uri="{91240B29-F687-4f45-9708-019B960494DF}">
-                  <a14:hiddenLine xmlns="" xmlns:a14="http://schemas.microsoft.com/office/drawing/2010/main" w="9525">
+                  <a14:hiddenLine xmlns:a14="http://schemas.microsoft.com/office/drawing/2010/main" xmlns="" w="9525">
                     <a:solidFill>
                       <a:srgbClr val="000000"/>
                     </a:solidFill>
@@ -10643,7 +10680,7 @@
               </a:ln>
               <a:extLst>
                 <a:ext uri="{91240B29-F687-4f45-9708-019B960494DF}">
-                  <a14:hiddenLine xmlns="" xmlns:a14="http://schemas.microsoft.com/office/drawing/2010/main" w="9525">
+                  <a14:hiddenLine xmlns:a14="http://schemas.microsoft.com/office/drawing/2010/main" xmlns="" w="9525">
                     <a:solidFill>
                       <a:srgbClr val="000000"/>
                     </a:solidFill>
@@ -10705,7 +10742,7 @@
               </a:ln>
               <a:extLst>
                 <a:ext uri="{91240B29-F687-4f45-9708-019B960494DF}">
-                  <a14:hiddenLine xmlns="" xmlns:a14="http://schemas.microsoft.com/office/drawing/2010/main" w="9525">
+                  <a14:hiddenLine xmlns:a14="http://schemas.microsoft.com/office/drawing/2010/main" xmlns="" w="9525">
                     <a:solidFill>
                       <a:srgbClr val="000000"/>
                     </a:solidFill>
@@ -10795,7 +10832,7 @@
               </a:ln>
               <a:extLst>
                 <a:ext uri="{91240B29-F687-4f45-9708-019B960494DF}">
-                  <a14:hiddenLine xmlns="" xmlns:a14="http://schemas.microsoft.com/office/drawing/2010/main" w="9525">
+                  <a14:hiddenLine xmlns:a14="http://schemas.microsoft.com/office/drawing/2010/main" xmlns="" w="9525">
                     <a:solidFill>
                       <a:srgbClr val="000000"/>
                     </a:solidFill>
@@ -10829,7 +10866,7 @@
               </a:ln>
               <a:extLst>
                 <a:ext uri="{91240B29-F687-4f45-9708-019B960494DF}">
-                  <a14:hiddenLine xmlns="" xmlns:a14="http://schemas.microsoft.com/office/drawing/2010/main" w="9525">
+                  <a14:hiddenLine xmlns:a14="http://schemas.microsoft.com/office/drawing/2010/main" xmlns="" w="9525">
                     <a:solidFill>
                       <a:srgbClr val="000000"/>
                     </a:solidFill>
@@ -10894,7 +10931,7 @@
               </a:ln>
               <a:extLst>
                 <a:ext uri="{91240B29-F687-4f45-9708-019B960494DF}">
-                  <a14:hiddenLine xmlns="" xmlns:a14="http://schemas.microsoft.com/office/drawing/2010/main" w="9525">
+                  <a14:hiddenLine xmlns:a14="http://schemas.microsoft.com/office/drawing/2010/main" xmlns="" w="9525">
                     <a:solidFill>
                       <a:srgbClr val="000000"/>
                     </a:solidFill>
@@ -10984,7 +11021,7 @@
               </a:ln>
               <a:extLst>
                 <a:ext uri="{91240B29-F687-4f45-9708-019B960494DF}">
-                  <a14:hiddenLine xmlns="" xmlns:a14="http://schemas.microsoft.com/office/drawing/2010/main" w="9525">
+                  <a14:hiddenLine xmlns:a14="http://schemas.microsoft.com/office/drawing/2010/main" xmlns="" w="9525">
                     <a:solidFill>
                       <a:srgbClr val="000000"/>
                     </a:solidFill>
@@ -11046,7 +11083,7 @@
               </a:ln>
               <a:extLst>
                 <a:ext uri="{91240B29-F687-4f45-9708-019B960494DF}">
-                  <a14:hiddenLine xmlns="" xmlns:a14="http://schemas.microsoft.com/office/drawing/2010/main" w="9525">
+                  <a14:hiddenLine xmlns:a14="http://schemas.microsoft.com/office/drawing/2010/main" xmlns="" w="9525">
                     <a:solidFill>
                       <a:srgbClr val="000000"/>
                     </a:solidFill>
@@ -11136,7 +11173,7 @@
               </a:ln>
               <a:extLst>
                 <a:ext uri="{91240B29-F687-4f45-9708-019B960494DF}">
-                  <a14:hiddenLine xmlns="" xmlns:a14="http://schemas.microsoft.com/office/drawing/2010/main" w="9525">
+                  <a14:hiddenLine xmlns:a14="http://schemas.microsoft.com/office/drawing/2010/main" xmlns="" w="9525">
                     <a:solidFill>
                       <a:srgbClr val="000000"/>
                     </a:solidFill>
@@ -11201,7 +11238,7 @@
               </a:ln>
               <a:extLst>
                 <a:ext uri="{91240B29-F687-4f45-9708-019B960494DF}">
-                  <a14:hiddenLine xmlns="" xmlns:a14="http://schemas.microsoft.com/office/drawing/2010/main" w="9525">
+                  <a14:hiddenLine xmlns:a14="http://schemas.microsoft.com/office/drawing/2010/main" xmlns="" w="9525">
                     <a:solidFill>
                       <a:srgbClr val="000000"/>
                     </a:solidFill>
@@ -11263,7 +11300,7 @@
               </a:ln>
               <a:extLst>
                 <a:ext uri="{91240B29-F687-4f45-9708-019B960494DF}">
-                  <a14:hiddenLine xmlns="" xmlns:a14="http://schemas.microsoft.com/office/drawing/2010/main" w="9525">
+                  <a14:hiddenLine xmlns:a14="http://schemas.microsoft.com/office/drawing/2010/main" xmlns="" w="9525">
                     <a:solidFill>
                       <a:srgbClr val="000000"/>
                     </a:solidFill>
@@ -11353,7 +11390,7 @@
               </a:ln>
               <a:extLst>
                 <a:ext uri="{91240B29-F687-4f45-9708-019B960494DF}">
-                  <a14:hiddenLine xmlns="" xmlns:a14="http://schemas.microsoft.com/office/drawing/2010/main" w="9525">
+                  <a14:hiddenLine xmlns:a14="http://schemas.microsoft.com/office/drawing/2010/main" xmlns="" w="9525">
                     <a:solidFill>
                       <a:srgbClr val="000000"/>
                     </a:solidFill>
@@ -11443,7 +11480,7 @@
               </a:ln>
               <a:extLst>
                 <a:ext uri="{91240B29-F687-4f45-9708-019B960494DF}">
-                  <a14:hiddenLine xmlns="" xmlns:a14="http://schemas.microsoft.com/office/drawing/2010/main" w="9525">
+                  <a14:hiddenLine xmlns:a14="http://schemas.microsoft.com/office/drawing/2010/main" xmlns="" w="9525">
                     <a:solidFill>
                       <a:srgbClr val="000000"/>
                     </a:solidFill>
@@ -11508,7 +11545,7 @@
               </a:ln>
               <a:extLst>
                 <a:ext uri="{91240B29-F687-4f45-9708-019B960494DF}">
-                  <a14:hiddenLine xmlns="" xmlns:a14="http://schemas.microsoft.com/office/drawing/2010/main" w="9525">
+                  <a14:hiddenLine xmlns:a14="http://schemas.microsoft.com/office/drawing/2010/main" xmlns="" w="9525">
                     <a:solidFill>
                       <a:srgbClr val="000000"/>
                     </a:solidFill>
@@ -11628,7 +11665,7 @@
               </a:ln>
               <a:extLst>
                 <a:ext uri="{91240B29-F687-4f45-9708-019B960494DF}">
-                  <a14:hiddenLine xmlns="" xmlns:a14="http://schemas.microsoft.com/office/drawing/2010/main" w="9525">
+                  <a14:hiddenLine xmlns:a14="http://schemas.microsoft.com/office/drawing/2010/main" xmlns="" w="9525">
                     <a:solidFill>
                       <a:srgbClr val="000000"/>
                     </a:solidFill>
@@ -11726,7 +11763,7 @@
               </a:ln>
               <a:extLst>
                 <a:ext uri="{91240B29-F687-4f45-9708-019B960494DF}">
-                  <a14:hiddenLine xmlns="" xmlns:a14="http://schemas.microsoft.com/office/drawing/2010/main" w="9525">
+                  <a14:hiddenLine xmlns:a14="http://schemas.microsoft.com/office/drawing/2010/main" xmlns="" w="9525">
                     <a:solidFill>
                       <a:srgbClr val="000000"/>
                     </a:solidFill>
@@ -11841,7 +11878,7 @@
               </a:ln>
               <a:extLst>
                 <a:ext uri="{91240B29-F687-4f45-9708-019B960494DF}">
-                  <a14:hiddenLine xmlns="" xmlns:a14="http://schemas.microsoft.com/office/drawing/2010/main" w="9525">
+                  <a14:hiddenLine xmlns:a14="http://schemas.microsoft.com/office/drawing/2010/main" xmlns="" w="9525">
                     <a:solidFill>
                       <a:srgbClr val="000000"/>
                     </a:solidFill>
@@ -11931,7 +11968,7 @@
               </a:ln>
               <a:extLst>
                 <a:ext uri="{91240B29-F687-4f45-9708-019B960494DF}">
-                  <a14:hiddenLine xmlns="" xmlns:a14="http://schemas.microsoft.com/office/drawing/2010/main" w="9525">
+                  <a14:hiddenLine xmlns:a14="http://schemas.microsoft.com/office/drawing/2010/main" xmlns="" w="9525">
                     <a:solidFill>
                       <a:srgbClr val="000000"/>
                     </a:solidFill>
@@ -11996,7 +12033,7 @@
               </a:ln>
               <a:extLst>
                 <a:ext uri="{91240B29-F687-4f45-9708-019B960494DF}">
-                  <a14:hiddenLine xmlns="" xmlns:a14="http://schemas.microsoft.com/office/drawing/2010/main" w="9525">
+                  <a14:hiddenLine xmlns:a14="http://schemas.microsoft.com/office/drawing/2010/main" xmlns="" w="9525">
                     <a:solidFill>
                       <a:srgbClr val="000000"/>
                     </a:solidFill>
@@ -12086,7 +12123,7 @@
               </a:ln>
               <a:extLst>
                 <a:ext uri="{91240B29-F687-4f45-9708-019B960494DF}">
-                  <a14:hiddenLine xmlns="" xmlns:a14="http://schemas.microsoft.com/office/drawing/2010/main" w="9525">
+                  <a14:hiddenLine xmlns:a14="http://schemas.microsoft.com/office/drawing/2010/main" xmlns="" w="9525">
                     <a:solidFill>
                       <a:srgbClr val="000000"/>
                     </a:solidFill>
@@ -12154,7 +12191,7 @@
               </a:ln>
               <a:extLst>
                 <a:ext uri="{91240B29-F687-4f45-9708-019B960494DF}">
-                  <a14:hiddenLine xmlns="" xmlns:a14="http://schemas.microsoft.com/office/drawing/2010/main" w="9525">
+                  <a14:hiddenLine xmlns:a14="http://schemas.microsoft.com/office/drawing/2010/main" xmlns="" w="9525">
                     <a:solidFill>
                       <a:srgbClr val="000000"/>
                     </a:solidFill>
@@ -12244,7 +12281,7 @@
               </a:ln>
               <a:extLst>
                 <a:ext uri="{91240B29-F687-4f45-9708-019B960494DF}">
-                  <a14:hiddenLine xmlns="" xmlns:a14="http://schemas.microsoft.com/office/drawing/2010/main" w="9525">
+                  <a14:hiddenLine xmlns:a14="http://schemas.microsoft.com/office/drawing/2010/main" xmlns="" w="9525">
                     <a:solidFill>
                       <a:srgbClr val="000000"/>
                     </a:solidFill>
@@ -12312,7 +12349,7 @@
               </a:ln>
               <a:extLst>
                 <a:ext uri="{91240B29-F687-4f45-9708-019B960494DF}">
-                  <a14:hiddenLine xmlns="" xmlns:a14="http://schemas.microsoft.com/office/drawing/2010/main" w="9525">
+                  <a14:hiddenLine xmlns:a14="http://schemas.microsoft.com/office/drawing/2010/main" xmlns="" w="9525">
                     <a:solidFill>
                       <a:srgbClr val="000000"/>
                     </a:solidFill>
@@ -12402,7 +12439,7 @@
               </a:ln>
               <a:extLst>
                 <a:ext uri="{91240B29-F687-4f45-9708-019B960494DF}">
-                  <a14:hiddenLine xmlns="" xmlns:a14="http://schemas.microsoft.com/office/drawing/2010/main" w="9525">
+                  <a14:hiddenLine xmlns:a14="http://schemas.microsoft.com/office/drawing/2010/main" xmlns="" w="9525">
                     <a:solidFill>
                       <a:srgbClr val="000000"/>
                     </a:solidFill>
@@ -12436,7 +12473,7 @@
               </a:ln>
               <a:extLst>
                 <a:ext uri="{91240B29-F687-4f45-9708-019B960494DF}">
-                  <a14:hiddenLine xmlns="" xmlns:a14="http://schemas.microsoft.com/office/drawing/2010/main" w="9525">
+                  <a14:hiddenLine xmlns:a14="http://schemas.microsoft.com/office/drawing/2010/main" xmlns="" w="9525">
                     <a:solidFill>
                       <a:srgbClr val="000000"/>
                     </a:solidFill>
@@ -12576,7 +12613,7 @@
           <a:p>
             <a:fld id="{97D301C7-A48F-46B4-9988-324187293CA9}" type="datetime1">
               <a:rPr lang="en-US" smtClean="0"/>
-              <a:t>1/4/2021</a:t>
+              <a:t>1/5/2021</a:t>
             </a:fld>
             <a:endParaRPr lang="en-US"/>
           </a:p>
@@ -13076,7 +13113,7 @@
           </a:p>
           <a:p>
             <a:r>
-              <a:rPr lang="en-US" dirty="0"/>
+              <a:rPr lang="en-US" b="1" u="sng" dirty="0"/>
               <a:t>MENTOR:</a:t>
             </a:r>
           </a:p>
@@ -13163,7 +13200,7 @@
               <a:buSzPct val="125000"/>
             </a:pPr>
             <a:r>
-              <a:rPr lang="en-IN" sz="2000" cap="all" dirty="0">
+              <a:rPr lang="en-IN" sz="2000" b="1" u="sng" cap="all" dirty="0">
                 <a:solidFill>
                   <a:schemeClr val="tx2"/>
                 </a:solidFill>

--- a/automated_soldering_machine.pptx
+++ b/automated_soldering_machine.pptx
@@ -5,7 +5,7 @@
     <p:sldMasterId id="2147483678" r:id="rId1"/>
   </p:sldMasterIdLst>
   <p:notesMasterIdLst>
-    <p:notesMasterId r:id="rId7"/>
+    <p:notesMasterId r:id="rId11"/>
   </p:notesMasterIdLst>
   <p:sldIdLst>
     <p:sldId id="256" r:id="rId2"/>
@@ -13,6 +13,10 @@
     <p:sldId id="258" r:id="rId4"/>
     <p:sldId id="259" r:id="rId5"/>
     <p:sldId id="261" r:id="rId6"/>
+    <p:sldId id="265" r:id="rId7"/>
+    <p:sldId id="262" r:id="rId8"/>
+    <p:sldId id="263" r:id="rId9"/>
+    <p:sldId id="264" r:id="rId10"/>
   </p:sldIdLst>
   <p:sldSz cx="12192000" cy="6858000"/>
   <p:notesSz cx="6858000" cy="9144000"/>
@@ -123,19 +127,27 @@
 <pc:chgInfo xmlns:a="http://schemas.openxmlformats.org/drawingml/2006/main" xmlns:r="http://schemas.openxmlformats.org/officeDocument/2006/relationships" xmlns:ac="http://schemas.microsoft.com/office/drawing/2013/main/command" xmlns:pc="http://schemas.microsoft.com/office/powerpoint/2013/main/command">
   <pc:docChgLst>
     <pc:chgData name="Kasi Viswanathan" userId="90e2ff4b16fff975" providerId="LiveId" clId="{C4ED4FB2-B820-42A7-B243-28948CA03EC2}"/>
-    <pc:docChg chg="modSld">
-      <pc:chgData name="Kasi Viswanathan" userId="90e2ff4b16fff975" providerId="LiveId" clId="{C4ED4FB2-B820-42A7-B243-28948CA03EC2}" dt="2021-01-05T04:19:24.907" v="3" actId="115"/>
+    <pc:docChg chg="undo custSel addSld modSld">
+      <pc:chgData name="Kasi Viswanathan" userId="90e2ff4b16fff975" providerId="LiveId" clId="{C4ED4FB2-B820-42A7-B243-28948CA03EC2}" dt="2021-01-05T17:45:07.760" v="203" actId="1076"/>
       <pc:docMkLst>
         <pc:docMk/>
       </pc:docMkLst>
-      <pc:sldChg chg="modSp">
-        <pc:chgData name="Kasi Viswanathan" userId="90e2ff4b16fff975" providerId="LiveId" clId="{C4ED4FB2-B820-42A7-B243-28948CA03EC2}" dt="2021-01-05T04:19:24.907" v="3" actId="115"/>
+      <pc:sldChg chg="addSp delSp modSp mod setBg">
+        <pc:chgData name="Kasi Viswanathan" userId="90e2ff4b16fff975" providerId="LiveId" clId="{C4ED4FB2-B820-42A7-B243-28948CA03EC2}" dt="2021-01-05T17:45:07.760" v="203" actId="1076"/>
         <pc:sldMkLst>
           <pc:docMk/>
           <pc:sldMk cId="1629566807" sldId="256"/>
         </pc:sldMkLst>
         <pc:spChg chg="mod">
-          <ac:chgData name="Kasi Viswanathan" userId="90e2ff4b16fff975" providerId="LiveId" clId="{C4ED4FB2-B820-42A7-B243-28948CA03EC2}" dt="2021-01-05T04:19:20.864" v="2" actId="115"/>
+          <ac:chgData name="Kasi Viswanathan" userId="90e2ff4b16fff975" providerId="LiveId" clId="{C4ED4FB2-B820-42A7-B243-28948CA03EC2}" dt="2021-01-05T17:25:44.920" v="104" actId="1076"/>
+          <ac:spMkLst>
+            <pc:docMk/>
+            <pc:sldMk cId="1629566807" sldId="256"/>
+            <ac:spMk id="2" creationId="{0795CB26-B2F5-4D65-A7EE-FB0F04244EC7}"/>
+          </ac:spMkLst>
+        </pc:spChg>
+        <pc:spChg chg="mod">
+          <ac:chgData name="Kasi Viswanathan" userId="90e2ff4b16fff975" providerId="LiveId" clId="{C4ED4FB2-B820-42A7-B243-28948CA03EC2}" dt="2021-01-05T17:25:51.832" v="105" actId="1076"/>
           <ac:spMkLst>
             <pc:docMk/>
             <pc:sldMk cId="1629566807" sldId="256"/>
@@ -143,13 +155,217 @@
           </ac:spMkLst>
         </pc:spChg>
         <pc:spChg chg="mod">
-          <ac:chgData name="Kasi Viswanathan" userId="90e2ff4b16fff975" providerId="LiveId" clId="{C4ED4FB2-B820-42A7-B243-28948CA03EC2}" dt="2021-01-05T04:19:24.907" v="3" actId="115"/>
+          <ac:chgData name="Kasi Viswanathan" userId="90e2ff4b16fff975" providerId="LiveId" clId="{C4ED4FB2-B820-42A7-B243-28948CA03EC2}" dt="2021-01-05T17:24:30.694" v="88" actId="26606"/>
+          <ac:spMkLst>
+            <pc:docMk/>
+            <pc:sldMk cId="1629566807" sldId="256"/>
+            <ac:spMk id="4" creationId="{2DA14FCE-7851-4F69-AE4C-0E8C76CEC834}"/>
+          </ac:spMkLst>
+        </pc:spChg>
+        <pc:spChg chg="del mod">
+          <ac:chgData name="Kasi Viswanathan" userId="90e2ff4b16fff975" providerId="LiveId" clId="{C4ED4FB2-B820-42A7-B243-28948CA03EC2}" dt="2021-01-05T17:26:14.605" v="108" actId="478"/>
           <ac:spMkLst>
             <pc:docMk/>
             <pc:sldMk cId="1629566807" sldId="256"/>
             <ac:spMk id="6" creationId="{E4CBC5BB-A944-4FCD-B665-C8182775C66D}"/>
           </ac:spMkLst>
         </pc:spChg>
+        <pc:spChg chg="add del">
+          <ac:chgData name="Kasi Viswanathan" userId="90e2ff4b16fff975" providerId="LiveId" clId="{C4ED4FB2-B820-42A7-B243-28948CA03EC2}" dt="2021-01-05T17:24:06.688" v="84" actId="26606"/>
+          <ac:spMkLst>
+            <pc:docMk/>
+            <pc:sldMk cId="1629566807" sldId="256"/>
+            <ac:spMk id="11" creationId="{CB130D74-9A04-42D9-91F9-699BA7DCE2E0}"/>
+          </ac:spMkLst>
+        </pc:spChg>
+        <pc:spChg chg="add mod">
+          <ac:chgData name="Kasi Viswanathan" userId="90e2ff4b16fff975" providerId="LiveId" clId="{C4ED4FB2-B820-42A7-B243-28948CA03EC2}" dt="2021-01-05T17:26:33.654" v="109" actId="1076"/>
+          <ac:spMkLst>
+            <pc:docMk/>
+            <pc:sldMk cId="1629566807" sldId="256"/>
+            <ac:spMk id="83" creationId="{3102E83D-1475-44F7-B13D-10F44D5051B2}"/>
+          </ac:spMkLst>
+        </pc:spChg>
+        <pc:grpChg chg="add del">
+          <ac:chgData name="Kasi Viswanathan" userId="90e2ff4b16fff975" providerId="LiveId" clId="{C4ED4FB2-B820-42A7-B243-28948CA03EC2}" dt="2021-01-05T17:24:30.527" v="87" actId="26606"/>
+          <ac:grpSpMkLst>
+            <pc:docMk/>
+            <pc:sldMk cId="1629566807" sldId="256"/>
+            <ac:grpSpMk id="8" creationId="{316DCFC9-6877-407C-8170-608FCB8E35AE}"/>
+          </ac:grpSpMkLst>
+        </pc:grpChg>
+        <pc:grpChg chg="add del">
+          <ac:chgData name="Kasi Viswanathan" userId="90e2ff4b16fff975" providerId="LiveId" clId="{C4ED4FB2-B820-42A7-B243-28948CA03EC2}" dt="2021-01-05T17:24:30.527" v="87" actId="26606"/>
+          <ac:grpSpMkLst>
+            <pc:docMk/>
+            <pc:sldMk cId="1629566807" sldId="256"/>
+            <ac:grpSpMk id="15" creationId="{89353FE7-0D03-4AD2-8B8A-60A06F6BDA4C}"/>
+          </ac:grpSpMkLst>
+        </pc:grpChg>
+        <pc:grpChg chg="add">
+          <ac:chgData name="Kasi Viswanathan" userId="90e2ff4b16fff975" providerId="LiveId" clId="{C4ED4FB2-B820-42A7-B243-28948CA03EC2}" dt="2021-01-05T17:24:30.694" v="88" actId="26606"/>
+          <ac:grpSpMkLst>
+            <pc:docMk/>
+            <pc:sldMk cId="1629566807" sldId="256"/>
+            <ac:grpSpMk id="70" creationId="{1351B104-9B78-4A2B-B970-FA8ABE1CE12D}"/>
+          </ac:grpSpMkLst>
+        </pc:grpChg>
+        <pc:grpChg chg="add">
+          <ac:chgData name="Kasi Viswanathan" userId="90e2ff4b16fff975" providerId="LiveId" clId="{C4ED4FB2-B820-42A7-B243-28948CA03EC2}" dt="2021-01-05T17:24:30.694" v="88" actId="26606"/>
+          <ac:grpSpMkLst>
+            <pc:docMk/>
+            <pc:sldMk cId="1629566807" sldId="256"/>
+            <ac:grpSpMk id="71" creationId="{77EB1C59-16D1-4C5E-9775-50CB40E022FE}"/>
+          </ac:grpSpMkLst>
+        </pc:grpChg>
+        <pc:grpChg chg="add">
+          <ac:chgData name="Kasi Viswanathan" userId="90e2ff4b16fff975" providerId="LiveId" clId="{C4ED4FB2-B820-42A7-B243-28948CA03EC2}" dt="2021-01-05T17:24:30.694" v="88" actId="26606"/>
+          <ac:grpSpMkLst>
+            <pc:docMk/>
+            <pc:sldMk cId="1629566807" sldId="256"/>
+            <ac:grpSpMk id="82" creationId="{D4116A08-770E-4DC3-AAB6-E3E8E6CEC832}"/>
+          </ac:grpSpMkLst>
+        </pc:grpChg>
+        <pc:picChg chg="add mod ord">
+          <ac:chgData name="Kasi Viswanathan" userId="90e2ff4b16fff975" providerId="LiveId" clId="{C4ED4FB2-B820-42A7-B243-28948CA03EC2}" dt="2021-01-05T17:45:07.760" v="203" actId="1076"/>
+          <ac:picMkLst>
+            <pc:docMk/>
+            <pc:sldMk cId="1629566807" sldId="256"/>
+            <ac:picMk id="5" creationId="{A4EE4FB5-C817-4254-9D6B-936A23570B0C}"/>
+          </ac:picMkLst>
+        </pc:picChg>
+      </pc:sldChg>
+      <pc:sldChg chg="addSp delSp modSp new">
+        <pc:chgData name="Kasi Viswanathan" userId="90e2ff4b16fff975" providerId="LiveId" clId="{C4ED4FB2-B820-42A7-B243-28948CA03EC2}" dt="2021-01-05T17:39:09.499" v="173" actId="478"/>
+        <pc:sldMkLst>
+          <pc:docMk/>
+          <pc:sldMk cId="973698440" sldId="262"/>
+        </pc:sldMkLst>
+        <pc:spChg chg="add mod">
+          <ac:chgData name="Kasi Viswanathan" userId="90e2ff4b16fff975" providerId="LiveId" clId="{C4ED4FB2-B820-42A7-B243-28948CA03EC2}" dt="2021-01-05T16:59:52.790" v="26" actId="255"/>
+          <ac:spMkLst>
+            <pc:docMk/>
+            <pc:sldMk cId="973698440" sldId="262"/>
+            <ac:spMk id="3" creationId="{8AA88E48-D142-4B54-955B-1CE7997A722F}"/>
+          </ac:spMkLst>
+        </pc:spChg>
+        <pc:spChg chg="add del">
+          <ac:chgData name="Kasi Viswanathan" userId="90e2ff4b16fff975" providerId="LiveId" clId="{C4ED4FB2-B820-42A7-B243-28948CA03EC2}" dt="2021-01-05T17:39:09.499" v="173" actId="478"/>
+          <ac:spMkLst>
+            <pc:docMk/>
+            <pc:sldMk cId="973698440" sldId="262"/>
+            <ac:spMk id="5" creationId="{95F4E69B-758C-4FBA-B9F4-D53D23AB8D84}"/>
+          </ac:spMkLst>
+        </pc:spChg>
+      </pc:sldChg>
+      <pc:sldChg chg="addSp modSp new">
+        <pc:chgData name="Kasi Viswanathan" userId="90e2ff4b16fff975" providerId="LiveId" clId="{C4ED4FB2-B820-42A7-B243-28948CA03EC2}" dt="2021-01-05T17:37:07.275" v="169" actId="14100"/>
+        <pc:sldMkLst>
+          <pc:docMk/>
+          <pc:sldMk cId="4026785742" sldId="263"/>
+        </pc:sldMkLst>
+        <pc:spChg chg="add mod">
+          <ac:chgData name="Kasi Viswanathan" userId="90e2ff4b16fff975" providerId="LiveId" clId="{C4ED4FB2-B820-42A7-B243-28948CA03EC2}" dt="2021-01-05T17:01:19.646" v="44" actId="1076"/>
+          <ac:spMkLst>
+            <pc:docMk/>
+            <pc:sldMk cId="4026785742" sldId="263"/>
+            <ac:spMk id="3" creationId="{A7BAE5C9-8C87-4D29-B0E6-E70D9EF3C54B}"/>
+          </ac:spMkLst>
+        </pc:spChg>
+        <pc:picChg chg="add mod">
+          <ac:chgData name="Kasi Viswanathan" userId="90e2ff4b16fff975" providerId="LiveId" clId="{C4ED4FB2-B820-42A7-B243-28948CA03EC2}" dt="2021-01-05T17:37:07.275" v="169" actId="14100"/>
+          <ac:picMkLst>
+            <pc:docMk/>
+            <pc:sldMk cId="4026785742" sldId="263"/>
+            <ac:picMk id="4" creationId="{5E612828-01E2-4D12-A57D-CA9C0291F782}"/>
+          </ac:picMkLst>
+        </pc:picChg>
+        <pc:picChg chg="add mod">
+          <ac:chgData name="Kasi Viswanathan" userId="90e2ff4b16fff975" providerId="LiveId" clId="{C4ED4FB2-B820-42A7-B243-28948CA03EC2}" dt="2021-01-05T17:03:36.181" v="62" actId="14100"/>
+          <ac:picMkLst>
+            <pc:docMk/>
+            <pc:sldMk cId="4026785742" sldId="263"/>
+            <ac:picMk id="5" creationId="{9CC0DA13-AEAD-4F61-8314-31189201BCB3}"/>
+          </ac:picMkLst>
+        </pc:picChg>
+      </pc:sldChg>
+      <pc:sldChg chg="addSp delSp modSp new">
+        <pc:chgData name="Kasi Viswanathan" userId="90e2ff4b16fff975" providerId="LiveId" clId="{C4ED4FB2-B820-42A7-B243-28948CA03EC2}" dt="2021-01-05T17:42:02.769" v="177" actId="1440"/>
+        <pc:sldMkLst>
+          <pc:docMk/>
+          <pc:sldMk cId="413478973" sldId="264"/>
+        </pc:sldMkLst>
+        <pc:picChg chg="add del mod">
+          <ac:chgData name="Kasi Viswanathan" userId="90e2ff4b16fff975" providerId="LiveId" clId="{C4ED4FB2-B820-42A7-B243-28948CA03EC2}" dt="2021-01-05T17:04:12.890" v="66" actId="478"/>
+          <ac:picMkLst>
+            <pc:docMk/>
+            <pc:sldMk cId="413478973" sldId="264"/>
+            <ac:picMk id="3" creationId="{2CFDD8BF-03B2-4CFC-BBBD-B0799FF766FF}"/>
+          </ac:picMkLst>
+        </pc:picChg>
+        <pc:picChg chg="add mod">
+          <ac:chgData name="Kasi Viswanathan" userId="90e2ff4b16fff975" providerId="LiveId" clId="{C4ED4FB2-B820-42A7-B243-28948CA03EC2}" dt="2021-01-05T17:36:59.573" v="167" actId="1076"/>
+          <ac:picMkLst>
+            <pc:docMk/>
+            <pc:sldMk cId="413478973" sldId="264"/>
+            <ac:picMk id="4" creationId="{0B004D67-6A44-491F-9D53-014935F2A4DF}"/>
+          </ac:picMkLst>
+        </pc:picChg>
+        <pc:picChg chg="add mod modCrop">
+          <ac:chgData name="Kasi Viswanathan" userId="90e2ff4b16fff975" providerId="LiveId" clId="{C4ED4FB2-B820-42A7-B243-28948CA03EC2}" dt="2021-01-05T17:42:02.769" v="177" actId="1440"/>
+          <ac:picMkLst>
+            <pc:docMk/>
+            <pc:sldMk cId="413478973" sldId="264"/>
+            <ac:picMk id="5" creationId="{A4E17DD1-8B41-495A-BF4F-4A580A09C6F8}"/>
+          </ac:picMkLst>
+        </pc:picChg>
+      </pc:sldChg>
+      <pc:sldChg chg="addSp modSp new addAnim">
+        <pc:chgData name="Kasi Viswanathan" userId="90e2ff4b16fff975" providerId="LiveId" clId="{C4ED4FB2-B820-42A7-B243-28948CA03EC2}" dt="2021-01-05T17:43:37.480" v="187" actId="1440"/>
+        <pc:sldMkLst>
+          <pc:docMk/>
+          <pc:sldMk cId="3511733604" sldId="265"/>
+        </pc:sldMkLst>
+        <pc:spChg chg="add mod">
+          <ac:chgData name="Kasi Viswanathan" userId="90e2ff4b16fff975" providerId="LiveId" clId="{C4ED4FB2-B820-42A7-B243-28948CA03EC2}" dt="2021-01-05T17:33:00.706" v="163" actId="1076"/>
+          <ac:spMkLst>
+            <pc:docMk/>
+            <pc:sldMk cId="3511733604" sldId="265"/>
+            <ac:spMk id="5" creationId="{FDC9BB68-9303-41DE-AEDA-09A19EEE0516}"/>
+          </ac:spMkLst>
+        </pc:spChg>
+        <pc:spChg chg="add">
+          <ac:chgData name="Kasi Viswanathan" userId="90e2ff4b16fff975" providerId="LiveId" clId="{C4ED4FB2-B820-42A7-B243-28948CA03EC2}" dt="2021-01-05T17:32:13.799" v="141" actId="139"/>
+          <ac:spMkLst>
+            <pc:docMk/>
+            <pc:sldMk cId="3511733604" sldId="265"/>
+            <ac:spMk id="6" creationId="{7756AEDE-0764-4D99-AAB6-614B75EB1EB6}"/>
+          </ac:spMkLst>
+        </pc:spChg>
+        <pc:spChg chg="add mod">
+          <ac:chgData name="Kasi Viswanathan" userId="90e2ff4b16fff975" providerId="LiveId" clId="{C4ED4FB2-B820-42A7-B243-28948CA03EC2}" dt="2021-01-05T17:32:55.782" v="161" actId="1076"/>
+          <ac:spMkLst>
+            <pc:docMk/>
+            <pc:sldMk cId="3511733604" sldId="265"/>
+            <ac:spMk id="7" creationId="{2A98C6FC-7647-4A93-8467-8255E127E3D0}"/>
+          </ac:spMkLst>
+        </pc:spChg>
+        <pc:picChg chg="add mod">
+          <ac:chgData name="Kasi Viswanathan" userId="90e2ff4b16fff975" providerId="LiveId" clId="{C4ED4FB2-B820-42A7-B243-28948CA03EC2}" dt="2021-01-05T17:43:32.593" v="186" actId="1440"/>
+          <ac:picMkLst>
+            <pc:docMk/>
+            <pc:sldMk cId="3511733604" sldId="265"/>
+            <ac:picMk id="3" creationId="{FA22AC17-8727-47D4-A7CA-5C03FEBF46E8}"/>
+          </ac:picMkLst>
+        </pc:picChg>
+        <pc:picChg chg="add mod">
+          <ac:chgData name="Kasi Viswanathan" userId="90e2ff4b16fff975" providerId="LiveId" clId="{C4ED4FB2-B820-42A7-B243-28948CA03EC2}" dt="2021-01-05T17:43:37.480" v="187" actId="1440"/>
+          <ac:picMkLst>
+            <pc:docMk/>
+            <pc:sldMk cId="3511733604" sldId="265"/>
+            <ac:picMk id="4" creationId="{AABAA69D-1BC4-47F0-950F-B71AF0AA054F}"/>
+          </ac:picMkLst>
+        </pc:picChg>
       </pc:sldChg>
     </pc:docChg>
   </pc:docChgLst>
@@ -555,7 +771,7 @@
           <a:noFill/>
           <a:extLst>
             <a:ext uri="{909E8E84-426E-40dd-AFC4-6F175D3DCCD1}">
-              <a14:hiddenFill xmlns:a14="http://schemas.microsoft.com/office/drawing/2010/main" xmlns="">
+              <a14:hiddenFill xmlns="" xmlns:a14="http://schemas.microsoft.com/office/drawing/2010/main">
                 <a:solidFill>
                   <a:srgbClr val="FFFFFF"/>
                 </a:solidFill>
@@ -615,7 +831,7 @@
             </a:ln>
             <a:extLst>
               <a:ext uri="{91240B29-F687-4f45-9708-019B960494DF}">
-                <a14:hiddenLine xmlns:a14="http://schemas.microsoft.com/office/drawing/2010/main" xmlns="" w="9525">
+                <a14:hiddenLine xmlns="" xmlns:a14="http://schemas.microsoft.com/office/drawing/2010/main" w="9525">
                   <a:solidFill>
                     <a:srgbClr val="000000"/>
                   </a:solidFill>
@@ -705,7 +921,7 @@
             </a:ln>
             <a:extLst>
               <a:ext uri="{91240B29-F687-4f45-9708-019B960494DF}">
-                <a14:hiddenLine xmlns:a14="http://schemas.microsoft.com/office/drawing/2010/main" xmlns="" w="9525">
+                <a14:hiddenLine xmlns="" xmlns:a14="http://schemas.microsoft.com/office/drawing/2010/main" w="9525">
                   <a:solidFill>
                     <a:srgbClr val="000000"/>
                   </a:solidFill>
@@ -795,7 +1011,7 @@
             </a:ln>
             <a:extLst>
               <a:ext uri="{91240B29-F687-4f45-9708-019B960494DF}">
-                <a14:hiddenLine xmlns:a14="http://schemas.microsoft.com/office/drawing/2010/main" xmlns="" w="9525">
+                <a14:hiddenLine xmlns="" xmlns:a14="http://schemas.microsoft.com/office/drawing/2010/main" w="9525">
                   <a:solidFill>
                     <a:srgbClr val="000000"/>
                   </a:solidFill>
@@ -829,7 +1045,7 @@
             </a:ln>
             <a:extLst>
               <a:ext uri="{91240B29-F687-4f45-9708-019B960494DF}">
-                <a14:hiddenLine xmlns:a14="http://schemas.microsoft.com/office/drawing/2010/main" xmlns="" w="9525">
+                <a14:hiddenLine xmlns="" xmlns:a14="http://schemas.microsoft.com/office/drawing/2010/main" w="9525">
                   <a:solidFill>
                     <a:srgbClr val="000000"/>
                   </a:solidFill>
@@ -919,7 +1135,7 @@
             </a:ln>
             <a:extLst>
               <a:ext uri="{91240B29-F687-4f45-9708-019B960494DF}">
-                <a14:hiddenLine xmlns:a14="http://schemas.microsoft.com/office/drawing/2010/main" xmlns="" w="9525">
+                <a14:hiddenLine xmlns="" xmlns:a14="http://schemas.microsoft.com/office/drawing/2010/main" w="9525">
                   <a:solidFill>
                     <a:srgbClr val="000000"/>
                   </a:solidFill>
@@ -981,7 +1197,7 @@
             </a:ln>
             <a:extLst>
               <a:ext uri="{91240B29-F687-4f45-9708-019B960494DF}">
-                <a14:hiddenLine xmlns:a14="http://schemas.microsoft.com/office/drawing/2010/main" xmlns="" w="9525">
+                <a14:hiddenLine xmlns="" xmlns:a14="http://schemas.microsoft.com/office/drawing/2010/main" w="9525">
                   <a:solidFill>
                     <a:srgbClr val="000000"/>
                   </a:solidFill>
@@ -1043,7 +1259,7 @@
             </a:ln>
             <a:extLst>
               <a:ext uri="{91240B29-F687-4f45-9708-019B960494DF}">
-                <a14:hiddenLine xmlns:a14="http://schemas.microsoft.com/office/drawing/2010/main" xmlns="" w="9525">
+                <a14:hiddenLine xmlns="" xmlns:a14="http://schemas.microsoft.com/office/drawing/2010/main" w="9525">
                   <a:solidFill>
                     <a:srgbClr val="000000"/>
                   </a:solidFill>
@@ -1133,7 +1349,7 @@
             </a:ln>
             <a:extLst>
               <a:ext uri="{91240B29-F687-4f45-9708-019B960494DF}">
-                <a14:hiddenLine xmlns:a14="http://schemas.microsoft.com/office/drawing/2010/main" xmlns="" w="9525">
+                <a14:hiddenLine xmlns="" xmlns:a14="http://schemas.microsoft.com/office/drawing/2010/main" w="9525">
                   <a:solidFill>
                     <a:srgbClr val="000000"/>
                   </a:solidFill>
@@ -1195,7 +1411,7 @@
             </a:ln>
             <a:extLst>
               <a:ext uri="{91240B29-F687-4f45-9708-019B960494DF}">
-                <a14:hiddenLine xmlns:a14="http://schemas.microsoft.com/office/drawing/2010/main" xmlns="" w="9525">
+                <a14:hiddenLine xmlns="" xmlns:a14="http://schemas.microsoft.com/office/drawing/2010/main" w="9525">
                   <a:solidFill>
                     <a:srgbClr val="000000"/>
                   </a:solidFill>
@@ -1257,7 +1473,7 @@
             </a:ln>
             <a:extLst>
               <a:ext uri="{91240B29-F687-4f45-9708-019B960494DF}">
-                <a14:hiddenLine xmlns:a14="http://schemas.microsoft.com/office/drawing/2010/main" xmlns="" w="9525">
+                <a14:hiddenLine xmlns="" xmlns:a14="http://schemas.microsoft.com/office/drawing/2010/main" w="9525">
                   <a:solidFill>
                     <a:srgbClr val="000000"/>
                   </a:solidFill>
@@ -1347,7 +1563,7 @@
             </a:ln>
             <a:extLst>
               <a:ext uri="{91240B29-F687-4f45-9708-019B960494DF}">
-                <a14:hiddenLine xmlns:a14="http://schemas.microsoft.com/office/drawing/2010/main" xmlns="" w="9525">
+                <a14:hiddenLine xmlns="" xmlns:a14="http://schemas.microsoft.com/office/drawing/2010/main" w="9525">
                   <a:solidFill>
                     <a:srgbClr val="000000"/>
                   </a:solidFill>
@@ -1437,7 +1653,7 @@
             </a:ln>
             <a:extLst>
               <a:ext uri="{91240B29-F687-4f45-9708-019B960494DF}">
-                <a14:hiddenLine xmlns:a14="http://schemas.microsoft.com/office/drawing/2010/main" xmlns="" w="9525">
+                <a14:hiddenLine xmlns="" xmlns:a14="http://schemas.microsoft.com/office/drawing/2010/main" w="9525">
                   <a:solidFill>
                     <a:srgbClr val="000000"/>
                   </a:solidFill>
@@ -1499,7 +1715,7 @@
             </a:ln>
             <a:extLst>
               <a:ext uri="{91240B29-F687-4f45-9708-019B960494DF}">
-                <a14:hiddenLine xmlns:a14="http://schemas.microsoft.com/office/drawing/2010/main" xmlns="" w="9525">
+                <a14:hiddenLine xmlns="" xmlns:a14="http://schemas.microsoft.com/office/drawing/2010/main" w="9525">
                   <a:solidFill>
                     <a:srgbClr val="000000"/>
                   </a:solidFill>
@@ -1609,7 +1825,7 @@
             </a:ln>
             <a:extLst>
               <a:ext uri="{91240B29-F687-4f45-9708-019B960494DF}">
-                <a14:hiddenLine xmlns:a14="http://schemas.microsoft.com/office/drawing/2010/main" xmlns="" w="9525">
+                <a14:hiddenLine xmlns="" xmlns:a14="http://schemas.microsoft.com/office/drawing/2010/main" w="9525">
                   <a:solidFill>
                     <a:srgbClr val="000000"/>
                   </a:solidFill>
@@ -1671,7 +1887,7 @@
             </a:ln>
             <a:extLst>
               <a:ext uri="{91240B29-F687-4f45-9708-019B960494DF}">
-                <a14:hiddenLine xmlns:a14="http://schemas.microsoft.com/office/drawing/2010/main" xmlns="" w="9525">
+                <a14:hiddenLine xmlns="" xmlns:a14="http://schemas.microsoft.com/office/drawing/2010/main" w="9525">
                   <a:solidFill>
                     <a:srgbClr val="000000"/>
                   </a:solidFill>
@@ -1761,7 +1977,7 @@
             </a:ln>
             <a:extLst>
               <a:ext uri="{91240B29-F687-4f45-9708-019B960494DF}">
-                <a14:hiddenLine xmlns:a14="http://schemas.microsoft.com/office/drawing/2010/main" xmlns="" w="9525">
+                <a14:hiddenLine xmlns="" xmlns:a14="http://schemas.microsoft.com/office/drawing/2010/main" w="9525">
                   <a:solidFill>
                     <a:srgbClr val="000000"/>
                   </a:solidFill>
@@ -1851,7 +2067,7 @@
             </a:ln>
             <a:extLst>
               <a:ext uri="{91240B29-F687-4f45-9708-019B960494DF}">
-                <a14:hiddenLine xmlns:a14="http://schemas.microsoft.com/office/drawing/2010/main" xmlns="" w="9525">
+                <a14:hiddenLine xmlns="" xmlns:a14="http://schemas.microsoft.com/office/drawing/2010/main" w="9525">
                   <a:solidFill>
                     <a:srgbClr val="000000"/>
                   </a:solidFill>
@@ -1913,7 +2129,7 @@
             </a:ln>
             <a:extLst>
               <a:ext uri="{91240B29-F687-4f45-9708-019B960494DF}">
-                <a14:hiddenLine xmlns:a14="http://schemas.microsoft.com/office/drawing/2010/main" xmlns="" w="9525">
+                <a14:hiddenLine xmlns="" xmlns:a14="http://schemas.microsoft.com/office/drawing/2010/main" w="9525">
                   <a:solidFill>
                     <a:srgbClr val="000000"/>
                   </a:solidFill>
@@ -2003,7 +2219,7 @@
             </a:ln>
             <a:extLst>
               <a:ext uri="{91240B29-F687-4f45-9708-019B960494DF}">
-                <a14:hiddenLine xmlns:a14="http://schemas.microsoft.com/office/drawing/2010/main" xmlns="" w="9525">
+                <a14:hiddenLine xmlns="" xmlns:a14="http://schemas.microsoft.com/office/drawing/2010/main" w="9525">
                   <a:solidFill>
                     <a:srgbClr val="000000"/>
                   </a:solidFill>
@@ -2093,7 +2309,7 @@
             </a:ln>
             <a:extLst>
               <a:ext uri="{91240B29-F687-4f45-9708-019B960494DF}">
-                <a14:hiddenLine xmlns:a14="http://schemas.microsoft.com/office/drawing/2010/main" xmlns="" w="9525">
+                <a14:hiddenLine xmlns="" xmlns:a14="http://schemas.microsoft.com/office/drawing/2010/main" w="9525">
                   <a:solidFill>
                     <a:srgbClr val="000000"/>
                   </a:solidFill>
@@ -2149,7 +2365,7 @@
             </a:ln>
             <a:extLst>
               <a:ext uri="{91240B29-F687-4f45-9708-019B960494DF}">
-                <a14:hiddenLine xmlns:a14="http://schemas.microsoft.com/office/drawing/2010/main" xmlns="" w="9525">
+                <a14:hiddenLine xmlns="" xmlns:a14="http://schemas.microsoft.com/office/drawing/2010/main" w="9525">
                   <a:solidFill>
                     <a:srgbClr val="000000"/>
                   </a:solidFill>
@@ -2239,7 +2455,7 @@
             </a:ln>
             <a:extLst>
               <a:ext uri="{91240B29-F687-4f45-9708-019B960494DF}">
-                <a14:hiddenLine xmlns:a14="http://schemas.microsoft.com/office/drawing/2010/main" xmlns="" w="9525">
+                <a14:hiddenLine xmlns="" xmlns:a14="http://schemas.microsoft.com/office/drawing/2010/main" w="9525">
                   <a:solidFill>
                     <a:srgbClr val="000000"/>
                   </a:solidFill>
@@ -2295,7 +2511,7 @@
             </a:ln>
             <a:extLst>
               <a:ext uri="{91240B29-F687-4f45-9708-019B960494DF}">
-                <a14:hiddenLine xmlns:a14="http://schemas.microsoft.com/office/drawing/2010/main" xmlns="" w="9525">
+                <a14:hiddenLine xmlns="" xmlns:a14="http://schemas.microsoft.com/office/drawing/2010/main" w="9525">
                   <a:solidFill>
                     <a:srgbClr val="000000"/>
                   </a:solidFill>
@@ -2385,7 +2601,7 @@
             </a:ln>
             <a:extLst>
               <a:ext uri="{91240B29-F687-4f45-9708-019B960494DF}">
-                <a14:hiddenLine xmlns:a14="http://schemas.microsoft.com/office/drawing/2010/main" xmlns="" w="9525">
+                <a14:hiddenLine xmlns="" xmlns:a14="http://schemas.microsoft.com/office/drawing/2010/main" w="9525">
                   <a:solidFill>
                     <a:srgbClr val="000000"/>
                   </a:solidFill>
@@ -2453,7 +2669,7 @@
             </a:ln>
             <a:extLst>
               <a:ext uri="{91240B29-F687-4f45-9708-019B960494DF}">
-                <a14:hiddenLine xmlns:a14="http://schemas.microsoft.com/office/drawing/2010/main" xmlns="" w="9525">
+                <a14:hiddenLine xmlns="" xmlns:a14="http://schemas.microsoft.com/office/drawing/2010/main" w="9525">
                   <a:solidFill>
                     <a:srgbClr val="000000"/>
                   </a:solidFill>
@@ -2543,7 +2759,7 @@
             </a:ln>
             <a:extLst>
               <a:ext uri="{91240B29-F687-4f45-9708-019B960494DF}">
-                <a14:hiddenLine xmlns:a14="http://schemas.microsoft.com/office/drawing/2010/main" xmlns="" w="9525">
+                <a14:hiddenLine xmlns="" xmlns:a14="http://schemas.microsoft.com/office/drawing/2010/main" w="9525">
                   <a:solidFill>
                     <a:srgbClr val="000000"/>
                   </a:solidFill>
@@ -2611,7 +2827,7 @@
             </a:ln>
             <a:extLst>
               <a:ext uri="{91240B29-F687-4f45-9708-019B960494DF}">
-                <a14:hiddenLine xmlns:a14="http://schemas.microsoft.com/office/drawing/2010/main" xmlns="" w="9525">
+                <a14:hiddenLine xmlns="" xmlns:a14="http://schemas.microsoft.com/office/drawing/2010/main" w="9525">
                   <a:solidFill>
                     <a:srgbClr val="000000"/>
                   </a:solidFill>
@@ -2701,7 +2917,7 @@
             </a:ln>
             <a:extLst>
               <a:ext uri="{91240B29-F687-4f45-9708-019B960494DF}">
-                <a14:hiddenLine xmlns:a14="http://schemas.microsoft.com/office/drawing/2010/main" xmlns="" w="9525">
+                <a14:hiddenLine xmlns="" xmlns:a14="http://schemas.microsoft.com/office/drawing/2010/main" w="9525">
                   <a:solidFill>
                     <a:srgbClr val="000000"/>
                   </a:solidFill>
@@ -2735,7 +2951,7 @@
             </a:ln>
             <a:extLst>
               <a:ext uri="{91240B29-F687-4f45-9708-019B960494DF}">
-                <a14:hiddenLine xmlns:a14="http://schemas.microsoft.com/office/drawing/2010/main" xmlns="" w="9525">
+                <a14:hiddenLine xmlns="" xmlns:a14="http://schemas.microsoft.com/office/drawing/2010/main" w="9525">
                   <a:solidFill>
                     <a:srgbClr val="000000"/>
                   </a:solidFill>
@@ -2825,7 +3041,7 @@
             </a:ln>
             <a:extLst>
               <a:ext uri="{91240B29-F687-4f45-9708-019B960494DF}">
-                <a14:hiddenLine xmlns:a14="http://schemas.microsoft.com/office/drawing/2010/main" xmlns="" w="9525">
+                <a14:hiddenLine xmlns="" xmlns:a14="http://schemas.microsoft.com/office/drawing/2010/main" w="9525">
                   <a:solidFill>
                     <a:srgbClr val="000000"/>
                   </a:solidFill>
@@ -2887,7 +3103,7 @@
             </a:ln>
             <a:extLst>
               <a:ext uri="{91240B29-F687-4f45-9708-019B960494DF}">
-                <a14:hiddenLine xmlns:a14="http://schemas.microsoft.com/office/drawing/2010/main" xmlns="" w="9525">
+                <a14:hiddenLine xmlns="" xmlns:a14="http://schemas.microsoft.com/office/drawing/2010/main" w="9525">
                   <a:solidFill>
                     <a:srgbClr val="000000"/>
                   </a:solidFill>
@@ -2949,7 +3165,7 @@
             </a:ln>
             <a:extLst>
               <a:ext uri="{91240B29-F687-4f45-9708-019B960494DF}">
-                <a14:hiddenLine xmlns:a14="http://schemas.microsoft.com/office/drawing/2010/main" xmlns="" w="9525">
+                <a14:hiddenLine xmlns="" xmlns:a14="http://schemas.microsoft.com/office/drawing/2010/main" w="9525">
                   <a:solidFill>
                     <a:srgbClr val="000000"/>
                   </a:solidFill>
@@ -3039,7 +3255,7 @@
             </a:ln>
             <a:extLst>
               <a:ext uri="{91240B29-F687-4f45-9708-019B960494DF}">
-                <a14:hiddenLine xmlns:a14="http://schemas.microsoft.com/office/drawing/2010/main" xmlns="" w="9525">
+                <a14:hiddenLine xmlns="" xmlns:a14="http://schemas.microsoft.com/office/drawing/2010/main" w="9525">
                   <a:solidFill>
                     <a:srgbClr val="000000"/>
                   </a:solidFill>
@@ -3107,7 +3323,7 @@
             </a:ln>
             <a:extLst>
               <a:ext uri="{91240B29-F687-4f45-9708-019B960494DF}">
-                <a14:hiddenLine xmlns:a14="http://schemas.microsoft.com/office/drawing/2010/main" xmlns="" w="9525">
+                <a14:hiddenLine xmlns="" xmlns:a14="http://schemas.microsoft.com/office/drawing/2010/main" w="9525">
                   <a:solidFill>
                     <a:srgbClr val="000000"/>
                   </a:solidFill>
@@ -3169,7 +3385,7 @@
             </a:ln>
             <a:extLst>
               <a:ext uri="{91240B29-F687-4f45-9708-019B960494DF}">
-                <a14:hiddenLine xmlns:a14="http://schemas.microsoft.com/office/drawing/2010/main" xmlns="" w="9525">
+                <a14:hiddenLine xmlns="" xmlns:a14="http://schemas.microsoft.com/office/drawing/2010/main" w="9525">
                   <a:solidFill>
                     <a:srgbClr val="000000"/>
                   </a:solidFill>
@@ -3259,7 +3475,7 @@
             </a:ln>
             <a:extLst>
               <a:ext uri="{91240B29-F687-4f45-9708-019B960494DF}">
-                <a14:hiddenLine xmlns:a14="http://schemas.microsoft.com/office/drawing/2010/main" xmlns="" w="9525">
+                <a14:hiddenLine xmlns="" xmlns:a14="http://schemas.microsoft.com/office/drawing/2010/main" w="9525">
                   <a:solidFill>
                     <a:srgbClr val="000000"/>
                   </a:solidFill>
@@ -3321,7 +3537,7 @@
             </a:ln>
             <a:extLst>
               <a:ext uri="{91240B29-F687-4f45-9708-019B960494DF}">
-                <a14:hiddenLine xmlns:a14="http://schemas.microsoft.com/office/drawing/2010/main" xmlns="" w="9525">
+                <a14:hiddenLine xmlns="" xmlns:a14="http://schemas.microsoft.com/office/drawing/2010/main" w="9525">
                   <a:solidFill>
                     <a:srgbClr val="000000"/>
                   </a:solidFill>
@@ -3411,7 +3627,7 @@
             </a:ln>
             <a:extLst>
               <a:ext uri="{91240B29-F687-4f45-9708-019B960494DF}">
-                <a14:hiddenLine xmlns:a14="http://schemas.microsoft.com/office/drawing/2010/main" xmlns="" w="9525">
+                <a14:hiddenLine xmlns="" xmlns:a14="http://schemas.microsoft.com/office/drawing/2010/main" w="9525">
                   <a:solidFill>
                     <a:srgbClr val="000000"/>
                   </a:solidFill>
@@ -3473,7 +3689,7 @@
             </a:ln>
             <a:extLst>
               <a:ext uri="{91240B29-F687-4f45-9708-019B960494DF}">
-                <a14:hiddenLine xmlns:a14="http://schemas.microsoft.com/office/drawing/2010/main" xmlns="" w="9525">
+                <a14:hiddenLine xmlns="" xmlns:a14="http://schemas.microsoft.com/office/drawing/2010/main" w="9525">
                   <a:solidFill>
                     <a:srgbClr val="000000"/>
                   </a:solidFill>
@@ -3563,7 +3779,7 @@
             </a:ln>
             <a:extLst>
               <a:ext uri="{91240B29-F687-4f45-9708-019B960494DF}">
-                <a14:hiddenLine xmlns:a14="http://schemas.microsoft.com/office/drawing/2010/main" xmlns="" w="9525">
+                <a14:hiddenLine xmlns="" xmlns:a14="http://schemas.microsoft.com/office/drawing/2010/main" w="9525">
                   <a:solidFill>
                     <a:srgbClr val="000000"/>
                   </a:solidFill>
@@ -3597,7 +3813,7 @@
             </a:ln>
             <a:extLst>
               <a:ext uri="{91240B29-F687-4f45-9708-019B960494DF}">
-                <a14:hiddenLine xmlns:a14="http://schemas.microsoft.com/office/drawing/2010/main" xmlns="" w="9525">
+                <a14:hiddenLine xmlns="" xmlns:a14="http://schemas.microsoft.com/office/drawing/2010/main" w="9525">
                   <a:solidFill>
                     <a:srgbClr val="000000"/>
                   </a:solidFill>
@@ -3662,7 +3878,7 @@
             </a:ln>
             <a:extLst>
               <a:ext uri="{91240B29-F687-4f45-9708-019B960494DF}">
-                <a14:hiddenLine xmlns:a14="http://schemas.microsoft.com/office/drawing/2010/main" xmlns="" w="9525">
+                <a14:hiddenLine xmlns="" xmlns:a14="http://schemas.microsoft.com/office/drawing/2010/main" w="9525">
                   <a:solidFill>
                     <a:srgbClr val="000000"/>
                   </a:solidFill>
@@ -3752,7 +3968,7 @@
             </a:ln>
             <a:extLst>
               <a:ext uri="{91240B29-F687-4f45-9708-019B960494DF}">
-                <a14:hiddenLine xmlns:a14="http://schemas.microsoft.com/office/drawing/2010/main" xmlns="" w="9525">
+                <a14:hiddenLine xmlns="" xmlns:a14="http://schemas.microsoft.com/office/drawing/2010/main" w="9525">
                   <a:solidFill>
                     <a:srgbClr val="000000"/>
                   </a:solidFill>
@@ -3814,7 +4030,7 @@
             </a:ln>
             <a:extLst>
               <a:ext uri="{91240B29-F687-4f45-9708-019B960494DF}">
-                <a14:hiddenLine xmlns:a14="http://schemas.microsoft.com/office/drawing/2010/main" xmlns="" w="9525">
+                <a14:hiddenLine xmlns="" xmlns:a14="http://schemas.microsoft.com/office/drawing/2010/main" w="9525">
                   <a:solidFill>
                     <a:srgbClr val="000000"/>
                   </a:solidFill>
@@ -3904,7 +4120,7 @@
             </a:ln>
             <a:extLst>
               <a:ext uri="{91240B29-F687-4f45-9708-019B960494DF}">
-                <a14:hiddenLine xmlns:a14="http://schemas.microsoft.com/office/drawing/2010/main" xmlns="" w="9525">
+                <a14:hiddenLine xmlns="" xmlns:a14="http://schemas.microsoft.com/office/drawing/2010/main" w="9525">
                   <a:solidFill>
                     <a:srgbClr val="000000"/>
                   </a:solidFill>
@@ -3994,7 +4210,7 @@
             </a:ln>
             <a:extLst>
               <a:ext uri="{91240B29-F687-4f45-9708-019B960494DF}">
-                <a14:hiddenLine xmlns:a14="http://schemas.microsoft.com/office/drawing/2010/main" xmlns="" w="9525">
+                <a14:hiddenLine xmlns="" xmlns:a14="http://schemas.microsoft.com/office/drawing/2010/main" w="9525">
                   <a:solidFill>
                     <a:srgbClr val="000000"/>
                   </a:solidFill>
@@ -4059,7 +4275,7 @@
             </a:ln>
             <a:extLst>
               <a:ext uri="{91240B29-F687-4f45-9708-019B960494DF}">
-                <a14:hiddenLine xmlns:a14="http://schemas.microsoft.com/office/drawing/2010/main" xmlns="" w="9525">
+                <a14:hiddenLine xmlns="" xmlns:a14="http://schemas.microsoft.com/office/drawing/2010/main" w="9525">
                   <a:solidFill>
                     <a:srgbClr val="000000"/>
                   </a:solidFill>
@@ -4121,7 +4337,7 @@
             </a:ln>
             <a:extLst>
               <a:ext uri="{91240B29-F687-4f45-9708-019B960494DF}">
-                <a14:hiddenLine xmlns:a14="http://schemas.microsoft.com/office/drawing/2010/main" xmlns="" w="9525">
+                <a14:hiddenLine xmlns="" xmlns:a14="http://schemas.microsoft.com/office/drawing/2010/main" w="9525">
                   <a:solidFill>
                     <a:srgbClr val="000000"/>
                   </a:solidFill>
@@ -4211,7 +4427,7 @@
             </a:ln>
             <a:extLst>
               <a:ext uri="{91240B29-F687-4f45-9708-019B960494DF}">
-                <a14:hiddenLine xmlns:a14="http://schemas.microsoft.com/office/drawing/2010/main" xmlns="" w="9525">
+                <a14:hiddenLine xmlns="" xmlns:a14="http://schemas.microsoft.com/office/drawing/2010/main" w="9525">
                   <a:solidFill>
                     <a:srgbClr val="000000"/>
                   </a:solidFill>
@@ -4301,7 +4517,7 @@
             </a:ln>
             <a:extLst>
               <a:ext uri="{91240B29-F687-4f45-9708-019B960494DF}">
-                <a14:hiddenLine xmlns:a14="http://schemas.microsoft.com/office/drawing/2010/main" xmlns="" w="9525">
+                <a14:hiddenLine xmlns="" xmlns:a14="http://schemas.microsoft.com/office/drawing/2010/main" w="9525">
                   <a:solidFill>
                     <a:srgbClr val="000000"/>
                   </a:solidFill>
@@ -4363,7 +4579,7 @@
             </a:ln>
             <a:extLst>
               <a:ext uri="{91240B29-F687-4f45-9708-019B960494DF}">
-                <a14:hiddenLine xmlns:a14="http://schemas.microsoft.com/office/drawing/2010/main" xmlns="" w="9525">
+                <a14:hiddenLine xmlns="" xmlns:a14="http://schemas.microsoft.com/office/drawing/2010/main" w="9525">
                   <a:solidFill>
                     <a:srgbClr val="000000"/>
                   </a:solidFill>
@@ -4483,7 +4699,7 @@
             </a:ln>
             <a:extLst>
               <a:ext uri="{91240B29-F687-4f45-9708-019B960494DF}">
-                <a14:hiddenLine xmlns:a14="http://schemas.microsoft.com/office/drawing/2010/main" xmlns="" w="9525">
+                <a14:hiddenLine xmlns="" xmlns:a14="http://schemas.microsoft.com/office/drawing/2010/main" w="9525">
                   <a:solidFill>
                     <a:srgbClr val="000000"/>
                   </a:solidFill>
@@ -4551,7 +4767,7 @@
             </a:ln>
             <a:extLst>
               <a:ext uri="{91240B29-F687-4f45-9708-019B960494DF}">
-                <a14:hiddenLine xmlns:a14="http://schemas.microsoft.com/office/drawing/2010/main" xmlns="" w="9525">
+                <a14:hiddenLine xmlns="" xmlns:a14="http://schemas.microsoft.com/office/drawing/2010/main" w="9525">
                   <a:solidFill>
                     <a:srgbClr val="000000"/>
                   </a:solidFill>
@@ -4641,7 +4857,7 @@
             </a:ln>
             <a:extLst>
               <a:ext uri="{91240B29-F687-4f45-9708-019B960494DF}">
-                <a14:hiddenLine xmlns:a14="http://schemas.microsoft.com/office/drawing/2010/main" xmlns="" w="9525">
+                <a14:hiddenLine xmlns="" xmlns:a14="http://schemas.microsoft.com/office/drawing/2010/main" w="9525">
                   <a:solidFill>
                     <a:srgbClr val="000000"/>
                   </a:solidFill>
@@ -9652,7 +9868,7 @@
           <a:noFill/>
           <a:extLst>
             <a:ext uri="{909E8E84-426E-40dd-AFC4-6F175D3DCCD1}">
-              <a14:hiddenFill xmlns:a14="http://schemas.microsoft.com/office/drawing/2010/main" xmlns="">
+              <a14:hiddenFill xmlns="" xmlns:a14="http://schemas.microsoft.com/office/drawing/2010/main">
                 <a:solidFill>
                   <a:srgbClr val="FFFFFF"/>
                 </a:solidFill>
@@ -9726,7 +9942,7 @@
               </a:ln>
               <a:extLst>
                 <a:ext uri="{91240B29-F687-4f45-9708-019B960494DF}">
-                  <a14:hiddenLine xmlns:a14="http://schemas.microsoft.com/office/drawing/2010/main" xmlns="" w="9525">
+                  <a14:hiddenLine xmlns="" xmlns:a14="http://schemas.microsoft.com/office/drawing/2010/main" w="9525">
                     <a:solidFill>
                       <a:srgbClr val="000000"/>
                     </a:solidFill>
@@ -9816,7 +10032,7 @@
               </a:ln>
               <a:extLst>
                 <a:ext uri="{91240B29-F687-4f45-9708-019B960494DF}">
-                  <a14:hiddenLine xmlns:a14="http://schemas.microsoft.com/office/drawing/2010/main" xmlns="" w="9525">
+                  <a14:hiddenLine xmlns="" xmlns:a14="http://schemas.microsoft.com/office/drawing/2010/main" w="9525">
                     <a:solidFill>
                       <a:srgbClr val="000000"/>
                     </a:solidFill>
@@ -9906,7 +10122,7 @@
               </a:ln>
               <a:extLst>
                 <a:ext uri="{91240B29-F687-4f45-9708-019B960494DF}">
-                  <a14:hiddenLine xmlns:a14="http://schemas.microsoft.com/office/drawing/2010/main" xmlns="" w="9525">
+                  <a14:hiddenLine xmlns="" xmlns:a14="http://schemas.microsoft.com/office/drawing/2010/main" w="9525">
                     <a:solidFill>
                       <a:srgbClr val="000000"/>
                     </a:solidFill>
@@ -9968,7 +10184,7 @@
               </a:ln>
               <a:extLst>
                 <a:ext uri="{91240B29-F687-4f45-9708-019B960494DF}">
-                  <a14:hiddenLine xmlns:a14="http://schemas.microsoft.com/office/drawing/2010/main" xmlns="" w="9525">
+                  <a14:hiddenLine xmlns="" xmlns:a14="http://schemas.microsoft.com/office/drawing/2010/main" w="9525">
                     <a:solidFill>
                       <a:srgbClr val="000000"/>
                     </a:solidFill>
@@ -10058,7 +10274,7 @@
               </a:ln>
               <a:extLst>
                 <a:ext uri="{91240B29-F687-4f45-9708-019B960494DF}">
-                  <a14:hiddenLine xmlns:a14="http://schemas.microsoft.com/office/drawing/2010/main" xmlns="" w="9525">
+                  <a14:hiddenLine xmlns="" xmlns:a14="http://schemas.microsoft.com/office/drawing/2010/main" w="9525">
                     <a:solidFill>
                       <a:srgbClr val="000000"/>
                     </a:solidFill>
@@ -10120,7 +10336,7 @@
               </a:ln>
               <a:extLst>
                 <a:ext uri="{91240B29-F687-4f45-9708-019B960494DF}">
-                  <a14:hiddenLine xmlns:a14="http://schemas.microsoft.com/office/drawing/2010/main" xmlns="" w="9525">
+                  <a14:hiddenLine xmlns="" xmlns:a14="http://schemas.microsoft.com/office/drawing/2010/main" w="9525">
                     <a:solidFill>
                       <a:srgbClr val="000000"/>
                     </a:solidFill>
@@ -10182,7 +10398,7 @@
               </a:ln>
               <a:extLst>
                 <a:ext uri="{91240B29-F687-4f45-9708-019B960494DF}">
-                  <a14:hiddenLine xmlns:a14="http://schemas.microsoft.com/office/drawing/2010/main" xmlns="" w="9525">
+                  <a14:hiddenLine xmlns="" xmlns:a14="http://schemas.microsoft.com/office/drawing/2010/main" w="9525">
                     <a:solidFill>
                       <a:srgbClr val="000000"/>
                     </a:solidFill>
@@ -10272,7 +10488,7 @@
               </a:ln>
               <a:extLst>
                 <a:ext uri="{91240B29-F687-4f45-9708-019B960494DF}">
-                  <a14:hiddenLine xmlns:a14="http://schemas.microsoft.com/office/drawing/2010/main" xmlns="" w="9525">
+                  <a14:hiddenLine xmlns="" xmlns:a14="http://schemas.microsoft.com/office/drawing/2010/main" w="9525">
                     <a:solidFill>
                       <a:srgbClr val="000000"/>
                     </a:solidFill>
@@ -10362,7 +10578,7 @@
               </a:ln>
               <a:extLst>
                 <a:ext uri="{91240B29-F687-4f45-9708-019B960494DF}">
-                  <a14:hiddenLine xmlns:a14="http://schemas.microsoft.com/office/drawing/2010/main" xmlns="" w="9525">
+                  <a14:hiddenLine xmlns="" xmlns:a14="http://schemas.microsoft.com/office/drawing/2010/main" w="9525">
                     <a:solidFill>
                       <a:srgbClr val="000000"/>
                     </a:solidFill>
@@ -10424,7 +10640,7 @@
               </a:ln>
               <a:extLst>
                 <a:ext uri="{91240B29-F687-4f45-9708-019B960494DF}">
-                  <a14:hiddenLine xmlns:a14="http://schemas.microsoft.com/office/drawing/2010/main" xmlns="" w="9525">
+                  <a14:hiddenLine xmlns="" xmlns:a14="http://schemas.microsoft.com/office/drawing/2010/main" w="9525">
                     <a:solidFill>
                       <a:srgbClr val="000000"/>
                     </a:solidFill>
@@ -10534,7 +10750,7 @@
               </a:ln>
               <a:extLst>
                 <a:ext uri="{91240B29-F687-4f45-9708-019B960494DF}">
-                  <a14:hiddenLine xmlns:a14="http://schemas.microsoft.com/office/drawing/2010/main" xmlns="" w="9525">
+                  <a14:hiddenLine xmlns="" xmlns:a14="http://schemas.microsoft.com/office/drawing/2010/main" w="9525">
                     <a:solidFill>
                       <a:srgbClr val="000000"/>
                     </a:solidFill>
@@ -10618,7 +10834,7 @@
               </a:ln>
               <a:extLst>
                 <a:ext uri="{91240B29-F687-4f45-9708-019B960494DF}">
-                  <a14:hiddenLine xmlns:a14="http://schemas.microsoft.com/office/drawing/2010/main" xmlns="" w="9525">
+                  <a14:hiddenLine xmlns="" xmlns:a14="http://schemas.microsoft.com/office/drawing/2010/main" w="9525">
                     <a:solidFill>
                       <a:srgbClr val="000000"/>
                     </a:solidFill>
@@ -10680,7 +10896,7 @@
               </a:ln>
               <a:extLst>
                 <a:ext uri="{91240B29-F687-4f45-9708-019B960494DF}">
-                  <a14:hiddenLine xmlns:a14="http://schemas.microsoft.com/office/drawing/2010/main" xmlns="" w="9525">
+                  <a14:hiddenLine xmlns="" xmlns:a14="http://schemas.microsoft.com/office/drawing/2010/main" w="9525">
                     <a:solidFill>
                       <a:srgbClr val="000000"/>
                     </a:solidFill>
@@ -10742,7 +10958,7 @@
               </a:ln>
               <a:extLst>
                 <a:ext uri="{91240B29-F687-4f45-9708-019B960494DF}">
-                  <a14:hiddenLine xmlns:a14="http://schemas.microsoft.com/office/drawing/2010/main" xmlns="" w="9525">
+                  <a14:hiddenLine xmlns="" xmlns:a14="http://schemas.microsoft.com/office/drawing/2010/main" w="9525">
                     <a:solidFill>
                       <a:srgbClr val="000000"/>
                     </a:solidFill>
@@ -10832,7 +11048,7 @@
               </a:ln>
               <a:extLst>
                 <a:ext uri="{91240B29-F687-4f45-9708-019B960494DF}">
-                  <a14:hiddenLine xmlns:a14="http://schemas.microsoft.com/office/drawing/2010/main" xmlns="" w="9525">
+                  <a14:hiddenLine xmlns="" xmlns:a14="http://schemas.microsoft.com/office/drawing/2010/main" w="9525">
                     <a:solidFill>
                       <a:srgbClr val="000000"/>
                     </a:solidFill>
@@ -10866,7 +11082,7 @@
               </a:ln>
               <a:extLst>
                 <a:ext uri="{91240B29-F687-4f45-9708-019B960494DF}">
-                  <a14:hiddenLine xmlns:a14="http://schemas.microsoft.com/office/drawing/2010/main" xmlns="" w="9525">
+                  <a14:hiddenLine xmlns="" xmlns:a14="http://schemas.microsoft.com/office/drawing/2010/main" w="9525">
                     <a:solidFill>
                       <a:srgbClr val="000000"/>
                     </a:solidFill>
@@ -10931,7 +11147,7 @@
               </a:ln>
               <a:extLst>
                 <a:ext uri="{91240B29-F687-4f45-9708-019B960494DF}">
-                  <a14:hiddenLine xmlns:a14="http://schemas.microsoft.com/office/drawing/2010/main" xmlns="" w="9525">
+                  <a14:hiddenLine xmlns="" xmlns:a14="http://schemas.microsoft.com/office/drawing/2010/main" w="9525">
                     <a:solidFill>
                       <a:srgbClr val="000000"/>
                     </a:solidFill>
@@ -11021,7 +11237,7 @@
               </a:ln>
               <a:extLst>
                 <a:ext uri="{91240B29-F687-4f45-9708-019B960494DF}">
-                  <a14:hiddenLine xmlns:a14="http://schemas.microsoft.com/office/drawing/2010/main" xmlns="" w="9525">
+                  <a14:hiddenLine xmlns="" xmlns:a14="http://schemas.microsoft.com/office/drawing/2010/main" w="9525">
                     <a:solidFill>
                       <a:srgbClr val="000000"/>
                     </a:solidFill>
@@ -11083,7 +11299,7 @@
               </a:ln>
               <a:extLst>
                 <a:ext uri="{91240B29-F687-4f45-9708-019B960494DF}">
-                  <a14:hiddenLine xmlns:a14="http://schemas.microsoft.com/office/drawing/2010/main" xmlns="" w="9525">
+                  <a14:hiddenLine xmlns="" xmlns:a14="http://schemas.microsoft.com/office/drawing/2010/main" w="9525">
                     <a:solidFill>
                       <a:srgbClr val="000000"/>
                     </a:solidFill>
@@ -11173,7 +11389,7 @@
               </a:ln>
               <a:extLst>
                 <a:ext uri="{91240B29-F687-4f45-9708-019B960494DF}">
-                  <a14:hiddenLine xmlns:a14="http://schemas.microsoft.com/office/drawing/2010/main" xmlns="" w="9525">
+                  <a14:hiddenLine xmlns="" xmlns:a14="http://schemas.microsoft.com/office/drawing/2010/main" w="9525">
                     <a:solidFill>
                       <a:srgbClr val="000000"/>
                     </a:solidFill>
@@ -11238,7 +11454,7 @@
               </a:ln>
               <a:extLst>
                 <a:ext uri="{91240B29-F687-4f45-9708-019B960494DF}">
-                  <a14:hiddenLine xmlns:a14="http://schemas.microsoft.com/office/drawing/2010/main" xmlns="" w="9525">
+                  <a14:hiddenLine xmlns="" xmlns:a14="http://schemas.microsoft.com/office/drawing/2010/main" w="9525">
                     <a:solidFill>
                       <a:srgbClr val="000000"/>
                     </a:solidFill>
@@ -11300,7 +11516,7 @@
               </a:ln>
               <a:extLst>
                 <a:ext uri="{91240B29-F687-4f45-9708-019B960494DF}">
-                  <a14:hiddenLine xmlns:a14="http://schemas.microsoft.com/office/drawing/2010/main" xmlns="" w="9525">
+                  <a14:hiddenLine xmlns="" xmlns:a14="http://schemas.microsoft.com/office/drawing/2010/main" w="9525">
                     <a:solidFill>
                       <a:srgbClr val="000000"/>
                     </a:solidFill>
@@ -11390,7 +11606,7 @@
               </a:ln>
               <a:extLst>
                 <a:ext uri="{91240B29-F687-4f45-9708-019B960494DF}">
-                  <a14:hiddenLine xmlns:a14="http://schemas.microsoft.com/office/drawing/2010/main" xmlns="" w="9525">
+                  <a14:hiddenLine xmlns="" xmlns:a14="http://schemas.microsoft.com/office/drawing/2010/main" w="9525">
                     <a:solidFill>
                       <a:srgbClr val="000000"/>
                     </a:solidFill>
@@ -11480,7 +11696,7 @@
               </a:ln>
               <a:extLst>
                 <a:ext uri="{91240B29-F687-4f45-9708-019B960494DF}">
-                  <a14:hiddenLine xmlns:a14="http://schemas.microsoft.com/office/drawing/2010/main" xmlns="" w="9525">
+                  <a14:hiddenLine xmlns="" xmlns:a14="http://schemas.microsoft.com/office/drawing/2010/main" w="9525">
                     <a:solidFill>
                       <a:srgbClr val="000000"/>
                     </a:solidFill>
@@ -11545,7 +11761,7 @@
               </a:ln>
               <a:extLst>
                 <a:ext uri="{91240B29-F687-4f45-9708-019B960494DF}">
-                  <a14:hiddenLine xmlns:a14="http://schemas.microsoft.com/office/drawing/2010/main" xmlns="" w="9525">
+                  <a14:hiddenLine xmlns="" xmlns:a14="http://schemas.microsoft.com/office/drawing/2010/main" w="9525">
                     <a:solidFill>
                       <a:srgbClr val="000000"/>
                     </a:solidFill>
@@ -11665,7 +11881,7 @@
               </a:ln>
               <a:extLst>
                 <a:ext uri="{91240B29-F687-4f45-9708-019B960494DF}">
-                  <a14:hiddenLine xmlns:a14="http://schemas.microsoft.com/office/drawing/2010/main" xmlns="" w="9525">
+                  <a14:hiddenLine xmlns="" xmlns:a14="http://schemas.microsoft.com/office/drawing/2010/main" w="9525">
                     <a:solidFill>
                       <a:srgbClr val="000000"/>
                     </a:solidFill>
@@ -11763,7 +11979,7 @@
               </a:ln>
               <a:extLst>
                 <a:ext uri="{91240B29-F687-4f45-9708-019B960494DF}">
-                  <a14:hiddenLine xmlns:a14="http://schemas.microsoft.com/office/drawing/2010/main" xmlns="" w="9525">
+                  <a14:hiddenLine xmlns="" xmlns:a14="http://schemas.microsoft.com/office/drawing/2010/main" w="9525">
                     <a:solidFill>
                       <a:srgbClr val="000000"/>
                     </a:solidFill>
@@ -11878,7 +12094,7 @@
               </a:ln>
               <a:extLst>
                 <a:ext uri="{91240B29-F687-4f45-9708-019B960494DF}">
-                  <a14:hiddenLine xmlns:a14="http://schemas.microsoft.com/office/drawing/2010/main" xmlns="" w="9525">
+                  <a14:hiddenLine xmlns="" xmlns:a14="http://schemas.microsoft.com/office/drawing/2010/main" w="9525">
                     <a:solidFill>
                       <a:srgbClr val="000000"/>
                     </a:solidFill>
@@ -11968,7 +12184,7 @@
               </a:ln>
               <a:extLst>
                 <a:ext uri="{91240B29-F687-4f45-9708-019B960494DF}">
-                  <a14:hiddenLine xmlns:a14="http://schemas.microsoft.com/office/drawing/2010/main" xmlns="" w="9525">
+                  <a14:hiddenLine xmlns="" xmlns:a14="http://schemas.microsoft.com/office/drawing/2010/main" w="9525">
                     <a:solidFill>
                       <a:srgbClr val="000000"/>
                     </a:solidFill>
@@ -12033,7 +12249,7 @@
               </a:ln>
               <a:extLst>
                 <a:ext uri="{91240B29-F687-4f45-9708-019B960494DF}">
-                  <a14:hiddenLine xmlns:a14="http://schemas.microsoft.com/office/drawing/2010/main" xmlns="" w="9525">
+                  <a14:hiddenLine xmlns="" xmlns:a14="http://schemas.microsoft.com/office/drawing/2010/main" w="9525">
                     <a:solidFill>
                       <a:srgbClr val="000000"/>
                     </a:solidFill>
@@ -12123,7 +12339,7 @@
               </a:ln>
               <a:extLst>
                 <a:ext uri="{91240B29-F687-4f45-9708-019B960494DF}">
-                  <a14:hiddenLine xmlns:a14="http://schemas.microsoft.com/office/drawing/2010/main" xmlns="" w="9525">
+                  <a14:hiddenLine xmlns="" xmlns:a14="http://schemas.microsoft.com/office/drawing/2010/main" w="9525">
                     <a:solidFill>
                       <a:srgbClr val="000000"/>
                     </a:solidFill>
@@ -12191,7 +12407,7 @@
               </a:ln>
               <a:extLst>
                 <a:ext uri="{91240B29-F687-4f45-9708-019B960494DF}">
-                  <a14:hiddenLine xmlns:a14="http://schemas.microsoft.com/office/drawing/2010/main" xmlns="" w="9525">
+                  <a14:hiddenLine xmlns="" xmlns:a14="http://schemas.microsoft.com/office/drawing/2010/main" w="9525">
                     <a:solidFill>
                       <a:srgbClr val="000000"/>
                     </a:solidFill>
@@ -12281,7 +12497,7 @@
               </a:ln>
               <a:extLst>
                 <a:ext uri="{91240B29-F687-4f45-9708-019B960494DF}">
-                  <a14:hiddenLine xmlns:a14="http://schemas.microsoft.com/office/drawing/2010/main" xmlns="" w="9525">
+                  <a14:hiddenLine xmlns="" xmlns:a14="http://schemas.microsoft.com/office/drawing/2010/main" w="9525">
                     <a:solidFill>
                       <a:srgbClr val="000000"/>
                     </a:solidFill>
@@ -12349,7 +12565,7 @@
               </a:ln>
               <a:extLst>
                 <a:ext uri="{91240B29-F687-4f45-9708-019B960494DF}">
-                  <a14:hiddenLine xmlns:a14="http://schemas.microsoft.com/office/drawing/2010/main" xmlns="" w="9525">
+                  <a14:hiddenLine xmlns="" xmlns:a14="http://schemas.microsoft.com/office/drawing/2010/main" w="9525">
                     <a:solidFill>
                       <a:srgbClr val="000000"/>
                     </a:solidFill>
@@ -12439,7 +12655,7 @@
               </a:ln>
               <a:extLst>
                 <a:ext uri="{91240B29-F687-4f45-9708-019B960494DF}">
-                  <a14:hiddenLine xmlns:a14="http://schemas.microsoft.com/office/drawing/2010/main" xmlns="" w="9525">
+                  <a14:hiddenLine xmlns="" xmlns:a14="http://schemas.microsoft.com/office/drawing/2010/main" w="9525">
                     <a:solidFill>
                       <a:srgbClr val="000000"/>
                     </a:solidFill>
@@ -12473,7 +12689,7 @@
               </a:ln>
               <a:extLst>
                 <a:ext uri="{91240B29-F687-4f45-9708-019B960494DF}">
-                  <a14:hiddenLine xmlns:a14="http://schemas.microsoft.com/office/drawing/2010/main" xmlns="" w="9525">
+                  <a14:hiddenLine xmlns="" xmlns:a14="http://schemas.microsoft.com/office/drawing/2010/main" w="9525">
                     <a:solidFill>
                       <a:srgbClr val="000000"/>
                     </a:solidFill>
@@ -13032,6 +13248,30 @@
 <file path=ppt/slides/slide1.xml><?xml version="1.0" encoding="utf-8"?>
 <p:sld xmlns:a="http://schemas.openxmlformats.org/drawingml/2006/main" xmlns:r="http://schemas.openxmlformats.org/officeDocument/2006/relationships" xmlns:p="http://schemas.openxmlformats.org/presentationml/2006/main">
   <p:cSld>
+    <p:bg>
+      <p:bgPr>
+        <a:blipFill>
+          <a:blip r:embed="rId2">
+            <a:duotone>
+              <a:schemeClr val="bg2">
+                <a:shade val="88000"/>
+                <a:hueMod val="106000"/>
+                <a:satMod val="140000"/>
+                <a:lumMod val="54000"/>
+              </a:schemeClr>
+              <a:schemeClr val="bg2">
+                <a:tint val="98000"/>
+                <a:hueMod val="90000"/>
+                <a:satMod val="150000"/>
+                <a:lumMod val="160000"/>
+              </a:schemeClr>
+            </a:duotone>
+          </a:blip>
+          <a:stretch/>
+        </a:blipFill>
+        <a:effectLst/>
+      </p:bgPr>
+    </p:bg>
     <p:spTree>
       <p:nvGrpSpPr>
         <p:cNvPr id="1" name=""/>
@@ -13046,6 +13286,160 @@
           <a:chExt cx="0" cy="0"/>
         </a:xfrm>
       </p:grpSpPr>
+      <p:grpSp>
+        <p:nvGrpSpPr>
+          <p:cNvPr id="70" name="Group 10">
+            <a:extLst>
+              <a:ext uri="{FF2B5EF4-FFF2-40B4-BE49-F238E27FC236}">
+                <a16:creationId xmlns:a16="http://schemas.microsoft.com/office/drawing/2014/main" id="{1351B104-9B78-4A2B-B970-FA8ABE1CE12D}"/>
+              </a:ext>
+              <a:ext uri="{C183D7F6-B498-43B3-948B-1728B52AA6E4}">
+                <adec:decorative xmlns:adec="http://schemas.microsoft.com/office/drawing/2017/decorative" val="1"/>
+              </a:ext>
+            </a:extLst>
+          </p:cNvPr>
+          <p:cNvGrpSpPr>
+            <a:grpSpLocks noGrp="1" noUngrp="1" noRot="1" noChangeAspect="1" noMove="1" noResize="1"/>
+          </p:cNvGrpSpPr>
+          <p:nvPr>
+            <p:extLst>
+              <p:ext uri="{386F3935-93C4-4BCD-93E2-E3B085C9AB24}">
+                <p16:designElem xmlns:p16="http://schemas.microsoft.com/office/powerpoint/2015/main" val="1"/>
+              </p:ext>
+            </p:extLst>
+          </p:nvPr>
+        </p:nvGrpSpPr>
+        <p:grpSpPr>
+          <a:xfrm>
+            <a:off x="0" y="-1"/>
+            <a:ext cx="12192003" cy="6858001"/>
+            <a:chOff x="0" y="-1"/>
+            <a:chExt cx="12192003" cy="6858001"/>
+          </a:xfrm>
+        </p:grpSpPr>
+        <p:sp useBgFill="1">
+          <p:nvSpPr>
+            <p:cNvPr id="12" name="Rectangle 11">
+              <a:extLst>
+                <a:ext uri="{FF2B5EF4-FFF2-40B4-BE49-F238E27FC236}">
+                  <a16:creationId xmlns:a16="http://schemas.microsoft.com/office/drawing/2014/main" id="{3A130E84-D02F-40FB-9BEB-52023927138B}"/>
+                </a:ext>
+                <a:ext uri="{C183D7F6-B498-43B3-948B-1728B52AA6E4}">
+                  <adec:decorative xmlns:adec="http://schemas.microsoft.com/office/drawing/2017/decorative" val="1"/>
+                </a:ext>
+              </a:extLst>
+            </p:cNvPr>
+            <p:cNvSpPr/>
+            <p:nvPr>
+              <p:extLst>
+                <p:ext uri="{386F3935-93C4-4BCD-93E2-E3B085C9AB24}">
+                  <p16:designElem xmlns:p16="http://schemas.microsoft.com/office/powerpoint/2015/main" val="1"/>
+                </p:ext>
+              </p:extLst>
+            </p:nvPr>
+          </p:nvSpPr>
+          <p:spPr>
+            <a:xfrm>
+              <a:off x="1" y="-1"/>
+              <a:ext cx="12192000" cy="6858000"/>
+            </a:xfrm>
+            <a:prstGeom prst="rect">
+              <a:avLst/>
+            </a:prstGeom>
+            <a:ln>
+              <a:noFill/>
+            </a:ln>
+          </p:spPr>
+          <p:style>
+            <a:lnRef idx="2">
+              <a:schemeClr val="accent1">
+                <a:shade val="50000"/>
+              </a:schemeClr>
+            </a:lnRef>
+            <a:fillRef idx="1">
+              <a:schemeClr val="accent1"/>
+            </a:fillRef>
+            <a:effectRef idx="0">
+              <a:schemeClr val="accent1"/>
+            </a:effectRef>
+            <a:fontRef idx="minor">
+              <a:schemeClr val="lt1"/>
+            </a:fontRef>
+          </p:style>
+          <p:txBody>
+            <a:bodyPr rtlCol="0" anchor="ctr"/>
+            <a:lstStyle/>
+            <a:p>
+              <a:pPr algn="ctr"/>
+              <a:endParaRPr lang="en-US"/>
+            </a:p>
+          </p:txBody>
+        </p:sp>
+        <p:pic>
+          <p:nvPicPr>
+            <p:cNvPr id="13" name="Picture 2">
+              <a:extLst>
+                <a:ext uri="{FF2B5EF4-FFF2-40B4-BE49-F238E27FC236}">
+                  <a16:creationId xmlns:a16="http://schemas.microsoft.com/office/drawing/2014/main" id="{5E142BFD-7D75-4518-BBDF-27C00AB4BC7F}"/>
+                </a:ext>
+                <a:ext uri="{C183D7F6-B498-43B3-948B-1728B52AA6E4}">
+                  <adec:decorative xmlns:adec="http://schemas.microsoft.com/office/drawing/2017/decorative" val="1"/>
+                </a:ext>
+              </a:extLst>
+            </p:cNvPr>
+            <p:cNvPicPr>
+              <a:picLocks noChangeAspect="1" noChangeArrowheads="1"/>
+            </p:cNvPicPr>
+            <p:nvPr>
+              <p:extLst>
+                <p:ext uri="{386F3935-93C4-4BCD-93E2-E3B085C9AB24}">
+                  <p16:designElem xmlns:p16="http://schemas.microsoft.com/office/powerpoint/2015/main" val="1"/>
+                </p:ext>
+              </p:extLst>
+            </p:nvPr>
+          </p:nvPicPr>
+          <p:blipFill>
+            <a:blip r:embed="rId3">
+              <a:alphaModFix amt="30000"/>
+              <a:duotone>
+                <a:prstClr val="black"/>
+                <a:schemeClr val="tx2">
+                  <a:tint val="45000"/>
+                  <a:satMod val="400000"/>
+                </a:schemeClr>
+              </a:duotone>
+              <a:extLst>
+                <a:ext uri="{28A0092B-C50C-407E-A947-70E740481C1C}">
+                  <a14:useLocalDpi xmlns:a14="http://schemas.microsoft.com/office/drawing/2010/main" val="0"/>
+                </a:ext>
+              </a:extLst>
+            </a:blip>
+            <a:srcRect/>
+            <a:stretch>
+              <a:fillRect/>
+            </a:stretch>
+          </p:blipFill>
+          <p:spPr bwMode="auto">
+            <a:xfrm>
+              <a:off x="0" y="-1"/>
+              <a:ext cx="12192003" cy="6858001"/>
+            </a:xfrm>
+            <a:prstGeom prst="rect">
+              <a:avLst/>
+            </a:prstGeom>
+            <a:noFill/>
+            <a:extLst>
+              <a:ext uri="{909E8E84-426E-40dd-AFC4-6F175D3DCCD1}">
+                <a14:hiddenFill xmlns="" xmlns:a16="http://schemas.microsoft.com/office/drawing/2014/main" xmlns:a14="http://schemas.microsoft.com/office/drawing/2010/main" xmlns:p14="http://schemas.microsoft.com/office/powerpoint/2010/main">
+                  <a:solidFill>
+                    <a:srgbClr val="FFFFFF"/>
+                  </a:solidFill>
+                </a14:hiddenFill>
+              </a:ext>
+            </a:extLst>
+          </p:spPr>
+        </p:pic>
+      </p:grpSp>
       <p:sp>
         <p:nvSpPr>
           <p:cNvPr id="2" name="Title 1">
@@ -13064,15 +13458,14 @@
         </p:nvSpPr>
         <p:spPr>
           <a:xfrm>
-            <a:off x="1876425" y="1285912"/>
-            <a:ext cx="8791575" cy="1294588"/>
+            <a:off x="7409281" y="355601"/>
+            <a:ext cx="4052887" cy="2387600"/>
           </a:xfrm>
         </p:spPr>
         <p:txBody>
           <a:bodyPr/>
           <a:lstStyle/>
           <a:p>
-            <a:pPr algn="ctr"/>
             <a:r>
               <a:rPr lang="en-IN" dirty="0"/>
               <a:t>CNC Soldering machine</a:t>
@@ -13099,8 +13492,8 @@
         </p:nvSpPr>
         <p:spPr>
           <a:xfrm>
-            <a:off x="2111203" y="3696750"/>
-            <a:ext cx="4634478" cy="1526661"/>
+            <a:off x="7464593" y="2671762"/>
+            <a:ext cx="4082297" cy="1655762"/>
           </a:xfrm>
         </p:spPr>
         <p:txBody>
@@ -13109,30 +13502,4990 @@
           </a:bodyPr>
           <a:lstStyle/>
           <a:p>
-            <a:endParaRPr lang="en-IN" dirty="0"/>
+            <a:endParaRPr lang="en-IN" sz="1900" dirty="0"/>
           </a:p>
           <a:p>
             <a:r>
-              <a:rPr lang="en-US" b="1" u="sng" dirty="0"/>
+              <a:rPr lang="en-US" sz="1900" b="1" u="sng" dirty="0"/>
               <a:t>MENTOR:</a:t>
             </a:r>
           </a:p>
           <a:p>
             <a:r>
-              <a:rPr lang="en-US" dirty="0"/>
+              <a:rPr lang="en-US" sz="1900" dirty="0"/>
               <a:t>Ashiq Rahman </a:t>
             </a:r>
             <a:r>
-              <a:rPr lang="en-US" dirty="0" err="1"/>
+              <a:rPr lang="en-US" sz="1900" dirty="0" err="1"/>
               <a:t>anwar</a:t>
             </a:r>
             <a:r>
-              <a:rPr lang="en-US" dirty="0"/>
+              <a:rPr lang="en-US" sz="1900" dirty="0"/>
               <a:t> batcha</a:t>
             </a:r>
+            <a:endParaRPr lang="en-IN" sz="1900" dirty="0"/>
+          </a:p>
+          <a:p>
+            <a:endParaRPr lang="en-IN" sz="1900" dirty="0"/>
           </a:p>
         </p:txBody>
       </p:sp>
+      <p:pic>
+        <p:nvPicPr>
+          <p:cNvPr id="5" name="Picture 6">
+            <a:extLst>
+              <a:ext uri="{FF2B5EF4-FFF2-40B4-BE49-F238E27FC236}">
+                <a16:creationId xmlns:a16="http://schemas.microsoft.com/office/drawing/2014/main" id="{A4EE4FB5-C817-4254-9D6B-936A23570B0C}"/>
+              </a:ext>
+            </a:extLst>
+          </p:cNvPr>
+          <p:cNvPicPr>
+            <a:picLocks noChangeAspect="1"/>
+          </p:cNvPicPr>
+          <p:nvPr/>
+        </p:nvPicPr>
+        <p:blipFill rotWithShape="1">
+          <a:blip r:embed="rId4">
+            <a:extLst>
+              <a:ext uri="{28A0092B-C50C-407E-A947-70E740481C1C}">
+                <a14:useLocalDpi xmlns:a14="http://schemas.microsoft.com/office/drawing/2010/main" val="0"/>
+              </a:ext>
+            </a:extLst>
+          </a:blip>
+          <a:srcRect r="1" b="21042"/>
+          <a:stretch/>
+        </p:blipFill>
+        <p:spPr>
+          <a:xfrm>
+            <a:off x="2432657" y="143527"/>
+            <a:ext cx="4923252" cy="6588267"/>
+          </a:xfrm>
+          <a:prstGeom prst="rect">
+            <a:avLst/>
+          </a:prstGeom>
+          <a:ln w="127000" cap="sq">
+            <a:solidFill>
+              <a:srgbClr val="000000"/>
+            </a:solidFill>
+            <a:miter lim="800000"/>
+          </a:ln>
+          <a:effectLst>
+            <a:outerShdw blurRad="57150" dist="50800" dir="2700000" algn="tl" rotWithShape="0">
+              <a:srgbClr val="000000">
+                <a:alpha val="40000"/>
+              </a:srgbClr>
+            </a:outerShdw>
+          </a:effectLst>
+        </p:spPr>
+      </p:pic>
+      <p:grpSp>
+        <p:nvGrpSpPr>
+          <p:cNvPr id="82" name="Group 14">
+            <a:extLst>
+              <a:ext uri="{FF2B5EF4-FFF2-40B4-BE49-F238E27FC236}">
+                <a16:creationId xmlns:a16="http://schemas.microsoft.com/office/drawing/2014/main" id="{D4116A08-770E-4DC3-AAB6-E3E8E6CEC832}"/>
+              </a:ext>
+              <a:ext uri="{C183D7F6-B498-43B3-948B-1728B52AA6E4}">
+                <adec:decorative xmlns:adec="http://schemas.microsoft.com/office/drawing/2017/decorative" val="1"/>
+              </a:ext>
+            </a:extLst>
+          </p:cNvPr>
+          <p:cNvGrpSpPr>
+            <a:grpSpLocks noGrp="1" noUngrp="1" noRot="1" noChangeAspect="1" noMove="1" noResize="1"/>
+          </p:cNvGrpSpPr>
+          <p:nvPr>
+            <p:extLst>
+              <p:ext uri="{386F3935-93C4-4BCD-93E2-E3B085C9AB24}">
+                <p16:designElem xmlns:p16="http://schemas.microsoft.com/office/powerpoint/2015/main" val="1"/>
+              </p:ext>
+            </p:extLst>
+          </p:nvPr>
+        </p:nvGrpSpPr>
+        <p:grpSpPr>
+          <a:xfrm>
+            <a:off x="0" y="0"/>
+            <a:ext cx="2305051" cy="6858001"/>
+            <a:chOff x="0" y="0"/>
+            <a:chExt cx="2305051" cy="6858001"/>
+          </a:xfrm>
+          <a:solidFill>
+            <a:schemeClr val="tx1">
+              <a:alpha val="70000"/>
+            </a:schemeClr>
+          </a:solidFill>
+          <a:effectLst/>
+        </p:grpSpPr>
+        <p:sp>
+          <p:nvSpPr>
+            <p:cNvPr id="16" name="Rectangle 5">
+              <a:extLst>
+                <a:ext uri="{FF2B5EF4-FFF2-40B4-BE49-F238E27FC236}">
+                  <a16:creationId xmlns:a16="http://schemas.microsoft.com/office/drawing/2014/main" id="{6ADECFB2-F615-49A9-A242-A3D04CADB0B8}"/>
+                </a:ext>
+                <a:ext uri="{C183D7F6-B498-43B3-948B-1728B52AA6E4}">
+                  <adec:decorative xmlns:adec="http://schemas.microsoft.com/office/drawing/2017/decorative" val="1"/>
+                </a:ext>
+              </a:extLst>
+            </p:cNvPr>
+            <p:cNvSpPr>
+              <a:spLocks noChangeArrowheads="1"/>
+            </p:cNvSpPr>
+            <p:nvPr>
+              <p:extLst>
+                <p:ext uri="{386F3935-93C4-4BCD-93E2-E3B085C9AB24}">
+                  <p16:designElem xmlns:p16="http://schemas.microsoft.com/office/powerpoint/2015/main" val="1"/>
+                </p:ext>
+              </p:extLst>
+            </p:nvPr>
+          </p:nvSpPr>
+          <p:spPr bwMode="auto">
+            <a:xfrm>
+              <a:off x="1209675" y="4763"/>
+              <a:ext cx="23813" cy="2181225"/>
+            </a:xfrm>
+            <a:prstGeom prst="rect">
+              <a:avLst/>
+            </a:prstGeom>
+            <a:grpFill/>
+            <a:ln>
+              <a:noFill/>
+            </a:ln>
+            <a:extLst>
+              <a:ext uri="{91240B29-F687-4f45-9708-019B960494DF}">
+                <a14:hiddenLine xmlns="" xmlns:a16="http://schemas.microsoft.com/office/drawing/2014/main" xmlns:a14="http://schemas.microsoft.com/office/drawing/2010/main" xmlns:p14="http://schemas.microsoft.com/office/powerpoint/2010/main" w="9525">
+                  <a:solidFill>
+                    <a:srgbClr val="000000"/>
+                  </a:solidFill>
+                  <a:miter lim="800000"/>
+                  <a:headEnd/>
+                  <a:tailEnd/>
+                </a14:hiddenLine>
+              </a:ext>
+            </a:extLst>
+          </p:spPr>
+        </p:sp>
+        <p:sp>
+          <p:nvSpPr>
+            <p:cNvPr id="17" name="Freeform 6">
+              <a:extLst>
+                <a:ext uri="{FF2B5EF4-FFF2-40B4-BE49-F238E27FC236}">
+                  <a16:creationId xmlns:a16="http://schemas.microsoft.com/office/drawing/2014/main" id="{8E1F3AC6-5FF1-401B-91E4-180D1D35601C}"/>
+                </a:ext>
+                <a:ext uri="{C183D7F6-B498-43B3-948B-1728B52AA6E4}">
+                  <adec:decorative xmlns:adec="http://schemas.microsoft.com/office/drawing/2017/decorative" val="1"/>
+                </a:ext>
+              </a:extLst>
+            </p:cNvPr>
+            <p:cNvSpPr>
+              <a:spLocks noEditPoints="1"/>
+            </p:cNvSpPr>
+            <p:nvPr>
+              <p:extLst>
+                <p:ext uri="{386F3935-93C4-4BCD-93E2-E3B085C9AB24}">
+                  <p16:designElem xmlns:p16="http://schemas.microsoft.com/office/powerpoint/2015/main" val="1"/>
+                </p:ext>
+              </p:extLst>
+            </p:nvPr>
+          </p:nvSpPr>
+          <p:spPr bwMode="auto">
+            <a:xfrm>
+              <a:off x="1128713" y="2176463"/>
+              <a:ext cx="190500" cy="190500"/>
+            </a:xfrm>
+            <a:custGeom>
+              <a:avLst/>
+              <a:gdLst/>
+              <a:ahLst/>
+              <a:cxnLst/>
+              <a:rect l="0" t="0" r="r" b="b"/>
+              <a:pathLst>
+                <a:path w="40" h="40">
+                  <a:moveTo>
+                    <a:pt x="20" y="40"/>
+                  </a:moveTo>
+                  <a:cubicBezTo>
+                    <a:pt x="9" y="40"/>
+                    <a:pt x="0" y="31"/>
+                    <a:pt x="0" y="20"/>
+                  </a:cubicBezTo>
+                  <a:cubicBezTo>
+                    <a:pt x="0" y="9"/>
+                    <a:pt x="9" y="0"/>
+                    <a:pt x="20" y="0"/>
+                  </a:cubicBezTo>
+                  <a:cubicBezTo>
+                    <a:pt x="31" y="0"/>
+                    <a:pt x="40" y="9"/>
+                    <a:pt x="40" y="20"/>
+                  </a:cubicBezTo>
+                  <a:cubicBezTo>
+                    <a:pt x="40" y="31"/>
+                    <a:pt x="31" y="40"/>
+                    <a:pt x="20" y="40"/>
+                  </a:cubicBezTo>
+                  <a:close/>
+                  <a:moveTo>
+                    <a:pt x="20" y="4"/>
+                  </a:moveTo>
+                  <a:cubicBezTo>
+                    <a:pt x="11" y="4"/>
+                    <a:pt x="4" y="11"/>
+                    <a:pt x="4" y="20"/>
+                  </a:cubicBezTo>
+                  <a:cubicBezTo>
+                    <a:pt x="4" y="29"/>
+                    <a:pt x="11" y="36"/>
+                    <a:pt x="20" y="36"/>
+                  </a:cubicBezTo>
+                  <a:cubicBezTo>
+                    <a:pt x="28" y="36"/>
+                    <a:pt x="36" y="29"/>
+                    <a:pt x="36" y="20"/>
+                  </a:cubicBezTo>
+                  <a:cubicBezTo>
+                    <a:pt x="36" y="11"/>
+                    <a:pt x="28" y="4"/>
+                    <a:pt x="20" y="4"/>
+                  </a:cubicBezTo>
+                  <a:close/>
+                </a:path>
+              </a:pathLst>
+            </a:custGeom>
+            <a:grpFill/>
+            <a:ln>
+              <a:noFill/>
+            </a:ln>
+            <a:extLst>
+              <a:ext uri="{91240B29-F687-4f45-9708-019B960494DF}">
+                <a14:hiddenLine xmlns="" xmlns:a16="http://schemas.microsoft.com/office/drawing/2014/main" xmlns:a14="http://schemas.microsoft.com/office/drawing/2010/main" xmlns:p14="http://schemas.microsoft.com/office/powerpoint/2010/main" w="9525">
+                  <a:solidFill>
+                    <a:srgbClr val="000000"/>
+                  </a:solidFill>
+                  <a:round/>
+                  <a:headEnd/>
+                  <a:tailEnd/>
+                </a14:hiddenLine>
+              </a:ext>
+            </a:extLst>
+          </p:spPr>
+        </p:sp>
+        <p:sp>
+          <p:nvSpPr>
+            <p:cNvPr id="18" name="Freeform 7">
+              <a:extLst>
+                <a:ext uri="{FF2B5EF4-FFF2-40B4-BE49-F238E27FC236}">
+                  <a16:creationId xmlns:a16="http://schemas.microsoft.com/office/drawing/2014/main" id="{72BC7A9D-387B-4877-B8E6-E8ABA6B2655E}"/>
+                </a:ext>
+                <a:ext uri="{C183D7F6-B498-43B3-948B-1728B52AA6E4}">
+                  <adec:decorative xmlns:adec="http://schemas.microsoft.com/office/drawing/2017/decorative" val="1"/>
+                </a:ext>
+              </a:extLst>
+            </p:cNvPr>
+            <p:cNvSpPr>
+              <a:spLocks noEditPoints="1"/>
+            </p:cNvSpPr>
+            <p:nvPr>
+              <p:extLst>
+                <p:ext uri="{386F3935-93C4-4BCD-93E2-E3B085C9AB24}">
+                  <p16:designElem xmlns:p16="http://schemas.microsoft.com/office/powerpoint/2015/main" val="1"/>
+                </p:ext>
+              </p:extLst>
+            </p:nvPr>
+          </p:nvSpPr>
+          <p:spPr bwMode="auto">
+            <a:xfrm>
+              <a:off x="1123950" y="4021138"/>
+              <a:ext cx="190500" cy="188913"/>
+            </a:xfrm>
+            <a:custGeom>
+              <a:avLst/>
+              <a:gdLst/>
+              <a:ahLst/>
+              <a:cxnLst/>
+              <a:rect l="0" t="0" r="r" b="b"/>
+              <a:pathLst>
+                <a:path w="40" h="40">
+                  <a:moveTo>
+                    <a:pt x="20" y="40"/>
+                  </a:moveTo>
+                  <a:cubicBezTo>
+                    <a:pt x="9" y="40"/>
+                    <a:pt x="0" y="31"/>
+                    <a:pt x="0" y="20"/>
+                  </a:cubicBezTo>
+                  <a:cubicBezTo>
+                    <a:pt x="0" y="9"/>
+                    <a:pt x="9" y="0"/>
+                    <a:pt x="20" y="0"/>
+                  </a:cubicBezTo>
+                  <a:cubicBezTo>
+                    <a:pt x="31" y="0"/>
+                    <a:pt x="40" y="9"/>
+                    <a:pt x="40" y="20"/>
+                  </a:cubicBezTo>
+                  <a:cubicBezTo>
+                    <a:pt x="40" y="31"/>
+                    <a:pt x="31" y="40"/>
+                    <a:pt x="20" y="40"/>
+                  </a:cubicBezTo>
+                  <a:close/>
+                  <a:moveTo>
+                    <a:pt x="20" y="4"/>
+                  </a:moveTo>
+                  <a:cubicBezTo>
+                    <a:pt x="11" y="4"/>
+                    <a:pt x="4" y="11"/>
+                    <a:pt x="4" y="20"/>
+                  </a:cubicBezTo>
+                  <a:cubicBezTo>
+                    <a:pt x="4" y="29"/>
+                    <a:pt x="11" y="36"/>
+                    <a:pt x="20" y="36"/>
+                  </a:cubicBezTo>
+                  <a:cubicBezTo>
+                    <a:pt x="29" y="36"/>
+                    <a:pt x="36" y="29"/>
+                    <a:pt x="36" y="20"/>
+                  </a:cubicBezTo>
+                  <a:cubicBezTo>
+                    <a:pt x="36" y="11"/>
+                    <a:pt x="29" y="4"/>
+                    <a:pt x="20" y="4"/>
+                  </a:cubicBezTo>
+                  <a:close/>
+                </a:path>
+              </a:pathLst>
+            </a:custGeom>
+            <a:grpFill/>
+            <a:ln>
+              <a:noFill/>
+            </a:ln>
+            <a:extLst>
+              <a:ext uri="{91240B29-F687-4f45-9708-019B960494DF}">
+                <a14:hiddenLine xmlns="" xmlns:a16="http://schemas.microsoft.com/office/drawing/2014/main" xmlns:a14="http://schemas.microsoft.com/office/drawing/2010/main" xmlns:p14="http://schemas.microsoft.com/office/powerpoint/2010/main" w="9525">
+                  <a:solidFill>
+                    <a:srgbClr val="000000"/>
+                  </a:solidFill>
+                  <a:round/>
+                  <a:headEnd/>
+                  <a:tailEnd/>
+                </a14:hiddenLine>
+              </a:ext>
+            </a:extLst>
+          </p:spPr>
+        </p:sp>
+        <p:sp>
+          <p:nvSpPr>
+            <p:cNvPr id="19" name="Rectangle 8">
+              <a:extLst>
+                <a:ext uri="{FF2B5EF4-FFF2-40B4-BE49-F238E27FC236}">
+                  <a16:creationId xmlns:a16="http://schemas.microsoft.com/office/drawing/2014/main" id="{9114560A-27D6-469D-992E-33A55B40BA0E}"/>
+                </a:ext>
+                <a:ext uri="{C183D7F6-B498-43B3-948B-1728B52AA6E4}">
+                  <adec:decorative xmlns:adec="http://schemas.microsoft.com/office/drawing/2017/decorative" val="1"/>
+                </a:ext>
+              </a:extLst>
+            </p:cNvPr>
+            <p:cNvSpPr>
+              <a:spLocks noChangeArrowheads="1"/>
+            </p:cNvSpPr>
+            <p:nvPr>
+              <p:extLst>
+                <p:ext uri="{386F3935-93C4-4BCD-93E2-E3B085C9AB24}">
+                  <p16:designElem xmlns:p16="http://schemas.microsoft.com/office/powerpoint/2015/main" val="1"/>
+                </p:ext>
+              </p:extLst>
+            </p:nvPr>
+          </p:nvSpPr>
+          <p:spPr bwMode="auto">
+            <a:xfrm>
+              <a:off x="414338" y="9525"/>
+              <a:ext cx="28575" cy="4481513"/>
+            </a:xfrm>
+            <a:prstGeom prst="rect">
+              <a:avLst/>
+            </a:prstGeom>
+            <a:grpFill/>
+            <a:ln>
+              <a:noFill/>
+            </a:ln>
+            <a:extLst>
+              <a:ext uri="{91240B29-F687-4f45-9708-019B960494DF}">
+                <a14:hiddenLine xmlns="" xmlns:a16="http://schemas.microsoft.com/office/drawing/2014/main" xmlns:a14="http://schemas.microsoft.com/office/drawing/2010/main" xmlns:p14="http://schemas.microsoft.com/office/powerpoint/2010/main" w="9525">
+                  <a:solidFill>
+                    <a:srgbClr val="000000"/>
+                  </a:solidFill>
+                  <a:miter lim="800000"/>
+                  <a:headEnd/>
+                  <a:tailEnd/>
+                </a14:hiddenLine>
+              </a:ext>
+            </a:extLst>
+          </p:spPr>
+        </p:sp>
+        <p:sp>
+          <p:nvSpPr>
+            <p:cNvPr id="20" name="Freeform 9">
+              <a:extLst>
+                <a:ext uri="{FF2B5EF4-FFF2-40B4-BE49-F238E27FC236}">
+                  <a16:creationId xmlns:a16="http://schemas.microsoft.com/office/drawing/2014/main" id="{CBF136EF-7DC2-47D2-974C-70044B5E901C}"/>
+                </a:ext>
+                <a:ext uri="{C183D7F6-B498-43B3-948B-1728B52AA6E4}">
+                  <adec:decorative xmlns:adec="http://schemas.microsoft.com/office/drawing/2017/decorative" val="1"/>
+                </a:ext>
+              </a:extLst>
+            </p:cNvPr>
+            <p:cNvSpPr>
+              <a:spLocks noEditPoints="1"/>
+            </p:cNvSpPr>
+            <p:nvPr>
+              <p:extLst>
+                <p:ext uri="{386F3935-93C4-4BCD-93E2-E3B085C9AB24}">
+                  <p16:designElem xmlns:p16="http://schemas.microsoft.com/office/powerpoint/2015/main" val="1"/>
+                </p:ext>
+              </p:extLst>
+            </p:nvPr>
+          </p:nvSpPr>
+          <p:spPr bwMode="auto">
+            <a:xfrm>
+              <a:off x="333375" y="4481513"/>
+              <a:ext cx="190500" cy="190500"/>
+            </a:xfrm>
+            <a:custGeom>
+              <a:avLst/>
+              <a:gdLst/>
+              <a:ahLst/>
+              <a:cxnLst/>
+              <a:rect l="0" t="0" r="r" b="b"/>
+              <a:pathLst>
+                <a:path w="40" h="40">
+                  <a:moveTo>
+                    <a:pt x="20" y="40"/>
+                  </a:moveTo>
+                  <a:cubicBezTo>
+                    <a:pt x="9" y="40"/>
+                    <a:pt x="0" y="31"/>
+                    <a:pt x="0" y="20"/>
+                  </a:cubicBezTo>
+                  <a:cubicBezTo>
+                    <a:pt x="0" y="9"/>
+                    <a:pt x="9" y="0"/>
+                    <a:pt x="20" y="0"/>
+                  </a:cubicBezTo>
+                  <a:cubicBezTo>
+                    <a:pt x="31" y="0"/>
+                    <a:pt x="40" y="9"/>
+                    <a:pt x="40" y="20"/>
+                  </a:cubicBezTo>
+                  <a:cubicBezTo>
+                    <a:pt x="40" y="31"/>
+                    <a:pt x="31" y="40"/>
+                    <a:pt x="20" y="40"/>
+                  </a:cubicBezTo>
+                  <a:close/>
+                  <a:moveTo>
+                    <a:pt x="20" y="4"/>
+                  </a:moveTo>
+                  <a:cubicBezTo>
+                    <a:pt x="11" y="4"/>
+                    <a:pt x="4" y="11"/>
+                    <a:pt x="4" y="20"/>
+                  </a:cubicBezTo>
+                  <a:cubicBezTo>
+                    <a:pt x="4" y="29"/>
+                    <a:pt x="11" y="36"/>
+                    <a:pt x="20" y="36"/>
+                  </a:cubicBezTo>
+                  <a:cubicBezTo>
+                    <a:pt x="29" y="36"/>
+                    <a:pt x="36" y="29"/>
+                    <a:pt x="36" y="20"/>
+                  </a:cubicBezTo>
+                  <a:cubicBezTo>
+                    <a:pt x="36" y="11"/>
+                    <a:pt x="29" y="4"/>
+                    <a:pt x="20" y="4"/>
+                  </a:cubicBezTo>
+                  <a:close/>
+                </a:path>
+              </a:pathLst>
+            </a:custGeom>
+            <a:grpFill/>
+            <a:ln>
+              <a:noFill/>
+            </a:ln>
+            <a:extLst>
+              <a:ext uri="{91240B29-F687-4f45-9708-019B960494DF}">
+                <a14:hiddenLine xmlns="" xmlns:a16="http://schemas.microsoft.com/office/drawing/2014/main" xmlns:a14="http://schemas.microsoft.com/office/drawing/2010/main" xmlns:p14="http://schemas.microsoft.com/office/powerpoint/2010/main" w="9525">
+                  <a:solidFill>
+                    <a:srgbClr val="000000"/>
+                  </a:solidFill>
+                  <a:round/>
+                  <a:headEnd/>
+                  <a:tailEnd/>
+                </a14:hiddenLine>
+              </a:ext>
+            </a:extLst>
+          </p:spPr>
+        </p:sp>
+        <p:sp>
+          <p:nvSpPr>
+            <p:cNvPr id="21" name="Freeform 10">
+              <a:extLst>
+                <a:ext uri="{FF2B5EF4-FFF2-40B4-BE49-F238E27FC236}">
+                  <a16:creationId xmlns:a16="http://schemas.microsoft.com/office/drawing/2014/main" id="{6B03084D-F566-41C4-BE37-870FB5A0D1F6}"/>
+                </a:ext>
+                <a:ext uri="{C183D7F6-B498-43B3-948B-1728B52AA6E4}">
+                  <adec:decorative xmlns:adec="http://schemas.microsoft.com/office/drawing/2017/decorative" val="1"/>
+                </a:ext>
+              </a:extLst>
+            </p:cNvPr>
+            <p:cNvSpPr/>
+            <p:nvPr>
+              <p:extLst>
+                <p:ext uri="{386F3935-93C4-4BCD-93E2-E3B085C9AB24}">
+                  <p16:designElem xmlns:p16="http://schemas.microsoft.com/office/powerpoint/2015/main" val="1"/>
+                </p:ext>
+              </p:extLst>
+            </p:nvPr>
+          </p:nvSpPr>
+          <p:spPr bwMode="auto">
+            <a:xfrm>
+              <a:off x="190500" y="9525"/>
+              <a:ext cx="152400" cy="908050"/>
+            </a:xfrm>
+            <a:custGeom>
+              <a:avLst/>
+              <a:gdLst/>
+              <a:ahLst/>
+              <a:cxnLst/>
+              <a:rect l="0" t="0" r="r" b="b"/>
+              <a:pathLst>
+                <a:path w="96" h="572">
+                  <a:moveTo>
+                    <a:pt x="15" y="572"/>
+                  </a:moveTo>
+                  <a:lnTo>
+                    <a:pt x="0" y="566"/>
+                  </a:lnTo>
+                  <a:lnTo>
+                    <a:pt x="81" y="380"/>
+                  </a:lnTo>
+                  <a:lnTo>
+                    <a:pt x="81" y="0"/>
+                  </a:lnTo>
+                  <a:lnTo>
+                    <a:pt x="96" y="0"/>
+                  </a:lnTo>
+                  <a:lnTo>
+                    <a:pt x="96" y="383"/>
+                  </a:lnTo>
+                  <a:lnTo>
+                    <a:pt x="15" y="572"/>
+                  </a:lnTo>
+                  <a:close/>
+                </a:path>
+              </a:pathLst>
+            </a:custGeom>
+            <a:grpFill/>
+            <a:ln>
+              <a:noFill/>
+            </a:ln>
+            <a:extLst>
+              <a:ext uri="{91240B29-F687-4f45-9708-019B960494DF}">
+                <a14:hiddenLine xmlns="" xmlns:a16="http://schemas.microsoft.com/office/drawing/2014/main" xmlns:a14="http://schemas.microsoft.com/office/drawing/2010/main" xmlns:p14="http://schemas.microsoft.com/office/powerpoint/2010/main" w="9525">
+                  <a:solidFill>
+                    <a:srgbClr val="000000"/>
+                  </a:solidFill>
+                  <a:round/>
+                  <a:headEnd/>
+                  <a:tailEnd/>
+                </a14:hiddenLine>
+              </a:ext>
+            </a:extLst>
+          </p:spPr>
+        </p:sp>
+        <p:sp>
+          <p:nvSpPr>
+            <p:cNvPr id="22" name="Freeform 11">
+              <a:extLst>
+                <a:ext uri="{FF2B5EF4-FFF2-40B4-BE49-F238E27FC236}">
+                  <a16:creationId xmlns:a16="http://schemas.microsoft.com/office/drawing/2014/main" id="{049DC21B-8236-4901-9ADD-E3167ABDE9BE}"/>
+                </a:ext>
+                <a:ext uri="{C183D7F6-B498-43B3-948B-1728B52AA6E4}">
+                  <adec:decorative xmlns:adec="http://schemas.microsoft.com/office/drawing/2017/decorative" val="1"/>
+                </a:ext>
+              </a:extLst>
+            </p:cNvPr>
+            <p:cNvSpPr/>
+            <p:nvPr>
+              <p:extLst>
+                <p:ext uri="{386F3935-93C4-4BCD-93E2-E3B085C9AB24}">
+                  <p16:designElem xmlns:p16="http://schemas.microsoft.com/office/powerpoint/2015/main" val="1"/>
+                </p:ext>
+              </p:extLst>
+            </p:nvPr>
+          </p:nvSpPr>
+          <p:spPr bwMode="auto">
+            <a:xfrm>
+              <a:off x="1290638" y="14288"/>
+              <a:ext cx="376238" cy="1801813"/>
+            </a:xfrm>
+            <a:custGeom>
+              <a:avLst/>
+              <a:gdLst/>
+              <a:ahLst/>
+              <a:cxnLst/>
+              <a:rect l="0" t="0" r="r" b="b"/>
+              <a:pathLst>
+                <a:path w="237" h="1135">
+                  <a:moveTo>
+                    <a:pt x="222" y="1135"/>
+                  </a:moveTo>
+                  <a:lnTo>
+                    <a:pt x="0" y="620"/>
+                  </a:lnTo>
+                  <a:lnTo>
+                    <a:pt x="0" y="0"/>
+                  </a:lnTo>
+                  <a:lnTo>
+                    <a:pt x="18" y="0"/>
+                  </a:lnTo>
+                  <a:lnTo>
+                    <a:pt x="18" y="617"/>
+                  </a:lnTo>
+                  <a:lnTo>
+                    <a:pt x="237" y="1129"/>
+                  </a:lnTo>
+                  <a:lnTo>
+                    <a:pt x="222" y="1135"/>
+                  </a:lnTo>
+                  <a:close/>
+                </a:path>
+              </a:pathLst>
+            </a:custGeom>
+            <a:grpFill/>
+            <a:ln>
+              <a:noFill/>
+            </a:ln>
+            <a:extLst>
+              <a:ext uri="{91240B29-F687-4f45-9708-019B960494DF}">
+                <a14:hiddenLine xmlns="" xmlns:a16="http://schemas.microsoft.com/office/drawing/2014/main" xmlns:a14="http://schemas.microsoft.com/office/drawing/2010/main" xmlns:p14="http://schemas.microsoft.com/office/powerpoint/2010/main" w="9525">
+                  <a:solidFill>
+                    <a:srgbClr val="000000"/>
+                  </a:solidFill>
+                  <a:round/>
+                  <a:headEnd/>
+                  <a:tailEnd/>
+                </a14:hiddenLine>
+              </a:ext>
+            </a:extLst>
+          </p:spPr>
+        </p:sp>
+        <p:sp>
+          <p:nvSpPr>
+            <p:cNvPr id="23" name="Freeform 12">
+              <a:extLst>
+                <a:ext uri="{FF2B5EF4-FFF2-40B4-BE49-F238E27FC236}">
+                  <a16:creationId xmlns:a16="http://schemas.microsoft.com/office/drawing/2014/main" id="{304F4FEB-8B5B-45BA-988C-5FBF41059EC7}"/>
+                </a:ext>
+                <a:ext uri="{C183D7F6-B498-43B3-948B-1728B52AA6E4}">
+                  <adec:decorative xmlns:adec="http://schemas.microsoft.com/office/drawing/2017/decorative" val="1"/>
+                </a:ext>
+              </a:extLst>
+            </p:cNvPr>
+            <p:cNvSpPr>
+              <a:spLocks noEditPoints="1"/>
+            </p:cNvSpPr>
+            <p:nvPr>
+              <p:extLst>
+                <p:ext uri="{386F3935-93C4-4BCD-93E2-E3B085C9AB24}">
+                  <p16:designElem xmlns:p16="http://schemas.microsoft.com/office/powerpoint/2015/main" val="1"/>
+                </p:ext>
+              </p:extLst>
+            </p:nvPr>
+          </p:nvSpPr>
+          <p:spPr bwMode="auto">
+            <a:xfrm>
+              <a:off x="1600200" y="1801813"/>
+              <a:ext cx="190500" cy="188913"/>
+            </a:xfrm>
+            <a:custGeom>
+              <a:avLst/>
+              <a:gdLst/>
+              <a:ahLst/>
+              <a:cxnLst/>
+              <a:rect l="0" t="0" r="r" b="b"/>
+              <a:pathLst>
+                <a:path w="40" h="40">
+                  <a:moveTo>
+                    <a:pt x="20" y="40"/>
+                  </a:moveTo>
+                  <a:cubicBezTo>
+                    <a:pt x="9" y="40"/>
+                    <a:pt x="0" y="31"/>
+                    <a:pt x="0" y="20"/>
+                  </a:cubicBezTo>
+                  <a:cubicBezTo>
+                    <a:pt x="0" y="9"/>
+                    <a:pt x="9" y="0"/>
+                    <a:pt x="20" y="0"/>
+                  </a:cubicBezTo>
+                  <a:cubicBezTo>
+                    <a:pt x="31" y="0"/>
+                    <a:pt x="40" y="9"/>
+                    <a:pt x="40" y="20"/>
+                  </a:cubicBezTo>
+                  <a:cubicBezTo>
+                    <a:pt x="40" y="31"/>
+                    <a:pt x="31" y="40"/>
+                    <a:pt x="20" y="40"/>
+                  </a:cubicBezTo>
+                  <a:close/>
+                  <a:moveTo>
+                    <a:pt x="20" y="4"/>
+                  </a:moveTo>
+                  <a:cubicBezTo>
+                    <a:pt x="11" y="4"/>
+                    <a:pt x="4" y="11"/>
+                    <a:pt x="4" y="20"/>
+                  </a:cubicBezTo>
+                  <a:cubicBezTo>
+                    <a:pt x="4" y="29"/>
+                    <a:pt x="11" y="36"/>
+                    <a:pt x="20" y="36"/>
+                  </a:cubicBezTo>
+                  <a:cubicBezTo>
+                    <a:pt x="28" y="36"/>
+                    <a:pt x="36" y="29"/>
+                    <a:pt x="36" y="20"/>
+                  </a:cubicBezTo>
+                  <a:cubicBezTo>
+                    <a:pt x="36" y="11"/>
+                    <a:pt x="28" y="4"/>
+                    <a:pt x="20" y="4"/>
+                  </a:cubicBezTo>
+                  <a:close/>
+                </a:path>
+              </a:pathLst>
+            </a:custGeom>
+            <a:grpFill/>
+            <a:ln>
+              <a:noFill/>
+            </a:ln>
+            <a:extLst>
+              <a:ext uri="{91240B29-F687-4f45-9708-019B960494DF}">
+                <a14:hiddenLine xmlns="" xmlns:a16="http://schemas.microsoft.com/office/drawing/2014/main" xmlns:a14="http://schemas.microsoft.com/office/drawing/2010/main" xmlns:p14="http://schemas.microsoft.com/office/powerpoint/2010/main" w="9525">
+                  <a:solidFill>
+                    <a:srgbClr val="000000"/>
+                  </a:solidFill>
+                  <a:round/>
+                  <a:headEnd/>
+                  <a:tailEnd/>
+                </a14:hiddenLine>
+              </a:ext>
+            </a:extLst>
+          </p:spPr>
+        </p:sp>
+        <p:sp>
+          <p:nvSpPr>
+            <p:cNvPr id="24" name="Freeform 13">
+              <a:extLst>
+                <a:ext uri="{FF2B5EF4-FFF2-40B4-BE49-F238E27FC236}">
+                  <a16:creationId xmlns:a16="http://schemas.microsoft.com/office/drawing/2014/main" id="{E88E24C8-3D76-4C2F-84D1-BC3C2AACA4E5}"/>
+                </a:ext>
+                <a:ext uri="{C183D7F6-B498-43B3-948B-1728B52AA6E4}">
+                  <adec:decorative xmlns:adec="http://schemas.microsoft.com/office/drawing/2017/decorative" val="1"/>
+                </a:ext>
+              </a:extLst>
+            </p:cNvPr>
+            <p:cNvSpPr/>
+            <p:nvPr>
+              <p:extLst>
+                <p:ext uri="{386F3935-93C4-4BCD-93E2-E3B085C9AB24}">
+                  <p16:designElem xmlns:p16="http://schemas.microsoft.com/office/powerpoint/2015/main" val="1"/>
+                </p:ext>
+              </p:extLst>
+            </p:nvPr>
+          </p:nvSpPr>
+          <p:spPr bwMode="auto">
+            <a:xfrm>
+              <a:off x="1381125" y="9525"/>
+              <a:ext cx="371475" cy="1425575"/>
+            </a:xfrm>
+            <a:custGeom>
+              <a:avLst/>
+              <a:gdLst/>
+              <a:ahLst/>
+              <a:cxnLst/>
+              <a:rect l="0" t="0" r="r" b="b"/>
+              <a:pathLst>
+                <a:path w="234" h="898">
+                  <a:moveTo>
+                    <a:pt x="219" y="898"/>
+                  </a:moveTo>
+                  <a:lnTo>
+                    <a:pt x="0" y="383"/>
+                  </a:lnTo>
+                  <a:lnTo>
+                    <a:pt x="0" y="0"/>
+                  </a:lnTo>
+                  <a:lnTo>
+                    <a:pt x="15" y="0"/>
+                  </a:lnTo>
+                  <a:lnTo>
+                    <a:pt x="15" y="380"/>
+                  </a:lnTo>
+                  <a:lnTo>
+                    <a:pt x="234" y="892"/>
+                  </a:lnTo>
+                  <a:lnTo>
+                    <a:pt x="219" y="898"/>
+                  </a:lnTo>
+                  <a:close/>
+                </a:path>
+              </a:pathLst>
+            </a:custGeom>
+            <a:grpFill/>
+            <a:ln>
+              <a:noFill/>
+            </a:ln>
+            <a:extLst>
+              <a:ext uri="{91240B29-F687-4f45-9708-019B960494DF}">
+                <a14:hiddenLine xmlns="" xmlns:a16="http://schemas.microsoft.com/office/drawing/2014/main" xmlns:a14="http://schemas.microsoft.com/office/drawing/2010/main" xmlns:p14="http://schemas.microsoft.com/office/powerpoint/2010/main" w="9525">
+                  <a:solidFill>
+                    <a:srgbClr val="000000"/>
+                  </a:solidFill>
+                  <a:round/>
+                  <a:headEnd/>
+                  <a:tailEnd/>
+                </a14:hiddenLine>
+              </a:ext>
+            </a:extLst>
+          </p:spPr>
+        </p:sp>
+        <p:sp>
+          <p:nvSpPr>
+            <p:cNvPr id="25" name="Freeform 14">
+              <a:extLst>
+                <a:ext uri="{FF2B5EF4-FFF2-40B4-BE49-F238E27FC236}">
+                  <a16:creationId xmlns:a16="http://schemas.microsoft.com/office/drawing/2014/main" id="{91C91468-4F8A-42F1-9505-02D924178749}"/>
+                </a:ext>
+                <a:ext uri="{C183D7F6-B498-43B3-948B-1728B52AA6E4}">
+                  <adec:decorative xmlns:adec="http://schemas.microsoft.com/office/drawing/2017/decorative" val="1"/>
+                </a:ext>
+              </a:extLst>
+            </p:cNvPr>
+            <p:cNvSpPr/>
+            <p:nvPr>
+              <p:extLst>
+                <p:ext uri="{386F3935-93C4-4BCD-93E2-E3B085C9AB24}">
+                  <p16:designElem xmlns:p16="http://schemas.microsoft.com/office/powerpoint/2015/main" val="1"/>
+                </p:ext>
+              </p:extLst>
+            </p:nvPr>
+          </p:nvSpPr>
+          <p:spPr bwMode="auto">
+            <a:xfrm>
+              <a:off x="1643063" y="0"/>
+              <a:ext cx="152400" cy="912813"/>
+            </a:xfrm>
+            <a:custGeom>
+              <a:avLst/>
+              <a:gdLst/>
+              <a:ahLst/>
+              <a:cxnLst/>
+              <a:rect l="0" t="0" r="r" b="b"/>
+              <a:pathLst>
+                <a:path w="96" h="575">
+                  <a:moveTo>
+                    <a:pt x="96" y="575"/>
+                  </a:moveTo>
+                  <a:lnTo>
+                    <a:pt x="78" y="575"/>
+                  </a:lnTo>
+                  <a:lnTo>
+                    <a:pt x="78" y="192"/>
+                  </a:lnTo>
+                  <a:lnTo>
+                    <a:pt x="0" y="6"/>
+                  </a:lnTo>
+                  <a:lnTo>
+                    <a:pt x="15" y="0"/>
+                  </a:lnTo>
+                  <a:lnTo>
+                    <a:pt x="96" y="189"/>
+                  </a:lnTo>
+                  <a:lnTo>
+                    <a:pt x="96" y="575"/>
+                  </a:lnTo>
+                  <a:close/>
+                </a:path>
+              </a:pathLst>
+            </a:custGeom>
+            <a:grpFill/>
+            <a:ln>
+              <a:noFill/>
+            </a:ln>
+            <a:extLst>
+              <a:ext uri="{91240B29-F687-4f45-9708-019B960494DF}">
+                <a14:hiddenLine xmlns="" xmlns:a16="http://schemas.microsoft.com/office/drawing/2014/main" xmlns:a14="http://schemas.microsoft.com/office/drawing/2010/main" xmlns:p14="http://schemas.microsoft.com/office/powerpoint/2010/main" w="9525">
+                  <a:solidFill>
+                    <a:srgbClr val="000000"/>
+                  </a:solidFill>
+                  <a:round/>
+                  <a:headEnd/>
+                  <a:tailEnd/>
+                </a14:hiddenLine>
+              </a:ext>
+            </a:extLst>
+          </p:spPr>
+        </p:sp>
+        <p:sp>
+          <p:nvSpPr>
+            <p:cNvPr id="26" name="Freeform 15">
+              <a:extLst>
+                <a:ext uri="{FF2B5EF4-FFF2-40B4-BE49-F238E27FC236}">
+                  <a16:creationId xmlns:a16="http://schemas.microsoft.com/office/drawing/2014/main" id="{C22581B1-C426-4189-85D6-C499D6982FFA}"/>
+                </a:ext>
+                <a:ext uri="{C183D7F6-B498-43B3-948B-1728B52AA6E4}">
+                  <adec:decorative xmlns:adec="http://schemas.microsoft.com/office/drawing/2017/decorative" val="1"/>
+                </a:ext>
+              </a:extLst>
+            </p:cNvPr>
+            <p:cNvSpPr>
+              <a:spLocks noEditPoints="1"/>
+            </p:cNvSpPr>
+            <p:nvPr>
+              <p:extLst>
+                <p:ext uri="{386F3935-93C4-4BCD-93E2-E3B085C9AB24}">
+                  <p16:designElem xmlns:p16="http://schemas.microsoft.com/office/powerpoint/2015/main" val="1"/>
+                </p:ext>
+              </p:extLst>
+            </p:nvPr>
+          </p:nvSpPr>
+          <p:spPr bwMode="auto">
+            <a:xfrm>
+              <a:off x="1685925" y="1420813"/>
+              <a:ext cx="190500" cy="190500"/>
+            </a:xfrm>
+            <a:custGeom>
+              <a:avLst/>
+              <a:gdLst/>
+              <a:ahLst/>
+              <a:cxnLst/>
+              <a:rect l="0" t="0" r="r" b="b"/>
+              <a:pathLst>
+                <a:path w="40" h="40">
+                  <a:moveTo>
+                    <a:pt x="20" y="40"/>
+                  </a:moveTo>
+                  <a:cubicBezTo>
+                    <a:pt x="9" y="40"/>
+                    <a:pt x="0" y="31"/>
+                    <a:pt x="0" y="20"/>
+                  </a:cubicBezTo>
+                  <a:cubicBezTo>
+                    <a:pt x="0" y="9"/>
+                    <a:pt x="9" y="0"/>
+                    <a:pt x="20" y="0"/>
+                  </a:cubicBezTo>
+                  <a:cubicBezTo>
+                    <a:pt x="31" y="0"/>
+                    <a:pt x="40" y="9"/>
+                    <a:pt x="40" y="20"/>
+                  </a:cubicBezTo>
+                  <a:cubicBezTo>
+                    <a:pt x="40" y="31"/>
+                    <a:pt x="31" y="40"/>
+                    <a:pt x="20" y="40"/>
+                  </a:cubicBezTo>
+                  <a:close/>
+                  <a:moveTo>
+                    <a:pt x="20" y="4"/>
+                  </a:moveTo>
+                  <a:cubicBezTo>
+                    <a:pt x="11" y="4"/>
+                    <a:pt x="4" y="11"/>
+                    <a:pt x="4" y="20"/>
+                  </a:cubicBezTo>
+                  <a:cubicBezTo>
+                    <a:pt x="4" y="29"/>
+                    <a:pt x="11" y="36"/>
+                    <a:pt x="20" y="36"/>
+                  </a:cubicBezTo>
+                  <a:cubicBezTo>
+                    <a:pt x="29" y="36"/>
+                    <a:pt x="36" y="29"/>
+                    <a:pt x="36" y="20"/>
+                  </a:cubicBezTo>
+                  <a:cubicBezTo>
+                    <a:pt x="36" y="11"/>
+                    <a:pt x="29" y="4"/>
+                    <a:pt x="20" y="4"/>
+                  </a:cubicBezTo>
+                  <a:close/>
+                </a:path>
+              </a:pathLst>
+            </a:custGeom>
+            <a:grpFill/>
+            <a:ln>
+              <a:noFill/>
+            </a:ln>
+            <a:extLst>
+              <a:ext uri="{91240B29-F687-4f45-9708-019B960494DF}">
+                <a14:hiddenLine xmlns="" xmlns:a16="http://schemas.microsoft.com/office/drawing/2014/main" xmlns:a14="http://schemas.microsoft.com/office/drawing/2010/main" xmlns:p14="http://schemas.microsoft.com/office/powerpoint/2010/main" w="9525">
+                  <a:solidFill>
+                    <a:srgbClr val="000000"/>
+                  </a:solidFill>
+                  <a:round/>
+                  <a:headEnd/>
+                  <a:tailEnd/>
+                </a14:hiddenLine>
+              </a:ext>
+            </a:extLst>
+          </p:spPr>
+        </p:sp>
+        <p:sp>
+          <p:nvSpPr>
+            <p:cNvPr id="27" name="Freeform 16">
+              <a:extLst>
+                <a:ext uri="{FF2B5EF4-FFF2-40B4-BE49-F238E27FC236}">
+                  <a16:creationId xmlns:a16="http://schemas.microsoft.com/office/drawing/2014/main" id="{29DFD4C4-0517-4A6B-B423-E55582618D93}"/>
+                </a:ext>
+                <a:ext uri="{C183D7F6-B498-43B3-948B-1728B52AA6E4}">
+                  <adec:decorative xmlns:adec="http://schemas.microsoft.com/office/drawing/2017/decorative" val="1"/>
+                </a:ext>
+              </a:extLst>
+            </p:cNvPr>
+            <p:cNvSpPr>
+              <a:spLocks noEditPoints="1"/>
+            </p:cNvSpPr>
+            <p:nvPr>
+              <p:extLst>
+                <p:ext uri="{386F3935-93C4-4BCD-93E2-E3B085C9AB24}">
+                  <p16:designElem xmlns:p16="http://schemas.microsoft.com/office/powerpoint/2015/main" val="1"/>
+                </p:ext>
+              </p:extLst>
+            </p:nvPr>
+          </p:nvSpPr>
+          <p:spPr bwMode="auto">
+            <a:xfrm>
+              <a:off x="1685925" y="903288"/>
+              <a:ext cx="190500" cy="190500"/>
+            </a:xfrm>
+            <a:custGeom>
+              <a:avLst/>
+              <a:gdLst/>
+              <a:ahLst/>
+              <a:cxnLst/>
+              <a:rect l="0" t="0" r="r" b="b"/>
+              <a:pathLst>
+                <a:path w="40" h="40">
+                  <a:moveTo>
+                    <a:pt x="20" y="40"/>
+                  </a:moveTo>
+                  <a:cubicBezTo>
+                    <a:pt x="9" y="40"/>
+                    <a:pt x="0" y="31"/>
+                    <a:pt x="0" y="20"/>
+                  </a:cubicBezTo>
+                  <a:cubicBezTo>
+                    <a:pt x="0" y="9"/>
+                    <a:pt x="9" y="0"/>
+                    <a:pt x="20" y="0"/>
+                  </a:cubicBezTo>
+                  <a:cubicBezTo>
+                    <a:pt x="31" y="0"/>
+                    <a:pt x="40" y="9"/>
+                    <a:pt x="40" y="20"/>
+                  </a:cubicBezTo>
+                  <a:cubicBezTo>
+                    <a:pt x="40" y="31"/>
+                    <a:pt x="31" y="40"/>
+                    <a:pt x="20" y="40"/>
+                  </a:cubicBezTo>
+                  <a:close/>
+                  <a:moveTo>
+                    <a:pt x="20" y="4"/>
+                  </a:moveTo>
+                  <a:cubicBezTo>
+                    <a:pt x="11" y="4"/>
+                    <a:pt x="4" y="11"/>
+                    <a:pt x="4" y="20"/>
+                  </a:cubicBezTo>
+                  <a:cubicBezTo>
+                    <a:pt x="4" y="29"/>
+                    <a:pt x="11" y="36"/>
+                    <a:pt x="20" y="36"/>
+                  </a:cubicBezTo>
+                  <a:cubicBezTo>
+                    <a:pt x="29" y="36"/>
+                    <a:pt x="36" y="29"/>
+                    <a:pt x="36" y="20"/>
+                  </a:cubicBezTo>
+                  <a:cubicBezTo>
+                    <a:pt x="36" y="11"/>
+                    <a:pt x="29" y="4"/>
+                    <a:pt x="20" y="4"/>
+                  </a:cubicBezTo>
+                  <a:close/>
+                </a:path>
+              </a:pathLst>
+            </a:custGeom>
+            <a:grpFill/>
+            <a:ln>
+              <a:noFill/>
+            </a:ln>
+            <a:extLst>
+              <a:ext uri="{91240B29-F687-4f45-9708-019B960494DF}">
+                <a14:hiddenLine xmlns="" xmlns:a16="http://schemas.microsoft.com/office/drawing/2014/main" xmlns:a14="http://schemas.microsoft.com/office/drawing/2010/main" xmlns:p14="http://schemas.microsoft.com/office/powerpoint/2010/main" w="9525">
+                  <a:solidFill>
+                    <a:srgbClr val="000000"/>
+                  </a:solidFill>
+                  <a:round/>
+                  <a:headEnd/>
+                  <a:tailEnd/>
+                </a14:hiddenLine>
+              </a:ext>
+            </a:extLst>
+          </p:spPr>
+        </p:sp>
+        <p:sp>
+          <p:nvSpPr>
+            <p:cNvPr id="28" name="Freeform 17">
+              <a:extLst>
+                <a:ext uri="{FF2B5EF4-FFF2-40B4-BE49-F238E27FC236}">
+                  <a16:creationId xmlns:a16="http://schemas.microsoft.com/office/drawing/2014/main" id="{7ACD84D3-D09D-4C94-99D5-51713A1D6B25}"/>
+                </a:ext>
+                <a:ext uri="{C183D7F6-B498-43B3-948B-1728B52AA6E4}">
+                  <adec:decorative xmlns:adec="http://schemas.microsoft.com/office/drawing/2017/decorative" val="1"/>
+                </a:ext>
+              </a:extLst>
+            </p:cNvPr>
+            <p:cNvSpPr/>
+            <p:nvPr>
+              <p:extLst>
+                <p:ext uri="{386F3935-93C4-4BCD-93E2-E3B085C9AB24}">
+                  <p16:designElem xmlns:p16="http://schemas.microsoft.com/office/powerpoint/2015/main" val="1"/>
+                </p:ext>
+              </p:extLst>
+            </p:nvPr>
+          </p:nvSpPr>
+          <p:spPr bwMode="auto">
+            <a:xfrm>
+              <a:off x="1743075" y="4763"/>
+              <a:ext cx="419100" cy="522288"/>
+            </a:xfrm>
+            <a:custGeom>
+              <a:avLst/>
+              <a:gdLst/>
+              <a:ahLst/>
+              <a:cxnLst/>
+              <a:rect l="0" t="0" r="r" b="b"/>
+              <a:pathLst>
+                <a:path w="264" h="329">
+                  <a:moveTo>
+                    <a:pt x="252" y="329"/>
+                  </a:moveTo>
+                  <a:lnTo>
+                    <a:pt x="45" y="120"/>
+                  </a:lnTo>
+                  <a:lnTo>
+                    <a:pt x="0" y="6"/>
+                  </a:lnTo>
+                  <a:lnTo>
+                    <a:pt x="15" y="0"/>
+                  </a:lnTo>
+                  <a:lnTo>
+                    <a:pt x="60" y="111"/>
+                  </a:lnTo>
+                  <a:lnTo>
+                    <a:pt x="264" y="317"/>
+                  </a:lnTo>
+                  <a:lnTo>
+                    <a:pt x="252" y="329"/>
+                  </a:lnTo>
+                  <a:close/>
+                </a:path>
+              </a:pathLst>
+            </a:custGeom>
+            <a:grpFill/>
+            <a:ln>
+              <a:noFill/>
+            </a:ln>
+            <a:extLst>
+              <a:ext uri="{91240B29-F687-4f45-9708-019B960494DF}">
+                <a14:hiddenLine xmlns="" xmlns:a16="http://schemas.microsoft.com/office/drawing/2014/main" xmlns:a14="http://schemas.microsoft.com/office/drawing/2010/main" xmlns:p14="http://schemas.microsoft.com/office/powerpoint/2010/main" w="9525">
+                  <a:solidFill>
+                    <a:srgbClr val="000000"/>
+                  </a:solidFill>
+                  <a:round/>
+                  <a:headEnd/>
+                  <a:tailEnd/>
+                </a14:hiddenLine>
+              </a:ext>
+            </a:extLst>
+          </p:spPr>
+        </p:sp>
+        <p:sp>
+          <p:nvSpPr>
+            <p:cNvPr id="29" name="Freeform 18">
+              <a:extLst>
+                <a:ext uri="{FF2B5EF4-FFF2-40B4-BE49-F238E27FC236}">
+                  <a16:creationId xmlns:a16="http://schemas.microsoft.com/office/drawing/2014/main" id="{37C2AEAB-1CC9-4A9A-8303-E1E0C12168A1}"/>
+                </a:ext>
+                <a:ext uri="{C183D7F6-B498-43B3-948B-1728B52AA6E4}">
+                  <adec:decorative xmlns:adec="http://schemas.microsoft.com/office/drawing/2017/decorative" val="1"/>
+                </a:ext>
+              </a:extLst>
+            </p:cNvPr>
+            <p:cNvSpPr>
+              <a:spLocks noEditPoints="1"/>
+            </p:cNvSpPr>
+            <p:nvPr>
+              <p:extLst>
+                <p:ext uri="{386F3935-93C4-4BCD-93E2-E3B085C9AB24}">
+                  <p16:designElem xmlns:p16="http://schemas.microsoft.com/office/powerpoint/2015/main" val="1"/>
+                </p:ext>
+              </p:extLst>
+            </p:nvPr>
+          </p:nvSpPr>
+          <p:spPr bwMode="auto">
+            <a:xfrm>
+              <a:off x="2119313" y="488950"/>
+              <a:ext cx="161925" cy="147638"/>
+            </a:xfrm>
+            <a:custGeom>
+              <a:avLst/>
+              <a:gdLst/>
+              <a:ahLst/>
+              <a:cxnLst/>
+              <a:rect l="0" t="0" r="r" b="b"/>
+              <a:pathLst>
+                <a:path w="34" h="31">
+                  <a:moveTo>
+                    <a:pt x="17" y="31"/>
+                  </a:moveTo>
+                  <a:cubicBezTo>
+                    <a:pt x="13" y="31"/>
+                    <a:pt x="9" y="30"/>
+                    <a:pt x="6" y="27"/>
+                  </a:cubicBezTo>
+                  <a:cubicBezTo>
+                    <a:pt x="0" y="20"/>
+                    <a:pt x="0" y="10"/>
+                    <a:pt x="6" y="4"/>
+                  </a:cubicBezTo>
+                  <a:cubicBezTo>
+                    <a:pt x="9" y="1"/>
+                    <a:pt x="13" y="0"/>
+                    <a:pt x="17" y="0"/>
+                  </a:cubicBezTo>
+                  <a:cubicBezTo>
+                    <a:pt x="21" y="0"/>
+                    <a:pt x="25" y="1"/>
+                    <a:pt x="28" y="4"/>
+                  </a:cubicBezTo>
+                  <a:cubicBezTo>
+                    <a:pt x="34" y="10"/>
+                    <a:pt x="34" y="20"/>
+                    <a:pt x="28" y="27"/>
+                  </a:cubicBezTo>
+                  <a:cubicBezTo>
+                    <a:pt x="25" y="30"/>
+                    <a:pt x="21" y="31"/>
+                    <a:pt x="17" y="31"/>
+                  </a:cubicBezTo>
+                  <a:close/>
+                  <a:moveTo>
+                    <a:pt x="17" y="4"/>
+                  </a:moveTo>
+                  <a:cubicBezTo>
+                    <a:pt x="14" y="4"/>
+                    <a:pt x="11" y="5"/>
+                    <a:pt x="9" y="7"/>
+                  </a:cubicBezTo>
+                  <a:cubicBezTo>
+                    <a:pt x="4" y="12"/>
+                    <a:pt x="4" y="19"/>
+                    <a:pt x="9" y="24"/>
+                  </a:cubicBezTo>
+                  <a:cubicBezTo>
+                    <a:pt x="11" y="26"/>
+                    <a:pt x="14" y="27"/>
+                    <a:pt x="17" y="27"/>
+                  </a:cubicBezTo>
+                  <a:cubicBezTo>
+                    <a:pt x="20" y="27"/>
+                    <a:pt x="23" y="26"/>
+                    <a:pt x="25" y="24"/>
+                  </a:cubicBezTo>
+                  <a:cubicBezTo>
+                    <a:pt x="30" y="19"/>
+                    <a:pt x="30" y="12"/>
+                    <a:pt x="25" y="7"/>
+                  </a:cubicBezTo>
+                  <a:cubicBezTo>
+                    <a:pt x="23" y="5"/>
+                    <a:pt x="20" y="4"/>
+                    <a:pt x="17" y="4"/>
+                  </a:cubicBezTo>
+                  <a:close/>
+                </a:path>
+              </a:pathLst>
+            </a:custGeom>
+            <a:grpFill/>
+            <a:ln>
+              <a:noFill/>
+            </a:ln>
+            <a:extLst>
+              <a:ext uri="{91240B29-F687-4f45-9708-019B960494DF}">
+                <a14:hiddenLine xmlns="" xmlns:a16="http://schemas.microsoft.com/office/drawing/2014/main" xmlns:a14="http://schemas.microsoft.com/office/drawing/2010/main" xmlns:p14="http://schemas.microsoft.com/office/powerpoint/2010/main" w="9525">
+                  <a:solidFill>
+                    <a:srgbClr val="000000"/>
+                  </a:solidFill>
+                  <a:round/>
+                  <a:headEnd/>
+                  <a:tailEnd/>
+                </a14:hiddenLine>
+              </a:ext>
+            </a:extLst>
+          </p:spPr>
+        </p:sp>
+        <p:sp>
+          <p:nvSpPr>
+            <p:cNvPr id="30" name="Freeform 19">
+              <a:extLst>
+                <a:ext uri="{FF2B5EF4-FFF2-40B4-BE49-F238E27FC236}">
+                  <a16:creationId xmlns:a16="http://schemas.microsoft.com/office/drawing/2014/main" id="{20ABD348-58FE-4371-AE12-C66FF8CAC3A6}"/>
+                </a:ext>
+                <a:ext uri="{C183D7F6-B498-43B3-948B-1728B52AA6E4}">
+                  <adec:decorative xmlns:adec="http://schemas.microsoft.com/office/drawing/2017/decorative" val="1"/>
+                </a:ext>
+              </a:extLst>
+            </p:cNvPr>
+            <p:cNvSpPr/>
+            <p:nvPr>
+              <p:extLst>
+                <p:ext uri="{386F3935-93C4-4BCD-93E2-E3B085C9AB24}">
+                  <p16:designElem xmlns:p16="http://schemas.microsoft.com/office/powerpoint/2015/main" val="1"/>
+                </p:ext>
+              </p:extLst>
+            </p:nvPr>
+          </p:nvSpPr>
+          <p:spPr bwMode="auto">
+            <a:xfrm>
+              <a:off x="952500" y="4763"/>
+              <a:ext cx="152400" cy="908050"/>
+            </a:xfrm>
+            <a:custGeom>
+              <a:avLst/>
+              <a:gdLst/>
+              <a:ahLst/>
+              <a:cxnLst/>
+              <a:rect l="0" t="0" r="r" b="b"/>
+              <a:pathLst>
+                <a:path w="96" h="572">
+                  <a:moveTo>
+                    <a:pt x="15" y="572"/>
+                  </a:moveTo>
+                  <a:lnTo>
+                    <a:pt x="0" y="572"/>
+                  </a:lnTo>
+                  <a:lnTo>
+                    <a:pt x="0" y="189"/>
+                  </a:lnTo>
+                  <a:lnTo>
+                    <a:pt x="81" y="0"/>
+                  </a:lnTo>
+                  <a:lnTo>
+                    <a:pt x="96" y="6"/>
+                  </a:lnTo>
+                  <a:lnTo>
+                    <a:pt x="15" y="192"/>
+                  </a:lnTo>
+                  <a:lnTo>
+                    <a:pt x="15" y="572"/>
+                  </a:lnTo>
+                  <a:close/>
+                </a:path>
+              </a:pathLst>
+            </a:custGeom>
+            <a:grpFill/>
+            <a:ln>
+              <a:noFill/>
+            </a:ln>
+            <a:extLst>
+              <a:ext uri="{91240B29-F687-4f45-9708-019B960494DF}">
+                <a14:hiddenLine xmlns="" xmlns:a16="http://schemas.microsoft.com/office/drawing/2014/main" xmlns:a14="http://schemas.microsoft.com/office/drawing/2010/main" xmlns:p14="http://schemas.microsoft.com/office/powerpoint/2010/main" w="9525">
+                  <a:solidFill>
+                    <a:srgbClr val="000000"/>
+                  </a:solidFill>
+                  <a:round/>
+                  <a:headEnd/>
+                  <a:tailEnd/>
+                </a14:hiddenLine>
+              </a:ext>
+            </a:extLst>
+          </p:spPr>
+        </p:sp>
+        <p:sp>
+          <p:nvSpPr>
+            <p:cNvPr id="31" name="Freeform 20">
+              <a:extLst>
+                <a:ext uri="{FF2B5EF4-FFF2-40B4-BE49-F238E27FC236}">
+                  <a16:creationId xmlns:a16="http://schemas.microsoft.com/office/drawing/2014/main" id="{408E0FAA-F0C5-4CB1-95FE-D3D96830FCE2}"/>
+                </a:ext>
+                <a:ext uri="{C183D7F6-B498-43B3-948B-1728B52AA6E4}">
+                  <adec:decorative xmlns:adec="http://schemas.microsoft.com/office/drawing/2017/decorative" val="1"/>
+                </a:ext>
+              </a:extLst>
+            </p:cNvPr>
+            <p:cNvSpPr>
+              <a:spLocks noEditPoints="1"/>
+            </p:cNvSpPr>
+            <p:nvPr>
+              <p:extLst>
+                <p:ext uri="{386F3935-93C4-4BCD-93E2-E3B085C9AB24}">
+                  <p16:designElem xmlns:p16="http://schemas.microsoft.com/office/powerpoint/2015/main" val="1"/>
+                </p:ext>
+              </p:extLst>
+            </p:nvPr>
+          </p:nvSpPr>
+          <p:spPr bwMode="auto">
+            <a:xfrm>
+              <a:off x="866775" y="903288"/>
+              <a:ext cx="190500" cy="190500"/>
+            </a:xfrm>
+            <a:custGeom>
+              <a:avLst/>
+              <a:gdLst/>
+              <a:ahLst/>
+              <a:cxnLst/>
+              <a:rect l="0" t="0" r="r" b="b"/>
+              <a:pathLst>
+                <a:path w="40" h="40">
+                  <a:moveTo>
+                    <a:pt x="20" y="40"/>
+                  </a:moveTo>
+                  <a:cubicBezTo>
+                    <a:pt x="9" y="40"/>
+                    <a:pt x="0" y="31"/>
+                    <a:pt x="0" y="20"/>
+                  </a:cubicBezTo>
+                  <a:cubicBezTo>
+                    <a:pt x="0" y="9"/>
+                    <a:pt x="9" y="0"/>
+                    <a:pt x="20" y="0"/>
+                  </a:cubicBezTo>
+                  <a:cubicBezTo>
+                    <a:pt x="31" y="0"/>
+                    <a:pt x="40" y="9"/>
+                    <a:pt x="40" y="20"/>
+                  </a:cubicBezTo>
+                  <a:cubicBezTo>
+                    <a:pt x="40" y="31"/>
+                    <a:pt x="31" y="40"/>
+                    <a:pt x="20" y="40"/>
+                  </a:cubicBezTo>
+                  <a:close/>
+                  <a:moveTo>
+                    <a:pt x="20" y="4"/>
+                  </a:moveTo>
+                  <a:cubicBezTo>
+                    <a:pt x="11" y="4"/>
+                    <a:pt x="4" y="12"/>
+                    <a:pt x="4" y="20"/>
+                  </a:cubicBezTo>
+                  <a:cubicBezTo>
+                    <a:pt x="4" y="29"/>
+                    <a:pt x="11" y="36"/>
+                    <a:pt x="20" y="36"/>
+                  </a:cubicBezTo>
+                  <a:cubicBezTo>
+                    <a:pt x="29" y="36"/>
+                    <a:pt x="36" y="29"/>
+                    <a:pt x="36" y="20"/>
+                  </a:cubicBezTo>
+                  <a:cubicBezTo>
+                    <a:pt x="36" y="12"/>
+                    <a:pt x="29" y="4"/>
+                    <a:pt x="20" y="4"/>
+                  </a:cubicBezTo>
+                  <a:close/>
+                </a:path>
+              </a:pathLst>
+            </a:custGeom>
+            <a:grpFill/>
+            <a:ln>
+              <a:noFill/>
+            </a:ln>
+            <a:extLst>
+              <a:ext uri="{91240B29-F687-4f45-9708-019B960494DF}">
+                <a14:hiddenLine xmlns="" xmlns:a16="http://schemas.microsoft.com/office/drawing/2014/main" xmlns:a14="http://schemas.microsoft.com/office/drawing/2010/main" xmlns:p14="http://schemas.microsoft.com/office/powerpoint/2010/main" w="9525">
+                  <a:solidFill>
+                    <a:srgbClr val="000000"/>
+                  </a:solidFill>
+                  <a:round/>
+                  <a:headEnd/>
+                  <a:tailEnd/>
+                </a14:hiddenLine>
+              </a:ext>
+            </a:extLst>
+          </p:spPr>
+        </p:sp>
+        <p:sp>
+          <p:nvSpPr>
+            <p:cNvPr id="32" name="Freeform 21">
+              <a:extLst>
+                <a:ext uri="{FF2B5EF4-FFF2-40B4-BE49-F238E27FC236}">
+                  <a16:creationId xmlns:a16="http://schemas.microsoft.com/office/drawing/2014/main" id="{F83C789F-2881-4822-A724-567720953F59}"/>
+                </a:ext>
+                <a:ext uri="{C183D7F6-B498-43B3-948B-1728B52AA6E4}">
+                  <adec:decorative xmlns:adec="http://schemas.microsoft.com/office/drawing/2017/decorative" val="1"/>
+                </a:ext>
+              </a:extLst>
+            </p:cNvPr>
+            <p:cNvSpPr>
+              <a:spLocks noEditPoints="1"/>
+            </p:cNvSpPr>
+            <p:nvPr>
+              <p:extLst>
+                <p:ext uri="{386F3935-93C4-4BCD-93E2-E3B085C9AB24}">
+                  <p16:designElem xmlns:p16="http://schemas.microsoft.com/office/powerpoint/2015/main" val="1"/>
+                </p:ext>
+              </p:extLst>
+            </p:nvPr>
+          </p:nvSpPr>
+          <p:spPr bwMode="auto">
+            <a:xfrm>
+              <a:off x="890588" y="1554163"/>
+              <a:ext cx="190500" cy="190500"/>
+            </a:xfrm>
+            <a:custGeom>
+              <a:avLst/>
+              <a:gdLst/>
+              <a:ahLst/>
+              <a:cxnLst/>
+              <a:rect l="0" t="0" r="r" b="b"/>
+              <a:pathLst>
+                <a:path w="40" h="40">
+                  <a:moveTo>
+                    <a:pt x="20" y="40"/>
+                  </a:moveTo>
+                  <a:cubicBezTo>
+                    <a:pt x="9" y="40"/>
+                    <a:pt x="0" y="31"/>
+                    <a:pt x="0" y="20"/>
+                  </a:cubicBezTo>
+                  <a:cubicBezTo>
+                    <a:pt x="0" y="9"/>
+                    <a:pt x="9" y="0"/>
+                    <a:pt x="20" y="0"/>
+                  </a:cubicBezTo>
+                  <a:cubicBezTo>
+                    <a:pt x="31" y="0"/>
+                    <a:pt x="40" y="9"/>
+                    <a:pt x="40" y="20"/>
+                  </a:cubicBezTo>
+                  <a:cubicBezTo>
+                    <a:pt x="40" y="31"/>
+                    <a:pt x="31" y="40"/>
+                    <a:pt x="20" y="40"/>
+                  </a:cubicBezTo>
+                  <a:close/>
+                  <a:moveTo>
+                    <a:pt x="20" y="4"/>
+                  </a:moveTo>
+                  <a:cubicBezTo>
+                    <a:pt x="11" y="4"/>
+                    <a:pt x="4" y="11"/>
+                    <a:pt x="4" y="20"/>
+                  </a:cubicBezTo>
+                  <a:cubicBezTo>
+                    <a:pt x="4" y="28"/>
+                    <a:pt x="11" y="36"/>
+                    <a:pt x="20" y="36"/>
+                  </a:cubicBezTo>
+                  <a:cubicBezTo>
+                    <a:pt x="29" y="36"/>
+                    <a:pt x="36" y="28"/>
+                    <a:pt x="36" y="20"/>
+                  </a:cubicBezTo>
+                  <a:cubicBezTo>
+                    <a:pt x="36" y="11"/>
+                    <a:pt x="29" y="4"/>
+                    <a:pt x="20" y="4"/>
+                  </a:cubicBezTo>
+                  <a:close/>
+                </a:path>
+              </a:pathLst>
+            </a:custGeom>
+            <a:grpFill/>
+            <a:ln>
+              <a:noFill/>
+            </a:ln>
+            <a:extLst>
+              <a:ext uri="{91240B29-F687-4f45-9708-019B960494DF}">
+                <a14:hiddenLine xmlns="" xmlns:a16="http://schemas.microsoft.com/office/drawing/2014/main" xmlns:a14="http://schemas.microsoft.com/office/drawing/2010/main" xmlns:p14="http://schemas.microsoft.com/office/powerpoint/2010/main" w="9525">
+                  <a:solidFill>
+                    <a:srgbClr val="000000"/>
+                  </a:solidFill>
+                  <a:round/>
+                  <a:headEnd/>
+                  <a:tailEnd/>
+                </a14:hiddenLine>
+              </a:ext>
+            </a:extLst>
+          </p:spPr>
+        </p:sp>
+        <p:sp>
+          <p:nvSpPr>
+            <p:cNvPr id="33" name="Freeform 22">
+              <a:extLst>
+                <a:ext uri="{FF2B5EF4-FFF2-40B4-BE49-F238E27FC236}">
+                  <a16:creationId xmlns:a16="http://schemas.microsoft.com/office/drawing/2014/main" id="{6B039120-5C84-4A03-9ADD-32EA6E5D4446}"/>
+                </a:ext>
+                <a:ext uri="{C183D7F6-B498-43B3-948B-1728B52AA6E4}">
+                  <adec:decorative xmlns:adec="http://schemas.microsoft.com/office/drawing/2017/decorative" val="1"/>
+                </a:ext>
+              </a:extLst>
+            </p:cNvPr>
+            <p:cNvSpPr/>
+            <p:nvPr>
+              <p:extLst>
+                <p:ext uri="{386F3935-93C4-4BCD-93E2-E3B085C9AB24}">
+                  <p16:designElem xmlns:p16="http://schemas.microsoft.com/office/powerpoint/2015/main" val="1"/>
+                </p:ext>
+              </p:extLst>
+            </p:nvPr>
+          </p:nvSpPr>
+          <p:spPr bwMode="auto">
+            <a:xfrm>
+              <a:off x="738188" y="5622925"/>
+              <a:ext cx="338138" cy="1216025"/>
+            </a:xfrm>
+            <a:custGeom>
+              <a:avLst/>
+              <a:gdLst/>
+              <a:ahLst/>
+              <a:cxnLst/>
+              <a:rect l="0" t="0" r="r" b="b"/>
+              <a:pathLst>
+                <a:path w="213" h="766">
+                  <a:moveTo>
+                    <a:pt x="213" y="766"/>
+                  </a:moveTo>
+                  <a:lnTo>
+                    <a:pt x="195" y="766"/>
+                  </a:lnTo>
+                  <a:lnTo>
+                    <a:pt x="195" y="464"/>
+                  </a:lnTo>
+                  <a:lnTo>
+                    <a:pt x="0" y="6"/>
+                  </a:lnTo>
+                  <a:lnTo>
+                    <a:pt x="12" y="0"/>
+                  </a:lnTo>
+                  <a:lnTo>
+                    <a:pt x="213" y="461"/>
+                  </a:lnTo>
+                  <a:lnTo>
+                    <a:pt x="213" y="766"/>
+                  </a:lnTo>
+                  <a:close/>
+                </a:path>
+              </a:pathLst>
+            </a:custGeom>
+            <a:grpFill/>
+            <a:ln>
+              <a:noFill/>
+            </a:ln>
+            <a:extLst>
+              <a:ext uri="{91240B29-F687-4f45-9708-019B960494DF}">
+                <a14:hiddenLine xmlns="" xmlns:a16="http://schemas.microsoft.com/office/drawing/2014/main" xmlns:a14="http://schemas.microsoft.com/office/drawing/2010/main" xmlns:p14="http://schemas.microsoft.com/office/powerpoint/2010/main" w="9525">
+                  <a:solidFill>
+                    <a:srgbClr val="000000"/>
+                  </a:solidFill>
+                  <a:round/>
+                  <a:headEnd/>
+                  <a:tailEnd/>
+                </a14:hiddenLine>
+              </a:ext>
+            </a:extLst>
+          </p:spPr>
+        </p:sp>
+        <p:sp>
+          <p:nvSpPr>
+            <p:cNvPr id="34" name="Freeform 23">
+              <a:extLst>
+                <a:ext uri="{FF2B5EF4-FFF2-40B4-BE49-F238E27FC236}">
+                  <a16:creationId xmlns:a16="http://schemas.microsoft.com/office/drawing/2014/main" id="{440E956F-26EB-40C6-B500-1A4BB4ABF759}"/>
+                </a:ext>
+                <a:ext uri="{C183D7F6-B498-43B3-948B-1728B52AA6E4}">
+                  <adec:decorative xmlns:adec="http://schemas.microsoft.com/office/drawing/2017/decorative" val="1"/>
+                </a:ext>
+              </a:extLst>
+            </p:cNvPr>
+            <p:cNvSpPr>
+              <a:spLocks noEditPoints="1"/>
+            </p:cNvSpPr>
+            <p:nvPr>
+              <p:extLst>
+                <p:ext uri="{386F3935-93C4-4BCD-93E2-E3B085C9AB24}">
+                  <p16:designElem xmlns:p16="http://schemas.microsoft.com/office/powerpoint/2015/main" val="1"/>
+                </p:ext>
+              </p:extLst>
+            </p:nvPr>
+          </p:nvSpPr>
+          <p:spPr bwMode="auto">
+            <a:xfrm>
+              <a:off x="647700" y="5480050"/>
+              <a:ext cx="157163" cy="157163"/>
+            </a:xfrm>
+            <a:custGeom>
+              <a:avLst/>
+              <a:gdLst/>
+              <a:ahLst/>
+              <a:cxnLst/>
+              <a:rect l="0" t="0" r="r" b="b"/>
+              <a:pathLst>
+                <a:path w="33" h="33">
+                  <a:moveTo>
+                    <a:pt x="17" y="33"/>
+                  </a:moveTo>
+                  <a:cubicBezTo>
+                    <a:pt x="8" y="33"/>
+                    <a:pt x="0" y="26"/>
+                    <a:pt x="0" y="17"/>
+                  </a:cubicBezTo>
+                  <a:cubicBezTo>
+                    <a:pt x="0" y="8"/>
+                    <a:pt x="8" y="0"/>
+                    <a:pt x="17" y="0"/>
+                  </a:cubicBezTo>
+                  <a:cubicBezTo>
+                    <a:pt x="26" y="0"/>
+                    <a:pt x="33" y="8"/>
+                    <a:pt x="33" y="17"/>
+                  </a:cubicBezTo>
+                  <a:cubicBezTo>
+                    <a:pt x="33" y="26"/>
+                    <a:pt x="26" y="33"/>
+                    <a:pt x="17" y="33"/>
+                  </a:cubicBezTo>
+                  <a:close/>
+                  <a:moveTo>
+                    <a:pt x="17" y="4"/>
+                  </a:moveTo>
+                  <a:cubicBezTo>
+                    <a:pt x="10" y="4"/>
+                    <a:pt x="4" y="10"/>
+                    <a:pt x="4" y="17"/>
+                  </a:cubicBezTo>
+                  <a:cubicBezTo>
+                    <a:pt x="4" y="24"/>
+                    <a:pt x="10" y="29"/>
+                    <a:pt x="17" y="29"/>
+                  </a:cubicBezTo>
+                  <a:cubicBezTo>
+                    <a:pt x="23" y="29"/>
+                    <a:pt x="29" y="24"/>
+                    <a:pt x="29" y="17"/>
+                  </a:cubicBezTo>
+                  <a:cubicBezTo>
+                    <a:pt x="29" y="10"/>
+                    <a:pt x="23" y="4"/>
+                    <a:pt x="17" y="4"/>
+                  </a:cubicBezTo>
+                  <a:close/>
+                </a:path>
+              </a:pathLst>
+            </a:custGeom>
+            <a:grpFill/>
+            <a:ln>
+              <a:noFill/>
+            </a:ln>
+            <a:extLst>
+              <a:ext uri="{91240B29-F687-4f45-9708-019B960494DF}">
+                <a14:hiddenLine xmlns="" xmlns:a16="http://schemas.microsoft.com/office/drawing/2014/main" xmlns:a14="http://schemas.microsoft.com/office/drawing/2010/main" xmlns:p14="http://schemas.microsoft.com/office/powerpoint/2010/main" w="9525">
+                  <a:solidFill>
+                    <a:srgbClr val="000000"/>
+                  </a:solidFill>
+                  <a:round/>
+                  <a:headEnd/>
+                  <a:tailEnd/>
+                </a14:hiddenLine>
+              </a:ext>
+            </a:extLst>
+          </p:spPr>
+        </p:sp>
+        <p:sp>
+          <p:nvSpPr>
+            <p:cNvPr id="35" name="Freeform 24">
+              <a:extLst>
+                <a:ext uri="{FF2B5EF4-FFF2-40B4-BE49-F238E27FC236}">
+                  <a16:creationId xmlns:a16="http://schemas.microsoft.com/office/drawing/2014/main" id="{D2449A75-05DC-4791-90F1-335CC6732CB4}"/>
+                </a:ext>
+                <a:ext uri="{C183D7F6-B498-43B3-948B-1728B52AA6E4}">
+                  <adec:decorative xmlns:adec="http://schemas.microsoft.com/office/drawing/2017/decorative" val="1"/>
+                </a:ext>
+              </a:extLst>
+            </p:cNvPr>
+            <p:cNvSpPr>
+              <a:spLocks noEditPoints="1"/>
+            </p:cNvSpPr>
+            <p:nvPr>
+              <p:extLst>
+                <p:ext uri="{386F3935-93C4-4BCD-93E2-E3B085C9AB24}">
+                  <p16:designElem xmlns:p16="http://schemas.microsoft.com/office/powerpoint/2015/main" val="1"/>
+                </p:ext>
+              </p:extLst>
+            </p:nvPr>
+          </p:nvSpPr>
+          <p:spPr bwMode="auto">
+            <a:xfrm>
+              <a:off x="66675" y="903288"/>
+              <a:ext cx="190500" cy="190500"/>
+            </a:xfrm>
+            <a:custGeom>
+              <a:avLst/>
+              <a:gdLst/>
+              <a:ahLst/>
+              <a:cxnLst/>
+              <a:rect l="0" t="0" r="r" b="b"/>
+              <a:pathLst>
+                <a:path w="40" h="40">
+                  <a:moveTo>
+                    <a:pt x="20" y="40"/>
+                  </a:moveTo>
+                  <a:cubicBezTo>
+                    <a:pt x="9" y="40"/>
+                    <a:pt x="0" y="31"/>
+                    <a:pt x="0" y="20"/>
+                  </a:cubicBezTo>
+                  <a:cubicBezTo>
+                    <a:pt x="0" y="9"/>
+                    <a:pt x="9" y="0"/>
+                    <a:pt x="20" y="0"/>
+                  </a:cubicBezTo>
+                  <a:cubicBezTo>
+                    <a:pt x="32" y="0"/>
+                    <a:pt x="40" y="9"/>
+                    <a:pt x="40" y="20"/>
+                  </a:cubicBezTo>
+                  <a:cubicBezTo>
+                    <a:pt x="40" y="31"/>
+                    <a:pt x="32" y="40"/>
+                    <a:pt x="20" y="40"/>
+                  </a:cubicBezTo>
+                  <a:close/>
+                  <a:moveTo>
+                    <a:pt x="20" y="4"/>
+                  </a:moveTo>
+                  <a:cubicBezTo>
+                    <a:pt x="12" y="4"/>
+                    <a:pt x="4" y="12"/>
+                    <a:pt x="4" y="20"/>
+                  </a:cubicBezTo>
+                  <a:cubicBezTo>
+                    <a:pt x="4" y="29"/>
+                    <a:pt x="12" y="36"/>
+                    <a:pt x="20" y="36"/>
+                  </a:cubicBezTo>
+                  <a:cubicBezTo>
+                    <a:pt x="29" y="36"/>
+                    <a:pt x="36" y="29"/>
+                    <a:pt x="36" y="20"/>
+                  </a:cubicBezTo>
+                  <a:cubicBezTo>
+                    <a:pt x="36" y="12"/>
+                    <a:pt x="29" y="4"/>
+                    <a:pt x="20" y="4"/>
+                  </a:cubicBezTo>
+                  <a:close/>
+                </a:path>
+              </a:pathLst>
+            </a:custGeom>
+            <a:grpFill/>
+            <a:ln>
+              <a:noFill/>
+            </a:ln>
+            <a:extLst>
+              <a:ext uri="{91240B29-F687-4f45-9708-019B960494DF}">
+                <a14:hiddenLine xmlns="" xmlns:a16="http://schemas.microsoft.com/office/drawing/2014/main" xmlns:a14="http://schemas.microsoft.com/office/drawing/2010/main" xmlns:p14="http://schemas.microsoft.com/office/powerpoint/2010/main" w="9525">
+                  <a:solidFill>
+                    <a:srgbClr val="000000"/>
+                  </a:solidFill>
+                  <a:round/>
+                  <a:headEnd/>
+                  <a:tailEnd/>
+                </a14:hiddenLine>
+              </a:ext>
+            </a:extLst>
+          </p:spPr>
+        </p:sp>
+        <p:sp>
+          <p:nvSpPr>
+            <p:cNvPr id="36" name="Freeform 25">
+              <a:extLst>
+                <a:ext uri="{FF2B5EF4-FFF2-40B4-BE49-F238E27FC236}">
+                  <a16:creationId xmlns:a16="http://schemas.microsoft.com/office/drawing/2014/main" id="{2A0F57CD-8F34-4F1D-BFF3-12935225011B}"/>
+                </a:ext>
+                <a:ext uri="{C183D7F6-B498-43B3-948B-1728B52AA6E4}">
+                  <adec:decorative xmlns:adec="http://schemas.microsoft.com/office/drawing/2017/decorative" val="1"/>
+                </a:ext>
+              </a:extLst>
+            </p:cNvPr>
+            <p:cNvSpPr/>
+            <p:nvPr>
+              <p:extLst>
+                <p:ext uri="{386F3935-93C4-4BCD-93E2-E3B085C9AB24}">
+                  <p16:designElem xmlns:p16="http://schemas.microsoft.com/office/powerpoint/2015/main" val="1"/>
+                </p:ext>
+              </p:extLst>
+            </p:nvPr>
+          </p:nvSpPr>
+          <p:spPr bwMode="auto">
+            <a:xfrm>
+              <a:off x="0" y="3897313"/>
+              <a:ext cx="133350" cy="266700"/>
+            </a:xfrm>
+            <a:custGeom>
+              <a:avLst/>
+              <a:gdLst/>
+              <a:ahLst/>
+              <a:cxnLst/>
+              <a:rect l="0" t="0" r="r" b="b"/>
+              <a:pathLst>
+                <a:path w="84" h="168">
+                  <a:moveTo>
+                    <a:pt x="69" y="168"/>
+                  </a:moveTo>
+                  <a:lnTo>
+                    <a:pt x="0" y="6"/>
+                  </a:lnTo>
+                  <a:lnTo>
+                    <a:pt x="12" y="0"/>
+                  </a:lnTo>
+                  <a:lnTo>
+                    <a:pt x="84" y="162"/>
+                  </a:lnTo>
+                  <a:lnTo>
+                    <a:pt x="69" y="168"/>
+                  </a:lnTo>
+                  <a:close/>
+                </a:path>
+              </a:pathLst>
+            </a:custGeom>
+            <a:grpFill/>
+            <a:ln>
+              <a:noFill/>
+            </a:ln>
+            <a:extLst>
+              <a:ext uri="{91240B29-F687-4f45-9708-019B960494DF}">
+                <a14:hiddenLine xmlns="" xmlns:a16="http://schemas.microsoft.com/office/drawing/2014/main" xmlns:a14="http://schemas.microsoft.com/office/drawing/2010/main" xmlns:p14="http://schemas.microsoft.com/office/powerpoint/2010/main" w="9525">
+                  <a:solidFill>
+                    <a:srgbClr val="000000"/>
+                  </a:solidFill>
+                  <a:round/>
+                  <a:headEnd/>
+                  <a:tailEnd/>
+                </a14:hiddenLine>
+              </a:ext>
+            </a:extLst>
+          </p:spPr>
+        </p:sp>
+        <p:sp>
+          <p:nvSpPr>
+            <p:cNvPr id="37" name="Freeform 26">
+              <a:extLst>
+                <a:ext uri="{FF2B5EF4-FFF2-40B4-BE49-F238E27FC236}">
+                  <a16:creationId xmlns:a16="http://schemas.microsoft.com/office/drawing/2014/main" id="{DB0DDCCE-FA18-4790-8F10-67FC661721DC}"/>
+                </a:ext>
+                <a:ext uri="{C183D7F6-B498-43B3-948B-1728B52AA6E4}">
+                  <adec:decorative xmlns:adec="http://schemas.microsoft.com/office/drawing/2017/decorative" val="1"/>
+                </a:ext>
+              </a:extLst>
+            </p:cNvPr>
+            <p:cNvSpPr>
+              <a:spLocks noEditPoints="1"/>
+            </p:cNvSpPr>
+            <p:nvPr>
+              <p:extLst>
+                <p:ext uri="{386F3935-93C4-4BCD-93E2-E3B085C9AB24}">
+                  <p16:designElem xmlns:p16="http://schemas.microsoft.com/office/powerpoint/2015/main" val="1"/>
+                </p:ext>
+              </p:extLst>
+            </p:nvPr>
+          </p:nvSpPr>
+          <p:spPr bwMode="auto">
+            <a:xfrm>
+              <a:off x="66675" y="4149725"/>
+              <a:ext cx="190500" cy="188913"/>
+            </a:xfrm>
+            <a:custGeom>
+              <a:avLst/>
+              <a:gdLst/>
+              <a:ahLst/>
+              <a:cxnLst/>
+              <a:rect l="0" t="0" r="r" b="b"/>
+              <a:pathLst>
+                <a:path w="40" h="40">
+                  <a:moveTo>
+                    <a:pt x="20" y="40"/>
+                  </a:moveTo>
+                  <a:cubicBezTo>
+                    <a:pt x="9" y="40"/>
+                    <a:pt x="0" y="31"/>
+                    <a:pt x="0" y="20"/>
+                  </a:cubicBezTo>
+                  <a:cubicBezTo>
+                    <a:pt x="0" y="9"/>
+                    <a:pt x="9" y="0"/>
+                    <a:pt x="20" y="0"/>
+                  </a:cubicBezTo>
+                  <a:cubicBezTo>
+                    <a:pt x="31" y="0"/>
+                    <a:pt x="40" y="9"/>
+                    <a:pt x="40" y="20"/>
+                  </a:cubicBezTo>
+                  <a:cubicBezTo>
+                    <a:pt x="40" y="31"/>
+                    <a:pt x="31" y="40"/>
+                    <a:pt x="20" y="40"/>
+                  </a:cubicBezTo>
+                  <a:close/>
+                  <a:moveTo>
+                    <a:pt x="20" y="4"/>
+                  </a:moveTo>
+                  <a:cubicBezTo>
+                    <a:pt x="11" y="4"/>
+                    <a:pt x="4" y="11"/>
+                    <a:pt x="4" y="20"/>
+                  </a:cubicBezTo>
+                  <a:cubicBezTo>
+                    <a:pt x="4" y="28"/>
+                    <a:pt x="11" y="36"/>
+                    <a:pt x="20" y="36"/>
+                  </a:cubicBezTo>
+                  <a:cubicBezTo>
+                    <a:pt x="29" y="36"/>
+                    <a:pt x="36" y="28"/>
+                    <a:pt x="36" y="20"/>
+                  </a:cubicBezTo>
+                  <a:cubicBezTo>
+                    <a:pt x="36" y="11"/>
+                    <a:pt x="29" y="4"/>
+                    <a:pt x="20" y="4"/>
+                  </a:cubicBezTo>
+                  <a:close/>
+                </a:path>
+              </a:pathLst>
+            </a:custGeom>
+            <a:grpFill/>
+            <a:ln>
+              <a:noFill/>
+            </a:ln>
+            <a:extLst>
+              <a:ext uri="{91240B29-F687-4f45-9708-019B960494DF}">
+                <a14:hiddenLine xmlns="" xmlns:a16="http://schemas.microsoft.com/office/drawing/2014/main" xmlns:a14="http://schemas.microsoft.com/office/drawing/2010/main" xmlns:p14="http://schemas.microsoft.com/office/powerpoint/2010/main" w="9525">
+                  <a:solidFill>
+                    <a:srgbClr val="000000"/>
+                  </a:solidFill>
+                  <a:round/>
+                  <a:headEnd/>
+                  <a:tailEnd/>
+                </a14:hiddenLine>
+              </a:ext>
+            </a:extLst>
+          </p:spPr>
+        </p:sp>
+        <p:sp>
+          <p:nvSpPr>
+            <p:cNvPr id="38" name="Freeform 27">
+              <a:extLst>
+                <a:ext uri="{FF2B5EF4-FFF2-40B4-BE49-F238E27FC236}">
+                  <a16:creationId xmlns:a16="http://schemas.microsoft.com/office/drawing/2014/main" id="{750A8178-D049-42D4-BA77-A262FE55F961}"/>
+                </a:ext>
+                <a:ext uri="{C183D7F6-B498-43B3-948B-1728B52AA6E4}">
+                  <adec:decorative xmlns:adec="http://schemas.microsoft.com/office/drawing/2017/decorative" val="1"/>
+                </a:ext>
+              </a:extLst>
+            </p:cNvPr>
+            <p:cNvSpPr/>
+            <p:nvPr>
+              <p:extLst>
+                <p:ext uri="{386F3935-93C4-4BCD-93E2-E3B085C9AB24}">
+                  <p16:designElem xmlns:p16="http://schemas.microsoft.com/office/powerpoint/2015/main" val="1"/>
+                </p:ext>
+              </p:extLst>
+            </p:nvPr>
+          </p:nvSpPr>
+          <p:spPr bwMode="auto">
+            <a:xfrm>
+              <a:off x="0" y="1644650"/>
+              <a:ext cx="133350" cy="269875"/>
+            </a:xfrm>
+            <a:custGeom>
+              <a:avLst/>
+              <a:gdLst/>
+              <a:ahLst/>
+              <a:cxnLst/>
+              <a:rect l="0" t="0" r="r" b="b"/>
+              <a:pathLst>
+                <a:path w="84" h="170">
+                  <a:moveTo>
+                    <a:pt x="12" y="170"/>
+                  </a:moveTo>
+                  <a:lnTo>
+                    <a:pt x="0" y="164"/>
+                  </a:lnTo>
+                  <a:lnTo>
+                    <a:pt x="69" y="0"/>
+                  </a:lnTo>
+                  <a:lnTo>
+                    <a:pt x="84" y="6"/>
+                  </a:lnTo>
+                  <a:lnTo>
+                    <a:pt x="12" y="170"/>
+                  </a:lnTo>
+                  <a:close/>
+                </a:path>
+              </a:pathLst>
+            </a:custGeom>
+            <a:grpFill/>
+            <a:ln>
+              <a:noFill/>
+            </a:ln>
+            <a:extLst>
+              <a:ext uri="{91240B29-F687-4f45-9708-019B960494DF}">
+                <a14:hiddenLine xmlns="" xmlns:a16="http://schemas.microsoft.com/office/drawing/2014/main" xmlns:a14="http://schemas.microsoft.com/office/drawing/2010/main" xmlns:p14="http://schemas.microsoft.com/office/powerpoint/2010/main" w="9525">
+                  <a:solidFill>
+                    <a:srgbClr val="000000"/>
+                  </a:solidFill>
+                  <a:round/>
+                  <a:headEnd/>
+                  <a:tailEnd/>
+                </a14:hiddenLine>
+              </a:ext>
+            </a:extLst>
+          </p:spPr>
+        </p:sp>
+        <p:sp>
+          <p:nvSpPr>
+            <p:cNvPr id="39" name="Freeform 28">
+              <a:extLst>
+                <a:ext uri="{FF2B5EF4-FFF2-40B4-BE49-F238E27FC236}">
+                  <a16:creationId xmlns:a16="http://schemas.microsoft.com/office/drawing/2014/main" id="{B33B9383-8846-404B-85BE-E43F07737943}"/>
+                </a:ext>
+                <a:ext uri="{C183D7F6-B498-43B3-948B-1728B52AA6E4}">
+                  <adec:decorative xmlns:adec="http://schemas.microsoft.com/office/drawing/2017/decorative" val="1"/>
+                </a:ext>
+              </a:extLst>
+            </p:cNvPr>
+            <p:cNvSpPr>
+              <a:spLocks noEditPoints="1"/>
+            </p:cNvSpPr>
+            <p:nvPr>
+              <p:extLst>
+                <p:ext uri="{386F3935-93C4-4BCD-93E2-E3B085C9AB24}">
+                  <p16:designElem xmlns:p16="http://schemas.microsoft.com/office/powerpoint/2015/main" val="1"/>
+                </p:ext>
+              </p:extLst>
+            </p:nvPr>
+          </p:nvSpPr>
+          <p:spPr bwMode="auto">
+            <a:xfrm>
+              <a:off x="66675" y="1468438"/>
+              <a:ext cx="190500" cy="190500"/>
+            </a:xfrm>
+            <a:custGeom>
+              <a:avLst/>
+              <a:gdLst/>
+              <a:ahLst/>
+              <a:cxnLst/>
+              <a:rect l="0" t="0" r="r" b="b"/>
+              <a:pathLst>
+                <a:path w="40" h="40">
+                  <a:moveTo>
+                    <a:pt x="20" y="40"/>
+                  </a:moveTo>
+                  <a:cubicBezTo>
+                    <a:pt x="9" y="40"/>
+                    <a:pt x="0" y="31"/>
+                    <a:pt x="0" y="20"/>
+                  </a:cubicBezTo>
+                  <a:cubicBezTo>
+                    <a:pt x="0" y="9"/>
+                    <a:pt x="9" y="0"/>
+                    <a:pt x="20" y="0"/>
+                  </a:cubicBezTo>
+                  <a:cubicBezTo>
+                    <a:pt x="31" y="0"/>
+                    <a:pt x="40" y="9"/>
+                    <a:pt x="40" y="20"/>
+                  </a:cubicBezTo>
+                  <a:cubicBezTo>
+                    <a:pt x="40" y="31"/>
+                    <a:pt x="31" y="40"/>
+                    <a:pt x="20" y="40"/>
+                  </a:cubicBezTo>
+                  <a:close/>
+                  <a:moveTo>
+                    <a:pt x="20" y="4"/>
+                  </a:moveTo>
+                  <a:cubicBezTo>
+                    <a:pt x="11" y="4"/>
+                    <a:pt x="4" y="11"/>
+                    <a:pt x="4" y="20"/>
+                  </a:cubicBezTo>
+                  <a:cubicBezTo>
+                    <a:pt x="4" y="28"/>
+                    <a:pt x="11" y="36"/>
+                    <a:pt x="20" y="36"/>
+                  </a:cubicBezTo>
+                  <a:cubicBezTo>
+                    <a:pt x="29" y="36"/>
+                    <a:pt x="36" y="28"/>
+                    <a:pt x="36" y="20"/>
+                  </a:cubicBezTo>
+                  <a:cubicBezTo>
+                    <a:pt x="36" y="11"/>
+                    <a:pt x="29" y="4"/>
+                    <a:pt x="20" y="4"/>
+                  </a:cubicBezTo>
+                  <a:close/>
+                </a:path>
+              </a:pathLst>
+            </a:custGeom>
+            <a:grpFill/>
+            <a:ln>
+              <a:noFill/>
+            </a:ln>
+            <a:extLst>
+              <a:ext uri="{91240B29-F687-4f45-9708-019B960494DF}">
+                <a14:hiddenLine xmlns="" xmlns:a16="http://schemas.microsoft.com/office/drawing/2014/main" xmlns:a14="http://schemas.microsoft.com/office/drawing/2010/main" xmlns:p14="http://schemas.microsoft.com/office/powerpoint/2010/main" w="9525">
+                  <a:solidFill>
+                    <a:srgbClr val="000000"/>
+                  </a:solidFill>
+                  <a:round/>
+                  <a:headEnd/>
+                  <a:tailEnd/>
+                </a14:hiddenLine>
+              </a:ext>
+            </a:extLst>
+          </p:spPr>
+        </p:sp>
+        <p:sp>
+          <p:nvSpPr>
+            <p:cNvPr id="40" name="Freeform 29">
+              <a:extLst>
+                <a:ext uri="{FF2B5EF4-FFF2-40B4-BE49-F238E27FC236}">
+                  <a16:creationId xmlns:a16="http://schemas.microsoft.com/office/drawing/2014/main" id="{79468103-A660-495B-BFDF-8E7D98A09A03}"/>
+                </a:ext>
+                <a:ext uri="{C183D7F6-B498-43B3-948B-1728B52AA6E4}">
+                  <adec:decorative xmlns:adec="http://schemas.microsoft.com/office/drawing/2017/decorative" val="1"/>
+                </a:ext>
+              </a:extLst>
+            </p:cNvPr>
+            <p:cNvSpPr/>
+            <p:nvPr>
+              <p:extLst>
+                <p:ext uri="{386F3935-93C4-4BCD-93E2-E3B085C9AB24}">
+                  <p16:designElem xmlns:p16="http://schemas.microsoft.com/office/powerpoint/2015/main" val="1"/>
+                </p:ext>
+              </p:extLst>
+            </p:nvPr>
+          </p:nvSpPr>
+          <p:spPr bwMode="auto">
+            <a:xfrm>
+              <a:off x="695325" y="4763"/>
+              <a:ext cx="309563" cy="1558925"/>
+            </a:xfrm>
+            <a:custGeom>
+              <a:avLst/>
+              <a:gdLst/>
+              <a:ahLst/>
+              <a:cxnLst/>
+              <a:rect l="0" t="0" r="r" b="b"/>
+              <a:pathLst>
+                <a:path w="195" h="982">
+                  <a:moveTo>
+                    <a:pt x="195" y="982"/>
+                  </a:moveTo>
+                  <a:lnTo>
+                    <a:pt x="177" y="982"/>
+                  </a:lnTo>
+                  <a:lnTo>
+                    <a:pt x="177" y="805"/>
+                  </a:lnTo>
+                  <a:lnTo>
+                    <a:pt x="0" y="629"/>
+                  </a:lnTo>
+                  <a:lnTo>
+                    <a:pt x="0" y="0"/>
+                  </a:lnTo>
+                  <a:lnTo>
+                    <a:pt x="18" y="0"/>
+                  </a:lnTo>
+                  <a:lnTo>
+                    <a:pt x="18" y="623"/>
+                  </a:lnTo>
+                  <a:lnTo>
+                    <a:pt x="195" y="796"/>
+                  </a:lnTo>
+                  <a:lnTo>
+                    <a:pt x="195" y="982"/>
+                  </a:lnTo>
+                  <a:close/>
+                </a:path>
+              </a:pathLst>
+            </a:custGeom>
+            <a:grpFill/>
+            <a:ln>
+              <a:noFill/>
+            </a:ln>
+            <a:extLst>
+              <a:ext uri="{91240B29-F687-4f45-9708-019B960494DF}">
+                <a14:hiddenLine xmlns="" xmlns:a16="http://schemas.microsoft.com/office/drawing/2014/main" xmlns:a14="http://schemas.microsoft.com/office/drawing/2010/main" xmlns:p14="http://schemas.microsoft.com/office/powerpoint/2010/main" w="9525">
+                  <a:solidFill>
+                    <a:srgbClr val="000000"/>
+                  </a:solidFill>
+                  <a:round/>
+                  <a:headEnd/>
+                  <a:tailEnd/>
+                </a14:hiddenLine>
+              </a:ext>
+            </a:extLst>
+          </p:spPr>
+        </p:sp>
+        <p:sp>
+          <p:nvSpPr>
+            <p:cNvPr id="41" name="Freeform 30">
+              <a:extLst>
+                <a:ext uri="{FF2B5EF4-FFF2-40B4-BE49-F238E27FC236}">
+                  <a16:creationId xmlns:a16="http://schemas.microsoft.com/office/drawing/2014/main" id="{06F4CC44-94E1-47AF-893C-19C4A4AB402D}"/>
+                </a:ext>
+                <a:ext uri="{C183D7F6-B498-43B3-948B-1728B52AA6E4}">
+                  <adec:decorative xmlns:adec="http://schemas.microsoft.com/office/drawing/2017/decorative" val="1"/>
+                </a:ext>
+              </a:extLst>
+            </p:cNvPr>
+            <p:cNvSpPr>
+              <a:spLocks noEditPoints="1"/>
+            </p:cNvSpPr>
+            <p:nvPr>
+              <p:extLst>
+                <p:ext uri="{386F3935-93C4-4BCD-93E2-E3B085C9AB24}">
+                  <p16:designElem xmlns:p16="http://schemas.microsoft.com/office/powerpoint/2015/main" val="1"/>
+                </p:ext>
+              </p:extLst>
+            </p:nvPr>
+          </p:nvSpPr>
+          <p:spPr bwMode="auto">
+            <a:xfrm>
+              <a:off x="57150" y="4881563"/>
+              <a:ext cx="190500" cy="188913"/>
+            </a:xfrm>
+            <a:custGeom>
+              <a:avLst/>
+              <a:gdLst/>
+              <a:ahLst/>
+              <a:cxnLst/>
+              <a:rect l="0" t="0" r="r" b="b"/>
+              <a:pathLst>
+                <a:path w="40" h="40">
+                  <a:moveTo>
+                    <a:pt x="20" y="40"/>
+                  </a:moveTo>
+                  <a:cubicBezTo>
+                    <a:pt x="9" y="40"/>
+                    <a:pt x="0" y="31"/>
+                    <a:pt x="0" y="20"/>
+                  </a:cubicBezTo>
+                  <a:cubicBezTo>
+                    <a:pt x="0" y="9"/>
+                    <a:pt x="9" y="0"/>
+                    <a:pt x="20" y="0"/>
+                  </a:cubicBezTo>
+                  <a:cubicBezTo>
+                    <a:pt x="31" y="0"/>
+                    <a:pt x="40" y="9"/>
+                    <a:pt x="40" y="20"/>
+                  </a:cubicBezTo>
+                  <a:cubicBezTo>
+                    <a:pt x="40" y="31"/>
+                    <a:pt x="31" y="40"/>
+                    <a:pt x="20" y="40"/>
+                  </a:cubicBezTo>
+                  <a:close/>
+                  <a:moveTo>
+                    <a:pt x="20" y="4"/>
+                  </a:moveTo>
+                  <a:cubicBezTo>
+                    <a:pt x="12" y="4"/>
+                    <a:pt x="4" y="11"/>
+                    <a:pt x="4" y="20"/>
+                  </a:cubicBezTo>
+                  <a:cubicBezTo>
+                    <a:pt x="4" y="29"/>
+                    <a:pt x="12" y="36"/>
+                    <a:pt x="20" y="36"/>
+                  </a:cubicBezTo>
+                  <a:cubicBezTo>
+                    <a:pt x="29" y="36"/>
+                    <a:pt x="36" y="29"/>
+                    <a:pt x="36" y="20"/>
+                  </a:cubicBezTo>
+                  <a:cubicBezTo>
+                    <a:pt x="36" y="11"/>
+                    <a:pt x="29" y="4"/>
+                    <a:pt x="20" y="4"/>
+                  </a:cubicBezTo>
+                  <a:close/>
+                </a:path>
+              </a:pathLst>
+            </a:custGeom>
+            <a:grpFill/>
+            <a:ln>
+              <a:noFill/>
+            </a:ln>
+            <a:extLst>
+              <a:ext uri="{91240B29-F687-4f45-9708-019B960494DF}">
+                <a14:hiddenLine xmlns="" xmlns:a16="http://schemas.microsoft.com/office/drawing/2014/main" xmlns:a14="http://schemas.microsoft.com/office/drawing/2010/main" xmlns:p14="http://schemas.microsoft.com/office/powerpoint/2010/main" w="9525">
+                  <a:solidFill>
+                    <a:srgbClr val="000000"/>
+                  </a:solidFill>
+                  <a:round/>
+                  <a:headEnd/>
+                  <a:tailEnd/>
+                </a14:hiddenLine>
+              </a:ext>
+            </a:extLst>
+          </p:spPr>
+        </p:sp>
+        <p:sp>
+          <p:nvSpPr>
+            <p:cNvPr id="42" name="Freeform 31">
+              <a:extLst>
+                <a:ext uri="{FF2B5EF4-FFF2-40B4-BE49-F238E27FC236}">
+                  <a16:creationId xmlns:a16="http://schemas.microsoft.com/office/drawing/2014/main" id="{E87F601E-2166-4FAE-AF96-2A1B17E46E91}"/>
+                </a:ext>
+                <a:ext uri="{C183D7F6-B498-43B3-948B-1728B52AA6E4}">
+                  <adec:decorative xmlns:adec="http://schemas.microsoft.com/office/drawing/2017/decorative" val="1"/>
+                </a:ext>
+              </a:extLst>
+            </p:cNvPr>
+            <p:cNvSpPr/>
+            <p:nvPr>
+              <p:extLst>
+                <p:ext uri="{386F3935-93C4-4BCD-93E2-E3B085C9AB24}">
+                  <p16:designElem xmlns:p16="http://schemas.microsoft.com/office/powerpoint/2015/main" val="1"/>
+                </p:ext>
+              </p:extLst>
+            </p:nvPr>
+          </p:nvSpPr>
+          <p:spPr bwMode="auto">
+            <a:xfrm>
+              <a:off x="138113" y="5060950"/>
+              <a:ext cx="304800" cy="1778000"/>
+            </a:xfrm>
+            <a:custGeom>
+              <a:avLst/>
+              <a:gdLst/>
+              <a:ahLst/>
+              <a:cxnLst/>
+              <a:rect l="0" t="0" r="r" b="b"/>
+              <a:pathLst>
+                <a:path w="192" h="1120">
+                  <a:moveTo>
+                    <a:pt x="192" y="1120"/>
+                  </a:moveTo>
+                  <a:lnTo>
+                    <a:pt x="177" y="1120"/>
+                  </a:lnTo>
+                  <a:lnTo>
+                    <a:pt x="177" y="360"/>
+                  </a:lnTo>
+                  <a:lnTo>
+                    <a:pt x="0" y="183"/>
+                  </a:lnTo>
+                  <a:lnTo>
+                    <a:pt x="0" y="0"/>
+                  </a:lnTo>
+                  <a:lnTo>
+                    <a:pt x="15" y="0"/>
+                  </a:lnTo>
+                  <a:lnTo>
+                    <a:pt x="15" y="177"/>
+                  </a:lnTo>
+                  <a:lnTo>
+                    <a:pt x="192" y="354"/>
+                  </a:lnTo>
+                  <a:lnTo>
+                    <a:pt x="192" y="1120"/>
+                  </a:lnTo>
+                  <a:close/>
+                </a:path>
+              </a:pathLst>
+            </a:custGeom>
+            <a:grpFill/>
+            <a:ln>
+              <a:noFill/>
+            </a:ln>
+            <a:extLst>
+              <a:ext uri="{91240B29-F687-4f45-9708-019B960494DF}">
+                <a14:hiddenLine xmlns="" xmlns:a16="http://schemas.microsoft.com/office/drawing/2014/main" xmlns:a14="http://schemas.microsoft.com/office/drawing/2010/main" xmlns:p14="http://schemas.microsoft.com/office/powerpoint/2010/main" w="9525">
+                  <a:solidFill>
+                    <a:srgbClr val="000000"/>
+                  </a:solidFill>
+                  <a:round/>
+                  <a:headEnd/>
+                  <a:tailEnd/>
+                </a14:hiddenLine>
+              </a:ext>
+            </a:extLst>
+          </p:spPr>
+        </p:sp>
+        <p:sp>
+          <p:nvSpPr>
+            <p:cNvPr id="43" name="Freeform 32">
+              <a:extLst>
+                <a:ext uri="{FF2B5EF4-FFF2-40B4-BE49-F238E27FC236}">
+                  <a16:creationId xmlns:a16="http://schemas.microsoft.com/office/drawing/2014/main" id="{DCDE2745-7AA5-416B-AC78-93C6EAE5D40A}"/>
+                </a:ext>
+                <a:ext uri="{C183D7F6-B498-43B3-948B-1728B52AA6E4}">
+                  <adec:decorative xmlns:adec="http://schemas.microsoft.com/office/drawing/2017/decorative" val="1"/>
+                </a:ext>
+              </a:extLst>
+            </p:cNvPr>
+            <p:cNvSpPr>
+              <a:spLocks noEditPoints="1"/>
+            </p:cNvSpPr>
+            <p:nvPr>
+              <p:extLst>
+                <p:ext uri="{386F3935-93C4-4BCD-93E2-E3B085C9AB24}">
+                  <p16:designElem xmlns:p16="http://schemas.microsoft.com/office/powerpoint/2015/main" val="1"/>
+                </p:ext>
+              </p:extLst>
+            </p:nvPr>
+          </p:nvSpPr>
+          <p:spPr bwMode="auto">
+            <a:xfrm>
+              <a:off x="561975" y="6430963"/>
+              <a:ext cx="190500" cy="188913"/>
+            </a:xfrm>
+            <a:custGeom>
+              <a:avLst/>
+              <a:gdLst/>
+              <a:ahLst/>
+              <a:cxnLst/>
+              <a:rect l="0" t="0" r="r" b="b"/>
+              <a:pathLst>
+                <a:path w="40" h="40">
+                  <a:moveTo>
+                    <a:pt x="20" y="40"/>
+                  </a:moveTo>
+                  <a:cubicBezTo>
+                    <a:pt x="9" y="40"/>
+                    <a:pt x="0" y="31"/>
+                    <a:pt x="0" y="20"/>
+                  </a:cubicBezTo>
+                  <a:cubicBezTo>
+                    <a:pt x="0" y="9"/>
+                    <a:pt x="9" y="0"/>
+                    <a:pt x="20" y="0"/>
+                  </a:cubicBezTo>
+                  <a:cubicBezTo>
+                    <a:pt x="31" y="0"/>
+                    <a:pt x="40" y="9"/>
+                    <a:pt x="40" y="20"/>
+                  </a:cubicBezTo>
+                  <a:cubicBezTo>
+                    <a:pt x="40" y="31"/>
+                    <a:pt x="31" y="40"/>
+                    <a:pt x="20" y="40"/>
+                  </a:cubicBezTo>
+                  <a:close/>
+                  <a:moveTo>
+                    <a:pt x="20" y="4"/>
+                  </a:moveTo>
+                  <a:cubicBezTo>
+                    <a:pt x="12" y="4"/>
+                    <a:pt x="4" y="11"/>
+                    <a:pt x="4" y="20"/>
+                  </a:cubicBezTo>
+                  <a:cubicBezTo>
+                    <a:pt x="4" y="29"/>
+                    <a:pt x="12" y="36"/>
+                    <a:pt x="20" y="36"/>
+                  </a:cubicBezTo>
+                  <a:cubicBezTo>
+                    <a:pt x="29" y="36"/>
+                    <a:pt x="36" y="29"/>
+                    <a:pt x="36" y="20"/>
+                  </a:cubicBezTo>
+                  <a:cubicBezTo>
+                    <a:pt x="36" y="11"/>
+                    <a:pt x="29" y="4"/>
+                    <a:pt x="20" y="4"/>
+                  </a:cubicBezTo>
+                  <a:close/>
+                </a:path>
+              </a:pathLst>
+            </a:custGeom>
+            <a:grpFill/>
+            <a:ln>
+              <a:noFill/>
+            </a:ln>
+            <a:extLst>
+              <a:ext uri="{91240B29-F687-4f45-9708-019B960494DF}">
+                <a14:hiddenLine xmlns="" xmlns:a16="http://schemas.microsoft.com/office/drawing/2014/main" xmlns:a14="http://schemas.microsoft.com/office/drawing/2010/main" xmlns:p14="http://schemas.microsoft.com/office/powerpoint/2010/main" w="9525">
+                  <a:solidFill>
+                    <a:srgbClr val="000000"/>
+                  </a:solidFill>
+                  <a:round/>
+                  <a:headEnd/>
+                  <a:tailEnd/>
+                </a14:hiddenLine>
+              </a:ext>
+            </a:extLst>
+          </p:spPr>
+        </p:sp>
+        <p:sp>
+          <p:nvSpPr>
+            <p:cNvPr id="44" name="Rectangle 33">
+              <a:extLst>
+                <a:ext uri="{FF2B5EF4-FFF2-40B4-BE49-F238E27FC236}">
+                  <a16:creationId xmlns:a16="http://schemas.microsoft.com/office/drawing/2014/main" id="{7D5F7E44-496F-4025-AFD8-7EEC67AC180A}"/>
+                </a:ext>
+                <a:ext uri="{C183D7F6-B498-43B3-948B-1728B52AA6E4}">
+                  <adec:decorative xmlns:adec="http://schemas.microsoft.com/office/drawing/2017/decorative" val="1"/>
+                </a:ext>
+              </a:extLst>
+            </p:cNvPr>
+            <p:cNvSpPr>
+              <a:spLocks noChangeArrowheads="1"/>
+            </p:cNvSpPr>
+            <p:nvPr>
+              <p:extLst>
+                <p:ext uri="{386F3935-93C4-4BCD-93E2-E3B085C9AB24}">
+                  <p16:designElem xmlns:p16="http://schemas.microsoft.com/office/powerpoint/2015/main" val="1"/>
+                </p:ext>
+              </p:extLst>
+            </p:nvPr>
+          </p:nvSpPr>
+          <p:spPr bwMode="auto">
+            <a:xfrm>
+              <a:off x="642938" y="6610350"/>
+              <a:ext cx="23813" cy="242888"/>
+            </a:xfrm>
+            <a:prstGeom prst="rect">
+              <a:avLst/>
+            </a:prstGeom>
+            <a:grpFill/>
+            <a:ln>
+              <a:noFill/>
+            </a:ln>
+            <a:extLst>
+              <a:ext uri="{91240B29-F687-4f45-9708-019B960494DF}">
+                <a14:hiddenLine xmlns="" xmlns:a16="http://schemas.microsoft.com/office/drawing/2014/main" xmlns:a14="http://schemas.microsoft.com/office/drawing/2010/main" xmlns:p14="http://schemas.microsoft.com/office/powerpoint/2010/main" w="9525">
+                  <a:solidFill>
+                    <a:srgbClr val="000000"/>
+                  </a:solidFill>
+                  <a:miter lim="800000"/>
+                  <a:headEnd/>
+                  <a:tailEnd/>
+                </a14:hiddenLine>
+              </a:ext>
+            </a:extLst>
+          </p:spPr>
+        </p:sp>
+        <p:sp>
+          <p:nvSpPr>
+            <p:cNvPr id="45" name="Freeform 34">
+              <a:extLst>
+                <a:ext uri="{FF2B5EF4-FFF2-40B4-BE49-F238E27FC236}">
+                  <a16:creationId xmlns:a16="http://schemas.microsoft.com/office/drawing/2014/main" id="{FA8ED221-FD77-4CD0-A9B9-3F97E40DCDDD}"/>
+                </a:ext>
+                <a:ext uri="{C183D7F6-B498-43B3-948B-1728B52AA6E4}">
+                  <adec:decorative xmlns:adec="http://schemas.microsoft.com/office/drawing/2017/decorative" val="1"/>
+                </a:ext>
+              </a:extLst>
+            </p:cNvPr>
+            <p:cNvSpPr>
+              <a:spLocks noEditPoints="1"/>
+            </p:cNvSpPr>
+            <p:nvPr>
+              <p:extLst>
+                <p:ext uri="{386F3935-93C4-4BCD-93E2-E3B085C9AB24}">
+                  <p16:designElem xmlns:p16="http://schemas.microsoft.com/office/powerpoint/2015/main" val="1"/>
+                </p:ext>
+              </p:extLst>
+            </p:nvPr>
+          </p:nvSpPr>
+          <p:spPr bwMode="auto">
+            <a:xfrm>
+              <a:off x="76200" y="6430963"/>
+              <a:ext cx="190500" cy="188913"/>
+            </a:xfrm>
+            <a:custGeom>
+              <a:avLst/>
+              <a:gdLst/>
+              <a:ahLst/>
+              <a:cxnLst/>
+              <a:rect l="0" t="0" r="r" b="b"/>
+              <a:pathLst>
+                <a:path w="40" h="40">
+                  <a:moveTo>
+                    <a:pt x="20" y="40"/>
+                  </a:moveTo>
+                  <a:cubicBezTo>
+                    <a:pt x="9" y="40"/>
+                    <a:pt x="0" y="31"/>
+                    <a:pt x="0" y="20"/>
+                  </a:cubicBezTo>
+                  <a:cubicBezTo>
+                    <a:pt x="0" y="9"/>
+                    <a:pt x="9" y="0"/>
+                    <a:pt x="20" y="0"/>
+                  </a:cubicBezTo>
+                  <a:cubicBezTo>
+                    <a:pt x="32" y="0"/>
+                    <a:pt x="40" y="9"/>
+                    <a:pt x="40" y="20"/>
+                  </a:cubicBezTo>
+                  <a:cubicBezTo>
+                    <a:pt x="40" y="31"/>
+                    <a:pt x="32" y="40"/>
+                    <a:pt x="20" y="40"/>
+                  </a:cubicBezTo>
+                  <a:close/>
+                  <a:moveTo>
+                    <a:pt x="20" y="4"/>
+                  </a:moveTo>
+                  <a:cubicBezTo>
+                    <a:pt x="12" y="4"/>
+                    <a:pt x="4" y="11"/>
+                    <a:pt x="4" y="20"/>
+                  </a:cubicBezTo>
+                  <a:cubicBezTo>
+                    <a:pt x="4" y="29"/>
+                    <a:pt x="12" y="36"/>
+                    <a:pt x="20" y="36"/>
+                  </a:cubicBezTo>
+                  <a:cubicBezTo>
+                    <a:pt x="29" y="36"/>
+                    <a:pt x="36" y="29"/>
+                    <a:pt x="36" y="20"/>
+                  </a:cubicBezTo>
+                  <a:cubicBezTo>
+                    <a:pt x="36" y="11"/>
+                    <a:pt x="29" y="4"/>
+                    <a:pt x="20" y="4"/>
+                  </a:cubicBezTo>
+                  <a:close/>
+                </a:path>
+              </a:pathLst>
+            </a:custGeom>
+            <a:grpFill/>
+            <a:ln>
+              <a:noFill/>
+            </a:ln>
+            <a:extLst>
+              <a:ext uri="{91240B29-F687-4f45-9708-019B960494DF}">
+                <a14:hiddenLine xmlns="" xmlns:a16="http://schemas.microsoft.com/office/drawing/2014/main" xmlns:a14="http://schemas.microsoft.com/office/drawing/2010/main" xmlns:p14="http://schemas.microsoft.com/office/powerpoint/2010/main" w="9525">
+                  <a:solidFill>
+                    <a:srgbClr val="000000"/>
+                  </a:solidFill>
+                  <a:round/>
+                  <a:headEnd/>
+                  <a:tailEnd/>
+                </a14:hiddenLine>
+              </a:ext>
+            </a:extLst>
+          </p:spPr>
+        </p:sp>
+        <p:sp>
+          <p:nvSpPr>
+            <p:cNvPr id="46" name="Freeform 35">
+              <a:extLst>
+                <a:ext uri="{FF2B5EF4-FFF2-40B4-BE49-F238E27FC236}">
+                  <a16:creationId xmlns:a16="http://schemas.microsoft.com/office/drawing/2014/main" id="{94922F75-95BC-435D-B4BB-BCE65BACCE14}"/>
+                </a:ext>
+                <a:ext uri="{C183D7F6-B498-43B3-948B-1728B52AA6E4}">
+                  <adec:decorative xmlns:adec="http://schemas.microsoft.com/office/drawing/2017/decorative" val="1"/>
+                </a:ext>
+              </a:extLst>
+            </p:cNvPr>
+            <p:cNvSpPr/>
+            <p:nvPr>
+              <p:extLst>
+                <p:ext uri="{386F3935-93C4-4BCD-93E2-E3B085C9AB24}">
+                  <p16:designElem xmlns:p16="http://schemas.microsoft.com/office/powerpoint/2015/main" val="1"/>
+                </p:ext>
+              </p:extLst>
+            </p:nvPr>
+          </p:nvSpPr>
+          <p:spPr bwMode="auto">
+            <a:xfrm>
+              <a:off x="0" y="5978525"/>
+              <a:ext cx="190500" cy="461963"/>
+            </a:xfrm>
+            <a:custGeom>
+              <a:avLst/>
+              <a:gdLst/>
+              <a:ahLst/>
+              <a:cxnLst/>
+              <a:rect l="0" t="0" r="r" b="b"/>
+              <a:pathLst>
+                <a:path w="120" h="291">
+                  <a:moveTo>
+                    <a:pt x="120" y="291"/>
+                  </a:moveTo>
+                  <a:lnTo>
+                    <a:pt x="105" y="291"/>
+                  </a:lnTo>
+                  <a:lnTo>
+                    <a:pt x="105" y="114"/>
+                  </a:lnTo>
+                  <a:lnTo>
+                    <a:pt x="0" y="9"/>
+                  </a:lnTo>
+                  <a:lnTo>
+                    <a:pt x="12" y="0"/>
+                  </a:lnTo>
+                  <a:lnTo>
+                    <a:pt x="120" y="108"/>
+                  </a:lnTo>
+                  <a:lnTo>
+                    <a:pt x="120" y="291"/>
+                  </a:lnTo>
+                  <a:close/>
+                </a:path>
+              </a:pathLst>
+            </a:custGeom>
+            <a:grpFill/>
+            <a:ln>
+              <a:noFill/>
+            </a:ln>
+            <a:extLst>
+              <a:ext uri="{91240B29-F687-4f45-9708-019B960494DF}">
+                <a14:hiddenLine xmlns="" xmlns:a16="http://schemas.microsoft.com/office/drawing/2014/main" xmlns:a14="http://schemas.microsoft.com/office/drawing/2010/main" xmlns:p14="http://schemas.microsoft.com/office/powerpoint/2010/main" w="9525">
+                  <a:solidFill>
+                    <a:srgbClr val="000000"/>
+                  </a:solidFill>
+                  <a:round/>
+                  <a:headEnd/>
+                  <a:tailEnd/>
+                </a14:hiddenLine>
+              </a:ext>
+            </a:extLst>
+          </p:spPr>
+        </p:sp>
+        <p:sp>
+          <p:nvSpPr>
+            <p:cNvPr id="47" name="Freeform 36">
+              <a:extLst>
+                <a:ext uri="{FF2B5EF4-FFF2-40B4-BE49-F238E27FC236}">
+                  <a16:creationId xmlns:a16="http://schemas.microsoft.com/office/drawing/2014/main" id="{CFB94884-EF28-419D-9147-20B2C9B1AB84}"/>
+                </a:ext>
+                <a:ext uri="{C183D7F6-B498-43B3-948B-1728B52AA6E4}">
+                  <adec:decorative xmlns:adec="http://schemas.microsoft.com/office/drawing/2017/decorative" val="1"/>
+                </a:ext>
+              </a:extLst>
+            </p:cNvPr>
+            <p:cNvSpPr/>
+            <p:nvPr>
+              <p:extLst>
+                <p:ext uri="{386F3935-93C4-4BCD-93E2-E3B085C9AB24}">
+                  <p16:designElem xmlns:p16="http://schemas.microsoft.com/office/powerpoint/2015/main" val="1"/>
+                </p:ext>
+              </p:extLst>
+            </p:nvPr>
+          </p:nvSpPr>
+          <p:spPr bwMode="auto">
+            <a:xfrm>
+              <a:off x="1014413" y="1801813"/>
+              <a:ext cx="214313" cy="755650"/>
+            </a:xfrm>
+            <a:custGeom>
+              <a:avLst/>
+              <a:gdLst/>
+              <a:ahLst/>
+              <a:cxnLst/>
+              <a:rect l="0" t="0" r="r" b="b"/>
+              <a:pathLst>
+                <a:path w="135" h="476">
+                  <a:moveTo>
+                    <a:pt x="12" y="476"/>
+                  </a:moveTo>
+                  <a:lnTo>
+                    <a:pt x="0" y="476"/>
+                  </a:lnTo>
+                  <a:lnTo>
+                    <a:pt x="0" y="128"/>
+                  </a:lnTo>
+                  <a:lnTo>
+                    <a:pt x="126" y="0"/>
+                  </a:lnTo>
+                  <a:lnTo>
+                    <a:pt x="135" y="9"/>
+                  </a:lnTo>
+                  <a:lnTo>
+                    <a:pt x="12" y="131"/>
+                  </a:lnTo>
+                  <a:lnTo>
+                    <a:pt x="12" y="476"/>
+                  </a:lnTo>
+                  <a:close/>
+                </a:path>
+              </a:pathLst>
+            </a:custGeom>
+            <a:grpFill/>
+            <a:ln>
+              <a:noFill/>
+            </a:ln>
+            <a:extLst>
+              <a:ext uri="{91240B29-F687-4f45-9708-019B960494DF}">
+                <a14:hiddenLine xmlns="" xmlns:a16="http://schemas.microsoft.com/office/drawing/2014/main" xmlns:a14="http://schemas.microsoft.com/office/drawing/2010/main" xmlns:p14="http://schemas.microsoft.com/office/powerpoint/2010/main" w="9525">
+                  <a:solidFill>
+                    <a:srgbClr val="000000"/>
+                  </a:solidFill>
+                  <a:round/>
+                  <a:headEnd/>
+                  <a:tailEnd/>
+                </a14:hiddenLine>
+              </a:ext>
+            </a:extLst>
+          </p:spPr>
+        </p:sp>
+        <p:sp>
+          <p:nvSpPr>
+            <p:cNvPr id="48" name="Freeform 37">
+              <a:extLst>
+                <a:ext uri="{FF2B5EF4-FFF2-40B4-BE49-F238E27FC236}">
+                  <a16:creationId xmlns:a16="http://schemas.microsoft.com/office/drawing/2014/main" id="{94C72871-F5AC-46D1-97EF-94E4070A7044}"/>
+                </a:ext>
+                <a:ext uri="{C183D7F6-B498-43B3-948B-1728B52AA6E4}">
+                  <adec:decorative xmlns:adec="http://schemas.microsoft.com/office/drawing/2017/decorative" val="1"/>
+                </a:ext>
+              </a:extLst>
+            </p:cNvPr>
+            <p:cNvSpPr>
+              <a:spLocks noEditPoints="1"/>
+            </p:cNvSpPr>
+            <p:nvPr>
+              <p:extLst>
+                <p:ext uri="{386F3935-93C4-4BCD-93E2-E3B085C9AB24}">
+                  <p16:designElem xmlns:p16="http://schemas.microsoft.com/office/powerpoint/2015/main" val="1"/>
+                </p:ext>
+              </p:extLst>
+            </p:nvPr>
+          </p:nvSpPr>
+          <p:spPr bwMode="auto">
+            <a:xfrm>
+              <a:off x="938213" y="2547938"/>
+              <a:ext cx="166688" cy="160338"/>
+            </a:xfrm>
+            <a:custGeom>
+              <a:avLst/>
+              <a:gdLst/>
+              <a:ahLst/>
+              <a:cxnLst/>
+              <a:rect l="0" t="0" r="r" b="b"/>
+              <a:pathLst>
+                <a:path w="35" h="34">
+                  <a:moveTo>
+                    <a:pt x="18" y="34"/>
+                  </a:moveTo>
+                  <a:cubicBezTo>
+                    <a:pt x="8" y="34"/>
+                    <a:pt x="0" y="26"/>
+                    <a:pt x="0" y="17"/>
+                  </a:cubicBezTo>
+                  <a:cubicBezTo>
+                    <a:pt x="0" y="7"/>
+                    <a:pt x="8" y="0"/>
+                    <a:pt x="18" y="0"/>
+                  </a:cubicBezTo>
+                  <a:cubicBezTo>
+                    <a:pt x="27" y="0"/>
+                    <a:pt x="35" y="7"/>
+                    <a:pt x="35" y="17"/>
+                  </a:cubicBezTo>
+                  <a:cubicBezTo>
+                    <a:pt x="35" y="26"/>
+                    <a:pt x="27" y="34"/>
+                    <a:pt x="18" y="34"/>
+                  </a:cubicBezTo>
+                  <a:close/>
+                  <a:moveTo>
+                    <a:pt x="18" y="4"/>
+                  </a:moveTo>
+                  <a:cubicBezTo>
+                    <a:pt x="10" y="4"/>
+                    <a:pt x="4" y="10"/>
+                    <a:pt x="4" y="17"/>
+                  </a:cubicBezTo>
+                  <a:cubicBezTo>
+                    <a:pt x="4" y="24"/>
+                    <a:pt x="10" y="30"/>
+                    <a:pt x="18" y="30"/>
+                  </a:cubicBezTo>
+                  <a:cubicBezTo>
+                    <a:pt x="25" y="30"/>
+                    <a:pt x="31" y="24"/>
+                    <a:pt x="31" y="17"/>
+                  </a:cubicBezTo>
+                  <a:cubicBezTo>
+                    <a:pt x="31" y="10"/>
+                    <a:pt x="25" y="4"/>
+                    <a:pt x="18" y="4"/>
+                  </a:cubicBezTo>
+                  <a:close/>
+                </a:path>
+              </a:pathLst>
+            </a:custGeom>
+            <a:grpFill/>
+            <a:ln>
+              <a:noFill/>
+            </a:ln>
+            <a:extLst>
+              <a:ext uri="{91240B29-F687-4f45-9708-019B960494DF}">
+                <a14:hiddenLine xmlns="" xmlns:a16="http://schemas.microsoft.com/office/drawing/2014/main" xmlns:a14="http://schemas.microsoft.com/office/drawing/2010/main" xmlns:p14="http://schemas.microsoft.com/office/powerpoint/2010/main" w="9525">
+                  <a:solidFill>
+                    <a:srgbClr val="000000"/>
+                  </a:solidFill>
+                  <a:round/>
+                  <a:headEnd/>
+                  <a:tailEnd/>
+                </a14:hiddenLine>
+              </a:ext>
+            </a:extLst>
+          </p:spPr>
+        </p:sp>
+        <p:sp>
+          <p:nvSpPr>
+            <p:cNvPr id="49" name="Freeform 38">
+              <a:extLst>
+                <a:ext uri="{FF2B5EF4-FFF2-40B4-BE49-F238E27FC236}">
+                  <a16:creationId xmlns:a16="http://schemas.microsoft.com/office/drawing/2014/main" id="{03ED1B15-6247-43B3-BEAE-DB699DE29736}"/>
+                </a:ext>
+                <a:ext uri="{C183D7F6-B498-43B3-948B-1728B52AA6E4}">
+                  <adec:decorative xmlns:adec="http://schemas.microsoft.com/office/drawing/2017/decorative" val="1"/>
+                </a:ext>
+              </a:extLst>
+            </p:cNvPr>
+            <p:cNvSpPr/>
+            <p:nvPr>
+              <p:extLst>
+                <p:ext uri="{386F3935-93C4-4BCD-93E2-E3B085C9AB24}">
+                  <p16:designElem xmlns:p16="http://schemas.microsoft.com/office/powerpoint/2015/main" val="1"/>
+                </p:ext>
+              </p:extLst>
+            </p:nvPr>
+          </p:nvSpPr>
+          <p:spPr bwMode="auto">
+            <a:xfrm>
+              <a:off x="595313" y="4763"/>
+              <a:ext cx="638175" cy="4025900"/>
+            </a:xfrm>
+            <a:custGeom>
+              <a:avLst/>
+              <a:gdLst/>
+              <a:ahLst/>
+              <a:cxnLst/>
+              <a:rect l="0" t="0" r="r" b="b"/>
+              <a:pathLst>
+                <a:path w="402" h="2536">
+                  <a:moveTo>
+                    <a:pt x="402" y="2536"/>
+                  </a:moveTo>
+                  <a:lnTo>
+                    <a:pt x="387" y="2536"/>
+                  </a:lnTo>
+                  <a:lnTo>
+                    <a:pt x="387" y="2311"/>
+                  </a:lnTo>
+                  <a:lnTo>
+                    <a:pt x="0" y="1925"/>
+                  </a:lnTo>
+                  <a:lnTo>
+                    <a:pt x="0" y="0"/>
+                  </a:lnTo>
+                  <a:lnTo>
+                    <a:pt x="15" y="0"/>
+                  </a:lnTo>
+                  <a:lnTo>
+                    <a:pt x="15" y="1916"/>
+                  </a:lnTo>
+                  <a:lnTo>
+                    <a:pt x="402" y="2302"/>
+                  </a:lnTo>
+                  <a:lnTo>
+                    <a:pt x="402" y="2536"/>
+                  </a:lnTo>
+                  <a:close/>
+                </a:path>
+              </a:pathLst>
+            </a:custGeom>
+            <a:grpFill/>
+            <a:ln>
+              <a:noFill/>
+            </a:ln>
+            <a:extLst>
+              <a:ext uri="{91240B29-F687-4f45-9708-019B960494DF}">
+                <a14:hiddenLine xmlns="" xmlns:a16="http://schemas.microsoft.com/office/drawing/2014/main" xmlns:a14="http://schemas.microsoft.com/office/drawing/2010/main" xmlns:p14="http://schemas.microsoft.com/office/powerpoint/2010/main" w="9525">
+                  <a:solidFill>
+                    <a:srgbClr val="000000"/>
+                  </a:solidFill>
+                  <a:round/>
+                  <a:headEnd/>
+                  <a:tailEnd/>
+                </a14:hiddenLine>
+              </a:ext>
+            </a:extLst>
+          </p:spPr>
+        </p:sp>
+        <p:sp>
+          <p:nvSpPr>
+            <p:cNvPr id="50" name="Freeform 39">
+              <a:extLst>
+                <a:ext uri="{FF2B5EF4-FFF2-40B4-BE49-F238E27FC236}">
+                  <a16:creationId xmlns:a16="http://schemas.microsoft.com/office/drawing/2014/main" id="{FA3EA466-B483-4B4A-9FCB-9FFA8E538F3D}"/>
+                </a:ext>
+                <a:ext uri="{C183D7F6-B498-43B3-948B-1728B52AA6E4}">
+                  <adec:decorative xmlns:adec="http://schemas.microsoft.com/office/drawing/2017/decorative" val="1"/>
+                </a:ext>
+              </a:extLst>
+            </p:cNvPr>
+            <p:cNvSpPr/>
+            <p:nvPr>
+              <p:extLst>
+                <p:ext uri="{386F3935-93C4-4BCD-93E2-E3B085C9AB24}">
+                  <p16:designElem xmlns:p16="http://schemas.microsoft.com/office/powerpoint/2015/main" val="1"/>
+                </p:ext>
+              </p:extLst>
+            </p:nvPr>
+          </p:nvSpPr>
+          <p:spPr bwMode="auto">
+            <a:xfrm>
+              <a:off x="1223963" y="1382713"/>
+              <a:ext cx="142875" cy="476250"/>
+            </a:xfrm>
+            <a:custGeom>
+              <a:avLst/>
+              <a:gdLst/>
+              <a:ahLst/>
+              <a:cxnLst/>
+              <a:rect l="0" t="0" r="r" b="b"/>
+              <a:pathLst>
+                <a:path w="90" h="300">
+                  <a:moveTo>
+                    <a:pt x="90" y="300"/>
+                  </a:moveTo>
+                  <a:lnTo>
+                    <a:pt x="78" y="300"/>
+                  </a:lnTo>
+                  <a:lnTo>
+                    <a:pt x="78" y="84"/>
+                  </a:lnTo>
+                  <a:lnTo>
+                    <a:pt x="0" y="9"/>
+                  </a:lnTo>
+                  <a:lnTo>
+                    <a:pt x="9" y="0"/>
+                  </a:lnTo>
+                  <a:lnTo>
+                    <a:pt x="90" y="81"/>
+                  </a:lnTo>
+                  <a:lnTo>
+                    <a:pt x="90" y="300"/>
+                  </a:lnTo>
+                  <a:close/>
+                </a:path>
+              </a:pathLst>
+            </a:custGeom>
+            <a:grpFill/>
+            <a:ln>
+              <a:noFill/>
+            </a:ln>
+            <a:extLst>
+              <a:ext uri="{91240B29-F687-4f45-9708-019B960494DF}">
+                <a14:hiddenLine xmlns="" xmlns:a16="http://schemas.microsoft.com/office/drawing/2014/main" xmlns:a14="http://schemas.microsoft.com/office/drawing/2010/main" xmlns:p14="http://schemas.microsoft.com/office/powerpoint/2010/main" w="9525">
+                  <a:solidFill>
+                    <a:srgbClr val="000000"/>
+                  </a:solidFill>
+                  <a:round/>
+                  <a:headEnd/>
+                  <a:tailEnd/>
+                </a14:hiddenLine>
+              </a:ext>
+            </a:extLst>
+          </p:spPr>
+        </p:sp>
+        <p:sp>
+          <p:nvSpPr>
+            <p:cNvPr id="51" name="Freeform 40">
+              <a:extLst>
+                <a:ext uri="{FF2B5EF4-FFF2-40B4-BE49-F238E27FC236}">
+                  <a16:creationId xmlns:a16="http://schemas.microsoft.com/office/drawing/2014/main" id="{CCE5E17C-696E-46EB-B70D-586274216994}"/>
+                </a:ext>
+                <a:ext uri="{C183D7F6-B498-43B3-948B-1728B52AA6E4}">
+                  <adec:decorative xmlns:adec="http://schemas.microsoft.com/office/drawing/2017/decorative" val="1"/>
+                </a:ext>
+              </a:extLst>
+            </p:cNvPr>
+            <p:cNvSpPr>
+              <a:spLocks noEditPoints="1"/>
+            </p:cNvSpPr>
+            <p:nvPr>
+              <p:extLst>
+                <p:ext uri="{386F3935-93C4-4BCD-93E2-E3B085C9AB24}">
+                  <p16:designElem xmlns:p16="http://schemas.microsoft.com/office/powerpoint/2015/main" val="1"/>
+                </p:ext>
+              </p:extLst>
+            </p:nvPr>
+          </p:nvSpPr>
+          <p:spPr bwMode="auto">
+            <a:xfrm>
+              <a:off x="1300163" y="1849438"/>
+              <a:ext cx="109538" cy="107950"/>
+            </a:xfrm>
+            <a:custGeom>
+              <a:avLst/>
+              <a:gdLst/>
+              <a:ahLst/>
+              <a:cxnLst/>
+              <a:rect l="0" t="0" r="r" b="b"/>
+              <a:pathLst>
+                <a:path w="23" h="23">
+                  <a:moveTo>
+                    <a:pt x="12" y="23"/>
+                  </a:moveTo>
+                  <a:cubicBezTo>
+                    <a:pt x="5" y="23"/>
+                    <a:pt x="0" y="18"/>
+                    <a:pt x="0" y="12"/>
+                  </a:cubicBezTo>
+                  <a:cubicBezTo>
+                    <a:pt x="0" y="5"/>
+                    <a:pt x="5" y="0"/>
+                    <a:pt x="12" y="0"/>
+                  </a:cubicBezTo>
+                  <a:cubicBezTo>
+                    <a:pt x="18" y="0"/>
+                    <a:pt x="23" y="5"/>
+                    <a:pt x="23" y="12"/>
+                  </a:cubicBezTo>
+                  <a:cubicBezTo>
+                    <a:pt x="23" y="18"/>
+                    <a:pt x="18" y="23"/>
+                    <a:pt x="12" y="23"/>
+                  </a:cubicBezTo>
+                  <a:close/>
+                  <a:moveTo>
+                    <a:pt x="12" y="4"/>
+                  </a:moveTo>
+                  <a:cubicBezTo>
+                    <a:pt x="8" y="4"/>
+                    <a:pt x="4" y="8"/>
+                    <a:pt x="4" y="12"/>
+                  </a:cubicBezTo>
+                  <a:cubicBezTo>
+                    <a:pt x="4" y="16"/>
+                    <a:pt x="8" y="19"/>
+                    <a:pt x="12" y="19"/>
+                  </a:cubicBezTo>
+                  <a:cubicBezTo>
+                    <a:pt x="16" y="19"/>
+                    <a:pt x="19" y="16"/>
+                    <a:pt x="19" y="12"/>
+                  </a:cubicBezTo>
+                  <a:cubicBezTo>
+                    <a:pt x="19" y="8"/>
+                    <a:pt x="16" y="4"/>
+                    <a:pt x="12" y="4"/>
+                  </a:cubicBezTo>
+                  <a:close/>
+                </a:path>
+              </a:pathLst>
+            </a:custGeom>
+            <a:grpFill/>
+            <a:ln>
+              <a:noFill/>
+            </a:ln>
+            <a:extLst>
+              <a:ext uri="{91240B29-F687-4f45-9708-019B960494DF}">
+                <a14:hiddenLine xmlns="" xmlns:a16="http://schemas.microsoft.com/office/drawing/2014/main" xmlns:a14="http://schemas.microsoft.com/office/drawing/2010/main" xmlns:p14="http://schemas.microsoft.com/office/powerpoint/2010/main" w="9525">
+                  <a:solidFill>
+                    <a:srgbClr val="000000"/>
+                  </a:solidFill>
+                  <a:round/>
+                  <a:headEnd/>
+                  <a:tailEnd/>
+                </a14:hiddenLine>
+              </a:ext>
+            </a:extLst>
+          </p:spPr>
+        </p:sp>
+        <p:sp>
+          <p:nvSpPr>
+            <p:cNvPr id="52" name="Freeform 41">
+              <a:extLst>
+                <a:ext uri="{FF2B5EF4-FFF2-40B4-BE49-F238E27FC236}">
+                  <a16:creationId xmlns:a16="http://schemas.microsoft.com/office/drawing/2014/main" id="{AB6022EC-6D09-4098-9A97-5A911C08CA08}"/>
+                </a:ext>
+                <a:ext uri="{C183D7F6-B498-43B3-948B-1728B52AA6E4}">
+                  <adec:decorative xmlns:adec="http://schemas.microsoft.com/office/drawing/2017/decorative" val="1"/>
+                </a:ext>
+              </a:extLst>
+            </p:cNvPr>
+            <p:cNvSpPr/>
+            <p:nvPr>
+              <p:extLst>
+                <p:ext uri="{386F3935-93C4-4BCD-93E2-E3B085C9AB24}">
+                  <p16:designElem xmlns:p16="http://schemas.microsoft.com/office/powerpoint/2015/main" val="1"/>
+                </p:ext>
+              </p:extLst>
+            </p:nvPr>
+          </p:nvSpPr>
+          <p:spPr bwMode="auto">
+            <a:xfrm>
+              <a:off x="280988" y="3417888"/>
+              <a:ext cx="142875" cy="474663"/>
+            </a:xfrm>
+            <a:custGeom>
+              <a:avLst/>
+              <a:gdLst/>
+              <a:ahLst/>
+              <a:cxnLst/>
+              <a:rect l="0" t="0" r="r" b="b"/>
+              <a:pathLst>
+                <a:path w="90" h="299">
+                  <a:moveTo>
+                    <a:pt x="12" y="299"/>
+                  </a:moveTo>
+                  <a:lnTo>
+                    <a:pt x="0" y="299"/>
+                  </a:lnTo>
+                  <a:lnTo>
+                    <a:pt x="0" y="80"/>
+                  </a:lnTo>
+                  <a:lnTo>
+                    <a:pt x="81" y="0"/>
+                  </a:lnTo>
+                  <a:lnTo>
+                    <a:pt x="90" y="8"/>
+                  </a:lnTo>
+                  <a:lnTo>
+                    <a:pt x="12" y="83"/>
+                  </a:lnTo>
+                  <a:lnTo>
+                    <a:pt x="12" y="299"/>
+                  </a:lnTo>
+                  <a:close/>
+                </a:path>
+              </a:pathLst>
+            </a:custGeom>
+            <a:grpFill/>
+            <a:ln>
+              <a:noFill/>
+            </a:ln>
+            <a:extLst>
+              <a:ext uri="{91240B29-F687-4f45-9708-019B960494DF}">
+                <a14:hiddenLine xmlns="" xmlns:a16="http://schemas.microsoft.com/office/drawing/2014/main" xmlns:a14="http://schemas.microsoft.com/office/drawing/2010/main" xmlns:p14="http://schemas.microsoft.com/office/powerpoint/2010/main" w="9525">
+                  <a:solidFill>
+                    <a:srgbClr val="000000"/>
+                  </a:solidFill>
+                  <a:round/>
+                  <a:headEnd/>
+                  <a:tailEnd/>
+                </a14:hiddenLine>
+              </a:ext>
+            </a:extLst>
+          </p:spPr>
+        </p:sp>
+        <p:sp>
+          <p:nvSpPr>
+            <p:cNvPr id="53" name="Freeform 42">
+              <a:extLst>
+                <a:ext uri="{FF2B5EF4-FFF2-40B4-BE49-F238E27FC236}">
+                  <a16:creationId xmlns:a16="http://schemas.microsoft.com/office/drawing/2014/main" id="{7E18073E-1315-4400-ABD9-C34AEAFBFF03}"/>
+                </a:ext>
+                <a:ext uri="{C183D7F6-B498-43B3-948B-1728B52AA6E4}">
+                  <adec:decorative xmlns:adec="http://schemas.microsoft.com/office/drawing/2017/decorative" val="1"/>
+                </a:ext>
+              </a:extLst>
+            </p:cNvPr>
+            <p:cNvSpPr>
+              <a:spLocks noEditPoints="1"/>
+            </p:cNvSpPr>
+            <p:nvPr>
+              <p:extLst>
+                <p:ext uri="{386F3935-93C4-4BCD-93E2-E3B085C9AB24}">
+                  <p16:designElem xmlns:p16="http://schemas.microsoft.com/office/powerpoint/2015/main" val="1"/>
+                </p:ext>
+              </p:extLst>
+            </p:nvPr>
+          </p:nvSpPr>
+          <p:spPr bwMode="auto">
+            <a:xfrm>
+              <a:off x="238125" y="3883025"/>
+              <a:ext cx="109538" cy="109538"/>
+            </a:xfrm>
+            <a:custGeom>
+              <a:avLst/>
+              <a:gdLst/>
+              <a:ahLst/>
+              <a:cxnLst/>
+              <a:rect l="0" t="0" r="r" b="b"/>
+              <a:pathLst>
+                <a:path w="23" h="23">
+                  <a:moveTo>
+                    <a:pt x="11" y="23"/>
+                  </a:moveTo>
+                  <a:cubicBezTo>
+                    <a:pt x="5" y="23"/>
+                    <a:pt x="0" y="18"/>
+                    <a:pt x="0" y="12"/>
+                  </a:cubicBezTo>
+                  <a:cubicBezTo>
+                    <a:pt x="0" y="5"/>
+                    <a:pt x="5" y="0"/>
+                    <a:pt x="11" y="0"/>
+                  </a:cubicBezTo>
+                  <a:cubicBezTo>
+                    <a:pt x="17" y="0"/>
+                    <a:pt x="23" y="5"/>
+                    <a:pt x="23" y="12"/>
+                  </a:cubicBezTo>
+                  <a:cubicBezTo>
+                    <a:pt x="23" y="18"/>
+                    <a:pt x="17" y="23"/>
+                    <a:pt x="11" y="23"/>
+                  </a:cubicBezTo>
+                  <a:close/>
+                  <a:moveTo>
+                    <a:pt x="11" y="4"/>
+                  </a:moveTo>
+                  <a:cubicBezTo>
+                    <a:pt x="7" y="4"/>
+                    <a:pt x="4" y="8"/>
+                    <a:pt x="4" y="12"/>
+                  </a:cubicBezTo>
+                  <a:cubicBezTo>
+                    <a:pt x="4" y="16"/>
+                    <a:pt x="7" y="19"/>
+                    <a:pt x="11" y="19"/>
+                  </a:cubicBezTo>
+                  <a:cubicBezTo>
+                    <a:pt x="15" y="19"/>
+                    <a:pt x="19" y="16"/>
+                    <a:pt x="19" y="12"/>
+                  </a:cubicBezTo>
+                  <a:cubicBezTo>
+                    <a:pt x="19" y="8"/>
+                    <a:pt x="15" y="4"/>
+                    <a:pt x="11" y="4"/>
+                  </a:cubicBezTo>
+                  <a:close/>
+                </a:path>
+              </a:pathLst>
+            </a:custGeom>
+            <a:grpFill/>
+            <a:ln>
+              <a:noFill/>
+            </a:ln>
+            <a:extLst>
+              <a:ext uri="{91240B29-F687-4f45-9708-019B960494DF}">
+                <a14:hiddenLine xmlns="" xmlns:a16="http://schemas.microsoft.com/office/drawing/2014/main" xmlns:a14="http://schemas.microsoft.com/office/drawing/2010/main" xmlns:p14="http://schemas.microsoft.com/office/powerpoint/2010/main" w="9525">
+                  <a:solidFill>
+                    <a:srgbClr val="000000"/>
+                  </a:solidFill>
+                  <a:round/>
+                  <a:headEnd/>
+                  <a:tailEnd/>
+                </a14:hiddenLine>
+              </a:ext>
+            </a:extLst>
+          </p:spPr>
+        </p:sp>
+        <p:sp>
+          <p:nvSpPr>
+            <p:cNvPr id="54" name="Freeform 43">
+              <a:extLst>
+                <a:ext uri="{FF2B5EF4-FFF2-40B4-BE49-F238E27FC236}">
+                  <a16:creationId xmlns:a16="http://schemas.microsoft.com/office/drawing/2014/main" id="{5510509E-411D-4F1B-BDC6-3E566689633D}"/>
+                </a:ext>
+                <a:ext uri="{C183D7F6-B498-43B3-948B-1728B52AA6E4}">
+                  <adec:decorative xmlns:adec="http://schemas.microsoft.com/office/drawing/2017/decorative" val="1"/>
+                </a:ext>
+              </a:extLst>
+            </p:cNvPr>
+            <p:cNvSpPr/>
+            <p:nvPr>
+              <p:extLst>
+                <p:ext uri="{386F3935-93C4-4BCD-93E2-E3B085C9AB24}">
+                  <p16:designElem xmlns:p16="http://schemas.microsoft.com/office/powerpoint/2015/main" val="1"/>
+                </p:ext>
+              </p:extLst>
+            </p:nvPr>
+          </p:nvSpPr>
+          <p:spPr bwMode="auto">
+            <a:xfrm>
+              <a:off x="4763" y="2166938"/>
+              <a:ext cx="114300" cy="452438"/>
+            </a:xfrm>
+            <a:custGeom>
+              <a:avLst/>
+              <a:gdLst/>
+              <a:ahLst/>
+              <a:cxnLst/>
+              <a:rect l="0" t="0" r="r" b="b"/>
+              <a:pathLst>
+                <a:path w="72" h="285">
+                  <a:moveTo>
+                    <a:pt x="6" y="285"/>
+                  </a:moveTo>
+                  <a:lnTo>
+                    <a:pt x="0" y="276"/>
+                  </a:lnTo>
+                  <a:lnTo>
+                    <a:pt x="60" y="216"/>
+                  </a:lnTo>
+                  <a:lnTo>
+                    <a:pt x="60" y="0"/>
+                  </a:lnTo>
+                  <a:lnTo>
+                    <a:pt x="72" y="0"/>
+                  </a:lnTo>
+                  <a:lnTo>
+                    <a:pt x="72" y="222"/>
+                  </a:lnTo>
+                  <a:lnTo>
+                    <a:pt x="6" y="285"/>
+                  </a:lnTo>
+                  <a:close/>
+                </a:path>
+              </a:pathLst>
+            </a:custGeom>
+            <a:grpFill/>
+            <a:ln>
+              <a:noFill/>
+            </a:ln>
+            <a:extLst>
+              <a:ext uri="{91240B29-F687-4f45-9708-019B960494DF}">
+                <a14:hiddenLine xmlns="" xmlns:a16="http://schemas.microsoft.com/office/drawing/2014/main" xmlns:a14="http://schemas.microsoft.com/office/drawing/2010/main" xmlns:p14="http://schemas.microsoft.com/office/powerpoint/2010/main" w="9525">
+                  <a:solidFill>
+                    <a:srgbClr val="000000"/>
+                  </a:solidFill>
+                  <a:round/>
+                  <a:headEnd/>
+                  <a:tailEnd/>
+                </a14:hiddenLine>
+              </a:ext>
+            </a:extLst>
+          </p:spPr>
+        </p:sp>
+        <p:sp>
+          <p:nvSpPr>
+            <p:cNvPr id="55" name="Freeform 44">
+              <a:extLst>
+                <a:ext uri="{FF2B5EF4-FFF2-40B4-BE49-F238E27FC236}">
+                  <a16:creationId xmlns:a16="http://schemas.microsoft.com/office/drawing/2014/main" id="{46F1A7E1-EC01-4288-87AE-C3B6434BD030}"/>
+                </a:ext>
+                <a:ext uri="{C183D7F6-B498-43B3-948B-1728B52AA6E4}">
+                  <adec:decorative xmlns:adec="http://schemas.microsoft.com/office/drawing/2017/decorative" val="1"/>
+                </a:ext>
+              </a:extLst>
+            </p:cNvPr>
+            <p:cNvSpPr>
+              <a:spLocks noEditPoints="1"/>
+            </p:cNvSpPr>
+            <p:nvPr>
+              <p:extLst>
+                <p:ext uri="{386F3935-93C4-4BCD-93E2-E3B085C9AB24}">
+                  <p16:designElem xmlns:p16="http://schemas.microsoft.com/office/powerpoint/2015/main" val="1"/>
+                </p:ext>
+              </p:extLst>
+            </p:nvPr>
+          </p:nvSpPr>
+          <p:spPr bwMode="auto">
+            <a:xfrm>
+              <a:off x="52388" y="2066925"/>
+              <a:ext cx="109538" cy="109538"/>
+            </a:xfrm>
+            <a:custGeom>
+              <a:avLst/>
+              <a:gdLst/>
+              <a:ahLst/>
+              <a:cxnLst/>
+              <a:rect l="0" t="0" r="r" b="b"/>
+              <a:pathLst>
+                <a:path w="23" h="23">
+                  <a:moveTo>
+                    <a:pt x="12" y="23"/>
+                  </a:moveTo>
+                  <a:cubicBezTo>
+                    <a:pt x="5" y="23"/>
+                    <a:pt x="0" y="18"/>
+                    <a:pt x="0" y="12"/>
+                  </a:cubicBezTo>
+                  <a:cubicBezTo>
+                    <a:pt x="0" y="5"/>
+                    <a:pt x="5" y="0"/>
+                    <a:pt x="12" y="0"/>
+                  </a:cubicBezTo>
+                  <a:cubicBezTo>
+                    <a:pt x="18" y="0"/>
+                    <a:pt x="23" y="5"/>
+                    <a:pt x="23" y="12"/>
+                  </a:cubicBezTo>
+                  <a:cubicBezTo>
+                    <a:pt x="23" y="18"/>
+                    <a:pt x="18" y="23"/>
+                    <a:pt x="12" y="23"/>
+                  </a:cubicBezTo>
+                  <a:close/>
+                  <a:moveTo>
+                    <a:pt x="12" y="4"/>
+                  </a:moveTo>
+                  <a:cubicBezTo>
+                    <a:pt x="8" y="4"/>
+                    <a:pt x="4" y="8"/>
+                    <a:pt x="4" y="12"/>
+                  </a:cubicBezTo>
+                  <a:cubicBezTo>
+                    <a:pt x="4" y="16"/>
+                    <a:pt x="8" y="19"/>
+                    <a:pt x="12" y="19"/>
+                  </a:cubicBezTo>
+                  <a:cubicBezTo>
+                    <a:pt x="16" y="19"/>
+                    <a:pt x="19" y="16"/>
+                    <a:pt x="19" y="12"/>
+                  </a:cubicBezTo>
+                  <a:cubicBezTo>
+                    <a:pt x="19" y="8"/>
+                    <a:pt x="16" y="4"/>
+                    <a:pt x="12" y="4"/>
+                  </a:cubicBezTo>
+                  <a:close/>
+                </a:path>
+              </a:pathLst>
+            </a:custGeom>
+            <a:grpFill/>
+            <a:ln>
+              <a:noFill/>
+            </a:ln>
+            <a:extLst>
+              <a:ext uri="{91240B29-F687-4f45-9708-019B960494DF}">
+                <a14:hiddenLine xmlns="" xmlns:a16="http://schemas.microsoft.com/office/drawing/2014/main" xmlns:a14="http://schemas.microsoft.com/office/drawing/2010/main" xmlns:p14="http://schemas.microsoft.com/office/powerpoint/2010/main" w="9525">
+                  <a:solidFill>
+                    <a:srgbClr val="000000"/>
+                  </a:solidFill>
+                  <a:round/>
+                  <a:headEnd/>
+                  <a:tailEnd/>
+                </a14:hiddenLine>
+              </a:ext>
+            </a:extLst>
+          </p:spPr>
+        </p:sp>
+        <p:sp>
+          <p:nvSpPr>
+            <p:cNvPr id="56" name="Rectangle 45">
+              <a:extLst>
+                <a:ext uri="{FF2B5EF4-FFF2-40B4-BE49-F238E27FC236}">
+                  <a16:creationId xmlns:a16="http://schemas.microsoft.com/office/drawing/2014/main" id="{F7BBA432-5463-415B-BA54-3AA2B92D28B5}"/>
+                </a:ext>
+                <a:ext uri="{C183D7F6-B498-43B3-948B-1728B52AA6E4}">
+                  <adec:decorative xmlns:adec="http://schemas.microsoft.com/office/drawing/2017/decorative" val="1"/>
+                </a:ext>
+              </a:extLst>
+            </p:cNvPr>
+            <p:cNvSpPr>
+              <a:spLocks noChangeArrowheads="1"/>
+            </p:cNvSpPr>
+            <p:nvPr>
+              <p:extLst>
+                <p:ext uri="{386F3935-93C4-4BCD-93E2-E3B085C9AB24}">
+                  <p16:designElem xmlns:p16="http://schemas.microsoft.com/office/powerpoint/2015/main" val="1"/>
+                </p:ext>
+              </p:extLst>
+            </p:nvPr>
+          </p:nvSpPr>
+          <p:spPr bwMode="auto">
+            <a:xfrm>
+              <a:off x="1228725" y="4662488"/>
+              <a:ext cx="23813" cy="2181225"/>
+            </a:xfrm>
+            <a:prstGeom prst="rect">
+              <a:avLst/>
+            </a:prstGeom>
+            <a:grpFill/>
+            <a:ln>
+              <a:noFill/>
+            </a:ln>
+            <a:extLst>
+              <a:ext uri="{91240B29-F687-4f45-9708-019B960494DF}">
+                <a14:hiddenLine xmlns="" xmlns:a16="http://schemas.microsoft.com/office/drawing/2014/main" xmlns:a14="http://schemas.microsoft.com/office/drawing/2010/main" xmlns:p14="http://schemas.microsoft.com/office/powerpoint/2010/main" w="9525">
+                  <a:solidFill>
+                    <a:srgbClr val="000000"/>
+                  </a:solidFill>
+                  <a:miter lim="800000"/>
+                  <a:headEnd/>
+                  <a:tailEnd/>
+                </a14:hiddenLine>
+              </a:ext>
+            </a:extLst>
+          </p:spPr>
+        </p:sp>
+        <p:sp>
+          <p:nvSpPr>
+            <p:cNvPr id="57" name="Freeform 46">
+              <a:extLst>
+                <a:ext uri="{FF2B5EF4-FFF2-40B4-BE49-F238E27FC236}">
+                  <a16:creationId xmlns:a16="http://schemas.microsoft.com/office/drawing/2014/main" id="{66E19F01-137B-4A95-9313-CE6F7780665D}"/>
+                </a:ext>
+                <a:ext uri="{C183D7F6-B498-43B3-948B-1728B52AA6E4}">
+                  <adec:decorative xmlns:adec="http://schemas.microsoft.com/office/drawing/2017/decorative" val="1"/>
+                </a:ext>
+              </a:extLst>
+            </p:cNvPr>
+            <p:cNvSpPr/>
+            <p:nvPr>
+              <p:extLst>
+                <p:ext uri="{386F3935-93C4-4BCD-93E2-E3B085C9AB24}">
+                  <p16:designElem xmlns:p16="http://schemas.microsoft.com/office/powerpoint/2015/main" val="1"/>
+                </p:ext>
+              </p:extLst>
+            </p:nvPr>
+          </p:nvSpPr>
+          <p:spPr bwMode="auto">
+            <a:xfrm>
+              <a:off x="1319213" y="5041900"/>
+              <a:ext cx="371475" cy="1801813"/>
+            </a:xfrm>
+            <a:custGeom>
+              <a:avLst/>
+              <a:gdLst/>
+              <a:ahLst/>
+              <a:cxnLst/>
+              <a:rect l="0" t="0" r="r" b="b"/>
+              <a:pathLst>
+                <a:path w="234" h="1135">
+                  <a:moveTo>
+                    <a:pt x="15" y="1135"/>
+                  </a:moveTo>
+                  <a:lnTo>
+                    <a:pt x="0" y="1135"/>
+                  </a:lnTo>
+                  <a:lnTo>
+                    <a:pt x="0" y="515"/>
+                  </a:lnTo>
+                  <a:lnTo>
+                    <a:pt x="0" y="512"/>
+                  </a:lnTo>
+                  <a:lnTo>
+                    <a:pt x="219" y="0"/>
+                  </a:lnTo>
+                  <a:lnTo>
+                    <a:pt x="234" y="6"/>
+                  </a:lnTo>
+                  <a:lnTo>
+                    <a:pt x="15" y="518"/>
+                  </a:lnTo>
+                  <a:lnTo>
+                    <a:pt x="15" y="1135"/>
+                  </a:lnTo>
+                  <a:close/>
+                </a:path>
+              </a:pathLst>
+            </a:custGeom>
+            <a:grpFill/>
+            <a:ln>
+              <a:noFill/>
+            </a:ln>
+            <a:extLst>
+              <a:ext uri="{91240B29-F687-4f45-9708-019B960494DF}">
+                <a14:hiddenLine xmlns="" xmlns:a16="http://schemas.microsoft.com/office/drawing/2014/main" xmlns:a14="http://schemas.microsoft.com/office/drawing/2010/main" xmlns:p14="http://schemas.microsoft.com/office/powerpoint/2010/main" w="9525">
+                  <a:solidFill>
+                    <a:srgbClr val="000000"/>
+                  </a:solidFill>
+                  <a:round/>
+                  <a:headEnd/>
+                  <a:tailEnd/>
+                </a14:hiddenLine>
+              </a:ext>
+            </a:extLst>
+          </p:spPr>
+        </p:sp>
+        <p:sp>
+          <p:nvSpPr>
+            <p:cNvPr id="58" name="Freeform 47">
+              <a:extLst>
+                <a:ext uri="{FF2B5EF4-FFF2-40B4-BE49-F238E27FC236}">
+                  <a16:creationId xmlns:a16="http://schemas.microsoft.com/office/drawing/2014/main" id="{38C0AACC-51F2-424F-9988-F3B621941C6E}"/>
+                </a:ext>
+                <a:ext uri="{C183D7F6-B498-43B3-948B-1728B52AA6E4}">
+                  <adec:decorative xmlns:adec="http://schemas.microsoft.com/office/drawing/2017/decorative" val="1"/>
+                </a:ext>
+              </a:extLst>
+            </p:cNvPr>
+            <p:cNvSpPr>
+              <a:spLocks noEditPoints="1"/>
+            </p:cNvSpPr>
+            <p:nvPr>
+              <p:extLst>
+                <p:ext uri="{386F3935-93C4-4BCD-93E2-E3B085C9AB24}">
+                  <p16:designElem xmlns:p16="http://schemas.microsoft.com/office/powerpoint/2015/main" val="1"/>
+                </p:ext>
+              </p:extLst>
+            </p:nvPr>
+          </p:nvSpPr>
+          <p:spPr bwMode="auto">
+            <a:xfrm>
+              <a:off x="1147763" y="4481513"/>
+              <a:ext cx="190500" cy="190500"/>
+            </a:xfrm>
+            <a:custGeom>
+              <a:avLst/>
+              <a:gdLst/>
+              <a:ahLst/>
+              <a:cxnLst/>
+              <a:rect l="0" t="0" r="r" b="b"/>
+              <a:pathLst>
+                <a:path w="40" h="40">
+                  <a:moveTo>
+                    <a:pt x="20" y="40"/>
+                  </a:moveTo>
+                  <a:cubicBezTo>
+                    <a:pt x="9" y="40"/>
+                    <a:pt x="0" y="31"/>
+                    <a:pt x="0" y="20"/>
+                  </a:cubicBezTo>
+                  <a:cubicBezTo>
+                    <a:pt x="0" y="9"/>
+                    <a:pt x="9" y="0"/>
+                    <a:pt x="20" y="0"/>
+                  </a:cubicBezTo>
+                  <a:cubicBezTo>
+                    <a:pt x="31" y="0"/>
+                    <a:pt x="40" y="9"/>
+                    <a:pt x="40" y="20"/>
+                  </a:cubicBezTo>
+                  <a:cubicBezTo>
+                    <a:pt x="40" y="31"/>
+                    <a:pt x="31" y="40"/>
+                    <a:pt x="20" y="40"/>
+                  </a:cubicBezTo>
+                  <a:close/>
+                  <a:moveTo>
+                    <a:pt x="20" y="4"/>
+                  </a:moveTo>
+                  <a:cubicBezTo>
+                    <a:pt x="11" y="4"/>
+                    <a:pt x="4" y="11"/>
+                    <a:pt x="4" y="20"/>
+                  </a:cubicBezTo>
+                  <a:cubicBezTo>
+                    <a:pt x="4" y="29"/>
+                    <a:pt x="11" y="36"/>
+                    <a:pt x="20" y="36"/>
+                  </a:cubicBezTo>
+                  <a:cubicBezTo>
+                    <a:pt x="28" y="36"/>
+                    <a:pt x="36" y="29"/>
+                    <a:pt x="36" y="20"/>
+                  </a:cubicBezTo>
+                  <a:cubicBezTo>
+                    <a:pt x="36" y="11"/>
+                    <a:pt x="28" y="4"/>
+                    <a:pt x="20" y="4"/>
+                  </a:cubicBezTo>
+                  <a:close/>
+                </a:path>
+              </a:pathLst>
+            </a:custGeom>
+            <a:grpFill/>
+            <a:ln>
+              <a:noFill/>
+            </a:ln>
+            <a:extLst>
+              <a:ext uri="{91240B29-F687-4f45-9708-019B960494DF}">
+                <a14:hiddenLine xmlns="" xmlns:a16="http://schemas.microsoft.com/office/drawing/2014/main" xmlns:a14="http://schemas.microsoft.com/office/drawing/2010/main" xmlns:p14="http://schemas.microsoft.com/office/powerpoint/2010/main" w="9525">
+                  <a:solidFill>
+                    <a:srgbClr val="000000"/>
+                  </a:solidFill>
+                  <a:round/>
+                  <a:headEnd/>
+                  <a:tailEnd/>
+                </a14:hiddenLine>
+              </a:ext>
+            </a:extLst>
+          </p:spPr>
+        </p:sp>
+        <p:sp>
+          <p:nvSpPr>
+            <p:cNvPr id="59" name="Freeform 48">
+              <a:extLst>
+                <a:ext uri="{FF2B5EF4-FFF2-40B4-BE49-F238E27FC236}">
+                  <a16:creationId xmlns:a16="http://schemas.microsoft.com/office/drawing/2014/main" id="{7364A775-01A6-4012-88CF-58FDDBE4CBC7}"/>
+                </a:ext>
+                <a:ext uri="{C183D7F6-B498-43B3-948B-1728B52AA6E4}">
+                  <adec:decorative xmlns:adec="http://schemas.microsoft.com/office/drawing/2017/decorative" val="1"/>
+                </a:ext>
+              </a:extLst>
+            </p:cNvPr>
+            <p:cNvSpPr/>
+            <p:nvPr>
+              <p:extLst>
+                <p:ext uri="{386F3935-93C4-4BCD-93E2-E3B085C9AB24}">
+                  <p16:designElem xmlns:p16="http://schemas.microsoft.com/office/powerpoint/2015/main" val="1"/>
+                </p:ext>
+              </p:extLst>
+            </p:nvPr>
+          </p:nvSpPr>
+          <p:spPr bwMode="auto">
+            <a:xfrm>
+              <a:off x="819150" y="3983038"/>
+              <a:ext cx="347663" cy="2860675"/>
+            </a:xfrm>
+            <a:custGeom>
+              <a:avLst/>
+              <a:gdLst/>
+              <a:ahLst/>
+              <a:cxnLst/>
+              <a:rect l="0" t="0" r="r" b="b"/>
+              <a:pathLst>
+                <a:path w="219" h="1802">
+                  <a:moveTo>
+                    <a:pt x="219" y="1802"/>
+                  </a:moveTo>
+                  <a:lnTo>
+                    <a:pt x="201" y="1802"/>
+                  </a:lnTo>
+                  <a:lnTo>
+                    <a:pt x="201" y="1185"/>
+                  </a:lnTo>
+                  <a:lnTo>
+                    <a:pt x="0" y="3"/>
+                  </a:lnTo>
+                  <a:lnTo>
+                    <a:pt x="15" y="0"/>
+                  </a:lnTo>
+                  <a:lnTo>
+                    <a:pt x="219" y="1185"/>
+                  </a:lnTo>
+                  <a:lnTo>
+                    <a:pt x="219" y="1802"/>
+                  </a:lnTo>
+                  <a:close/>
+                </a:path>
+              </a:pathLst>
+            </a:custGeom>
+            <a:grpFill/>
+            <a:ln>
+              <a:noFill/>
+            </a:ln>
+            <a:extLst>
+              <a:ext uri="{91240B29-F687-4f45-9708-019B960494DF}">
+                <a14:hiddenLine xmlns="" xmlns:a16="http://schemas.microsoft.com/office/drawing/2014/main" xmlns:a14="http://schemas.microsoft.com/office/drawing/2010/main" xmlns:p14="http://schemas.microsoft.com/office/powerpoint/2010/main" w="9525">
+                  <a:solidFill>
+                    <a:srgbClr val="000000"/>
+                  </a:solidFill>
+                  <a:round/>
+                  <a:headEnd/>
+                  <a:tailEnd/>
+                </a14:hiddenLine>
+              </a:ext>
+            </a:extLst>
+          </p:spPr>
+        </p:sp>
+        <p:sp>
+          <p:nvSpPr>
+            <p:cNvPr id="60" name="Freeform 49">
+              <a:extLst>
+                <a:ext uri="{FF2B5EF4-FFF2-40B4-BE49-F238E27FC236}">
+                  <a16:creationId xmlns:a16="http://schemas.microsoft.com/office/drawing/2014/main" id="{C8C770C5-535A-4F1B-81CA-FD6F32C09A7A}"/>
+                </a:ext>
+                <a:ext uri="{C183D7F6-B498-43B3-948B-1728B52AA6E4}">
+                  <adec:decorative xmlns:adec="http://schemas.microsoft.com/office/drawing/2017/decorative" val="1"/>
+                </a:ext>
+              </a:extLst>
+            </p:cNvPr>
+            <p:cNvSpPr>
+              <a:spLocks noEditPoints="1"/>
+            </p:cNvSpPr>
+            <p:nvPr>
+              <p:extLst>
+                <p:ext uri="{386F3935-93C4-4BCD-93E2-E3B085C9AB24}">
+                  <p16:designElem xmlns:p16="http://schemas.microsoft.com/office/powerpoint/2015/main" val="1"/>
+                </p:ext>
+              </p:extLst>
+            </p:nvPr>
+          </p:nvSpPr>
+          <p:spPr bwMode="auto">
+            <a:xfrm>
+              <a:off x="728663" y="3806825"/>
+              <a:ext cx="190500" cy="190500"/>
+            </a:xfrm>
+            <a:custGeom>
+              <a:avLst/>
+              <a:gdLst/>
+              <a:ahLst/>
+              <a:cxnLst/>
+              <a:rect l="0" t="0" r="r" b="b"/>
+              <a:pathLst>
+                <a:path w="40" h="40">
+                  <a:moveTo>
+                    <a:pt x="20" y="40"/>
+                  </a:moveTo>
+                  <a:cubicBezTo>
+                    <a:pt x="9" y="40"/>
+                    <a:pt x="0" y="31"/>
+                    <a:pt x="0" y="20"/>
+                  </a:cubicBezTo>
+                  <a:cubicBezTo>
+                    <a:pt x="0" y="9"/>
+                    <a:pt x="9" y="0"/>
+                    <a:pt x="20" y="0"/>
+                  </a:cubicBezTo>
+                  <a:cubicBezTo>
+                    <a:pt x="31" y="0"/>
+                    <a:pt x="40" y="9"/>
+                    <a:pt x="40" y="20"/>
+                  </a:cubicBezTo>
+                  <a:cubicBezTo>
+                    <a:pt x="40" y="31"/>
+                    <a:pt x="31" y="40"/>
+                    <a:pt x="20" y="40"/>
+                  </a:cubicBezTo>
+                  <a:close/>
+                  <a:moveTo>
+                    <a:pt x="20" y="4"/>
+                  </a:moveTo>
+                  <a:cubicBezTo>
+                    <a:pt x="11" y="4"/>
+                    <a:pt x="4" y="11"/>
+                    <a:pt x="4" y="20"/>
+                  </a:cubicBezTo>
+                  <a:cubicBezTo>
+                    <a:pt x="4" y="28"/>
+                    <a:pt x="11" y="36"/>
+                    <a:pt x="20" y="36"/>
+                  </a:cubicBezTo>
+                  <a:cubicBezTo>
+                    <a:pt x="29" y="36"/>
+                    <a:pt x="36" y="28"/>
+                    <a:pt x="36" y="20"/>
+                  </a:cubicBezTo>
+                  <a:cubicBezTo>
+                    <a:pt x="36" y="11"/>
+                    <a:pt x="29" y="4"/>
+                    <a:pt x="20" y="4"/>
+                  </a:cubicBezTo>
+                  <a:close/>
+                </a:path>
+              </a:pathLst>
+            </a:custGeom>
+            <a:grpFill/>
+            <a:ln>
+              <a:noFill/>
+            </a:ln>
+            <a:extLst>
+              <a:ext uri="{91240B29-F687-4f45-9708-019B960494DF}">
+                <a14:hiddenLine xmlns="" xmlns:a16="http://schemas.microsoft.com/office/drawing/2014/main" xmlns:a14="http://schemas.microsoft.com/office/drawing/2010/main" xmlns:p14="http://schemas.microsoft.com/office/powerpoint/2010/main" w="9525">
+                  <a:solidFill>
+                    <a:srgbClr val="000000"/>
+                  </a:solidFill>
+                  <a:round/>
+                  <a:headEnd/>
+                  <a:tailEnd/>
+                </a14:hiddenLine>
+              </a:ext>
+            </a:extLst>
+          </p:spPr>
+        </p:sp>
+        <p:sp>
+          <p:nvSpPr>
+            <p:cNvPr id="61" name="Freeform 50">
+              <a:extLst>
+                <a:ext uri="{FF2B5EF4-FFF2-40B4-BE49-F238E27FC236}">
+                  <a16:creationId xmlns:a16="http://schemas.microsoft.com/office/drawing/2014/main" id="{55F9C3EF-BEB8-4836-8DE0-319E54496E73}"/>
+                </a:ext>
+                <a:ext uri="{C183D7F6-B498-43B3-948B-1728B52AA6E4}">
+                  <adec:decorative xmlns:adec="http://schemas.microsoft.com/office/drawing/2017/decorative" val="1"/>
+                </a:ext>
+              </a:extLst>
+            </p:cNvPr>
+            <p:cNvSpPr>
+              <a:spLocks noEditPoints="1"/>
+            </p:cNvSpPr>
+            <p:nvPr>
+              <p:extLst>
+                <p:ext uri="{386F3935-93C4-4BCD-93E2-E3B085C9AB24}">
+                  <p16:designElem xmlns:p16="http://schemas.microsoft.com/office/powerpoint/2015/main" val="1"/>
+                </p:ext>
+              </p:extLst>
+            </p:nvPr>
+          </p:nvSpPr>
+          <p:spPr bwMode="auto">
+            <a:xfrm>
+              <a:off x="1624013" y="4867275"/>
+              <a:ext cx="190500" cy="188913"/>
+            </a:xfrm>
+            <a:custGeom>
+              <a:avLst/>
+              <a:gdLst/>
+              <a:ahLst/>
+              <a:cxnLst/>
+              <a:rect l="0" t="0" r="r" b="b"/>
+              <a:pathLst>
+                <a:path w="40" h="40">
+                  <a:moveTo>
+                    <a:pt x="20" y="40"/>
+                  </a:moveTo>
+                  <a:cubicBezTo>
+                    <a:pt x="9" y="40"/>
+                    <a:pt x="0" y="31"/>
+                    <a:pt x="0" y="20"/>
+                  </a:cubicBezTo>
+                  <a:cubicBezTo>
+                    <a:pt x="0" y="9"/>
+                    <a:pt x="9" y="0"/>
+                    <a:pt x="20" y="0"/>
+                  </a:cubicBezTo>
+                  <a:cubicBezTo>
+                    <a:pt x="31" y="0"/>
+                    <a:pt x="40" y="9"/>
+                    <a:pt x="40" y="20"/>
+                  </a:cubicBezTo>
+                  <a:cubicBezTo>
+                    <a:pt x="40" y="31"/>
+                    <a:pt x="31" y="40"/>
+                    <a:pt x="20" y="40"/>
+                  </a:cubicBezTo>
+                  <a:close/>
+                  <a:moveTo>
+                    <a:pt x="20" y="4"/>
+                  </a:moveTo>
+                  <a:cubicBezTo>
+                    <a:pt x="11" y="4"/>
+                    <a:pt x="4" y="11"/>
+                    <a:pt x="4" y="20"/>
+                  </a:cubicBezTo>
+                  <a:cubicBezTo>
+                    <a:pt x="4" y="29"/>
+                    <a:pt x="11" y="36"/>
+                    <a:pt x="20" y="36"/>
+                  </a:cubicBezTo>
+                  <a:cubicBezTo>
+                    <a:pt x="28" y="36"/>
+                    <a:pt x="36" y="29"/>
+                    <a:pt x="36" y="20"/>
+                  </a:cubicBezTo>
+                  <a:cubicBezTo>
+                    <a:pt x="36" y="11"/>
+                    <a:pt x="28" y="4"/>
+                    <a:pt x="20" y="4"/>
+                  </a:cubicBezTo>
+                  <a:close/>
+                </a:path>
+              </a:pathLst>
+            </a:custGeom>
+            <a:grpFill/>
+            <a:ln>
+              <a:noFill/>
+            </a:ln>
+            <a:extLst>
+              <a:ext uri="{91240B29-F687-4f45-9708-019B960494DF}">
+                <a14:hiddenLine xmlns="" xmlns:a16="http://schemas.microsoft.com/office/drawing/2014/main" xmlns:a14="http://schemas.microsoft.com/office/drawing/2010/main" xmlns:p14="http://schemas.microsoft.com/office/powerpoint/2010/main" w="9525">
+                  <a:solidFill>
+                    <a:srgbClr val="000000"/>
+                  </a:solidFill>
+                  <a:round/>
+                  <a:headEnd/>
+                  <a:tailEnd/>
+                </a14:hiddenLine>
+              </a:ext>
+            </a:extLst>
+          </p:spPr>
+        </p:sp>
+        <p:sp>
+          <p:nvSpPr>
+            <p:cNvPr id="62" name="Freeform 51">
+              <a:extLst>
+                <a:ext uri="{FF2B5EF4-FFF2-40B4-BE49-F238E27FC236}">
+                  <a16:creationId xmlns:a16="http://schemas.microsoft.com/office/drawing/2014/main" id="{0976D9A1-85FC-406B-8AEA-AE3C056A4034}"/>
+                </a:ext>
+                <a:ext uri="{C183D7F6-B498-43B3-948B-1728B52AA6E4}">
+                  <adec:decorative xmlns:adec="http://schemas.microsoft.com/office/drawing/2017/decorative" val="1"/>
+                </a:ext>
+              </a:extLst>
+            </p:cNvPr>
+            <p:cNvSpPr/>
+            <p:nvPr>
+              <p:extLst>
+                <p:ext uri="{386F3935-93C4-4BCD-93E2-E3B085C9AB24}">
+                  <p16:designElem xmlns:p16="http://schemas.microsoft.com/office/powerpoint/2015/main" val="1"/>
+                </p:ext>
+              </p:extLst>
+            </p:nvPr>
+          </p:nvSpPr>
+          <p:spPr bwMode="auto">
+            <a:xfrm>
+              <a:off x="1404938" y="5422900"/>
+              <a:ext cx="371475" cy="1425575"/>
+            </a:xfrm>
+            <a:custGeom>
+              <a:avLst/>
+              <a:gdLst/>
+              <a:ahLst/>
+              <a:cxnLst/>
+              <a:rect l="0" t="0" r="r" b="b"/>
+              <a:pathLst>
+                <a:path w="234" h="898">
+                  <a:moveTo>
+                    <a:pt x="18" y="898"/>
+                  </a:moveTo>
+                  <a:lnTo>
+                    <a:pt x="0" y="898"/>
+                  </a:lnTo>
+                  <a:lnTo>
+                    <a:pt x="0" y="515"/>
+                  </a:lnTo>
+                  <a:lnTo>
+                    <a:pt x="0" y="512"/>
+                  </a:lnTo>
+                  <a:lnTo>
+                    <a:pt x="222" y="0"/>
+                  </a:lnTo>
+                  <a:lnTo>
+                    <a:pt x="234" y="6"/>
+                  </a:lnTo>
+                  <a:lnTo>
+                    <a:pt x="18" y="518"/>
+                  </a:lnTo>
+                  <a:lnTo>
+                    <a:pt x="18" y="898"/>
+                  </a:lnTo>
+                  <a:close/>
+                </a:path>
+              </a:pathLst>
+            </a:custGeom>
+            <a:grpFill/>
+            <a:ln>
+              <a:noFill/>
+            </a:ln>
+            <a:extLst>
+              <a:ext uri="{91240B29-F687-4f45-9708-019B960494DF}">
+                <a14:hiddenLine xmlns="" xmlns:a16="http://schemas.microsoft.com/office/drawing/2014/main" xmlns:a14="http://schemas.microsoft.com/office/drawing/2010/main" xmlns:p14="http://schemas.microsoft.com/office/powerpoint/2010/main" w="9525">
+                  <a:solidFill>
+                    <a:srgbClr val="000000"/>
+                  </a:solidFill>
+                  <a:round/>
+                  <a:headEnd/>
+                  <a:tailEnd/>
+                </a14:hiddenLine>
+              </a:ext>
+            </a:extLst>
+          </p:spPr>
+        </p:sp>
+        <p:sp>
+          <p:nvSpPr>
+            <p:cNvPr id="63" name="Freeform 52">
+              <a:extLst>
+                <a:ext uri="{FF2B5EF4-FFF2-40B4-BE49-F238E27FC236}">
+                  <a16:creationId xmlns:a16="http://schemas.microsoft.com/office/drawing/2014/main" id="{68BC6126-2A3A-4F1D-A565-BEF620660A43}"/>
+                </a:ext>
+                <a:ext uri="{C183D7F6-B498-43B3-948B-1728B52AA6E4}">
+                  <adec:decorative xmlns:adec="http://schemas.microsoft.com/office/drawing/2017/decorative" val="1"/>
+                </a:ext>
+              </a:extLst>
+            </p:cNvPr>
+            <p:cNvSpPr/>
+            <p:nvPr>
+              <p:extLst>
+                <p:ext uri="{386F3935-93C4-4BCD-93E2-E3B085C9AB24}">
+                  <p16:designElem xmlns:p16="http://schemas.microsoft.com/office/powerpoint/2015/main" val="1"/>
+                </p:ext>
+              </p:extLst>
+            </p:nvPr>
+          </p:nvSpPr>
+          <p:spPr bwMode="auto">
+            <a:xfrm>
+              <a:off x="1666875" y="5945188"/>
+              <a:ext cx="152400" cy="912813"/>
+            </a:xfrm>
+            <a:custGeom>
+              <a:avLst/>
+              <a:gdLst/>
+              <a:ahLst/>
+              <a:cxnLst/>
+              <a:rect l="0" t="0" r="r" b="b"/>
+              <a:pathLst>
+                <a:path w="96" h="575">
+                  <a:moveTo>
+                    <a:pt x="15" y="575"/>
+                  </a:moveTo>
+                  <a:lnTo>
+                    <a:pt x="0" y="569"/>
+                  </a:lnTo>
+                  <a:lnTo>
+                    <a:pt x="81" y="383"/>
+                  </a:lnTo>
+                  <a:lnTo>
+                    <a:pt x="81" y="0"/>
+                  </a:lnTo>
+                  <a:lnTo>
+                    <a:pt x="96" y="0"/>
+                  </a:lnTo>
+                  <a:lnTo>
+                    <a:pt x="96" y="386"/>
+                  </a:lnTo>
+                  <a:lnTo>
+                    <a:pt x="15" y="575"/>
+                  </a:lnTo>
+                  <a:close/>
+                </a:path>
+              </a:pathLst>
+            </a:custGeom>
+            <a:grpFill/>
+            <a:ln>
+              <a:noFill/>
+            </a:ln>
+            <a:extLst>
+              <a:ext uri="{91240B29-F687-4f45-9708-019B960494DF}">
+                <a14:hiddenLine xmlns="" xmlns:a16="http://schemas.microsoft.com/office/drawing/2014/main" xmlns:a14="http://schemas.microsoft.com/office/drawing/2010/main" xmlns:p14="http://schemas.microsoft.com/office/powerpoint/2010/main" w="9525">
+                  <a:solidFill>
+                    <a:srgbClr val="000000"/>
+                  </a:solidFill>
+                  <a:round/>
+                  <a:headEnd/>
+                  <a:tailEnd/>
+                </a14:hiddenLine>
+              </a:ext>
+            </a:extLst>
+          </p:spPr>
+        </p:sp>
+        <p:sp>
+          <p:nvSpPr>
+            <p:cNvPr id="64" name="Freeform 53">
+              <a:extLst>
+                <a:ext uri="{FF2B5EF4-FFF2-40B4-BE49-F238E27FC236}">
+                  <a16:creationId xmlns:a16="http://schemas.microsoft.com/office/drawing/2014/main" id="{D8C7B98D-F83E-485D-B01D-270242E8FD95}"/>
+                </a:ext>
+                <a:ext uri="{C183D7F6-B498-43B3-948B-1728B52AA6E4}">
+                  <adec:decorative xmlns:adec="http://schemas.microsoft.com/office/drawing/2017/decorative" val="1"/>
+                </a:ext>
+              </a:extLst>
+            </p:cNvPr>
+            <p:cNvSpPr>
+              <a:spLocks noEditPoints="1"/>
+            </p:cNvSpPr>
+            <p:nvPr>
+              <p:extLst>
+                <p:ext uri="{386F3935-93C4-4BCD-93E2-E3B085C9AB24}">
+                  <p16:designElem xmlns:p16="http://schemas.microsoft.com/office/powerpoint/2015/main" val="1"/>
+                </p:ext>
+              </p:extLst>
+            </p:nvPr>
+          </p:nvSpPr>
+          <p:spPr bwMode="auto">
+            <a:xfrm>
+              <a:off x="1709738" y="5246688"/>
+              <a:ext cx="190500" cy="190500"/>
+            </a:xfrm>
+            <a:custGeom>
+              <a:avLst/>
+              <a:gdLst/>
+              <a:ahLst/>
+              <a:cxnLst/>
+              <a:rect l="0" t="0" r="r" b="b"/>
+              <a:pathLst>
+                <a:path w="40" h="40">
+                  <a:moveTo>
+                    <a:pt x="20" y="40"/>
+                  </a:moveTo>
+                  <a:cubicBezTo>
+                    <a:pt x="9" y="40"/>
+                    <a:pt x="0" y="31"/>
+                    <a:pt x="0" y="20"/>
+                  </a:cubicBezTo>
+                  <a:cubicBezTo>
+                    <a:pt x="0" y="9"/>
+                    <a:pt x="9" y="0"/>
+                    <a:pt x="20" y="0"/>
+                  </a:cubicBezTo>
+                  <a:cubicBezTo>
+                    <a:pt x="31" y="0"/>
+                    <a:pt x="40" y="9"/>
+                    <a:pt x="40" y="20"/>
+                  </a:cubicBezTo>
+                  <a:cubicBezTo>
+                    <a:pt x="40" y="31"/>
+                    <a:pt x="31" y="40"/>
+                    <a:pt x="20" y="40"/>
+                  </a:cubicBezTo>
+                  <a:close/>
+                  <a:moveTo>
+                    <a:pt x="20" y="4"/>
+                  </a:moveTo>
+                  <a:cubicBezTo>
+                    <a:pt x="11" y="4"/>
+                    <a:pt x="4" y="11"/>
+                    <a:pt x="4" y="20"/>
+                  </a:cubicBezTo>
+                  <a:cubicBezTo>
+                    <a:pt x="4" y="29"/>
+                    <a:pt x="11" y="36"/>
+                    <a:pt x="20" y="36"/>
+                  </a:cubicBezTo>
+                  <a:cubicBezTo>
+                    <a:pt x="29" y="36"/>
+                    <a:pt x="36" y="29"/>
+                    <a:pt x="36" y="20"/>
+                  </a:cubicBezTo>
+                  <a:cubicBezTo>
+                    <a:pt x="36" y="11"/>
+                    <a:pt x="29" y="4"/>
+                    <a:pt x="20" y="4"/>
+                  </a:cubicBezTo>
+                  <a:close/>
+                </a:path>
+              </a:pathLst>
+            </a:custGeom>
+            <a:grpFill/>
+            <a:ln>
+              <a:noFill/>
+            </a:ln>
+            <a:extLst>
+              <a:ext uri="{91240B29-F687-4f45-9708-019B960494DF}">
+                <a14:hiddenLine xmlns="" xmlns:a16="http://schemas.microsoft.com/office/drawing/2014/main" xmlns:a14="http://schemas.microsoft.com/office/drawing/2010/main" xmlns:p14="http://schemas.microsoft.com/office/powerpoint/2010/main" w="9525">
+                  <a:solidFill>
+                    <a:srgbClr val="000000"/>
+                  </a:solidFill>
+                  <a:round/>
+                  <a:headEnd/>
+                  <a:tailEnd/>
+                </a14:hiddenLine>
+              </a:ext>
+            </a:extLst>
+          </p:spPr>
+        </p:sp>
+        <p:sp>
+          <p:nvSpPr>
+            <p:cNvPr id="65" name="Freeform 54">
+              <a:extLst>
+                <a:ext uri="{FF2B5EF4-FFF2-40B4-BE49-F238E27FC236}">
+                  <a16:creationId xmlns:a16="http://schemas.microsoft.com/office/drawing/2014/main" id="{93D5E722-D236-478A-A13F-8FA4141D94D9}"/>
+                </a:ext>
+                <a:ext uri="{C183D7F6-B498-43B3-948B-1728B52AA6E4}">
+                  <adec:decorative xmlns:adec="http://schemas.microsoft.com/office/drawing/2017/decorative" val="1"/>
+                </a:ext>
+              </a:extLst>
+            </p:cNvPr>
+            <p:cNvSpPr>
+              <a:spLocks noEditPoints="1"/>
+            </p:cNvSpPr>
+            <p:nvPr>
+              <p:extLst>
+                <p:ext uri="{386F3935-93C4-4BCD-93E2-E3B085C9AB24}">
+                  <p16:designElem xmlns:p16="http://schemas.microsoft.com/office/powerpoint/2015/main" val="1"/>
+                </p:ext>
+              </p:extLst>
+            </p:nvPr>
+          </p:nvSpPr>
+          <p:spPr bwMode="auto">
+            <a:xfrm>
+              <a:off x="1709738" y="5764213"/>
+              <a:ext cx="190500" cy="190500"/>
+            </a:xfrm>
+            <a:custGeom>
+              <a:avLst/>
+              <a:gdLst/>
+              <a:ahLst/>
+              <a:cxnLst/>
+              <a:rect l="0" t="0" r="r" b="b"/>
+              <a:pathLst>
+                <a:path w="40" h="40">
+                  <a:moveTo>
+                    <a:pt x="20" y="40"/>
+                  </a:moveTo>
+                  <a:cubicBezTo>
+                    <a:pt x="9" y="40"/>
+                    <a:pt x="0" y="31"/>
+                    <a:pt x="0" y="20"/>
+                  </a:cubicBezTo>
+                  <a:cubicBezTo>
+                    <a:pt x="0" y="9"/>
+                    <a:pt x="9" y="0"/>
+                    <a:pt x="20" y="0"/>
+                  </a:cubicBezTo>
+                  <a:cubicBezTo>
+                    <a:pt x="31" y="0"/>
+                    <a:pt x="40" y="9"/>
+                    <a:pt x="40" y="20"/>
+                  </a:cubicBezTo>
+                  <a:cubicBezTo>
+                    <a:pt x="40" y="31"/>
+                    <a:pt x="31" y="40"/>
+                    <a:pt x="20" y="40"/>
+                  </a:cubicBezTo>
+                  <a:close/>
+                  <a:moveTo>
+                    <a:pt x="20" y="4"/>
+                  </a:moveTo>
+                  <a:cubicBezTo>
+                    <a:pt x="11" y="4"/>
+                    <a:pt x="4" y="11"/>
+                    <a:pt x="4" y="20"/>
+                  </a:cubicBezTo>
+                  <a:cubicBezTo>
+                    <a:pt x="4" y="29"/>
+                    <a:pt x="11" y="36"/>
+                    <a:pt x="20" y="36"/>
+                  </a:cubicBezTo>
+                  <a:cubicBezTo>
+                    <a:pt x="29" y="36"/>
+                    <a:pt x="36" y="29"/>
+                    <a:pt x="36" y="20"/>
+                  </a:cubicBezTo>
+                  <a:cubicBezTo>
+                    <a:pt x="36" y="11"/>
+                    <a:pt x="29" y="4"/>
+                    <a:pt x="20" y="4"/>
+                  </a:cubicBezTo>
+                  <a:close/>
+                </a:path>
+              </a:pathLst>
+            </a:custGeom>
+            <a:grpFill/>
+            <a:ln>
+              <a:noFill/>
+            </a:ln>
+            <a:extLst>
+              <a:ext uri="{91240B29-F687-4f45-9708-019B960494DF}">
+                <a14:hiddenLine xmlns="" xmlns:a16="http://schemas.microsoft.com/office/drawing/2014/main" xmlns:a14="http://schemas.microsoft.com/office/drawing/2010/main" xmlns:p14="http://schemas.microsoft.com/office/powerpoint/2010/main" w="9525">
+                  <a:solidFill>
+                    <a:srgbClr val="000000"/>
+                  </a:solidFill>
+                  <a:round/>
+                  <a:headEnd/>
+                  <a:tailEnd/>
+                </a14:hiddenLine>
+              </a:ext>
+            </a:extLst>
+          </p:spPr>
+        </p:sp>
+        <p:sp>
+          <p:nvSpPr>
+            <p:cNvPr id="66" name="Freeform 55">
+              <a:extLst>
+                <a:ext uri="{FF2B5EF4-FFF2-40B4-BE49-F238E27FC236}">
+                  <a16:creationId xmlns:a16="http://schemas.microsoft.com/office/drawing/2014/main" id="{ABE1456F-F283-4BD5-A1B9-EF2423B68215}"/>
+                </a:ext>
+                <a:ext uri="{C183D7F6-B498-43B3-948B-1728B52AA6E4}">
+                  <adec:decorative xmlns:adec="http://schemas.microsoft.com/office/drawing/2017/decorative" val="1"/>
+                </a:ext>
+              </a:extLst>
+            </p:cNvPr>
+            <p:cNvSpPr/>
+            <p:nvPr>
+              <p:extLst>
+                <p:ext uri="{386F3935-93C4-4BCD-93E2-E3B085C9AB24}">
+                  <p16:designElem xmlns:p16="http://schemas.microsoft.com/office/powerpoint/2015/main" val="1"/>
+                </p:ext>
+              </p:extLst>
+            </p:nvPr>
+          </p:nvSpPr>
+          <p:spPr bwMode="auto">
+            <a:xfrm>
+              <a:off x="1766888" y="6330950"/>
+              <a:ext cx="419100" cy="527050"/>
+            </a:xfrm>
+            <a:custGeom>
+              <a:avLst/>
+              <a:gdLst/>
+              <a:ahLst/>
+              <a:cxnLst/>
+              <a:rect l="0" t="0" r="r" b="b"/>
+              <a:pathLst>
+                <a:path w="264" h="332">
+                  <a:moveTo>
+                    <a:pt x="12" y="332"/>
+                  </a:moveTo>
+                  <a:lnTo>
+                    <a:pt x="0" y="326"/>
+                  </a:lnTo>
+                  <a:lnTo>
+                    <a:pt x="45" y="206"/>
+                  </a:lnTo>
+                  <a:lnTo>
+                    <a:pt x="255" y="0"/>
+                  </a:lnTo>
+                  <a:lnTo>
+                    <a:pt x="264" y="12"/>
+                  </a:lnTo>
+                  <a:lnTo>
+                    <a:pt x="60" y="215"/>
+                  </a:lnTo>
+                  <a:lnTo>
+                    <a:pt x="12" y="332"/>
+                  </a:lnTo>
+                  <a:close/>
+                </a:path>
+              </a:pathLst>
+            </a:custGeom>
+            <a:grpFill/>
+            <a:ln>
+              <a:noFill/>
+            </a:ln>
+            <a:extLst>
+              <a:ext uri="{91240B29-F687-4f45-9708-019B960494DF}">
+                <a14:hiddenLine xmlns="" xmlns:a16="http://schemas.microsoft.com/office/drawing/2014/main" xmlns:a14="http://schemas.microsoft.com/office/drawing/2010/main" xmlns:p14="http://schemas.microsoft.com/office/powerpoint/2010/main" w="9525">
+                  <a:solidFill>
+                    <a:srgbClr val="000000"/>
+                  </a:solidFill>
+                  <a:round/>
+                  <a:headEnd/>
+                  <a:tailEnd/>
+                </a14:hiddenLine>
+              </a:ext>
+            </a:extLst>
+          </p:spPr>
+        </p:sp>
+        <p:sp>
+          <p:nvSpPr>
+            <p:cNvPr id="67" name="Freeform 56">
+              <a:extLst>
+                <a:ext uri="{FF2B5EF4-FFF2-40B4-BE49-F238E27FC236}">
+                  <a16:creationId xmlns:a16="http://schemas.microsoft.com/office/drawing/2014/main" id="{E4D1AC66-8164-4BBC-89D5-69FE7A4FC2E2}"/>
+                </a:ext>
+                <a:ext uri="{C183D7F6-B498-43B3-948B-1728B52AA6E4}">
+                  <adec:decorative xmlns:adec="http://schemas.microsoft.com/office/drawing/2017/decorative" val="1"/>
+                </a:ext>
+              </a:extLst>
+            </p:cNvPr>
+            <p:cNvSpPr>
+              <a:spLocks noEditPoints="1"/>
+            </p:cNvSpPr>
+            <p:nvPr>
+              <p:extLst>
+                <p:ext uri="{386F3935-93C4-4BCD-93E2-E3B085C9AB24}">
+                  <p16:designElem xmlns:p16="http://schemas.microsoft.com/office/powerpoint/2015/main" val="1"/>
+                </p:ext>
+              </p:extLst>
+            </p:nvPr>
+          </p:nvSpPr>
+          <p:spPr bwMode="auto">
+            <a:xfrm>
+              <a:off x="2147888" y="6221413"/>
+              <a:ext cx="157163" cy="147638"/>
+            </a:xfrm>
+            <a:custGeom>
+              <a:avLst/>
+              <a:gdLst/>
+              <a:ahLst/>
+              <a:cxnLst/>
+              <a:rect l="0" t="0" r="r" b="b"/>
+              <a:pathLst>
+                <a:path w="33" h="31">
+                  <a:moveTo>
+                    <a:pt x="16" y="31"/>
+                  </a:moveTo>
+                  <a:cubicBezTo>
+                    <a:pt x="12" y="31"/>
+                    <a:pt x="8" y="29"/>
+                    <a:pt x="5" y="26"/>
+                  </a:cubicBezTo>
+                  <a:cubicBezTo>
+                    <a:pt x="2" y="24"/>
+                    <a:pt x="0" y="20"/>
+                    <a:pt x="0" y="15"/>
+                  </a:cubicBezTo>
+                  <a:cubicBezTo>
+                    <a:pt x="0" y="11"/>
+                    <a:pt x="2" y="7"/>
+                    <a:pt x="5" y="4"/>
+                  </a:cubicBezTo>
+                  <a:cubicBezTo>
+                    <a:pt x="8" y="1"/>
+                    <a:pt x="12" y="0"/>
+                    <a:pt x="16" y="0"/>
+                  </a:cubicBezTo>
+                  <a:cubicBezTo>
+                    <a:pt x="20" y="0"/>
+                    <a:pt x="24" y="1"/>
+                    <a:pt x="27" y="4"/>
+                  </a:cubicBezTo>
+                  <a:cubicBezTo>
+                    <a:pt x="33" y="10"/>
+                    <a:pt x="33" y="20"/>
+                    <a:pt x="27" y="26"/>
+                  </a:cubicBezTo>
+                  <a:cubicBezTo>
+                    <a:pt x="24" y="29"/>
+                    <a:pt x="20" y="31"/>
+                    <a:pt x="16" y="31"/>
+                  </a:cubicBezTo>
+                  <a:close/>
+                  <a:moveTo>
+                    <a:pt x="16" y="4"/>
+                  </a:moveTo>
+                  <a:cubicBezTo>
+                    <a:pt x="13" y="4"/>
+                    <a:pt x="10" y="5"/>
+                    <a:pt x="8" y="7"/>
+                  </a:cubicBezTo>
+                  <a:cubicBezTo>
+                    <a:pt x="6" y="9"/>
+                    <a:pt x="4" y="12"/>
+                    <a:pt x="4" y="15"/>
+                  </a:cubicBezTo>
+                  <a:cubicBezTo>
+                    <a:pt x="4" y="19"/>
+                    <a:pt x="6" y="21"/>
+                    <a:pt x="8" y="24"/>
+                  </a:cubicBezTo>
+                  <a:cubicBezTo>
+                    <a:pt x="10" y="26"/>
+                    <a:pt x="13" y="27"/>
+                    <a:pt x="16" y="27"/>
+                  </a:cubicBezTo>
+                  <a:cubicBezTo>
+                    <a:pt x="19" y="27"/>
+                    <a:pt x="22" y="26"/>
+                    <a:pt x="24" y="24"/>
+                  </a:cubicBezTo>
+                  <a:cubicBezTo>
+                    <a:pt x="29" y="19"/>
+                    <a:pt x="29" y="12"/>
+                    <a:pt x="24" y="7"/>
+                  </a:cubicBezTo>
+                  <a:cubicBezTo>
+                    <a:pt x="22" y="5"/>
+                    <a:pt x="19" y="4"/>
+                    <a:pt x="16" y="4"/>
+                  </a:cubicBezTo>
+                  <a:close/>
+                </a:path>
+              </a:pathLst>
+            </a:custGeom>
+            <a:grpFill/>
+            <a:ln>
+              <a:noFill/>
+            </a:ln>
+            <a:extLst>
+              <a:ext uri="{91240B29-F687-4f45-9708-019B960494DF}">
+                <a14:hiddenLine xmlns="" xmlns:a16="http://schemas.microsoft.com/office/drawing/2014/main" xmlns:a14="http://schemas.microsoft.com/office/drawing/2010/main" xmlns:p14="http://schemas.microsoft.com/office/powerpoint/2010/main" w="9525">
+                  <a:solidFill>
+                    <a:srgbClr val="000000"/>
+                  </a:solidFill>
+                  <a:round/>
+                  <a:headEnd/>
+                  <a:tailEnd/>
+                </a14:hiddenLine>
+              </a:ext>
+            </a:extLst>
+          </p:spPr>
+        </p:sp>
+        <p:sp>
+          <p:nvSpPr>
+            <p:cNvPr id="68" name="Freeform 57">
+              <a:extLst>
+                <a:ext uri="{FF2B5EF4-FFF2-40B4-BE49-F238E27FC236}">
+                  <a16:creationId xmlns:a16="http://schemas.microsoft.com/office/drawing/2014/main" id="{845A8868-488C-447D-979F-7E01B82ACB41}"/>
+                </a:ext>
+                <a:ext uri="{C183D7F6-B498-43B3-948B-1728B52AA6E4}">
+                  <adec:decorative xmlns:adec="http://schemas.microsoft.com/office/drawing/2017/decorative" val="1"/>
+                </a:ext>
+              </a:extLst>
+            </p:cNvPr>
+            <p:cNvSpPr/>
+            <p:nvPr>
+              <p:extLst>
+                <p:ext uri="{386F3935-93C4-4BCD-93E2-E3B085C9AB24}">
+                  <p16:designElem xmlns:p16="http://schemas.microsoft.com/office/powerpoint/2015/main" val="1"/>
+                </p:ext>
+              </p:extLst>
+            </p:nvPr>
+          </p:nvSpPr>
+          <p:spPr bwMode="auto">
+            <a:xfrm>
+              <a:off x="504825" y="9525"/>
+              <a:ext cx="233363" cy="5103813"/>
+            </a:xfrm>
+            <a:custGeom>
+              <a:avLst/>
+              <a:gdLst/>
+              <a:ahLst/>
+              <a:cxnLst/>
+              <a:rect l="0" t="0" r="r" b="b"/>
+              <a:pathLst>
+                <a:path w="147" h="3215">
+                  <a:moveTo>
+                    <a:pt x="132" y="3215"/>
+                  </a:moveTo>
+                  <a:lnTo>
+                    <a:pt x="129" y="2754"/>
+                  </a:lnTo>
+                  <a:lnTo>
+                    <a:pt x="0" y="1901"/>
+                  </a:lnTo>
+                  <a:lnTo>
+                    <a:pt x="0" y="0"/>
+                  </a:lnTo>
+                  <a:lnTo>
+                    <a:pt x="15" y="0"/>
+                  </a:lnTo>
+                  <a:lnTo>
+                    <a:pt x="15" y="1898"/>
+                  </a:lnTo>
+                  <a:lnTo>
+                    <a:pt x="144" y="2754"/>
+                  </a:lnTo>
+                  <a:lnTo>
+                    <a:pt x="147" y="3215"/>
+                  </a:lnTo>
+                  <a:lnTo>
+                    <a:pt x="132" y="3215"/>
+                  </a:lnTo>
+                  <a:close/>
+                </a:path>
+              </a:pathLst>
+            </a:custGeom>
+            <a:grpFill/>
+            <a:ln>
+              <a:noFill/>
+            </a:ln>
+            <a:extLst>
+              <a:ext uri="{91240B29-F687-4f45-9708-019B960494DF}">
+                <a14:hiddenLine xmlns="" xmlns:a16="http://schemas.microsoft.com/office/drawing/2014/main" xmlns:a14="http://schemas.microsoft.com/office/drawing/2010/main" xmlns:p14="http://schemas.microsoft.com/office/powerpoint/2010/main" w="9525">
+                  <a:solidFill>
+                    <a:srgbClr val="000000"/>
+                  </a:solidFill>
+                  <a:round/>
+                  <a:headEnd/>
+                  <a:tailEnd/>
+                </a14:hiddenLine>
+              </a:ext>
+            </a:extLst>
+          </p:spPr>
+        </p:sp>
+        <p:sp>
+          <p:nvSpPr>
+            <p:cNvPr id="69" name="Freeform 58">
+              <a:extLst>
+                <a:ext uri="{FF2B5EF4-FFF2-40B4-BE49-F238E27FC236}">
+                  <a16:creationId xmlns:a16="http://schemas.microsoft.com/office/drawing/2014/main" id="{948639B9-9B88-432B-914E-6B70BAEB1DFA}"/>
+                </a:ext>
+                <a:ext uri="{C183D7F6-B498-43B3-948B-1728B52AA6E4}">
+                  <adec:decorative xmlns:adec="http://schemas.microsoft.com/office/drawing/2017/decorative" val="1"/>
+                </a:ext>
+              </a:extLst>
+            </p:cNvPr>
+            <p:cNvSpPr>
+              <a:spLocks noEditPoints="1"/>
+            </p:cNvSpPr>
+            <p:nvPr>
+              <p:extLst>
+                <p:ext uri="{386F3935-93C4-4BCD-93E2-E3B085C9AB24}">
+                  <p16:designElem xmlns:p16="http://schemas.microsoft.com/office/powerpoint/2015/main" val="1"/>
+                </p:ext>
+              </p:extLst>
+            </p:nvPr>
+          </p:nvSpPr>
+          <p:spPr bwMode="auto">
+            <a:xfrm>
+              <a:off x="633413" y="5103813"/>
+              <a:ext cx="185738" cy="185738"/>
+            </a:xfrm>
+            <a:custGeom>
+              <a:avLst/>
+              <a:gdLst/>
+              <a:ahLst/>
+              <a:cxnLst/>
+              <a:rect l="0" t="0" r="r" b="b"/>
+              <a:pathLst>
+                <a:path w="39" h="39">
+                  <a:moveTo>
+                    <a:pt x="20" y="39"/>
+                  </a:moveTo>
+                  <a:cubicBezTo>
+                    <a:pt x="9" y="39"/>
+                    <a:pt x="0" y="30"/>
+                    <a:pt x="0" y="19"/>
+                  </a:cubicBezTo>
+                  <a:cubicBezTo>
+                    <a:pt x="0" y="9"/>
+                    <a:pt x="9" y="0"/>
+                    <a:pt x="20" y="0"/>
+                  </a:cubicBezTo>
+                  <a:cubicBezTo>
+                    <a:pt x="30" y="0"/>
+                    <a:pt x="39" y="9"/>
+                    <a:pt x="39" y="19"/>
+                  </a:cubicBezTo>
+                  <a:cubicBezTo>
+                    <a:pt x="39" y="30"/>
+                    <a:pt x="30" y="39"/>
+                    <a:pt x="20" y="39"/>
+                  </a:cubicBezTo>
+                  <a:close/>
+                  <a:moveTo>
+                    <a:pt x="20" y="4"/>
+                  </a:moveTo>
+                  <a:cubicBezTo>
+                    <a:pt x="11" y="4"/>
+                    <a:pt x="4" y="11"/>
+                    <a:pt x="4" y="19"/>
+                  </a:cubicBezTo>
+                  <a:cubicBezTo>
+                    <a:pt x="4" y="28"/>
+                    <a:pt x="11" y="35"/>
+                    <a:pt x="20" y="35"/>
+                  </a:cubicBezTo>
+                  <a:cubicBezTo>
+                    <a:pt x="28" y="35"/>
+                    <a:pt x="35" y="28"/>
+                    <a:pt x="35" y="19"/>
+                  </a:cubicBezTo>
+                  <a:cubicBezTo>
+                    <a:pt x="35" y="11"/>
+                    <a:pt x="28" y="4"/>
+                    <a:pt x="20" y="4"/>
+                  </a:cubicBezTo>
+                  <a:close/>
+                </a:path>
+              </a:pathLst>
+            </a:custGeom>
+            <a:grpFill/>
+            <a:ln>
+              <a:noFill/>
+            </a:ln>
+            <a:extLst>
+              <a:ext uri="{91240B29-F687-4f45-9708-019B960494DF}">
+                <a14:hiddenLine xmlns="" xmlns:a16="http://schemas.microsoft.com/office/drawing/2014/main" xmlns:a14="http://schemas.microsoft.com/office/drawing/2010/main" xmlns:p14="http://schemas.microsoft.com/office/powerpoint/2010/main" w="9525">
+                  <a:solidFill>
+                    <a:srgbClr val="000000"/>
+                  </a:solidFill>
+                  <a:round/>
+                  <a:headEnd/>
+                  <a:tailEnd/>
+                </a14:hiddenLine>
+              </a:ext>
+            </a:extLst>
+          </p:spPr>
+        </p:sp>
+      </p:grpSp>
       <p:sp>
         <p:nvSpPr>
           <p:cNvPr id="4" name="Slide Number Placeholder 3">
@@ -13149,25 +18502,1015 @@
             <p:ph type="sldNum" sz="quarter" idx="12"/>
           </p:nvPr>
         </p:nvSpPr>
-        <p:spPr/>
+        <p:spPr>
+          <a:xfrm>
+            <a:off x="9896911" y="5410199"/>
+            <a:ext cx="771089" cy="365125"/>
+          </a:xfrm>
+        </p:spPr>
         <p:txBody>
           <a:bodyPr/>
           <a:lstStyle/>
           <a:p>
+            <a:pPr>
+              <a:spcAft>
+                <a:spcPts val="600"/>
+              </a:spcAft>
+            </a:pPr>
             <a:fld id="{B59B104B-9B6C-40D2-938C-E7EC2A71093E}" type="slidenum">
               <a:rPr lang="en-US" smtClean="0"/>
+              <a:pPr>
+                <a:spcAft>
+                  <a:spcPts val="600"/>
+                </a:spcAft>
+              </a:pPr>
               <a:t>1</a:t>
             </a:fld>
             <a:endParaRPr lang="en-US"/>
           </a:p>
         </p:txBody>
       </p:sp>
+      <p:grpSp>
+        <p:nvGrpSpPr>
+          <p:cNvPr id="71" name="Group 70">
+            <a:extLst>
+              <a:ext uri="{FF2B5EF4-FFF2-40B4-BE49-F238E27FC236}">
+                <a16:creationId xmlns:a16="http://schemas.microsoft.com/office/drawing/2014/main" id="{77EB1C59-16D1-4C5E-9775-50CB40E022FE}"/>
+              </a:ext>
+              <a:ext uri="{C183D7F6-B498-43B3-948B-1728B52AA6E4}">
+                <adec:decorative xmlns:adec="http://schemas.microsoft.com/office/drawing/2017/decorative" val="1"/>
+              </a:ext>
+            </a:extLst>
+          </p:cNvPr>
+          <p:cNvGrpSpPr>
+            <a:grpSpLocks noGrp="1" noUngrp="1" noRot="1" noChangeAspect="1" noMove="1" noResize="1"/>
+          </p:cNvGrpSpPr>
+          <p:nvPr>
+            <p:extLst>
+              <p:ext uri="{386F3935-93C4-4BCD-93E2-E3B085C9AB24}">
+                <p16:designElem xmlns:p16="http://schemas.microsoft.com/office/powerpoint/2015/main" val="1"/>
+              </p:ext>
+            </p:extLst>
+          </p:nvPr>
+        </p:nvGrpSpPr>
+        <p:grpSpPr>
+          <a:xfrm>
+            <a:off x="11364912" y="0"/>
+            <a:ext cx="674688" cy="6848476"/>
+            <a:chOff x="11364912" y="0"/>
+            <a:chExt cx="674688" cy="6848476"/>
+          </a:xfrm>
+          <a:gradFill flip="none" rotWithShape="1">
+            <a:gsLst>
+              <a:gs pos="0">
+                <a:schemeClr val="tx2">
+                  <a:alpha val="80000"/>
+                </a:schemeClr>
+              </a:gs>
+              <a:gs pos="100000">
+                <a:schemeClr val="bg2">
+                  <a:lumMod val="60000"/>
+                  <a:lumOff val="40000"/>
+                  <a:alpha val="60000"/>
+                </a:schemeClr>
+              </a:gs>
+            </a:gsLst>
+            <a:lin ang="5400000" scaled="0"/>
+            <a:tileRect/>
+          </a:gradFill>
+        </p:grpSpPr>
+        <p:sp>
+          <p:nvSpPr>
+            <p:cNvPr id="72" name="Freeform 32">
+              <a:extLst>
+                <a:ext uri="{FF2B5EF4-FFF2-40B4-BE49-F238E27FC236}">
+                  <a16:creationId xmlns:a16="http://schemas.microsoft.com/office/drawing/2014/main" id="{08680D14-7FE7-4522-B5EE-76447F833961}"/>
+                </a:ext>
+                <a:ext uri="{C183D7F6-B498-43B3-948B-1728B52AA6E4}">
+                  <adec:decorative xmlns:adec="http://schemas.microsoft.com/office/drawing/2017/decorative" val="1"/>
+                </a:ext>
+              </a:extLst>
+            </p:cNvPr>
+            <p:cNvSpPr/>
+            <p:nvPr>
+              <p:extLst>
+                <p:ext uri="{386F3935-93C4-4BCD-93E2-E3B085C9AB24}">
+                  <p16:designElem xmlns:p16="http://schemas.microsoft.com/office/powerpoint/2015/main" val="1"/>
+                </p:ext>
+              </p:extLst>
+            </p:nvPr>
+          </p:nvSpPr>
+          <p:spPr bwMode="auto">
+            <a:xfrm>
+              <a:off x="11483975" y="0"/>
+              <a:ext cx="417513" cy="512763"/>
+            </a:xfrm>
+            <a:custGeom>
+              <a:avLst/>
+              <a:gdLst/>
+              <a:ahLst/>
+              <a:cxnLst/>
+              <a:rect l="0" t="0" r="r" b="b"/>
+              <a:pathLst>
+                <a:path w="263" h="323">
+                  <a:moveTo>
+                    <a:pt x="12" y="323"/>
+                  </a:moveTo>
+                  <a:lnTo>
+                    <a:pt x="0" y="314"/>
+                  </a:lnTo>
+                  <a:lnTo>
+                    <a:pt x="203" y="108"/>
+                  </a:lnTo>
+                  <a:lnTo>
+                    <a:pt x="248" y="0"/>
+                  </a:lnTo>
+                  <a:lnTo>
+                    <a:pt x="263" y="6"/>
+                  </a:lnTo>
+                  <a:lnTo>
+                    <a:pt x="218" y="117"/>
+                  </a:lnTo>
+                  <a:lnTo>
+                    <a:pt x="218" y="117"/>
+                  </a:lnTo>
+                  <a:lnTo>
+                    <a:pt x="12" y="323"/>
+                  </a:lnTo>
+                  <a:close/>
+                </a:path>
+              </a:pathLst>
+            </a:custGeom>
+            <a:grpFill/>
+            <a:ln>
+              <a:noFill/>
+            </a:ln>
+            <a:extLst>
+              <a:ext uri="{91240B29-F687-4f45-9708-019B960494DF}">
+                <a14:hiddenLine xmlns="" xmlns:a16="http://schemas.microsoft.com/office/drawing/2014/main" xmlns:a14="http://schemas.microsoft.com/office/drawing/2010/main" xmlns:p14="http://schemas.microsoft.com/office/powerpoint/2010/main" w="9525">
+                  <a:solidFill>
+                    <a:srgbClr val="000000"/>
+                  </a:solidFill>
+                  <a:round/>
+                  <a:headEnd/>
+                  <a:tailEnd/>
+                </a14:hiddenLine>
+              </a:ext>
+            </a:extLst>
+          </p:spPr>
+        </p:sp>
+        <p:sp>
+          <p:nvSpPr>
+            <p:cNvPr id="73" name="Freeform 33">
+              <a:extLst>
+                <a:ext uri="{FF2B5EF4-FFF2-40B4-BE49-F238E27FC236}">
+                  <a16:creationId xmlns:a16="http://schemas.microsoft.com/office/drawing/2014/main" id="{D82C01B5-EC9C-4883-B130-115321E8B3E6}"/>
+                </a:ext>
+                <a:ext uri="{C183D7F6-B498-43B3-948B-1728B52AA6E4}">
+                  <adec:decorative xmlns:adec="http://schemas.microsoft.com/office/drawing/2017/decorative" val="1"/>
+                </a:ext>
+              </a:extLst>
+            </p:cNvPr>
+            <p:cNvSpPr>
+              <a:spLocks noEditPoints="1"/>
+            </p:cNvSpPr>
+            <p:nvPr>
+              <p:extLst>
+                <p:ext uri="{386F3935-93C4-4BCD-93E2-E3B085C9AB24}">
+                  <p16:designElem xmlns:p16="http://schemas.microsoft.com/office/powerpoint/2015/main" val="1"/>
+                </p:ext>
+              </p:extLst>
+            </p:nvPr>
+          </p:nvSpPr>
+          <p:spPr bwMode="auto">
+            <a:xfrm>
+              <a:off x="11364912" y="474663"/>
+              <a:ext cx="157163" cy="152400"/>
+            </a:xfrm>
+            <a:custGeom>
+              <a:avLst/>
+              <a:gdLst/>
+              <a:ahLst/>
+              <a:cxnLst/>
+              <a:rect l="0" t="0" r="r" b="b"/>
+              <a:pathLst>
+                <a:path w="33" h="32">
+                  <a:moveTo>
+                    <a:pt x="17" y="32"/>
+                  </a:moveTo>
+                  <a:cubicBezTo>
+                    <a:pt x="13" y="32"/>
+                    <a:pt x="9" y="30"/>
+                    <a:pt x="6" y="27"/>
+                  </a:cubicBezTo>
+                  <a:cubicBezTo>
+                    <a:pt x="0" y="21"/>
+                    <a:pt x="0" y="11"/>
+                    <a:pt x="6" y="5"/>
+                  </a:cubicBezTo>
+                  <a:cubicBezTo>
+                    <a:pt x="9" y="2"/>
+                    <a:pt x="13" y="0"/>
+                    <a:pt x="17" y="0"/>
+                  </a:cubicBezTo>
+                  <a:cubicBezTo>
+                    <a:pt x="21" y="0"/>
+                    <a:pt x="25" y="2"/>
+                    <a:pt x="28" y="5"/>
+                  </a:cubicBezTo>
+                  <a:cubicBezTo>
+                    <a:pt x="31" y="8"/>
+                    <a:pt x="33" y="12"/>
+                    <a:pt x="33" y="16"/>
+                  </a:cubicBezTo>
+                  <a:cubicBezTo>
+                    <a:pt x="33" y="20"/>
+                    <a:pt x="31" y="24"/>
+                    <a:pt x="28" y="27"/>
+                  </a:cubicBezTo>
+                  <a:cubicBezTo>
+                    <a:pt x="25" y="30"/>
+                    <a:pt x="21" y="32"/>
+                    <a:pt x="17" y="32"/>
+                  </a:cubicBezTo>
+                  <a:close/>
+                  <a:moveTo>
+                    <a:pt x="17" y="4"/>
+                  </a:moveTo>
+                  <a:cubicBezTo>
+                    <a:pt x="14" y="4"/>
+                    <a:pt x="11" y="6"/>
+                    <a:pt x="9" y="8"/>
+                  </a:cubicBezTo>
+                  <a:cubicBezTo>
+                    <a:pt x="4" y="12"/>
+                    <a:pt x="4" y="20"/>
+                    <a:pt x="9" y="24"/>
+                  </a:cubicBezTo>
+                  <a:cubicBezTo>
+                    <a:pt x="11" y="27"/>
+                    <a:pt x="14" y="28"/>
+                    <a:pt x="17" y="28"/>
+                  </a:cubicBezTo>
+                  <a:cubicBezTo>
+                    <a:pt x="20" y="28"/>
+                    <a:pt x="23" y="27"/>
+                    <a:pt x="26" y="24"/>
+                  </a:cubicBezTo>
+                  <a:cubicBezTo>
+                    <a:pt x="30" y="20"/>
+                    <a:pt x="30" y="12"/>
+                    <a:pt x="26" y="8"/>
+                  </a:cubicBezTo>
+                  <a:cubicBezTo>
+                    <a:pt x="23" y="6"/>
+                    <a:pt x="20" y="4"/>
+                    <a:pt x="17" y="4"/>
+                  </a:cubicBezTo>
+                  <a:close/>
+                </a:path>
+              </a:pathLst>
+            </a:custGeom>
+            <a:grpFill/>
+            <a:ln>
+              <a:noFill/>
+            </a:ln>
+            <a:extLst>
+              <a:ext uri="{91240B29-F687-4f45-9708-019B960494DF}">
+                <a14:hiddenLine xmlns="" xmlns:a16="http://schemas.microsoft.com/office/drawing/2014/main" xmlns:a14="http://schemas.microsoft.com/office/drawing/2010/main" xmlns:p14="http://schemas.microsoft.com/office/powerpoint/2010/main" w="9525">
+                  <a:solidFill>
+                    <a:srgbClr val="000000"/>
+                  </a:solidFill>
+                  <a:round/>
+                  <a:headEnd/>
+                  <a:tailEnd/>
+                </a14:hiddenLine>
+              </a:ext>
+            </a:extLst>
+          </p:spPr>
+        </p:sp>
+        <p:sp>
+          <p:nvSpPr>
+            <p:cNvPr id="74" name="Freeform 34">
+              <a:extLst>
+                <a:ext uri="{FF2B5EF4-FFF2-40B4-BE49-F238E27FC236}">
+                  <a16:creationId xmlns:a16="http://schemas.microsoft.com/office/drawing/2014/main" id="{DBBE5E83-362F-4EA7-A96D-0BC830A21701}"/>
+                </a:ext>
+                <a:ext uri="{C183D7F6-B498-43B3-948B-1728B52AA6E4}">
+                  <adec:decorative xmlns:adec="http://schemas.microsoft.com/office/drawing/2017/decorative" val="1"/>
+                </a:ext>
+              </a:extLst>
+            </p:cNvPr>
+            <p:cNvSpPr>
+              <a:spLocks noEditPoints="1"/>
+            </p:cNvSpPr>
+            <p:nvPr>
+              <p:extLst>
+                <p:ext uri="{386F3935-93C4-4BCD-93E2-E3B085C9AB24}">
+                  <p16:designElem xmlns:p16="http://schemas.microsoft.com/office/powerpoint/2015/main" val="1"/>
+                </p:ext>
+              </p:extLst>
+            </p:nvPr>
+          </p:nvSpPr>
+          <p:spPr bwMode="auto">
+            <a:xfrm>
+              <a:off x="11631612" y="1539875"/>
+              <a:ext cx="188913" cy="190500"/>
+            </a:xfrm>
+            <a:custGeom>
+              <a:avLst/>
+              <a:gdLst/>
+              <a:ahLst/>
+              <a:cxnLst/>
+              <a:rect l="0" t="0" r="r" b="b"/>
+              <a:pathLst>
+                <a:path w="40" h="40">
+                  <a:moveTo>
+                    <a:pt x="20" y="40"/>
+                  </a:moveTo>
+                  <a:cubicBezTo>
+                    <a:pt x="9" y="40"/>
+                    <a:pt x="0" y="31"/>
+                    <a:pt x="0" y="20"/>
+                  </a:cubicBezTo>
+                  <a:cubicBezTo>
+                    <a:pt x="0" y="9"/>
+                    <a:pt x="9" y="0"/>
+                    <a:pt x="20" y="0"/>
+                  </a:cubicBezTo>
+                  <a:cubicBezTo>
+                    <a:pt x="31" y="0"/>
+                    <a:pt x="40" y="9"/>
+                    <a:pt x="40" y="20"/>
+                  </a:cubicBezTo>
+                  <a:cubicBezTo>
+                    <a:pt x="40" y="31"/>
+                    <a:pt x="31" y="40"/>
+                    <a:pt x="20" y="40"/>
+                  </a:cubicBezTo>
+                  <a:close/>
+                  <a:moveTo>
+                    <a:pt x="20" y="4"/>
+                  </a:moveTo>
+                  <a:cubicBezTo>
+                    <a:pt x="11" y="4"/>
+                    <a:pt x="4" y="11"/>
+                    <a:pt x="4" y="20"/>
+                  </a:cubicBezTo>
+                  <a:cubicBezTo>
+                    <a:pt x="4" y="29"/>
+                    <a:pt x="11" y="36"/>
+                    <a:pt x="20" y="36"/>
+                  </a:cubicBezTo>
+                  <a:cubicBezTo>
+                    <a:pt x="29" y="36"/>
+                    <a:pt x="36" y="29"/>
+                    <a:pt x="36" y="20"/>
+                  </a:cubicBezTo>
+                  <a:cubicBezTo>
+                    <a:pt x="36" y="11"/>
+                    <a:pt x="29" y="4"/>
+                    <a:pt x="20" y="4"/>
+                  </a:cubicBezTo>
+                  <a:close/>
+                </a:path>
+              </a:pathLst>
+            </a:custGeom>
+            <a:grpFill/>
+            <a:ln>
+              <a:noFill/>
+            </a:ln>
+            <a:extLst>
+              <a:ext uri="{91240B29-F687-4f45-9708-019B960494DF}">
+                <a14:hiddenLine xmlns="" xmlns:a16="http://schemas.microsoft.com/office/drawing/2014/main" xmlns:a14="http://schemas.microsoft.com/office/drawing/2010/main" xmlns:p14="http://schemas.microsoft.com/office/powerpoint/2010/main" w="9525">
+                  <a:solidFill>
+                    <a:srgbClr val="000000"/>
+                  </a:solidFill>
+                  <a:round/>
+                  <a:headEnd/>
+                  <a:tailEnd/>
+                </a14:hiddenLine>
+              </a:ext>
+            </a:extLst>
+          </p:spPr>
+        </p:sp>
+        <p:sp>
+          <p:nvSpPr>
+            <p:cNvPr id="75" name="Freeform 35">
+              <a:extLst>
+                <a:ext uri="{FF2B5EF4-FFF2-40B4-BE49-F238E27FC236}">
+                  <a16:creationId xmlns:a16="http://schemas.microsoft.com/office/drawing/2014/main" id="{3971FE03-8B37-43AF-8842-8D4411C3C53F}"/>
+                </a:ext>
+                <a:ext uri="{C183D7F6-B498-43B3-948B-1728B52AA6E4}">
+                  <adec:decorative xmlns:adec="http://schemas.microsoft.com/office/drawing/2017/decorative" val="1"/>
+                </a:ext>
+              </a:extLst>
+            </p:cNvPr>
+            <p:cNvSpPr/>
+            <p:nvPr>
+              <p:extLst>
+                <p:ext uri="{386F3935-93C4-4BCD-93E2-E3B085C9AB24}">
+                  <p16:designElem xmlns:p16="http://schemas.microsoft.com/office/powerpoint/2015/main" val="1"/>
+                </p:ext>
+              </p:extLst>
+            </p:nvPr>
+          </p:nvSpPr>
+          <p:spPr bwMode="auto">
+            <a:xfrm>
+              <a:off x="11531600" y="5694363"/>
+              <a:ext cx="298450" cy="1154113"/>
+            </a:xfrm>
+            <a:custGeom>
+              <a:avLst/>
+              <a:gdLst/>
+              <a:ahLst/>
+              <a:cxnLst/>
+              <a:rect l="0" t="0" r="r" b="b"/>
+              <a:pathLst>
+                <a:path w="188" h="727">
+                  <a:moveTo>
+                    <a:pt x="15" y="727"/>
+                  </a:moveTo>
+                  <a:lnTo>
+                    <a:pt x="0" y="727"/>
+                  </a:lnTo>
+                  <a:lnTo>
+                    <a:pt x="0" y="407"/>
+                  </a:lnTo>
+                  <a:lnTo>
+                    <a:pt x="0" y="407"/>
+                  </a:lnTo>
+                  <a:lnTo>
+                    <a:pt x="176" y="0"/>
+                  </a:lnTo>
+                  <a:lnTo>
+                    <a:pt x="188" y="6"/>
+                  </a:lnTo>
+                  <a:lnTo>
+                    <a:pt x="15" y="410"/>
+                  </a:lnTo>
+                  <a:lnTo>
+                    <a:pt x="15" y="727"/>
+                  </a:lnTo>
+                  <a:close/>
+                </a:path>
+              </a:pathLst>
+            </a:custGeom>
+            <a:grpFill/>
+            <a:ln>
+              <a:noFill/>
+            </a:ln>
+            <a:extLst>
+              <a:ext uri="{91240B29-F687-4f45-9708-019B960494DF}">
+                <a14:hiddenLine xmlns="" xmlns:a16="http://schemas.microsoft.com/office/drawing/2014/main" xmlns:a14="http://schemas.microsoft.com/office/drawing/2010/main" xmlns:p14="http://schemas.microsoft.com/office/powerpoint/2010/main" w="9525">
+                  <a:solidFill>
+                    <a:srgbClr val="000000"/>
+                  </a:solidFill>
+                  <a:round/>
+                  <a:headEnd/>
+                  <a:tailEnd/>
+                </a14:hiddenLine>
+              </a:ext>
+            </a:extLst>
+          </p:spPr>
+        </p:sp>
+        <p:sp>
+          <p:nvSpPr>
+            <p:cNvPr id="76" name="Freeform 36">
+              <a:extLst>
+                <a:ext uri="{FF2B5EF4-FFF2-40B4-BE49-F238E27FC236}">
+                  <a16:creationId xmlns:a16="http://schemas.microsoft.com/office/drawing/2014/main" id="{8E4E3D41-4CF7-4D15-854A-C4330D3900B8}"/>
+                </a:ext>
+                <a:ext uri="{C183D7F6-B498-43B3-948B-1728B52AA6E4}">
+                  <adec:decorative xmlns:adec="http://schemas.microsoft.com/office/drawing/2017/decorative" val="1"/>
+                </a:ext>
+              </a:extLst>
+            </p:cNvPr>
+            <p:cNvSpPr>
+              <a:spLocks noEditPoints="1"/>
+            </p:cNvSpPr>
+            <p:nvPr>
+              <p:extLst>
+                <p:ext uri="{386F3935-93C4-4BCD-93E2-E3B085C9AB24}">
+                  <p16:designElem xmlns:p16="http://schemas.microsoft.com/office/powerpoint/2015/main" val="1"/>
+                </p:ext>
+              </p:extLst>
+            </p:nvPr>
+          </p:nvSpPr>
+          <p:spPr bwMode="auto">
+            <a:xfrm>
+              <a:off x="11772900" y="5551488"/>
+              <a:ext cx="157163" cy="155575"/>
+            </a:xfrm>
+            <a:custGeom>
+              <a:avLst/>
+              <a:gdLst/>
+              <a:ahLst/>
+              <a:cxnLst/>
+              <a:rect l="0" t="0" r="r" b="b"/>
+              <a:pathLst>
+                <a:path w="33" h="33">
+                  <a:moveTo>
+                    <a:pt x="17" y="33"/>
+                  </a:moveTo>
+                  <a:cubicBezTo>
+                    <a:pt x="8" y="33"/>
+                    <a:pt x="0" y="25"/>
+                    <a:pt x="0" y="16"/>
+                  </a:cubicBezTo>
+                  <a:cubicBezTo>
+                    <a:pt x="0" y="7"/>
+                    <a:pt x="8" y="0"/>
+                    <a:pt x="17" y="0"/>
+                  </a:cubicBezTo>
+                  <a:cubicBezTo>
+                    <a:pt x="26" y="0"/>
+                    <a:pt x="33" y="7"/>
+                    <a:pt x="33" y="16"/>
+                  </a:cubicBezTo>
+                  <a:cubicBezTo>
+                    <a:pt x="33" y="25"/>
+                    <a:pt x="26" y="33"/>
+                    <a:pt x="17" y="33"/>
+                  </a:cubicBezTo>
+                  <a:close/>
+                  <a:moveTo>
+                    <a:pt x="17" y="4"/>
+                  </a:moveTo>
+                  <a:cubicBezTo>
+                    <a:pt x="10" y="4"/>
+                    <a:pt x="4" y="9"/>
+                    <a:pt x="4" y="16"/>
+                  </a:cubicBezTo>
+                  <a:cubicBezTo>
+                    <a:pt x="4" y="23"/>
+                    <a:pt x="10" y="29"/>
+                    <a:pt x="17" y="29"/>
+                  </a:cubicBezTo>
+                  <a:cubicBezTo>
+                    <a:pt x="23" y="29"/>
+                    <a:pt x="29" y="23"/>
+                    <a:pt x="29" y="16"/>
+                  </a:cubicBezTo>
+                  <a:cubicBezTo>
+                    <a:pt x="29" y="9"/>
+                    <a:pt x="23" y="4"/>
+                    <a:pt x="17" y="4"/>
+                  </a:cubicBezTo>
+                  <a:close/>
+                </a:path>
+              </a:pathLst>
+            </a:custGeom>
+            <a:grpFill/>
+            <a:ln>
+              <a:noFill/>
+            </a:ln>
+            <a:extLst>
+              <a:ext uri="{91240B29-F687-4f45-9708-019B960494DF}">
+                <a14:hiddenLine xmlns="" xmlns:a16="http://schemas.microsoft.com/office/drawing/2014/main" xmlns:a14="http://schemas.microsoft.com/office/drawing/2010/main" xmlns:p14="http://schemas.microsoft.com/office/powerpoint/2010/main" w="9525">
+                  <a:solidFill>
+                    <a:srgbClr val="000000"/>
+                  </a:solidFill>
+                  <a:round/>
+                  <a:headEnd/>
+                  <a:tailEnd/>
+                </a14:hiddenLine>
+              </a:ext>
+            </a:extLst>
+          </p:spPr>
+        </p:sp>
+        <p:sp>
+          <p:nvSpPr>
+            <p:cNvPr id="77" name="Freeform 37">
+              <a:extLst>
+                <a:ext uri="{FF2B5EF4-FFF2-40B4-BE49-F238E27FC236}">
+                  <a16:creationId xmlns:a16="http://schemas.microsoft.com/office/drawing/2014/main" id="{78B649D7-3C5D-462D-B06A-D065135FE8A4}"/>
+                </a:ext>
+                <a:ext uri="{C183D7F6-B498-43B3-948B-1728B52AA6E4}">
+                  <adec:decorative xmlns:adec="http://schemas.microsoft.com/office/drawing/2017/decorative" val="1"/>
+                </a:ext>
+              </a:extLst>
+            </p:cNvPr>
+            <p:cNvSpPr/>
+            <p:nvPr>
+              <p:extLst>
+                <p:ext uri="{386F3935-93C4-4BCD-93E2-E3B085C9AB24}">
+                  <p16:designElem xmlns:p16="http://schemas.microsoft.com/office/powerpoint/2015/main" val="1"/>
+                </p:ext>
+              </p:extLst>
+            </p:nvPr>
+          </p:nvSpPr>
+          <p:spPr bwMode="auto">
+            <a:xfrm>
+              <a:off x="11710987" y="4763"/>
+              <a:ext cx="304800" cy="1544638"/>
+            </a:xfrm>
+            <a:custGeom>
+              <a:avLst/>
+              <a:gdLst/>
+              <a:ahLst/>
+              <a:cxnLst/>
+              <a:rect l="0" t="0" r="r" b="b"/>
+              <a:pathLst>
+                <a:path w="192" h="973">
+                  <a:moveTo>
+                    <a:pt x="15" y="973"/>
+                  </a:moveTo>
+                  <a:lnTo>
+                    <a:pt x="0" y="973"/>
+                  </a:lnTo>
+                  <a:lnTo>
+                    <a:pt x="0" y="790"/>
+                  </a:lnTo>
+                  <a:lnTo>
+                    <a:pt x="174" y="614"/>
+                  </a:lnTo>
+                  <a:lnTo>
+                    <a:pt x="174" y="0"/>
+                  </a:lnTo>
+                  <a:lnTo>
+                    <a:pt x="192" y="0"/>
+                  </a:lnTo>
+                  <a:lnTo>
+                    <a:pt x="192" y="620"/>
+                  </a:lnTo>
+                  <a:lnTo>
+                    <a:pt x="15" y="796"/>
+                  </a:lnTo>
+                  <a:lnTo>
+                    <a:pt x="15" y="973"/>
+                  </a:lnTo>
+                  <a:close/>
+                </a:path>
+              </a:pathLst>
+            </a:custGeom>
+            <a:grpFill/>
+            <a:ln>
+              <a:noFill/>
+            </a:ln>
+            <a:extLst>
+              <a:ext uri="{91240B29-F687-4f45-9708-019B960494DF}">
+                <a14:hiddenLine xmlns="" xmlns:a16="http://schemas.microsoft.com/office/drawing/2014/main" xmlns:a14="http://schemas.microsoft.com/office/drawing/2010/main" xmlns:p14="http://schemas.microsoft.com/office/powerpoint/2010/main" w="9525">
+                  <a:solidFill>
+                    <a:srgbClr val="000000"/>
+                  </a:solidFill>
+                  <a:round/>
+                  <a:headEnd/>
+                  <a:tailEnd/>
+                </a14:hiddenLine>
+              </a:ext>
+            </a:extLst>
+          </p:spPr>
+        </p:sp>
+        <p:sp>
+          <p:nvSpPr>
+            <p:cNvPr id="78" name="Freeform 38">
+              <a:extLst>
+                <a:ext uri="{FF2B5EF4-FFF2-40B4-BE49-F238E27FC236}">
+                  <a16:creationId xmlns:a16="http://schemas.microsoft.com/office/drawing/2014/main" id="{7A3DDEF1-D28A-48D9-8E48-B2003DF2EEEC}"/>
+                </a:ext>
+                <a:ext uri="{C183D7F6-B498-43B3-948B-1728B52AA6E4}">
+                  <adec:decorative xmlns:adec="http://schemas.microsoft.com/office/drawing/2017/decorative" val="1"/>
+                </a:ext>
+              </a:extLst>
+            </p:cNvPr>
+            <p:cNvSpPr>
+              <a:spLocks noEditPoints="1"/>
+            </p:cNvSpPr>
+            <p:nvPr>
+              <p:extLst>
+                <p:ext uri="{386F3935-93C4-4BCD-93E2-E3B085C9AB24}">
+                  <p16:designElem xmlns:p16="http://schemas.microsoft.com/office/powerpoint/2015/main" val="1"/>
+                </p:ext>
+              </p:extLst>
+            </p:nvPr>
+          </p:nvSpPr>
+          <p:spPr bwMode="auto">
+            <a:xfrm>
+              <a:off x="11636375" y="4867275"/>
+              <a:ext cx="188913" cy="188913"/>
+            </a:xfrm>
+            <a:custGeom>
+              <a:avLst/>
+              <a:gdLst/>
+              <a:ahLst/>
+              <a:cxnLst/>
+              <a:rect l="0" t="0" r="r" b="b"/>
+              <a:pathLst>
+                <a:path w="40" h="40">
+                  <a:moveTo>
+                    <a:pt x="20" y="40"/>
+                  </a:moveTo>
+                  <a:cubicBezTo>
+                    <a:pt x="9" y="40"/>
+                    <a:pt x="0" y="31"/>
+                    <a:pt x="0" y="20"/>
+                  </a:cubicBezTo>
+                  <a:cubicBezTo>
+                    <a:pt x="0" y="9"/>
+                    <a:pt x="9" y="0"/>
+                    <a:pt x="20" y="0"/>
+                  </a:cubicBezTo>
+                  <a:cubicBezTo>
+                    <a:pt x="31" y="0"/>
+                    <a:pt x="40" y="9"/>
+                    <a:pt x="40" y="20"/>
+                  </a:cubicBezTo>
+                  <a:cubicBezTo>
+                    <a:pt x="40" y="31"/>
+                    <a:pt x="31" y="40"/>
+                    <a:pt x="20" y="40"/>
+                  </a:cubicBezTo>
+                  <a:close/>
+                  <a:moveTo>
+                    <a:pt x="20" y="4"/>
+                  </a:moveTo>
+                  <a:cubicBezTo>
+                    <a:pt x="11" y="4"/>
+                    <a:pt x="4" y="11"/>
+                    <a:pt x="4" y="20"/>
+                  </a:cubicBezTo>
+                  <a:cubicBezTo>
+                    <a:pt x="4" y="29"/>
+                    <a:pt x="11" y="36"/>
+                    <a:pt x="20" y="36"/>
+                  </a:cubicBezTo>
+                  <a:cubicBezTo>
+                    <a:pt x="29" y="36"/>
+                    <a:pt x="36" y="29"/>
+                    <a:pt x="36" y="20"/>
+                  </a:cubicBezTo>
+                  <a:cubicBezTo>
+                    <a:pt x="36" y="11"/>
+                    <a:pt x="29" y="4"/>
+                    <a:pt x="20" y="4"/>
+                  </a:cubicBezTo>
+                  <a:close/>
+                </a:path>
+              </a:pathLst>
+            </a:custGeom>
+            <a:grpFill/>
+            <a:ln>
+              <a:noFill/>
+            </a:ln>
+            <a:extLst>
+              <a:ext uri="{91240B29-F687-4f45-9708-019B960494DF}">
+                <a14:hiddenLine xmlns="" xmlns:a16="http://schemas.microsoft.com/office/drawing/2014/main" xmlns:a14="http://schemas.microsoft.com/office/drawing/2010/main" xmlns:p14="http://schemas.microsoft.com/office/powerpoint/2010/main" w="9525">
+                  <a:solidFill>
+                    <a:srgbClr val="000000"/>
+                  </a:solidFill>
+                  <a:round/>
+                  <a:headEnd/>
+                  <a:tailEnd/>
+                </a14:hiddenLine>
+              </a:ext>
+            </a:extLst>
+          </p:spPr>
+        </p:sp>
+        <p:sp>
+          <p:nvSpPr>
+            <p:cNvPr id="79" name="Freeform 39">
+              <a:extLst>
+                <a:ext uri="{FF2B5EF4-FFF2-40B4-BE49-F238E27FC236}">
+                  <a16:creationId xmlns:a16="http://schemas.microsoft.com/office/drawing/2014/main" id="{4A56A02B-D000-45AB-B7DB-E47CA8E777D1}"/>
+                </a:ext>
+                <a:ext uri="{C183D7F6-B498-43B3-948B-1728B52AA6E4}">
+                  <adec:decorative xmlns:adec="http://schemas.microsoft.com/office/drawing/2017/decorative" val="1"/>
+                </a:ext>
+              </a:extLst>
+            </p:cNvPr>
+            <p:cNvSpPr/>
+            <p:nvPr>
+              <p:extLst>
+                <p:ext uri="{386F3935-93C4-4BCD-93E2-E3B085C9AB24}">
+                  <p16:designElem xmlns:p16="http://schemas.microsoft.com/office/powerpoint/2015/main" val="1"/>
+                </p:ext>
+              </p:extLst>
+            </p:nvPr>
+          </p:nvSpPr>
+          <p:spPr bwMode="auto">
+            <a:xfrm>
+              <a:off x="11441112" y="5046663"/>
+              <a:ext cx="307975" cy="1801813"/>
+            </a:xfrm>
+            <a:custGeom>
+              <a:avLst/>
+              <a:gdLst/>
+              <a:ahLst/>
+              <a:cxnLst/>
+              <a:rect l="0" t="0" r="r" b="b"/>
+              <a:pathLst>
+                <a:path w="194" h="1135">
+                  <a:moveTo>
+                    <a:pt x="18" y="1135"/>
+                  </a:moveTo>
+                  <a:lnTo>
+                    <a:pt x="0" y="1135"/>
+                  </a:lnTo>
+                  <a:lnTo>
+                    <a:pt x="0" y="354"/>
+                  </a:lnTo>
+                  <a:lnTo>
+                    <a:pt x="176" y="177"/>
+                  </a:lnTo>
+                  <a:lnTo>
+                    <a:pt x="176" y="0"/>
+                  </a:lnTo>
+                  <a:lnTo>
+                    <a:pt x="194" y="0"/>
+                  </a:lnTo>
+                  <a:lnTo>
+                    <a:pt x="194" y="183"/>
+                  </a:lnTo>
+                  <a:lnTo>
+                    <a:pt x="18" y="360"/>
+                  </a:lnTo>
+                  <a:lnTo>
+                    <a:pt x="18" y="1135"/>
+                  </a:lnTo>
+                  <a:close/>
+                </a:path>
+              </a:pathLst>
+            </a:custGeom>
+            <a:grpFill/>
+            <a:ln>
+              <a:noFill/>
+            </a:ln>
+            <a:extLst>
+              <a:ext uri="{91240B29-F687-4f45-9708-019B960494DF}">
+                <a14:hiddenLine xmlns="" xmlns:a16="http://schemas.microsoft.com/office/drawing/2014/main" xmlns:a14="http://schemas.microsoft.com/office/drawing/2010/main" xmlns:p14="http://schemas.microsoft.com/office/powerpoint/2010/main" w="9525">
+                  <a:solidFill>
+                    <a:srgbClr val="000000"/>
+                  </a:solidFill>
+                  <a:round/>
+                  <a:headEnd/>
+                  <a:tailEnd/>
+                </a14:hiddenLine>
+              </a:ext>
+            </a:extLst>
+          </p:spPr>
+        </p:sp>
+        <p:sp>
+          <p:nvSpPr>
+            <p:cNvPr id="80" name="Freeform 40">
+              <a:extLst>
+                <a:ext uri="{FF2B5EF4-FFF2-40B4-BE49-F238E27FC236}">
+                  <a16:creationId xmlns:a16="http://schemas.microsoft.com/office/drawing/2014/main" id="{343CE08B-7325-4244-99EA-5E58C982DB1C}"/>
+                </a:ext>
+                <a:ext uri="{C183D7F6-B498-43B3-948B-1728B52AA6E4}">
+                  <adec:decorative xmlns:adec="http://schemas.microsoft.com/office/drawing/2017/decorative" val="1"/>
+                </a:ext>
+              </a:extLst>
+            </p:cNvPr>
+            <p:cNvSpPr>
+              <a:spLocks noEditPoints="1"/>
+            </p:cNvSpPr>
+            <p:nvPr>
+              <p:extLst>
+                <p:ext uri="{386F3935-93C4-4BCD-93E2-E3B085C9AB24}">
+                  <p16:designElem xmlns:p16="http://schemas.microsoft.com/office/powerpoint/2015/main" val="1"/>
+                </p:ext>
+              </p:extLst>
+            </p:nvPr>
+          </p:nvSpPr>
+          <p:spPr bwMode="auto">
+            <a:xfrm>
+              <a:off x="11849100" y="6416675"/>
+              <a:ext cx="190500" cy="188913"/>
+            </a:xfrm>
+            <a:custGeom>
+              <a:avLst/>
+              <a:gdLst/>
+              <a:ahLst/>
+              <a:cxnLst/>
+              <a:rect l="0" t="0" r="r" b="b"/>
+              <a:pathLst>
+                <a:path w="40" h="40">
+                  <a:moveTo>
+                    <a:pt x="20" y="40"/>
+                  </a:moveTo>
+                  <a:cubicBezTo>
+                    <a:pt x="9" y="40"/>
+                    <a:pt x="0" y="31"/>
+                    <a:pt x="0" y="20"/>
+                  </a:cubicBezTo>
+                  <a:cubicBezTo>
+                    <a:pt x="0" y="9"/>
+                    <a:pt x="9" y="0"/>
+                    <a:pt x="20" y="0"/>
+                  </a:cubicBezTo>
+                  <a:cubicBezTo>
+                    <a:pt x="31" y="0"/>
+                    <a:pt x="40" y="9"/>
+                    <a:pt x="40" y="20"/>
+                  </a:cubicBezTo>
+                  <a:cubicBezTo>
+                    <a:pt x="40" y="31"/>
+                    <a:pt x="31" y="40"/>
+                    <a:pt x="20" y="40"/>
+                  </a:cubicBezTo>
+                  <a:close/>
+                  <a:moveTo>
+                    <a:pt x="20" y="4"/>
+                  </a:moveTo>
+                  <a:cubicBezTo>
+                    <a:pt x="12" y="4"/>
+                    <a:pt x="4" y="11"/>
+                    <a:pt x="4" y="20"/>
+                  </a:cubicBezTo>
+                  <a:cubicBezTo>
+                    <a:pt x="4" y="29"/>
+                    <a:pt x="12" y="36"/>
+                    <a:pt x="20" y="36"/>
+                  </a:cubicBezTo>
+                  <a:cubicBezTo>
+                    <a:pt x="29" y="36"/>
+                    <a:pt x="36" y="29"/>
+                    <a:pt x="36" y="20"/>
+                  </a:cubicBezTo>
+                  <a:cubicBezTo>
+                    <a:pt x="36" y="11"/>
+                    <a:pt x="29" y="4"/>
+                    <a:pt x="20" y="4"/>
+                  </a:cubicBezTo>
+                  <a:close/>
+                </a:path>
+              </a:pathLst>
+            </a:custGeom>
+            <a:grpFill/>
+            <a:ln>
+              <a:noFill/>
+            </a:ln>
+            <a:extLst>
+              <a:ext uri="{91240B29-F687-4f45-9708-019B960494DF}">
+                <a14:hiddenLine xmlns="" xmlns:a16="http://schemas.microsoft.com/office/drawing/2014/main" xmlns:a14="http://schemas.microsoft.com/office/drawing/2010/main" xmlns:p14="http://schemas.microsoft.com/office/powerpoint/2010/main" w="9525">
+                  <a:solidFill>
+                    <a:srgbClr val="000000"/>
+                  </a:solidFill>
+                  <a:round/>
+                  <a:headEnd/>
+                  <a:tailEnd/>
+                </a14:hiddenLine>
+              </a:ext>
+            </a:extLst>
+          </p:spPr>
+        </p:sp>
+        <p:sp>
+          <p:nvSpPr>
+            <p:cNvPr id="81" name="Rectangle 41">
+              <a:extLst>
+                <a:ext uri="{FF2B5EF4-FFF2-40B4-BE49-F238E27FC236}">
+                  <a16:creationId xmlns:a16="http://schemas.microsoft.com/office/drawing/2014/main" id="{7F08E29E-A67F-410A-A810-7000201BFA84}"/>
+                </a:ext>
+                <a:ext uri="{C183D7F6-B498-43B3-948B-1728B52AA6E4}">
+                  <adec:decorative xmlns:adec="http://schemas.microsoft.com/office/drawing/2017/decorative" val="1"/>
+                </a:ext>
+              </a:extLst>
+            </p:cNvPr>
+            <p:cNvSpPr>
+              <a:spLocks noChangeArrowheads="1"/>
+            </p:cNvSpPr>
+            <p:nvPr>
+              <p:extLst>
+                <p:ext uri="{386F3935-93C4-4BCD-93E2-E3B085C9AB24}">
+                  <p16:designElem xmlns:p16="http://schemas.microsoft.com/office/powerpoint/2015/main" val="1"/>
+                </p:ext>
+              </p:extLst>
+            </p:nvPr>
+          </p:nvSpPr>
+          <p:spPr bwMode="auto">
+            <a:xfrm>
+              <a:off x="11939587" y="6596063"/>
+              <a:ext cx="23813" cy="252413"/>
+            </a:xfrm>
+            <a:prstGeom prst="rect">
+              <a:avLst/>
+            </a:prstGeom>
+            <a:grpFill/>
+            <a:ln>
+              <a:noFill/>
+            </a:ln>
+            <a:extLst>
+              <a:ext uri="{91240B29-F687-4f45-9708-019B960494DF}">
+                <a14:hiddenLine xmlns="" xmlns:a16="http://schemas.microsoft.com/office/drawing/2014/main" xmlns:a14="http://schemas.microsoft.com/office/drawing/2010/main" xmlns:p14="http://schemas.microsoft.com/office/powerpoint/2010/main" w="9525">
+                  <a:solidFill>
+                    <a:srgbClr val="000000"/>
+                  </a:solidFill>
+                  <a:miter lim="800000"/>
+                  <a:headEnd/>
+                  <a:tailEnd/>
+                </a14:hiddenLine>
+              </a:ext>
+            </a:extLst>
+          </p:spPr>
+        </p:sp>
+      </p:grpSp>
       <p:sp>
         <p:nvSpPr>
-          <p:cNvPr id="6" name="TextBox 5">
+          <p:cNvPr id="83" name="TextBox 82">
             <a:extLst>
               <a:ext uri="{FF2B5EF4-FFF2-40B4-BE49-F238E27FC236}">
-                <a16:creationId xmlns:a16="http://schemas.microsoft.com/office/drawing/2014/main" id="{E4CBC5BB-A944-4FCD-B665-C8182775C66D}"/>
+                <a16:creationId xmlns:a16="http://schemas.microsoft.com/office/drawing/2014/main" id="{3102E83D-1475-44F7-B13D-10F44D5051B2}"/>
               </a:ext>
             </a:extLst>
           </p:cNvPr>
@@ -13176,8 +19519,8 @@
         </p:nvSpPr>
         <p:spPr>
           <a:xfrm>
-            <a:off x="7375924" y="4132225"/>
-            <a:ext cx="3151229" cy="3559949"/>
+            <a:off x="5836672" y="4365070"/>
+            <a:ext cx="6093390" cy="2544286"/>
           </a:xfrm>
           <a:prstGeom prst="rect">
             <a:avLst/>
@@ -13185,12 +19528,12 @@
           <a:noFill/>
         </p:spPr>
         <p:txBody>
-          <a:bodyPr wrap="square" rtlCol="0">
+          <a:bodyPr wrap="square">
             <a:spAutoFit/>
           </a:bodyPr>
           <a:lstStyle/>
           <a:p>
-            <a:pPr defTabSz="914400">
+            <a:pPr algn="ctr" defTabSz="914400">
               <a:lnSpc>
                 <a:spcPct val="120000"/>
               </a:lnSpc>
@@ -13200,16 +19543,16 @@
               <a:buSzPct val="125000"/>
             </a:pPr>
             <a:r>
-              <a:rPr lang="en-IN" sz="2000" b="1" u="sng" cap="all" dirty="0">
+              <a:rPr lang="en-IN" sz="1800" b="1" u="sng" cap="all" dirty="0">
                 <a:solidFill>
-                  <a:schemeClr val="tx2"/>
+                  <a:srgbClr val="FFFFFF"/>
                 </a:solidFill>
               </a:rPr>
               <a:t>Team Members:</a:t>
             </a:r>
           </a:p>
           <a:p>
-            <a:pPr defTabSz="914400">
+            <a:pPr algn="ctr" defTabSz="914400">
               <a:lnSpc>
                 <a:spcPct val="120000"/>
               </a:lnSpc>
@@ -13219,24 +19562,24 @@
               <a:buSzPct val="125000"/>
             </a:pPr>
             <a:r>
-              <a:rPr lang="en-IN" sz="2000" cap="all" dirty="0" err="1">
+              <a:rPr lang="en-IN" sz="1800" cap="all" dirty="0" err="1">
                 <a:solidFill>
-                  <a:schemeClr val="tx2"/>
+                  <a:srgbClr val="FFFFFF"/>
                 </a:solidFill>
               </a:rPr>
               <a:t>Girinath</a:t>
             </a:r>
             <a:r>
-              <a:rPr lang="en-IN" sz="2000" cap="all" dirty="0">
+              <a:rPr lang="en-IN" sz="1800" cap="all" dirty="0">
                 <a:solidFill>
-                  <a:schemeClr val="tx2"/>
+                  <a:srgbClr val="FFFFFF"/>
                 </a:solidFill>
               </a:rPr>
               <a:t> R</a:t>
             </a:r>
           </a:p>
           <a:p>
-            <a:pPr defTabSz="914400">
+            <a:pPr algn="ctr" defTabSz="914400">
               <a:lnSpc>
                 <a:spcPct val="120000"/>
               </a:lnSpc>
@@ -13246,16 +19589,16 @@
               <a:buSzPct val="125000"/>
             </a:pPr>
             <a:r>
-              <a:rPr lang="en-IN" sz="2000" cap="all" dirty="0">
+              <a:rPr lang="en-IN" sz="1800" cap="all" dirty="0">
                 <a:solidFill>
-                  <a:schemeClr val="tx2"/>
+                  <a:srgbClr val="FFFFFF"/>
                 </a:solidFill>
               </a:rPr>
               <a:t>Karthikeyan N</a:t>
             </a:r>
           </a:p>
           <a:p>
-            <a:pPr defTabSz="914400">
+            <a:pPr algn="ctr" defTabSz="914400">
               <a:lnSpc>
                 <a:spcPct val="120000"/>
               </a:lnSpc>
@@ -13265,24 +19608,32 @@
               <a:buSzPct val="125000"/>
             </a:pPr>
             <a:r>
-              <a:rPr lang="en-IN" sz="2000" cap="all" dirty="0" err="1">
+              <a:rPr lang="en-IN" sz="1800" cap="all" dirty="0">
                 <a:solidFill>
-                  <a:schemeClr val="tx2"/>
+                  <a:srgbClr val="FFFFFF"/>
                 </a:solidFill>
               </a:rPr>
-              <a:t>Kasiviswanathan</a:t>
+              <a:t>Kasi </a:t>
             </a:r>
             <a:r>
-              <a:rPr lang="en-IN" sz="2000" cap="all" dirty="0">
+              <a:rPr lang="en-IN" sz="1800" cap="all" dirty="0" err="1">
                 <a:solidFill>
-                  <a:schemeClr val="tx2"/>
+                  <a:srgbClr val="FFFFFF"/>
+                </a:solidFill>
+              </a:rPr>
+              <a:t>viswanathan</a:t>
+            </a:r>
+            <a:r>
+              <a:rPr lang="en-IN" sz="1800" cap="all" dirty="0">
+                <a:solidFill>
+                  <a:srgbClr val="FFFFFF"/>
                 </a:solidFill>
               </a:rPr>
               <a:t> S</a:t>
             </a:r>
           </a:p>
           <a:p>
-            <a:pPr defTabSz="914400">
+            <a:pPr algn="ctr" defTabSz="914400">
               <a:lnSpc>
                 <a:spcPct val="120000"/>
               </a:lnSpc>
@@ -13292,41 +19643,37 @@
               <a:buSzPct val="125000"/>
             </a:pPr>
             <a:r>
-              <a:rPr lang="en-IN" sz="2000" cap="all" dirty="0">
+              <a:rPr lang="en-IN" sz="1800" cap="all" dirty="0">
                 <a:solidFill>
-                  <a:schemeClr val="tx2"/>
+                  <a:srgbClr val="FFFFFF"/>
                 </a:solidFill>
               </a:rPr>
               <a:t>Vasanth </a:t>
             </a:r>
             <a:r>
-              <a:rPr lang="en-IN" sz="2000" cap="all" dirty="0" err="1">
+              <a:rPr lang="en-IN" sz="1800" cap="all" dirty="0" err="1">
                 <a:solidFill>
-                  <a:schemeClr val="tx2"/>
+                  <a:srgbClr val="FFFFFF"/>
                 </a:solidFill>
               </a:rPr>
               <a:t>kumar</a:t>
             </a:r>
             <a:r>
-              <a:rPr lang="en-IN" sz="2000" cap="all" dirty="0">
+              <a:rPr lang="en-IN" sz="1800" cap="all" dirty="0">
                 <a:solidFill>
-                  <a:schemeClr val="tx2"/>
+                  <a:srgbClr val="FFFFFF"/>
                 </a:solidFill>
               </a:rPr>
               <a:t> v</a:t>
             </a:r>
           </a:p>
           <a:p>
-            <a:endParaRPr lang="en-IN" dirty="0"/>
-          </a:p>
-          <a:p>
-            <a:endParaRPr lang="en-IN" dirty="0"/>
-          </a:p>
-          <a:p>
-            <a:endParaRPr lang="en-IN" dirty="0"/>
-          </a:p>
-          <a:p>
-            <a:endParaRPr lang="en-US" dirty="0"/>
+            <a:pPr algn="ctr"/>
+            <a:endParaRPr lang="en-IN" sz="1800" dirty="0">
+              <a:solidFill>
+                <a:srgbClr val="FFFFFF"/>
+              </a:solidFill>
+            </a:endParaRPr>
           </a:p>
         </p:txBody>
       </p:sp>
@@ -17267,6 +23614,922 @@
 </p:sld>
 </file>
 
+<file path=ppt/slides/slide6.xml><?xml version="1.0" encoding="utf-8"?>
+<p:sld xmlns:a="http://schemas.openxmlformats.org/drawingml/2006/main" xmlns:r="http://schemas.openxmlformats.org/officeDocument/2006/relationships" xmlns:p="http://schemas.openxmlformats.org/presentationml/2006/main">
+  <p:cSld>
+    <p:spTree>
+      <p:nvGrpSpPr>
+        <p:cNvPr id="1" name=""/>
+        <p:cNvGrpSpPr/>
+        <p:nvPr/>
+      </p:nvGrpSpPr>
+      <p:grpSpPr>
+        <a:xfrm>
+          <a:off x="0" y="0"/>
+          <a:ext cx="0" cy="0"/>
+          <a:chOff x="0" y="0"/>
+          <a:chExt cx="0" cy="0"/>
+        </a:xfrm>
+      </p:grpSpPr>
+      <p:sp>
+        <p:nvSpPr>
+          <p:cNvPr id="2" name="Slide Number Placeholder 1">
+            <a:extLst>
+              <a:ext uri="{FF2B5EF4-FFF2-40B4-BE49-F238E27FC236}">
+                <a16:creationId xmlns:a16="http://schemas.microsoft.com/office/drawing/2014/main" id="{EC31C414-0E1C-4AEC-B363-9F31D9711C22}"/>
+              </a:ext>
+            </a:extLst>
+          </p:cNvPr>
+          <p:cNvSpPr>
+            <a:spLocks noGrp="1"/>
+          </p:cNvSpPr>
+          <p:nvPr>
+            <p:ph type="sldNum" sz="quarter" idx="12"/>
+          </p:nvPr>
+        </p:nvSpPr>
+        <p:spPr/>
+        <p:txBody>
+          <a:bodyPr/>
+          <a:lstStyle/>
+          <a:p>
+            <a:fld id="{B59B104B-9B6C-40D2-938C-E7EC2A71093E}" type="slidenum">
+              <a:rPr lang="en-US" smtClean="0"/>
+              <a:t>6</a:t>
+            </a:fld>
+            <a:endParaRPr lang="en-US"/>
+          </a:p>
+        </p:txBody>
+      </p:sp>
+      <p:pic>
+        <p:nvPicPr>
+          <p:cNvPr id="3" name="Picture 4">
+            <a:extLst>
+              <a:ext uri="{FF2B5EF4-FFF2-40B4-BE49-F238E27FC236}">
+                <a16:creationId xmlns:a16="http://schemas.microsoft.com/office/drawing/2014/main" id="{FA22AC17-8727-47D4-A7CA-5C03FEBF46E8}"/>
+              </a:ext>
+            </a:extLst>
+          </p:cNvPr>
+          <p:cNvPicPr>
+            <a:picLocks noChangeAspect="1"/>
+          </p:cNvPicPr>
+          <p:nvPr/>
+        </p:nvPicPr>
+        <p:blipFill>
+          <a:blip r:embed="rId2">
+            <a:extLst>
+              <a:ext uri="{28A0092B-C50C-407E-A947-70E740481C1C}">
+                <a14:useLocalDpi xmlns:a14="http://schemas.microsoft.com/office/drawing/2010/main" val="0"/>
+              </a:ext>
+            </a:extLst>
+          </a:blip>
+          <a:stretch>
+            <a:fillRect/>
+          </a:stretch>
+        </p:blipFill>
+        <p:spPr>
+          <a:xfrm>
+            <a:off x="4700357" y="3575137"/>
+            <a:ext cx="6445142" cy="3131936"/>
+          </a:xfrm>
+          <a:prstGeom prst="rect">
+            <a:avLst/>
+          </a:prstGeom>
+          <a:ln w="127000" cap="sq">
+            <a:solidFill>
+              <a:srgbClr val="000000"/>
+            </a:solidFill>
+            <a:miter lim="800000"/>
+          </a:ln>
+          <a:effectLst>
+            <a:outerShdw blurRad="57150" dist="50800" dir="2700000" algn="tl" rotWithShape="0">
+              <a:srgbClr val="000000">
+                <a:alpha val="40000"/>
+              </a:srgbClr>
+            </a:outerShdw>
+          </a:effectLst>
+        </p:spPr>
+      </p:pic>
+      <p:pic>
+        <p:nvPicPr>
+          <p:cNvPr id="4" name="Picture 4">
+            <a:extLst>
+              <a:ext uri="{FF2B5EF4-FFF2-40B4-BE49-F238E27FC236}">
+                <a16:creationId xmlns:a16="http://schemas.microsoft.com/office/drawing/2014/main" id="{AABAA69D-1BC4-47F0-950F-B71AF0AA054F}"/>
+              </a:ext>
+            </a:extLst>
+          </p:cNvPr>
+          <p:cNvPicPr>
+            <a:picLocks noChangeAspect="1"/>
+          </p:cNvPicPr>
+          <p:nvPr/>
+        </p:nvPicPr>
+        <p:blipFill>
+          <a:blip r:embed="rId3">
+            <a:extLst>
+              <a:ext uri="{28A0092B-C50C-407E-A947-70E740481C1C}">
+                <a14:useLocalDpi xmlns:a14="http://schemas.microsoft.com/office/drawing/2010/main" val="0"/>
+              </a:ext>
+            </a:extLst>
+          </a:blip>
+          <a:stretch>
+            <a:fillRect/>
+          </a:stretch>
+        </p:blipFill>
+        <p:spPr>
+          <a:xfrm>
+            <a:off x="1245964" y="247276"/>
+            <a:ext cx="5519248" cy="3035587"/>
+          </a:xfrm>
+          <a:prstGeom prst="rect">
+            <a:avLst/>
+          </a:prstGeom>
+          <a:ln w="127000" cap="sq">
+            <a:solidFill>
+              <a:srgbClr val="000000"/>
+            </a:solidFill>
+            <a:miter lim="800000"/>
+          </a:ln>
+          <a:effectLst>
+            <a:outerShdw blurRad="57150" dist="50800" dir="2700000" algn="tl" rotWithShape="0">
+              <a:srgbClr val="000000">
+                <a:alpha val="40000"/>
+              </a:srgbClr>
+            </a:outerShdw>
+          </a:effectLst>
+        </p:spPr>
+      </p:pic>
+      <p:sp>
+        <p:nvSpPr>
+          <p:cNvPr id="5" name="TextBox 4">
+            <a:extLst>
+              <a:ext uri="{FF2B5EF4-FFF2-40B4-BE49-F238E27FC236}">
+                <a16:creationId xmlns:a16="http://schemas.microsoft.com/office/drawing/2014/main" id="{FDC9BB68-9303-41DE-AEDA-09A19EEE0516}"/>
+              </a:ext>
+            </a:extLst>
+          </p:cNvPr>
+          <p:cNvSpPr txBox="1"/>
+          <p:nvPr/>
+        </p:nvSpPr>
+        <p:spPr>
+          <a:xfrm>
+            <a:off x="7001266" y="1511921"/>
+            <a:ext cx="2190273" cy="369332"/>
+          </a:xfrm>
+          <a:prstGeom prst="rect">
+            <a:avLst/>
+          </a:prstGeom>
+          <a:noFill/>
+        </p:spPr>
+        <p:txBody>
+          <a:bodyPr wrap="square" rtlCol="0">
+            <a:spAutoFit/>
+          </a:bodyPr>
+          <a:lstStyle/>
+          <a:p>
+            <a:pPr algn="l"/>
+            <a:r>
+              <a:rPr lang="en-IN" dirty="0"/>
+              <a:t>TOP VIEW</a:t>
+            </a:r>
+            <a:endParaRPr lang="en-US" dirty="0"/>
+          </a:p>
+        </p:txBody>
+      </p:sp>
+      <p:sp>
+        <p:nvSpPr>
+          <p:cNvPr id="6" name="TextBox 5">
+            <a:extLst>
+              <a:ext uri="{FF2B5EF4-FFF2-40B4-BE49-F238E27FC236}">
+                <a16:creationId xmlns:a16="http://schemas.microsoft.com/office/drawing/2014/main" id="{7756AEDE-0764-4D99-AAB6-614B75EB1EB6}"/>
+              </a:ext>
+            </a:extLst>
+          </p:cNvPr>
+          <p:cNvSpPr txBox="1"/>
+          <p:nvPr/>
+        </p:nvSpPr>
+        <p:spPr>
+          <a:xfrm>
+            <a:off x="5172466" y="2517209"/>
+            <a:ext cx="1828800" cy="1828800"/>
+          </a:xfrm>
+          <a:prstGeom prst="rect">
+            <a:avLst/>
+          </a:prstGeom>
+          <a:noFill/>
+        </p:spPr>
+        <p:txBody>
+          <a:bodyPr wrap="square" rtlCol="0">
+            <a:spAutoFit/>
+          </a:bodyPr>
+          <a:lstStyle/>
+          <a:p>
+            <a:pPr algn="l"/>
+            <a:endParaRPr lang="en-US" dirty="0"/>
+          </a:p>
+        </p:txBody>
+      </p:sp>
+      <p:sp>
+        <p:nvSpPr>
+          <p:cNvPr id="7" name="TextBox 6">
+            <a:extLst>
+              <a:ext uri="{FF2B5EF4-FFF2-40B4-BE49-F238E27FC236}">
+                <a16:creationId xmlns:a16="http://schemas.microsoft.com/office/drawing/2014/main" id="{2A98C6FC-7647-4A93-8467-8255E127E3D0}"/>
+              </a:ext>
+            </a:extLst>
+          </p:cNvPr>
+          <p:cNvSpPr txBox="1"/>
+          <p:nvPr/>
+        </p:nvSpPr>
+        <p:spPr>
+          <a:xfrm>
+            <a:off x="2035479" y="4771773"/>
+            <a:ext cx="2664878" cy="369332"/>
+          </a:xfrm>
+          <a:prstGeom prst="rect">
+            <a:avLst/>
+          </a:prstGeom>
+          <a:noFill/>
+        </p:spPr>
+        <p:txBody>
+          <a:bodyPr wrap="square" rtlCol="0">
+            <a:spAutoFit/>
+          </a:bodyPr>
+          <a:lstStyle/>
+          <a:p>
+            <a:pPr algn="l"/>
+            <a:r>
+              <a:rPr lang="en-IN" dirty="0"/>
+              <a:t>CIRCUIT SETUP</a:t>
+            </a:r>
+            <a:endParaRPr lang="en-US" dirty="0"/>
+          </a:p>
+        </p:txBody>
+      </p:sp>
+    </p:spTree>
+    <p:extLst>
+      <p:ext uri="{BB962C8B-B14F-4D97-AF65-F5344CB8AC3E}">
+        <p14:creationId xmlns:p14="http://schemas.microsoft.com/office/powerpoint/2010/main" val="3511733604"/>
+      </p:ext>
+    </p:extLst>
+  </p:cSld>
+  <p:clrMapOvr>
+    <a:masterClrMapping/>
+  </p:clrMapOvr>
+  <mc:AlternateContent xmlns:mc="http://schemas.openxmlformats.org/markup-compatibility/2006" xmlns:p15="http://schemas.microsoft.com/office/powerpoint/2012/main">
+    <mc:Choice Requires="p15">
+      <p:transition xmlns:p14="http://schemas.microsoft.com/office/powerpoint/2010/main" spd="slow" p14:dur="1250">
+        <p15:prstTrans prst="peelOff"/>
+      </p:transition>
+    </mc:Choice>
+    <mc:Fallback xmlns="">
+      <p:transition spd="slow">
+        <p:fade/>
+      </p:transition>
+    </mc:Fallback>
+  </mc:AlternateContent>
+  <p:timing>
+    <p:tnLst>
+      <p:par>
+        <p:cTn id="1" dur="indefinite" restart="never" nodeType="tmRoot">
+          <p:childTnLst>
+            <p:seq concurrent="1" nextAc="seek">
+              <p:cTn id="2" dur="indefinite" nodeType="mainSeq">
+                <p:childTnLst>
+                  <p:par>
+                    <p:cTn id="3" fill="hold">
+                      <p:stCondLst>
+                        <p:cond delay="indefinite"/>
+                      </p:stCondLst>
+                      <p:childTnLst>
+                        <p:par>
+                          <p:cTn id="4" fill="hold">
+                            <p:stCondLst>
+                              <p:cond delay="0"/>
+                            </p:stCondLst>
+                            <p:childTnLst>
+                              <p:par>
+                                <p:cTn id="5" presetID="14" presetClass="entr" presetSubtype="10" fill="hold" nodeType="clickEffect">
+                                  <p:stCondLst>
+                                    <p:cond delay="0"/>
+                                  </p:stCondLst>
+                                  <p:childTnLst>
+                                    <p:set>
+                                      <p:cBhvr>
+                                        <p:cTn id="6" dur="1" fill="hold">
+                                          <p:stCondLst>
+                                            <p:cond delay="0"/>
+                                          </p:stCondLst>
+                                        </p:cTn>
+                                        <p:tgtEl>
+                                          <p:spTgt spid="4"/>
+                                        </p:tgtEl>
+                                        <p:attrNameLst>
+                                          <p:attrName>style.visibility</p:attrName>
+                                        </p:attrNameLst>
+                                      </p:cBhvr>
+                                      <p:to>
+                                        <p:strVal val="visible"/>
+                                      </p:to>
+                                    </p:set>
+                                    <p:animEffect transition="in" filter="randombar(horizontal)">
+                                      <p:cBhvr>
+                                        <p:cTn id="7" dur="500"/>
+                                        <p:tgtEl>
+                                          <p:spTgt spid="4"/>
+                                        </p:tgtEl>
+                                      </p:cBhvr>
+                                    </p:animEffect>
+                                  </p:childTnLst>
+                                </p:cTn>
+                              </p:par>
+                              <p:par>
+                                <p:cTn id="8" presetID="14" presetClass="entr" presetSubtype="10" fill="hold" grpId="0" nodeType="withEffect">
+                                  <p:stCondLst>
+                                    <p:cond delay="0"/>
+                                  </p:stCondLst>
+                                  <p:childTnLst>
+                                    <p:set>
+                                      <p:cBhvr>
+                                        <p:cTn id="9" dur="1" fill="hold">
+                                          <p:stCondLst>
+                                            <p:cond delay="0"/>
+                                          </p:stCondLst>
+                                        </p:cTn>
+                                        <p:tgtEl>
+                                          <p:spTgt spid="5"/>
+                                        </p:tgtEl>
+                                        <p:attrNameLst>
+                                          <p:attrName>style.visibility</p:attrName>
+                                        </p:attrNameLst>
+                                      </p:cBhvr>
+                                      <p:to>
+                                        <p:strVal val="visible"/>
+                                      </p:to>
+                                    </p:set>
+                                    <p:animEffect transition="in" filter="randombar(horizontal)">
+                                      <p:cBhvr>
+                                        <p:cTn id="10" dur="500"/>
+                                        <p:tgtEl>
+                                          <p:spTgt spid="5"/>
+                                        </p:tgtEl>
+                                      </p:cBhvr>
+                                    </p:animEffect>
+                                  </p:childTnLst>
+                                </p:cTn>
+                              </p:par>
+                            </p:childTnLst>
+                          </p:cTn>
+                        </p:par>
+                      </p:childTnLst>
+                    </p:cTn>
+                  </p:par>
+                  <p:par>
+                    <p:cTn id="11" fill="hold">
+                      <p:stCondLst>
+                        <p:cond delay="indefinite"/>
+                      </p:stCondLst>
+                      <p:childTnLst>
+                        <p:par>
+                          <p:cTn id="12" fill="hold">
+                            <p:stCondLst>
+                              <p:cond delay="0"/>
+                            </p:stCondLst>
+                            <p:childTnLst>
+                              <p:par>
+                                <p:cTn id="13" presetID="14" presetClass="entr" presetSubtype="10" fill="hold" nodeType="clickEffect">
+                                  <p:stCondLst>
+                                    <p:cond delay="0"/>
+                                  </p:stCondLst>
+                                  <p:childTnLst>
+                                    <p:set>
+                                      <p:cBhvr>
+                                        <p:cTn id="14" dur="1" fill="hold">
+                                          <p:stCondLst>
+                                            <p:cond delay="0"/>
+                                          </p:stCondLst>
+                                        </p:cTn>
+                                        <p:tgtEl>
+                                          <p:spTgt spid="3"/>
+                                        </p:tgtEl>
+                                        <p:attrNameLst>
+                                          <p:attrName>style.visibility</p:attrName>
+                                        </p:attrNameLst>
+                                      </p:cBhvr>
+                                      <p:to>
+                                        <p:strVal val="visible"/>
+                                      </p:to>
+                                    </p:set>
+                                    <p:animEffect transition="in" filter="randombar(horizontal)">
+                                      <p:cBhvr>
+                                        <p:cTn id="15" dur="500"/>
+                                        <p:tgtEl>
+                                          <p:spTgt spid="3"/>
+                                        </p:tgtEl>
+                                      </p:cBhvr>
+                                    </p:animEffect>
+                                  </p:childTnLst>
+                                </p:cTn>
+                              </p:par>
+                              <p:par>
+                                <p:cTn id="16" presetID="14" presetClass="entr" presetSubtype="10" fill="hold" grpId="0" nodeType="withEffect">
+                                  <p:stCondLst>
+                                    <p:cond delay="0"/>
+                                  </p:stCondLst>
+                                  <p:childTnLst>
+                                    <p:set>
+                                      <p:cBhvr>
+                                        <p:cTn id="17" dur="1" fill="hold">
+                                          <p:stCondLst>
+                                            <p:cond delay="0"/>
+                                          </p:stCondLst>
+                                        </p:cTn>
+                                        <p:tgtEl>
+                                          <p:spTgt spid="7"/>
+                                        </p:tgtEl>
+                                        <p:attrNameLst>
+                                          <p:attrName>style.visibility</p:attrName>
+                                        </p:attrNameLst>
+                                      </p:cBhvr>
+                                      <p:to>
+                                        <p:strVal val="visible"/>
+                                      </p:to>
+                                    </p:set>
+                                    <p:animEffect transition="in" filter="randombar(horizontal)">
+                                      <p:cBhvr>
+                                        <p:cTn id="18" dur="500"/>
+                                        <p:tgtEl>
+                                          <p:spTgt spid="7"/>
+                                        </p:tgtEl>
+                                      </p:cBhvr>
+                                    </p:animEffect>
+                                  </p:childTnLst>
+                                </p:cTn>
+                              </p:par>
+                            </p:childTnLst>
+                          </p:cTn>
+                        </p:par>
+                      </p:childTnLst>
+                    </p:cTn>
+                  </p:par>
+                </p:childTnLst>
+              </p:cTn>
+              <p:prevCondLst>
+                <p:cond evt="onPrev" delay="0">
+                  <p:tgtEl>
+                    <p:sldTgt/>
+                  </p:tgtEl>
+                </p:cond>
+              </p:prevCondLst>
+              <p:nextCondLst>
+                <p:cond evt="onNext" delay="0">
+                  <p:tgtEl>
+                    <p:sldTgt/>
+                  </p:tgtEl>
+                </p:cond>
+              </p:nextCondLst>
+            </p:seq>
+          </p:childTnLst>
+        </p:cTn>
+      </p:par>
+    </p:tnLst>
+    <p:bldLst>
+      <p:bldP spid="5" grpId="0"/>
+      <p:bldP spid="7" grpId="0"/>
+    </p:bldLst>
+  </p:timing>
+</p:sld>
+</file>
+
+<file path=ppt/slides/slide7.xml><?xml version="1.0" encoding="utf-8"?>
+<p:sld xmlns:a="http://schemas.openxmlformats.org/drawingml/2006/main" xmlns:r="http://schemas.openxmlformats.org/officeDocument/2006/relationships" xmlns:p="http://schemas.openxmlformats.org/presentationml/2006/main">
+  <p:cSld>
+    <p:spTree>
+      <p:nvGrpSpPr>
+        <p:cNvPr id="1" name=""/>
+        <p:cNvGrpSpPr/>
+        <p:nvPr/>
+      </p:nvGrpSpPr>
+      <p:grpSpPr>
+        <a:xfrm>
+          <a:off x="0" y="0"/>
+          <a:ext cx="0" cy="0"/>
+          <a:chOff x="0" y="0"/>
+          <a:chExt cx="0" cy="0"/>
+        </a:xfrm>
+      </p:grpSpPr>
+      <p:sp>
+        <p:nvSpPr>
+          <p:cNvPr id="2" name="Slide Number Placeholder 1">
+            <a:extLst>
+              <a:ext uri="{FF2B5EF4-FFF2-40B4-BE49-F238E27FC236}">
+                <a16:creationId xmlns:a16="http://schemas.microsoft.com/office/drawing/2014/main" id="{5172FDAB-C0F0-4181-AA14-80DD3D634EFA}"/>
+              </a:ext>
+            </a:extLst>
+          </p:cNvPr>
+          <p:cNvSpPr>
+            <a:spLocks noGrp="1"/>
+          </p:cNvSpPr>
+          <p:nvPr>
+            <p:ph type="sldNum" sz="quarter" idx="12"/>
+          </p:nvPr>
+        </p:nvSpPr>
+        <p:spPr/>
+        <p:txBody>
+          <a:bodyPr/>
+          <a:lstStyle/>
+          <a:p>
+            <a:fld id="{B59B104B-9B6C-40D2-938C-E7EC2A71093E}" type="slidenum">
+              <a:rPr lang="en-US" smtClean="0"/>
+              <a:t>7</a:t>
+            </a:fld>
+            <a:endParaRPr lang="en-US"/>
+          </a:p>
+        </p:txBody>
+      </p:sp>
+      <p:sp>
+        <p:nvSpPr>
+          <p:cNvPr id="3" name="TextBox 2">
+            <a:extLst>
+              <a:ext uri="{FF2B5EF4-FFF2-40B4-BE49-F238E27FC236}">
+                <a16:creationId xmlns:a16="http://schemas.microsoft.com/office/drawing/2014/main" id="{8AA88E48-D142-4B54-955B-1CE7997A722F}"/>
+              </a:ext>
+            </a:extLst>
+          </p:cNvPr>
+          <p:cNvSpPr txBox="1"/>
+          <p:nvPr/>
+        </p:nvSpPr>
+        <p:spPr>
+          <a:xfrm>
+            <a:off x="4715788" y="1082981"/>
+            <a:ext cx="3465274" cy="461665"/>
+          </a:xfrm>
+          <a:prstGeom prst="rect">
+            <a:avLst/>
+          </a:prstGeom>
+          <a:noFill/>
+        </p:spPr>
+        <p:txBody>
+          <a:bodyPr wrap="square" rtlCol="0">
+            <a:spAutoFit/>
+          </a:bodyPr>
+          <a:lstStyle/>
+          <a:p>
+            <a:pPr algn="l"/>
+            <a:r>
+              <a:rPr lang="en-IN" sz="2400" dirty="0"/>
+              <a:t>WORKING VIDEO:</a:t>
+            </a:r>
+            <a:endParaRPr lang="en-US" sz="2400" dirty="0"/>
+          </a:p>
+        </p:txBody>
+      </p:sp>
+    </p:spTree>
+    <p:extLst>
+      <p:ext uri="{BB962C8B-B14F-4D97-AF65-F5344CB8AC3E}">
+        <p14:creationId xmlns:p14="http://schemas.microsoft.com/office/powerpoint/2010/main" val="973698440"/>
+      </p:ext>
+    </p:extLst>
+  </p:cSld>
+  <p:clrMapOvr>
+    <a:masterClrMapping/>
+  </p:clrMapOvr>
+  <mc:AlternateContent xmlns:mc="http://schemas.openxmlformats.org/markup-compatibility/2006" xmlns:p15="http://schemas.microsoft.com/office/powerpoint/2012/main">
+    <mc:Choice Requires="p15">
+      <p:transition xmlns:p14="http://schemas.microsoft.com/office/powerpoint/2010/main" spd="slow" p14:dur="1250">
+        <p15:prstTrans prst="peelOff"/>
+      </p:transition>
+    </mc:Choice>
+    <mc:Fallback xmlns="">
+      <p:transition spd="slow">
+        <p:fade/>
+      </p:transition>
+    </mc:Fallback>
+  </mc:AlternateContent>
+</p:sld>
+</file>
+
+<file path=ppt/slides/slide8.xml><?xml version="1.0" encoding="utf-8"?>
+<p:sld xmlns:a="http://schemas.openxmlformats.org/drawingml/2006/main" xmlns:r="http://schemas.openxmlformats.org/officeDocument/2006/relationships" xmlns:p="http://schemas.openxmlformats.org/presentationml/2006/main">
+  <p:cSld>
+    <p:spTree>
+      <p:nvGrpSpPr>
+        <p:cNvPr id="1" name=""/>
+        <p:cNvGrpSpPr/>
+        <p:nvPr/>
+      </p:nvGrpSpPr>
+      <p:grpSpPr>
+        <a:xfrm>
+          <a:off x="0" y="0"/>
+          <a:ext cx="0" cy="0"/>
+          <a:chOff x="0" y="0"/>
+          <a:chExt cx="0" cy="0"/>
+        </a:xfrm>
+      </p:grpSpPr>
+      <p:sp>
+        <p:nvSpPr>
+          <p:cNvPr id="2" name="Slide Number Placeholder 1">
+            <a:extLst>
+              <a:ext uri="{FF2B5EF4-FFF2-40B4-BE49-F238E27FC236}">
+                <a16:creationId xmlns:a16="http://schemas.microsoft.com/office/drawing/2014/main" id="{14BBFD4E-DB68-4881-9471-A0FA30B2AD2F}"/>
+              </a:ext>
+            </a:extLst>
+          </p:cNvPr>
+          <p:cNvSpPr>
+            <a:spLocks noGrp="1"/>
+          </p:cNvSpPr>
+          <p:nvPr>
+            <p:ph type="sldNum" sz="quarter" idx="12"/>
+          </p:nvPr>
+        </p:nvSpPr>
+        <p:spPr/>
+        <p:txBody>
+          <a:bodyPr/>
+          <a:lstStyle/>
+          <a:p>
+            <a:fld id="{B59B104B-9B6C-40D2-938C-E7EC2A71093E}" type="slidenum">
+              <a:rPr lang="en-US" smtClean="0"/>
+              <a:t>8</a:t>
+            </a:fld>
+            <a:endParaRPr lang="en-US"/>
+          </a:p>
+        </p:txBody>
+      </p:sp>
+      <p:sp>
+        <p:nvSpPr>
+          <p:cNvPr id="3" name="TextBox 2">
+            <a:extLst>
+              <a:ext uri="{FF2B5EF4-FFF2-40B4-BE49-F238E27FC236}">
+                <a16:creationId xmlns:a16="http://schemas.microsoft.com/office/drawing/2014/main" id="{A7BAE5C9-8C87-4D29-B0E6-E70D9EF3C54B}"/>
+              </a:ext>
+            </a:extLst>
+          </p:cNvPr>
+          <p:cNvSpPr txBox="1"/>
+          <p:nvPr/>
+        </p:nvSpPr>
+        <p:spPr>
+          <a:xfrm>
+            <a:off x="4369887" y="469727"/>
+            <a:ext cx="3452226" cy="461665"/>
+          </a:xfrm>
+          <a:prstGeom prst="rect">
+            <a:avLst/>
+          </a:prstGeom>
+          <a:noFill/>
+        </p:spPr>
+        <p:txBody>
+          <a:bodyPr wrap="square" rtlCol="0">
+            <a:spAutoFit/>
+          </a:bodyPr>
+          <a:lstStyle/>
+          <a:p>
+            <a:pPr algn="l"/>
+            <a:r>
+              <a:rPr lang="en-IN" sz="2400" dirty="0"/>
+              <a:t>TEST OUTPUTS:</a:t>
+            </a:r>
+            <a:endParaRPr lang="en-US" sz="2400" dirty="0"/>
+          </a:p>
+        </p:txBody>
+      </p:sp>
+      <p:pic>
+        <p:nvPicPr>
+          <p:cNvPr id="4" name="Picture 4">
+            <a:extLst>
+              <a:ext uri="{FF2B5EF4-FFF2-40B4-BE49-F238E27FC236}">
+                <a16:creationId xmlns:a16="http://schemas.microsoft.com/office/drawing/2014/main" id="{5E612828-01E2-4D12-A57D-CA9C0291F782}"/>
+              </a:ext>
+            </a:extLst>
+          </p:cNvPr>
+          <p:cNvPicPr>
+            <a:picLocks noChangeAspect="1"/>
+          </p:cNvPicPr>
+          <p:nvPr/>
+        </p:nvPicPr>
+        <p:blipFill>
+          <a:blip r:embed="rId2">
+            <a:extLst>
+              <a:ext uri="{28A0092B-C50C-407E-A947-70E740481C1C}">
+                <a14:useLocalDpi xmlns:a14="http://schemas.microsoft.com/office/drawing/2010/main" val="0"/>
+              </a:ext>
+            </a:extLst>
+          </a:blip>
+          <a:stretch>
+            <a:fillRect/>
+          </a:stretch>
+        </p:blipFill>
+        <p:spPr>
+          <a:xfrm>
+            <a:off x="1808698" y="1566508"/>
+            <a:ext cx="3697534" cy="4139272"/>
+          </a:xfrm>
+          <a:prstGeom prst="rect">
+            <a:avLst/>
+          </a:prstGeom>
+        </p:spPr>
+      </p:pic>
+      <p:pic>
+        <p:nvPicPr>
+          <p:cNvPr id="5" name="Picture 5">
+            <a:extLst>
+              <a:ext uri="{FF2B5EF4-FFF2-40B4-BE49-F238E27FC236}">
+                <a16:creationId xmlns:a16="http://schemas.microsoft.com/office/drawing/2014/main" id="{9CC0DA13-AEAD-4F61-8314-31189201BCB3}"/>
+              </a:ext>
+            </a:extLst>
+          </p:cNvPr>
+          <p:cNvPicPr>
+            <a:picLocks noChangeAspect="1"/>
+          </p:cNvPicPr>
+          <p:nvPr/>
+        </p:nvPicPr>
+        <p:blipFill>
+          <a:blip r:embed="rId3">
+            <a:extLst>
+              <a:ext uri="{28A0092B-C50C-407E-A947-70E740481C1C}">
+                <a14:useLocalDpi xmlns:a14="http://schemas.microsoft.com/office/drawing/2010/main" val="0"/>
+              </a:ext>
+            </a:extLst>
+          </a:blip>
+          <a:stretch>
+            <a:fillRect/>
+          </a:stretch>
+        </p:blipFill>
+        <p:spPr>
+          <a:xfrm>
+            <a:off x="5858527" y="1566508"/>
+            <a:ext cx="6132535" cy="4139272"/>
+          </a:xfrm>
+          <a:prstGeom prst="rect">
+            <a:avLst/>
+          </a:prstGeom>
+        </p:spPr>
+      </p:pic>
+    </p:spTree>
+    <p:extLst>
+      <p:ext uri="{BB962C8B-B14F-4D97-AF65-F5344CB8AC3E}">
+        <p14:creationId xmlns:p14="http://schemas.microsoft.com/office/powerpoint/2010/main" val="4026785742"/>
+      </p:ext>
+    </p:extLst>
+  </p:cSld>
+  <p:clrMapOvr>
+    <a:masterClrMapping/>
+  </p:clrMapOvr>
+  <mc:AlternateContent xmlns:mc="http://schemas.openxmlformats.org/markup-compatibility/2006" xmlns:p15="http://schemas.microsoft.com/office/powerpoint/2012/main">
+    <mc:Choice Requires="p15">
+      <p:transition xmlns:p14="http://schemas.microsoft.com/office/powerpoint/2010/main" spd="slow" p14:dur="1250">
+        <p15:prstTrans prst="peelOff"/>
+      </p:transition>
+    </mc:Choice>
+    <mc:Fallback xmlns="">
+      <p:transition spd="slow">
+        <p:fade/>
+      </p:transition>
+    </mc:Fallback>
+  </mc:AlternateContent>
+</p:sld>
+</file>
+
+<file path=ppt/slides/slide9.xml><?xml version="1.0" encoding="utf-8"?>
+<p:sld xmlns:a="http://schemas.openxmlformats.org/drawingml/2006/main" xmlns:r="http://schemas.openxmlformats.org/officeDocument/2006/relationships" xmlns:p="http://schemas.openxmlformats.org/presentationml/2006/main">
+  <p:cSld>
+    <p:spTree>
+      <p:nvGrpSpPr>
+        <p:cNvPr id="1" name=""/>
+        <p:cNvGrpSpPr/>
+        <p:nvPr/>
+      </p:nvGrpSpPr>
+      <p:grpSpPr>
+        <a:xfrm>
+          <a:off x="0" y="0"/>
+          <a:ext cx="0" cy="0"/>
+          <a:chOff x="0" y="0"/>
+          <a:chExt cx="0" cy="0"/>
+        </a:xfrm>
+      </p:grpSpPr>
+      <p:sp>
+        <p:nvSpPr>
+          <p:cNvPr id="2" name="Slide Number Placeholder 1">
+            <a:extLst>
+              <a:ext uri="{FF2B5EF4-FFF2-40B4-BE49-F238E27FC236}">
+                <a16:creationId xmlns:a16="http://schemas.microsoft.com/office/drawing/2014/main" id="{F9E2ADC0-1B8E-4FF2-8986-1D0235C39EE4}"/>
+              </a:ext>
+            </a:extLst>
+          </p:cNvPr>
+          <p:cNvSpPr>
+            <a:spLocks noGrp="1"/>
+          </p:cNvSpPr>
+          <p:nvPr>
+            <p:ph type="sldNum" sz="quarter" idx="12"/>
+          </p:nvPr>
+        </p:nvSpPr>
+        <p:spPr/>
+        <p:txBody>
+          <a:bodyPr/>
+          <a:lstStyle/>
+          <a:p>
+            <a:fld id="{B59B104B-9B6C-40D2-938C-E7EC2A71093E}" type="slidenum">
+              <a:rPr lang="en-US" smtClean="0"/>
+              <a:t>9</a:t>
+            </a:fld>
+            <a:endParaRPr lang="en-US"/>
+          </a:p>
+        </p:txBody>
+      </p:sp>
+      <p:pic>
+        <p:nvPicPr>
+          <p:cNvPr id="4" name="Picture 4">
+            <a:extLst>
+              <a:ext uri="{FF2B5EF4-FFF2-40B4-BE49-F238E27FC236}">
+                <a16:creationId xmlns:a16="http://schemas.microsoft.com/office/drawing/2014/main" id="{0B004D67-6A44-491F-9D53-014935F2A4DF}"/>
+              </a:ext>
+            </a:extLst>
+          </p:cNvPr>
+          <p:cNvPicPr>
+            <a:picLocks noChangeAspect="1"/>
+          </p:cNvPicPr>
+          <p:nvPr/>
+        </p:nvPicPr>
+        <p:blipFill>
+          <a:blip r:embed="rId2">
+            <a:extLst>
+              <a:ext uri="{28A0092B-C50C-407E-A947-70E740481C1C}">
+                <a14:useLocalDpi xmlns:a14="http://schemas.microsoft.com/office/drawing/2010/main" val="0"/>
+              </a:ext>
+            </a:extLst>
+          </a:blip>
+          <a:stretch>
+            <a:fillRect/>
+          </a:stretch>
+        </p:blipFill>
+        <p:spPr>
+          <a:xfrm>
+            <a:off x="6000206" y="1746598"/>
+            <a:ext cx="5047204" cy="3364803"/>
+          </a:xfrm>
+          <a:prstGeom prst="rect">
+            <a:avLst/>
+          </a:prstGeom>
+        </p:spPr>
+      </p:pic>
+      <p:pic>
+        <p:nvPicPr>
+          <p:cNvPr id="5" name="Picture 5">
+            <a:extLst>
+              <a:ext uri="{FF2B5EF4-FFF2-40B4-BE49-F238E27FC236}">
+                <a16:creationId xmlns:a16="http://schemas.microsoft.com/office/drawing/2014/main" id="{A4E17DD1-8B41-495A-BF4F-4A580A09C6F8}"/>
+              </a:ext>
+            </a:extLst>
+          </p:cNvPr>
+          <p:cNvPicPr>
+            <a:picLocks noChangeAspect="1"/>
+          </p:cNvPicPr>
+          <p:nvPr/>
+        </p:nvPicPr>
+        <p:blipFill rotWithShape="1">
+          <a:blip r:embed="rId3">
+            <a:extLst>
+              <a:ext uri="{28A0092B-C50C-407E-A947-70E740481C1C}">
+                <a14:useLocalDpi xmlns:a14="http://schemas.microsoft.com/office/drawing/2010/main" val="0"/>
+              </a:ext>
+            </a:extLst>
+          </a:blip>
+          <a:srcRect b="16961"/>
+          <a:stretch/>
+        </p:blipFill>
+        <p:spPr>
+          <a:xfrm>
+            <a:off x="1886292" y="1746598"/>
+            <a:ext cx="3234993" cy="3364803"/>
+          </a:xfrm>
+          <a:prstGeom prst="rect">
+            <a:avLst/>
+          </a:prstGeom>
+        </p:spPr>
+      </p:pic>
+    </p:spTree>
+    <p:extLst>
+      <p:ext uri="{BB962C8B-B14F-4D97-AF65-F5344CB8AC3E}">
+        <p14:creationId xmlns:p14="http://schemas.microsoft.com/office/powerpoint/2010/main" val="413478973"/>
+      </p:ext>
+    </p:extLst>
+  </p:cSld>
+  <p:clrMapOvr>
+    <a:masterClrMapping/>
+  </p:clrMapOvr>
+  <mc:AlternateContent xmlns:mc="http://schemas.openxmlformats.org/markup-compatibility/2006" xmlns:p15="http://schemas.microsoft.com/office/powerpoint/2012/main">
+    <mc:Choice Requires="p15">
+      <p:transition xmlns:p14="http://schemas.microsoft.com/office/powerpoint/2010/main" spd="slow" p14:dur="1250">
+        <p15:prstTrans prst="peelOff"/>
+      </p:transition>
+    </mc:Choice>
+    <mc:Fallback xmlns="">
+      <p:transition spd="slow">
+        <p:fade/>
+      </p:transition>
+    </mc:Fallback>
+  </mc:AlternateContent>
+</p:sld>
+</file>
+
 <file path=ppt/theme/theme1.xml><?xml version="1.0" encoding="utf-8"?>
 <a:theme xmlns:a="http://schemas.openxmlformats.org/drawingml/2006/main" name="Circuit">
   <a:themeElements>

--- a/automated_soldering_machine.pptx
+++ b/automated_soldering_machine.pptx
@@ -117,7 +117,7 @@
   </p:defaultTextStyle>
   <p:extLst>
     <p:ext uri="{EFAFB233-063F-42B5-8137-9DF3F51BA10A}">
-      <p15:sldGuideLst xmlns:p15="http://schemas.microsoft.com/office/powerpoint/2012/main"/>
+      <p15:sldGuideLst xmlns:p15="http://schemas.microsoft.com/office/powerpoint/2012/main" xmlns=""/>
     </p:ext>
   </p:extLst>
 </p:presentation>
@@ -454,7 +454,7 @@
           <a:p>
             <a:fld id="{6B1ABE9E-7FB6-47FC-BE31-5609706269A3}" type="datetimeFigureOut">
               <a:rPr lang="en-US" smtClean="0"/>
-              <a:t>1/5/2021</a:t>
+              <a:t>05-Jan-21</a:t>
             </a:fld>
             <a:endParaRPr lang="en-US"/>
           </a:p>
@@ -770,8 +770,8 @@
           </a:prstGeom>
           <a:noFill/>
           <a:extLst>
-            <a:ext uri="{909E8E84-426E-40dd-AFC4-6F175D3DCCD1}">
-              <a14:hiddenFill xmlns="" xmlns:a14="http://schemas.microsoft.com/office/drawing/2010/main">
+            <a:ext uri="{909E8E84-426E-40DD-AFC4-6F175D3DCCD1}">
+              <a14:hiddenFill xmlns:a14="http://schemas.microsoft.com/office/drawing/2010/main">
                 <a:solidFill>
                   <a:srgbClr val="FFFFFF"/>
                 </a:solidFill>
@@ -830,8 +830,8 @@
               <a:noFill/>
             </a:ln>
             <a:extLst>
-              <a:ext uri="{91240B29-F687-4f45-9708-019B960494DF}">
-                <a14:hiddenLine xmlns="" xmlns:a14="http://schemas.microsoft.com/office/drawing/2010/main" w="9525">
+              <a:ext uri="{91240B29-F687-4F45-9708-019B960494DF}">
+                <a14:hiddenLine xmlns:a14="http://schemas.microsoft.com/office/drawing/2010/main" w="9525">
                   <a:solidFill>
                     <a:srgbClr val="000000"/>
                   </a:solidFill>
@@ -920,8 +920,8 @@
               <a:noFill/>
             </a:ln>
             <a:extLst>
-              <a:ext uri="{91240B29-F687-4f45-9708-019B960494DF}">
-                <a14:hiddenLine xmlns="" xmlns:a14="http://schemas.microsoft.com/office/drawing/2010/main" w="9525">
+              <a:ext uri="{91240B29-F687-4F45-9708-019B960494DF}">
+                <a14:hiddenLine xmlns:a14="http://schemas.microsoft.com/office/drawing/2010/main" w="9525">
                   <a:solidFill>
                     <a:srgbClr val="000000"/>
                   </a:solidFill>
@@ -1010,8 +1010,8 @@
               <a:noFill/>
             </a:ln>
             <a:extLst>
-              <a:ext uri="{91240B29-F687-4f45-9708-019B960494DF}">
-                <a14:hiddenLine xmlns="" xmlns:a14="http://schemas.microsoft.com/office/drawing/2010/main" w="9525">
+              <a:ext uri="{91240B29-F687-4F45-9708-019B960494DF}">
+                <a14:hiddenLine xmlns:a14="http://schemas.microsoft.com/office/drawing/2010/main" w="9525">
                   <a:solidFill>
                     <a:srgbClr val="000000"/>
                   </a:solidFill>
@@ -1044,8 +1044,8 @@
               <a:noFill/>
             </a:ln>
             <a:extLst>
-              <a:ext uri="{91240B29-F687-4f45-9708-019B960494DF}">
-                <a14:hiddenLine xmlns="" xmlns:a14="http://schemas.microsoft.com/office/drawing/2010/main" w="9525">
+              <a:ext uri="{91240B29-F687-4F45-9708-019B960494DF}">
+                <a14:hiddenLine xmlns:a14="http://schemas.microsoft.com/office/drawing/2010/main" w="9525">
                   <a:solidFill>
                     <a:srgbClr val="000000"/>
                   </a:solidFill>
@@ -1134,8 +1134,8 @@
               <a:noFill/>
             </a:ln>
             <a:extLst>
-              <a:ext uri="{91240B29-F687-4f45-9708-019B960494DF}">
-                <a14:hiddenLine xmlns="" xmlns:a14="http://schemas.microsoft.com/office/drawing/2010/main" w="9525">
+              <a:ext uri="{91240B29-F687-4F45-9708-019B960494DF}">
+                <a14:hiddenLine xmlns:a14="http://schemas.microsoft.com/office/drawing/2010/main" w="9525">
                   <a:solidFill>
                     <a:srgbClr val="000000"/>
                   </a:solidFill>
@@ -1196,8 +1196,8 @@
               <a:noFill/>
             </a:ln>
             <a:extLst>
-              <a:ext uri="{91240B29-F687-4f45-9708-019B960494DF}">
-                <a14:hiddenLine xmlns="" xmlns:a14="http://schemas.microsoft.com/office/drawing/2010/main" w="9525">
+              <a:ext uri="{91240B29-F687-4F45-9708-019B960494DF}">
+                <a14:hiddenLine xmlns:a14="http://schemas.microsoft.com/office/drawing/2010/main" w="9525">
                   <a:solidFill>
                     <a:srgbClr val="000000"/>
                   </a:solidFill>
@@ -1258,8 +1258,8 @@
               <a:noFill/>
             </a:ln>
             <a:extLst>
-              <a:ext uri="{91240B29-F687-4f45-9708-019B960494DF}">
-                <a14:hiddenLine xmlns="" xmlns:a14="http://schemas.microsoft.com/office/drawing/2010/main" w="9525">
+              <a:ext uri="{91240B29-F687-4F45-9708-019B960494DF}">
+                <a14:hiddenLine xmlns:a14="http://schemas.microsoft.com/office/drawing/2010/main" w="9525">
                   <a:solidFill>
                     <a:srgbClr val="000000"/>
                   </a:solidFill>
@@ -1348,8 +1348,8 @@
               <a:noFill/>
             </a:ln>
             <a:extLst>
-              <a:ext uri="{91240B29-F687-4f45-9708-019B960494DF}">
-                <a14:hiddenLine xmlns="" xmlns:a14="http://schemas.microsoft.com/office/drawing/2010/main" w="9525">
+              <a:ext uri="{91240B29-F687-4F45-9708-019B960494DF}">
+                <a14:hiddenLine xmlns:a14="http://schemas.microsoft.com/office/drawing/2010/main" w="9525">
                   <a:solidFill>
                     <a:srgbClr val="000000"/>
                   </a:solidFill>
@@ -1410,8 +1410,8 @@
               <a:noFill/>
             </a:ln>
             <a:extLst>
-              <a:ext uri="{91240B29-F687-4f45-9708-019B960494DF}">
-                <a14:hiddenLine xmlns="" xmlns:a14="http://schemas.microsoft.com/office/drawing/2010/main" w="9525">
+              <a:ext uri="{91240B29-F687-4F45-9708-019B960494DF}">
+                <a14:hiddenLine xmlns:a14="http://schemas.microsoft.com/office/drawing/2010/main" w="9525">
                   <a:solidFill>
                     <a:srgbClr val="000000"/>
                   </a:solidFill>
@@ -1472,8 +1472,8 @@
               <a:noFill/>
             </a:ln>
             <a:extLst>
-              <a:ext uri="{91240B29-F687-4f45-9708-019B960494DF}">
-                <a14:hiddenLine xmlns="" xmlns:a14="http://schemas.microsoft.com/office/drawing/2010/main" w="9525">
+              <a:ext uri="{91240B29-F687-4F45-9708-019B960494DF}">
+                <a14:hiddenLine xmlns:a14="http://schemas.microsoft.com/office/drawing/2010/main" w="9525">
                   <a:solidFill>
                     <a:srgbClr val="000000"/>
                   </a:solidFill>
@@ -1562,8 +1562,8 @@
               <a:noFill/>
             </a:ln>
             <a:extLst>
-              <a:ext uri="{91240B29-F687-4f45-9708-019B960494DF}">
-                <a14:hiddenLine xmlns="" xmlns:a14="http://schemas.microsoft.com/office/drawing/2010/main" w="9525">
+              <a:ext uri="{91240B29-F687-4F45-9708-019B960494DF}">
+                <a14:hiddenLine xmlns:a14="http://schemas.microsoft.com/office/drawing/2010/main" w="9525">
                   <a:solidFill>
                     <a:srgbClr val="000000"/>
                   </a:solidFill>
@@ -1652,8 +1652,8 @@
               <a:noFill/>
             </a:ln>
             <a:extLst>
-              <a:ext uri="{91240B29-F687-4f45-9708-019B960494DF}">
-                <a14:hiddenLine xmlns="" xmlns:a14="http://schemas.microsoft.com/office/drawing/2010/main" w="9525">
+              <a:ext uri="{91240B29-F687-4F45-9708-019B960494DF}">
+                <a14:hiddenLine xmlns:a14="http://schemas.microsoft.com/office/drawing/2010/main" w="9525">
                   <a:solidFill>
                     <a:srgbClr val="000000"/>
                   </a:solidFill>
@@ -1714,8 +1714,8 @@
               <a:noFill/>
             </a:ln>
             <a:extLst>
-              <a:ext uri="{91240B29-F687-4f45-9708-019B960494DF}">
-                <a14:hiddenLine xmlns="" xmlns:a14="http://schemas.microsoft.com/office/drawing/2010/main" w="9525">
+              <a:ext uri="{91240B29-F687-4F45-9708-019B960494DF}">
+                <a14:hiddenLine xmlns:a14="http://schemas.microsoft.com/office/drawing/2010/main" w="9525">
                   <a:solidFill>
                     <a:srgbClr val="000000"/>
                   </a:solidFill>
@@ -1824,8 +1824,8 @@
               <a:noFill/>
             </a:ln>
             <a:extLst>
-              <a:ext uri="{91240B29-F687-4f45-9708-019B960494DF}">
-                <a14:hiddenLine xmlns="" xmlns:a14="http://schemas.microsoft.com/office/drawing/2010/main" w="9525">
+              <a:ext uri="{91240B29-F687-4F45-9708-019B960494DF}">
+                <a14:hiddenLine xmlns:a14="http://schemas.microsoft.com/office/drawing/2010/main" w="9525">
                   <a:solidFill>
                     <a:srgbClr val="000000"/>
                   </a:solidFill>
@@ -1886,8 +1886,8 @@
               <a:noFill/>
             </a:ln>
             <a:extLst>
-              <a:ext uri="{91240B29-F687-4f45-9708-019B960494DF}">
-                <a14:hiddenLine xmlns="" xmlns:a14="http://schemas.microsoft.com/office/drawing/2010/main" w="9525">
+              <a:ext uri="{91240B29-F687-4F45-9708-019B960494DF}">
+                <a14:hiddenLine xmlns:a14="http://schemas.microsoft.com/office/drawing/2010/main" w="9525">
                   <a:solidFill>
                     <a:srgbClr val="000000"/>
                   </a:solidFill>
@@ -1976,8 +1976,8 @@
               <a:noFill/>
             </a:ln>
             <a:extLst>
-              <a:ext uri="{91240B29-F687-4f45-9708-019B960494DF}">
-                <a14:hiddenLine xmlns="" xmlns:a14="http://schemas.microsoft.com/office/drawing/2010/main" w="9525">
+              <a:ext uri="{91240B29-F687-4F45-9708-019B960494DF}">
+                <a14:hiddenLine xmlns:a14="http://schemas.microsoft.com/office/drawing/2010/main" w="9525">
                   <a:solidFill>
                     <a:srgbClr val="000000"/>
                   </a:solidFill>
@@ -2066,8 +2066,8 @@
               <a:noFill/>
             </a:ln>
             <a:extLst>
-              <a:ext uri="{91240B29-F687-4f45-9708-019B960494DF}">
-                <a14:hiddenLine xmlns="" xmlns:a14="http://schemas.microsoft.com/office/drawing/2010/main" w="9525">
+              <a:ext uri="{91240B29-F687-4F45-9708-019B960494DF}">
+                <a14:hiddenLine xmlns:a14="http://schemas.microsoft.com/office/drawing/2010/main" w="9525">
                   <a:solidFill>
                     <a:srgbClr val="000000"/>
                   </a:solidFill>
@@ -2128,8 +2128,8 @@
               <a:noFill/>
             </a:ln>
             <a:extLst>
-              <a:ext uri="{91240B29-F687-4f45-9708-019B960494DF}">
-                <a14:hiddenLine xmlns="" xmlns:a14="http://schemas.microsoft.com/office/drawing/2010/main" w="9525">
+              <a:ext uri="{91240B29-F687-4F45-9708-019B960494DF}">
+                <a14:hiddenLine xmlns:a14="http://schemas.microsoft.com/office/drawing/2010/main" w="9525">
                   <a:solidFill>
                     <a:srgbClr val="000000"/>
                   </a:solidFill>
@@ -2218,8 +2218,8 @@
               <a:noFill/>
             </a:ln>
             <a:extLst>
-              <a:ext uri="{91240B29-F687-4f45-9708-019B960494DF}">
-                <a14:hiddenLine xmlns="" xmlns:a14="http://schemas.microsoft.com/office/drawing/2010/main" w="9525">
+              <a:ext uri="{91240B29-F687-4F45-9708-019B960494DF}">
+                <a14:hiddenLine xmlns:a14="http://schemas.microsoft.com/office/drawing/2010/main" w="9525">
                   <a:solidFill>
                     <a:srgbClr val="000000"/>
                   </a:solidFill>
@@ -2308,8 +2308,8 @@
               <a:noFill/>
             </a:ln>
             <a:extLst>
-              <a:ext uri="{91240B29-F687-4f45-9708-019B960494DF}">
-                <a14:hiddenLine xmlns="" xmlns:a14="http://schemas.microsoft.com/office/drawing/2010/main" w="9525">
+              <a:ext uri="{91240B29-F687-4F45-9708-019B960494DF}">
+                <a14:hiddenLine xmlns:a14="http://schemas.microsoft.com/office/drawing/2010/main" w="9525">
                   <a:solidFill>
                     <a:srgbClr val="000000"/>
                   </a:solidFill>
@@ -2364,8 +2364,8 @@
               <a:noFill/>
             </a:ln>
             <a:extLst>
-              <a:ext uri="{91240B29-F687-4f45-9708-019B960494DF}">
-                <a14:hiddenLine xmlns="" xmlns:a14="http://schemas.microsoft.com/office/drawing/2010/main" w="9525">
+              <a:ext uri="{91240B29-F687-4F45-9708-019B960494DF}">
+                <a14:hiddenLine xmlns:a14="http://schemas.microsoft.com/office/drawing/2010/main" w="9525">
                   <a:solidFill>
                     <a:srgbClr val="000000"/>
                   </a:solidFill>
@@ -2454,8 +2454,8 @@
               <a:noFill/>
             </a:ln>
             <a:extLst>
-              <a:ext uri="{91240B29-F687-4f45-9708-019B960494DF}">
-                <a14:hiddenLine xmlns="" xmlns:a14="http://schemas.microsoft.com/office/drawing/2010/main" w="9525">
+              <a:ext uri="{91240B29-F687-4F45-9708-019B960494DF}">
+                <a14:hiddenLine xmlns:a14="http://schemas.microsoft.com/office/drawing/2010/main" w="9525">
                   <a:solidFill>
                     <a:srgbClr val="000000"/>
                   </a:solidFill>
@@ -2510,8 +2510,8 @@
               <a:noFill/>
             </a:ln>
             <a:extLst>
-              <a:ext uri="{91240B29-F687-4f45-9708-019B960494DF}">
-                <a14:hiddenLine xmlns="" xmlns:a14="http://schemas.microsoft.com/office/drawing/2010/main" w="9525">
+              <a:ext uri="{91240B29-F687-4F45-9708-019B960494DF}">
+                <a14:hiddenLine xmlns:a14="http://schemas.microsoft.com/office/drawing/2010/main" w="9525">
                   <a:solidFill>
                     <a:srgbClr val="000000"/>
                   </a:solidFill>
@@ -2600,8 +2600,8 @@
               <a:noFill/>
             </a:ln>
             <a:extLst>
-              <a:ext uri="{91240B29-F687-4f45-9708-019B960494DF}">
-                <a14:hiddenLine xmlns="" xmlns:a14="http://schemas.microsoft.com/office/drawing/2010/main" w="9525">
+              <a:ext uri="{91240B29-F687-4F45-9708-019B960494DF}">
+                <a14:hiddenLine xmlns:a14="http://schemas.microsoft.com/office/drawing/2010/main" w="9525">
                   <a:solidFill>
                     <a:srgbClr val="000000"/>
                   </a:solidFill>
@@ -2668,8 +2668,8 @@
               <a:noFill/>
             </a:ln>
             <a:extLst>
-              <a:ext uri="{91240B29-F687-4f45-9708-019B960494DF}">
-                <a14:hiddenLine xmlns="" xmlns:a14="http://schemas.microsoft.com/office/drawing/2010/main" w="9525">
+              <a:ext uri="{91240B29-F687-4F45-9708-019B960494DF}">
+                <a14:hiddenLine xmlns:a14="http://schemas.microsoft.com/office/drawing/2010/main" w="9525">
                   <a:solidFill>
                     <a:srgbClr val="000000"/>
                   </a:solidFill>
@@ -2758,8 +2758,8 @@
               <a:noFill/>
             </a:ln>
             <a:extLst>
-              <a:ext uri="{91240B29-F687-4f45-9708-019B960494DF}">
-                <a14:hiddenLine xmlns="" xmlns:a14="http://schemas.microsoft.com/office/drawing/2010/main" w="9525">
+              <a:ext uri="{91240B29-F687-4F45-9708-019B960494DF}">
+                <a14:hiddenLine xmlns:a14="http://schemas.microsoft.com/office/drawing/2010/main" w="9525">
                   <a:solidFill>
                     <a:srgbClr val="000000"/>
                   </a:solidFill>
@@ -2826,8 +2826,8 @@
               <a:noFill/>
             </a:ln>
             <a:extLst>
-              <a:ext uri="{91240B29-F687-4f45-9708-019B960494DF}">
-                <a14:hiddenLine xmlns="" xmlns:a14="http://schemas.microsoft.com/office/drawing/2010/main" w="9525">
+              <a:ext uri="{91240B29-F687-4F45-9708-019B960494DF}">
+                <a14:hiddenLine xmlns:a14="http://schemas.microsoft.com/office/drawing/2010/main" w="9525">
                   <a:solidFill>
                     <a:srgbClr val="000000"/>
                   </a:solidFill>
@@ -2916,8 +2916,8 @@
               <a:noFill/>
             </a:ln>
             <a:extLst>
-              <a:ext uri="{91240B29-F687-4f45-9708-019B960494DF}">
-                <a14:hiddenLine xmlns="" xmlns:a14="http://schemas.microsoft.com/office/drawing/2010/main" w="9525">
+              <a:ext uri="{91240B29-F687-4F45-9708-019B960494DF}">
+                <a14:hiddenLine xmlns:a14="http://schemas.microsoft.com/office/drawing/2010/main" w="9525">
                   <a:solidFill>
                     <a:srgbClr val="000000"/>
                   </a:solidFill>
@@ -2950,8 +2950,8 @@
               <a:noFill/>
             </a:ln>
             <a:extLst>
-              <a:ext uri="{91240B29-F687-4f45-9708-019B960494DF}">
-                <a14:hiddenLine xmlns="" xmlns:a14="http://schemas.microsoft.com/office/drawing/2010/main" w="9525">
+              <a:ext uri="{91240B29-F687-4F45-9708-019B960494DF}">
+                <a14:hiddenLine xmlns:a14="http://schemas.microsoft.com/office/drawing/2010/main" w="9525">
                   <a:solidFill>
                     <a:srgbClr val="000000"/>
                   </a:solidFill>
@@ -3040,8 +3040,8 @@
               <a:noFill/>
             </a:ln>
             <a:extLst>
-              <a:ext uri="{91240B29-F687-4f45-9708-019B960494DF}">
-                <a14:hiddenLine xmlns="" xmlns:a14="http://schemas.microsoft.com/office/drawing/2010/main" w="9525">
+              <a:ext uri="{91240B29-F687-4F45-9708-019B960494DF}">
+                <a14:hiddenLine xmlns:a14="http://schemas.microsoft.com/office/drawing/2010/main" w="9525">
                   <a:solidFill>
                     <a:srgbClr val="000000"/>
                   </a:solidFill>
@@ -3102,8 +3102,8 @@
               <a:noFill/>
             </a:ln>
             <a:extLst>
-              <a:ext uri="{91240B29-F687-4f45-9708-019B960494DF}">
-                <a14:hiddenLine xmlns="" xmlns:a14="http://schemas.microsoft.com/office/drawing/2010/main" w="9525">
+              <a:ext uri="{91240B29-F687-4F45-9708-019B960494DF}">
+                <a14:hiddenLine xmlns:a14="http://schemas.microsoft.com/office/drawing/2010/main" w="9525">
                   <a:solidFill>
                     <a:srgbClr val="000000"/>
                   </a:solidFill>
@@ -3164,8 +3164,8 @@
               <a:noFill/>
             </a:ln>
             <a:extLst>
-              <a:ext uri="{91240B29-F687-4f45-9708-019B960494DF}">
-                <a14:hiddenLine xmlns="" xmlns:a14="http://schemas.microsoft.com/office/drawing/2010/main" w="9525">
+              <a:ext uri="{91240B29-F687-4F45-9708-019B960494DF}">
+                <a14:hiddenLine xmlns:a14="http://schemas.microsoft.com/office/drawing/2010/main" w="9525">
                   <a:solidFill>
                     <a:srgbClr val="000000"/>
                   </a:solidFill>
@@ -3254,8 +3254,8 @@
               <a:noFill/>
             </a:ln>
             <a:extLst>
-              <a:ext uri="{91240B29-F687-4f45-9708-019B960494DF}">
-                <a14:hiddenLine xmlns="" xmlns:a14="http://schemas.microsoft.com/office/drawing/2010/main" w="9525">
+              <a:ext uri="{91240B29-F687-4F45-9708-019B960494DF}">
+                <a14:hiddenLine xmlns:a14="http://schemas.microsoft.com/office/drawing/2010/main" w="9525">
                   <a:solidFill>
                     <a:srgbClr val="000000"/>
                   </a:solidFill>
@@ -3322,8 +3322,8 @@
               <a:noFill/>
             </a:ln>
             <a:extLst>
-              <a:ext uri="{91240B29-F687-4f45-9708-019B960494DF}">
-                <a14:hiddenLine xmlns="" xmlns:a14="http://schemas.microsoft.com/office/drawing/2010/main" w="9525">
+              <a:ext uri="{91240B29-F687-4F45-9708-019B960494DF}">
+                <a14:hiddenLine xmlns:a14="http://schemas.microsoft.com/office/drawing/2010/main" w="9525">
                   <a:solidFill>
                     <a:srgbClr val="000000"/>
                   </a:solidFill>
@@ -3384,8 +3384,8 @@
               <a:noFill/>
             </a:ln>
             <a:extLst>
-              <a:ext uri="{91240B29-F687-4f45-9708-019B960494DF}">
-                <a14:hiddenLine xmlns="" xmlns:a14="http://schemas.microsoft.com/office/drawing/2010/main" w="9525">
+              <a:ext uri="{91240B29-F687-4F45-9708-019B960494DF}">
+                <a14:hiddenLine xmlns:a14="http://schemas.microsoft.com/office/drawing/2010/main" w="9525">
                   <a:solidFill>
                     <a:srgbClr val="000000"/>
                   </a:solidFill>
@@ -3474,8 +3474,8 @@
               <a:noFill/>
             </a:ln>
             <a:extLst>
-              <a:ext uri="{91240B29-F687-4f45-9708-019B960494DF}">
-                <a14:hiddenLine xmlns="" xmlns:a14="http://schemas.microsoft.com/office/drawing/2010/main" w="9525">
+              <a:ext uri="{91240B29-F687-4F45-9708-019B960494DF}">
+                <a14:hiddenLine xmlns:a14="http://schemas.microsoft.com/office/drawing/2010/main" w="9525">
                   <a:solidFill>
                     <a:srgbClr val="000000"/>
                   </a:solidFill>
@@ -3536,8 +3536,8 @@
               <a:noFill/>
             </a:ln>
             <a:extLst>
-              <a:ext uri="{91240B29-F687-4f45-9708-019B960494DF}">
-                <a14:hiddenLine xmlns="" xmlns:a14="http://schemas.microsoft.com/office/drawing/2010/main" w="9525">
+              <a:ext uri="{91240B29-F687-4F45-9708-019B960494DF}">
+                <a14:hiddenLine xmlns:a14="http://schemas.microsoft.com/office/drawing/2010/main" w="9525">
                   <a:solidFill>
                     <a:srgbClr val="000000"/>
                   </a:solidFill>
@@ -3626,8 +3626,8 @@
               <a:noFill/>
             </a:ln>
             <a:extLst>
-              <a:ext uri="{91240B29-F687-4f45-9708-019B960494DF}">
-                <a14:hiddenLine xmlns="" xmlns:a14="http://schemas.microsoft.com/office/drawing/2010/main" w="9525">
+              <a:ext uri="{91240B29-F687-4F45-9708-019B960494DF}">
+                <a14:hiddenLine xmlns:a14="http://schemas.microsoft.com/office/drawing/2010/main" w="9525">
                   <a:solidFill>
                     <a:srgbClr val="000000"/>
                   </a:solidFill>
@@ -3688,8 +3688,8 @@
               <a:noFill/>
             </a:ln>
             <a:extLst>
-              <a:ext uri="{91240B29-F687-4f45-9708-019B960494DF}">
-                <a14:hiddenLine xmlns="" xmlns:a14="http://schemas.microsoft.com/office/drawing/2010/main" w="9525">
+              <a:ext uri="{91240B29-F687-4F45-9708-019B960494DF}">
+                <a14:hiddenLine xmlns:a14="http://schemas.microsoft.com/office/drawing/2010/main" w="9525">
                   <a:solidFill>
                     <a:srgbClr val="000000"/>
                   </a:solidFill>
@@ -3778,8 +3778,8 @@
               <a:noFill/>
             </a:ln>
             <a:extLst>
-              <a:ext uri="{91240B29-F687-4f45-9708-019B960494DF}">
-                <a14:hiddenLine xmlns="" xmlns:a14="http://schemas.microsoft.com/office/drawing/2010/main" w="9525">
+              <a:ext uri="{91240B29-F687-4F45-9708-019B960494DF}">
+                <a14:hiddenLine xmlns:a14="http://schemas.microsoft.com/office/drawing/2010/main" w="9525">
                   <a:solidFill>
                     <a:srgbClr val="000000"/>
                   </a:solidFill>
@@ -3812,8 +3812,8 @@
               <a:noFill/>
             </a:ln>
             <a:extLst>
-              <a:ext uri="{91240B29-F687-4f45-9708-019B960494DF}">
-                <a14:hiddenLine xmlns="" xmlns:a14="http://schemas.microsoft.com/office/drawing/2010/main" w="9525">
+              <a:ext uri="{91240B29-F687-4F45-9708-019B960494DF}">
+                <a14:hiddenLine xmlns:a14="http://schemas.microsoft.com/office/drawing/2010/main" w="9525">
                   <a:solidFill>
                     <a:srgbClr val="000000"/>
                   </a:solidFill>
@@ -3877,8 +3877,8 @@
               <a:noFill/>
             </a:ln>
             <a:extLst>
-              <a:ext uri="{91240B29-F687-4f45-9708-019B960494DF}">
-                <a14:hiddenLine xmlns="" xmlns:a14="http://schemas.microsoft.com/office/drawing/2010/main" w="9525">
+              <a:ext uri="{91240B29-F687-4F45-9708-019B960494DF}">
+                <a14:hiddenLine xmlns:a14="http://schemas.microsoft.com/office/drawing/2010/main" w="9525">
                   <a:solidFill>
                     <a:srgbClr val="000000"/>
                   </a:solidFill>
@@ -3967,8 +3967,8 @@
               <a:noFill/>
             </a:ln>
             <a:extLst>
-              <a:ext uri="{91240B29-F687-4f45-9708-019B960494DF}">
-                <a14:hiddenLine xmlns="" xmlns:a14="http://schemas.microsoft.com/office/drawing/2010/main" w="9525">
+              <a:ext uri="{91240B29-F687-4F45-9708-019B960494DF}">
+                <a14:hiddenLine xmlns:a14="http://schemas.microsoft.com/office/drawing/2010/main" w="9525">
                   <a:solidFill>
                     <a:srgbClr val="000000"/>
                   </a:solidFill>
@@ -4029,8 +4029,8 @@
               <a:noFill/>
             </a:ln>
             <a:extLst>
-              <a:ext uri="{91240B29-F687-4f45-9708-019B960494DF}">
-                <a14:hiddenLine xmlns="" xmlns:a14="http://schemas.microsoft.com/office/drawing/2010/main" w="9525">
+              <a:ext uri="{91240B29-F687-4F45-9708-019B960494DF}">
+                <a14:hiddenLine xmlns:a14="http://schemas.microsoft.com/office/drawing/2010/main" w="9525">
                   <a:solidFill>
                     <a:srgbClr val="000000"/>
                   </a:solidFill>
@@ -4119,8 +4119,8 @@
               <a:noFill/>
             </a:ln>
             <a:extLst>
-              <a:ext uri="{91240B29-F687-4f45-9708-019B960494DF}">
-                <a14:hiddenLine xmlns="" xmlns:a14="http://schemas.microsoft.com/office/drawing/2010/main" w="9525">
+              <a:ext uri="{91240B29-F687-4F45-9708-019B960494DF}">
+                <a14:hiddenLine xmlns:a14="http://schemas.microsoft.com/office/drawing/2010/main" w="9525">
                   <a:solidFill>
                     <a:srgbClr val="000000"/>
                   </a:solidFill>
@@ -4209,8 +4209,8 @@
               <a:noFill/>
             </a:ln>
             <a:extLst>
-              <a:ext uri="{91240B29-F687-4f45-9708-019B960494DF}">
-                <a14:hiddenLine xmlns="" xmlns:a14="http://schemas.microsoft.com/office/drawing/2010/main" w="9525">
+              <a:ext uri="{91240B29-F687-4F45-9708-019B960494DF}">
+                <a14:hiddenLine xmlns:a14="http://schemas.microsoft.com/office/drawing/2010/main" w="9525">
                   <a:solidFill>
                     <a:srgbClr val="000000"/>
                   </a:solidFill>
@@ -4274,8 +4274,8 @@
               <a:noFill/>
             </a:ln>
             <a:extLst>
-              <a:ext uri="{91240B29-F687-4f45-9708-019B960494DF}">
-                <a14:hiddenLine xmlns="" xmlns:a14="http://schemas.microsoft.com/office/drawing/2010/main" w="9525">
+              <a:ext uri="{91240B29-F687-4F45-9708-019B960494DF}">
+                <a14:hiddenLine xmlns:a14="http://schemas.microsoft.com/office/drawing/2010/main" w="9525">
                   <a:solidFill>
                     <a:srgbClr val="000000"/>
                   </a:solidFill>
@@ -4336,8 +4336,8 @@
               <a:noFill/>
             </a:ln>
             <a:extLst>
-              <a:ext uri="{91240B29-F687-4f45-9708-019B960494DF}">
-                <a14:hiddenLine xmlns="" xmlns:a14="http://schemas.microsoft.com/office/drawing/2010/main" w="9525">
+              <a:ext uri="{91240B29-F687-4F45-9708-019B960494DF}">
+                <a14:hiddenLine xmlns:a14="http://schemas.microsoft.com/office/drawing/2010/main" w="9525">
                   <a:solidFill>
                     <a:srgbClr val="000000"/>
                   </a:solidFill>
@@ -4426,8 +4426,8 @@
               <a:noFill/>
             </a:ln>
             <a:extLst>
-              <a:ext uri="{91240B29-F687-4f45-9708-019B960494DF}">
-                <a14:hiddenLine xmlns="" xmlns:a14="http://schemas.microsoft.com/office/drawing/2010/main" w="9525">
+              <a:ext uri="{91240B29-F687-4F45-9708-019B960494DF}">
+                <a14:hiddenLine xmlns:a14="http://schemas.microsoft.com/office/drawing/2010/main" w="9525">
                   <a:solidFill>
                     <a:srgbClr val="000000"/>
                   </a:solidFill>
@@ -4516,8 +4516,8 @@
               <a:noFill/>
             </a:ln>
             <a:extLst>
-              <a:ext uri="{91240B29-F687-4f45-9708-019B960494DF}">
-                <a14:hiddenLine xmlns="" xmlns:a14="http://schemas.microsoft.com/office/drawing/2010/main" w="9525">
+              <a:ext uri="{91240B29-F687-4F45-9708-019B960494DF}">
+                <a14:hiddenLine xmlns:a14="http://schemas.microsoft.com/office/drawing/2010/main" w="9525">
                   <a:solidFill>
                     <a:srgbClr val="000000"/>
                   </a:solidFill>
@@ -4578,8 +4578,8 @@
               <a:noFill/>
             </a:ln>
             <a:extLst>
-              <a:ext uri="{91240B29-F687-4f45-9708-019B960494DF}">
-                <a14:hiddenLine xmlns="" xmlns:a14="http://schemas.microsoft.com/office/drawing/2010/main" w="9525">
+              <a:ext uri="{91240B29-F687-4F45-9708-019B960494DF}">
+                <a14:hiddenLine xmlns:a14="http://schemas.microsoft.com/office/drawing/2010/main" w="9525">
                   <a:solidFill>
                     <a:srgbClr val="000000"/>
                   </a:solidFill>
@@ -4698,8 +4698,8 @@
               <a:noFill/>
             </a:ln>
             <a:extLst>
-              <a:ext uri="{91240B29-F687-4f45-9708-019B960494DF}">
-                <a14:hiddenLine xmlns="" xmlns:a14="http://schemas.microsoft.com/office/drawing/2010/main" w="9525">
+              <a:ext uri="{91240B29-F687-4F45-9708-019B960494DF}">
+                <a14:hiddenLine xmlns:a14="http://schemas.microsoft.com/office/drawing/2010/main" w="9525">
                   <a:solidFill>
                     <a:srgbClr val="000000"/>
                   </a:solidFill>
@@ -4766,8 +4766,8 @@
               <a:noFill/>
             </a:ln>
             <a:extLst>
-              <a:ext uri="{91240B29-F687-4f45-9708-019B960494DF}">
-                <a14:hiddenLine xmlns="" xmlns:a14="http://schemas.microsoft.com/office/drawing/2010/main" w="9525">
+              <a:ext uri="{91240B29-F687-4F45-9708-019B960494DF}">
+                <a14:hiddenLine xmlns:a14="http://schemas.microsoft.com/office/drawing/2010/main" w="9525">
                   <a:solidFill>
                     <a:srgbClr val="000000"/>
                   </a:solidFill>
@@ -4856,8 +4856,8 @@
               <a:noFill/>
             </a:ln>
             <a:extLst>
-              <a:ext uri="{91240B29-F687-4f45-9708-019B960494DF}">
-                <a14:hiddenLine xmlns="" xmlns:a14="http://schemas.microsoft.com/office/drawing/2010/main" w="9525">
+              <a:ext uri="{91240B29-F687-4F45-9708-019B960494DF}">
+                <a14:hiddenLine xmlns:a14="http://schemas.microsoft.com/office/drawing/2010/main" w="9525">
                   <a:solidFill>
                     <a:srgbClr val="000000"/>
                   </a:solidFill>
@@ -4997,7 +4997,7 @@
           <a:p>
             <a:fld id="{9453E4B6-66BA-4B33-AFCD-F6084AE9AFDC}" type="datetime1">
               <a:rPr lang="en-US" smtClean="0"/>
-              <a:t>1/5/2021</a:t>
+              <a:t>05-Jan-21</a:t>
             </a:fld>
             <a:endParaRPr lang="en-US"/>
           </a:p>
@@ -5065,18 +5065,9 @@
   <p:clrMapOvr>
     <a:masterClrMapping/>
   </p:clrMapOvr>
-  <mc:AlternateContent xmlns:mc="http://schemas.openxmlformats.org/markup-compatibility/2006" xmlns:p15="http://schemas.microsoft.com/office/powerpoint/2012/main">
-    <mc:Choice Requires="p15">
-      <p:transition xmlns:p14="http://schemas.microsoft.com/office/powerpoint/2010/main" spd="slow" p14:dur="1250">
-        <p15:prstTrans prst="peelOff"/>
-      </p:transition>
-    </mc:Choice>
-    <mc:Fallback xmlns="">
-      <p:transition spd="slow">
-        <p:fade/>
-      </p:transition>
-    </mc:Fallback>
-  </mc:AlternateContent>
+  <p:transition spd="slow">
+    <p:fade/>
+  </p:transition>
 </p:sldLayout>
 </file>
 
@@ -5276,7 +5267,7 @@
           <a:p>
             <a:fld id="{3B030C01-3367-43BF-937D-3893ADD9B9F8}" type="datetime1">
               <a:rPr lang="en-US" smtClean="0"/>
-              <a:t>1/5/2021</a:t>
+              <a:t>05-Jan-21</a:t>
             </a:fld>
             <a:endParaRPr lang="en-US"/>
           </a:p>
@@ -5334,18 +5325,9 @@
   <p:clrMapOvr>
     <a:masterClrMapping/>
   </p:clrMapOvr>
-  <mc:AlternateContent xmlns:mc="http://schemas.openxmlformats.org/markup-compatibility/2006" xmlns:p15="http://schemas.microsoft.com/office/powerpoint/2012/main">
-    <mc:Choice Requires="p15">
-      <p:transition xmlns:p14="http://schemas.microsoft.com/office/powerpoint/2010/main" spd="slow" p14:dur="1250">
-        <p15:prstTrans prst="peelOff"/>
-      </p:transition>
-    </mc:Choice>
-    <mc:Fallback xmlns="">
-      <p:transition spd="slow">
-        <p:fade/>
-      </p:transition>
-    </mc:Fallback>
-  </mc:AlternateContent>
+  <p:transition spd="slow">
+    <p:fade/>
+  </p:transition>
 </p:sldLayout>
 </file>
 
@@ -5484,7 +5466,7 @@
           <a:p>
             <a:fld id="{7B0B9D8B-653D-4DAC-8F28-9C1357B30687}" type="datetime1">
               <a:rPr lang="en-US" smtClean="0"/>
-              <a:t>1/5/2021</a:t>
+              <a:t>05-Jan-21</a:t>
             </a:fld>
             <a:endParaRPr lang="en-US"/>
           </a:p>
@@ -5542,18 +5524,9 @@
   <p:clrMapOvr>
     <a:masterClrMapping/>
   </p:clrMapOvr>
-  <mc:AlternateContent xmlns:mc="http://schemas.openxmlformats.org/markup-compatibility/2006" xmlns:p15="http://schemas.microsoft.com/office/powerpoint/2012/main">
-    <mc:Choice Requires="p15">
-      <p:transition xmlns:p14="http://schemas.microsoft.com/office/powerpoint/2010/main" spd="slow" p14:dur="1250">
-        <p15:prstTrans prst="peelOff"/>
-      </p:transition>
-    </mc:Choice>
-    <mc:Fallback xmlns="">
-      <p:transition spd="slow">
-        <p:fade/>
-      </p:transition>
-    </mc:Fallback>
-  </mc:AlternateContent>
+  <p:transition spd="slow">
+    <p:fade/>
+  </p:transition>
 </p:sldLayout>
 </file>
 
@@ -5759,7 +5732,7 @@
           <a:p>
             <a:fld id="{3E0B0587-B13D-4CE2-ABF3-D82ACC0FE76B}" type="datetime1">
               <a:rPr lang="en-US" smtClean="0"/>
-              <a:t>1/5/2021</a:t>
+              <a:t>05-Jan-21</a:t>
             </a:fld>
             <a:endParaRPr lang="en-US"/>
           </a:p>
@@ -6055,18 +6028,9 @@
   <p:clrMapOvr>
     <a:masterClrMapping/>
   </p:clrMapOvr>
-  <mc:AlternateContent xmlns:mc="http://schemas.openxmlformats.org/markup-compatibility/2006" xmlns:p15="http://schemas.microsoft.com/office/powerpoint/2012/main">
-    <mc:Choice Requires="p15">
-      <p:transition xmlns:p14="http://schemas.microsoft.com/office/powerpoint/2010/main" spd="slow" p14:dur="1250">
-        <p15:prstTrans prst="peelOff"/>
-      </p:transition>
-    </mc:Choice>
-    <mc:Fallback xmlns="">
-      <p:transition spd="slow">
-        <p:fade/>
-      </p:transition>
-    </mc:Fallback>
-  </mc:AlternateContent>
+  <p:transition spd="slow">
+    <p:fade/>
+  </p:transition>
 </p:sldLayout>
 </file>
 
@@ -6205,7 +6169,7 @@
           <a:p>
             <a:fld id="{71639C8D-F100-4198-BC96-24268D604A86}" type="datetime1">
               <a:rPr lang="en-US" smtClean="0"/>
-              <a:t>1/5/2021</a:t>
+              <a:t>05-Jan-21</a:t>
             </a:fld>
             <a:endParaRPr lang="en-US"/>
           </a:p>
@@ -6263,18 +6227,9 @@
   <p:clrMapOvr>
     <a:masterClrMapping/>
   </p:clrMapOvr>
-  <mc:AlternateContent xmlns:mc="http://schemas.openxmlformats.org/markup-compatibility/2006" xmlns:p15="http://schemas.microsoft.com/office/powerpoint/2012/main">
-    <mc:Choice Requires="p15">
-      <p:transition xmlns:p14="http://schemas.microsoft.com/office/powerpoint/2010/main" spd="slow" p14:dur="1250">
-        <p15:prstTrans prst="peelOff"/>
-      </p:transition>
-    </mc:Choice>
-    <mc:Fallback xmlns="">
-      <p:transition spd="slow">
-        <p:fade/>
-      </p:transition>
-    </mc:Fallback>
-  </mc:AlternateContent>
+  <p:transition spd="slow">
+    <p:fade/>
+  </p:transition>
 </p:sldLayout>
 </file>
 
@@ -6763,7 +6718,7 @@
           <a:p>
             <a:fld id="{FFAF4433-B36B-42B9-9129-BFBD1397BF4E}" type="datetime1">
               <a:rPr lang="en-US" smtClean="0"/>
-              <a:t>1/5/2021</a:t>
+              <a:t>05-Jan-21</a:t>
             </a:fld>
             <a:endParaRPr lang="en-US"/>
           </a:p>
@@ -6821,18 +6776,9 @@
   <p:clrMapOvr>
     <a:masterClrMapping/>
   </p:clrMapOvr>
-  <mc:AlternateContent xmlns:mc="http://schemas.openxmlformats.org/markup-compatibility/2006" xmlns:p15="http://schemas.microsoft.com/office/powerpoint/2012/main">
-    <mc:Choice Requires="p15">
-      <p:transition xmlns:p14="http://schemas.microsoft.com/office/powerpoint/2010/main" spd="slow" p14:dur="1250">
-        <p15:prstTrans prst="peelOff"/>
-      </p:transition>
-    </mc:Choice>
-    <mc:Fallback xmlns="">
-      <p:transition spd="slow">
-        <p:fade/>
-      </p:transition>
-    </mc:Fallback>
-  </mc:AlternateContent>
+  <p:transition spd="slow">
+    <p:fade/>
+  </p:transition>
 </p:sldLayout>
 </file>
 
@@ -7495,7 +7441,7 @@
           <a:p>
             <a:fld id="{0456F42E-3AD5-45F5-AA4E-60673CE0A094}" type="datetime1">
               <a:rPr lang="en-US" smtClean="0"/>
-              <a:t>1/5/2021</a:t>
+              <a:t>05-Jan-21</a:t>
             </a:fld>
             <a:endParaRPr lang="en-US"/>
           </a:p>
@@ -7553,18 +7499,9 @@
   <p:clrMapOvr>
     <a:masterClrMapping/>
   </p:clrMapOvr>
-  <mc:AlternateContent xmlns:mc="http://schemas.openxmlformats.org/markup-compatibility/2006" xmlns:p15="http://schemas.microsoft.com/office/powerpoint/2012/main">
-    <mc:Choice Requires="p15">
-      <p:transition xmlns:p14="http://schemas.microsoft.com/office/powerpoint/2010/main" spd="slow" p14:dur="1250">
-        <p15:prstTrans prst="peelOff"/>
-      </p:transition>
-    </mc:Choice>
-    <mc:Fallback xmlns="">
-      <p:transition spd="slow">
-        <p:fade/>
-      </p:transition>
-    </mc:Fallback>
-  </mc:AlternateContent>
+  <p:transition spd="slow">
+    <p:fade/>
+  </p:transition>
 </p:sldLayout>
 </file>
 
@@ -7677,7 +7614,7 @@
           <a:p>
             <a:fld id="{96682EAD-E4E4-4F29-8F62-A2DBB9B02D15}" type="datetime1">
               <a:rPr lang="en-US" smtClean="0"/>
-              <a:t>1/5/2021</a:t>
+              <a:t>05-Jan-21</a:t>
             </a:fld>
             <a:endParaRPr lang="en-US"/>
           </a:p>
@@ -7735,18 +7672,9 @@
   <p:clrMapOvr>
     <a:masterClrMapping/>
   </p:clrMapOvr>
-  <mc:AlternateContent xmlns:mc="http://schemas.openxmlformats.org/markup-compatibility/2006" xmlns:p15="http://schemas.microsoft.com/office/powerpoint/2012/main">
-    <mc:Choice Requires="p15">
-      <p:transition xmlns:p14="http://schemas.microsoft.com/office/powerpoint/2010/main" spd="slow" p14:dur="1250">
-        <p15:prstTrans prst="peelOff"/>
-      </p:transition>
-    </mc:Choice>
-    <mc:Fallback xmlns="">
-      <p:transition spd="slow">
-        <p:fade/>
-      </p:transition>
-    </mc:Fallback>
-  </mc:AlternateContent>
+  <p:transition spd="slow">
+    <p:fade/>
+  </p:transition>
 </p:sldLayout>
 </file>
 
@@ -7869,7 +7797,7 @@
           <a:p>
             <a:fld id="{1D971B33-70FD-4CFB-BAAD-1813DAEC74FB}" type="datetime1">
               <a:rPr lang="en-US" smtClean="0"/>
-              <a:t>1/5/2021</a:t>
+              <a:t>05-Jan-21</a:t>
             </a:fld>
             <a:endParaRPr lang="en-US"/>
           </a:p>
@@ -7927,18 +7855,9 @@
   <p:clrMapOvr>
     <a:masterClrMapping/>
   </p:clrMapOvr>
-  <mc:AlternateContent xmlns:mc="http://schemas.openxmlformats.org/markup-compatibility/2006" xmlns:p15="http://schemas.microsoft.com/office/powerpoint/2012/main">
-    <mc:Choice Requires="p15">
-      <p:transition xmlns:p14="http://schemas.microsoft.com/office/powerpoint/2010/main" spd="slow" p14:dur="1250">
-        <p15:prstTrans prst="peelOff"/>
-      </p:transition>
-    </mc:Choice>
-    <mc:Fallback xmlns="">
-      <p:transition spd="slow">
-        <p:fade/>
-      </p:transition>
-    </mc:Fallback>
-  </mc:AlternateContent>
+  <p:transition spd="slow">
+    <p:fade/>
+  </p:transition>
 </p:sldLayout>
 </file>
 
@@ -8051,7 +7970,7 @@
           <a:p>
             <a:fld id="{7DC7A930-E568-44E6-84ED-3BB4016E0373}" type="datetime1">
               <a:rPr lang="en-US" smtClean="0"/>
-              <a:t>1/5/2021</a:t>
+              <a:t>05-Jan-21</a:t>
             </a:fld>
             <a:endParaRPr lang="en-US"/>
           </a:p>
@@ -8109,18 +8028,9 @@
   <p:clrMapOvr>
     <a:masterClrMapping/>
   </p:clrMapOvr>
-  <mc:AlternateContent xmlns:mc="http://schemas.openxmlformats.org/markup-compatibility/2006" xmlns:p15="http://schemas.microsoft.com/office/powerpoint/2012/main">
-    <mc:Choice Requires="p15">
-      <p:transition xmlns:p14="http://schemas.microsoft.com/office/powerpoint/2010/main" spd="slow" p14:dur="1250">
-        <p15:prstTrans prst="peelOff"/>
-      </p:transition>
-    </mc:Choice>
-    <mc:Fallback xmlns="">
-      <p:transition spd="slow">
-        <p:fade/>
-      </p:transition>
-    </mc:Fallback>
-  </mc:AlternateContent>
+  <p:transition spd="slow">
+    <p:fade/>
+  </p:transition>
 </p:sldLayout>
 </file>
 
@@ -8313,7 +8223,7 @@
           <a:p>
             <a:fld id="{14DF841F-E273-470C-888B-487BE062E0B0}" type="datetime1">
               <a:rPr lang="en-US" smtClean="0"/>
-              <a:t>1/5/2021</a:t>
+              <a:t>05-Jan-21</a:t>
             </a:fld>
             <a:endParaRPr lang="en-US"/>
           </a:p>
@@ -8371,18 +8281,9 @@
   <p:clrMapOvr>
     <a:masterClrMapping/>
   </p:clrMapOvr>
-  <mc:AlternateContent xmlns:mc="http://schemas.openxmlformats.org/markup-compatibility/2006" xmlns:p15="http://schemas.microsoft.com/office/powerpoint/2012/main">
-    <mc:Choice Requires="p15">
-      <p:transition xmlns:p14="http://schemas.microsoft.com/office/powerpoint/2010/main" spd="slow" p14:dur="1250">
-        <p15:prstTrans prst="peelOff"/>
-      </p:transition>
-    </mc:Choice>
-    <mc:Fallback xmlns="">
-      <p:transition spd="slow">
-        <p:fade/>
-      </p:transition>
-    </mc:Fallback>
-  </mc:AlternateContent>
+  <p:transition spd="slow">
+    <p:fade/>
+  </p:transition>
 </p:sldLayout>
 </file>
 
@@ -8557,7 +8458,7 @@
           <a:p>
             <a:fld id="{7976C994-3276-415C-8876-D8A57D02FBEA}" type="datetime1">
               <a:rPr lang="en-US" smtClean="0"/>
-              <a:t>1/5/2021</a:t>
+              <a:t>05-Jan-21</a:t>
             </a:fld>
             <a:endParaRPr lang="en-US"/>
           </a:p>
@@ -8615,18 +8516,9 @@
   <p:clrMapOvr>
     <a:masterClrMapping/>
   </p:clrMapOvr>
-  <mc:AlternateContent xmlns:mc="http://schemas.openxmlformats.org/markup-compatibility/2006" xmlns:p15="http://schemas.microsoft.com/office/powerpoint/2012/main">
-    <mc:Choice Requires="p15">
-      <p:transition xmlns:p14="http://schemas.microsoft.com/office/powerpoint/2010/main" spd="slow" p14:dur="1250">
-        <p15:prstTrans prst="peelOff"/>
-      </p:transition>
-    </mc:Choice>
-    <mc:Fallback xmlns="">
-      <p:transition spd="slow">
-        <p:fade/>
-      </p:transition>
-    </mc:Fallback>
-  </mc:AlternateContent>
+  <p:transition spd="slow">
+    <p:fade/>
+  </p:transition>
 </p:sldLayout>
 </file>
 
@@ -8950,7 +8842,7 @@
           <a:p>
             <a:fld id="{957CF569-10E6-499B-B10A-368AE7881220}" type="datetime1">
               <a:rPr lang="en-US" smtClean="0"/>
-              <a:t>1/5/2021</a:t>
+              <a:t>05-Jan-21</a:t>
             </a:fld>
             <a:endParaRPr lang="en-US"/>
           </a:p>
@@ -9008,18 +8900,9 @@
   <p:clrMapOvr>
     <a:masterClrMapping/>
   </p:clrMapOvr>
-  <mc:AlternateContent xmlns:mc="http://schemas.openxmlformats.org/markup-compatibility/2006" xmlns:p15="http://schemas.microsoft.com/office/powerpoint/2012/main">
-    <mc:Choice Requires="p15">
-      <p:transition xmlns:p14="http://schemas.microsoft.com/office/powerpoint/2010/main" spd="slow" p14:dur="1250">
-        <p15:prstTrans prst="peelOff"/>
-      </p:transition>
-    </mc:Choice>
-    <mc:Fallback xmlns="">
-      <p:transition spd="slow">
-        <p:fade/>
-      </p:transition>
-    </mc:Fallback>
-  </mc:AlternateContent>
+  <p:transition spd="slow">
+    <p:fade/>
+  </p:transition>
 </p:sldLayout>
 </file>
 
@@ -9080,7 +8963,7 @@
           <a:p>
             <a:fld id="{2B558DD0-02EC-4237-86A7-F584E5F12E9D}" type="datetime1">
               <a:rPr lang="en-US" smtClean="0"/>
-              <a:t>1/5/2021</a:t>
+              <a:t>05-Jan-21</a:t>
             </a:fld>
             <a:endParaRPr lang="en-US"/>
           </a:p>
@@ -9138,18 +9021,9 @@
   <p:clrMapOvr>
     <a:masterClrMapping/>
   </p:clrMapOvr>
-  <mc:AlternateContent xmlns:mc="http://schemas.openxmlformats.org/markup-compatibility/2006" xmlns:p15="http://schemas.microsoft.com/office/powerpoint/2012/main">
-    <mc:Choice Requires="p15">
-      <p:transition xmlns:p14="http://schemas.microsoft.com/office/powerpoint/2010/main" spd="slow" p14:dur="1250">
-        <p15:prstTrans prst="peelOff"/>
-      </p:transition>
-    </mc:Choice>
-    <mc:Fallback xmlns="">
-      <p:transition spd="slow">
-        <p:fade/>
-      </p:transition>
-    </mc:Fallback>
-  </mc:AlternateContent>
+  <p:transition spd="slow">
+    <p:fade/>
+  </p:transition>
 </p:sldLayout>
 </file>
 
@@ -9187,7 +9061,7 @@
           <a:p>
             <a:fld id="{6CDF8AA9-4674-4D39-A1B3-0222990FE499}" type="datetime1">
               <a:rPr lang="en-US" smtClean="0"/>
-              <a:t>1/5/2021</a:t>
+              <a:t>05-Jan-21</a:t>
             </a:fld>
             <a:endParaRPr lang="en-US"/>
           </a:p>
@@ -9245,18 +9119,9 @@
   <p:clrMapOvr>
     <a:masterClrMapping/>
   </p:clrMapOvr>
-  <mc:AlternateContent xmlns:mc="http://schemas.openxmlformats.org/markup-compatibility/2006" xmlns:p15="http://schemas.microsoft.com/office/powerpoint/2012/main">
-    <mc:Choice Requires="p15">
-      <p:transition xmlns:p14="http://schemas.microsoft.com/office/powerpoint/2010/main" spd="slow" p14:dur="1250">
-        <p15:prstTrans prst="peelOff"/>
-      </p:transition>
-    </mc:Choice>
-    <mc:Fallback xmlns="">
-      <p:transition spd="slow">
-        <p:fade/>
-      </p:transition>
-    </mc:Fallback>
-  </mc:AlternateContent>
+  <p:transition spd="slow">
+    <p:fade/>
+  </p:transition>
 </p:sldLayout>
 </file>
 
@@ -9448,7 +9313,7 @@
           <a:p>
             <a:fld id="{385EDE88-5D12-4E0B-86B8-96CC48680CD5}" type="datetime1">
               <a:rPr lang="en-US" smtClean="0"/>
-              <a:t>1/5/2021</a:t>
+              <a:t>05-Jan-21</a:t>
             </a:fld>
             <a:endParaRPr lang="en-US"/>
           </a:p>
@@ -9506,18 +9371,9 @@
   <p:clrMapOvr>
     <a:masterClrMapping/>
   </p:clrMapOvr>
-  <mc:AlternateContent xmlns:mc="http://schemas.openxmlformats.org/markup-compatibility/2006" xmlns:p15="http://schemas.microsoft.com/office/powerpoint/2012/main">
-    <mc:Choice Requires="p15">
-      <p:transition xmlns:p14="http://schemas.microsoft.com/office/powerpoint/2010/main" spd="slow" p14:dur="1250">
-        <p15:prstTrans prst="peelOff"/>
-      </p:transition>
-    </mc:Choice>
-    <mc:Fallback xmlns="">
-      <p:transition spd="slow">
-        <p:fade/>
-      </p:transition>
-    </mc:Fallback>
-  </mc:AlternateContent>
+  <p:transition spd="slow">
+    <p:fade/>
+  </p:transition>
 </p:sldLayout>
 </file>
 
@@ -9740,7 +9596,7 @@
           <a:p>
             <a:fld id="{1A5064E6-1AA0-4DA4-AF2E-267D28A9CDE4}" type="datetime1">
               <a:rPr lang="en-US" smtClean="0"/>
-              <a:t>1/5/2021</a:t>
+              <a:t>05-Jan-21</a:t>
             </a:fld>
             <a:endParaRPr lang="en-US"/>
           </a:p>
@@ -9798,18 +9654,9 @@
   <p:clrMapOvr>
     <a:masterClrMapping/>
   </p:clrMapOvr>
-  <mc:AlternateContent xmlns:mc="http://schemas.openxmlformats.org/markup-compatibility/2006" xmlns:p15="http://schemas.microsoft.com/office/powerpoint/2012/main">
-    <mc:Choice Requires="p15">
-      <p:transition xmlns:p14="http://schemas.microsoft.com/office/powerpoint/2010/main" spd="slow" p14:dur="1250">
-        <p15:prstTrans prst="peelOff"/>
-      </p:transition>
-    </mc:Choice>
-    <mc:Fallback xmlns="">
-      <p:transition spd="slow">
-        <p:fade/>
-      </p:transition>
-    </mc:Fallback>
-  </mc:AlternateContent>
+  <p:transition spd="slow">
+    <p:fade/>
+  </p:transition>
 </p:sldLayout>
 </file>
 
@@ -9867,8 +9714,8 @@
           </a:prstGeom>
           <a:noFill/>
           <a:extLst>
-            <a:ext uri="{909E8E84-426E-40dd-AFC4-6F175D3DCCD1}">
-              <a14:hiddenFill xmlns="" xmlns:a14="http://schemas.microsoft.com/office/drawing/2010/main">
+            <a:ext uri="{909E8E84-426E-40DD-AFC4-6F175D3DCCD1}">
+              <a14:hiddenFill xmlns:a14="http://schemas.microsoft.com/office/drawing/2010/main">
                 <a:solidFill>
                   <a:srgbClr val="FFFFFF"/>
                 </a:solidFill>
@@ -9941,8 +9788,8 @@
                 <a:noFill/>
               </a:ln>
               <a:extLst>
-                <a:ext uri="{91240B29-F687-4f45-9708-019B960494DF}">
-                  <a14:hiddenLine xmlns="" xmlns:a14="http://schemas.microsoft.com/office/drawing/2010/main" w="9525">
+                <a:ext uri="{91240B29-F687-4F45-9708-019B960494DF}">
+                  <a14:hiddenLine xmlns:a14="http://schemas.microsoft.com/office/drawing/2010/main" w="9525">
                     <a:solidFill>
                       <a:srgbClr val="000000"/>
                     </a:solidFill>
@@ -10031,8 +9878,8 @@
                 <a:noFill/>
               </a:ln>
               <a:extLst>
-                <a:ext uri="{91240B29-F687-4f45-9708-019B960494DF}">
-                  <a14:hiddenLine xmlns="" xmlns:a14="http://schemas.microsoft.com/office/drawing/2010/main" w="9525">
+                <a:ext uri="{91240B29-F687-4F45-9708-019B960494DF}">
+                  <a14:hiddenLine xmlns:a14="http://schemas.microsoft.com/office/drawing/2010/main" w="9525">
                     <a:solidFill>
                       <a:srgbClr val="000000"/>
                     </a:solidFill>
@@ -10121,8 +9968,8 @@
                 <a:noFill/>
               </a:ln>
               <a:extLst>
-                <a:ext uri="{91240B29-F687-4f45-9708-019B960494DF}">
-                  <a14:hiddenLine xmlns="" xmlns:a14="http://schemas.microsoft.com/office/drawing/2010/main" w="9525">
+                <a:ext uri="{91240B29-F687-4F45-9708-019B960494DF}">
+                  <a14:hiddenLine xmlns:a14="http://schemas.microsoft.com/office/drawing/2010/main" w="9525">
                     <a:solidFill>
                       <a:srgbClr val="000000"/>
                     </a:solidFill>
@@ -10183,8 +10030,8 @@
                 <a:noFill/>
               </a:ln>
               <a:extLst>
-                <a:ext uri="{91240B29-F687-4f45-9708-019B960494DF}">
-                  <a14:hiddenLine xmlns="" xmlns:a14="http://schemas.microsoft.com/office/drawing/2010/main" w="9525">
+                <a:ext uri="{91240B29-F687-4F45-9708-019B960494DF}">
+                  <a14:hiddenLine xmlns:a14="http://schemas.microsoft.com/office/drawing/2010/main" w="9525">
                     <a:solidFill>
                       <a:srgbClr val="000000"/>
                     </a:solidFill>
@@ -10273,8 +10120,8 @@
                 <a:noFill/>
               </a:ln>
               <a:extLst>
-                <a:ext uri="{91240B29-F687-4f45-9708-019B960494DF}">
-                  <a14:hiddenLine xmlns="" xmlns:a14="http://schemas.microsoft.com/office/drawing/2010/main" w="9525">
+                <a:ext uri="{91240B29-F687-4F45-9708-019B960494DF}">
+                  <a14:hiddenLine xmlns:a14="http://schemas.microsoft.com/office/drawing/2010/main" w="9525">
                     <a:solidFill>
                       <a:srgbClr val="000000"/>
                     </a:solidFill>
@@ -10335,8 +10182,8 @@
                 <a:noFill/>
               </a:ln>
               <a:extLst>
-                <a:ext uri="{91240B29-F687-4f45-9708-019B960494DF}">
-                  <a14:hiddenLine xmlns="" xmlns:a14="http://schemas.microsoft.com/office/drawing/2010/main" w="9525">
+                <a:ext uri="{91240B29-F687-4F45-9708-019B960494DF}">
+                  <a14:hiddenLine xmlns:a14="http://schemas.microsoft.com/office/drawing/2010/main" w="9525">
                     <a:solidFill>
                       <a:srgbClr val="000000"/>
                     </a:solidFill>
@@ -10397,8 +10244,8 @@
                 <a:noFill/>
               </a:ln>
               <a:extLst>
-                <a:ext uri="{91240B29-F687-4f45-9708-019B960494DF}">
-                  <a14:hiddenLine xmlns="" xmlns:a14="http://schemas.microsoft.com/office/drawing/2010/main" w="9525">
+                <a:ext uri="{91240B29-F687-4F45-9708-019B960494DF}">
+                  <a14:hiddenLine xmlns:a14="http://schemas.microsoft.com/office/drawing/2010/main" w="9525">
                     <a:solidFill>
                       <a:srgbClr val="000000"/>
                     </a:solidFill>
@@ -10487,8 +10334,8 @@
                 <a:noFill/>
               </a:ln>
               <a:extLst>
-                <a:ext uri="{91240B29-F687-4f45-9708-019B960494DF}">
-                  <a14:hiddenLine xmlns="" xmlns:a14="http://schemas.microsoft.com/office/drawing/2010/main" w="9525">
+                <a:ext uri="{91240B29-F687-4F45-9708-019B960494DF}">
+                  <a14:hiddenLine xmlns:a14="http://schemas.microsoft.com/office/drawing/2010/main" w="9525">
                     <a:solidFill>
                       <a:srgbClr val="000000"/>
                     </a:solidFill>
@@ -10577,8 +10424,8 @@
                 <a:noFill/>
               </a:ln>
               <a:extLst>
-                <a:ext uri="{91240B29-F687-4f45-9708-019B960494DF}">
-                  <a14:hiddenLine xmlns="" xmlns:a14="http://schemas.microsoft.com/office/drawing/2010/main" w="9525">
+                <a:ext uri="{91240B29-F687-4F45-9708-019B960494DF}">
+                  <a14:hiddenLine xmlns:a14="http://schemas.microsoft.com/office/drawing/2010/main" w="9525">
                     <a:solidFill>
                       <a:srgbClr val="000000"/>
                     </a:solidFill>
@@ -10639,8 +10486,8 @@
                 <a:noFill/>
               </a:ln>
               <a:extLst>
-                <a:ext uri="{91240B29-F687-4f45-9708-019B960494DF}">
-                  <a14:hiddenLine xmlns="" xmlns:a14="http://schemas.microsoft.com/office/drawing/2010/main" w="9525">
+                <a:ext uri="{91240B29-F687-4F45-9708-019B960494DF}">
+                  <a14:hiddenLine xmlns:a14="http://schemas.microsoft.com/office/drawing/2010/main" w="9525">
                     <a:solidFill>
                       <a:srgbClr val="000000"/>
                     </a:solidFill>
@@ -10749,8 +10596,8 @@
                 <a:noFill/>
               </a:ln>
               <a:extLst>
-                <a:ext uri="{91240B29-F687-4f45-9708-019B960494DF}">
-                  <a14:hiddenLine xmlns="" xmlns:a14="http://schemas.microsoft.com/office/drawing/2010/main" w="9525">
+                <a:ext uri="{91240B29-F687-4F45-9708-019B960494DF}">
+                  <a14:hiddenLine xmlns:a14="http://schemas.microsoft.com/office/drawing/2010/main" w="9525">
                     <a:solidFill>
                       <a:srgbClr val="000000"/>
                     </a:solidFill>
@@ -10833,8 +10680,8 @@
                 <a:noFill/>
               </a:ln>
               <a:extLst>
-                <a:ext uri="{91240B29-F687-4f45-9708-019B960494DF}">
-                  <a14:hiddenLine xmlns="" xmlns:a14="http://schemas.microsoft.com/office/drawing/2010/main" w="9525">
+                <a:ext uri="{91240B29-F687-4F45-9708-019B960494DF}">
+                  <a14:hiddenLine xmlns:a14="http://schemas.microsoft.com/office/drawing/2010/main" w="9525">
                     <a:solidFill>
                       <a:srgbClr val="000000"/>
                     </a:solidFill>
@@ -10895,8 +10742,8 @@
                 <a:noFill/>
               </a:ln>
               <a:extLst>
-                <a:ext uri="{91240B29-F687-4f45-9708-019B960494DF}">
-                  <a14:hiddenLine xmlns="" xmlns:a14="http://schemas.microsoft.com/office/drawing/2010/main" w="9525">
+                <a:ext uri="{91240B29-F687-4F45-9708-019B960494DF}">
+                  <a14:hiddenLine xmlns:a14="http://schemas.microsoft.com/office/drawing/2010/main" w="9525">
                     <a:solidFill>
                       <a:srgbClr val="000000"/>
                     </a:solidFill>
@@ -10957,8 +10804,8 @@
                 <a:noFill/>
               </a:ln>
               <a:extLst>
-                <a:ext uri="{91240B29-F687-4f45-9708-019B960494DF}">
-                  <a14:hiddenLine xmlns="" xmlns:a14="http://schemas.microsoft.com/office/drawing/2010/main" w="9525">
+                <a:ext uri="{91240B29-F687-4F45-9708-019B960494DF}">
+                  <a14:hiddenLine xmlns:a14="http://schemas.microsoft.com/office/drawing/2010/main" w="9525">
                     <a:solidFill>
                       <a:srgbClr val="000000"/>
                     </a:solidFill>
@@ -11047,8 +10894,8 @@
                 <a:noFill/>
               </a:ln>
               <a:extLst>
-                <a:ext uri="{91240B29-F687-4f45-9708-019B960494DF}">
-                  <a14:hiddenLine xmlns="" xmlns:a14="http://schemas.microsoft.com/office/drawing/2010/main" w="9525">
+                <a:ext uri="{91240B29-F687-4F45-9708-019B960494DF}">
+                  <a14:hiddenLine xmlns:a14="http://schemas.microsoft.com/office/drawing/2010/main" w="9525">
                     <a:solidFill>
                       <a:srgbClr val="000000"/>
                     </a:solidFill>
@@ -11081,8 +10928,8 @@
                 <a:noFill/>
               </a:ln>
               <a:extLst>
-                <a:ext uri="{91240B29-F687-4f45-9708-019B960494DF}">
-                  <a14:hiddenLine xmlns="" xmlns:a14="http://schemas.microsoft.com/office/drawing/2010/main" w="9525">
+                <a:ext uri="{91240B29-F687-4F45-9708-019B960494DF}">
+                  <a14:hiddenLine xmlns:a14="http://schemas.microsoft.com/office/drawing/2010/main" w="9525">
                     <a:solidFill>
                       <a:srgbClr val="000000"/>
                     </a:solidFill>
@@ -11146,8 +10993,8 @@
                 <a:noFill/>
               </a:ln>
               <a:extLst>
-                <a:ext uri="{91240B29-F687-4f45-9708-019B960494DF}">
-                  <a14:hiddenLine xmlns="" xmlns:a14="http://schemas.microsoft.com/office/drawing/2010/main" w="9525">
+                <a:ext uri="{91240B29-F687-4F45-9708-019B960494DF}">
+                  <a14:hiddenLine xmlns:a14="http://schemas.microsoft.com/office/drawing/2010/main" w="9525">
                     <a:solidFill>
                       <a:srgbClr val="000000"/>
                     </a:solidFill>
@@ -11236,8 +11083,8 @@
                 <a:noFill/>
               </a:ln>
               <a:extLst>
-                <a:ext uri="{91240B29-F687-4f45-9708-019B960494DF}">
-                  <a14:hiddenLine xmlns="" xmlns:a14="http://schemas.microsoft.com/office/drawing/2010/main" w="9525">
+                <a:ext uri="{91240B29-F687-4F45-9708-019B960494DF}">
+                  <a14:hiddenLine xmlns:a14="http://schemas.microsoft.com/office/drawing/2010/main" w="9525">
                     <a:solidFill>
                       <a:srgbClr val="000000"/>
                     </a:solidFill>
@@ -11298,8 +11145,8 @@
                 <a:noFill/>
               </a:ln>
               <a:extLst>
-                <a:ext uri="{91240B29-F687-4f45-9708-019B960494DF}">
-                  <a14:hiddenLine xmlns="" xmlns:a14="http://schemas.microsoft.com/office/drawing/2010/main" w="9525">
+                <a:ext uri="{91240B29-F687-4F45-9708-019B960494DF}">
+                  <a14:hiddenLine xmlns:a14="http://schemas.microsoft.com/office/drawing/2010/main" w="9525">
                     <a:solidFill>
                       <a:srgbClr val="000000"/>
                     </a:solidFill>
@@ -11388,8 +11235,8 @@
                 <a:noFill/>
               </a:ln>
               <a:extLst>
-                <a:ext uri="{91240B29-F687-4f45-9708-019B960494DF}">
-                  <a14:hiddenLine xmlns="" xmlns:a14="http://schemas.microsoft.com/office/drawing/2010/main" w="9525">
+                <a:ext uri="{91240B29-F687-4F45-9708-019B960494DF}">
+                  <a14:hiddenLine xmlns:a14="http://schemas.microsoft.com/office/drawing/2010/main" w="9525">
                     <a:solidFill>
                       <a:srgbClr val="000000"/>
                     </a:solidFill>
@@ -11453,8 +11300,8 @@
                 <a:noFill/>
               </a:ln>
               <a:extLst>
-                <a:ext uri="{91240B29-F687-4f45-9708-019B960494DF}">
-                  <a14:hiddenLine xmlns="" xmlns:a14="http://schemas.microsoft.com/office/drawing/2010/main" w="9525">
+                <a:ext uri="{91240B29-F687-4F45-9708-019B960494DF}">
+                  <a14:hiddenLine xmlns:a14="http://schemas.microsoft.com/office/drawing/2010/main" w="9525">
                     <a:solidFill>
                       <a:srgbClr val="000000"/>
                     </a:solidFill>
@@ -11515,8 +11362,8 @@
                 <a:noFill/>
               </a:ln>
               <a:extLst>
-                <a:ext uri="{91240B29-F687-4f45-9708-019B960494DF}">
-                  <a14:hiddenLine xmlns="" xmlns:a14="http://schemas.microsoft.com/office/drawing/2010/main" w="9525">
+                <a:ext uri="{91240B29-F687-4F45-9708-019B960494DF}">
+                  <a14:hiddenLine xmlns:a14="http://schemas.microsoft.com/office/drawing/2010/main" w="9525">
                     <a:solidFill>
                       <a:srgbClr val="000000"/>
                     </a:solidFill>
@@ -11605,8 +11452,8 @@
                 <a:noFill/>
               </a:ln>
               <a:extLst>
-                <a:ext uri="{91240B29-F687-4f45-9708-019B960494DF}">
-                  <a14:hiddenLine xmlns="" xmlns:a14="http://schemas.microsoft.com/office/drawing/2010/main" w="9525">
+                <a:ext uri="{91240B29-F687-4F45-9708-019B960494DF}">
+                  <a14:hiddenLine xmlns:a14="http://schemas.microsoft.com/office/drawing/2010/main" w="9525">
                     <a:solidFill>
                       <a:srgbClr val="000000"/>
                     </a:solidFill>
@@ -11695,8 +11542,8 @@
                 <a:noFill/>
               </a:ln>
               <a:extLst>
-                <a:ext uri="{91240B29-F687-4f45-9708-019B960494DF}">
-                  <a14:hiddenLine xmlns="" xmlns:a14="http://schemas.microsoft.com/office/drawing/2010/main" w="9525">
+                <a:ext uri="{91240B29-F687-4F45-9708-019B960494DF}">
+                  <a14:hiddenLine xmlns:a14="http://schemas.microsoft.com/office/drawing/2010/main" w="9525">
                     <a:solidFill>
                       <a:srgbClr val="000000"/>
                     </a:solidFill>
@@ -11760,8 +11607,8 @@
                 <a:noFill/>
               </a:ln>
               <a:extLst>
-                <a:ext uri="{91240B29-F687-4f45-9708-019B960494DF}">
-                  <a14:hiddenLine xmlns="" xmlns:a14="http://schemas.microsoft.com/office/drawing/2010/main" w="9525">
+                <a:ext uri="{91240B29-F687-4F45-9708-019B960494DF}">
+                  <a14:hiddenLine xmlns:a14="http://schemas.microsoft.com/office/drawing/2010/main" w="9525">
                     <a:solidFill>
                       <a:srgbClr val="000000"/>
                     </a:solidFill>
@@ -11880,8 +11727,8 @@
                 <a:noFill/>
               </a:ln>
               <a:extLst>
-                <a:ext uri="{91240B29-F687-4f45-9708-019B960494DF}">
-                  <a14:hiddenLine xmlns="" xmlns:a14="http://schemas.microsoft.com/office/drawing/2010/main" w="9525">
+                <a:ext uri="{91240B29-F687-4F45-9708-019B960494DF}">
+                  <a14:hiddenLine xmlns:a14="http://schemas.microsoft.com/office/drawing/2010/main" w="9525">
                     <a:solidFill>
                       <a:srgbClr val="000000"/>
                     </a:solidFill>
@@ -11978,8 +11825,8 @@
                 <a:noFill/>
               </a:ln>
               <a:extLst>
-                <a:ext uri="{91240B29-F687-4f45-9708-019B960494DF}">
-                  <a14:hiddenLine xmlns="" xmlns:a14="http://schemas.microsoft.com/office/drawing/2010/main" w="9525">
+                <a:ext uri="{91240B29-F687-4F45-9708-019B960494DF}">
+                  <a14:hiddenLine xmlns:a14="http://schemas.microsoft.com/office/drawing/2010/main" w="9525">
                     <a:solidFill>
                       <a:srgbClr val="000000"/>
                     </a:solidFill>
@@ -12093,8 +11940,8 @@
                 <a:noFill/>
               </a:ln>
               <a:extLst>
-                <a:ext uri="{91240B29-F687-4f45-9708-019B960494DF}">
-                  <a14:hiddenLine xmlns="" xmlns:a14="http://schemas.microsoft.com/office/drawing/2010/main" w="9525">
+                <a:ext uri="{91240B29-F687-4F45-9708-019B960494DF}">
+                  <a14:hiddenLine xmlns:a14="http://schemas.microsoft.com/office/drawing/2010/main" w="9525">
                     <a:solidFill>
                       <a:srgbClr val="000000"/>
                     </a:solidFill>
@@ -12183,8 +12030,8 @@
                 <a:noFill/>
               </a:ln>
               <a:extLst>
-                <a:ext uri="{91240B29-F687-4f45-9708-019B960494DF}">
-                  <a14:hiddenLine xmlns="" xmlns:a14="http://schemas.microsoft.com/office/drawing/2010/main" w="9525">
+                <a:ext uri="{91240B29-F687-4F45-9708-019B960494DF}">
+                  <a14:hiddenLine xmlns:a14="http://schemas.microsoft.com/office/drawing/2010/main" w="9525">
                     <a:solidFill>
                       <a:srgbClr val="000000"/>
                     </a:solidFill>
@@ -12248,8 +12095,8 @@
                 <a:noFill/>
               </a:ln>
               <a:extLst>
-                <a:ext uri="{91240B29-F687-4f45-9708-019B960494DF}">
-                  <a14:hiddenLine xmlns="" xmlns:a14="http://schemas.microsoft.com/office/drawing/2010/main" w="9525">
+                <a:ext uri="{91240B29-F687-4F45-9708-019B960494DF}">
+                  <a14:hiddenLine xmlns:a14="http://schemas.microsoft.com/office/drawing/2010/main" w="9525">
                     <a:solidFill>
                       <a:srgbClr val="000000"/>
                     </a:solidFill>
@@ -12338,8 +12185,8 @@
                 <a:noFill/>
               </a:ln>
               <a:extLst>
-                <a:ext uri="{91240B29-F687-4f45-9708-019B960494DF}">
-                  <a14:hiddenLine xmlns="" xmlns:a14="http://schemas.microsoft.com/office/drawing/2010/main" w="9525">
+                <a:ext uri="{91240B29-F687-4F45-9708-019B960494DF}">
+                  <a14:hiddenLine xmlns:a14="http://schemas.microsoft.com/office/drawing/2010/main" w="9525">
                     <a:solidFill>
                       <a:srgbClr val="000000"/>
                     </a:solidFill>
@@ -12406,8 +12253,8 @@
                 <a:noFill/>
               </a:ln>
               <a:extLst>
-                <a:ext uri="{91240B29-F687-4f45-9708-019B960494DF}">
-                  <a14:hiddenLine xmlns="" xmlns:a14="http://schemas.microsoft.com/office/drawing/2010/main" w="9525">
+                <a:ext uri="{91240B29-F687-4F45-9708-019B960494DF}">
+                  <a14:hiddenLine xmlns:a14="http://schemas.microsoft.com/office/drawing/2010/main" w="9525">
                     <a:solidFill>
                       <a:srgbClr val="000000"/>
                     </a:solidFill>
@@ -12496,8 +12343,8 @@
                 <a:noFill/>
               </a:ln>
               <a:extLst>
-                <a:ext uri="{91240B29-F687-4f45-9708-019B960494DF}">
-                  <a14:hiddenLine xmlns="" xmlns:a14="http://schemas.microsoft.com/office/drawing/2010/main" w="9525">
+                <a:ext uri="{91240B29-F687-4F45-9708-019B960494DF}">
+                  <a14:hiddenLine xmlns:a14="http://schemas.microsoft.com/office/drawing/2010/main" w="9525">
                     <a:solidFill>
                       <a:srgbClr val="000000"/>
                     </a:solidFill>
@@ -12564,8 +12411,8 @@
                 <a:noFill/>
               </a:ln>
               <a:extLst>
-                <a:ext uri="{91240B29-F687-4f45-9708-019B960494DF}">
-                  <a14:hiddenLine xmlns="" xmlns:a14="http://schemas.microsoft.com/office/drawing/2010/main" w="9525">
+                <a:ext uri="{91240B29-F687-4F45-9708-019B960494DF}">
+                  <a14:hiddenLine xmlns:a14="http://schemas.microsoft.com/office/drawing/2010/main" w="9525">
                     <a:solidFill>
                       <a:srgbClr val="000000"/>
                     </a:solidFill>
@@ -12654,8 +12501,8 @@
                 <a:noFill/>
               </a:ln>
               <a:extLst>
-                <a:ext uri="{91240B29-F687-4f45-9708-019B960494DF}">
-                  <a14:hiddenLine xmlns="" xmlns:a14="http://schemas.microsoft.com/office/drawing/2010/main" w="9525">
+                <a:ext uri="{91240B29-F687-4F45-9708-019B960494DF}">
+                  <a14:hiddenLine xmlns:a14="http://schemas.microsoft.com/office/drawing/2010/main" w="9525">
                     <a:solidFill>
                       <a:srgbClr val="000000"/>
                     </a:solidFill>
@@ -12688,8 +12535,8 @@
                 <a:noFill/>
               </a:ln>
               <a:extLst>
-                <a:ext uri="{91240B29-F687-4f45-9708-019B960494DF}">
-                  <a14:hiddenLine xmlns="" xmlns:a14="http://schemas.microsoft.com/office/drawing/2010/main" w="9525">
+                <a:ext uri="{91240B29-F687-4F45-9708-019B960494DF}">
+                  <a14:hiddenLine xmlns:a14="http://schemas.microsoft.com/office/drawing/2010/main" w="9525">
                     <a:solidFill>
                       <a:srgbClr val="000000"/>
                     </a:solidFill>
@@ -12829,7 +12676,7 @@
           <a:p>
             <a:fld id="{97D301C7-A48F-46B4-9988-324187293CA9}" type="datetime1">
               <a:rPr lang="en-US" smtClean="0"/>
-              <a:t>1/5/2021</a:t>
+              <a:t>05-Jan-21</a:t>
             </a:fld>
             <a:endParaRPr lang="en-US"/>
           </a:p>
@@ -12940,18 +12787,9 @@
     <p:sldLayoutId id="2147483694" r:id="rId16"/>
     <p:sldLayoutId id="2147483695" r:id="rId17"/>
   </p:sldLayoutIdLst>
-  <mc:AlternateContent xmlns:mc="http://schemas.openxmlformats.org/markup-compatibility/2006" xmlns:p15="http://schemas.microsoft.com/office/powerpoint/2012/main">
-    <mc:Choice Requires="p15">
-      <p:transition xmlns:p14="http://schemas.microsoft.com/office/powerpoint/2010/main" spd="slow" p14:dur="1250">
-        <p15:prstTrans prst="peelOff"/>
-      </p:transition>
-    </mc:Choice>
-    <mc:Fallback xmlns="">
-      <p:transition spd="slow">
-        <p:fade/>
-      </p:transition>
-    </mc:Fallback>
-  </mc:AlternateContent>
+  <p:transition spd="slow">
+    <p:fade/>
+  </p:transition>
   <p:hf hdr="0" ftr="0" dt="0"/>
   <p:txStyles>
     <p:titleStyle>
@@ -13291,10 +13129,10 @@
           <p:cNvPr id="70" name="Group 10">
             <a:extLst>
               <a:ext uri="{FF2B5EF4-FFF2-40B4-BE49-F238E27FC236}">
-                <a16:creationId xmlns:a16="http://schemas.microsoft.com/office/drawing/2014/main" id="{1351B104-9B78-4A2B-B970-FA8ABE1CE12D}"/>
+                <a16:creationId xmlns:a16="http://schemas.microsoft.com/office/drawing/2014/main" xmlns="" id="{1351B104-9B78-4A2B-B970-FA8ABE1CE12D}"/>
               </a:ext>
               <a:ext uri="{C183D7F6-B498-43B3-948B-1728B52AA6E4}">
-                <adec:decorative xmlns:adec="http://schemas.microsoft.com/office/drawing/2017/decorative" val="1"/>
+                <adec:decorative xmlns:adec="http://schemas.microsoft.com/office/drawing/2017/decorative" xmlns="" val="1"/>
               </a:ext>
             </a:extLst>
           </p:cNvPr>
@@ -13304,7 +13142,7 @@
           <p:nvPr>
             <p:extLst>
               <p:ext uri="{386F3935-93C4-4BCD-93E2-E3B085C9AB24}">
-                <p16:designElem xmlns:p16="http://schemas.microsoft.com/office/powerpoint/2015/main" val="1"/>
+                <p16:designElem xmlns:p16="http://schemas.microsoft.com/office/powerpoint/2015/main" xmlns="" val="1"/>
               </p:ext>
             </p:extLst>
           </p:nvPr>
@@ -13322,10 +13160,10 @@
             <p:cNvPr id="12" name="Rectangle 11">
               <a:extLst>
                 <a:ext uri="{FF2B5EF4-FFF2-40B4-BE49-F238E27FC236}">
-                  <a16:creationId xmlns:a16="http://schemas.microsoft.com/office/drawing/2014/main" id="{3A130E84-D02F-40FB-9BEB-52023927138B}"/>
+                  <a16:creationId xmlns:a16="http://schemas.microsoft.com/office/drawing/2014/main" xmlns="" id="{3A130E84-D02F-40FB-9BEB-52023927138B}"/>
                 </a:ext>
                 <a:ext uri="{C183D7F6-B498-43B3-948B-1728B52AA6E4}">
-                  <adec:decorative xmlns:adec="http://schemas.microsoft.com/office/drawing/2017/decorative" val="1"/>
+                  <adec:decorative xmlns:adec="http://schemas.microsoft.com/office/drawing/2017/decorative" xmlns="" val="1"/>
                 </a:ext>
               </a:extLst>
             </p:cNvPr>
@@ -13333,7 +13171,7 @@
             <p:nvPr>
               <p:extLst>
                 <p:ext uri="{386F3935-93C4-4BCD-93E2-E3B085C9AB24}">
-                  <p16:designElem xmlns:p16="http://schemas.microsoft.com/office/powerpoint/2015/main" val="1"/>
+                  <p16:designElem xmlns:p16="http://schemas.microsoft.com/office/powerpoint/2015/main" xmlns="" val="1"/>
                 </p:ext>
               </p:extLst>
             </p:nvPr>
@@ -13380,10 +13218,10 @@
             <p:cNvPr id="13" name="Picture 2">
               <a:extLst>
                 <a:ext uri="{FF2B5EF4-FFF2-40B4-BE49-F238E27FC236}">
-                  <a16:creationId xmlns:a16="http://schemas.microsoft.com/office/drawing/2014/main" id="{5E142BFD-7D75-4518-BBDF-27C00AB4BC7F}"/>
+                  <a16:creationId xmlns:a16="http://schemas.microsoft.com/office/drawing/2014/main" xmlns="" id="{5E142BFD-7D75-4518-BBDF-27C00AB4BC7F}"/>
                 </a:ext>
                 <a:ext uri="{C183D7F6-B498-43B3-948B-1728B52AA6E4}">
-                  <adec:decorative xmlns:adec="http://schemas.microsoft.com/office/drawing/2017/decorative" val="1"/>
+                  <adec:decorative xmlns:adec="http://schemas.microsoft.com/office/drawing/2017/decorative" xmlns="" val="1"/>
                 </a:ext>
               </a:extLst>
             </p:cNvPr>
@@ -13393,7 +13231,7 @@
             <p:nvPr>
               <p:extLst>
                 <p:ext uri="{386F3935-93C4-4BCD-93E2-E3B085C9AB24}">
-                  <p16:designElem xmlns:p16="http://schemas.microsoft.com/office/powerpoint/2015/main" val="1"/>
+                  <p16:designElem xmlns:p16="http://schemas.microsoft.com/office/powerpoint/2015/main" xmlns="" val="1"/>
                 </p:ext>
               </p:extLst>
             </p:nvPr>
@@ -13429,8 +13267,8 @@
             </a:prstGeom>
             <a:noFill/>
             <a:extLst>
-              <a:ext uri="{909E8E84-426E-40dd-AFC4-6F175D3DCCD1}">
-                <a14:hiddenFill xmlns="" xmlns:a16="http://schemas.microsoft.com/office/drawing/2014/main" xmlns:a14="http://schemas.microsoft.com/office/drawing/2010/main" xmlns:p14="http://schemas.microsoft.com/office/powerpoint/2010/main">
+              <a:ext uri="{909E8E84-426E-40DD-AFC4-6F175D3DCCD1}">
+                <a14:hiddenFill xmlns:a14="http://schemas.microsoft.com/office/drawing/2010/main">
                   <a:solidFill>
                     <a:srgbClr val="FFFFFF"/>
                   </a:solidFill>
@@ -13445,7 +13283,7 @@
           <p:cNvPr id="2" name="Title 1">
             <a:extLst>
               <a:ext uri="{FF2B5EF4-FFF2-40B4-BE49-F238E27FC236}">
-                <a16:creationId xmlns:a16="http://schemas.microsoft.com/office/drawing/2014/main" id="{0795CB26-B2F5-4D65-A7EE-FB0F04244EC7}"/>
+                <a16:creationId xmlns:a16="http://schemas.microsoft.com/office/drawing/2014/main" xmlns="" id="{0795CB26-B2F5-4D65-A7EE-FB0F04244EC7}"/>
               </a:ext>
             </a:extLst>
           </p:cNvPr>
@@ -13479,7 +13317,7 @@
           <p:cNvPr id="3" name="Subtitle 2">
             <a:extLst>
               <a:ext uri="{FF2B5EF4-FFF2-40B4-BE49-F238E27FC236}">
-                <a16:creationId xmlns:a16="http://schemas.microsoft.com/office/drawing/2014/main" id="{16912DC8-86E6-4C17-A420-3265498BD024}"/>
+                <a16:creationId xmlns:a16="http://schemas.microsoft.com/office/drawing/2014/main" xmlns="" id="{16912DC8-86E6-4C17-A420-3265498BD024}"/>
               </a:ext>
             </a:extLst>
           </p:cNvPr>
@@ -13506,7 +13344,11 @@
           </a:p>
           <a:p>
             <a:r>
-              <a:rPr lang="en-US" sz="1900" b="1" u="sng" dirty="0"/>
+              <a:rPr lang="en-US" sz="1900" b="1" u="sng" dirty="0">
+                <a:solidFill>
+                  <a:schemeClr val="tx1"/>
+                </a:solidFill>
+              </a:rPr>
               <a:t>MENTOR:</a:t>
             </a:r>
           </a:p>
@@ -13535,7 +13377,7 @@
           <p:cNvPr id="5" name="Picture 6">
             <a:extLst>
               <a:ext uri="{FF2B5EF4-FFF2-40B4-BE49-F238E27FC236}">
-                <a16:creationId xmlns:a16="http://schemas.microsoft.com/office/drawing/2014/main" id="{A4EE4FB5-C817-4254-9D6B-936A23570B0C}"/>
+                <a16:creationId xmlns:a16="http://schemas.microsoft.com/office/drawing/2014/main" xmlns="" id="{A4EE4FB5-C817-4254-9D6B-936A23570B0C}"/>
               </a:ext>
             </a:extLst>
           </p:cNvPr>
@@ -13557,25 +13399,38 @@
         </p:blipFill>
         <p:spPr>
           <a:xfrm>
-            <a:off x="2432657" y="143527"/>
-            <a:ext cx="4923252" cy="6588267"/>
+            <a:off x="2657474" y="903288"/>
+            <a:ext cx="3821073" cy="5113337"/>
           </a:xfrm>
-          <a:prstGeom prst="rect">
-            <a:avLst/>
+          <a:prstGeom prst="roundRect">
+            <a:avLst>
+              <a:gd name="adj" fmla="val 4167"/>
+            </a:avLst>
           </a:prstGeom>
-          <a:ln w="127000" cap="sq">
+          <a:solidFill>
+            <a:srgbClr val="FFFFFF"/>
+          </a:solidFill>
+          <a:ln w="76200" cap="sq">
             <a:solidFill>
-              <a:srgbClr val="000000"/>
+              <a:srgbClr val="292929"/>
             </a:solidFill>
             <a:miter lim="800000"/>
           </a:ln>
           <a:effectLst>
-            <a:outerShdw blurRad="57150" dist="50800" dir="2700000" algn="tl" rotWithShape="0">
-              <a:srgbClr val="000000">
-                <a:alpha val="40000"/>
-              </a:srgbClr>
-            </a:outerShdw>
+            <a:reflection blurRad="12700" stA="28000" endPos="28000" dist="5000" dir="5400000" sy="-100000" algn="bl" rotWithShape="0"/>
           </a:effectLst>
+          <a:scene3d>
+            <a:camera prst="orthographicFront"/>
+            <a:lightRig rig="threePt" dir="t">
+              <a:rot lat="0" lon="0" rev="2700000"/>
+            </a:lightRig>
+          </a:scene3d>
+          <a:sp3d>
+            <a:bevelT h="38100"/>
+            <a:contourClr>
+              <a:srgbClr val="C0C0C0"/>
+            </a:contourClr>
+          </a:sp3d>
         </p:spPr>
       </p:pic>
       <p:grpSp>
@@ -13583,10 +13438,10 @@
           <p:cNvPr id="82" name="Group 14">
             <a:extLst>
               <a:ext uri="{FF2B5EF4-FFF2-40B4-BE49-F238E27FC236}">
-                <a16:creationId xmlns:a16="http://schemas.microsoft.com/office/drawing/2014/main" id="{D4116A08-770E-4DC3-AAB6-E3E8E6CEC832}"/>
+                <a16:creationId xmlns:a16="http://schemas.microsoft.com/office/drawing/2014/main" xmlns="" id="{D4116A08-770E-4DC3-AAB6-E3E8E6CEC832}"/>
               </a:ext>
               <a:ext uri="{C183D7F6-B498-43B3-948B-1728B52AA6E4}">
-                <adec:decorative xmlns:adec="http://schemas.microsoft.com/office/drawing/2017/decorative" val="1"/>
+                <adec:decorative xmlns:adec="http://schemas.microsoft.com/office/drawing/2017/decorative" xmlns="" val="1"/>
               </a:ext>
             </a:extLst>
           </p:cNvPr>
@@ -13596,7 +13451,7 @@
           <p:nvPr>
             <p:extLst>
               <p:ext uri="{386F3935-93C4-4BCD-93E2-E3B085C9AB24}">
-                <p16:designElem xmlns:p16="http://schemas.microsoft.com/office/powerpoint/2015/main" val="1"/>
+                <p16:designElem xmlns:p16="http://schemas.microsoft.com/office/powerpoint/2015/main" xmlns="" val="1"/>
               </p:ext>
             </p:extLst>
           </p:nvPr>
@@ -13620,10 +13475,10 @@
             <p:cNvPr id="16" name="Rectangle 5">
               <a:extLst>
                 <a:ext uri="{FF2B5EF4-FFF2-40B4-BE49-F238E27FC236}">
-                  <a16:creationId xmlns:a16="http://schemas.microsoft.com/office/drawing/2014/main" id="{6ADECFB2-F615-49A9-A242-A3D04CADB0B8}"/>
+                  <a16:creationId xmlns:a16="http://schemas.microsoft.com/office/drawing/2014/main" xmlns="" id="{6ADECFB2-F615-49A9-A242-A3D04CADB0B8}"/>
                 </a:ext>
                 <a:ext uri="{C183D7F6-B498-43B3-948B-1728B52AA6E4}">
-                  <adec:decorative xmlns:adec="http://schemas.microsoft.com/office/drawing/2017/decorative" val="1"/>
+                  <adec:decorative xmlns:adec="http://schemas.microsoft.com/office/drawing/2017/decorative" xmlns="" val="1"/>
                 </a:ext>
               </a:extLst>
             </p:cNvPr>
@@ -13633,7 +13488,7 @@
             <p:nvPr>
               <p:extLst>
                 <p:ext uri="{386F3935-93C4-4BCD-93E2-E3B085C9AB24}">
-                  <p16:designElem xmlns:p16="http://schemas.microsoft.com/office/powerpoint/2015/main" val="1"/>
+                  <p16:designElem xmlns:p16="http://schemas.microsoft.com/office/powerpoint/2015/main" xmlns="" val="1"/>
                 </p:ext>
               </p:extLst>
             </p:nvPr>
@@ -13651,8 +13506,8 @@
               <a:noFill/>
             </a:ln>
             <a:extLst>
-              <a:ext uri="{91240B29-F687-4f45-9708-019B960494DF}">
-                <a14:hiddenLine xmlns="" xmlns:a16="http://schemas.microsoft.com/office/drawing/2014/main" xmlns:a14="http://schemas.microsoft.com/office/drawing/2010/main" xmlns:p14="http://schemas.microsoft.com/office/powerpoint/2010/main" w="9525">
+              <a:ext uri="{91240B29-F687-4F45-9708-019B960494DF}">
+                <a14:hiddenLine xmlns:a14="http://schemas.microsoft.com/office/drawing/2010/main" w="9525">
                   <a:solidFill>
                     <a:srgbClr val="000000"/>
                   </a:solidFill>
@@ -13669,10 +13524,10 @@
             <p:cNvPr id="17" name="Freeform 6">
               <a:extLst>
                 <a:ext uri="{FF2B5EF4-FFF2-40B4-BE49-F238E27FC236}">
-                  <a16:creationId xmlns:a16="http://schemas.microsoft.com/office/drawing/2014/main" id="{8E1F3AC6-5FF1-401B-91E4-180D1D35601C}"/>
+                  <a16:creationId xmlns:a16="http://schemas.microsoft.com/office/drawing/2014/main" xmlns="" id="{8E1F3AC6-5FF1-401B-91E4-180D1D35601C}"/>
                 </a:ext>
                 <a:ext uri="{C183D7F6-B498-43B3-948B-1728B52AA6E4}">
-                  <adec:decorative xmlns:adec="http://schemas.microsoft.com/office/drawing/2017/decorative" val="1"/>
+                  <adec:decorative xmlns:adec="http://schemas.microsoft.com/office/drawing/2017/decorative" xmlns="" val="1"/>
                 </a:ext>
               </a:extLst>
             </p:cNvPr>
@@ -13682,7 +13537,7 @@
             <p:nvPr>
               <p:extLst>
                 <p:ext uri="{386F3935-93C4-4BCD-93E2-E3B085C9AB24}">
-                  <p16:designElem xmlns:p16="http://schemas.microsoft.com/office/powerpoint/2015/main" val="1"/>
+                  <p16:designElem xmlns:p16="http://schemas.microsoft.com/office/powerpoint/2015/main" xmlns="" val="1"/>
                 </p:ext>
               </p:extLst>
             </p:nvPr>
@@ -13756,8 +13611,8 @@
               <a:noFill/>
             </a:ln>
             <a:extLst>
-              <a:ext uri="{91240B29-F687-4f45-9708-019B960494DF}">
-                <a14:hiddenLine xmlns="" xmlns:a16="http://schemas.microsoft.com/office/drawing/2014/main" xmlns:a14="http://schemas.microsoft.com/office/drawing/2010/main" xmlns:p14="http://schemas.microsoft.com/office/powerpoint/2010/main" w="9525">
+              <a:ext uri="{91240B29-F687-4F45-9708-019B960494DF}">
+                <a14:hiddenLine xmlns:a14="http://schemas.microsoft.com/office/drawing/2010/main" w="9525">
                   <a:solidFill>
                     <a:srgbClr val="000000"/>
                   </a:solidFill>
@@ -13774,10 +13629,10 @@
             <p:cNvPr id="18" name="Freeform 7">
               <a:extLst>
                 <a:ext uri="{FF2B5EF4-FFF2-40B4-BE49-F238E27FC236}">
-                  <a16:creationId xmlns:a16="http://schemas.microsoft.com/office/drawing/2014/main" id="{72BC7A9D-387B-4877-B8E6-E8ABA6B2655E}"/>
+                  <a16:creationId xmlns:a16="http://schemas.microsoft.com/office/drawing/2014/main" xmlns="" id="{72BC7A9D-387B-4877-B8E6-E8ABA6B2655E}"/>
                 </a:ext>
                 <a:ext uri="{C183D7F6-B498-43B3-948B-1728B52AA6E4}">
-                  <adec:decorative xmlns:adec="http://schemas.microsoft.com/office/drawing/2017/decorative" val="1"/>
+                  <adec:decorative xmlns:adec="http://schemas.microsoft.com/office/drawing/2017/decorative" xmlns="" val="1"/>
                 </a:ext>
               </a:extLst>
             </p:cNvPr>
@@ -13787,7 +13642,7 @@
             <p:nvPr>
               <p:extLst>
                 <p:ext uri="{386F3935-93C4-4BCD-93E2-E3B085C9AB24}">
-                  <p16:designElem xmlns:p16="http://schemas.microsoft.com/office/powerpoint/2015/main" val="1"/>
+                  <p16:designElem xmlns:p16="http://schemas.microsoft.com/office/powerpoint/2015/main" xmlns="" val="1"/>
                 </p:ext>
               </p:extLst>
             </p:nvPr>
@@ -13861,8 +13716,8 @@
               <a:noFill/>
             </a:ln>
             <a:extLst>
-              <a:ext uri="{91240B29-F687-4f45-9708-019B960494DF}">
-                <a14:hiddenLine xmlns="" xmlns:a16="http://schemas.microsoft.com/office/drawing/2014/main" xmlns:a14="http://schemas.microsoft.com/office/drawing/2010/main" xmlns:p14="http://schemas.microsoft.com/office/powerpoint/2010/main" w="9525">
+              <a:ext uri="{91240B29-F687-4F45-9708-019B960494DF}">
+                <a14:hiddenLine xmlns:a14="http://schemas.microsoft.com/office/drawing/2010/main" w="9525">
                   <a:solidFill>
                     <a:srgbClr val="000000"/>
                   </a:solidFill>
@@ -13879,10 +13734,10 @@
             <p:cNvPr id="19" name="Rectangle 8">
               <a:extLst>
                 <a:ext uri="{FF2B5EF4-FFF2-40B4-BE49-F238E27FC236}">
-                  <a16:creationId xmlns:a16="http://schemas.microsoft.com/office/drawing/2014/main" id="{9114560A-27D6-469D-992E-33A55B40BA0E}"/>
+                  <a16:creationId xmlns:a16="http://schemas.microsoft.com/office/drawing/2014/main" xmlns="" id="{9114560A-27D6-469D-992E-33A55B40BA0E}"/>
                 </a:ext>
                 <a:ext uri="{C183D7F6-B498-43B3-948B-1728B52AA6E4}">
-                  <adec:decorative xmlns:adec="http://schemas.microsoft.com/office/drawing/2017/decorative" val="1"/>
+                  <adec:decorative xmlns:adec="http://schemas.microsoft.com/office/drawing/2017/decorative" xmlns="" val="1"/>
                 </a:ext>
               </a:extLst>
             </p:cNvPr>
@@ -13892,7 +13747,7 @@
             <p:nvPr>
               <p:extLst>
                 <p:ext uri="{386F3935-93C4-4BCD-93E2-E3B085C9AB24}">
-                  <p16:designElem xmlns:p16="http://schemas.microsoft.com/office/powerpoint/2015/main" val="1"/>
+                  <p16:designElem xmlns:p16="http://schemas.microsoft.com/office/powerpoint/2015/main" xmlns="" val="1"/>
                 </p:ext>
               </p:extLst>
             </p:nvPr>
@@ -13910,8 +13765,8 @@
               <a:noFill/>
             </a:ln>
             <a:extLst>
-              <a:ext uri="{91240B29-F687-4f45-9708-019B960494DF}">
-                <a14:hiddenLine xmlns="" xmlns:a16="http://schemas.microsoft.com/office/drawing/2014/main" xmlns:a14="http://schemas.microsoft.com/office/drawing/2010/main" xmlns:p14="http://schemas.microsoft.com/office/powerpoint/2010/main" w="9525">
+              <a:ext uri="{91240B29-F687-4F45-9708-019B960494DF}">
+                <a14:hiddenLine xmlns:a14="http://schemas.microsoft.com/office/drawing/2010/main" w="9525">
                   <a:solidFill>
                     <a:srgbClr val="000000"/>
                   </a:solidFill>
@@ -13928,10 +13783,10 @@
             <p:cNvPr id="20" name="Freeform 9">
               <a:extLst>
                 <a:ext uri="{FF2B5EF4-FFF2-40B4-BE49-F238E27FC236}">
-                  <a16:creationId xmlns:a16="http://schemas.microsoft.com/office/drawing/2014/main" id="{CBF136EF-7DC2-47D2-974C-70044B5E901C}"/>
+                  <a16:creationId xmlns:a16="http://schemas.microsoft.com/office/drawing/2014/main" xmlns="" id="{CBF136EF-7DC2-47D2-974C-70044B5E901C}"/>
                 </a:ext>
                 <a:ext uri="{C183D7F6-B498-43B3-948B-1728B52AA6E4}">
-                  <adec:decorative xmlns:adec="http://schemas.microsoft.com/office/drawing/2017/decorative" val="1"/>
+                  <adec:decorative xmlns:adec="http://schemas.microsoft.com/office/drawing/2017/decorative" xmlns="" val="1"/>
                 </a:ext>
               </a:extLst>
             </p:cNvPr>
@@ -13941,7 +13796,7 @@
             <p:nvPr>
               <p:extLst>
                 <p:ext uri="{386F3935-93C4-4BCD-93E2-E3B085C9AB24}">
-                  <p16:designElem xmlns:p16="http://schemas.microsoft.com/office/powerpoint/2015/main" val="1"/>
+                  <p16:designElem xmlns:p16="http://schemas.microsoft.com/office/powerpoint/2015/main" xmlns="" val="1"/>
                 </p:ext>
               </p:extLst>
             </p:nvPr>
@@ -14015,8 +13870,8 @@
               <a:noFill/>
             </a:ln>
             <a:extLst>
-              <a:ext uri="{91240B29-F687-4f45-9708-019B960494DF}">
-                <a14:hiddenLine xmlns="" xmlns:a16="http://schemas.microsoft.com/office/drawing/2014/main" xmlns:a14="http://schemas.microsoft.com/office/drawing/2010/main" xmlns:p14="http://schemas.microsoft.com/office/powerpoint/2010/main" w="9525">
+              <a:ext uri="{91240B29-F687-4F45-9708-019B960494DF}">
+                <a14:hiddenLine xmlns:a14="http://schemas.microsoft.com/office/drawing/2010/main" w="9525">
                   <a:solidFill>
                     <a:srgbClr val="000000"/>
                   </a:solidFill>
@@ -14033,10 +13888,10 @@
             <p:cNvPr id="21" name="Freeform 10">
               <a:extLst>
                 <a:ext uri="{FF2B5EF4-FFF2-40B4-BE49-F238E27FC236}">
-                  <a16:creationId xmlns:a16="http://schemas.microsoft.com/office/drawing/2014/main" id="{6B03084D-F566-41C4-BE37-870FB5A0D1F6}"/>
+                  <a16:creationId xmlns:a16="http://schemas.microsoft.com/office/drawing/2014/main" xmlns="" id="{6B03084D-F566-41C4-BE37-870FB5A0D1F6}"/>
                 </a:ext>
                 <a:ext uri="{C183D7F6-B498-43B3-948B-1728B52AA6E4}">
-                  <adec:decorative xmlns:adec="http://schemas.microsoft.com/office/drawing/2017/decorative" val="1"/>
+                  <adec:decorative xmlns:adec="http://schemas.microsoft.com/office/drawing/2017/decorative" xmlns="" val="1"/>
                 </a:ext>
               </a:extLst>
             </p:cNvPr>
@@ -14044,7 +13899,7 @@
             <p:nvPr>
               <p:extLst>
                 <p:ext uri="{386F3935-93C4-4BCD-93E2-E3B085C9AB24}">
-                  <p16:designElem xmlns:p16="http://schemas.microsoft.com/office/powerpoint/2015/main" val="1"/>
+                  <p16:designElem xmlns:p16="http://schemas.microsoft.com/office/powerpoint/2015/main" xmlns="" val="1"/>
                 </p:ext>
               </p:extLst>
             </p:nvPr>
@@ -14092,8 +13947,8 @@
               <a:noFill/>
             </a:ln>
             <a:extLst>
-              <a:ext uri="{91240B29-F687-4f45-9708-019B960494DF}">
-                <a14:hiddenLine xmlns="" xmlns:a16="http://schemas.microsoft.com/office/drawing/2014/main" xmlns:a14="http://schemas.microsoft.com/office/drawing/2010/main" xmlns:p14="http://schemas.microsoft.com/office/powerpoint/2010/main" w="9525">
+              <a:ext uri="{91240B29-F687-4F45-9708-019B960494DF}">
+                <a14:hiddenLine xmlns:a14="http://schemas.microsoft.com/office/drawing/2010/main" w="9525">
                   <a:solidFill>
                     <a:srgbClr val="000000"/>
                   </a:solidFill>
@@ -14110,10 +13965,10 @@
             <p:cNvPr id="22" name="Freeform 11">
               <a:extLst>
                 <a:ext uri="{FF2B5EF4-FFF2-40B4-BE49-F238E27FC236}">
-                  <a16:creationId xmlns:a16="http://schemas.microsoft.com/office/drawing/2014/main" id="{049DC21B-8236-4901-9ADD-E3167ABDE9BE}"/>
+                  <a16:creationId xmlns:a16="http://schemas.microsoft.com/office/drawing/2014/main" xmlns="" id="{049DC21B-8236-4901-9ADD-E3167ABDE9BE}"/>
                 </a:ext>
                 <a:ext uri="{C183D7F6-B498-43B3-948B-1728B52AA6E4}">
-                  <adec:decorative xmlns:adec="http://schemas.microsoft.com/office/drawing/2017/decorative" val="1"/>
+                  <adec:decorative xmlns:adec="http://schemas.microsoft.com/office/drawing/2017/decorative" xmlns="" val="1"/>
                 </a:ext>
               </a:extLst>
             </p:cNvPr>
@@ -14121,7 +13976,7 @@
             <p:nvPr>
               <p:extLst>
                 <p:ext uri="{386F3935-93C4-4BCD-93E2-E3B085C9AB24}">
-                  <p16:designElem xmlns:p16="http://schemas.microsoft.com/office/powerpoint/2015/main" val="1"/>
+                  <p16:designElem xmlns:p16="http://schemas.microsoft.com/office/powerpoint/2015/main" xmlns="" val="1"/>
                 </p:ext>
               </p:extLst>
             </p:nvPr>
@@ -14169,8 +14024,8 @@
               <a:noFill/>
             </a:ln>
             <a:extLst>
-              <a:ext uri="{91240B29-F687-4f45-9708-019B960494DF}">
-                <a14:hiddenLine xmlns="" xmlns:a16="http://schemas.microsoft.com/office/drawing/2014/main" xmlns:a14="http://schemas.microsoft.com/office/drawing/2010/main" xmlns:p14="http://schemas.microsoft.com/office/powerpoint/2010/main" w="9525">
+              <a:ext uri="{91240B29-F687-4F45-9708-019B960494DF}">
+                <a14:hiddenLine xmlns:a14="http://schemas.microsoft.com/office/drawing/2010/main" w="9525">
                   <a:solidFill>
                     <a:srgbClr val="000000"/>
                   </a:solidFill>
@@ -14187,10 +14042,10 @@
             <p:cNvPr id="23" name="Freeform 12">
               <a:extLst>
                 <a:ext uri="{FF2B5EF4-FFF2-40B4-BE49-F238E27FC236}">
-                  <a16:creationId xmlns:a16="http://schemas.microsoft.com/office/drawing/2014/main" id="{304F4FEB-8B5B-45BA-988C-5FBF41059EC7}"/>
+                  <a16:creationId xmlns:a16="http://schemas.microsoft.com/office/drawing/2014/main" xmlns="" id="{304F4FEB-8B5B-45BA-988C-5FBF41059EC7}"/>
                 </a:ext>
                 <a:ext uri="{C183D7F6-B498-43B3-948B-1728B52AA6E4}">
-                  <adec:decorative xmlns:adec="http://schemas.microsoft.com/office/drawing/2017/decorative" val="1"/>
+                  <adec:decorative xmlns:adec="http://schemas.microsoft.com/office/drawing/2017/decorative" xmlns="" val="1"/>
                 </a:ext>
               </a:extLst>
             </p:cNvPr>
@@ -14200,7 +14055,7 @@
             <p:nvPr>
               <p:extLst>
                 <p:ext uri="{386F3935-93C4-4BCD-93E2-E3B085C9AB24}">
-                  <p16:designElem xmlns:p16="http://schemas.microsoft.com/office/powerpoint/2015/main" val="1"/>
+                  <p16:designElem xmlns:p16="http://schemas.microsoft.com/office/powerpoint/2015/main" xmlns="" val="1"/>
                 </p:ext>
               </p:extLst>
             </p:nvPr>
@@ -14274,8 +14129,8 @@
               <a:noFill/>
             </a:ln>
             <a:extLst>
-              <a:ext uri="{91240B29-F687-4f45-9708-019B960494DF}">
-                <a14:hiddenLine xmlns="" xmlns:a16="http://schemas.microsoft.com/office/drawing/2014/main" xmlns:a14="http://schemas.microsoft.com/office/drawing/2010/main" xmlns:p14="http://schemas.microsoft.com/office/powerpoint/2010/main" w="9525">
+              <a:ext uri="{91240B29-F687-4F45-9708-019B960494DF}">
+                <a14:hiddenLine xmlns:a14="http://schemas.microsoft.com/office/drawing/2010/main" w="9525">
                   <a:solidFill>
                     <a:srgbClr val="000000"/>
                   </a:solidFill>
@@ -14292,10 +14147,10 @@
             <p:cNvPr id="24" name="Freeform 13">
               <a:extLst>
                 <a:ext uri="{FF2B5EF4-FFF2-40B4-BE49-F238E27FC236}">
-                  <a16:creationId xmlns:a16="http://schemas.microsoft.com/office/drawing/2014/main" id="{E88E24C8-3D76-4C2F-84D1-BC3C2AACA4E5}"/>
+                  <a16:creationId xmlns:a16="http://schemas.microsoft.com/office/drawing/2014/main" xmlns="" id="{E88E24C8-3D76-4C2F-84D1-BC3C2AACA4E5}"/>
                 </a:ext>
                 <a:ext uri="{C183D7F6-B498-43B3-948B-1728B52AA6E4}">
-                  <adec:decorative xmlns:adec="http://schemas.microsoft.com/office/drawing/2017/decorative" val="1"/>
+                  <adec:decorative xmlns:adec="http://schemas.microsoft.com/office/drawing/2017/decorative" xmlns="" val="1"/>
                 </a:ext>
               </a:extLst>
             </p:cNvPr>
@@ -14303,7 +14158,7 @@
             <p:nvPr>
               <p:extLst>
                 <p:ext uri="{386F3935-93C4-4BCD-93E2-E3B085C9AB24}">
-                  <p16:designElem xmlns:p16="http://schemas.microsoft.com/office/powerpoint/2015/main" val="1"/>
+                  <p16:designElem xmlns:p16="http://schemas.microsoft.com/office/powerpoint/2015/main" xmlns="" val="1"/>
                 </p:ext>
               </p:extLst>
             </p:nvPr>
@@ -14351,8 +14206,8 @@
               <a:noFill/>
             </a:ln>
             <a:extLst>
-              <a:ext uri="{91240B29-F687-4f45-9708-019B960494DF}">
-                <a14:hiddenLine xmlns="" xmlns:a16="http://schemas.microsoft.com/office/drawing/2014/main" xmlns:a14="http://schemas.microsoft.com/office/drawing/2010/main" xmlns:p14="http://schemas.microsoft.com/office/powerpoint/2010/main" w="9525">
+              <a:ext uri="{91240B29-F687-4F45-9708-019B960494DF}">
+                <a14:hiddenLine xmlns:a14="http://schemas.microsoft.com/office/drawing/2010/main" w="9525">
                   <a:solidFill>
                     <a:srgbClr val="000000"/>
                   </a:solidFill>
@@ -14369,10 +14224,10 @@
             <p:cNvPr id="25" name="Freeform 14">
               <a:extLst>
                 <a:ext uri="{FF2B5EF4-FFF2-40B4-BE49-F238E27FC236}">
-                  <a16:creationId xmlns:a16="http://schemas.microsoft.com/office/drawing/2014/main" id="{91C91468-4F8A-42F1-9505-02D924178749}"/>
+                  <a16:creationId xmlns:a16="http://schemas.microsoft.com/office/drawing/2014/main" xmlns="" id="{91C91468-4F8A-42F1-9505-02D924178749}"/>
                 </a:ext>
                 <a:ext uri="{C183D7F6-B498-43B3-948B-1728B52AA6E4}">
-                  <adec:decorative xmlns:adec="http://schemas.microsoft.com/office/drawing/2017/decorative" val="1"/>
+                  <adec:decorative xmlns:adec="http://schemas.microsoft.com/office/drawing/2017/decorative" xmlns="" val="1"/>
                 </a:ext>
               </a:extLst>
             </p:cNvPr>
@@ -14380,7 +14235,7 @@
             <p:nvPr>
               <p:extLst>
                 <p:ext uri="{386F3935-93C4-4BCD-93E2-E3B085C9AB24}">
-                  <p16:designElem xmlns:p16="http://schemas.microsoft.com/office/powerpoint/2015/main" val="1"/>
+                  <p16:designElem xmlns:p16="http://schemas.microsoft.com/office/powerpoint/2015/main" xmlns="" val="1"/>
                 </p:ext>
               </p:extLst>
             </p:nvPr>
@@ -14428,8 +14283,8 @@
               <a:noFill/>
             </a:ln>
             <a:extLst>
-              <a:ext uri="{91240B29-F687-4f45-9708-019B960494DF}">
-                <a14:hiddenLine xmlns="" xmlns:a16="http://schemas.microsoft.com/office/drawing/2014/main" xmlns:a14="http://schemas.microsoft.com/office/drawing/2010/main" xmlns:p14="http://schemas.microsoft.com/office/powerpoint/2010/main" w="9525">
+              <a:ext uri="{91240B29-F687-4F45-9708-019B960494DF}">
+                <a14:hiddenLine xmlns:a14="http://schemas.microsoft.com/office/drawing/2010/main" w="9525">
                   <a:solidFill>
                     <a:srgbClr val="000000"/>
                   </a:solidFill>
@@ -14446,10 +14301,10 @@
             <p:cNvPr id="26" name="Freeform 15">
               <a:extLst>
                 <a:ext uri="{FF2B5EF4-FFF2-40B4-BE49-F238E27FC236}">
-                  <a16:creationId xmlns:a16="http://schemas.microsoft.com/office/drawing/2014/main" id="{C22581B1-C426-4189-85D6-C499D6982FFA}"/>
+                  <a16:creationId xmlns:a16="http://schemas.microsoft.com/office/drawing/2014/main" xmlns="" id="{C22581B1-C426-4189-85D6-C499D6982FFA}"/>
                 </a:ext>
                 <a:ext uri="{C183D7F6-B498-43B3-948B-1728B52AA6E4}">
-                  <adec:decorative xmlns:adec="http://schemas.microsoft.com/office/drawing/2017/decorative" val="1"/>
+                  <adec:decorative xmlns:adec="http://schemas.microsoft.com/office/drawing/2017/decorative" xmlns="" val="1"/>
                 </a:ext>
               </a:extLst>
             </p:cNvPr>
@@ -14459,7 +14314,7 @@
             <p:nvPr>
               <p:extLst>
                 <p:ext uri="{386F3935-93C4-4BCD-93E2-E3B085C9AB24}">
-                  <p16:designElem xmlns:p16="http://schemas.microsoft.com/office/powerpoint/2015/main" val="1"/>
+                  <p16:designElem xmlns:p16="http://schemas.microsoft.com/office/powerpoint/2015/main" xmlns="" val="1"/>
                 </p:ext>
               </p:extLst>
             </p:nvPr>
@@ -14533,8 +14388,8 @@
               <a:noFill/>
             </a:ln>
             <a:extLst>
-              <a:ext uri="{91240B29-F687-4f45-9708-019B960494DF}">
-                <a14:hiddenLine xmlns="" xmlns:a16="http://schemas.microsoft.com/office/drawing/2014/main" xmlns:a14="http://schemas.microsoft.com/office/drawing/2010/main" xmlns:p14="http://schemas.microsoft.com/office/powerpoint/2010/main" w="9525">
+              <a:ext uri="{91240B29-F687-4F45-9708-019B960494DF}">
+                <a14:hiddenLine xmlns:a14="http://schemas.microsoft.com/office/drawing/2010/main" w="9525">
                   <a:solidFill>
                     <a:srgbClr val="000000"/>
                   </a:solidFill>
@@ -14551,10 +14406,10 @@
             <p:cNvPr id="27" name="Freeform 16">
               <a:extLst>
                 <a:ext uri="{FF2B5EF4-FFF2-40B4-BE49-F238E27FC236}">
-                  <a16:creationId xmlns:a16="http://schemas.microsoft.com/office/drawing/2014/main" id="{29DFD4C4-0517-4A6B-B423-E55582618D93}"/>
+                  <a16:creationId xmlns:a16="http://schemas.microsoft.com/office/drawing/2014/main" xmlns="" id="{29DFD4C4-0517-4A6B-B423-E55582618D93}"/>
                 </a:ext>
                 <a:ext uri="{C183D7F6-B498-43B3-948B-1728B52AA6E4}">
-                  <adec:decorative xmlns:adec="http://schemas.microsoft.com/office/drawing/2017/decorative" val="1"/>
+                  <adec:decorative xmlns:adec="http://schemas.microsoft.com/office/drawing/2017/decorative" xmlns="" val="1"/>
                 </a:ext>
               </a:extLst>
             </p:cNvPr>
@@ -14564,7 +14419,7 @@
             <p:nvPr>
               <p:extLst>
                 <p:ext uri="{386F3935-93C4-4BCD-93E2-E3B085C9AB24}">
-                  <p16:designElem xmlns:p16="http://schemas.microsoft.com/office/powerpoint/2015/main" val="1"/>
+                  <p16:designElem xmlns:p16="http://schemas.microsoft.com/office/powerpoint/2015/main" xmlns="" val="1"/>
                 </p:ext>
               </p:extLst>
             </p:nvPr>
@@ -14638,8 +14493,8 @@
               <a:noFill/>
             </a:ln>
             <a:extLst>
-              <a:ext uri="{91240B29-F687-4f45-9708-019B960494DF}">
-                <a14:hiddenLine xmlns="" xmlns:a16="http://schemas.microsoft.com/office/drawing/2014/main" xmlns:a14="http://schemas.microsoft.com/office/drawing/2010/main" xmlns:p14="http://schemas.microsoft.com/office/powerpoint/2010/main" w="9525">
+              <a:ext uri="{91240B29-F687-4F45-9708-019B960494DF}">
+                <a14:hiddenLine xmlns:a14="http://schemas.microsoft.com/office/drawing/2010/main" w="9525">
                   <a:solidFill>
                     <a:srgbClr val="000000"/>
                   </a:solidFill>
@@ -14656,10 +14511,10 @@
             <p:cNvPr id="28" name="Freeform 17">
               <a:extLst>
                 <a:ext uri="{FF2B5EF4-FFF2-40B4-BE49-F238E27FC236}">
-                  <a16:creationId xmlns:a16="http://schemas.microsoft.com/office/drawing/2014/main" id="{7ACD84D3-D09D-4C94-99D5-51713A1D6B25}"/>
+                  <a16:creationId xmlns:a16="http://schemas.microsoft.com/office/drawing/2014/main" xmlns="" id="{7ACD84D3-D09D-4C94-99D5-51713A1D6B25}"/>
                 </a:ext>
                 <a:ext uri="{C183D7F6-B498-43B3-948B-1728B52AA6E4}">
-                  <adec:decorative xmlns:adec="http://schemas.microsoft.com/office/drawing/2017/decorative" val="1"/>
+                  <adec:decorative xmlns:adec="http://schemas.microsoft.com/office/drawing/2017/decorative" xmlns="" val="1"/>
                 </a:ext>
               </a:extLst>
             </p:cNvPr>
@@ -14667,7 +14522,7 @@
             <p:nvPr>
               <p:extLst>
                 <p:ext uri="{386F3935-93C4-4BCD-93E2-E3B085C9AB24}">
-                  <p16:designElem xmlns:p16="http://schemas.microsoft.com/office/powerpoint/2015/main" val="1"/>
+                  <p16:designElem xmlns:p16="http://schemas.microsoft.com/office/powerpoint/2015/main" xmlns="" val="1"/>
                 </p:ext>
               </p:extLst>
             </p:nvPr>
@@ -14715,8 +14570,8 @@
               <a:noFill/>
             </a:ln>
             <a:extLst>
-              <a:ext uri="{91240B29-F687-4f45-9708-019B960494DF}">
-                <a14:hiddenLine xmlns="" xmlns:a16="http://schemas.microsoft.com/office/drawing/2014/main" xmlns:a14="http://schemas.microsoft.com/office/drawing/2010/main" xmlns:p14="http://schemas.microsoft.com/office/powerpoint/2010/main" w="9525">
+              <a:ext uri="{91240B29-F687-4F45-9708-019B960494DF}">
+                <a14:hiddenLine xmlns:a14="http://schemas.microsoft.com/office/drawing/2010/main" w="9525">
                   <a:solidFill>
                     <a:srgbClr val="000000"/>
                   </a:solidFill>
@@ -14733,10 +14588,10 @@
             <p:cNvPr id="29" name="Freeform 18">
               <a:extLst>
                 <a:ext uri="{FF2B5EF4-FFF2-40B4-BE49-F238E27FC236}">
-                  <a16:creationId xmlns:a16="http://schemas.microsoft.com/office/drawing/2014/main" id="{37C2AEAB-1CC9-4A9A-8303-E1E0C12168A1}"/>
+                  <a16:creationId xmlns:a16="http://schemas.microsoft.com/office/drawing/2014/main" xmlns="" id="{37C2AEAB-1CC9-4A9A-8303-E1E0C12168A1}"/>
                 </a:ext>
                 <a:ext uri="{C183D7F6-B498-43B3-948B-1728B52AA6E4}">
-                  <adec:decorative xmlns:adec="http://schemas.microsoft.com/office/drawing/2017/decorative" val="1"/>
+                  <adec:decorative xmlns:adec="http://schemas.microsoft.com/office/drawing/2017/decorative" xmlns="" val="1"/>
                 </a:ext>
               </a:extLst>
             </p:cNvPr>
@@ -14746,7 +14601,7 @@
             <p:nvPr>
               <p:extLst>
                 <p:ext uri="{386F3935-93C4-4BCD-93E2-E3B085C9AB24}">
-                  <p16:designElem xmlns:p16="http://schemas.microsoft.com/office/powerpoint/2015/main" val="1"/>
+                  <p16:designElem xmlns:p16="http://schemas.microsoft.com/office/powerpoint/2015/main" xmlns="" val="1"/>
                 </p:ext>
               </p:extLst>
             </p:nvPr>
@@ -14840,8 +14695,8 @@
               <a:noFill/>
             </a:ln>
             <a:extLst>
-              <a:ext uri="{91240B29-F687-4f45-9708-019B960494DF}">
-                <a14:hiddenLine xmlns="" xmlns:a16="http://schemas.microsoft.com/office/drawing/2014/main" xmlns:a14="http://schemas.microsoft.com/office/drawing/2010/main" xmlns:p14="http://schemas.microsoft.com/office/powerpoint/2010/main" w="9525">
+              <a:ext uri="{91240B29-F687-4F45-9708-019B960494DF}">
+                <a14:hiddenLine xmlns:a14="http://schemas.microsoft.com/office/drawing/2010/main" w="9525">
                   <a:solidFill>
                     <a:srgbClr val="000000"/>
                   </a:solidFill>
@@ -14858,10 +14713,10 @@
             <p:cNvPr id="30" name="Freeform 19">
               <a:extLst>
                 <a:ext uri="{FF2B5EF4-FFF2-40B4-BE49-F238E27FC236}">
-                  <a16:creationId xmlns:a16="http://schemas.microsoft.com/office/drawing/2014/main" id="{20ABD348-58FE-4371-AE12-C66FF8CAC3A6}"/>
+                  <a16:creationId xmlns:a16="http://schemas.microsoft.com/office/drawing/2014/main" xmlns="" id="{20ABD348-58FE-4371-AE12-C66FF8CAC3A6}"/>
                 </a:ext>
                 <a:ext uri="{C183D7F6-B498-43B3-948B-1728B52AA6E4}">
-                  <adec:decorative xmlns:adec="http://schemas.microsoft.com/office/drawing/2017/decorative" val="1"/>
+                  <adec:decorative xmlns:adec="http://schemas.microsoft.com/office/drawing/2017/decorative" xmlns="" val="1"/>
                 </a:ext>
               </a:extLst>
             </p:cNvPr>
@@ -14869,7 +14724,7 @@
             <p:nvPr>
               <p:extLst>
                 <p:ext uri="{386F3935-93C4-4BCD-93E2-E3B085C9AB24}">
-                  <p16:designElem xmlns:p16="http://schemas.microsoft.com/office/powerpoint/2015/main" val="1"/>
+                  <p16:designElem xmlns:p16="http://schemas.microsoft.com/office/powerpoint/2015/main" xmlns="" val="1"/>
                 </p:ext>
               </p:extLst>
             </p:nvPr>
@@ -14917,8 +14772,8 @@
               <a:noFill/>
             </a:ln>
             <a:extLst>
-              <a:ext uri="{91240B29-F687-4f45-9708-019B960494DF}">
-                <a14:hiddenLine xmlns="" xmlns:a16="http://schemas.microsoft.com/office/drawing/2014/main" xmlns:a14="http://schemas.microsoft.com/office/drawing/2010/main" xmlns:p14="http://schemas.microsoft.com/office/powerpoint/2010/main" w="9525">
+              <a:ext uri="{91240B29-F687-4F45-9708-019B960494DF}">
+                <a14:hiddenLine xmlns:a14="http://schemas.microsoft.com/office/drawing/2010/main" w="9525">
                   <a:solidFill>
                     <a:srgbClr val="000000"/>
                   </a:solidFill>
@@ -14935,10 +14790,10 @@
             <p:cNvPr id="31" name="Freeform 20">
               <a:extLst>
                 <a:ext uri="{FF2B5EF4-FFF2-40B4-BE49-F238E27FC236}">
-                  <a16:creationId xmlns:a16="http://schemas.microsoft.com/office/drawing/2014/main" id="{408E0FAA-F0C5-4CB1-95FE-D3D96830FCE2}"/>
+                  <a16:creationId xmlns:a16="http://schemas.microsoft.com/office/drawing/2014/main" xmlns="" id="{408E0FAA-F0C5-4CB1-95FE-D3D96830FCE2}"/>
                 </a:ext>
                 <a:ext uri="{C183D7F6-B498-43B3-948B-1728B52AA6E4}">
-                  <adec:decorative xmlns:adec="http://schemas.microsoft.com/office/drawing/2017/decorative" val="1"/>
+                  <adec:decorative xmlns:adec="http://schemas.microsoft.com/office/drawing/2017/decorative" xmlns="" val="1"/>
                 </a:ext>
               </a:extLst>
             </p:cNvPr>
@@ -14948,7 +14803,7 @@
             <p:nvPr>
               <p:extLst>
                 <p:ext uri="{386F3935-93C4-4BCD-93E2-E3B085C9AB24}">
-                  <p16:designElem xmlns:p16="http://schemas.microsoft.com/office/powerpoint/2015/main" val="1"/>
+                  <p16:designElem xmlns:p16="http://schemas.microsoft.com/office/powerpoint/2015/main" xmlns="" val="1"/>
                 </p:ext>
               </p:extLst>
             </p:nvPr>
@@ -15022,8 +14877,8 @@
               <a:noFill/>
             </a:ln>
             <a:extLst>
-              <a:ext uri="{91240B29-F687-4f45-9708-019B960494DF}">
-                <a14:hiddenLine xmlns="" xmlns:a16="http://schemas.microsoft.com/office/drawing/2014/main" xmlns:a14="http://schemas.microsoft.com/office/drawing/2010/main" xmlns:p14="http://schemas.microsoft.com/office/powerpoint/2010/main" w="9525">
+              <a:ext uri="{91240B29-F687-4F45-9708-019B960494DF}">
+                <a14:hiddenLine xmlns:a14="http://schemas.microsoft.com/office/drawing/2010/main" w="9525">
                   <a:solidFill>
                     <a:srgbClr val="000000"/>
                   </a:solidFill>
@@ -15040,10 +14895,10 @@
             <p:cNvPr id="32" name="Freeform 21">
               <a:extLst>
                 <a:ext uri="{FF2B5EF4-FFF2-40B4-BE49-F238E27FC236}">
-                  <a16:creationId xmlns:a16="http://schemas.microsoft.com/office/drawing/2014/main" id="{F83C789F-2881-4822-A724-567720953F59}"/>
+                  <a16:creationId xmlns:a16="http://schemas.microsoft.com/office/drawing/2014/main" xmlns="" id="{F83C789F-2881-4822-A724-567720953F59}"/>
                 </a:ext>
                 <a:ext uri="{C183D7F6-B498-43B3-948B-1728B52AA6E4}">
-                  <adec:decorative xmlns:adec="http://schemas.microsoft.com/office/drawing/2017/decorative" val="1"/>
+                  <adec:decorative xmlns:adec="http://schemas.microsoft.com/office/drawing/2017/decorative" xmlns="" val="1"/>
                 </a:ext>
               </a:extLst>
             </p:cNvPr>
@@ -15053,7 +14908,7 @@
             <p:nvPr>
               <p:extLst>
                 <p:ext uri="{386F3935-93C4-4BCD-93E2-E3B085C9AB24}">
-                  <p16:designElem xmlns:p16="http://schemas.microsoft.com/office/powerpoint/2015/main" val="1"/>
+                  <p16:designElem xmlns:p16="http://schemas.microsoft.com/office/powerpoint/2015/main" xmlns="" val="1"/>
                 </p:ext>
               </p:extLst>
             </p:nvPr>
@@ -15127,8 +14982,8 @@
               <a:noFill/>
             </a:ln>
             <a:extLst>
-              <a:ext uri="{91240B29-F687-4f45-9708-019B960494DF}">
-                <a14:hiddenLine xmlns="" xmlns:a16="http://schemas.microsoft.com/office/drawing/2014/main" xmlns:a14="http://schemas.microsoft.com/office/drawing/2010/main" xmlns:p14="http://schemas.microsoft.com/office/powerpoint/2010/main" w="9525">
+              <a:ext uri="{91240B29-F687-4F45-9708-019B960494DF}">
+                <a14:hiddenLine xmlns:a14="http://schemas.microsoft.com/office/drawing/2010/main" w="9525">
                   <a:solidFill>
                     <a:srgbClr val="000000"/>
                   </a:solidFill>
@@ -15145,10 +15000,10 @@
             <p:cNvPr id="33" name="Freeform 22">
               <a:extLst>
                 <a:ext uri="{FF2B5EF4-FFF2-40B4-BE49-F238E27FC236}">
-                  <a16:creationId xmlns:a16="http://schemas.microsoft.com/office/drawing/2014/main" id="{6B039120-5C84-4A03-9ADD-32EA6E5D4446}"/>
+                  <a16:creationId xmlns:a16="http://schemas.microsoft.com/office/drawing/2014/main" xmlns="" id="{6B039120-5C84-4A03-9ADD-32EA6E5D4446}"/>
                 </a:ext>
                 <a:ext uri="{C183D7F6-B498-43B3-948B-1728B52AA6E4}">
-                  <adec:decorative xmlns:adec="http://schemas.microsoft.com/office/drawing/2017/decorative" val="1"/>
+                  <adec:decorative xmlns:adec="http://schemas.microsoft.com/office/drawing/2017/decorative" xmlns="" val="1"/>
                 </a:ext>
               </a:extLst>
             </p:cNvPr>
@@ -15156,7 +15011,7 @@
             <p:nvPr>
               <p:extLst>
                 <p:ext uri="{386F3935-93C4-4BCD-93E2-E3B085C9AB24}">
-                  <p16:designElem xmlns:p16="http://schemas.microsoft.com/office/powerpoint/2015/main" val="1"/>
+                  <p16:designElem xmlns:p16="http://schemas.microsoft.com/office/powerpoint/2015/main" xmlns="" val="1"/>
                 </p:ext>
               </p:extLst>
             </p:nvPr>
@@ -15204,8 +15059,8 @@
               <a:noFill/>
             </a:ln>
             <a:extLst>
-              <a:ext uri="{91240B29-F687-4f45-9708-019B960494DF}">
-                <a14:hiddenLine xmlns="" xmlns:a16="http://schemas.microsoft.com/office/drawing/2014/main" xmlns:a14="http://schemas.microsoft.com/office/drawing/2010/main" xmlns:p14="http://schemas.microsoft.com/office/powerpoint/2010/main" w="9525">
+              <a:ext uri="{91240B29-F687-4F45-9708-019B960494DF}">
+                <a14:hiddenLine xmlns:a14="http://schemas.microsoft.com/office/drawing/2010/main" w="9525">
                   <a:solidFill>
                     <a:srgbClr val="000000"/>
                   </a:solidFill>
@@ -15222,10 +15077,10 @@
             <p:cNvPr id="34" name="Freeform 23">
               <a:extLst>
                 <a:ext uri="{FF2B5EF4-FFF2-40B4-BE49-F238E27FC236}">
-                  <a16:creationId xmlns:a16="http://schemas.microsoft.com/office/drawing/2014/main" id="{440E956F-26EB-40C6-B500-1A4BB4ABF759}"/>
+                  <a16:creationId xmlns:a16="http://schemas.microsoft.com/office/drawing/2014/main" xmlns="" id="{440E956F-26EB-40C6-B500-1A4BB4ABF759}"/>
                 </a:ext>
                 <a:ext uri="{C183D7F6-B498-43B3-948B-1728B52AA6E4}">
-                  <adec:decorative xmlns:adec="http://schemas.microsoft.com/office/drawing/2017/decorative" val="1"/>
+                  <adec:decorative xmlns:adec="http://schemas.microsoft.com/office/drawing/2017/decorative" xmlns="" val="1"/>
                 </a:ext>
               </a:extLst>
             </p:cNvPr>
@@ -15235,7 +15090,7 @@
             <p:nvPr>
               <p:extLst>
                 <p:ext uri="{386F3935-93C4-4BCD-93E2-E3B085C9AB24}">
-                  <p16:designElem xmlns:p16="http://schemas.microsoft.com/office/powerpoint/2015/main" val="1"/>
+                  <p16:designElem xmlns:p16="http://schemas.microsoft.com/office/powerpoint/2015/main" xmlns="" val="1"/>
                 </p:ext>
               </p:extLst>
             </p:nvPr>
@@ -15309,8 +15164,8 @@
               <a:noFill/>
             </a:ln>
             <a:extLst>
-              <a:ext uri="{91240B29-F687-4f45-9708-019B960494DF}">
-                <a14:hiddenLine xmlns="" xmlns:a16="http://schemas.microsoft.com/office/drawing/2014/main" xmlns:a14="http://schemas.microsoft.com/office/drawing/2010/main" xmlns:p14="http://schemas.microsoft.com/office/powerpoint/2010/main" w="9525">
+              <a:ext uri="{91240B29-F687-4F45-9708-019B960494DF}">
+                <a14:hiddenLine xmlns:a14="http://schemas.microsoft.com/office/drawing/2010/main" w="9525">
                   <a:solidFill>
                     <a:srgbClr val="000000"/>
                   </a:solidFill>
@@ -15327,10 +15182,10 @@
             <p:cNvPr id="35" name="Freeform 24">
               <a:extLst>
                 <a:ext uri="{FF2B5EF4-FFF2-40B4-BE49-F238E27FC236}">
-                  <a16:creationId xmlns:a16="http://schemas.microsoft.com/office/drawing/2014/main" id="{D2449A75-05DC-4791-90F1-335CC6732CB4}"/>
+                  <a16:creationId xmlns:a16="http://schemas.microsoft.com/office/drawing/2014/main" xmlns="" id="{D2449A75-05DC-4791-90F1-335CC6732CB4}"/>
                 </a:ext>
                 <a:ext uri="{C183D7F6-B498-43B3-948B-1728B52AA6E4}">
-                  <adec:decorative xmlns:adec="http://schemas.microsoft.com/office/drawing/2017/decorative" val="1"/>
+                  <adec:decorative xmlns:adec="http://schemas.microsoft.com/office/drawing/2017/decorative" xmlns="" val="1"/>
                 </a:ext>
               </a:extLst>
             </p:cNvPr>
@@ -15340,7 +15195,7 @@
             <p:nvPr>
               <p:extLst>
                 <p:ext uri="{386F3935-93C4-4BCD-93E2-E3B085C9AB24}">
-                  <p16:designElem xmlns:p16="http://schemas.microsoft.com/office/powerpoint/2015/main" val="1"/>
+                  <p16:designElem xmlns:p16="http://schemas.microsoft.com/office/powerpoint/2015/main" xmlns="" val="1"/>
                 </p:ext>
               </p:extLst>
             </p:nvPr>
@@ -15414,8 +15269,8 @@
               <a:noFill/>
             </a:ln>
             <a:extLst>
-              <a:ext uri="{91240B29-F687-4f45-9708-019B960494DF}">
-                <a14:hiddenLine xmlns="" xmlns:a16="http://schemas.microsoft.com/office/drawing/2014/main" xmlns:a14="http://schemas.microsoft.com/office/drawing/2010/main" xmlns:p14="http://schemas.microsoft.com/office/powerpoint/2010/main" w="9525">
+              <a:ext uri="{91240B29-F687-4F45-9708-019B960494DF}">
+                <a14:hiddenLine xmlns:a14="http://schemas.microsoft.com/office/drawing/2010/main" w="9525">
                   <a:solidFill>
                     <a:srgbClr val="000000"/>
                   </a:solidFill>
@@ -15432,10 +15287,10 @@
             <p:cNvPr id="36" name="Freeform 25">
               <a:extLst>
                 <a:ext uri="{FF2B5EF4-FFF2-40B4-BE49-F238E27FC236}">
-                  <a16:creationId xmlns:a16="http://schemas.microsoft.com/office/drawing/2014/main" id="{2A0F57CD-8F34-4F1D-BFF3-12935225011B}"/>
+                  <a16:creationId xmlns:a16="http://schemas.microsoft.com/office/drawing/2014/main" xmlns="" id="{2A0F57CD-8F34-4F1D-BFF3-12935225011B}"/>
                 </a:ext>
                 <a:ext uri="{C183D7F6-B498-43B3-948B-1728B52AA6E4}">
-                  <adec:decorative xmlns:adec="http://schemas.microsoft.com/office/drawing/2017/decorative" val="1"/>
+                  <adec:decorative xmlns:adec="http://schemas.microsoft.com/office/drawing/2017/decorative" xmlns="" val="1"/>
                 </a:ext>
               </a:extLst>
             </p:cNvPr>
@@ -15443,7 +15298,7 @@
             <p:nvPr>
               <p:extLst>
                 <p:ext uri="{386F3935-93C4-4BCD-93E2-E3B085C9AB24}">
-                  <p16:designElem xmlns:p16="http://schemas.microsoft.com/office/powerpoint/2015/main" val="1"/>
+                  <p16:designElem xmlns:p16="http://schemas.microsoft.com/office/powerpoint/2015/main" xmlns="" val="1"/>
                 </p:ext>
               </p:extLst>
             </p:nvPr>
@@ -15485,8 +15340,8 @@
               <a:noFill/>
             </a:ln>
             <a:extLst>
-              <a:ext uri="{91240B29-F687-4f45-9708-019B960494DF}">
-                <a14:hiddenLine xmlns="" xmlns:a16="http://schemas.microsoft.com/office/drawing/2014/main" xmlns:a14="http://schemas.microsoft.com/office/drawing/2010/main" xmlns:p14="http://schemas.microsoft.com/office/powerpoint/2010/main" w="9525">
+              <a:ext uri="{91240B29-F687-4F45-9708-019B960494DF}">
+                <a14:hiddenLine xmlns:a14="http://schemas.microsoft.com/office/drawing/2010/main" w="9525">
                   <a:solidFill>
                     <a:srgbClr val="000000"/>
                   </a:solidFill>
@@ -15503,10 +15358,10 @@
             <p:cNvPr id="37" name="Freeform 26">
               <a:extLst>
                 <a:ext uri="{FF2B5EF4-FFF2-40B4-BE49-F238E27FC236}">
-                  <a16:creationId xmlns:a16="http://schemas.microsoft.com/office/drawing/2014/main" id="{DB0DDCCE-FA18-4790-8F10-67FC661721DC}"/>
+                  <a16:creationId xmlns:a16="http://schemas.microsoft.com/office/drawing/2014/main" xmlns="" id="{DB0DDCCE-FA18-4790-8F10-67FC661721DC}"/>
                 </a:ext>
                 <a:ext uri="{C183D7F6-B498-43B3-948B-1728B52AA6E4}">
-                  <adec:decorative xmlns:adec="http://schemas.microsoft.com/office/drawing/2017/decorative" val="1"/>
+                  <adec:decorative xmlns:adec="http://schemas.microsoft.com/office/drawing/2017/decorative" xmlns="" val="1"/>
                 </a:ext>
               </a:extLst>
             </p:cNvPr>
@@ -15516,7 +15371,7 @@
             <p:nvPr>
               <p:extLst>
                 <p:ext uri="{386F3935-93C4-4BCD-93E2-E3B085C9AB24}">
-                  <p16:designElem xmlns:p16="http://schemas.microsoft.com/office/powerpoint/2015/main" val="1"/>
+                  <p16:designElem xmlns:p16="http://schemas.microsoft.com/office/powerpoint/2015/main" xmlns="" val="1"/>
                 </p:ext>
               </p:extLst>
             </p:nvPr>
@@ -15590,8 +15445,8 @@
               <a:noFill/>
             </a:ln>
             <a:extLst>
-              <a:ext uri="{91240B29-F687-4f45-9708-019B960494DF}">
-                <a14:hiddenLine xmlns="" xmlns:a16="http://schemas.microsoft.com/office/drawing/2014/main" xmlns:a14="http://schemas.microsoft.com/office/drawing/2010/main" xmlns:p14="http://schemas.microsoft.com/office/powerpoint/2010/main" w="9525">
+              <a:ext uri="{91240B29-F687-4F45-9708-019B960494DF}">
+                <a14:hiddenLine xmlns:a14="http://schemas.microsoft.com/office/drawing/2010/main" w="9525">
                   <a:solidFill>
                     <a:srgbClr val="000000"/>
                   </a:solidFill>
@@ -15608,10 +15463,10 @@
             <p:cNvPr id="38" name="Freeform 27">
               <a:extLst>
                 <a:ext uri="{FF2B5EF4-FFF2-40B4-BE49-F238E27FC236}">
-                  <a16:creationId xmlns:a16="http://schemas.microsoft.com/office/drawing/2014/main" id="{750A8178-D049-42D4-BA77-A262FE55F961}"/>
+                  <a16:creationId xmlns:a16="http://schemas.microsoft.com/office/drawing/2014/main" xmlns="" id="{750A8178-D049-42D4-BA77-A262FE55F961}"/>
                 </a:ext>
                 <a:ext uri="{C183D7F6-B498-43B3-948B-1728B52AA6E4}">
-                  <adec:decorative xmlns:adec="http://schemas.microsoft.com/office/drawing/2017/decorative" val="1"/>
+                  <adec:decorative xmlns:adec="http://schemas.microsoft.com/office/drawing/2017/decorative" xmlns="" val="1"/>
                 </a:ext>
               </a:extLst>
             </p:cNvPr>
@@ -15619,7 +15474,7 @@
             <p:nvPr>
               <p:extLst>
                 <p:ext uri="{386F3935-93C4-4BCD-93E2-E3B085C9AB24}">
-                  <p16:designElem xmlns:p16="http://schemas.microsoft.com/office/powerpoint/2015/main" val="1"/>
+                  <p16:designElem xmlns:p16="http://schemas.microsoft.com/office/powerpoint/2015/main" xmlns="" val="1"/>
                 </p:ext>
               </p:extLst>
             </p:nvPr>
@@ -15661,8 +15516,8 @@
               <a:noFill/>
             </a:ln>
             <a:extLst>
-              <a:ext uri="{91240B29-F687-4f45-9708-019B960494DF}">
-                <a14:hiddenLine xmlns="" xmlns:a16="http://schemas.microsoft.com/office/drawing/2014/main" xmlns:a14="http://schemas.microsoft.com/office/drawing/2010/main" xmlns:p14="http://schemas.microsoft.com/office/powerpoint/2010/main" w="9525">
+              <a:ext uri="{91240B29-F687-4F45-9708-019B960494DF}">
+                <a14:hiddenLine xmlns:a14="http://schemas.microsoft.com/office/drawing/2010/main" w="9525">
                   <a:solidFill>
                     <a:srgbClr val="000000"/>
                   </a:solidFill>
@@ -15679,10 +15534,10 @@
             <p:cNvPr id="39" name="Freeform 28">
               <a:extLst>
                 <a:ext uri="{FF2B5EF4-FFF2-40B4-BE49-F238E27FC236}">
-                  <a16:creationId xmlns:a16="http://schemas.microsoft.com/office/drawing/2014/main" id="{B33B9383-8846-404B-85BE-E43F07737943}"/>
+                  <a16:creationId xmlns:a16="http://schemas.microsoft.com/office/drawing/2014/main" xmlns="" id="{B33B9383-8846-404B-85BE-E43F07737943}"/>
                 </a:ext>
                 <a:ext uri="{C183D7F6-B498-43B3-948B-1728B52AA6E4}">
-                  <adec:decorative xmlns:adec="http://schemas.microsoft.com/office/drawing/2017/decorative" val="1"/>
+                  <adec:decorative xmlns:adec="http://schemas.microsoft.com/office/drawing/2017/decorative" xmlns="" val="1"/>
                 </a:ext>
               </a:extLst>
             </p:cNvPr>
@@ -15692,7 +15547,7 @@
             <p:nvPr>
               <p:extLst>
                 <p:ext uri="{386F3935-93C4-4BCD-93E2-E3B085C9AB24}">
-                  <p16:designElem xmlns:p16="http://schemas.microsoft.com/office/powerpoint/2015/main" val="1"/>
+                  <p16:designElem xmlns:p16="http://schemas.microsoft.com/office/powerpoint/2015/main" xmlns="" val="1"/>
                 </p:ext>
               </p:extLst>
             </p:nvPr>
@@ -15766,8 +15621,8 @@
               <a:noFill/>
             </a:ln>
             <a:extLst>
-              <a:ext uri="{91240B29-F687-4f45-9708-019B960494DF}">
-                <a14:hiddenLine xmlns="" xmlns:a16="http://schemas.microsoft.com/office/drawing/2014/main" xmlns:a14="http://schemas.microsoft.com/office/drawing/2010/main" xmlns:p14="http://schemas.microsoft.com/office/powerpoint/2010/main" w="9525">
+              <a:ext uri="{91240B29-F687-4F45-9708-019B960494DF}">
+                <a14:hiddenLine xmlns:a14="http://schemas.microsoft.com/office/drawing/2010/main" w="9525">
                   <a:solidFill>
                     <a:srgbClr val="000000"/>
                   </a:solidFill>
@@ -15784,10 +15639,10 @@
             <p:cNvPr id="40" name="Freeform 29">
               <a:extLst>
                 <a:ext uri="{FF2B5EF4-FFF2-40B4-BE49-F238E27FC236}">
-                  <a16:creationId xmlns:a16="http://schemas.microsoft.com/office/drawing/2014/main" id="{79468103-A660-495B-BFDF-8E7D98A09A03}"/>
+                  <a16:creationId xmlns:a16="http://schemas.microsoft.com/office/drawing/2014/main" xmlns="" id="{79468103-A660-495B-BFDF-8E7D98A09A03}"/>
                 </a:ext>
                 <a:ext uri="{C183D7F6-B498-43B3-948B-1728B52AA6E4}">
-                  <adec:decorative xmlns:adec="http://schemas.microsoft.com/office/drawing/2017/decorative" val="1"/>
+                  <adec:decorative xmlns:adec="http://schemas.microsoft.com/office/drawing/2017/decorative" xmlns="" val="1"/>
                 </a:ext>
               </a:extLst>
             </p:cNvPr>
@@ -15795,7 +15650,7 @@
             <p:nvPr>
               <p:extLst>
                 <p:ext uri="{386F3935-93C4-4BCD-93E2-E3B085C9AB24}">
-                  <p16:designElem xmlns:p16="http://schemas.microsoft.com/office/powerpoint/2015/main" val="1"/>
+                  <p16:designElem xmlns:p16="http://schemas.microsoft.com/office/powerpoint/2015/main" xmlns="" val="1"/>
                 </p:ext>
               </p:extLst>
             </p:nvPr>
@@ -15849,8 +15704,8 @@
               <a:noFill/>
             </a:ln>
             <a:extLst>
-              <a:ext uri="{91240B29-F687-4f45-9708-019B960494DF}">
-                <a14:hiddenLine xmlns="" xmlns:a16="http://schemas.microsoft.com/office/drawing/2014/main" xmlns:a14="http://schemas.microsoft.com/office/drawing/2010/main" xmlns:p14="http://schemas.microsoft.com/office/powerpoint/2010/main" w="9525">
+              <a:ext uri="{91240B29-F687-4F45-9708-019B960494DF}">
+                <a14:hiddenLine xmlns:a14="http://schemas.microsoft.com/office/drawing/2010/main" w="9525">
                   <a:solidFill>
                     <a:srgbClr val="000000"/>
                   </a:solidFill>
@@ -15867,10 +15722,10 @@
             <p:cNvPr id="41" name="Freeform 30">
               <a:extLst>
                 <a:ext uri="{FF2B5EF4-FFF2-40B4-BE49-F238E27FC236}">
-                  <a16:creationId xmlns:a16="http://schemas.microsoft.com/office/drawing/2014/main" id="{06F4CC44-94E1-47AF-893C-19C4A4AB402D}"/>
+                  <a16:creationId xmlns:a16="http://schemas.microsoft.com/office/drawing/2014/main" xmlns="" id="{06F4CC44-94E1-47AF-893C-19C4A4AB402D}"/>
                 </a:ext>
                 <a:ext uri="{C183D7F6-B498-43B3-948B-1728B52AA6E4}">
-                  <adec:decorative xmlns:adec="http://schemas.microsoft.com/office/drawing/2017/decorative" val="1"/>
+                  <adec:decorative xmlns:adec="http://schemas.microsoft.com/office/drawing/2017/decorative" xmlns="" val="1"/>
                 </a:ext>
               </a:extLst>
             </p:cNvPr>
@@ -15880,7 +15735,7 @@
             <p:nvPr>
               <p:extLst>
                 <p:ext uri="{386F3935-93C4-4BCD-93E2-E3B085C9AB24}">
-                  <p16:designElem xmlns:p16="http://schemas.microsoft.com/office/powerpoint/2015/main" val="1"/>
+                  <p16:designElem xmlns:p16="http://schemas.microsoft.com/office/powerpoint/2015/main" xmlns="" val="1"/>
                 </p:ext>
               </p:extLst>
             </p:nvPr>
@@ -15954,8 +15809,8 @@
               <a:noFill/>
             </a:ln>
             <a:extLst>
-              <a:ext uri="{91240B29-F687-4f45-9708-019B960494DF}">
-                <a14:hiddenLine xmlns="" xmlns:a16="http://schemas.microsoft.com/office/drawing/2014/main" xmlns:a14="http://schemas.microsoft.com/office/drawing/2010/main" xmlns:p14="http://schemas.microsoft.com/office/powerpoint/2010/main" w="9525">
+              <a:ext uri="{91240B29-F687-4F45-9708-019B960494DF}">
+                <a14:hiddenLine xmlns:a14="http://schemas.microsoft.com/office/drawing/2010/main" w="9525">
                   <a:solidFill>
                     <a:srgbClr val="000000"/>
                   </a:solidFill>
@@ -15972,10 +15827,10 @@
             <p:cNvPr id="42" name="Freeform 31">
               <a:extLst>
                 <a:ext uri="{FF2B5EF4-FFF2-40B4-BE49-F238E27FC236}">
-                  <a16:creationId xmlns:a16="http://schemas.microsoft.com/office/drawing/2014/main" id="{E87F601E-2166-4FAE-AF96-2A1B17E46E91}"/>
+                  <a16:creationId xmlns:a16="http://schemas.microsoft.com/office/drawing/2014/main" xmlns="" id="{E87F601E-2166-4FAE-AF96-2A1B17E46E91}"/>
                 </a:ext>
                 <a:ext uri="{C183D7F6-B498-43B3-948B-1728B52AA6E4}">
-                  <adec:decorative xmlns:adec="http://schemas.microsoft.com/office/drawing/2017/decorative" val="1"/>
+                  <adec:decorative xmlns:adec="http://schemas.microsoft.com/office/drawing/2017/decorative" xmlns="" val="1"/>
                 </a:ext>
               </a:extLst>
             </p:cNvPr>
@@ -15983,7 +15838,7 @@
             <p:nvPr>
               <p:extLst>
                 <p:ext uri="{386F3935-93C4-4BCD-93E2-E3B085C9AB24}">
-                  <p16:designElem xmlns:p16="http://schemas.microsoft.com/office/powerpoint/2015/main" val="1"/>
+                  <p16:designElem xmlns:p16="http://schemas.microsoft.com/office/powerpoint/2015/main" xmlns="" val="1"/>
                 </p:ext>
               </p:extLst>
             </p:nvPr>
@@ -16037,8 +15892,8 @@
               <a:noFill/>
             </a:ln>
             <a:extLst>
-              <a:ext uri="{91240B29-F687-4f45-9708-019B960494DF}">
-                <a14:hiddenLine xmlns="" xmlns:a16="http://schemas.microsoft.com/office/drawing/2014/main" xmlns:a14="http://schemas.microsoft.com/office/drawing/2010/main" xmlns:p14="http://schemas.microsoft.com/office/powerpoint/2010/main" w="9525">
+              <a:ext uri="{91240B29-F687-4F45-9708-019B960494DF}">
+                <a14:hiddenLine xmlns:a14="http://schemas.microsoft.com/office/drawing/2010/main" w="9525">
                   <a:solidFill>
                     <a:srgbClr val="000000"/>
                   </a:solidFill>
@@ -16055,10 +15910,10 @@
             <p:cNvPr id="43" name="Freeform 32">
               <a:extLst>
                 <a:ext uri="{FF2B5EF4-FFF2-40B4-BE49-F238E27FC236}">
-                  <a16:creationId xmlns:a16="http://schemas.microsoft.com/office/drawing/2014/main" id="{DCDE2745-7AA5-416B-AC78-93C6EAE5D40A}"/>
+                  <a16:creationId xmlns:a16="http://schemas.microsoft.com/office/drawing/2014/main" xmlns="" id="{DCDE2745-7AA5-416B-AC78-93C6EAE5D40A}"/>
                 </a:ext>
                 <a:ext uri="{C183D7F6-B498-43B3-948B-1728B52AA6E4}">
-                  <adec:decorative xmlns:adec="http://schemas.microsoft.com/office/drawing/2017/decorative" val="1"/>
+                  <adec:decorative xmlns:adec="http://schemas.microsoft.com/office/drawing/2017/decorative" xmlns="" val="1"/>
                 </a:ext>
               </a:extLst>
             </p:cNvPr>
@@ -16068,7 +15923,7 @@
             <p:nvPr>
               <p:extLst>
                 <p:ext uri="{386F3935-93C4-4BCD-93E2-E3B085C9AB24}">
-                  <p16:designElem xmlns:p16="http://schemas.microsoft.com/office/powerpoint/2015/main" val="1"/>
+                  <p16:designElem xmlns:p16="http://schemas.microsoft.com/office/powerpoint/2015/main" xmlns="" val="1"/>
                 </p:ext>
               </p:extLst>
             </p:nvPr>
@@ -16142,8 +15997,8 @@
               <a:noFill/>
             </a:ln>
             <a:extLst>
-              <a:ext uri="{91240B29-F687-4f45-9708-019B960494DF}">
-                <a14:hiddenLine xmlns="" xmlns:a16="http://schemas.microsoft.com/office/drawing/2014/main" xmlns:a14="http://schemas.microsoft.com/office/drawing/2010/main" xmlns:p14="http://schemas.microsoft.com/office/powerpoint/2010/main" w="9525">
+              <a:ext uri="{91240B29-F687-4F45-9708-019B960494DF}">
+                <a14:hiddenLine xmlns:a14="http://schemas.microsoft.com/office/drawing/2010/main" w="9525">
                   <a:solidFill>
                     <a:srgbClr val="000000"/>
                   </a:solidFill>
@@ -16160,10 +16015,10 @@
             <p:cNvPr id="44" name="Rectangle 33">
               <a:extLst>
                 <a:ext uri="{FF2B5EF4-FFF2-40B4-BE49-F238E27FC236}">
-                  <a16:creationId xmlns:a16="http://schemas.microsoft.com/office/drawing/2014/main" id="{7D5F7E44-496F-4025-AFD8-7EEC67AC180A}"/>
+                  <a16:creationId xmlns:a16="http://schemas.microsoft.com/office/drawing/2014/main" xmlns="" id="{7D5F7E44-496F-4025-AFD8-7EEC67AC180A}"/>
                 </a:ext>
                 <a:ext uri="{C183D7F6-B498-43B3-948B-1728B52AA6E4}">
-                  <adec:decorative xmlns:adec="http://schemas.microsoft.com/office/drawing/2017/decorative" val="1"/>
+                  <adec:decorative xmlns:adec="http://schemas.microsoft.com/office/drawing/2017/decorative" xmlns="" val="1"/>
                 </a:ext>
               </a:extLst>
             </p:cNvPr>
@@ -16173,7 +16028,7 @@
             <p:nvPr>
               <p:extLst>
                 <p:ext uri="{386F3935-93C4-4BCD-93E2-E3B085C9AB24}">
-                  <p16:designElem xmlns:p16="http://schemas.microsoft.com/office/powerpoint/2015/main" val="1"/>
+                  <p16:designElem xmlns:p16="http://schemas.microsoft.com/office/powerpoint/2015/main" xmlns="" val="1"/>
                 </p:ext>
               </p:extLst>
             </p:nvPr>
@@ -16191,8 +16046,8 @@
               <a:noFill/>
             </a:ln>
             <a:extLst>
-              <a:ext uri="{91240B29-F687-4f45-9708-019B960494DF}">
-                <a14:hiddenLine xmlns="" xmlns:a16="http://schemas.microsoft.com/office/drawing/2014/main" xmlns:a14="http://schemas.microsoft.com/office/drawing/2010/main" xmlns:p14="http://schemas.microsoft.com/office/powerpoint/2010/main" w="9525">
+              <a:ext uri="{91240B29-F687-4F45-9708-019B960494DF}">
+                <a14:hiddenLine xmlns:a14="http://schemas.microsoft.com/office/drawing/2010/main" w="9525">
                   <a:solidFill>
                     <a:srgbClr val="000000"/>
                   </a:solidFill>
@@ -16209,10 +16064,10 @@
             <p:cNvPr id="45" name="Freeform 34">
               <a:extLst>
                 <a:ext uri="{FF2B5EF4-FFF2-40B4-BE49-F238E27FC236}">
-                  <a16:creationId xmlns:a16="http://schemas.microsoft.com/office/drawing/2014/main" id="{FA8ED221-FD77-4CD0-A9B9-3F97E40DCDDD}"/>
+                  <a16:creationId xmlns:a16="http://schemas.microsoft.com/office/drawing/2014/main" xmlns="" id="{FA8ED221-FD77-4CD0-A9B9-3F97E40DCDDD}"/>
                 </a:ext>
                 <a:ext uri="{C183D7F6-B498-43B3-948B-1728B52AA6E4}">
-                  <adec:decorative xmlns:adec="http://schemas.microsoft.com/office/drawing/2017/decorative" val="1"/>
+                  <adec:decorative xmlns:adec="http://schemas.microsoft.com/office/drawing/2017/decorative" xmlns="" val="1"/>
                 </a:ext>
               </a:extLst>
             </p:cNvPr>
@@ -16222,7 +16077,7 @@
             <p:nvPr>
               <p:extLst>
                 <p:ext uri="{386F3935-93C4-4BCD-93E2-E3B085C9AB24}">
-                  <p16:designElem xmlns:p16="http://schemas.microsoft.com/office/powerpoint/2015/main" val="1"/>
+                  <p16:designElem xmlns:p16="http://schemas.microsoft.com/office/powerpoint/2015/main" xmlns="" val="1"/>
                 </p:ext>
               </p:extLst>
             </p:nvPr>
@@ -16296,8 +16151,8 @@
               <a:noFill/>
             </a:ln>
             <a:extLst>
-              <a:ext uri="{91240B29-F687-4f45-9708-019B960494DF}">
-                <a14:hiddenLine xmlns="" xmlns:a16="http://schemas.microsoft.com/office/drawing/2014/main" xmlns:a14="http://schemas.microsoft.com/office/drawing/2010/main" xmlns:p14="http://schemas.microsoft.com/office/powerpoint/2010/main" w="9525">
+              <a:ext uri="{91240B29-F687-4F45-9708-019B960494DF}">
+                <a14:hiddenLine xmlns:a14="http://schemas.microsoft.com/office/drawing/2010/main" w="9525">
                   <a:solidFill>
                     <a:srgbClr val="000000"/>
                   </a:solidFill>
@@ -16314,10 +16169,10 @@
             <p:cNvPr id="46" name="Freeform 35">
               <a:extLst>
                 <a:ext uri="{FF2B5EF4-FFF2-40B4-BE49-F238E27FC236}">
-                  <a16:creationId xmlns:a16="http://schemas.microsoft.com/office/drawing/2014/main" id="{94922F75-95BC-435D-B4BB-BCE65BACCE14}"/>
+                  <a16:creationId xmlns:a16="http://schemas.microsoft.com/office/drawing/2014/main" xmlns="" id="{94922F75-95BC-435D-B4BB-BCE65BACCE14}"/>
                 </a:ext>
                 <a:ext uri="{C183D7F6-B498-43B3-948B-1728B52AA6E4}">
-                  <adec:decorative xmlns:adec="http://schemas.microsoft.com/office/drawing/2017/decorative" val="1"/>
+                  <adec:decorative xmlns:adec="http://schemas.microsoft.com/office/drawing/2017/decorative" xmlns="" val="1"/>
                 </a:ext>
               </a:extLst>
             </p:cNvPr>
@@ -16325,7 +16180,7 @@
             <p:nvPr>
               <p:extLst>
                 <p:ext uri="{386F3935-93C4-4BCD-93E2-E3B085C9AB24}">
-                  <p16:designElem xmlns:p16="http://schemas.microsoft.com/office/powerpoint/2015/main" val="1"/>
+                  <p16:designElem xmlns:p16="http://schemas.microsoft.com/office/powerpoint/2015/main" xmlns="" val="1"/>
                 </p:ext>
               </p:extLst>
             </p:nvPr>
@@ -16373,8 +16228,8 @@
               <a:noFill/>
             </a:ln>
             <a:extLst>
-              <a:ext uri="{91240B29-F687-4f45-9708-019B960494DF}">
-                <a14:hiddenLine xmlns="" xmlns:a16="http://schemas.microsoft.com/office/drawing/2014/main" xmlns:a14="http://schemas.microsoft.com/office/drawing/2010/main" xmlns:p14="http://schemas.microsoft.com/office/powerpoint/2010/main" w="9525">
+              <a:ext uri="{91240B29-F687-4F45-9708-019B960494DF}">
+                <a14:hiddenLine xmlns:a14="http://schemas.microsoft.com/office/drawing/2010/main" w="9525">
                   <a:solidFill>
                     <a:srgbClr val="000000"/>
                   </a:solidFill>
@@ -16391,10 +16246,10 @@
             <p:cNvPr id="47" name="Freeform 36">
               <a:extLst>
                 <a:ext uri="{FF2B5EF4-FFF2-40B4-BE49-F238E27FC236}">
-                  <a16:creationId xmlns:a16="http://schemas.microsoft.com/office/drawing/2014/main" id="{CFB94884-EF28-419D-9147-20B2C9B1AB84}"/>
+                  <a16:creationId xmlns:a16="http://schemas.microsoft.com/office/drawing/2014/main" xmlns="" id="{CFB94884-EF28-419D-9147-20B2C9B1AB84}"/>
                 </a:ext>
                 <a:ext uri="{C183D7F6-B498-43B3-948B-1728B52AA6E4}">
-                  <adec:decorative xmlns:adec="http://schemas.microsoft.com/office/drawing/2017/decorative" val="1"/>
+                  <adec:decorative xmlns:adec="http://schemas.microsoft.com/office/drawing/2017/decorative" xmlns="" val="1"/>
                 </a:ext>
               </a:extLst>
             </p:cNvPr>
@@ -16402,7 +16257,7 @@
             <p:nvPr>
               <p:extLst>
                 <p:ext uri="{386F3935-93C4-4BCD-93E2-E3B085C9AB24}">
-                  <p16:designElem xmlns:p16="http://schemas.microsoft.com/office/powerpoint/2015/main" val="1"/>
+                  <p16:designElem xmlns:p16="http://schemas.microsoft.com/office/powerpoint/2015/main" xmlns="" val="1"/>
                 </p:ext>
               </p:extLst>
             </p:nvPr>
@@ -16450,8 +16305,8 @@
               <a:noFill/>
             </a:ln>
             <a:extLst>
-              <a:ext uri="{91240B29-F687-4f45-9708-019B960494DF}">
-                <a14:hiddenLine xmlns="" xmlns:a16="http://schemas.microsoft.com/office/drawing/2014/main" xmlns:a14="http://schemas.microsoft.com/office/drawing/2010/main" xmlns:p14="http://schemas.microsoft.com/office/powerpoint/2010/main" w="9525">
+              <a:ext uri="{91240B29-F687-4F45-9708-019B960494DF}">
+                <a14:hiddenLine xmlns:a14="http://schemas.microsoft.com/office/drawing/2010/main" w="9525">
                   <a:solidFill>
                     <a:srgbClr val="000000"/>
                   </a:solidFill>
@@ -16468,10 +16323,10 @@
             <p:cNvPr id="48" name="Freeform 37">
               <a:extLst>
                 <a:ext uri="{FF2B5EF4-FFF2-40B4-BE49-F238E27FC236}">
-                  <a16:creationId xmlns:a16="http://schemas.microsoft.com/office/drawing/2014/main" id="{94C72871-F5AC-46D1-97EF-94E4070A7044}"/>
+                  <a16:creationId xmlns:a16="http://schemas.microsoft.com/office/drawing/2014/main" xmlns="" id="{94C72871-F5AC-46D1-97EF-94E4070A7044}"/>
                 </a:ext>
                 <a:ext uri="{C183D7F6-B498-43B3-948B-1728B52AA6E4}">
-                  <adec:decorative xmlns:adec="http://schemas.microsoft.com/office/drawing/2017/decorative" val="1"/>
+                  <adec:decorative xmlns:adec="http://schemas.microsoft.com/office/drawing/2017/decorative" xmlns="" val="1"/>
                 </a:ext>
               </a:extLst>
             </p:cNvPr>
@@ -16481,7 +16336,7 @@
             <p:nvPr>
               <p:extLst>
                 <p:ext uri="{386F3935-93C4-4BCD-93E2-E3B085C9AB24}">
-                  <p16:designElem xmlns:p16="http://schemas.microsoft.com/office/powerpoint/2015/main" val="1"/>
+                  <p16:designElem xmlns:p16="http://schemas.microsoft.com/office/powerpoint/2015/main" xmlns="" val="1"/>
                 </p:ext>
               </p:extLst>
             </p:nvPr>
@@ -16555,8 +16410,8 @@
               <a:noFill/>
             </a:ln>
             <a:extLst>
-              <a:ext uri="{91240B29-F687-4f45-9708-019B960494DF}">
-                <a14:hiddenLine xmlns="" xmlns:a16="http://schemas.microsoft.com/office/drawing/2014/main" xmlns:a14="http://schemas.microsoft.com/office/drawing/2010/main" xmlns:p14="http://schemas.microsoft.com/office/powerpoint/2010/main" w="9525">
+              <a:ext uri="{91240B29-F687-4F45-9708-019B960494DF}">
+                <a14:hiddenLine xmlns:a14="http://schemas.microsoft.com/office/drawing/2010/main" w="9525">
                   <a:solidFill>
                     <a:srgbClr val="000000"/>
                   </a:solidFill>
@@ -16573,10 +16428,10 @@
             <p:cNvPr id="49" name="Freeform 38">
               <a:extLst>
                 <a:ext uri="{FF2B5EF4-FFF2-40B4-BE49-F238E27FC236}">
-                  <a16:creationId xmlns:a16="http://schemas.microsoft.com/office/drawing/2014/main" id="{03ED1B15-6247-43B3-BEAE-DB699DE29736}"/>
+                  <a16:creationId xmlns:a16="http://schemas.microsoft.com/office/drawing/2014/main" xmlns="" id="{03ED1B15-6247-43B3-BEAE-DB699DE29736}"/>
                 </a:ext>
                 <a:ext uri="{C183D7F6-B498-43B3-948B-1728B52AA6E4}">
-                  <adec:decorative xmlns:adec="http://schemas.microsoft.com/office/drawing/2017/decorative" val="1"/>
+                  <adec:decorative xmlns:adec="http://schemas.microsoft.com/office/drawing/2017/decorative" xmlns="" val="1"/>
                 </a:ext>
               </a:extLst>
             </p:cNvPr>
@@ -16584,7 +16439,7 @@
             <p:nvPr>
               <p:extLst>
                 <p:ext uri="{386F3935-93C4-4BCD-93E2-E3B085C9AB24}">
-                  <p16:designElem xmlns:p16="http://schemas.microsoft.com/office/powerpoint/2015/main" val="1"/>
+                  <p16:designElem xmlns:p16="http://schemas.microsoft.com/office/powerpoint/2015/main" xmlns="" val="1"/>
                 </p:ext>
               </p:extLst>
             </p:nvPr>
@@ -16638,8 +16493,8 @@
               <a:noFill/>
             </a:ln>
             <a:extLst>
-              <a:ext uri="{91240B29-F687-4f45-9708-019B960494DF}">
-                <a14:hiddenLine xmlns="" xmlns:a16="http://schemas.microsoft.com/office/drawing/2014/main" xmlns:a14="http://schemas.microsoft.com/office/drawing/2010/main" xmlns:p14="http://schemas.microsoft.com/office/powerpoint/2010/main" w="9525">
+              <a:ext uri="{91240B29-F687-4F45-9708-019B960494DF}">
+                <a14:hiddenLine xmlns:a14="http://schemas.microsoft.com/office/drawing/2010/main" w="9525">
                   <a:solidFill>
                     <a:srgbClr val="000000"/>
                   </a:solidFill>
@@ -16656,10 +16511,10 @@
             <p:cNvPr id="50" name="Freeform 39">
               <a:extLst>
                 <a:ext uri="{FF2B5EF4-FFF2-40B4-BE49-F238E27FC236}">
-                  <a16:creationId xmlns:a16="http://schemas.microsoft.com/office/drawing/2014/main" id="{FA3EA466-B483-4B4A-9FCB-9FFA8E538F3D}"/>
+                  <a16:creationId xmlns:a16="http://schemas.microsoft.com/office/drawing/2014/main" xmlns="" id="{FA3EA466-B483-4B4A-9FCB-9FFA8E538F3D}"/>
                 </a:ext>
                 <a:ext uri="{C183D7F6-B498-43B3-948B-1728B52AA6E4}">
-                  <adec:decorative xmlns:adec="http://schemas.microsoft.com/office/drawing/2017/decorative" val="1"/>
+                  <adec:decorative xmlns:adec="http://schemas.microsoft.com/office/drawing/2017/decorative" xmlns="" val="1"/>
                 </a:ext>
               </a:extLst>
             </p:cNvPr>
@@ -16667,7 +16522,7 @@
             <p:nvPr>
               <p:extLst>
                 <p:ext uri="{386F3935-93C4-4BCD-93E2-E3B085C9AB24}">
-                  <p16:designElem xmlns:p16="http://schemas.microsoft.com/office/powerpoint/2015/main" val="1"/>
+                  <p16:designElem xmlns:p16="http://schemas.microsoft.com/office/powerpoint/2015/main" xmlns="" val="1"/>
                 </p:ext>
               </p:extLst>
             </p:nvPr>
@@ -16715,8 +16570,8 @@
               <a:noFill/>
             </a:ln>
             <a:extLst>
-              <a:ext uri="{91240B29-F687-4f45-9708-019B960494DF}">
-                <a14:hiddenLine xmlns="" xmlns:a16="http://schemas.microsoft.com/office/drawing/2014/main" xmlns:a14="http://schemas.microsoft.com/office/drawing/2010/main" xmlns:p14="http://schemas.microsoft.com/office/powerpoint/2010/main" w="9525">
+              <a:ext uri="{91240B29-F687-4F45-9708-019B960494DF}">
+                <a14:hiddenLine xmlns:a14="http://schemas.microsoft.com/office/drawing/2010/main" w="9525">
                   <a:solidFill>
                     <a:srgbClr val="000000"/>
                   </a:solidFill>
@@ -16733,10 +16588,10 @@
             <p:cNvPr id="51" name="Freeform 40">
               <a:extLst>
                 <a:ext uri="{FF2B5EF4-FFF2-40B4-BE49-F238E27FC236}">
-                  <a16:creationId xmlns:a16="http://schemas.microsoft.com/office/drawing/2014/main" id="{CCE5E17C-696E-46EB-B70D-586274216994}"/>
+                  <a16:creationId xmlns:a16="http://schemas.microsoft.com/office/drawing/2014/main" xmlns="" id="{CCE5E17C-696E-46EB-B70D-586274216994}"/>
                 </a:ext>
                 <a:ext uri="{C183D7F6-B498-43B3-948B-1728B52AA6E4}">
-                  <adec:decorative xmlns:adec="http://schemas.microsoft.com/office/drawing/2017/decorative" val="1"/>
+                  <adec:decorative xmlns:adec="http://schemas.microsoft.com/office/drawing/2017/decorative" xmlns="" val="1"/>
                 </a:ext>
               </a:extLst>
             </p:cNvPr>
@@ -16746,7 +16601,7 @@
             <p:nvPr>
               <p:extLst>
                 <p:ext uri="{386F3935-93C4-4BCD-93E2-E3B085C9AB24}">
-                  <p16:designElem xmlns:p16="http://schemas.microsoft.com/office/powerpoint/2015/main" val="1"/>
+                  <p16:designElem xmlns:p16="http://schemas.microsoft.com/office/powerpoint/2015/main" xmlns="" val="1"/>
                 </p:ext>
               </p:extLst>
             </p:nvPr>
@@ -16820,8 +16675,8 @@
               <a:noFill/>
             </a:ln>
             <a:extLst>
-              <a:ext uri="{91240B29-F687-4f45-9708-019B960494DF}">
-                <a14:hiddenLine xmlns="" xmlns:a16="http://schemas.microsoft.com/office/drawing/2014/main" xmlns:a14="http://schemas.microsoft.com/office/drawing/2010/main" xmlns:p14="http://schemas.microsoft.com/office/powerpoint/2010/main" w="9525">
+              <a:ext uri="{91240B29-F687-4F45-9708-019B960494DF}">
+                <a14:hiddenLine xmlns:a14="http://schemas.microsoft.com/office/drawing/2010/main" w="9525">
                   <a:solidFill>
                     <a:srgbClr val="000000"/>
                   </a:solidFill>
@@ -16838,10 +16693,10 @@
             <p:cNvPr id="52" name="Freeform 41">
               <a:extLst>
                 <a:ext uri="{FF2B5EF4-FFF2-40B4-BE49-F238E27FC236}">
-                  <a16:creationId xmlns:a16="http://schemas.microsoft.com/office/drawing/2014/main" id="{AB6022EC-6D09-4098-9A97-5A911C08CA08}"/>
+                  <a16:creationId xmlns:a16="http://schemas.microsoft.com/office/drawing/2014/main" xmlns="" id="{AB6022EC-6D09-4098-9A97-5A911C08CA08}"/>
                 </a:ext>
                 <a:ext uri="{C183D7F6-B498-43B3-948B-1728B52AA6E4}">
-                  <adec:decorative xmlns:adec="http://schemas.microsoft.com/office/drawing/2017/decorative" val="1"/>
+                  <adec:decorative xmlns:adec="http://schemas.microsoft.com/office/drawing/2017/decorative" xmlns="" val="1"/>
                 </a:ext>
               </a:extLst>
             </p:cNvPr>
@@ -16849,7 +16704,7 @@
             <p:nvPr>
               <p:extLst>
                 <p:ext uri="{386F3935-93C4-4BCD-93E2-E3B085C9AB24}">
-                  <p16:designElem xmlns:p16="http://schemas.microsoft.com/office/powerpoint/2015/main" val="1"/>
+                  <p16:designElem xmlns:p16="http://schemas.microsoft.com/office/powerpoint/2015/main" xmlns="" val="1"/>
                 </p:ext>
               </p:extLst>
             </p:nvPr>
@@ -16897,8 +16752,8 @@
               <a:noFill/>
             </a:ln>
             <a:extLst>
-              <a:ext uri="{91240B29-F687-4f45-9708-019B960494DF}">
-                <a14:hiddenLine xmlns="" xmlns:a16="http://schemas.microsoft.com/office/drawing/2014/main" xmlns:a14="http://schemas.microsoft.com/office/drawing/2010/main" xmlns:p14="http://schemas.microsoft.com/office/powerpoint/2010/main" w="9525">
+              <a:ext uri="{91240B29-F687-4F45-9708-019B960494DF}">
+                <a14:hiddenLine xmlns:a14="http://schemas.microsoft.com/office/drawing/2010/main" w="9525">
                   <a:solidFill>
                     <a:srgbClr val="000000"/>
                   </a:solidFill>
@@ -16915,10 +16770,10 @@
             <p:cNvPr id="53" name="Freeform 42">
               <a:extLst>
                 <a:ext uri="{FF2B5EF4-FFF2-40B4-BE49-F238E27FC236}">
-                  <a16:creationId xmlns:a16="http://schemas.microsoft.com/office/drawing/2014/main" id="{7E18073E-1315-4400-ABD9-C34AEAFBFF03}"/>
+                  <a16:creationId xmlns:a16="http://schemas.microsoft.com/office/drawing/2014/main" xmlns="" id="{7E18073E-1315-4400-ABD9-C34AEAFBFF03}"/>
                 </a:ext>
                 <a:ext uri="{C183D7F6-B498-43B3-948B-1728B52AA6E4}">
-                  <adec:decorative xmlns:adec="http://schemas.microsoft.com/office/drawing/2017/decorative" val="1"/>
+                  <adec:decorative xmlns:adec="http://schemas.microsoft.com/office/drawing/2017/decorative" xmlns="" val="1"/>
                 </a:ext>
               </a:extLst>
             </p:cNvPr>
@@ -16928,7 +16783,7 @@
             <p:nvPr>
               <p:extLst>
                 <p:ext uri="{386F3935-93C4-4BCD-93E2-E3B085C9AB24}">
-                  <p16:designElem xmlns:p16="http://schemas.microsoft.com/office/powerpoint/2015/main" val="1"/>
+                  <p16:designElem xmlns:p16="http://schemas.microsoft.com/office/powerpoint/2015/main" xmlns="" val="1"/>
                 </p:ext>
               </p:extLst>
             </p:nvPr>
@@ -17002,8 +16857,8 @@
               <a:noFill/>
             </a:ln>
             <a:extLst>
-              <a:ext uri="{91240B29-F687-4f45-9708-019B960494DF}">
-                <a14:hiddenLine xmlns="" xmlns:a16="http://schemas.microsoft.com/office/drawing/2014/main" xmlns:a14="http://schemas.microsoft.com/office/drawing/2010/main" xmlns:p14="http://schemas.microsoft.com/office/powerpoint/2010/main" w="9525">
+              <a:ext uri="{91240B29-F687-4F45-9708-019B960494DF}">
+                <a14:hiddenLine xmlns:a14="http://schemas.microsoft.com/office/drawing/2010/main" w="9525">
                   <a:solidFill>
                     <a:srgbClr val="000000"/>
                   </a:solidFill>
@@ -17020,10 +16875,10 @@
             <p:cNvPr id="54" name="Freeform 43">
               <a:extLst>
                 <a:ext uri="{FF2B5EF4-FFF2-40B4-BE49-F238E27FC236}">
-                  <a16:creationId xmlns:a16="http://schemas.microsoft.com/office/drawing/2014/main" id="{5510509E-411D-4F1B-BDC6-3E566689633D}"/>
+                  <a16:creationId xmlns:a16="http://schemas.microsoft.com/office/drawing/2014/main" xmlns="" id="{5510509E-411D-4F1B-BDC6-3E566689633D}"/>
                 </a:ext>
                 <a:ext uri="{C183D7F6-B498-43B3-948B-1728B52AA6E4}">
-                  <adec:decorative xmlns:adec="http://schemas.microsoft.com/office/drawing/2017/decorative" val="1"/>
+                  <adec:decorative xmlns:adec="http://schemas.microsoft.com/office/drawing/2017/decorative" xmlns="" val="1"/>
                 </a:ext>
               </a:extLst>
             </p:cNvPr>
@@ -17031,7 +16886,7 @@
             <p:nvPr>
               <p:extLst>
                 <p:ext uri="{386F3935-93C4-4BCD-93E2-E3B085C9AB24}">
-                  <p16:designElem xmlns:p16="http://schemas.microsoft.com/office/powerpoint/2015/main" val="1"/>
+                  <p16:designElem xmlns:p16="http://schemas.microsoft.com/office/powerpoint/2015/main" xmlns="" val="1"/>
                 </p:ext>
               </p:extLst>
             </p:nvPr>
@@ -17079,8 +16934,8 @@
               <a:noFill/>
             </a:ln>
             <a:extLst>
-              <a:ext uri="{91240B29-F687-4f45-9708-019B960494DF}">
-                <a14:hiddenLine xmlns="" xmlns:a16="http://schemas.microsoft.com/office/drawing/2014/main" xmlns:a14="http://schemas.microsoft.com/office/drawing/2010/main" xmlns:p14="http://schemas.microsoft.com/office/powerpoint/2010/main" w="9525">
+              <a:ext uri="{91240B29-F687-4F45-9708-019B960494DF}">
+                <a14:hiddenLine xmlns:a14="http://schemas.microsoft.com/office/drawing/2010/main" w="9525">
                   <a:solidFill>
                     <a:srgbClr val="000000"/>
                   </a:solidFill>
@@ -17097,10 +16952,10 @@
             <p:cNvPr id="55" name="Freeform 44">
               <a:extLst>
                 <a:ext uri="{FF2B5EF4-FFF2-40B4-BE49-F238E27FC236}">
-                  <a16:creationId xmlns:a16="http://schemas.microsoft.com/office/drawing/2014/main" id="{46F1A7E1-EC01-4288-87AE-C3B6434BD030}"/>
+                  <a16:creationId xmlns:a16="http://schemas.microsoft.com/office/drawing/2014/main" xmlns="" id="{46F1A7E1-EC01-4288-87AE-C3B6434BD030}"/>
                 </a:ext>
                 <a:ext uri="{C183D7F6-B498-43B3-948B-1728B52AA6E4}">
-                  <adec:decorative xmlns:adec="http://schemas.microsoft.com/office/drawing/2017/decorative" val="1"/>
+                  <adec:decorative xmlns:adec="http://schemas.microsoft.com/office/drawing/2017/decorative" xmlns="" val="1"/>
                 </a:ext>
               </a:extLst>
             </p:cNvPr>
@@ -17110,7 +16965,7 @@
             <p:nvPr>
               <p:extLst>
                 <p:ext uri="{386F3935-93C4-4BCD-93E2-E3B085C9AB24}">
-                  <p16:designElem xmlns:p16="http://schemas.microsoft.com/office/powerpoint/2015/main" val="1"/>
+                  <p16:designElem xmlns:p16="http://schemas.microsoft.com/office/powerpoint/2015/main" xmlns="" val="1"/>
                 </p:ext>
               </p:extLst>
             </p:nvPr>
@@ -17184,8 +17039,8 @@
               <a:noFill/>
             </a:ln>
             <a:extLst>
-              <a:ext uri="{91240B29-F687-4f45-9708-019B960494DF}">
-                <a14:hiddenLine xmlns="" xmlns:a16="http://schemas.microsoft.com/office/drawing/2014/main" xmlns:a14="http://schemas.microsoft.com/office/drawing/2010/main" xmlns:p14="http://schemas.microsoft.com/office/powerpoint/2010/main" w="9525">
+              <a:ext uri="{91240B29-F687-4F45-9708-019B960494DF}">
+                <a14:hiddenLine xmlns:a14="http://schemas.microsoft.com/office/drawing/2010/main" w="9525">
                   <a:solidFill>
                     <a:srgbClr val="000000"/>
                   </a:solidFill>
@@ -17202,10 +17057,10 @@
             <p:cNvPr id="56" name="Rectangle 45">
               <a:extLst>
                 <a:ext uri="{FF2B5EF4-FFF2-40B4-BE49-F238E27FC236}">
-                  <a16:creationId xmlns:a16="http://schemas.microsoft.com/office/drawing/2014/main" id="{F7BBA432-5463-415B-BA54-3AA2B92D28B5}"/>
+                  <a16:creationId xmlns:a16="http://schemas.microsoft.com/office/drawing/2014/main" xmlns="" id="{F7BBA432-5463-415B-BA54-3AA2B92D28B5}"/>
                 </a:ext>
                 <a:ext uri="{C183D7F6-B498-43B3-948B-1728B52AA6E4}">
-                  <adec:decorative xmlns:adec="http://schemas.microsoft.com/office/drawing/2017/decorative" val="1"/>
+                  <adec:decorative xmlns:adec="http://schemas.microsoft.com/office/drawing/2017/decorative" xmlns="" val="1"/>
                 </a:ext>
               </a:extLst>
             </p:cNvPr>
@@ -17215,7 +17070,7 @@
             <p:nvPr>
               <p:extLst>
                 <p:ext uri="{386F3935-93C4-4BCD-93E2-E3B085C9AB24}">
-                  <p16:designElem xmlns:p16="http://schemas.microsoft.com/office/powerpoint/2015/main" val="1"/>
+                  <p16:designElem xmlns:p16="http://schemas.microsoft.com/office/powerpoint/2015/main" xmlns="" val="1"/>
                 </p:ext>
               </p:extLst>
             </p:nvPr>
@@ -17233,8 +17088,8 @@
               <a:noFill/>
             </a:ln>
             <a:extLst>
-              <a:ext uri="{91240B29-F687-4f45-9708-019B960494DF}">
-                <a14:hiddenLine xmlns="" xmlns:a16="http://schemas.microsoft.com/office/drawing/2014/main" xmlns:a14="http://schemas.microsoft.com/office/drawing/2010/main" xmlns:p14="http://schemas.microsoft.com/office/powerpoint/2010/main" w="9525">
+              <a:ext uri="{91240B29-F687-4F45-9708-019B960494DF}">
+                <a14:hiddenLine xmlns:a14="http://schemas.microsoft.com/office/drawing/2010/main" w="9525">
                   <a:solidFill>
                     <a:srgbClr val="000000"/>
                   </a:solidFill>
@@ -17251,10 +17106,10 @@
             <p:cNvPr id="57" name="Freeform 46">
               <a:extLst>
                 <a:ext uri="{FF2B5EF4-FFF2-40B4-BE49-F238E27FC236}">
-                  <a16:creationId xmlns:a16="http://schemas.microsoft.com/office/drawing/2014/main" id="{66E19F01-137B-4A95-9313-CE6F7780665D}"/>
+                  <a16:creationId xmlns:a16="http://schemas.microsoft.com/office/drawing/2014/main" xmlns="" id="{66E19F01-137B-4A95-9313-CE6F7780665D}"/>
                 </a:ext>
                 <a:ext uri="{C183D7F6-B498-43B3-948B-1728B52AA6E4}">
-                  <adec:decorative xmlns:adec="http://schemas.microsoft.com/office/drawing/2017/decorative" val="1"/>
+                  <adec:decorative xmlns:adec="http://schemas.microsoft.com/office/drawing/2017/decorative" xmlns="" val="1"/>
                 </a:ext>
               </a:extLst>
             </p:cNvPr>
@@ -17262,7 +17117,7 @@
             <p:nvPr>
               <p:extLst>
                 <p:ext uri="{386F3935-93C4-4BCD-93E2-E3B085C9AB24}">
-                  <p16:designElem xmlns:p16="http://schemas.microsoft.com/office/powerpoint/2015/main" val="1"/>
+                  <p16:designElem xmlns:p16="http://schemas.microsoft.com/office/powerpoint/2015/main" xmlns="" val="1"/>
                 </p:ext>
               </p:extLst>
             </p:nvPr>
@@ -17313,8 +17168,8 @@
               <a:noFill/>
             </a:ln>
             <a:extLst>
-              <a:ext uri="{91240B29-F687-4f45-9708-019B960494DF}">
-                <a14:hiddenLine xmlns="" xmlns:a16="http://schemas.microsoft.com/office/drawing/2014/main" xmlns:a14="http://schemas.microsoft.com/office/drawing/2010/main" xmlns:p14="http://schemas.microsoft.com/office/powerpoint/2010/main" w="9525">
+              <a:ext uri="{91240B29-F687-4F45-9708-019B960494DF}">
+                <a14:hiddenLine xmlns:a14="http://schemas.microsoft.com/office/drawing/2010/main" w="9525">
                   <a:solidFill>
                     <a:srgbClr val="000000"/>
                   </a:solidFill>
@@ -17331,10 +17186,10 @@
             <p:cNvPr id="58" name="Freeform 47">
               <a:extLst>
                 <a:ext uri="{FF2B5EF4-FFF2-40B4-BE49-F238E27FC236}">
-                  <a16:creationId xmlns:a16="http://schemas.microsoft.com/office/drawing/2014/main" id="{38C0AACC-51F2-424F-9988-F3B621941C6E}"/>
+                  <a16:creationId xmlns:a16="http://schemas.microsoft.com/office/drawing/2014/main" xmlns="" id="{38C0AACC-51F2-424F-9988-F3B621941C6E}"/>
                 </a:ext>
                 <a:ext uri="{C183D7F6-B498-43B3-948B-1728B52AA6E4}">
-                  <adec:decorative xmlns:adec="http://schemas.microsoft.com/office/drawing/2017/decorative" val="1"/>
+                  <adec:decorative xmlns:adec="http://schemas.microsoft.com/office/drawing/2017/decorative" xmlns="" val="1"/>
                 </a:ext>
               </a:extLst>
             </p:cNvPr>
@@ -17344,7 +17199,7 @@
             <p:nvPr>
               <p:extLst>
                 <p:ext uri="{386F3935-93C4-4BCD-93E2-E3B085C9AB24}">
-                  <p16:designElem xmlns:p16="http://schemas.microsoft.com/office/powerpoint/2015/main" val="1"/>
+                  <p16:designElem xmlns:p16="http://schemas.microsoft.com/office/powerpoint/2015/main" xmlns="" val="1"/>
                 </p:ext>
               </p:extLst>
             </p:nvPr>
@@ -17418,8 +17273,8 @@
               <a:noFill/>
             </a:ln>
             <a:extLst>
-              <a:ext uri="{91240B29-F687-4f45-9708-019B960494DF}">
-                <a14:hiddenLine xmlns="" xmlns:a16="http://schemas.microsoft.com/office/drawing/2014/main" xmlns:a14="http://schemas.microsoft.com/office/drawing/2010/main" xmlns:p14="http://schemas.microsoft.com/office/powerpoint/2010/main" w="9525">
+              <a:ext uri="{91240B29-F687-4F45-9708-019B960494DF}">
+                <a14:hiddenLine xmlns:a14="http://schemas.microsoft.com/office/drawing/2010/main" w="9525">
                   <a:solidFill>
                     <a:srgbClr val="000000"/>
                   </a:solidFill>
@@ -17436,10 +17291,10 @@
             <p:cNvPr id="59" name="Freeform 48">
               <a:extLst>
                 <a:ext uri="{FF2B5EF4-FFF2-40B4-BE49-F238E27FC236}">
-                  <a16:creationId xmlns:a16="http://schemas.microsoft.com/office/drawing/2014/main" id="{7364A775-01A6-4012-88CF-58FDDBE4CBC7}"/>
+                  <a16:creationId xmlns:a16="http://schemas.microsoft.com/office/drawing/2014/main" xmlns="" id="{7364A775-01A6-4012-88CF-58FDDBE4CBC7}"/>
                 </a:ext>
                 <a:ext uri="{C183D7F6-B498-43B3-948B-1728B52AA6E4}">
-                  <adec:decorative xmlns:adec="http://schemas.microsoft.com/office/drawing/2017/decorative" val="1"/>
+                  <adec:decorative xmlns:adec="http://schemas.microsoft.com/office/drawing/2017/decorative" xmlns="" val="1"/>
                 </a:ext>
               </a:extLst>
             </p:cNvPr>
@@ -17447,7 +17302,7 @@
             <p:nvPr>
               <p:extLst>
                 <p:ext uri="{386F3935-93C4-4BCD-93E2-E3B085C9AB24}">
-                  <p16:designElem xmlns:p16="http://schemas.microsoft.com/office/powerpoint/2015/main" val="1"/>
+                  <p16:designElem xmlns:p16="http://schemas.microsoft.com/office/powerpoint/2015/main" xmlns="" val="1"/>
                 </p:ext>
               </p:extLst>
             </p:nvPr>
@@ -17495,8 +17350,8 @@
               <a:noFill/>
             </a:ln>
             <a:extLst>
-              <a:ext uri="{91240B29-F687-4f45-9708-019B960494DF}">
-                <a14:hiddenLine xmlns="" xmlns:a16="http://schemas.microsoft.com/office/drawing/2014/main" xmlns:a14="http://schemas.microsoft.com/office/drawing/2010/main" xmlns:p14="http://schemas.microsoft.com/office/powerpoint/2010/main" w="9525">
+              <a:ext uri="{91240B29-F687-4F45-9708-019B960494DF}">
+                <a14:hiddenLine xmlns:a14="http://schemas.microsoft.com/office/drawing/2010/main" w="9525">
                   <a:solidFill>
                     <a:srgbClr val="000000"/>
                   </a:solidFill>
@@ -17513,10 +17368,10 @@
             <p:cNvPr id="60" name="Freeform 49">
               <a:extLst>
                 <a:ext uri="{FF2B5EF4-FFF2-40B4-BE49-F238E27FC236}">
-                  <a16:creationId xmlns:a16="http://schemas.microsoft.com/office/drawing/2014/main" id="{C8C770C5-535A-4F1B-81CA-FD6F32C09A7A}"/>
+                  <a16:creationId xmlns:a16="http://schemas.microsoft.com/office/drawing/2014/main" xmlns="" id="{C8C770C5-535A-4F1B-81CA-FD6F32C09A7A}"/>
                 </a:ext>
                 <a:ext uri="{C183D7F6-B498-43B3-948B-1728B52AA6E4}">
-                  <adec:decorative xmlns:adec="http://schemas.microsoft.com/office/drawing/2017/decorative" val="1"/>
+                  <adec:decorative xmlns:adec="http://schemas.microsoft.com/office/drawing/2017/decorative" xmlns="" val="1"/>
                 </a:ext>
               </a:extLst>
             </p:cNvPr>
@@ -17526,7 +17381,7 @@
             <p:nvPr>
               <p:extLst>
                 <p:ext uri="{386F3935-93C4-4BCD-93E2-E3B085C9AB24}">
-                  <p16:designElem xmlns:p16="http://schemas.microsoft.com/office/powerpoint/2015/main" val="1"/>
+                  <p16:designElem xmlns:p16="http://schemas.microsoft.com/office/powerpoint/2015/main" xmlns="" val="1"/>
                 </p:ext>
               </p:extLst>
             </p:nvPr>
@@ -17600,8 +17455,8 @@
               <a:noFill/>
             </a:ln>
             <a:extLst>
-              <a:ext uri="{91240B29-F687-4f45-9708-019B960494DF}">
-                <a14:hiddenLine xmlns="" xmlns:a16="http://schemas.microsoft.com/office/drawing/2014/main" xmlns:a14="http://schemas.microsoft.com/office/drawing/2010/main" xmlns:p14="http://schemas.microsoft.com/office/powerpoint/2010/main" w="9525">
+              <a:ext uri="{91240B29-F687-4F45-9708-019B960494DF}">
+                <a14:hiddenLine xmlns:a14="http://schemas.microsoft.com/office/drawing/2010/main" w="9525">
                   <a:solidFill>
                     <a:srgbClr val="000000"/>
                   </a:solidFill>
@@ -17618,10 +17473,10 @@
             <p:cNvPr id="61" name="Freeform 50">
               <a:extLst>
                 <a:ext uri="{FF2B5EF4-FFF2-40B4-BE49-F238E27FC236}">
-                  <a16:creationId xmlns:a16="http://schemas.microsoft.com/office/drawing/2014/main" id="{55F9C3EF-BEB8-4836-8DE0-319E54496E73}"/>
+                  <a16:creationId xmlns:a16="http://schemas.microsoft.com/office/drawing/2014/main" xmlns="" id="{55F9C3EF-BEB8-4836-8DE0-319E54496E73}"/>
                 </a:ext>
                 <a:ext uri="{C183D7F6-B498-43B3-948B-1728B52AA6E4}">
-                  <adec:decorative xmlns:adec="http://schemas.microsoft.com/office/drawing/2017/decorative" val="1"/>
+                  <adec:decorative xmlns:adec="http://schemas.microsoft.com/office/drawing/2017/decorative" xmlns="" val="1"/>
                 </a:ext>
               </a:extLst>
             </p:cNvPr>
@@ -17631,7 +17486,7 @@
             <p:nvPr>
               <p:extLst>
                 <p:ext uri="{386F3935-93C4-4BCD-93E2-E3B085C9AB24}">
-                  <p16:designElem xmlns:p16="http://schemas.microsoft.com/office/powerpoint/2015/main" val="1"/>
+                  <p16:designElem xmlns:p16="http://schemas.microsoft.com/office/powerpoint/2015/main" xmlns="" val="1"/>
                 </p:ext>
               </p:extLst>
             </p:nvPr>
@@ -17705,8 +17560,8 @@
               <a:noFill/>
             </a:ln>
             <a:extLst>
-              <a:ext uri="{91240B29-F687-4f45-9708-019B960494DF}">
-                <a14:hiddenLine xmlns="" xmlns:a16="http://schemas.microsoft.com/office/drawing/2014/main" xmlns:a14="http://schemas.microsoft.com/office/drawing/2010/main" xmlns:p14="http://schemas.microsoft.com/office/powerpoint/2010/main" w="9525">
+              <a:ext uri="{91240B29-F687-4F45-9708-019B960494DF}">
+                <a14:hiddenLine xmlns:a14="http://schemas.microsoft.com/office/drawing/2010/main" w="9525">
                   <a:solidFill>
                     <a:srgbClr val="000000"/>
                   </a:solidFill>
@@ -17723,10 +17578,10 @@
             <p:cNvPr id="62" name="Freeform 51">
               <a:extLst>
                 <a:ext uri="{FF2B5EF4-FFF2-40B4-BE49-F238E27FC236}">
-                  <a16:creationId xmlns:a16="http://schemas.microsoft.com/office/drawing/2014/main" id="{0976D9A1-85FC-406B-8AEA-AE3C056A4034}"/>
+                  <a16:creationId xmlns:a16="http://schemas.microsoft.com/office/drawing/2014/main" xmlns="" id="{0976D9A1-85FC-406B-8AEA-AE3C056A4034}"/>
                 </a:ext>
                 <a:ext uri="{C183D7F6-B498-43B3-948B-1728B52AA6E4}">
-                  <adec:decorative xmlns:adec="http://schemas.microsoft.com/office/drawing/2017/decorative" val="1"/>
+                  <adec:decorative xmlns:adec="http://schemas.microsoft.com/office/drawing/2017/decorative" xmlns="" val="1"/>
                 </a:ext>
               </a:extLst>
             </p:cNvPr>
@@ -17734,7 +17589,7 @@
             <p:nvPr>
               <p:extLst>
                 <p:ext uri="{386F3935-93C4-4BCD-93E2-E3B085C9AB24}">
-                  <p16:designElem xmlns:p16="http://schemas.microsoft.com/office/powerpoint/2015/main" val="1"/>
+                  <p16:designElem xmlns:p16="http://schemas.microsoft.com/office/powerpoint/2015/main" xmlns="" val="1"/>
                 </p:ext>
               </p:extLst>
             </p:nvPr>
@@ -17785,8 +17640,8 @@
               <a:noFill/>
             </a:ln>
             <a:extLst>
-              <a:ext uri="{91240B29-F687-4f45-9708-019B960494DF}">
-                <a14:hiddenLine xmlns="" xmlns:a16="http://schemas.microsoft.com/office/drawing/2014/main" xmlns:a14="http://schemas.microsoft.com/office/drawing/2010/main" xmlns:p14="http://schemas.microsoft.com/office/powerpoint/2010/main" w="9525">
+              <a:ext uri="{91240B29-F687-4F45-9708-019B960494DF}">
+                <a14:hiddenLine xmlns:a14="http://schemas.microsoft.com/office/drawing/2010/main" w="9525">
                   <a:solidFill>
                     <a:srgbClr val="000000"/>
                   </a:solidFill>
@@ -17803,10 +17658,10 @@
             <p:cNvPr id="63" name="Freeform 52">
               <a:extLst>
                 <a:ext uri="{FF2B5EF4-FFF2-40B4-BE49-F238E27FC236}">
-                  <a16:creationId xmlns:a16="http://schemas.microsoft.com/office/drawing/2014/main" id="{68BC6126-2A3A-4F1D-A565-BEF620660A43}"/>
+                  <a16:creationId xmlns:a16="http://schemas.microsoft.com/office/drawing/2014/main" xmlns="" id="{68BC6126-2A3A-4F1D-A565-BEF620660A43}"/>
                 </a:ext>
                 <a:ext uri="{C183D7F6-B498-43B3-948B-1728B52AA6E4}">
-                  <adec:decorative xmlns:adec="http://schemas.microsoft.com/office/drawing/2017/decorative" val="1"/>
+                  <adec:decorative xmlns:adec="http://schemas.microsoft.com/office/drawing/2017/decorative" xmlns="" val="1"/>
                 </a:ext>
               </a:extLst>
             </p:cNvPr>
@@ -17814,7 +17669,7 @@
             <p:nvPr>
               <p:extLst>
                 <p:ext uri="{386F3935-93C4-4BCD-93E2-E3B085C9AB24}">
-                  <p16:designElem xmlns:p16="http://schemas.microsoft.com/office/powerpoint/2015/main" val="1"/>
+                  <p16:designElem xmlns:p16="http://schemas.microsoft.com/office/powerpoint/2015/main" xmlns="" val="1"/>
                 </p:ext>
               </p:extLst>
             </p:nvPr>
@@ -17862,8 +17717,8 @@
               <a:noFill/>
             </a:ln>
             <a:extLst>
-              <a:ext uri="{91240B29-F687-4f45-9708-019B960494DF}">
-                <a14:hiddenLine xmlns="" xmlns:a16="http://schemas.microsoft.com/office/drawing/2014/main" xmlns:a14="http://schemas.microsoft.com/office/drawing/2010/main" xmlns:p14="http://schemas.microsoft.com/office/powerpoint/2010/main" w="9525">
+              <a:ext uri="{91240B29-F687-4F45-9708-019B960494DF}">
+                <a14:hiddenLine xmlns:a14="http://schemas.microsoft.com/office/drawing/2010/main" w="9525">
                   <a:solidFill>
                     <a:srgbClr val="000000"/>
                   </a:solidFill>
@@ -17880,10 +17735,10 @@
             <p:cNvPr id="64" name="Freeform 53">
               <a:extLst>
                 <a:ext uri="{FF2B5EF4-FFF2-40B4-BE49-F238E27FC236}">
-                  <a16:creationId xmlns:a16="http://schemas.microsoft.com/office/drawing/2014/main" id="{D8C7B98D-F83E-485D-B01D-270242E8FD95}"/>
+                  <a16:creationId xmlns:a16="http://schemas.microsoft.com/office/drawing/2014/main" xmlns="" id="{D8C7B98D-F83E-485D-B01D-270242E8FD95}"/>
                 </a:ext>
                 <a:ext uri="{C183D7F6-B498-43B3-948B-1728B52AA6E4}">
-                  <adec:decorative xmlns:adec="http://schemas.microsoft.com/office/drawing/2017/decorative" val="1"/>
+                  <adec:decorative xmlns:adec="http://schemas.microsoft.com/office/drawing/2017/decorative" xmlns="" val="1"/>
                 </a:ext>
               </a:extLst>
             </p:cNvPr>
@@ -17893,7 +17748,7 @@
             <p:nvPr>
               <p:extLst>
                 <p:ext uri="{386F3935-93C4-4BCD-93E2-E3B085C9AB24}">
-                  <p16:designElem xmlns:p16="http://schemas.microsoft.com/office/powerpoint/2015/main" val="1"/>
+                  <p16:designElem xmlns:p16="http://schemas.microsoft.com/office/powerpoint/2015/main" xmlns="" val="1"/>
                 </p:ext>
               </p:extLst>
             </p:nvPr>
@@ -17967,8 +17822,8 @@
               <a:noFill/>
             </a:ln>
             <a:extLst>
-              <a:ext uri="{91240B29-F687-4f45-9708-019B960494DF}">
-                <a14:hiddenLine xmlns="" xmlns:a16="http://schemas.microsoft.com/office/drawing/2014/main" xmlns:a14="http://schemas.microsoft.com/office/drawing/2010/main" xmlns:p14="http://schemas.microsoft.com/office/powerpoint/2010/main" w="9525">
+              <a:ext uri="{91240B29-F687-4F45-9708-019B960494DF}">
+                <a14:hiddenLine xmlns:a14="http://schemas.microsoft.com/office/drawing/2010/main" w="9525">
                   <a:solidFill>
                     <a:srgbClr val="000000"/>
                   </a:solidFill>
@@ -17985,10 +17840,10 @@
             <p:cNvPr id="65" name="Freeform 54">
               <a:extLst>
                 <a:ext uri="{FF2B5EF4-FFF2-40B4-BE49-F238E27FC236}">
-                  <a16:creationId xmlns:a16="http://schemas.microsoft.com/office/drawing/2014/main" id="{93D5E722-D236-478A-A13F-8FA4141D94D9}"/>
+                  <a16:creationId xmlns:a16="http://schemas.microsoft.com/office/drawing/2014/main" xmlns="" id="{93D5E722-D236-478A-A13F-8FA4141D94D9}"/>
                 </a:ext>
                 <a:ext uri="{C183D7F6-B498-43B3-948B-1728B52AA6E4}">
-                  <adec:decorative xmlns:adec="http://schemas.microsoft.com/office/drawing/2017/decorative" val="1"/>
+                  <adec:decorative xmlns:adec="http://schemas.microsoft.com/office/drawing/2017/decorative" xmlns="" val="1"/>
                 </a:ext>
               </a:extLst>
             </p:cNvPr>
@@ -17998,7 +17853,7 @@
             <p:nvPr>
               <p:extLst>
                 <p:ext uri="{386F3935-93C4-4BCD-93E2-E3B085C9AB24}">
-                  <p16:designElem xmlns:p16="http://schemas.microsoft.com/office/powerpoint/2015/main" val="1"/>
+                  <p16:designElem xmlns:p16="http://schemas.microsoft.com/office/powerpoint/2015/main" xmlns="" val="1"/>
                 </p:ext>
               </p:extLst>
             </p:nvPr>
@@ -18072,8 +17927,8 @@
               <a:noFill/>
             </a:ln>
             <a:extLst>
-              <a:ext uri="{91240B29-F687-4f45-9708-019B960494DF}">
-                <a14:hiddenLine xmlns="" xmlns:a16="http://schemas.microsoft.com/office/drawing/2014/main" xmlns:a14="http://schemas.microsoft.com/office/drawing/2010/main" xmlns:p14="http://schemas.microsoft.com/office/powerpoint/2010/main" w="9525">
+              <a:ext uri="{91240B29-F687-4F45-9708-019B960494DF}">
+                <a14:hiddenLine xmlns:a14="http://schemas.microsoft.com/office/drawing/2010/main" w="9525">
                   <a:solidFill>
                     <a:srgbClr val="000000"/>
                   </a:solidFill>
@@ -18090,10 +17945,10 @@
             <p:cNvPr id="66" name="Freeform 55">
               <a:extLst>
                 <a:ext uri="{FF2B5EF4-FFF2-40B4-BE49-F238E27FC236}">
-                  <a16:creationId xmlns:a16="http://schemas.microsoft.com/office/drawing/2014/main" id="{ABE1456F-F283-4BD5-A1B9-EF2423B68215}"/>
+                  <a16:creationId xmlns:a16="http://schemas.microsoft.com/office/drawing/2014/main" xmlns="" id="{ABE1456F-F283-4BD5-A1B9-EF2423B68215}"/>
                 </a:ext>
                 <a:ext uri="{C183D7F6-B498-43B3-948B-1728B52AA6E4}">
-                  <adec:decorative xmlns:adec="http://schemas.microsoft.com/office/drawing/2017/decorative" val="1"/>
+                  <adec:decorative xmlns:adec="http://schemas.microsoft.com/office/drawing/2017/decorative" xmlns="" val="1"/>
                 </a:ext>
               </a:extLst>
             </p:cNvPr>
@@ -18101,7 +17956,7 @@
             <p:nvPr>
               <p:extLst>
                 <p:ext uri="{386F3935-93C4-4BCD-93E2-E3B085C9AB24}">
-                  <p16:designElem xmlns:p16="http://schemas.microsoft.com/office/powerpoint/2015/main" val="1"/>
+                  <p16:designElem xmlns:p16="http://schemas.microsoft.com/office/powerpoint/2015/main" xmlns="" val="1"/>
                 </p:ext>
               </p:extLst>
             </p:nvPr>
@@ -18149,8 +18004,8 @@
               <a:noFill/>
             </a:ln>
             <a:extLst>
-              <a:ext uri="{91240B29-F687-4f45-9708-019B960494DF}">
-                <a14:hiddenLine xmlns="" xmlns:a16="http://schemas.microsoft.com/office/drawing/2014/main" xmlns:a14="http://schemas.microsoft.com/office/drawing/2010/main" xmlns:p14="http://schemas.microsoft.com/office/powerpoint/2010/main" w="9525">
+              <a:ext uri="{91240B29-F687-4F45-9708-019B960494DF}">
+                <a14:hiddenLine xmlns:a14="http://schemas.microsoft.com/office/drawing/2010/main" w="9525">
                   <a:solidFill>
                     <a:srgbClr val="000000"/>
                   </a:solidFill>
@@ -18167,10 +18022,10 @@
             <p:cNvPr id="67" name="Freeform 56">
               <a:extLst>
                 <a:ext uri="{FF2B5EF4-FFF2-40B4-BE49-F238E27FC236}">
-                  <a16:creationId xmlns:a16="http://schemas.microsoft.com/office/drawing/2014/main" id="{E4D1AC66-8164-4BBC-89D5-69FE7A4FC2E2}"/>
+                  <a16:creationId xmlns:a16="http://schemas.microsoft.com/office/drawing/2014/main" xmlns="" id="{E4D1AC66-8164-4BBC-89D5-69FE7A4FC2E2}"/>
                 </a:ext>
                 <a:ext uri="{C183D7F6-B498-43B3-948B-1728B52AA6E4}">
-                  <adec:decorative xmlns:adec="http://schemas.microsoft.com/office/drawing/2017/decorative" val="1"/>
+                  <adec:decorative xmlns:adec="http://schemas.microsoft.com/office/drawing/2017/decorative" xmlns="" val="1"/>
                 </a:ext>
               </a:extLst>
             </p:cNvPr>
@@ -18180,7 +18035,7 @@
             <p:nvPr>
               <p:extLst>
                 <p:ext uri="{386F3935-93C4-4BCD-93E2-E3B085C9AB24}">
-                  <p16:designElem xmlns:p16="http://schemas.microsoft.com/office/powerpoint/2015/main" val="1"/>
+                  <p16:designElem xmlns:p16="http://schemas.microsoft.com/office/powerpoint/2015/main" xmlns="" val="1"/>
                 </p:ext>
               </p:extLst>
             </p:nvPr>
@@ -18284,8 +18139,8 @@
               <a:noFill/>
             </a:ln>
             <a:extLst>
-              <a:ext uri="{91240B29-F687-4f45-9708-019B960494DF}">
-                <a14:hiddenLine xmlns="" xmlns:a16="http://schemas.microsoft.com/office/drawing/2014/main" xmlns:a14="http://schemas.microsoft.com/office/drawing/2010/main" xmlns:p14="http://schemas.microsoft.com/office/powerpoint/2010/main" w="9525">
+              <a:ext uri="{91240B29-F687-4F45-9708-019B960494DF}">
+                <a14:hiddenLine xmlns:a14="http://schemas.microsoft.com/office/drawing/2010/main" w="9525">
                   <a:solidFill>
                     <a:srgbClr val="000000"/>
                   </a:solidFill>
@@ -18302,10 +18157,10 @@
             <p:cNvPr id="68" name="Freeform 57">
               <a:extLst>
                 <a:ext uri="{FF2B5EF4-FFF2-40B4-BE49-F238E27FC236}">
-                  <a16:creationId xmlns:a16="http://schemas.microsoft.com/office/drawing/2014/main" id="{845A8868-488C-447D-979F-7E01B82ACB41}"/>
+                  <a16:creationId xmlns:a16="http://schemas.microsoft.com/office/drawing/2014/main" xmlns="" id="{845A8868-488C-447D-979F-7E01B82ACB41}"/>
                 </a:ext>
                 <a:ext uri="{C183D7F6-B498-43B3-948B-1728B52AA6E4}">
-                  <adec:decorative xmlns:adec="http://schemas.microsoft.com/office/drawing/2017/decorative" val="1"/>
+                  <adec:decorative xmlns:adec="http://schemas.microsoft.com/office/drawing/2017/decorative" xmlns="" val="1"/>
                 </a:ext>
               </a:extLst>
             </p:cNvPr>
@@ -18313,7 +18168,7 @@
             <p:nvPr>
               <p:extLst>
                 <p:ext uri="{386F3935-93C4-4BCD-93E2-E3B085C9AB24}">
-                  <p16:designElem xmlns:p16="http://schemas.microsoft.com/office/powerpoint/2015/main" val="1"/>
+                  <p16:designElem xmlns:p16="http://schemas.microsoft.com/office/powerpoint/2015/main" xmlns="" val="1"/>
                 </p:ext>
               </p:extLst>
             </p:nvPr>
@@ -18367,8 +18222,8 @@
               <a:noFill/>
             </a:ln>
             <a:extLst>
-              <a:ext uri="{91240B29-F687-4f45-9708-019B960494DF}">
-                <a14:hiddenLine xmlns="" xmlns:a16="http://schemas.microsoft.com/office/drawing/2014/main" xmlns:a14="http://schemas.microsoft.com/office/drawing/2010/main" xmlns:p14="http://schemas.microsoft.com/office/powerpoint/2010/main" w="9525">
+              <a:ext uri="{91240B29-F687-4F45-9708-019B960494DF}">
+                <a14:hiddenLine xmlns:a14="http://schemas.microsoft.com/office/drawing/2010/main" w="9525">
                   <a:solidFill>
                     <a:srgbClr val="000000"/>
                   </a:solidFill>
@@ -18385,10 +18240,10 @@
             <p:cNvPr id="69" name="Freeform 58">
               <a:extLst>
                 <a:ext uri="{FF2B5EF4-FFF2-40B4-BE49-F238E27FC236}">
-                  <a16:creationId xmlns:a16="http://schemas.microsoft.com/office/drawing/2014/main" id="{948639B9-9B88-432B-914E-6B70BAEB1DFA}"/>
+                  <a16:creationId xmlns:a16="http://schemas.microsoft.com/office/drawing/2014/main" xmlns="" id="{948639B9-9B88-432B-914E-6B70BAEB1DFA}"/>
                 </a:ext>
                 <a:ext uri="{C183D7F6-B498-43B3-948B-1728B52AA6E4}">
-                  <adec:decorative xmlns:adec="http://schemas.microsoft.com/office/drawing/2017/decorative" val="1"/>
+                  <adec:decorative xmlns:adec="http://schemas.microsoft.com/office/drawing/2017/decorative" xmlns="" val="1"/>
                 </a:ext>
               </a:extLst>
             </p:cNvPr>
@@ -18398,7 +18253,7 @@
             <p:nvPr>
               <p:extLst>
                 <p:ext uri="{386F3935-93C4-4BCD-93E2-E3B085C9AB24}">
-                  <p16:designElem xmlns:p16="http://schemas.microsoft.com/office/powerpoint/2015/main" val="1"/>
+                  <p16:designElem xmlns:p16="http://schemas.microsoft.com/office/powerpoint/2015/main" xmlns="" val="1"/>
                 </p:ext>
               </p:extLst>
             </p:nvPr>
@@ -18472,8 +18327,8 @@
               <a:noFill/>
             </a:ln>
             <a:extLst>
-              <a:ext uri="{91240B29-F687-4f45-9708-019B960494DF}">
-                <a14:hiddenLine xmlns="" xmlns:a16="http://schemas.microsoft.com/office/drawing/2014/main" xmlns:a14="http://schemas.microsoft.com/office/drawing/2010/main" xmlns:p14="http://schemas.microsoft.com/office/powerpoint/2010/main" w="9525">
+              <a:ext uri="{91240B29-F687-4F45-9708-019B960494DF}">
+                <a14:hiddenLine xmlns:a14="http://schemas.microsoft.com/office/drawing/2010/main" w="9525">
                   <a:solidFill>
                     <a:srgbClr val="000000"/>
                   </a:solidFill>
@@ -18491,7 +18346,7 @@
           <p:cNvPr id="4" name="Slide Number Placeholder 3">
             <a:extLst>
               <a:ext uri="{FF2B5EF4-FFF2-40B4-BE49-F238E27FC236}">
-                <a16:creationId xmlns:a16="http://schemas.microsoft.com/office/drawing/2014/main" id="{2DA14FCE-7851-4F69-AE4C-0E8C76CEC834}"/>
+                <a16:creationId xmlns:a16="http://schemas.microsoft.com/office/drawing/2014/main" xmlns="" id="{2DA14FCE-7851-4F69-AE4C-0E8C76CEC834}"/>
               </a:ext>
             </a:extLst>
           </p:cNvPr>
@@ -18535,10 +18390,10 @@
           <p:cNvPr id="71" name="Group 70">
             <a:extLst>
               <a:ext uri="{FF2B5EF4-FFF2-40B4-BE49-F238E27FC236}">
-                <a16:creationId xmlns:a16="http://schemas.microsoft.com/office/drawing/2014/main" id="{77EB1C59-16D1-4C5E-9775-50CB40E022FE}"/>
+                <a16:creationId xmlns:a16="http://schemas.microsoft.com/office/drawing/2014/main" xmlns="" id="{77EB1C59-16D1-4C5E-9775-50CB40E022FE}"/>
               </a:ext>
               <a:ext uri="{C183D7F6-B498-43B3-948B-1728B52AA6E4}">
-                <adec:decorative xmlns:adec="http://schemas.microsoft.com/office/drawing/2017/decorative" val="1"/>
+                <adec:decorative xmlns:adec="http://schemas.microsoft.com/office/drawing/2017/decorative" xmlns="" val="1"/>
               </a:ext>
             </a:extLst>
           </p:cNvPr>
@@ -18548,7 +18403,7 @@
           <p:nvPr>
             <p:extLst>
               <p:ext uri="{386F3935-93C4-4BCD-93E2-E3B085C9AB24}">
-                <p16:designElem xmlns:p16="http://schemas.microsoft.com/office/powerpoint/2015/main" val="1"/>
+                <p16:designElem xmlns:p16="http://schemas.microsoft.com/office/powerpoint/2015/main" xmlns="" val="1"/>
               </p:ext>
             </p:extLst>
           </p:nvPr>
@@ -18584,10 +18439,10 @@
             <p:cNvPr id="72" name="Freeform 32">
               <a:extLst>
                 <a:ext uri="{FF2B5EF4-FFF2-40B4-BE49-F238E27FC236}">
-                  <a16:creationId xmlns:a16="http://schemas.microsoft.com/office/drawing/2014/main" id="{08680D14-7FE7-4522-B5EE-76447F833961}"/>
+                  <a16:creationId xmlns:a16="http://schemas.microsoft.com/office/drawing/2014/main" xmlns="" id="{08680D14-7FE7-4522-B5EE-76447F833961}"/>
                 </a:ext>
                 <a:ext uri="{C183D7F6-B498-43B3-948B-1728B52AA6E4}">
-                  <adec:decorative xmlns:adec="http://schemas.microsoft.com/office/drawing/2017/decorative" val="1"/>
+                  <adec:decorative xmlns:adec="http://schemas.microsoft.com/office/drawing/2017/decorative" xmlns="" val="1"/>
                 </a:ext>
               </a:extLst>
             </p:cNvPr>
@@ -18595,7 +18450,7 @@
             <p:nvPr>
               <p:extLst>
                 <p:ext uri="{386F3935-93C4-4BCD-93E2-E3B085C9AB24}">
-                  <p16:designElem xmlns:p16="http://schemas.microsoft.com/office/powerpoint/2015/main" val="1"/>
+                  <p16:designElem xmlns:p16="http://schemas.microsoft.com/office/powerpoint/2015/main" xmlns="" val="1"/>
                 </p:ext>
               </p:extLst>
             </p:nvPr>
@@ -18646,8 +18501,8 @@
               <a:noFill/>
             </a:ln>
             <a:extLst>
-              <a:ext uri="{91240B29-F687-4f45-9708-019B960494DF}">
-                <a14:hiddenLine xmlns="" xmlns:a16="http://schemas.microsoft.com/office/drawing/2014/main" xmlns:a14="http://schemas.microsoft.com/office/drawing/2010/main" xmlns:p14="http://schemas.microsoft.com/office/powerpoint/2010/main" w="9525">
+              <a:ext uri="{91240B29-F687-4F45-9708-019B960494DF}">
+                <a14:hiddenLine xmlns:a14="http://schemas.microsoft.com/office/drawing/2010/main" w="9525">
                   <a:solidFill>
                     <a:srgbClr val="000000"/>
                   </a:solidFill>
@@ -18664,10 +18519,10 @@
             <p:cNvPr id="73" name="Freeform 33">
               <a:extLst>
                 <a:ext uri="{FF2B5EF4-FFF2-40B4-BE49-F238E27FC236}">
-                  <a16:creationId xmlns:a16="http://schemas.microsoft.com/office/drawing/2014/main" id="{D82C01B5-EC9C-4883-B130-115321E8B3E6}"/>
+                  <a16:creationId xmlns:a16="http://schemas.microsoft.com/office/drawing/2014/main" xmlns="" id="{D82C01B5-EC9C-4883-B130-115321E8B3E6}"/>
                 </a:ext>
                 <a:ext uri="{C183D7F6-B498-43B3-948B-1728B52AA6E4}">
-                  <adec:decorative xmlns:adec="http://schemas.microsoft.com/office/drawing/2017/decorative" val="1"/>
+                  <adec:decorative xmlns:adec="http://schemas.microsoft.com/office/drawing/2017/decorative" xmlns="" val="1"/>
                 </a:ext>
               </a:extLst>
             </p:cNvPr>
@@ -18677,7 +18532,7 @@
             <p:nvPr>
               <p:extLst>
                 <p:ext uri="{386F3935-93C4-4BCD-93E2-E3B085C9AB24}">
-                  <p16:designElem xmlns:p16="http://schemas.microsoft.com/office/powerpoint/2015/main" val="1"/>
+                  <p16:designElem xmlns:p16="http://schemas.microsoft.com/office/powerpoint/2015/main" xmlns="" val="1"/>
                 </p:ext>
               </p:extLst>
             </p:nvPr>
@@ -18776,8 +18631,8 @@
               <a:noFill/>
             </a:ln>
             <a:extLst>
-              <a:ext uri="{91240B29-F687-4f45-9708-019B960494DF}">
-                <a14:hiddenLine xmlns="" xmlns:a16="http://schemas.microsoft.com/office/drawing/2014/main" xmlns:a14="http://schemas.microsoft.com/office/drawing/2010/main" xmlns:p14="http://schemas.microsoft.com/office/powerpoint/2010/main" w="9525">
+              <a:ext uri="{91240B29-F687-4F45-9708-019B960494DF}">
+                <a14:hiddenLine xmlns:a14="http://schemas.microsoft.com/office/drawing/2010/main" w="9525">
                   <a:solidFill>
                     <a:srgbClr val="000000"/>
                   </a:solidFill>
@@ -18794,10 +18649,10 @@
             <p:cNvPr id="74" name="Freeform 34">
               <a:extLst>
                 <a:ext uri="{FF2B5EF4-FFF2-40B4-BE49-F238E27FC236}">
-                  <a16:creationId xmlns:a16="http://schemas.microsoft.com/office/drawing/2014/main" id="{DBBE5E83-362F-4EA7-A96D-0BC830A21701}"/>
+                  <a16:creationId xmlns:a16="http://schemas.microsoft.com/office/drawing/2014/main" xmlns="" id="{DBBE5E83-362F-4EA7-A96D-0BC830A21701}"/>
                 </a:ext>
                 <a:ext uri="{C183D7F6-B498-43B3-948B-1728B52AA6E4}">
-                  <adec:decorative xmlns:adec="http://schemas.microsoft.com/office/drawing/2017/decorative" val="1"/>
+                  <adec:decorative xmlns:adec="http://schemas.microsoft.com/office/drawing/2017/decorative" xmlns="" val="1"/>
                 </a:ext>
               </a:extLst>
             </p:cNvPr>
@@ -18807,7 +18662,7 @@
             <p:nvPr>
               <p:extLst>
                 <p:ext uri="{386F3935-93C4-4BCD-93E2-E3B085C9AB24}">
-                  <p16:designElem xmlns:p16="http://schemas.microsoft.com/office/powerpoint/2015/main" val="1"/>
+                  <p16:designElem xmlns:p16="http://schemas.microsoft.com/office/powerpoint/2015/main" xmlns="" val="1"/>
                 </p:ext>
               </p:extLst>
             </p:nvPr>
@@ -18881,8 +18736,8 @@
               <a:noFill/>
             </a:ln>
             <a:extLst>
-              <a:ext uri="{91240B29-F687-4f45-9708-019B960494DF}">
-                <a14:hiddenLine xmlns="" xmlns:a16="http://schemas.microsoft.com/office/drawing/2014/main" xmlns:a14="http://schemas.microsoft.com/office/drawing/2010/main" xmlns:p14="http://schemas.microsoft.com/office/powerpoint/2010/main" w="9525">
+              <a:ext uri="{91240B29-F687-4F45-9708-019B960494DF}">
+                <a14:hiddenLine xmlns:a14="http://schemas.microsoft.com/office/drawing/2010/main" w="9525">
                   <a:solidFill>
                     <a:srgbClr val="000000"/>
                   </a:solidFill>
@@ -18899,10 +18754,10 @@
             <p:cNvPr id="75" name="Freeform 35">
               <a:extLst>
                 <a:ext uri="{FF2B5EF4-FFF2-40B4-BE49-F238E27FC236}">
-                  <a16:creationId xmlns:a16="http://schemas.microsoft.com/office/drawing/2014/main" id="{3971FE03-8B37-43AF-8842-8D4411C3C53F}"/>
+                  <a16:creationId xmlns:a16="http://schemas.microsoft.com/office/drawing/2014/main" xmlns="" id="{3971FE03-8B37-43AF-8842-8D4411C3C53F}"/>
                 </a:ext>
                 <a:ext uri="{C183D7F6-B498-43B3-948B-1728B52AA6E4}">
-                  <adec:decorative xmlns:adec="http://schemas.microsoft.com/office/drawing/2017/decorative" val="1"/>
+                  <adec:decorative xmlns:adec="http://schemas.microsoft.com/office/drawing/2017/decorative" xmlns="" val="1"/>
                 </a:ext>
               </a:extLst>
             </p:cNvPr>
@@ -18910,7 +18765,7 @@
             <p:nvPr>
               <p:extLst>
                 <p:ext uri="{386F3935-93C4-4BCD-93E2-E3B085C9AB24}">
-                  <p16:designElem xmlns:p16="http://schemas.microsoft.com/office/powerpoint/2015/main" val="1"/>
+                  <p16:designElem xmlns:p16="http://schemas.microsoft.com/office/powerpoint/2015/main" xmlns="" val="1"/>
                 </p:ext>
               </p:extLst>
             </p:nvPr>
@@ -18961,8 +18816,8 @@
               <a:noFill/>
             </a:ln>
             <a:extLst>
-              <a:ext uri="{91240B29-F687-4f45-9708-019B960494DF}">
-                <a14:hiddenLine xmlns="" xmlns:a16="http://schemas.microsoft.com/office/drawing/2014/main" xmlns:a14="http://schemas.microsoft.com/office/drawing/2010/main" xmlns:p14="http://schemas.microsoft.com/office/powerpoint/2010/main" w="9525">
+              <a:ext uri="{91240B29-F687-4F45-9708-019B960494DF}">
+                <a14:hiddenLine xmlns:a14="http://schemas.microsoft.com/office/drawing/2010/main" w="9525">
                   <a:solidFill>
                     <a:srgbClr val="000000"/>
                   </a:solidFill>
@@ -18979,10 +18834,10 @@
             <p:cNvPr id="76" name="Freeform 36">
               <a:extLst>
                 <a:ext uri="{FF2B5EF4-FFF2-40B4-BE49-F238E27FC236}">
-                  <a16:creationId xmlns:a16="http://schemas.microsoft.com/office/drawing/2014/main" id="{8E4E3D41-4CF7-4D15-854A-C4330D3900B8}"/>
+                  <a16:creationId xmlns:a16="http://schemas.microsoft.com/office/drawing/2014/main" xmlns="" id="{8E4E3D41-4CF7-4D15-854A-C4330D3900B8}"/>
                 </a:ext>
                 <a:ext uri="{C183D7F6-B498-43B3-948B-1728B52AA6E4}">
-                  <adec:decorative xmlns:adec="http://schemas.microsoft.com/office/drawing/2017/decorative" val="1"/>
+                  <adec:decorative xmlns:adec="http://schemas.microsoft.com/office/drawing/2017/decorative" xmlns="" val="1"/>
                 </a:ext>
               </a:extLst>
             </p:cNvPr>
@@ -18992,7 +18847,7 @@
             <p:nvPr>
               <p:extLst>
                 <p:ext uri="{386F3935-93C4-4BCD-93E2-E3B085C9AB24}">
-                  <p16:designElem xmlns:p16="http://schemas.microsoft.com/office/powerpoint/2015/main" val="1"/>
+                  <p16:designElem xmlns:p16="http://schemas.microsoft.com/office/powerpoint/2015/main" xmlns="" val="1"/>
                 </p:ext>
               </p:extLst>
             </p:nvPr>
@@ -19066,8 +18921,8 @@
               <a:noFill/>
             </a:ln>
             <a:extLst>
-              <a:ext uri="{91240B29-F687-4f45-9708-019B960494DF}">
-                <a14:hiddenLine xmlns="" xmlns:a16="http://schemas.microsoft.com/office/drawing/2014/main" xmlns:a14="http://schemas.microsoft.com/office/drawing/2010/main" xmlns:p14="http://schemas.microsoft.com/office/powerpoint/2010/main" w="9525">
+              <a:ext uri="{91240B29-F687-4F45-9708-019B960494DF}">
+                <a14:hiddenLine xmlns:a14="http://schemas.microsoft.com/office/drawing/2010/main" w="9525">
                   <a:solidFill>
                     <a:srgbClr val="000000"/>
                   </a:solidFill>
@@ -19084,10 +18939,10 @@
             <p:cNvPr id="77" name="Freeform 37">
               <a:extLst>
                 <a:ext uri="{FF2B5EF4-FFF2-40B4-BE49-F238E27FC236}">
-                  <a16:creationId xmlns:a16="http://schemas.microsoft.com/office/drawing/2014/main" id="{78B649D7-3C5D-462D-B06A-D065135FE8A4}"/>
+                  <a16:creationId xmlns:a16="http://schemas.microsoft.com/office/drawing/2014/main" xmlns="" id="{78B649D7-3C5D-462D-B06A-D065135FE8A4}"/>
                 </a:ext>
                 <a:ext uri="{C183D7F6-B498-43B3-948B-1728B52AA6E4}">
-                  <adec:decorative xmlns:adec="http://schemas.microsoft.com/office/drawing/2017/decorative" val="1"/>
+                  <adec:decorative xmlns:adec="http://schemas.microsoft.com/office/drawing/2017/decorative" xmlns="" val="1"/>
                 </a:ext>
               </a:extLst>
             </p:cNvPr>
@@ -19095,7 +18950,7 @@
             <p:nvPr>
               <p:extLst>
                 <p:ext uri="{386F3935-93C4-4BCD-93E2-E3B085C9AB24}">
-                  <p16:designElem xmlns:p16="http://schemas.microsoft.com/office/powerpoint/2015/main" val="1"/>
+                  <p16:designElem xmlns:p16="http://schemas.microsoft.com/office/powerpoint/2015/main" xmlns="" val="1"/>
                 </p:ext>
               </p:extLst>
             </p:nvPr>
@@ -19149,8 +19004,8 @@
               <a:noFill/>
             </a:ln>
             <a:extLst>
-              <a:ext uri="{91240B29-F687-4f45-9708-019B960494DF}">
-                <a14:hiddenLine xmlns="" xmlns:a16="http://schemas.microsoft.com/office/drawing/2014/main" xmlns:a14="http://schemas.microsoft.com/office/drawing/2010/main" xmlns:p14="http://schemas.microsoft.com/office/powerpoint/2010/main" w="9525">
+              <a:ext uri="{91240B29-F687-4F45-9708-019B960494DF}">
+                <a14:hiddenLine xmlns:a14="http://schemas.microsoft.com/office/drawing/2010/main" w="9525">
                   <a:solidFill>
                     <a:srgbClr val="000000"/>
                   </a:solidFill>
@@ -19167,10 +19022,10 @@
             <p:cNvPr id="78" name="Freeform 38">
               <a:extLst>
                 <a:ext uri="{FF2B5EF4-FFF2-40B4-BE49-F238E27FC236}">
-                  <a16:creationId xmlns:a16="http://schemas.microsoft.com/office/drawing/2014/main" id="{7A3DDEF1-D28A-48D9-8E48-B2003DF2EEEC}"/>
+                  <a16:creationId xmlns:a16="http://schemas.microsoft.com/office/drawing/2014/main" xmlns="" id="{7A3DDEF1-D28A-48D9-8E48-B2003DF2EEEC}"/>
                 </a:ext>
                 <a:ext uri="{C183D7F6-B498-43B3-948B-1728B52AA6E4}">
-                  <adec:decorative xmlns:adec="http://schemas.microsoft.com/office/drawing/2017/decorative" val="1"/>
+                  <adec:decorative xmlns:adec="http://schemas.microsoft.com/office/drawing/2017/decorative" xmlns="" val="1"/>
                 </a:ext>
               </a:extLst>
             </p:cNvPr>
@@ -19180,7 +19035,7 @@
             <p:nvPr>
               <p:extLst>
                 <p:ext uri="{386F3935-93C4-4BCD-93E2-E3B085C9AB24}">
-                  <p16:designElem xmlns:p16="http://schemas.microsoft.com/office/powerpoint/2015/main" val="1"/>
+                  <p16:designElem xmlns:p16="http://schemas.microsoft.com/office/powerpoint/2015/main" xmlns="" val="1"/>
                 </p:ext>
               </p:extLst>
             </p:nvPr>
@@ -19254,8 +19109,8 @@
               <a:noFill/>
             </a:ln>
             <a:extLst>
-              <a:ext uri="{91240B29-F687-4f45-9708-019B960494DF}">
-                <a14:hiddenLine xmlns="" xmlns:a16="http://schemas.microsoft.com/office/drawing/2014/main" xmlns:a14="http://schemas.microsoft.com/office/drawing/2010/main" xmlns:p14="http://schemas.microsoft.com/office/powerpoint/2010/main" w="9525">
+              <a:ext uri="{91240B29-F687-4F45-9708-019B960494DF}">
+                <a14:hiddenLine xmlns:a14="http://schemas.microsoft.com/office/drawing/2010/main" w="9525">
                   <a:solidFill>
                     <a:srgbClr val="000000"/>
                   </a:solidFill>
@@ -19272,10 +19127,10 @@
             <p:cNvPr id="79" name="Freeform 39">
               <a:extLst>
                 <a:ext uri="{FF2B5EF4-FFF2-40B4-BE49-F238E27FC236}">
-                  <a16:creationId xmlns:a16="http://schemas.microsoft.com/office/drawing/2014/main" id="{4A56A02B-D000-45AB-B7DB-E47CA8E777D1}"/>
+                  <a16:creationId xmlns:a16="http://schemas.microsoft.com/office/drawing/2014/main" xmlns="" id="{4A56A02B-D000-45AB-B7DB-E47CA8E777D1}"/>
                 </a:ext>
                 <a:ext uri="{C183D7F6-B498-43B3-948B-1728B52AA6E4}">
-                  <adec:decorative xmlns:adec="http://schemas.microsoft.com/office/drawing/2017/decorative" val="1"/>
+                  <adec:decorative xmlns:adec="http://schemas.microsoft.com/office/drawing/2017/decorative" xmlns="" val="1"/>
                 </a:ext>
               </a:extLst>
             </p:cNvPr>
@@ -19283,7 +19138,7 @@
             <p:nvPr>
               <p:extLst>
                 <p:ext uri="{386F3935-93C4-4BCD-93E2-E3B085C9AB24}">
-                  <p16:designElem xmlns:p16="http://schemas.microsoft.com/office/powerpoint/2015/main" val="1"/>
+                  <p16:designElem xmlns:p16="http://schemas.microsoft.com/office/powerpoint/2015/main" xmlns="" val="1"/>
                 </p:ext>
               </p:extLst>
             </p:nvPr>
@@ -19337,8 +19192,8 @@
               <a:noFill/>
             </a:ln>
             <a:extLst>
-              <a:ext uri="{91240B29-F687-4f45-9708-019B960494DF}">
-                <a14:hiddenLine xmlns="" xmlns:a16="http://schemas.microsoft.com/office/drawing/2014/main" xmlns:a14="http://schemas.microsoft.com/office/drawing/2010/main" xmlns:p14="http://schemas.microsoft.com/office/powerpoint/2010/main" w="9525">
+              <a:ext uri="{91240B29-F687-4F45-9708-019B960494DF}">
+                <a14:hiddenLine xmlns:a14="http://schemas.microsoft.com/office/drawing/2010/main" w="9525">
                   <a:solidFill>
                     <a:srgbClr val="000000"/>
                   </a:solidFill>
@@ -19355,10 +19210,10 @@
             <p:cNvPr id="80" name="Freeform 40">
               <a:extLst>
                 <a:ext uri="{FF2B5EF4-FFF2-40B4-BE49-F238E27FC236}">
-                  <a16:creationId xmlns:a16="http://schemas.microsoft.com/office/drawing/2014/main" id="{343CE08B-7325-4244-99EA-5E58C982DB1C}"/>
+                  <a16:creationId xmlns:a16="http://schemas.microsoft.com/office/drawing/2014/main" xmlns="" id="{343CE08B-7325-4244-99EA-5E58C982DB1C}"/>
                 </a:ext>
                 <a:ext uri="{C183D7F6-B498-43B3-948B-1728B52AA6E4}">
-                  <adec:decorative xmlns:adec="http://schemas.microsoft.com/office/drawing/2017/decorative" val="1"/>
+                  <adec:decorative xmlns:adec="http://schemas.microsoft.com/office/drawing/2017/decorative" xmlns="" val="1"/>
                 </a:ext>
               </a:extLst>
             </p:cNvPr>
@@ -19368,7 +19223,7 @@
             <p:nvPr>
               <p:extLst>
                 <p:ext uri="{386F3935-93C4-4BCD-93E2-E3B085C9AB24}">
-                  <p16:designElem xmlns:p16="http://schemas.microsoft.com/office/powerpoint/2015/main" val="1"/>
+                  <p16:designElem xmlns:p16="http://schemas.microsoft.com/office/powerpoint/2015/main" xmlns="" val="1"/>
                 </p:ext>
               </p:extLst>
             </p:nvPr>
@@ -19442,8 +19297,8 @@
               <a:noFill/>
             </a:ln>
             <a:extLst>
-              <a:ext uri="{91240B29-F687-4f45-9708-019B960494DF}">
-                <a14:hiddenLine xmlns="" xmlns:a16="http://schemas.microsoft.com/office/drawing/2014/main" xmlns:a14="http://schemas.microsoft.com/office/drawing/2010/main" xmlns:p14="http://schemas.microsoft.com/office/powerpoint/2010/main" w="9525">
+              <a:ext uri="{91240B29-F687-4F45-9708-019B960494DF}">
+                <a14:hiddenLine xmlns:a14="http://schemas.microsoft.com/office/drawing/2010/main" w="9525">
                   <a:solidFill>
                     <a:srgbClr val="000000"/>
                   </a:solidFill>
@@ -19460,10 +19315,10 @@
             <p:cNvPr id="81" name="Rectangle 41">
               <a:extLst>
                 <a:ext uri="{FF2B5EF4-FFF2-40B4-BE49-F238E27FC236}">
-                  <a16:creationId xmlns:a16="http://schemas.microsoft.com/office/drawing/2014/main" id="{7F08E29E-A67F-410A-A810-7000201BFA84}"/>
+                  <a16:creationId xmlns:a16="http://schemas.microsoft.com/office/drawing/2014/main" xmlns="" id="{7F08E29E-A67F-410A-A810-7000201BFA84}"/>
                 </a:ext>
                 <a:ext uri="{C183D7F6-B498-43B3-948B-1728B52AA6E4}">
-                  <adec:decorative xmlns:adec="http://schemas.microsoft.com/office/drawing/2017/decorative" val="1"/>
+                  <adec:decorative xmlns:adec="http://schemas.microsoft.com/office/drawing/2017/decorative" xmlns="" val="1"/>
                 </a:ext>
               </a:extLst>
             </p:cNvPr>
@@ -19473,7 +19328,7 @@
             <p:nvPr>
               <p:extLst>
                 <p:ext uri="{386F3935-93C4-4BCD-93E2-E3B085C9AB24}">
-                  <p16:designElem xmlns:p16="http://schemas.microsoft.com/office/powerpoint/2015/main" val="1"/>
+                  <p16:designElem xmlns:p16="http://schemas.microsoft.com/office/powerpoint/2015/main" xmlns="" val="1"/>
                 </p:ext>
               </p:extLst>
             </p:nvPr>
@@ -19491,8 +19346,8 @@
               <a:noFill/>
             </a:ln>
             <a:extLst>
-              <a:ext uri="{91240B29-F687-4f45-9708-019B960494DF}">
-                <a14:hiddenLine xmlns="" xmlns:a16="http://schemas.microsoft.com/office/drawing/2014/main" xmlns:a14="http://schemas.microsoft.com/office/drawing/2010/main" xmlns:p14="http://schemas.microsoft.com/office/powerpoint/2010/main" w="9525">
+              <a:ext uri="{91240B29-F687-4F45-9708-019B960494DF}">
+                <a14:hiddenLine xmlns:a14="http://schemas.microsoft.com/office/drawing/2010/main" w="9525">
                   <a:solidFill>
                     <a:srgbClr val="000000"/>
                   </a:solidFill>
@@ -19510,7 +19365,7 @@
           <p:cNvPr id="83" name="TextBox 82">
             <a:extLst>
               <a:ext uri="{FF2B5EF4-FFF2-40B4-BE49-F238E27FC236}">
-                <a16:creationId xmlns:a16="http://schemas.microsoft.com/office/drawing/2014/main" id="{3102E83D-1475-44F7-B13D-10F44D5051B2}"/>
+                <a16:creationId xmlns:a16="http://schemas.microsoft.com/office/drawing/2014/main" xmlns="" id="{3102E83D-1475-44F7-B13D-10F44D5051B2}"/>
               </a:ext>
             </a:extLst>
           </p:cNvPr>
@@ -19519,7 +19374,7 @@
         </p:nvSpPr>
         <p:spPr>
           <a:xfrm>
-            <a:off x="5836672" y="4365070"/>
+            <a:off x="7451157" y="4098923"/>
             <a:ext cx="6093390" cy="2544286"/>
           </a:xfrm>
           <a:prstGeom prst="rect">
@@ -19533,7 +19388,7 @@
           </a:bodyPr>
           <a:lstStyle/>
           <a:p>
-            <a:pPr algn="ctr" defTabSz="914400">
+            <a:pPr defTabSz="914400">
               <a:lnSpc>
                 <a:spcPct val="120000"/>
               </a:lnSpc>
@@ -19552,34 +19407,7 @@
             </a:r>
           </a:p>
           <a:p>
-            <a:pPr algn="ctr" defTabSz="914400">
-              <a:lnSpc>
-                <a:spcPct val="120000"/>
-              </a:lnSpc>
-              <a:spcBef>
-                <a:spcPts val="1000"/>
-              </a:spcBef>
-              <a:buSzPct val="125000"/>
-            </a:pPr>
-            <a:r>
-              <a:rPr lang="en-IN" sz="1800" cap="all" dirty="0" err="1">
-                <a:solidFill>
-                  <a:srgbClr val="FFFFFF"/>
-                </a:solidFill>
-              </a:rPr>
-              <a:t>Girinath</a:t>
-            </a:r>
-            <a:r>
-              <a:rPr lang="en-IN" sz="1800" cap="all" dirty="0">
-                <a:solidFill>
-                  <a:srgbClr val="FFFFFF"/>
-                </a:solidFill>
-              </a:rPr>
-              <a:t> R</a:t>
-            </a:r>
-          </a:p>
-          <a:p>
-            <a:pPr algn="ctr" defTabSz="914400">
+            <a:pPr defTabSz="914400">
               <a:lnSpc>
                 <a:spcPct val="120000"/>
               </a:lnSpc>
@@ -19591,14 +19419,14 @@
             <a:r>
               <a:rPr lang="en-IN" sz="1800" cap="all" dirty="0">
                 <a:solidFill>
-                  <a:srgbClr val="FFFFFF"/>
+                  <a:schemeClr val="tx2"/>
                 </a:solidFill>
               </a:rPr>
-              <a:t>Karthikeyan N</a:t>
+              <a:t>Girinath R</a:t>
             </a:r>
           </a:p>
           <a:p>
-            <a:pPr algn="ctr" defTabSz="914400">
+            <a:pPr defTabSz="914400">
               <a:lnSpc>
                 <a:spcPct val="120000"/>
               </a:lnSpc>
@@ -19610,30 +19438,14 @@
             <a:r>
               <a:rPr lang="en-IN" sz="1800" cap="all" dirty="0">
                 <a:solidFill>
-                  <a:srgbClr val="FFFFFF"/>
+                  <a:schemeClr val="tx2"/>
                 </a:solidFill>
               </a:rPr>
-              <a:t>Kasi </a:t>
-            </a:r>
-            <a:r>
-              <a:rPr lang="en-IN" sz="1800" cap="all" dirty="0" err="1">
-                <a:solidFill>
-                  <a:srgbClr val="FFFFFF"/>
-                </a:solidFill>
-              </a:rPr>
-              <a:t>viswanathan</a:t>
-            </a:r>
-            <a:r>
-              <a:rPr lang="en-IN" sz="1800" cap="all" dirty="0">
-                <a:solidFill>
-                  <a:srgbClr val="FFFFFF"/>
-                </a:solidFill>
-              </a:rPr>
-              <a:t> S</a:t>
+              <a:t>Karthikeyan N</a:t>
             </a:r>
           </a:p>
           <a:p>
-            <a:pPr algn="ctr" defTabSz="914400">
+            <a:pPr defTabSz="914400">
               <a:lnSpc>
                 <a:spcPct val="120000"/>
               </a:lnSpc>
@@ -19645,7 +19457,42 @@
             <a:r>
               <a:rPr lang="en-IN" sz="1800" cap="all" dirty="0">
                 <a:solidFill>
-                  <a:srgbClr val="FFFFFF"/>
+                  <a:schemeClr val="tx2"/>
+                </a:solidFill>
+              </a:rPr>
+              <a:t>Kasi </a:t>
+            </a:r>
+            <a:r>
+              <a:rPr lang="en-IN" sz="1800" cap="all" dirty="0" err="1">
+                <a:solidFill>
+                  <a:schemeClr val="tx2"/>
+                </a:solidFill>
+              </a:rPr>
+              <a:t>viswanathan</a:t>
+            </a:r>
+            <a:r>
+              <a:rPr lang="en-IN" sz="1800" cap="all" dirty="0">
+                <a:solidFill>
+                  <a:schemeClr val="tx2"/>
+                </a:solidFill>
+              </a:rPr>
+              <a:t> S</a:t>
+            </a:r>
+          </a:p>
+          <a:p>
+            <a:pPr defTabSz="914400">
+              <a:lnSpc>
+                <a:spcPct val="120000"/>
+              </a:lnSpc>
+              <a:spcBef>
+                <a:spcPts val="1000"/>
+              </a:spcBef>
+              <a:buSzPct val="125000"/>
+            </a:pPr>
+            <a:r>
+              <a:rPr lang="en-IN" sz="1800" cap="all" dirty="0">
+                <a:solidFill>
+                  <a:schemeClr val="tx2"/>
                 </a:solidFill>
               </a:rPr>
               <a:t>Vasanth </a:t>
@@ -19653,7 +19500,7 @@
             <a:r>
               <a:rPr lang="en-IN" sz="1800" cap="all" dirty="0" err="1">
                 <a:solidFill>
-                  <a:srgbClr val="FFFFFF"/>
+                  <a:schemeClr val="tx2"/>
                 </a:solidFill>
               </a:rPr>
               <a:t>kumar</a:t>
@@ -19661,14 +19508,13 @@
             <a:r>
               <a:rPr lang="en-IN" sz="1800" cap="all" dirty="0">
                 <a:solidFill>
-                  <a:srgbClr val="FFFFFF"/>
+                  <a:schemeClr val="tx2"/>
                 </a:solidFill>
               </a:rPr>
               <a:t> v</a:t>
             </a:r>
           </a:p>
           <a:p>
-            <a:pPr algn="ctr"/>
             <a:endParaRPr lang="en-IN" sz="1800" dirty="0">
               <a:solidFill>
                 <a:srgbClr val="FFFFFF"/>
@@ -19687,18 +19533,9 @@
   <p:clrMapOvr>
     <a:masterClrMapping/>
   </p:clrMapOvr>
-  <mc:AlternateContent xmlns:mc="http://schemas.openxmlformats.org/markup-compatibility/2006" xmlns:p15="http://schemas.microsoft.com/office/powerpoint/2012/main">
-    <mc:Choice Requires="p15">
-      <p:transition xmlns:p14="http://schemas.microsoft.com/office/powerpoint/2010/main" spd="slow" p14:dur="1250">
-        <p15:prstTrans prst="peelOff"/>
-      </p:transition>
-    </mc:Choice>
-    <mc:Fallback xmlns="">
-      <p:transition spd="slow">
-        <p:fade/>
-      </p:transition>
-    </mc:Fallback>
-  </mc:AlternateContent>
+  <p:transition spd="slow">
+    <p:fade/>
+  </p:transition>
 </p:sld>
 </file>
 
@@ -19724,7 +19561,7 @@
           <p:cNvPr id="2" name="Title 1">
             <a:extLst>
               <a:ext uri="{FF2B5EF4-FFF2-40B4-BE49-F238E27FC236}">
-                <a16:creationId xmlns:a16="http://schemas.microsoft.com/office/drawing/2014/main" id="{3E1FF0FC-4C7D-4762-8E24-D02496D414AA}"/>
+                <a16:creationId xmlns:a16="http://schemas.microsoft.com/office/drawing/2014/main" xmlns="" id="{3E1FF0FC-4C7D-4762-8E24-D02496D414AA}"/>
               </a:ext>
             </a:extLst>
           </p:cNvPr>
@@ -19758,7 +19595,7 @@
           <p:cNvPr id="3" name="Content Placeholder 2">
             <a:extLst>
               <a:ext uri="{FF2B5EF4-FFF2-40B4-BE49-F238E27FC236}">
-                <a16:creationId xmlns:a16="http://schemas.microsoft.com/office/drawing/2014/main" id="{0C421272-31B0-440B-B615-6974F71BA339}"/>
+                <a16:creationId xmlns:a16="http://schemas.microsoft.com/office/drawing/2014/main" xmlns="" id="{0C421272-31B0-440B-B615-6974F71BA339}"/>
               </a:ext>
             </a:extLst>
           </p:cNvPr>
@@ -19802,7 +19639,7 @@
           <p:cNvPr id="4" name="Slide Number Placeholder 3">
             <a:extLst>
               <a:ext uri="{FF2B5EF4-FFF2-40B4-BE49-F238E27FC236}">
-                <a16:creationId xmlns:a16="http://schemas.microsoft.com/office/drawing/2014/main" id="{688010C3-FE03-4A9C-B048-60C5B3CA2120}"/>
+                <a16:creationId xmlns:a16="http://schemas.microsoft.com/office/drawing/2014/main" xmlns="" id="{688010C3-FE03-4A9C-B048-60C5B3CA2120}"/>
               </a:ext>
             </a:extLst>
           </p:cNvPr>
@@ -19836,18 +19673,9 @@
   <p:clrMapOvr>
     <a:masterClrMapping/>
   </p:clrMapOvr>
-  <mc:AlternateContent xmlns:mc="http://schemas.openxmlformats.org/markup-compatibility/2006" xmlns:p15="http://schemas.microsoft.com/office/powerpoint/2012/main">
-    <mc:Choice Requires="p15">
-      <p:transition xmlns:p14="http://schemas.microsoft.com/office/powerpoint/2010/main" spd="slow" p14:dur="1250">
-        <p15:prstTrans prst="peelOff"/>
-      </p:transition>
-    </mc:Choice>
-    <mc:Fallback xmlns="">
-      <p:transition spd="slow">
-        <p:fade/>
-      </p:transition>
-    </mc:Fallback>
-  </mc:AlternateContent>
+  <p:transition spd="slow">
+    <p:fade/>
+  </p:transition>
 </p:sld>
 </file>
 
@@ -19873,7 +19701,7 @@
           <p:cNvPr id="2" name="Slide Number Placeholder 1">
             <a:extLst>
               <a:ext uri="{FF2B5EF4-FFF2-40B4-BE49-F238E27FC236}">
-                <a16:creationId xmlns:a16="http://schemas.microsoft.com/office/drawing/2014/main" id="{B2D6660E-7E3C-49A1-BAD5-4853A64593F5}"/>
+                <a16:creationId xmlns:a16="http://schemas.microsoft.com/office/drawing/2014/main" xmlns="" id="{B2D6660E-7E3C-49A1-BAD5-4853A64593F5}"/>
               </a:ext>
             </a:extLst>
           </p:cNvPr>
@@ -19904,7 +19732,7 @@
           <p:cNvPr id="3" name="Table 3">
             <a:extLst>
               <a:ext uri="{FF2B5EF4-FFF2-40B4-BE49-F238E27FC236}">
-                <a16:creationId xmlns:a16="http://schemas.microsoft.com/office/drawing/2014/main" id="{487FFA1F-66A5-4F62-B3F6-02C473A4D3F6}"/>
+                <a16:creationId xmlns:a16="http://schemas.microsoft.com/office/drawing/2014/main" xmlns="" id="{487FFA1F-66A5-4F62-B3F6-02C473A4D3F6}"/>
               </a:ext>
             </a:extLst>
           </p:cNvPr>
@@ -19933,42 +19761,42 @@
                 <a:gridCol w="627796">
                   <a:extLst>
                     <a:ext uri="{9D8B030D-6E8A-4147-A177-3AD203B41FA5}">
-                      <a16:colId xmlns:a16="http://schemas.microsoft.com/office/drawing/2014/main" val="1754224045"/>
+                      <a16:colId xmlns:a16="http://schemas.microsoft.com/office/drawing/2014/main" xmlns="" val="1754224045"/>
                     </a:ext>
                   </a:extLst>
                 </a:gridCol>
                 <a:gridCol w="2279176">
                   <a:extLst>
                     <a:ext uri="{9D8B030D-6E8A-4147-A177-3AD203B41FA5}">
-                      <a16:colId xmlns:a16="http://schemas.microsoft.com/office/drawing/2014/main" val="2385718090"/>
+                      <a16:colId xmlns:a16="http://schemas.microsoft.com/office/drawing/2014/main" xmlns="" val="2385718090"/>
                     </a:ext>
                   </a:extLst>
                 </a:gridCol>
                 <a:gridCol w="1978925">
                   <a:extLst>
                     <a:ext uri="{9D8B030D-6E8A-4147-A177-3AD203B41FA5}">
-                      <a16:colId xmlns:a16="http://schemas.microsoft.com/office/drawing/2014/main" val="866317953"/>
+                      <a16:colId xmlns:a16="http://schemas.microsoft.com/office/drawing/2014/main" xmlns="" val="866317953"/>
                     </a:ext>
                   </a:extLst>
                 </a:gridCol>
                 <a:gridCol w="2101756">
                   <a:extLst>
                     <a:ext uri="{9D8B030D-6E8A-4147-A177-3AD203B41FA5}">
-                      <a16:colId xmlns:a16="http://schemas.microsoft.com/office/drawing/2014/main" val="488851140"/>
+                      <a16:colId xmlns:a16="http://schemas.microsoft.com/office/drawing/2014/main" xmlns="" val="488851140"/>
                     </a:ext>
                   </a:extLst>
                 </a:gridCol>
                 <a:gridCol w="1932335">
                   <a:extLst>
                     <a:ext uri="{9D8B030D-6E8A-4147-A177-3AD203B41FA5}">
-                      <a16:colId xmlns:a16="http://schemas.microsoft.com/office/drawing/2014/main" val="4193998565"/>
+                      <a16:colId xmlns:a16="http://schemas.microsoft.com/office/drawing/2014/main" xmlns="" val="4193998565"/>
                     </a:ext>
                   </a:extLst>
                 </a:gridCol>
                 <a:gridCol w="1766208">
                   <a:extLst>
                     <a:ext uri="{9D8B030D-6E8A-4147-A177-3AD203B41FA5}">
-                      <a16:colId xmlns:a16="http://schemas.microsoft.com/office/drawing/2014/main" val="769414471"/>
+                      <a16:colId xmlns:a16="http://schemas.microsoft.com/office/drawing/2014/main" xmlns="" val="769414471"/>
                     </a:ext>
                   </a:extLst>
                 </a:gridCol>
@@ -20324,7 +20152,7 @@
                 </a:tc>
                 <a:extLst>
                   <a:ext uri="{0D108BD9-81ED-4DB2-BD59-A6C34878D82A}">
-                    <a16:rowId xmlns:a16="http://schemas.microsoft.com/office/drawing/2014/main" val="3277988775"/>
+                    <a16:rowId xmlns:a16="http://schemas.microsoft.com/office/drawing/2014/main" xmlns="" val="3277988775"/>
                   </a:ext>
                 </a:extLst>
               </a:tr>
@@ -20635,7 +20463,7 @@
                 </a:tc>
                 <a:extLst>
                   <a:ext uri="{0D108BD9-81ED-4DB2-BD59-A6C34878D82A}">
-                    <a16:rowId xmlns:a16="http://schemas.microsoft.com/office/drawing/2014/main" val="2558650776"/>
+                    <a16:rowId xmlns:a16="http://schemas.microsoft.com/office/drawing/2014/main" xmlns="" val="2558650776"/>
                   </a:ext>
                 </a:extLst>
               </a:tr>
@@ -20966,7 +20794,7 @@
                 </a:tc>
                 <a:extLst>
                   <a:ext uri="{0D108BD9-81ED-4DB2-BD59-A6C34878D82A}">
-                    <a16:rowId xmlns:a16="http://schemas.microsoft.com/office/drawing/2014/main" val="4079164066"/>
+                    <a16:rowId xmlns:a16="http://schemas.microsoft.com/office/drawing/2014/main" xmlns="" val="4079164066"/>
                   </a:ext>
                 </a:extLst>
               </a:tr>
@@ -20979,7 +20807,7 @@
           <p:cNvPr id="4" name="TextBox 3">
             <a:extLst>
               <a:ext uri="{FF2B5EF4-FFF2-40B4-BE49-F238E27FC236}">
-                <a16:creationId xmlns:a16="http://schemas.microsoft.com/office/drawing/2014/main" id="{9CD3E185-FAF0-453C-AA12-3A3DCF05787E}"/>
+                <a16:creationId xmlns:a16="http://schemas.microsoft.com/office/drawing/2014/main" xmlns="" id="{9CD3E185-FAF0-453C-AA12-3A3DCF05787E}"/>
               </a:ext>
             </a:extLst>
           </p:cNvPr>
@@ -21021,18 +20849,9 @@
   <p:clrMapOvr>
     <a:masterClrMapping/>
   </p:clrMapOvr>
-  <mc:AlternateContent xmlns:mc="http://schemas.openxmlformats.org/markup-compatibility/2006" xmlns:p15="http://schemas.microsoft.com/office/powerpoint/2012/main">
-    <mc:Choice Requires="p15">
-      <p:transition xmlns:p14="http://schemas.microsoft.com/office/powerpoint/2010/main" spd="slow" p14:dur="1250">
-        <p15:prstTrans prst="peelOff"/>
-      </p:transition>
-    </mc:Choice>
-    <mc:Fallback xmlns="">
-      <p:transition spd="slow">
-        <p:fade/>
-      </p:transition>
-    </mc:Fallback>
-  </mc:AlternateContent>
+  <p:transition spd="slow">
+    <p:fade/>
+  </p:transition>
 </p:sld>
 </file>
 
@@ -21058,7 +20877,7 @@
           <p:cNvPr id="4" name="Table 3">
             <a:extLst>
               <a:ext uri="{FF2B5EF4-FFF2-40B4-BE49-F238E27FC236}">
-                <a16:creationId xmlns:a16="http://schemas.microsoft.com/office/drawing/2014/main" id="{3420C6C5-9797-4868-85D0-508FF5B676BF}"/>
+                <a16:creationId xmlns:a16="http://schemas.microsoft.com/office/drawing/2014/main" xmlns="" id="{3420C6C5-9797-4868-85D0-508FF5B676BF}"/>
               </a:ext>
             </a:extLst>
           </p:cNvPr>
@@ -21087,42 +20906,42 @@
                 <a:gridCol w="623369">
                   <a:extLst>
                     <a:ext uri="{9D8B030D-6E8A-4147-A177-3AD203B41FA5}">
-                      <a16:colId xmlns:a16="http://schemas.microsoft.com/office/drawing/2014/main" val="1754224045"/>
+                      <a16:colId xmlns:a16="http://schemas.microsoft.com/office/drawing/2014/main" xmlns="" val="1754224045"/>
                     </a:ext>
                   </a:extLst>
                 </a:gridCol>
                 <a:gridCol w="2396040">
                   <a:extLst>
                     <a:ext uri="{9D8B030D-6E8A-4147-A177-3AD203B41FA5}">
-                      <a16:colId xmlns:a16="http://schemas.microsoft.com/office/drawing/2014/main" val="2385718090"/>
+                      <a16:colId xmlns:a16="http://schemas.microsoft.com/office/drawing/2014/main" xmlns="" val="2385718090"/>
                     </a:ext>
                   </a:extLst>
                 </a:gridCol>
                 <a:gridCol w="1832038">
                   <a:extLst>
                     <a:ext uri="{9D8B030D-6E8A-4147-A177-3AD203B41FA5}">
-                      <a16:colId xmlns:a16="http://schemas.microsoft.com/office/drawing/2014/main" val="866317953"/>
+                      <a16:colId xmlns:a16="http://schemas.microsoft.com/office/drawing/2014/main" xmlns="" val="866317953"/>
                     </a:ext>
                   </a:extLst>
                 </a:gridCol>
                 <a:gridCol w="2086937">
                   <a:extLst>
                     <a:ext uri="{9D8B030D-6E8A-4147-A177-3AD203B41FA5}">
-                      <a16:colId xmlns:a16="http://schemas.microsoft.com/office/drawing/2014/main" val="488851140"/>
+                      <a16:colId xmlns:a16="http://schemas.microsoft.com/office/drawing/2014/main" xmlns="" val="488851140"/>
                     </a:ext>
                   </a:extLst>
                 </a:gridCol>
                 <a:gridCol w="1918711">
                   <a:extLst>
                     <a:ext uri="{9D8B030D-6E8A-4147-A177-3AD203B41FA5}">
-                      <a16:colId xmlns:a16="http://schemas.microsoft.com/office/drawing/2014/main" val="4193998565"/>
+                      <a16:colId xmlns:a16="http://schemas.microsoft.com/office/drawing/2014/main" xmlns="" val="4193998565"/>
                     </a:ext>
                   </a:extLst>
                 </a:gridCol>
                 <a:gridCol w="1753755">
                   <a:extLst>
                     <a:ext uri="{9D8B030D-6E8A-4147-A177-3AD203B41FA5}">
-                      <a16:colId xmlns:a16="http://schemas.microsoft.com/office/drawing/2014/main" val="769414471"/>
+                      <a16:colId xmlns:a16="http://schemas.microsoft.com/office/drawing/2014/main" xmlns="" val="769414471"/>
                     </a:ext>
                   </a:extLst>
                 </a:gridCol>
@@ -21521,7 +21340,7 @@
                 </a:tc>
                 <a:extLst>
                   <a:ext uri="{0D108BD9-81ED-4DB2-BD59-A6C34878D82A}">
-                    <a16:rowId xmlns:a16="http://schemas.microsoft.com/office/drawing/2014/main" val="2558650776"/>
+                    <a16:rowId xmlns:a16="http://schemas.microsoft.com/office/drawing/2014/main" xmlns="" val="2558650776"/>
                   </a:ext>
                 </a:extLst>
               </a:tr>
@@ -21828,7 +21647,7 @@
                 </a:tc>
                 <a:extLst>
                   <a:ext uri="{0D108BD9-81ED-4DB2-BD59-A6C34878D82A}">
-                    <a16:rowId xmlns:a16="http://schemas.microsoft.com/office/drawing/2014/main" val="4079164066"/>
+                    <a16:rowId xmlns:a16="http://schemas.microsoft.com/office/drawing/2014/main" xmlns="" val="4079164066"/>
                   </a:ext>
                 </a:extLst>
               </a:tr>
@@ -22158,7 +21977,7 @@
                 </a:tc>
                 <a:extLst>
                   <a:ext uri="{0D108BD9-81ED-4DB2-BD59-A6C34878D82A}">
-                    <a16:rowId xmlns:a16="http://schemas.microsoft.com/office/drawing/2014/main" val="977445616"/>
+                    <a16:rowId xmlns:a16="http://schemas.microsoft.com/office/drawing/2014/main" xmlns="" val="977445616"/>
                   </a:ext>
                 </a:extLst>
               </a:tr>
@@ -22176,18 +21995,9 @@
   <p:clrMapOvr>
     <a:masterClrMapping/>
   </p:clrMapOvr>
-  <mc:AlternateContent xmlns:mc="http://schemas.openxmlformats.org/markup-compatibility/2006" xmlns:p15="http://schemas.microsoft.com/office/powerpoint/2012/main">
-    <mc:Choice Requires="p15">
-      <p:transition xmlns:p14="http://schemas.microsoft.com/office/powerpoint/2010/main" spd="slow" p14:dur="1250">
-        <p15:prstTrans prst="peelOff"/>
-      </p:transition>
-    </mc:Choice>
-    <mc:Fallback xmlns="">
-      <p:transition spd="slow">
-        <p:fade/>
-      </p:transition>
-    </mc:Fallback>
-  </mc:AlternateContent>
+  <p:transition spd="slow">
+    <p:fade/>
+  </p:transition>
 </p:sld>
 </file>
 
@@ -22213,7 +22023,7 @@
           <p:cNvPr id="2" name="Slide Number Placeholder 1">
             <a:extLst>
               <a:ext uri="{FF2B5EF4-FFF2-40B4-BE49-F238E27FC236}">
-                <a16:creationId xmlns:a16="http://schemas.microsoft.com/office/drawing/2014/main" id="{A6250A26-3F67-4259-824B-20385BD1048A}"/>
+                <a16:creationId xmlns:a16="http://schemas.microsoft.com/office/drawing/2014/main" xmlns="" id="{A6250A26-3F67-4259-824B-20385BD1048A}"/>
               </a:ext>
             </a:extLst>
           </p:cNvPr>
@@ -22242,7 +22052,7 @@
           <p:cNvPr id="5" name="Oval 4">
             <a:extLst>
               <a:ext uri="{FF2B5EF4-FFF2-40B4-BE49-F238E27FC236}">
-                <a16:creationId xmlns:a16="http://schemas.microsoft.com/office/drawing/2014/main" id="{CF1442ED-87E1-4EB3-8CF9-8A5245A01DA0}"/>
+                <a16:creationId xmlns:a16="http://schemas.microsoft.com/office/drawing/2014/main" xmlns="" id="{CF1442ED-87E1-4EB3-8CF9-8A5245A01DA0}"/>
               </a:ext>
             </a:extLst>
           </p:cNvPr>
@@ -22307,7 +22117,7 @@
           <p:cNvPr id="13" name="Oval 12">
             <a:extLst>
               <a:ext uri="{FF2B5EF4-FFF2-40B4-BE49-F238E27FC236}">
-                <a16:creationId xmlns:a16="http://schemas.microsoft.com/office/drawing/2014/main" id="{92EDAE53-09A7-4338-AFE7-25A2A83E0565}"/>
+                <a16:creationId xmlns:a16="http://schemas.microsoft.com/office/drawing/2014/main" xmlns="" id="{92EDAE53-09A7-4338-AFE7-25A2A83E0565}"/>
               </a:ext>
             </a:extLst>
           </p:cNvPr>
@@ -22372,7 +22182,7 @@
           <p:cNvPr id="14" name="Oval 13">
             <a:extLst>
               <a:ext uri="{FF2B5EF4-FFF2-40B4-BE49-F238E27FC236}">
-                <a16:creationId xmlns:a16="http://schemas.microsoft.com/office/drawing/2014/main" id="{3AB6F5BB-DB76-4E97-9BE1-4A4B622BD0CD}"/>
+                <a16:creationId xmlns:a16="http://schemas.microsoft.com/office/drawing/2014/main" xmlns="" id="{3AB6F5BB-DB76-4E97-9BE1-4A4B622BD0CD}"/>
               </a:ext>
             </a:extLst>
           </p:cNvPr>
@@ -22434,7 +22244,7 @@
           <p:cNvPr id="15" name="Oval 14">
             <a:extLst>
               <a:ext uri="{FF2B5EF4-FFF2-40B4-BE49-F238E27FC236}">
-                <a16:creationId xmlns:a16="http://schemas.microsoft.com/office/drawing/2014/main" id="{25D7286A-DE7C-46DE-86A1-86E100CB0A72}"/>
+                <a16:creationId xmlns:a16="http://schemas.microsoft.com/office/drawing/2014/main" xmlns="" id="{25D7286A-DE7C-46DE-86A1-86E100CB0A72}"/>
               </a:ext>
             </a:extLst>
           </p:cNvPr>
@@ -22503,7 +22313,7 @@
           <p:cNvPr id="16" name="Oval 15">
             <a:extLst>
               <a:ext uri="{FF2B5EF4-FFF2-40B4-BE49-F238E27FC236}">
-                <a16:creationId xmlns:a16="http://schemas.microsoft.com/office/drawing/2014/main" id="{7FDB0DD4-F7B1-4892-8AAD-3EFAD8C0E6C8}"/>
+                <a16:creationId xmlns:a16="http://schemas.microsoft.com/office/drawing/2014/main" xmlns="" id="{7FDB0DD4-F7B1-4892-8AAD-3EFAD8C0E6C8}"/>
               </a:ext>
             </a:extLst>
           </p:cNvPr>
@@ -22568,7 +22378,7 @@
           <p:cNvPr id="17" name="Oval 16">
             <a:extLst>
               <a:ext uri="{FF2B5EF4-FFF2-40B4-BE49-F238E27FC236}">
-                <a16:creationId xmlns:a16="http://schemas.microsoft.com/office/drawing/2014/main" id="{E39CB3FB-E31F-4331-BCD9-67E4EA35EC17}"/>
+                <a16:creationId xmlns:a16="http://schemas.microsoft.com/office/drawing/2014/main" xmlns="" id="{E39CB3FB-E31F-4331-BCD9-67E4EA35EC17}"/>
               </a:ext>
             </a:extLst>
           </p:cNvPr>
@@ -22637,7 +22447,7 @@
           <p:cNvPr id="21" name="Arrow: Curved Down 20">
             <a:extLst>
               <a:ext uri="{FF2B5EF4-FFF2-40B4-BE49-F238E27FC236}">
-                <a16:creationId xmlns:a16="http://schemas.microsoft.com/office/drawing/2014/main" id="{89C8FEDD-39F4-420A-9CD7-49B05FAB0722}"/>
+                <a16:creationId xmlns:a16="http://schemas.microsoft.com/office/drawing/2014/main" xmlns="" id="{89C8FEDD-39F4-420A-9CD7-49B05FAB0722}"/>
               </a:ext>
             </a:extLst>
           </p:cNvPr>
@@ -22685,7 +22495,7 @@
           <p:cNvPr id="22" name="Arrow: Curved Left 21">
             <a:extLst>
               <a:ext uri="{FF2B5EF4-FFF2-40B4-BE49-F238E27FC236}">
-                <a16:creationId xmlns:a16="http://schemas.microsoft.com/office/drawing/2014/main" id="{DA924B5A-802A-4FAF-A23B-1CB8FC7D69D9}"/>
+                <a16:creationId xmlns:a16="http://schemas.microsoft.com/office/drawing/2014/main" xmlns="" id="{DA924B5A-802A-4FAF-A23B-1CB8FC7D69D9}"/>
               </a:ext>
             </a:extLst>
           </p:cNvPr>
@@ -22733,7 +22543,7 @@
           <p:cNvPr id="23" name="Arrow: Curved Down 22">
             <a:extLst>
               <a:ext uri="{FF2B5EF4-FFF2-40B4-BE49-F238E27FC236}">
-                <a16:creationId xmlns:a16="http://schemas.microsoft.com/office/drawing/2014/main" id="{67635A5B-D328-4E8D-9247-66A7467B98AF}"/>
+                <a16:creationId xmlns:a16="http://schemas.microsoft.com/office/drawing/2014/main" xmlns="" id="{67635A5B-D328-4E8D-9247-66A7467B98AF}"/>
               </a:ext>
             </a:extLst>
           </p:cNvPr>
@@ -22781,7 +22591,7 @@
           <p:cNvPr id="24" name="Arrow: Curved Up 23">
             <a:extLst>
               <a:ext uri="{FF2B5EF4-FFF2-40B4-BE49-F238E27FC236}">
-                <a16:creationId xmlns:a16="http://schemas.microsoft.com/office/drawing/2014/main" id="{C11E34B4-2A13-4D25-B1F5-ABBF73380031}"/>
+                <a16:creationId xmlns:a16="http://schemas.microsoft.com/office/drawing/2014/main" xmlns="" id="{C11E34B4-2A13-4D25-B1F5-ABBF73380031}"/>
               </a:ext>
             </a:extLst>
           </p:cNvPr>
@@ -22829,7 +22639,7 @@
           <p:cNvPr id="25" name="Arrow: Curved Up 24">
             <a:extLst>
               <a:ext uri="{FF2B5EF4-FFF2-40B4-BE49-F238E27FC236}">
-                <a16:creationId xmlns:a16="http://schemas.microsoft.com/office/drawing/2014/main" id="{BD7A229F-DFFE-4983-B350-2AC5CFDB9F4C}"/>
+                <a16:creationId xmlns:a16="http://schemas.microsoft.com/office/drawing/2014/main" xmlns="" id="{BD7A229F-DFFE-4983-B350-2AC5CFDB9F4C}"/>
               </a:ext>
             </a:extLst>
           </p:cNvPr>
@@ -22927,18 +22737,9 @@
   <p:clrMapOvr>
     <a:masterClrMapping/>
   </p:clrMapOvr>
-  <mc:AlternateContent xmlns:mc="http://schemas.openxmlformats.org/markup-compatibility/2006" xmlns:p15="http://schemas.microsoft.com/office/powerpoint/2012/main">
-    <mc:Choice Requires="p15">
-      <p:transition xmlns:p14="http://schemas.microsoft.com/office/powerpoint/2010/main" spd="slow" p14:dur="1250">
-        <p15:prstTrans prst="peelOff"/>
-      </p:transition>
-    </mc:Choice>
-    <mc:Fallback xmlns="">
-      <p:transition spd="slow">
-        <p:fade/>
-      </p:transition>
-    </mc:Fallback>
-  </mc:AlternateContent>
+  <p:transition spd="slow">
+    <p:fade/>
+  </p:transition>
   <p:timing>
     <p:tnLst>
       <p:par>
@@ -23636,7 +23437,7 @@
           <p:cNvPr id="2" name="Slide Number Placeholder 1">
             <a:extLst>
               <a:ext uri="{FF2B5EF4-FFF2-40B4-BE49-F238E27FC236}">
-                <a16:creationId xmlns:a16="http://schemas.microsoft.com/office/drawing/2014/main" id="{EC31C414-0E1C-4AEC-B363-9F31D9711C22}"/>
+                <a16:creationId xmlns:a16="http://schemas.microsoft.com/office/drawing/2014/main" xmlns="" id="{EC31C414-0E1C-4AEC-B363-9F31D9711C22}"/>
               </a:ext>
             </a:extLst>
           </p:cNvPr>
@@ -23665,7 +23466,7 @@
           <p:cNvPr id="3" name="Picture 4">
             <a:extLst>
               <a:ext uri="{FF2B5EF4-FFF2-40B4-BE49-F238E27FC236}">
-                <a16:creationId xmlns:a16="http://schemas.microsoft.com/office/drawing/2014/main" id="{FA22AC17-8727-47D4-A7CA-5C03FEBF46E8}"/>
+                <a16:creationId xmlns:a16="http://schemas.microsoft.com/office/drawing/2014/main" xmlns="" id="{FA22AC17-8727-47D4-A7CA-5C03FEBF46E8}"/>
               </a:ext>
             </a:extLst>
           </p:cNvPr>
@@ -23694,16 +23495,17 @@
           <a:prstGeom prst="rect">
             <a:avLst/>
           </a:prstGeom>
-          <a:ln w="127000" cap="sq">
+          <a:ln w="38100" cap="sq">
             <a:solidFill>
               <a:srgbClr val="000000"/>
             </a:solidFill>
+            <a:prstDash val="solid"/>
             <a:miter lim="800000"/>
           </a:ln>
           <a:effectLst>
-            <a:outerShdw blurRad="57150" dist="50800" dir="2700000" algn="tl" rotWithShape="0">
+            <a:outerShdw blurRad="50800" dist="38100" dir="2700000" algn="tl" rotWithShape="0">
               <a:srgbClr val="000000">
-                <a:alpha val="40000"/>
+                <a:alpha val="43000"/>
               </a:srgbClr>
             </a:outerShdw>
           </a:effectLst>
@@ -23714,7 +23516,7 @@
           <p:cNvPr id="4" name="Picture 4">
             <a:extLst>
               <a:ext uri="{FF2B5EF4-FFF2-40B4-BE49-F238E27FC236}">
-                <a16:creationId xmlns:a16="http://schemas.microsoft.com/office/drawing/2014/main" id="{AABAA69D-1BC4-47F0-950F-B71AF0AA054F}"/>
+                <a16:creationId xmlns:a16="http://schemas.microsoft.com/office/drawing/2014/main" xmlns="" id="{AABAA69D-1BC4-47F0-950F-B71AF0AA054F}"/>
               </a:ext>
             </a:extLst>
           </p:cNvPr>
@@ -23743,16 +23545,17 @@
           <a:prstGeom prst="rect">
             <a:avLst/>
           </a:prstGeom>
-          <a:ln w="127000" cap="sq">
+          <a:ln w="38100" cap="sq">
             <a:solidFill>
               <a:srgbClr val="000000"/>
             </a:solidFill>
+            <a:prstDash val="solid"/>
             <a:miter lim="800000"/>
           </a:ln>
           <a:effectLst>
-            <a:outerShdw blurRad="57150" dist="50800" dir="2700000" algn="tl" rotWithShape="0">
+            <a:outerShdw blurRad="50800" dist="38100" dir="2700000" algn="tl" rotWithShape="0">
               <a:srgbClr val="000000">
-                <a:alpha val="40000"/>
+                <a:alpha val="43000"/>
               </a:srgbClr>
             </a:outerShdw>
           </a:effectLst>
@@ -23763,7 +23566,7 @@
           <p:cNvPr id="5" name="TextBox 4">
             <a:extLst>
               <a:ext uri="{FF2B5EF4-FFF2-40B4-BE49-F238E27FC236}">
-                <a16:creationId xmlns:a16="http://schemas.microsoft.com/office/drawing/2014/main" id="{FDC9BB68-9303-41DE-AEDA-09A19EEE0516}"/>
+                <a16:creationId xmlns:a16="http://schemas.microsoft.com/office/drawing/2014/main" xmlns="" id="{FDC9BB68-9303-41DE-AEDA-09A19EEE0516}"/>
               </a:ext>
             </a:extLst>
           </p:cNvPr>
@@ -23800,7 +23603,7 @@
           <p:cNvPr id="6" name="TextBox 5">
             <a:extLst>
               <a:ext uri="{FF2B5EF4-FFF2-40B4-BE49-F238E27FC236}">
-                <a16:creationId xmlns:a16="http://schemas.microsoft.com/office/drawing/2014/main" id="{7756AEDE-0764-4D99-AAB6-614B75EB1EB6}"/>
+                <a16:creationId xmlns:a16="http://schemas.microsoft.com/office/drawing/2014/main" xmlns="" id="{7756AEDE-0764-4D99-AAB6-614B75EB1EB6}"/>
               </a:ext>
             </a:extLst>
           </p:cNvPr>
@@ -23833,7 +23636,7 @@
           <p:cNvPr id="7" name="TextBox 6">
             <a:extLst>
               <a:ext uri="{FF2B5EF4-FFF2-40B4-BE49-F238E27FC236}">
-                <a16:creationId xmlns:a16="http://schemas.microsoft.com/office/drawing/2014/main" id="{2A98C6FC-7647-4A93-8467-8255E127E3D0}"/>
+                <a16:creationId xmlns:a16="http://schemas.microsoft.com/office/drawing/2014/main" xmlns="" id="{2A98C6FC-7647-4A93-8467-8255E127E3D0}"/>
               </a:ext>
             </a:extLst>
           </p:cNvPr>
@@ -23875,18 +23678,9 @@
   <p:clrMapOvr>
     <a:masterClrMapping/>
   </p:clrMapOvr>
-  <mc:AlternateContent xmlns:mc="http://schemas.openxmlformats.org/markup-compatibility/2006" xmlns:p15="http://schemas.microsoft.com/office/powerpoint/2012/main">
-    <mc:Choice Requires="p15">
-      <p:transition xmlns:p14="http://schemas.microsoft.com/office/powerpoint/2010/main" spd="slow" p14:dur="1250">
-        <p15:prstTrans prst="peelOff"/>
-      </p:transition>
-    </mc:Choice>
-    <mc:Fallback xmlns="">
-      <p:transition spd="slow">
-        <p:fade/>
-      </p:transition>
-    </mc:Fallback>
-  </mc:AlternateContent>
+  <p:transition spd="slow">
+    <p:fade/>
+  </p:transition>
   <p:timing>
     <p:tnLst>
       <p:par>
@@ -24122,7 +23916,7 @@
           <p:cNvPr id="2" name="Slide Number Placeholder 1">
             <a:extLst>
               <a:ext uri="{FF2B5EF4-FFF2-40B4-BE49-F238E27FC236}">
-                <a16:creationId xmlns:a16="http://schemas.microsoft.com/office/drawing/2014/main" id="{5172FDAB-C0F0-4181-AA14-80DD3D634EFA}"/>
+                <a16:creationId xmlns:a16="http://schemas.microsoft.com/office/drawing/2014/main" xmlns="" id="{5172FDAB-C0F0-4181-AA14-80DD3D634EFA}"/>
               </a:ext>
             </a:extLst>
           </p:cNvPr>
@@ -24151,7 +23945,7 @@
           <p:cNvPr id="3" name="TextBox 2">
             <a:extLst>
               <a:ext uri="{FF2B5EF4-FFF2-40B4-BE49-F238E27FC236}">
-                <a16:creationId xmlns:a16="http://schemas.microsoft.com/office/drawing/2014/main" id="{8AA88E48-D142-4B54-955B-1CE7997A722F}"/>
+                <a16:creationId xmlns:a16="http://schemas.microsoft.com/office/drawing/2014/main" xmlns="" id="{8AA88E48-D142-4B54-955B-1CE7997A722F}"/>
               </a:ext>
             </a:extLst>
           </p:cNvPr>
@@ -24193,18 +23987,9 @@
   <p:clrMapOvr>
     <a:masterClrMapping/>
   </p:clrMapOvr>
-  <mc:AlternateContent xmlns:mc="http://schemas.openxmlformats.org/markup-compatibility/2006" xmlns:p15="http://schemas.microsoft.com/office/powerpoint/2012/main">
-    <mc:Choice Requires="p15">
-      <p:transition xmlns:p14="http://schemas.microsoft.com/office/powerpoint/2010/main" spd="slow" p14:dur="1250">
-        <p15:prstTrans prst="peelOff"/>
-      </p:transition>
-    </mc:Choice>
-    <mc:Fallback xmlns="">
-      <p:transition spd="slow">
-        <p:fade/>
-      </p:transition>
-    </mc:Fallback>
-  </mc:AlternateContent>
+  <p:transition spd="slow">
+    <p:fade/>
+  </p:transition>
 </p:sld>
 </file>
 
@@ -24230,7 +24015,7 @@
           <p:cNvPr id="2" name="Slide Number Placeholder 1">
             <a:extLst>
               <a:ext uri="{FF2B5EF4-FFF2-40B4-BE49-F238E27FC236}">
-                <a16:creationId xmlns:a16="http://schemas.microsoft.com/office/drawing/2014/main" id="{14BBFD4E-DB68-4881-9471-A0FA30B2AD2F}"/>
+                <a16:creationId xmlns:a16="http://schemas.microsoft.com/office/drawing/2014/main" xmlns="" id="{14BBFD4E-DB68-4881-9471-A0FA30B2AD2F}"/>
               </a:ext>
             </a:extLst>
           </p:cNvPr>
@@ -24259,7 +24044,7 @@
           <p:cNvPr id="3" name="TextBox 2">
             <a:extLst>
               <a:ext uri="{FF2B5EF4-FFF2-40B4-BE49-F238E27FC236}">
-                <a16:creationId xmlns:a16="http://schemas.microsoft.com/office/drawing/2014/main" id="{A7BAE5C9-8C87-4D29-B0E6-E70D9EF3C54B}"/>
+                <a16:creationId xmlns:a16="http://schemas.microsoft.com/office/drawing/2014/main" xmlns="" id="{A7BAE5C9-8C87-4D29-B0E6-E70D9EF3C54B}"/>
               </a:ext>
             </a:extLst>
           </p:cNvPr>
@@ -24296,7 +24081,7 @@
           <p:cNvPr id="4" name="Picture 4">
             <a:extLst>
               <a:ext uri="{FF2B5EF4-FFF2-40B4-BE49-F238E27FC236}">
-                <a16:creationId xmlns:a16="http://schemas.microsoft.com/office/drawing/2014/main" id="{5E612828-01E2-4D12-A57D-CA9C0291F782}"/>
+                <a16:creationId xmlns:a16="http://schemas.microsoft.com/office/drawing/2014/main" xmlns="" id="{5E612828-01E2-4D12-A57D-CA9C0291F782}"/>
               </a:ext>
             </a:extLst>
           </p:cNvPr>
@@ -24306,7 +24091,7 @@
           <p:nvPr/>
         </p:nvPicPr>
         <p:blipFill>
-          <a:blip r:embed="rId2">
+          <a:blip r:embed="rId2" cstate="print">
             <a:extLst>
               <a:ext uri="{28A0092B-C50C-407E-A947-70E740481C1C}">
                 <a14:useLocalDpi xmlns:a14="http://schemas.microsoft.com/office/drawing/2010/main" val="0"/>
@@ -24332,7 +24117,7 @@
           <p:cNvPr id="5" name="Picture 5">
             <a:extLst>
               <a:ext uri="{FF2B5EF4-FFF2-40B4-BE49-F238E27FC236}">
-                <a16:creationId xmlns:a16="http://schemas.microsoft.com/office/drawing/2014/main" id="{9CC0DA13-AEAD-4F61-8314-31189201BCB3}"/>
+                <a16:creationId xmlns:a16="http://schemas.microsoft.com/office/drawing/2014/main" xmlns="" id="{9CC0DA13-AEAD-4F61-8314-31189201BCB3}"/>
               </a:ext>
             </a:extLst>
           </p:cNvPr>
@@ -24342,7 +24127,7 @@
           <p:nvPr/>
         </p:nvPicPr>
         <p:blipFill>
-          <a:blip r:embed="rId3">
+          <a:blip r:embed="rId3" cstate="print">
             <a:extLst>
               <a:ext uri="{28A0092B-C50C-407E-A947-70E740481C1C}">
                 <a14:useLocalDpi xmlns:a14="http://schemas.microsoft.com/office/drawing/2010/main" val="0"/>
@@ -24373,18 +24158,9 @@
   <p:clrMapOvr>
     <a:masterClrMapping/>
   </p:clrMapOvr>
-  <mc:AlternateContent xmlns:mc="http://schemas.openxmlformats.org/markup-compatibility/2006" xmlns:p15="http://schemas.microsoft.com/office/powerpoint/2012/main">
-    <mc:Choice Requires="p15">
-      <p:transition xmlns:p14="http://schemas.microsoft.com/office/powerpoint/2010/main" spd="slow" p14:dur="1250">
-        <p15:prstTrans prst="peelOff"/>
-      </p:transition>
-    </mc:Choice>
-    <mc:Fallback xmlns="">
-      <p:transition spd="slow">
-        <p:fade/>
-      </p:transition>
-    </mc:Fallback>
-  </mc:AlternateContent>
+  <p:transition spd="slow">
+    <p:fade/>
+  </p:transition>
 </p:sld>
 </file>
 
@@ -24410,7 +24186,7 @@
           <p:cNvPr id="2" name="Slide Number Placeholder 1">
             <a:extLst>
               <a:ext uri="{FF2B5EF4-FFF2-40B4-BE49-F238E27FC236}">
-                <a16:creationId xmlns:a16="http://schemas.microsoft.com/office/drawing/2014/main" id="{F9E2ADC0-1B8E-4FF2-8986-1D0235C39EE4}"/>
+                <a16:creationId xmlns:a16="http://schemas.microsoft.com/office/drawing/2014/main" xmlns="" id="{F9E2ADC0-1B8E-4FF2-8986-1D0235C39EE4}"/>
               </a:ext>
             </a:extLst>
           </p:cNvPr>
@@ -24439,7 +24215,7 @@
           <p:cNvPr id="4" name="Picture 4">
             <a:extLst>
               <a:ext uri="{FF2B5EF4-FFF2-40B4-BE49-F238E27FC236}">
-                <a16:creationId xmlns:a16="http://schemas.microsoft.com/office/drawing/2014/main" id="{0B004D67-6A44-491F-9D53-014935F2A4DF}"/>
+                <a16:creationId xmlns:a16="http://schemas.microsoft.com/office/drawing/2014/main" xmlns="" id="{0B004D67-6A44-491F-9D53-014935F2A4DF}"/>
               </a:ext>
             </a:extLst>
           </p:cNvPr>
@@ -24449,7 +24225,7 @@
           <p:nvPr/>
         </p:nvPicPr>
         <p:blipFill>
-          <a:blip r:embed="rId2">
+          <a:blip r:embed="rId2" cstate="print">
             <a:extLst>
               <a:ext uri="{28A0092B-C50C-407E-A947-70E740481C1C}">
                 <a14:useLocalDpi xmlns:a14="http://schemas.microsoft.com/office/drawing/2010/main" val="0"/>
@@ -24475,7 +24251,7 @@
           <p:cNvPr id="5" name="Picture 5">
             <a:extLst>
               <a:ext uri="{FF2B5EF4-FFF2-40B4-BE49-F238E27FC236}">
-                <a16:creationId xmlns:a16="http://schemas.microsoft.com/office/drawing/2014/main" id="{A4E17DD1-8B41-495A-BF4F-4A580A09C6F8}"/>
+                <a16:creationId xmlns:a16="http://schemas.microsoft.com/office/drawing/2014/main" xmlns="" id="{A4E17DD1-8B41-495A-BF4F-4A580A09C6F8}"/>
               </a:ext>
             </a:extLst>
           </p:cNvPr>
@@ -24485,7 +24261,7 @@
           <p:nvPr/>
         </p:nvPicPr>
         <p:blipFill rotWithShape="1">
-          <a:blip r:embed="rId3">
+          <a:blip r:embed="rId3" cstate="print">
             <a:extLst>
               <a:ext uri="{28A0092B-C50C-407E-A947-70E740481C1C}">
                 <a14:useLocalDpi xmlns:a14="http://schemas.microsoft.com/office/drawing/2010/main" val="0"/>
@@ -24515,18 +24291,9 @@
   <p:clrMapOvr>
     <a:masterClrMapping/>
   </p:clrMapOvr>
-  <mc:AlternateContent xmlns:mc="http://schemas.openxmlformats.org/markup-compatibility/2006" xmlns:p15="http://schemas.microsoft.com/office/powerpoint/2012/main">
-    <mc:Choice Requires="p15">
-      <p:transition xmlns:p14="http://schemas.microsoft.com/office/powerpoint/2010/main" spd="slow" p14:dur="1250">
-        <p15:prstTrans prst="peelOff"/>
-      </p:transition>
-    </mc:Choice>
-    <mc:Fallback xmlns="">
-      <p:transition spd="slow">
-        <p:fade/>
-      </p:transition>
-    </mc:Fallback>
-  </mc:AlternateContent>
+  <p:transition spd="slow">
+    <p:fade/>
+  </p:transition>
 </p:sld>
 </file>
 
@@ -24573,7 +24340,7 @@
     </a:clrScheme>
     <a:fontScheme name="Tw Cen MT-Rockwell">
       <a:majorFont>
-        <a:latin typeface="Tw Cen MT" panose="020B0602020104020603"/>
+        <a:latin typeface="Tw Cen MT"/>
         <a:ea typeface=""/>
         <a:cs typeface=""/>
         <a:font script="Grek" typeface="Calibri"/>
@@ -24610,7 +24377,7 @@
         <a:font script="Geor" typeface="Sylfaen"/>
       </a:majorFont>
       <a:minorFont>
-        <a:latin typeface="Rockwell" panose="02060603020205020403"/>
+        <a:latin typeface="Rockwell"/>
         <a:ea typeface=""/>
         <a:cs typeface=""/>
         <a:font script="Grek" typeface="Cambria"/>
@@ -24813,7 +24580,7 @@
   <a:extraClrSchemeLst/>
   <a:extLst>
     <a:ext uri="{05A4C25C-085E-4340-85A3-A5531E510DB2}">
-      <thm15:themeFamily xmlns:thm15="http://schemas.microsoft.com/office/thememl/2012/main" name="Circuit" id="{0AC2F7E7-15F5-431C-B2A2-456FE929F56C}" vid="{0911B802-464C-4241-8DD9-B60FF88E379F}"/>
+      <thm15:themeFamily xmlns:thm15="http://schemas.microsoft.com/office/thememl/2012/main" xmlns="" name="Circuit" id="{0AC2F7E7-15F5-431C-B2A2-456FE929F56C}" vid="{0911B802-464C-4241-8DD9-B60FF88E379F}"/>
     </a:ext>
   </a:extLst>
 </a:theme>
@@ -24862,7 +24629,7 @@
     </a:clrScheme>
     <a:fontScheme name="Office">
       <a:majorFont>
-        <a:latin typeface="Calibri Light" panose="020F0302020204030204"/>
+        <a:latin typeface="Calibri Light"/>
         <a:ea typeface=""/>
         <a:cs typeface=""/>
         <a:font script="Jpan" typeface="游ゴシック Light"/>
@@ -24914,7 +24681,7 @@
         <a:font script="Tfng" typeface="Ebrima"/>
       </a:majorFont>
       <a:minorFont>
-        <a:latin typeface="Calibri" panose="020F0502020204030204"/>
+        <a:latin typeface="Calibri"/>
         <a:ea typeface=""/>
         <a:cs typeface=""/>
         <a:font script="Jpan" typeface="游ゴシック"/>
@@ -25108,7 +24875,7 @@
   <a:extraClrSchemeLst/>
   <a:extLst>
     <a:ext uri="{05A4C25C-085E-4340-85A3-A5531E510DB2}">
-      <thm15:themeFamily xmlns:thm15="http://schemas.microsoft.com/office/thememl/2012/main" name="Office Theme" id="{62F939B6-93AF-4DB8-9C6B-D6C7DFDC589F}" vid="{4A3C46E8-61CC-4603-A589-7422A47A8E4A}"/>
+      <thm15:themeFamily xmlns:thm15="http://schemas.microsoft.com/office/thememl/2012/main" xmlns="" name="Office Theme" id="{62F939B6-93AF-4DB8-9C6B-D6C7DFDC589F}" vid="{4A3C46E8-61CC-4603-A589-7422A47A8E4A}"/>
     </a:ext>
   </a:extLst>
 </a:theme>
